--- a/expo/expo.pptx
+++ b/expo/expo.pptx
@@ -3049,7 +3049,29 @@
                 <a:ea typeface="Cambria"/>
                 <a:cs typeface="Times New Roman" panose="02020603050405020304" pitchFamily="18" charset="0"/>
               </a:rPr>
-              <a:t>Desarrollo de un aplicativo informático para el proceso de caracterización estudiantil en las Instituciones de Educación Superior</a:t>
+              <a:t>Desarrollo de </a:t>
+            </a:r>
+            <a:r>
+              <a:rPr lang="es-CO" sz="2600" dirty="0" smtClean="0">
+                <a:solidFill>
+                  <a:srgbClr val="000000"/>
+                </a:solidFill>
+                <a:latin typeface="+mn-lt"/>
+                <a:ea typeface="Cambria"/>
+                <a:cs typeface="Times New Roman" panose="02020603050405020304" pitchFamily="18" charset="0"/>
+              </a:rPr>
+              <a:t>una solución informática </a:t>
+            </a:r>
+            <a:r>
+              <a:rPr lang="es-CO" sz="2600" dirty="0">
+                <a:solidFill>
+                  <a:srgbClr val="000000"/>
+                </a:solidFill>
+                <a:latin typeface="+mn-lt"/>
+                <a:ea typeface="Cambria"/>
+                <a:cs typeface="Times New Roman" panose="02020603050405020304" pitchFamily="18" charset="0"/>
+              </a:rPr>
+              <a:t>para el proceso de caracterización estudiantil en las Instituciones de Educación Superior</a:t>
             </a:r>
             <a:r>
               <a:rPr lang="es-CO" sz="2600" dirty="0">
@@ -3172,7 +3194,7 @@
           <p:cNvPr id="2" name="Título 1">
             <a:extLst>
               <a:ext uri="{FF2B5EF4-FFF2-40B4-BE49-F238E27FC236}">
-                <a16:creationId xmlns="" xmlns:a16="http://schemas.microsoft.com/office/drawing/2014/main" id="{479D511D-23C3-4E2A-8FD0-827C19B8FE62}"/>
+                <a16:creationId xmlns:a16="http://schemas.microsoft.com/office/drawing/2014/main" xmlns="" id="{479D511D-23C3-4E2A-8FD0-827C19B8FE62}"/>
               </a:ext>
             </a:extLst>
           </p:cNvPr>
@@ -3210,7 +3232,7 @@
           <p:cNvPr id="7" name="CuadroTexto 6">
             <a:extLst>
               <a:ext uri="{FF2B5EF4-FFF2-40B4-BE49-F238E27FC236}">
-                <a16:creationId xmlns="" xmlns:a16="http://schemas.microsoft.com/office/drawing/2014/main" id="{9A9A517C-CD63-4999-91D2-533BFA31F83E}"/>
+                <a16:creationId xmlns:a16="http://schemas.microsoft.com/office/drawing/2014/main" xmlns="" id="{9A9A517C-CD63-4999-91D2-533BFA31F83E}"/>
               </a:ext>
             </a:extLst>
           </p:cNvPr>
@@ -3269,7 +3291,7 @@
           <p:cNvPr id="8" name="CuadroTexto 7">
             <a:extLst>
               <a:ext uri="{FF2B5EF4-FFF2-40B4-BE49-F238E27FC236}">
-                <a16:creationId xmlns="" xmlns:a16="http://schemas.microsoft.com/office/drawing/2014/main" id="{89E46AF4-218E-4E1B-B422-59B657A05EE8}"/>
+                <a16:creationId xmlns:a16="http://schemas.microsoft.com/office/drawing/2014/main" xmlns="" id="{89E46AF4-218E-4E1B-B422-59B657A05EE8}"/>
               </a:ext>
             </a:extLst>
           </p:cNvPr>
@@ -3278,8 +3300,8 @@
         </p:nvSpPr>
         <p:spPr>
           <a:xfrm>
-            <a:off x="6113494" y="6100001"/>
-            <a:ext cx="5790175" cy="523220"/>
+            <a:off x="6457242" y="6100001"/>
+            <a:ext cx="5102679" cy="461665"/>
           </a:xfrm>
           <a:prstGeom prst="rect">
             <a:avLst/>
@@ -3294,14 +3316,23 @@
           <a:p>
             <a:pPr algn="just"/>
             <a:r>
-              <a:rPr lang="es-MX" sz="2800" dirty="0"/>
+              <a:rPr lang="es-MX" sz="2400" i="1" dirty="0">
+                <a:latin typeface="Times New Roman" panose="02020603050405020304" pitchFamily="18" charset="0"/>
+                <a:cs typeface="Times New Roman" panose="02020603050405020304" pitchFamily="18" charset="0"/>
+              </a:rPr>
               <a:t>Ilustración 2: </a:t>
             </a:r>
             <a:r>
-              <a:rPr lang="es-MX" sz="2800" dirty="0" smtClean="0"/>
+              <a:rPr lang="es-MX" sz="2400" i="1" dirty="0" smtClean="0">
+                <a:latin typeface="Times New Roman" panose="02020603050405020304" pitchFamily="18" charset="0"/>
+                <a:cs typeface="Times New Roman" panose="02020603050405020304" pitchFamily="18" charset="0"/>
+              </a:rPr>
               <a:t>Modelo Entidad Relación</a:t>
             </a:r>
-            <a:endParaRPr lang="es-MX" sz="2800" dirty="0"/>
+            <a:endParaRPr lang="es-MX" sz="2400" i="1" dirty="0">
+              <a:latin typeface="Times New Roman" panose="02020603050405020304" pitchFamily="18" charset="0"/>
+              <a:cs typeface="Times New Roman" panose="02020603050405020304" pitchFamily="18" charset="0"/>
+            </a:endParaRPr>
           </a:p>
         </p:txBody>
       </p:sp>
@@ -3377,7 +3408,7 @@
           <p:cNvPr id="2" name="Título 1">
             <a:extLst>
               <a:ext uri="{FF2B5EF4-FFF2-40B4-BE49-F238E27FC236}">
-                <a16:creationId xmlns="" xmlns:a16="http://schemas.microsoft.com/office/drawing/2014/main" id="{C970F256-3488-4F4A-A764-07DD68032D5B}"/>
+                <a16:creationId xmlns:a16="http://schemas.microsoft.com/office/drawing/2014/main" xmlns="" id="{C970F256-3488-4F4A-A764-07DD68032D5B}"/>
               </a:ext>
             </a:extLst>
           </p:cNvPr>
@@ -3415,7 +3446,7 @@
           <p:cNvPr id="8" name="Marcador de contenido 2">
             <a:extLst>
               <a:ext uri="{FF2B5EF4-FFF2-40B4-BE49-F238E27FC236}">
-                <a16:creationId xmlns="" xmlns:a16="http://schemas.microsoft.com/office/drawing/2014/main" id="{3FB29320-5129-474A-B682-3F1DD8635B6B}"/>
+                <a16:creationId xmlns:a16="http://schemas.microsoft.com/office/drawing/2014/main" xmlns="" id="{3FB29320-5129-474A-B682-3F1DD8635B6B}"/>
               </a:ext>
             </a:extLst>
           </p:cNvPr>
@@ -3450,14 +3481,7 @@
                 <a:latin typeface="Times New Roman" panose="02020603050405020304" pitchFamily="18" charset="0"/>
                 <a:cs typeface="Times New Roman" panose="02020603050405020304" pitchFamily="18" charset="0"/>
               </a:rPr>
-              <a:t>I</a:t>
-            </a:r>
-            <a:r>
-              <a:rPr lang="es-MX" b="1" dirty="0" smtClean="0">
-                <a:latin typeface="Times New Roman" panose="02020603050405020304" pitchFamily="18" charset="0"/>
-                <a:cs typeface="Times New Roman" panose="02020603050405020304" pitchFamily="18" charset="0"/>
-              </a:rPr>
-              <a:t>II -</a:t>
+              <a:t>III -</a:t>
             </a:r>
             <a:r>
               <a:rPr lang="es-MX" b="1" dirty="0" smtClean="0"/>
@@ -3491,14 +3515,14 @@
           <p:nvPr>
             <p:extLst>
               <p:ext uri="{D42A27DB-BD31-4B8C-83A1-F6EECF244321}">
-                <p14:modId xmlns:p14="http://schemas.microsoft.com/office/powerpoint/2010/main" val="3430796807"/>
+                <p14:modId xmlns:p14="http://schemas.microsoft.com/office/powerpoint/2010/main" val="947218990"/>
               </p:ext>
             </p:extLst>
           </p:nvPr>
         </p:nvGraphicFramePr>
         <p:xfrm>
-          <a:off x="682440" y="1910553"/>
-          <a:ext cx="10671360" cy="4790148"/>
+          <a:off x="1725768" y="1908313"/>
+          <a:ext cx="9177271" cy="4058880"/>
         </p:xfrm>
         <a:graphic>
           <a:graphicData uri="http://schemas.openxmlformats.org/drawingml/2006/table">
@@ -3507,11 +3531,11 @@
                 <a:tableStyleId>{5C22544A-7EE6-4342-B048-85BDC9FD1C3A}</a:tableStyleId>
               </a:tblPr>
               <a:tblGrid>
-                <a:gridCol w="3249250"/>
-                <a:gridCol w="3249250"/>
-                <a:gridCol w="4172860"/>
+                <a:gridCol w="2794325"/>
+                <a:gridCol w="2794325"/>
+                <a:gridCol w="3588621"/>
               </a:tblGrid>
-              <a:tr h="399179">
+              <a:tr h="311053">
                 <a:tc>
                   <a:txBody>
                     <a:bodyPr/>
@@ -3519,12 +3543,12 @@
                     <a:p>
                       <a:pPr algn="ctr" fontAlgn="b"/>
                       <a:r>
-                        <a:rPr lang="es-CO" sz="2300" b="1" u="none" strike="noStrike">
+                        <a:rPr lang="es-CO" sz="2100" b="1" u="none" strike="noStrike" dirty="0">
                           <a:effectLst/>
                         </a:rPr>
                         <a:t>Herramientas</a:t>
                       </a:r>
-                      <a:endParaRPr lang="es-CO" sz="2300" b="1" i="0" u="none" strike="noStrike">
+                      <a:endParaRPr lang="es-CO" sz="2100" b="1" i="0" u="none" strike="noStrike" dirty="0">
                         <a:solidFill>
                           <a:srgbClr val="464646"/>
                         </a:solidFill>
@@ -3533,7 +3557,7 @@
                       </a:endParaRPr>
                     </a:p>
                   </a:txBody>
-                  <a:tcPr marL="19959" marR="19959" marT="19959" marB="0" anchor="b"/>
+                  <a:tcPr marL="18200" marR="18200" marT="18200" marB="0" anchor="b"/>
                 </a:tc>
                 <a:tc>
                   <a:txBody>
@@ -3542,12 +3566,12 @@
                     <a:p>
                       <a:pPr algn="ctr" fontAlgn="b"/>
                       <a:r>
-                        <a:rPr lang="es-CO" sz="2300" b="1" u="none" strike="noStrike">
+                        <a:rPr lang="es-CO" sz="2100" b="1" u="none" strike="noStrike">
                           <a:effectLst/>
                         </a:rPr>
                         <a:t>Lenguajes</a:t>
                       </a:r>
-                      <a:endParaRPr lang="es-CO" sz="2300" b="1" i="0" u="none" strike="noStrike">
+                      <a:endParaRPr lang="es-CO" sz="2100" b="1" i="0" u="none" strike="noStrike">
                         <a:solidFill>
                           <a:srgbClr val="464646"/>
                         </a:solidFill>
@@ -3556,7 +3580,7 @@
                       </a:endParaRPr>
                     </a:p>
                   </a:txBody>
-                  <a:tcPr marL="19959" marR="19959" marT="19959" marB="0" anchor="b"/>
+                  <a:tcPr marL="18200" marR="18200" marT="18200" marB="0" anchor="b"/>
                 </a:tc>
                 <a:tc>
                   <a:txBody>
@@ -3565,12 +3589,12 @@
                     <a:p>
                       <a:pPr algn="ctr" fontAlgn="b"/>
                       <a:r>
-                        <a:rPr lang="es-CO" sz="2300" b="1" u="none" strike="noStrike" dirty="0">
+                        <a:rPr lang="es-CO" sz="2100" b="1" u="none" strike="noStrike" dirty="0">
                           <a:effectLst/>
                         </a:rPr>
                         <a:t>Frameworks</a:t>
                       </a:r>
-                      <a:endParaRPr lang="es-CO" sz="2300" b="1" i="0" u="none" strike="noStrike" dirty="0">
+                      <a:endParaRPr lang="es-CO" sz="2100" b="1" i="0" u="none" strike="noStrike" dirty="0">
                         <a:solidFill>
                           <a:srgbClr val="464646"/>
                         </a:solidFill>
@@ -3579,10 +3603,10 @@
                       </a:endParaRPr>
                     </a:p>
                   </a:txBody>
-                  <a:tcPr marL="19959" marR="19959" marT="19959" marB="0" anchor="b"/>
+                  <a:tcPr marL="18200" marR="18200" marT="18200" marB="0" anchor="b"/>
                 </a:tc>
               </a:tr>
-              <a:tr h="399179">
+              <a:tr h="311053">
                 <a:tc>
                   <a:txBody>
                     <a:bodyPr/>
@@ -3590,12 +3614,12 @@
                     <a:p>
                       <a:pPr algn="ctr" fontAlgn="b"/>
                       <a:r>
-                        <a:rPr lang="es-CO" sz="2300" u="none" strike="noStrike">
+                        <a:rPr lang="es-CO" sz="2100" u="none" strike="noStrike" dirty="0" smtClean="0">
                           <a:effectLst/>
                         </a:rPr>
-                        <a:t>XAMPP</a:t>
+                        <a:t>XAMPP - LAMPP</a:t>
                       </a:r>
-                      <a:endParaRPr lang="es-CO" sz="2300" b="0" i="0" u="none" strike="noStrike">
+                      <a:endParaRPr lang="es-CO" sz="2100" b="0" i="0" u="none" strike="noStrike" dirty="0">
                         <a:solidFill>
                           <a:srgbClr val="464646"/>
                         </a:solidFill>
@@ -3604,7 +3628,7 @@
                       </a:endParaRPr>
                     </a:p>
                   </a:txBody>
-                  <a:tcPr marL="19959" marR="19959" marT="19959" marB="0" anchor="b"/>
+                  <a:tcPr marL="18200" marR="18200" marT="18200" marB="0" anchor="b"/>
                 </a:tc>
                 <a:tc>
                   <a:txBody>
@@ -3613,12 +3637,12 @@
                     <a:p>
                       <a:pPr algn="ctr" fontAlgn="b"/>
                       <a:r>
-                        <a:rPr lang="es-CO" sz="2300" u="none" strike="noStrike">
+                        <a:rPr lang="es-CO" sz="2100" u="none" strike="noStrike">
                           <a:effectLst/>
                         </a:rPr>
                         <a:t>HTML</a:t>
                       </a:r>
-                      <a:endParaRPr lang="es-CO" sz="2300" b="0" i="0" u="none" strike="noStrike">
+                      <a:endParaRPr lang="es-CO" sz="2100" b="0" i="0" u="none" strike="noStrike">
                         <a:solidFill>
                           <a:srgbClr val="464646"/>
                         </a:solidFill>
@@ -3627,7 +3651,7 @@
                       </a:endParaRPr>
                     </a:p>
                   </a:txBody>
-                  <a:tcPr marL="19959" marR="19959" marT="19959" marB="0" anchor="b"/>
+                  <a:tcPr marL="18200" marR="18200" marT="18200" marB="0" anchor="b"/>
                 </a:tc>
                 <a:tc>
                   <a:txBody>
@@ -3636,12 +3660,12 @@
                     <a:p>
                       <a:pPr algn="ctr" fontAlgn="b"/>
                       <a:r>
-                        <a:rPr lang="es-CO" sz="2300" u="none" strike="noStrike">
+                        <a:rPr lang="es-CO" sz="2100" u="none" strike="noStrike">
                           <a:effectLst/>
                         </a:rPr>
                         <a:t>itextpdf-5.5.1</a:t>
                       </a:r>
-                      <a:endParaRPr lang="es-CO" sz="2300" b="0" i="0" u="none" strike="noStrike">
+                      <a:endParaRPr lang="es-CO" sz="2100" b="0" i="0" u="none" strike="noStrike">
                         <a:solidFill>
                           <a:srgbClr val="464646"/>
                         </a:solidFill>
@@ -3650,10 +3674,10 @@
                       </a:endParaRPr>
                     </a:p>
                   </a:txBody>
-                  <a:tcPr marL="19959" marR="19959" marT="19959" marB="0" anchor="b"/>
+                  <a:tcPr marL="18200" marR="18200" marT="18200" marB="0" anchor="b"/>
                 </a:tc>
               </a:tr>
-              <a:tr h="399179">
+              <a:tr h="311053">
                 <a:tc>
                   <a:txBody>
                     <a:bodyPr/>
@@ -3661,12 +3685,12 @@
                     <a:p>
                       <a:pPr algn="ctr" fontAlgn="b"/>
                       <a:r>
-                        <a:rPr lang="es-CO" sz="2300" u="none" strike="noStrike">
+                        <a:rPr lang="es-CO" sz="2100" u="none" strike="noStrike" dirty="0">
                           <a:effectLst/>
                         </a:rPr>
                         <a:t>NetBeans IDE 8.2</a:t>
                       </a:r>
-                      <a:endParaRPr lang="es-CO" sz="2300" b="0" i="0" u="none" strike="noStrike">
+                      <a:endParaRPr lang="es-CO" sz="2100" b="0" i="0" u="none" strike="noStrike" dirty="0">
                         <a:solidFill>
                           <a:srgbClr val="464646"/>
                         </a:solidFill>
@@ -3675,7 +3699,7 @@
                       </a:endParaRPr>
                     </a:p>
                   </a:txBody>
-                  <a:tcPr marL="19959" marR="19959" marT="19959" marB="0" anchor="b"/>
+                  <a:tcPr marL="18200" marR="18200" marT="18200" marB="0" anchor="b"/>
                 </a:tc>
                 <a:tc>
                   <a:txBody>
@@ -3684,12 +3708,12 @@
                     <a:p>
                       <a:pPr algn="ctr" fontAlgn="b"/>
                       <a:r>
-                        <a:rPr lang="es-CO" sz="2300" u="none" strike="noStrike">
+                        <a:rPr lang="es-CO" sz="2100" u="none" strike="noStrike">
                           <a:effectLst/>
                         </a:rPr>
                         <a:t>CSS</a:t>
                       </a:r>
-                      <a:endParaRPr lang="es-CO" sz="2300" b="0" i="0" u="none" strike="noStrike">
+                      <a:endParaRPr lang="es-CO" sz="2100" b="0" i="0" u="none" strike="noStrike">
                         <a:solidFill>
                           <a:srgbClr val="464646"/>
                         </a:solidFill>
@@ -3698,7 +3722,7 @@
                       </a:endParaRPr>
                     </a:p>
                   </a:txBody>
-                  <a:tcPr marL="19959" marR="19959" marT="19959" marB="0" anchor="b"/>
+                  <a:tcPr marL="18200" marR="18200" marT="18200" marB="0" anchor="b"/>
                 </a:tc>
                 <a:tc>
                   <a:txBody>
@@ -3707,12 +3731,12 @@
                     <a:p>
                       <a:pPr algn="ctr" fontAlgn="b"/>
                       <a:r>
-                        <a:rPr lang="es-CO" sz="2300" u="none" strike="noStrike">
+                        <a:rPr lang="es-CO" sz="2100" u="none" strike="noStrike">
                           <a:effectLst/>
                         </a:rPr>
                         <a:t>jcommon-1.0.23</a:t>
                       </a:r>
-                      <a:endParaRPr lang="es-CO" sz="2300" b="0" i="0" u="none" strike="noStrike">
+                      <a:endParaRPr lang="es-CO" sz="2100" b="0" i="0" u="none" strike="noStrike">
                         <a:solidFill>
                           <a:srgbClr val="464646"/>
                         </a:solidFill>
@@ -3721,10 +3745,10 @@
                       </a:endParaRPr>
                     </a:p>
                   </a:txBody>
-                  <a:tcPr marL="19959" marR="19959" marT="19959" marB="0" anchor="b"/>
+                  <a:tcPr marL="18200" marR="18200" marT="18200" marB="0" anchor="b"/>
                 </a:tc>
               </a:tr>
-              <a:tr h="399179">
+              <a:tr h="311053">
                 <a:tc>
                   <a:txBody>
                     <a:bodyPr/>
@@ -3732,12 +3756,12 @@
                     <a:p>
                       <a:pPr algn="ctr" fontAlgn="b"/>
                       <a:r>
-                        <a:rPr lang="es-CO" sz="2300" u="none" strike="noStrike">
+                        <a:rPr lang="es-CO" sz="2100" u="none" strike="noStrike">
                           <a:effectLst/>
                         </a:rPr>
                         <a:t>Sublime Text 3</a:t>
                       </a:r>
-                      <a:endParaRPr lang="es-CO" sz="2300" b="0" i="0" u="none" strike="noStrike">
+                      <a:endParaRPr lang="es-CO" sz="2100" b="0" i="0" u="none" strike="noStrike">
                         <a:solidFill>
                           <a:srgbClr val="464646"/>
                         </a:solidFill>
@@ -3746,7 +3770,7 @@
                       </a:endParaRPr>
                     </a:p>
                   </a:txBody>
-                  <a:tcPr marL="19959" marR="19959" marT="19959" marB="0" anchor="b"/>
+                  <a:tcPr marL="18200" marR="18200" marT="18200" marB="0" anchor="b"/>
                 </a:tc>
                 <a:tc>
                   <a:txBody>
@@ -3755,12 +3779,12 @@
                     <a:p>
                       <a:pPr algn="ctr" fontAlgn="b"/>
                       <a:r>
-                        <a:rPr lang="es-CO" sz="2300" u="none" strike="noStrike">
+                        <a:rPr lang="es-CO" sz="2100" u="none" strike="noStrike">
                           <a:effectLst/>
                         </a:rPr>
                         <a:t>JS</a:t>
                       </a:r>
-                      <a:endParaRPr lang="es-CO" sz="2300" b="0" i="0" u="none" strike="noStrike">
+                      <a:endParaRPr lang="es-CO" sz="2100" b="0" i="0" u="none" strike="noStrike">
                         <a:solidFill>
                           <a:srgbClr val="464646"/>
                         </a:solidFill>
@@ -3769,7 +3793,7 @@
                       </a:endParaRPr>
                     </a:p>
                   </a:txBody>
-                  <a:tcPr marL="19959" marR="19959" marT="19959" marB="0" anchor="b"/>
+                  <a:tcPr marL="18200" marR="18200" marT="18200" marB="0" anchor="b"/>
                 </a:tc>
                 <a:tc>
                   <a:txBody>
@@ -3778,12 +3802,12 @@
                     <a:p>
                       <a:pPr algn="ctr" fontAlgn="b"/>
                       <a:r>
-                        <a:rPr lang="es-CO" sz="2300" u="none" strike="noStrike" dirty="0">
+                        <a:rPr lang="es-CO" sz="2100" u="none" strike="noStrike" dirty="0">
                           <a:effectLst/>
                         </a:rPr>
                         <a:t>jfreechart-1.0.19</a:t>
                       </a:r>
-                      <a:endParaRPr lang="es-CO" sz="2300" b="0" i="0" u="none" strike="noStrike" dirty="0">
+                      <a:endParaRPr lang="es-CO" sz="2100" b="0" i="0" u="none" strike="noStrike" dirty="0">
                         <a:solidFill>
                           <a:srgbClr val="464646"/>
                         </a:solidFill>
@@ -3792,10 +3816,10 @@
                       </a:endParaRPr>
                     </a:p>
                   </a:txBody>
-                  <a:tcPr marL="19959" marR="19959" marT="19959" marB="0" anchor="b"/>
+                  <a:tcPr marL="18200" marR="18200" marT="18200" marB="0" anchor="b"/>
                 </a:tc>
               </a:tr>
-              <a:tr h="399179">
+              <a:tr h="311053">
                 <a:tc>
                   <a:txBody>
                     <a:bodyPr/>
@@ -3803,12 +3827,12 @@
                     <a:p>
                       <a:pPr algn="ctr" fontAlgn="b"/>
                       <a:r>
-                        <a:rPr lang="es-CO" sz="2300" u="none" strike="noStrike">
+                        <a:rPr lang="es-CO" sz="2100" u="none" strike="noStrike">
                           <a:effectLst/>
                         </a:rPr>
                         <a:t>Apache Tomcat 9</a:t>
                       </a:r>
-                      <a:endParaRPr lang="es-CO" sz="2300" b="0" i="0" u="none" strike="noStrike">
+                      <a:endParaRPr lang="es-CO" sz="2100" b="0" i="0" u="none" strike="noStrike">
                         <a:solidFill>
                           <a:srgbClr val="464646"/>
                         </a:solidFill>
@@ -3817,7 +3841,7 @@
                       </a:endParaRPr>
                     </a:p>
                   </a:txBody>
-                  <a:tcPr marL="19959" marR="19959" marT="19959" marB="0" anchor="b"/>
+                  <a:tcPr marL="18200" marR="18200" marT="18200" marB="0" anchor="b"/>
                 </a:tc>
                 <a:tc>
                   <a:txBody>
@@ -3826,12 +3850,12 @@
                     <a:p>
                       <a:pPr algn="ctr" fontAlgn="b"/>
                       <a:r>
-                        <a:rPr lang="es-CO" sz="2300" u="none" strike="noStrike">
+                        <a:rPr lang="es-CO" sz="2100" u="none" strike="noStrike">
                           <a:effectLst/>
                         </a:rPr>
                         <a:t>SQL</a:t>
                       </a:r>
-                      <a:endParaRPr lang="es-CO" sz="2300" b="0" i="0" u="none" strike="noStrike">
+                      <a:endParaRPr lang="es-CO" sz="2100" b="0" i="0" u="none" strike="noStrike">
                         <a:solidFill>
                           <a:srgbClr val="464646"/>
                         </a:solidFill>
@@ -3840,7 +3864,7 @@
                       </a:endParaRPr>
                     </a:p>
                   </a:txBody>
-                  <a:tcPr marL="19959" marR="19959" marT="19959" marB="0" anchor="b"/>
+                  <a:tcPr marL="18200" marR="18200" marT="18200" marB="0" anchor="b"/>
                 </a:tc>
                 <a:tc>
                   <a:txBody>
@@ -3849,12 +3873,12 @@
                     <a:p>
                       <a:pPr algn="ctr" fontAlgn="b"/>
                       <a:r>
-                        <a:rPr lang="es-CO" sz="2300" u="none" strike="noStrike">
+                        <a:rPr lang="es-CO" sz="2100" u="none" strike="noStrike">
                           <a:effectLst/>
                         </a:rPr>
                         <a:t>mysql-connector-java-5.1.23-bin</a:t>
                       </a:r>
-                      <a:endParaRPr lang="es-CO" sz="2300" b="0" i="0" u="none" strike="noStrike">
+                      <a:endParaRPr lang="es-CO" sz="2100" b="0" i="0" u="none" strike="noStrike">
                         <a:solidFill>
                           <a:srgbClr val="464646"/>
                         </a:solidFill>
@@ -3863,10 +3887,10 @@
                       </a:endParaRPr>
                     </a:p>
                   </a:txBody>
-                  <a:tcPr marL="19959" marR="19959" marT="19959" marB="0" anchor="b"/>
+                  <a:tcPr marL="18200" marR="18200" marT="18200" marB="0" anchor="b"/>
                 </a:tc>
               </a:tr>
-              <a:tr h="399179">
+              <a:tr h="311053">
                 <a:tc>
                   <a:txBody>
                     <a:bodyPr/>
@@ -3874,12 +3898,12 @@
                     <a:p>
                       <a:pPr algn="ctr" fontAlgn="b"/>
                       <a:r>
-                        <a:rPr lang="es-CO" sz="2300" u="none" strike="noStrike">
+                        <a:rPr lang="es-CO" sz="2100" u="none" strike="noStrike">
                           <a:effectLst/>
                         </a:rPr>
                         <a:t>MySQL</a:t>
                       </a:r>
-                      <a:endParaRPr lang="es-CO" sz="2300" b="0" i="0" u="none" strike="noStrike">
+                      <a:endParaRPr lang="es-CO" sz="2100" b="0" i="0" u="none" strike="noStrike">
                         <a:solidFill>
                           <a:srgbClr val="464646"/>
                         </a:solidFill>
@@ -3888,7 +3912,7 @@
                       </a:endParaRPr>
                     </a:p>
                   </a:txBody>
-                  <a:tcPr marL="19959" marR="19959" marT="19959" marB="0" anchor="b"/>
+                  <a:tcPr marL="18200" marR="18200" marT="18200" marB="0" anchor="b"/>
                 </a:tc>
                 <a:tc>
                   <a:txBody>
@@ -3897,12 +3921,12 @@
                     <a:p>
                       <a:pPr algn="ctr" fontAlgn="b"/>
                       <a:r>
-                        <a:rPr lang="es-CO" sz="2300" u="none" strike="noStrike">
+                        <a:rPr lang="es-CO" sz="2100" u="none" strike="noStrike">
                           <a:effectLst/>
                         </a:rPr>
                         <a:t>JAVA</a:t>
                       </a:r>
-                      <a:endParaRPr lang="es-CO" sz="2300" b="0" i="0" u="none" strike="noStrike">
+                      <a:endParaRPr lang="es-CO" sz="2100" b="0" i="0" u="none" strike="noStrike">
                         <a:solidFill>
                           <a:srgbClr val="464646"/>
                         </a:solidFill>
@@ -3911,7 +3935,7 @@
                       </a:endParaRPr>
                     </a:p>
                   </a:txBody>
-                  <a:tcPr marL="19959" marR="19959" marT="19959" marB="0" anchor="b"/>
+                  <a:tcPr marL="18200" marR="18200" marT="18200" marB="0" anchor="b"/>
                 </a:tc>
                 <a:tc>
                   <a:txBody>
@@ -3920,12 +3944,12 @@
                     <a:p>
                       <a:pPr algn="ctr" fontAlgn="b"/>
                       <a:r>
-                        <a:rPr lang="es-CO" sz="2300" u="none" strike="noStrike">
+                        <a:rPr lang="es-CO" sz="2100" u="none" strike="noStrike">
                           <a:effectLst/>
                         </a:rPr>
                         <a:t>bootstrap3-3-7</a:t>
                       </a:r>
-                      <a:endParaRPr lang="es-CO" sz="2300" b="0" i="0" u="none" strike="noStrike">
+                      <a:endParaRPr lang="es-CO" sz="2100" b="0" i="0" u="none" strike="noStrike">
                         <a:solidFill>
                           <a:srgbClr val="464646"/>
                         </a:solidFill>
@@ -3934,10 +3958,10 @@
                       </a:endParaRPr>
                     </a:p>
                   </a:txBody>
-                  <a:tcPr marL="19959" marR="19959" marT="19959" marB="0" anchor="b"/>
+                  <a:tcPr marL="18200" marR="18200" marT="18200" marB="0" anchor="b"/>
                 </a:tc>
               </a:tr>
-              <a:tr h="399179">
+              <a:tr h="311053">
                 <a:tc>
                   <a:txBody>
                     <a:bodyPr/>
@@ -3945,12 +3969,12 @@
                     <a:p>
                       <a:pPr algn="ctr" fontAlgn="b"/>
                       <a:r>
-                        <a:rPr lang="es-CO" sz="2300" u="none" strike="noStrike">
+                        <a:rPr lang="es-CO" sz="2100" u="none" strike="noStrike">
                           <a:effectLst/>
                         </a:rPr>
                         <a:t>JRE</a:t>
                       </a:r>
-                      <a:endParaRPr lang="es-CO" sz="2300" b="0" i="0" u="none" strike="noStrike">
+                      <a:endParaRPr lang="es-CO" sz="2100" b="0" i="0" u="none" strike="noStrike">
                         <a:solidFill>
                           <a:srgbClr val="464646"/>
                         </a:solidFill>
@@ -3959,7 +3983,7 @@
                       </a:endParaRPr>
                     </a:p>
                   </a:txBody>
-                  <a:tcPr marL="19959" marR="19959" marT="19959" marB="0" anchor="b"/>
+                  <a:tcPr marL="18200" marR="18200" marT="18200" marB="0" anchor="b"/>
                 </a:tc>
                 <a:tc>
                   <a:txBody>
@@ -3968,12 +3992,12 @@
                     <a:p>
                       <a:pPr algn="ctr" fontAlgn="b"/>
                       <a:r>
-                        <a:rPr lang="es-CO" sz="2300" u="none" strike="noStrike">
+                        <a:rPr lang="es-CO" sz="2100" u="none" strike="noStrike">
                           <a:effectLst/>
                         </a:rPr>
                         <a:t> </a:t>
                       </a:r>
-                      <a:endParaRPr lang="es-CO" sz="2300" b="0" i="0" u="none" strike="noStrike">
+                      <a:endParaRPr lang="es-CO" sz="2100" b="0" i="0" u="none" strike="noStrike">
                         <a:solidFill>
                           <a:srgbClr val="464646"/>
                         </a:solidFill>
@@ -3982,7 +4006,7 @@
                       </a:endParaRPr>
                     </a:p>
                   </a:txBody>
-                  <a:tcPr marL="19959" marR="19959" marT="19959" marB="0" anchor="b"/>
+                  <a:tcPr marL="18200" marR="18200" marT="18200" marB="0" anchor="b"/>
                 </a:tc>
                 <a:tc>
                   <a:txBody>
@@ -3991,12 +4015,12 @@
                     <a:p>
                       <a:pPr algn="ctr" fontAlgn="b"/>
                       <a:r>
-                        <a:rPr lang="es-CO" sz="2300" u="none" strike="noStrike">
+                        <a:rPr lang="es-CO" sz="2100" u="none" strike="noStrike">
                           <a:effectLst/>
                         </a:rPr>
                         <a:t>bootstrap4-0-0</a:t>
                       </a:r>
-                      <a:endParaRPr lang="es-CO" sz="2300" b="0" i="0" u="none" strike="noStrike">
+                      <a:endParaRPr lang="es-CO" sz="2100" b="0" i="0" u="none" strike="noStrike">
                         <a:solidFill>
                           <a:srgbClr val="464646"/>
                         </a:solidFill>
@@ -4005,10 +4029,10 @@
                       </a:endParaRPr>
                     </a:p>
                   </a:txBody>
-                  <a:tcPr marL="19959" marR="19959" marT="19959" marB="0" anchor="b"/>
+                  <a:tcPr marL="18200" marR="18200" marT="18200" marB="0" anchor="b"/>
                 </a:tc>
               </a:tr>
-              <a:tr h="399179">
+              <a:tr h="311053">
                 <a:tc>
                   <a:txBody>
                     <a:bodyPr/>
@@ -4016,12 +4040,12 @@
                     <a:p>
                       <a:pPr algn="ctr" fontAlgn="b"/>
                       <a:r>
-                        <a:rPr lang="es-CO" sz="2300" u="none" strike="noStrike">
+                        <a:rPr lang="es-CO" sz="2100" u="none" strike="noStrike">
                           <a:effectLst/>
                         </a:rPr>
                         <a:t>JDK</a:t>
                       </a:r>
-                      <a:endParaRPr lang="es-CO" sz="2300" b="0" i="0" u="none" strike="noStrike">
+                      <a:endParaRPr lang="es-CO" sz="2100" b="0" i="0" u="none" strike="noStrike">
                         <a:solidFill>
                           <a:srgbClr val="464646"/>
                         </a:solidFill>
@@ -4030,7 +4054,7 @@
                       </a:endParaRPr>
                     </a:p>
                   </a:txBody>
-                  <a:tcPr marL="19959" marR="19959" marT="19959" marB="0" anchor="b"/>
+                  <a:tcPr marL="18200" marR="18200" marT="18200" marB="0" anchor="b"/>
                 </a:tc>
                 <a:tc>
                   <a:txBody>
@@ -4039,12 +4063,12 @@
                     <a:p>
                       <a:pPr algn="ctr" fontAlgn="b"/>
                       <a:r>
-                        <a:rPr lang="es-CO" sz="2300" u="none" strike="noStrike">
+                        <a:rPr lang="es-CO" sz="2100" u="none" strike="noStrike" dirty="0">
                           <a:effectLst/>
                         </a:rPr>
                         <a:t> </a:t>
                       </a:r>
-                      <a:endParaRPr lang="es-CO" sz="2300" b="0" i="0" u="none" strike="noStrike">
+                      <a:endParaRPr lang="es-CO" sz="2100" b="0" i="0" u="none" strike="noStrike" dirty="0">
                         <a:solidFill>
                           <a:srgbClr val="464646"/>
                         </a:solidFill>
@@ -4053,7 +4077,7 @@
                       </a:endParaRPr>
                     </a:p>
                   </a:txBody>
-                  <a:tcPr marL="19959" marR="19959" marT="19959" marB="0" anchor="b"/>
+                  <a:tcPr marL="18200" marR="18200" marT="18200" marB="0" anchor="b"/>
                 </a:tc>
                 <a:tc>
                   <a:txBody>
@@ -4062,12 +4086,12 @@
                     <a:p>
                       <a:pPr algn="ctr" fontAlgn="b"/>
                       <a:r>
-                        <a:rPr lang="es-CO" sz="2300" u="none" strike="noStrike">
+                        <a:rPr lang="es-CO" sz="2100" u="none" strike="noStrike">
                           <a:effectLst/>
                         </a:rPr>
                         <a:t>jquery3-2-1</a:t>
                       </a:r>
-                      <a:endParaRPr lang="es-CO" sz="2300" b="0" i="0" u="none" strike="noStrike">
+                      <a:endParaRPr lang="es-CO" sz="2100" b="0" i="0" u="none" strike="noStrike">
                         <a:solidFill>
                           <a:srgbClr val="464646"/>
                         </a:solidFill>
@@ -4076,10 +4100,10 @@
                       </a:endParaRPr>
                     </a:p>
                   </a:txBody>
-                  <a:tcPr marL="19959" marR="19959" marT="19959" marB="0" anchor="b"/>
+                  <a:tcPr marL="18200" marR="18200" marT="18200" marB="0" anchor="b"/>
                 </a:tc>
               </a:tr>
-              <a:tr h="399179">
+              <a:tr h="311053">
                 <a:tc>
                   <a:txBody>
                     <a:bodyPr/>
@@ -4087,12 +4111,12 @@
                     <a:p>
                       <a:pPr algn="ctr" fontAlgn="b"/>
                       <a:r>
-                        <a:rPr lang="es-CO" sz="2300" u="none" strike="noStrike">
+                        <a:rPr lang="es-CO" sz="2100" u="none" strike="noStrike">
                           <a:effectLst/>
                         </a:rPr>
                         <a:t>Terminator - bash</a:t>
                       </a:r>
-                      <a:endParaRPr lang="es-CO" sz="2300" b="0" i="0" u="none" strike="noStrike">
+                      <a:endParaRPr lang="es-CO" sz="2100" b="0" i="0" u="none" strike="noStrike">
                         <a:solidFill>
                           <a:srgbClr val="464646"/>
                         </a:solidFill>
@@ -4101,7 +4125,7 @@
                       </a:endParaRPr>
                     </a:p>
                   </a:txBody>
-                  <a:tcPr marL="19959" marR="19959" marT="19959" marB="0" anchor="b"/>
+                  <a:tcPr marL="18200" marR="18200" marT="18200" marB="0" anchor="b"/>
                 </a:tc>
                 <a:tc>
                   <a:txBody>
@@ -4110,12 +4134,12 @@
                     <a:p>
                       <a:pPr algn="ctr" fontAlgn="b"/>
                       <a:r>
-                        <a:rPr lang="es-CO" sz="2300" u="none" strike="noStrike">
+                        <a:rPr lang="es-CO" sz="2100" u="none" strike="noStrike">
                           <a:effectLst/>
                         </a:rPr>
                         <a:t> </a:t>
                       </a:r>
-                      <a:endParaRPr lang="es-CO" sz="2300" b="0" i="0" u="none" strike="noStrike">
+                      <a:endParaRPr lang="es-CO" sz="2100" b="0" i="0" u="none" strike="noStrike">
                         <a:solidFill>
                           <a:srgbClr val="464646"/>
                         </a:solidFill>
@@ -4124,7 +4148,7 @@
                       </a:endParaRPr>
                     </a:p>
                   </a:txBody>
-                  <a:tcPr marL="19959" marR="19959" marT="19959" marB="0" anchor="b"/>
+                  <a:tcPr marL="18200" marR="18200" marT="18200" marB="0" anchor="b"/>
                 </a:tc>
                 <a:tc>
                   <a:txBody>
@@ -4133,12 +4157,12 @@
                     <a:p>
                       <a:pPr algn="ctr" fontAlgn="b"/>
                       <a:r>
-                        <a:rPr lang="es-CO" sz="2300" u="none" strike="noStrike">
+                        <a:rPr lang="es-CO" sz="2100" u="none" strike="noStrike">
                           <a:effectLst/>
                         </a:rPr>
                         <a:t>jquery3-3-1</a:t>
                       </a:r>
-                      <a:endParaRPr lang="es-CO" sz="2300" b="0" i="0" u="none" strike="noStrike">
+                      <a:endParaRPr lang="es-CO" sz="2100" b="0" i="0" u="none" strike="noStrike">
                         <a:solidFill>
                           <a:srgbClr val="464646"/>
                         </a:solidFill>
@@ -4147,10 +4171,10 @@
                       </a:endParaRPr>
                     </a:p>
                   </a:txBody>
-                  <a:tcPr marL="19959" marR="19959" marT="19959" marB="0" anchor="b"/>
+                  <a:tcPr marL="18200" marR="18200" marT="18200" marB="0" anchor="b"/>
                 </a:tc>
               </a:tr>
-              <a:tr h="399179">
+              <a:tr h="311053">
                 <a:tc>
                   <a:txBody>
                     <a:bodyPr/>
@@ -4158,12 +4182,24 @@
                     <a:p>
                       <a:pPr algn="ctr" fontAlgn="b"/>
                       <a:r>
-                        <a:rPr lang="es-CO" sz="2300" u="none" strike="noStrike">
+                        <a:rPr lang="es-CO" sz="2100" u="none" strike="noStrike" dirty="0" smtClean="0">
+                          <a:effectLst/>
+                        </a:rPr>
+                        <a:t>GIT</a:t>
+                      </a:r>
+                      <a:r>
+                        <a:rPr lang="es-CO" sz="2100" u="none" strike="noStrike" baseline="0" dirty="0" smtClean="0">
+                          <a:effectLst/>
+                        </a:rPr>
+                        <a:t> - </a:t>
+                      </a:r>
+                      <a:r>
+                        <a:rPr lang="es-CO" sz="2100" u="none" strike="noStrike" dirty="0" smtClean="0">
                           <a:effectLst/>
                         </a:rPr>
                         <a:t>GitHub</a:t>
                       </a:r>
-                      <a:endParaRPr lang="es-CO" sz="2300" b="0" i="0" u="none" strike="noStrike">
+                      <a:endParaRPr lang="es-CO" sz="2100" b="0" i="0" u="none" strike="noStrike" dirty="0">
                         <a:solidFill>
                           <a:srgbClr val="464646"/>
                         </a:solidFill>
@@ -4172,7 +4208,7 @@
                       </a:endParaRPr>
                     </a:p>
                   </a:txBody>
-                  <a:tcPr marL="19959" marR="19959" marT="19959" marB="0" anchor="b"/>
+                  <a:tcPr marL="18200" marR="18200" marT="18200" marB="0" anchor="b"/>
                 </a:tc>
                 <a:tc>
                   <a:txBody>
@@ -4181,12 +4217,12 @@
                     <a:p>
                       <a:pPr algn="ctr" fontAlgn="b"/>
                       <a:r>
-                        <a:rPr lang="es-CO" sz="2300" u="none" strike="noStrike">
+                        <a:rPr lang="es-CO" sz="2100" u="none" strike="noStrike">
                           <a:effectLst/>
                         </a:rPr>
                         <a:t> </a:t>
                       </a:r>
-                      <a:endParaRPr lang="es-CO" sz="2300" b="0" i="0" u="none" strike="noStrike">
+                      <a:endParaRPr lang="es-CO" sz="2100" b="0" i="0" u="none" strike="noStrike">
                         <a:solidFill>
                           <a:srgbClr val="464646"/>
                         </a:solidFill>
@@ -4195,7 +4231,7 @@
                       </a:endParaRPr>
                     </a:p>
                   </a:txBody>
-                  <a:tcPr marL="19959" marR="19959" marT="19959" marB="0" anchor="b"/>
+                  <a:tcPr marL="18200" marR="18200" marT="18200" marB="0" anchor="b"/>
                 </a:tc>
                 <a:tc>
                   <a:txBody>
@@ -4204,12 +4240,12 @@
                     <a:p>
                       <a:pPr algn="ctr" fontAlgn="b"/>
                       <a:r>
-                        <a:rPr lang="es-CO" sz="2300" u="none" strike="noStrike">
+                        <a:rPr lang="es-CO" sz="2100" u="none" strike="noStrike">
                           <a:effectLst/>
                         </a:rPr>
                         <a:t>Grayscale v5.0.2</a:t>
                       </a:r>
-                      <a:endParaRPr lang="es-CO" sz="2300" b="0" i="0" u="none" strike="noStrike">
+                      <a:endParaRPr lang="es-CO" sz="2100" b="0" i="0" u="none" strike="noStrike">
                         <a:solidFill>
                           <a:srgbClr val="464646"/>
                         </a:solidFill>
@@ -4218,10 +4254,10 @@
                       </a:endParaRPr>
                     </a:p>
                   </a:txBody>
-                  <a:tcPr marL="19959" marR="19959" marT="19959" marB="0" anchor="b"/>
+                  <a:tcPr marL="18200" marR="18200" marT="18200" marB="0" anchor="b"/>
                 </a:tc>
               </a:tr>
-              <a:tr h="399179">
+              <a:tr h="311053">
                 <a:tc>
                   <a:txBody>
                     <a:bodyPr/>
@@ -4229,12 +4265,12 @@
                     <a:p>
                       <a:pPr algn="ctr" fontAlgn="b"/>
                       <a:r>
-                        <a:rPr lang="es-CO" sz="2300" u="none" strike="noStrike">
+                        <a:rPr lang="es-CO" sz="2100" u="none" strike="noStrike">
                           <a:effectLst/>
                         </a:rPr>
                         <a:t>Mozilla Firefox</a:t>
                       </a:r>
-                      <a:endParaRPr lang="es-CO" sz="2300" b="0" i="0" u="none" strike="noStrike">
+                      <a:endParaRPr lang="es-CO" sz="2100" b="0" i="0" u="none" strike="noStrike">
                         <a:solidFill>
                           <a:srgbClr val="464646"/>
                         </a:solidFill>
@@ -4243,7 +4279,7 @@
                       </a:endParaRPr>
                     </a:p>
                   </a:txBody>
-                  <a:tcPr marL="19959" marR="19959" marT="19959" marB="0" anchor="b"/>
+                  <a:tcPr marL="18200" marR="18200" marT="18200" marB="0" anchor="b"/>
                 </a:tc>
                 <a:tc>
                   <a:txBody>
@@ -4252,12 +4288,12 @@
                     <a:p>
                       <a:pPr algn="ctr" fontAlgn="b"/>
                       <a:r>
-                        <a:rPr lang="es-CO" sz="2300" u="none" strike="noStrike">
+                        <a:rPr lang="es-CO" sz="2100" u="none" strike="noStrike">
                           <a:effectLst/>
                         </a:rPr>
                         <a:t> </a:t>
                       </a:r>
-                      <a:endParaRPr lang="es-CO" sz="2300" b="0" i="0" u="none" strike="noStrike">
+                      <a:endParaRPr lang="es-CO" sz="2100" b="0" i="0" u="none" strike="noStrike">
                         <a:solidFill>
                           <a:srgbClr val="464646"/>
                         </a:solidFill>
@@ -4266,7 +4302,7 @@
                       </a:endParaRPr>
                     </a:p>
                   </a:txBody>
-                  <a:tcPr marL="19959" marR="19959" marT="19959" marB="0" anchor="b"/>
+                  <a:tcPr marL="18200" marR="18200" marT="18200" marB="0" anchor="b"/>
                 </a:tc>
                 <a:tc>
                   <a:txBody>
@@ -4275,12 +4311,18 @@
                     <a:p>
                       <a:pPr algn="ctr" fontAlgn="b"/>
                       <a:r>
-                        <a:rPr lang="es-CO" sz="2300" u="none" strike="noStrike">
+                        <a:rPr lang="es-CO" sz="2100" u="none" strike="noStrike" dirty="0">
                           <a:effectLst/>
                         </a:rPr>
                         <a:t> </a:t>
                       </a:r>
-                      <a:endParaRPr lang="es-CO" sz="2300" b="0" i="0" u="none" strike="noStrike">
+                      <a:r>
+                        <a:rPr lang="es-CO" sz="2100" u="none" strike="noStrike" dirty="0" smtClean="0">
+                          <a:effectLst/>
+                        </a:rPr>
+                        <a:t>Google Fonts</a:t>
+                      </a:r>
+                      <a:endParaRPr lang="es-CO" sz="2100" b="0" i="0" u="none" strike="noStrike" dirty="0">
                         <a:solidFill>
                           <a:srgbClr val="464646"/>
                         </a:solidFill>
@@ -4289,10 +4331,10 @@
                       </a:endParaRPr>
                     </a:p>
                   </a:txBody>
-                  <a:tcPr marL="19959" marR="19959" marT="19959" marB="0" anchor="b"/>
+                  <a:tcPr marL="18200" marR="18200" marT="18200" marB="0" anchor="b"/>
                 </a:tc>
               </a:tr>
-              <a:tr h="399179">
+              <a:tr h="311053">
                 <a:tc>
                   <a:txBody>
                     <a:bodyPr/>
@@ -4300,12 +4342,12 @@
                     <a:p>
                       <a:pPr algn="ctr" fontAlgn="b"/>
                       <a:r>
-                        <a:rPr lang="es-CO" sz="2300" u="none" strike="noStrike">
+                        <a:rPr lang="es-CO" sz="2100" u="none" strike="noStrike">
                           <a:effectLst/>
                         </a:rPr>
                         <a:t>Google Chrome</a:t>
                       </a:r>
-                      <a:endParaRPr lang="es-CO" sz="2300" b="0" i="0" u="none" strike="noStrike">
+                      <a:endParaRPr lang="es-CO" sz="2100" b="0" i="0" u="none" strike="noStrike">
                         <a:solidFill>
                           <a:srgbClr val="464646"/>
                         </a:solidFill>
@@ -4314,7 +4356,7 @@
                       </a:endParaRPr>
                     </a:p>
                   </a:txBody>
-                  <a:tcPr marL="19959" marR="19959" marT="19959" marB="0" anchor="b"/>
+                  <a:tcPr marL="18200" marR="18200" marT="18200" marB="0" anchor="b"/>
                 </a:tc>
                 <a:tc>
                   <a:txBody>
@@ -4323,12 +4365,12 @@
                     <a:p>
                       <a:pPr algn="ctr" fontAlgn="b"/>
                       <a:r>
-                        <a:rPr lang="es-CO" sz="2300" u="none" strike="noStrike">
+                        <a:rPr lang="es-CO" sz="2100" u="none" strike="noStrike">
                           <a:effectLst/>
                         </a:rPr>
                         <a:t> </a:t>
                       </a:r>
-                      <a:endParaRPr lang="es-CO" sz="2300" b="0" i="0" u="none" strike="noStrike">
+                      <a:endParaRPr lang="es-CO" sz="2100" b="0" i="0" u="none" strike="noStrike">
                         <a:solidFill>
                           <a:srgbClr val="464646"/>
                         </a:solidFill>
@@ -4337,7 +4379,7 @@
                       </a:endParaRPr>
                     </a:p>
                   </a:txBody>
-                  <a:tcPr marL="19959" marR="19959" marT="19959" marB="0" anchor="b"/>
+                  <a:tcPr marL="18200" marR="18200" marT="18200" marB="0" anchor="b"/>
                 </a:tc>
                 <a:tc>
                   <a:txBody>
@@ -4346,12 +4388,12 @@
                     <a:p>
                       <a:pPr algn="ctr" fontAlgn="b"/>
                       <a:r>
-                        <a:rPr lang="es-CO" sz="2300" u="none" strike="noStrike" dirty="0">
+                        <a:rPr lang="es-CO" sz="2100" u="none" strike="noStrike" dirty="0">
                           <a:effectLst/>
                         </a:rPr>
                         <a:t> </a:t>
                       </a:r>
-                      <a:endParaRPr lang="es-CO" sz="2300" b="0" i="0" u="none" strike="noStrike" dirty="0">
+                      <a:endParaRPr lang="es-CO" sz="2100" b="0" i="0" u="none" strike="noStrike" dirty="0">
                         <a:solidFill>
                           <a:srgbClr val="464646"/>
                         </a:solidFill>
@@ -4360,13 +4402,52 @@
                       </a:endParaRPr>
                     </a:p>
                   </a:txBody>
-                  <a:tcPr marL="19959" marR="19959" marT="19959" marB="0" anchor="b"/>
+                  <a:tcPr marL="18200" marR="18200" marT="18200" marB="0" anchor="b"/>
                 </a:tc>
               </a:tr>
             </a:tbl>
           </a:graphicData>
         </a:graphic>
       </p:graphicFrame>
+      <p:sp>
+        <p:nvSpPr>
+          <p:cNvPr id="5" name="CuadroTexto 4">
+            <a:extLst>
+              <a:ext uri="{FF2B5EF4-FFF2-40B4-BE49-F238E27FC236}">
+                <a16:creationId xmlns:a16="http://schemas.microsoft.com/office/drawing/2014/main" xmlns="" id="{BC049DBC-6933-4F01-99CD-12D18B825504}"/>
+              </a:ext>
+            </a:extLst>
+          </p:cNvPr>
+          <p:cNvSpPr txBox="1"/>
+          <p:nvPr/>
+        </p:nvSpPr>
+        <p:spPr>
+          <a:xfrm>
+            <a:off x="1856488" y="6298550"/>
+            <a:ext cx="7826373" cy="461665"/>
+          </a:xfrm>
+          <a:prstGeom prst="rect">
+            <a:avLst/>
+          </a:prstGeom>
+          <a:noFill/>
+        </p:spPr>
+        <p:txBody>
+          <a:bodyPr wrap="none" rtlCol="0">
+            <a:spAutoFit/>
+          </a:bodyPr>
+          <a:lstStyle/>
+          <a:p>
+            <a:pPr algn="just"/>
+            <a:r>
+              <a:rPr lang="es-MX" sz="2400" i="1" dirty="0" smtClean="0">
+                <a:latin typeface="Times New Roman" panose="02020603050405020304" pitchFamily="18" charset="0"/>
+                <a:cs typeface="Times New Roman" panose="02020603050405020304" pitchFamily="18" charset="0"/>
+              </a:rPr>
+              <a:t>Tabla 2: Herramientas usadas para el desarrollo del proyecto</a:t>
+            </a:r>
+          </a:p>
+        </p:txBody>
+      </p:sp>
     </p:spTree>
     <p:extLst>
       <p:ext uri="{BB962C8B-B14F-4D97-AF65-F5344CB8AC3E}">
@@ -4409,7 +4490,7 @@
           <p:cNvPr id="2" name="Título 1">
             <a:extLst>
               <a:ext uri="{FF2B5EF4-FFF2-40B4-BE49-F238E27FC236}">
-                <a16:creationId xmlns="" xmlns:a16="http://schemas.microsoft.com/office/drawing/2014/main" id="{C7865A72-DE1F-466B-A5F8-4414A393198E}"/>
+                <a16:creationId xmlns:a16="http://schemas.microsoft.com/office/drawing/2014/main" xmlns="" id="{C7865A72-DE1F-466B-A5F8-4414A393198E}"/>
               </a:ext>
             </a:extLst>
           </p:cNvPr>
@@ -4447,7 +4528,7 @@
           <p:cNvPr id="6" name="CuadroTexto 5">
             <a:extLst>
               <a:ext uri="{FF2B5EF4-FFF2-40B4-BE49-F238E27FC236}">
-                <a16:creationId xmlns="" xmlns:a16="http://schemas.microsoft.com/office/drawing/2014/main" id="{9175FBDA-696B-46FE-97CD-48084F55349C}"/>
+                <a16:creationId xmlns:a16="http://schemas.microsoft.com/office/drawing/2014/main" xmlns="" id="{9175FBDA-696B-46FE-97CD-48084F55349C}"/>
               </a:ext>
             </a:extLst>
           </p:cNvPr>
@@ -4532,7 +4613,7 @@
           <p:cNvPr id="2" name="Título 1">
             <a:extLst>
               <a:ext uri="{FF2B5EF4-FFF2-40B4-BE49-F238E27FC236}">
-                <a16:creationId xmlns="" xmlns:a16="http://schemas.microsoft.com/office/drawing/2014/main" id="{66349900-D031-47AB-BEDC-4E081B677983}"/>
+                <a16:creationId xmlns:a16="http://schemas.microsoft.com/office/drawing/2014/main" xmlns="" id="{66349900-D031-47AB-BEDC-4E081B677983}"/>
               </a:ext>
             </a:extLst>
           </p:cNvPr>
@@ -4562,7 +4643,7 @@
                   <a:schemeClr val="bg1"/>
                 </a:solidFill>
               </a:rPr>
-              <a:t>Aplicación  Administrador</a:t>
+              <a:t>Aplicación  administrador</a:t>
             </a:r>
             <a:endParaRPr lang="es-MX" b="1" dirty="0">
               <a:solidFill>
@@ -4611,10 +4692,10 @@
       </p:grpSpPr>
       <p:sp>
         <p:nvSpPr>
-          <p:cNvPr id="7" name="Título 1">
+          <p:cNvPr id="4" name="Título 1">
             <a:extLst>
               <a:ext uri="{FF2B5EF4-FFF2-40B4-BE49-F238E27FC236}">
-                <a16:creationId xmlns="" xmlns:a16="http://schemas.microsoft.com/office/drawing/2014/main" id="{C3BE746C-55A6-4A5A-8369-4059474DFBF3}"/>
+                <a16:creationId xmlns:a16="http://schemas.microsoft.com/office/drawing/2014/main" xmlns="" id="{66349900-D031-47AB-BEDC-4E081B677983}"/>
               </a:ext>
             </a:extLst>
           </p:cNvPr>
@@ -4639,13 +4720,18 @@
           <a:p>
             <a:pPr algn="ctr"/>
             <a:r>
-              <a:rPr lang="es-MX" b="1" dirty="0">
+              <a:rPr lang="es-MX" b="1" dirty="0" smtClean="0">
                 <a:solidFill>
                   <a:schemeClr val="bg1"/>
                 </a:solidFill>
               </a:rPr>
-              <a:t>Aplicación – administrador (2/2)</a:t>
-            </a:r>
+              <a:t>Aplicación  administrador</a:t>
+            </a:r>
+            <a:endParaRPr lang="es-MX" b="1" dirty="0">
+              <a:solidFill>
+                <a:schemeClr val="bg1"/>
+              </a:solidFill>
+            </a:endParaRPr>
           </a:p>
         </p:txBody>
       </p:sp>
@@ -4691,7 +4777,7 @@
           <p:cNvPr id="2" name="Título 1">
             <a:extLst>
               <a:ext uri="{FF2B5EF4-FFF2-40B4-BE49-F238E27FC236}">
-                <a16:creationId xmlns="" xmlns:a16="http://schemas.microsoft.com/office/drawing/2014/main" id="{20E3E2B8-98E6-4853-BD73-B594159DA5C1}"/>
+                <a16:creationId xmlns:a16="http://schemas.microsoft.com/office/drawing/2014/main" xmlns="" id="{20E3E2B8-98E6-4853-BD73-B594159DA5C1}"/>
               </a:ext>
             </a:extLst>
           </p:cNvPr>
@@ -4779,7 +4865,7 @@
           <p:cNvPr id="2" name="Título 1">
             <a:extLst>
               <a:ext uri="{FF2B5EF4-FFF2-40B4-BE49-F238E27FC236}">
-                <a16:creationId xmlns="" xmlns:a16="http://schemas.microsoft.com/office/drawing/2014/main" id="{7D1C18C5-A4E6-4F7D-8261-614125ADA2DD}"/>
+                <a16:creationId xmlns:a16="http://schemas.microsoft.com/office/drawing/2014/main" xmlns="" id="{7D1C18C5-A4E6-4F7D-8261-614125ADA2DD}"/>
               </a:ext>
             </a:extLst>
           </p:cNvPr>
@@ -4822,7 +4908,7 @@
           <p:cNvPr id="3" name="Marcador de contenido 2">
             <a:extLst>
               <a:ext uri="{FF2B5EF4-FFF2-40B4-BE49-F238E27FC236}">
-                <a16:creationId xmlns="" xmlns:a16="http://schemas.microsoft.com/office/drawing/2014/main" id="{0401B7CA-63E0-4B3B-B133-07C0E4316296}"/>
+                <a16:creationId xmlns:a16="http://schemas.microsoft.com/office/drawing/2014/main" xmlns="" id="{0401B7CA-63E0-4B3B-B133-07C0E4316296}"/>
               </a:ext>
             </a:extLst>
           </p:cNvPr>
@@ -4898,7 +4984,7 @@
           <p:cNvPr id="2" name="Título 1">
             <a:extLst>
               <a:ext uri="{FF2B5EF4-FFF2-40B4-BE49-F238E27FC236}">
-                <a16:creationId xmlns="" xmlns:a16="http://schemas.microsoft.com/office/drawing/2014/main" id="{F3C1574D-8292-4410-B1E4-1EBE9DF828D1}"/>
+                <a16:creationId xmlns:a16="http://schemas.microsoft.com/office/drawing/2014/main" xmlns="" id="{F3C1574D-8292-4410-B1E4-1EBE9DF828D1}"/>
               </a:ext>
             </a:extLst>
           </p:cNvPr>
@@ -4944,7 +5030,7 @@
           <p:cNvPr id="3" name="Marcador de contenido 2">
             <a:extLst>
               <a:ext uri="{FF2B5EF4-FFF2-40B4-BE49-F238E27FC236}">
-                <a16:creationId xmlns="" xmlns:a16="http://schemas.microsoft.com/office/drawing/2014/main" id="{FF0FB3A2-B486-4D36-B284-27C22DD5AB74}"/>
+                <a16:creationId xmlns:a16="http://schemas.microsoft.com/office/drawing/2014/main" xmlns="" id="{FF0FB3A2-B486-4D36-B284-27C22DD5AB74}"/>
               </a:ext>
             </a:extLst>
           </p:cNvPr>
@@ -5053,12 +5139,14 @@
         </p:nvSpPr>
         <p:spPr>
           <a:xfrm>
-            <a:off x="508996" y="1571222"/>
-            <a:ext cx="5312255" cy="4649273"/>
+            <a:off x="334851" y="3181082"/>
+            <a:ext cx="7250805" cy="3541690"/>
           </a:xfrm>
         </p:spPr>
         <p:txBody>
-          <a:bodyPr/>
+          <a:bodyPr>
+            <a:normAutofit/>
+          </a:bodyPr>
           <a:lstStyle/>
           <a:p>
             <a:pPr marL="0" indent="0" algn="just">
@@ -5071,12 +5159,96 @@
               <a:buNone/>
             </a:pPr>
             <a:r>
-              <a:rPr lang="es-CO" b="1" dirty="0"/>
-              <a:t>La implementación </a:t>
-            </a:r>
-            <a:r>
               <a:rPr lang="es-CO" b="1" dirty="0" smtClean="0"/>
-              <a:t>de:</a:t>
+              <a:t>El desarrollo de:</a:t>
+            </a:r>
+          </a:p>
+          <a:p>
+            <a:pPr marL="0" indent="0" algn="just">
+              <a:lnSpc>
+                <a:spcPct val="100000"/>
+              </a:lnSpc>
+              <a:spcBef>
+                <a:spcPts val="0"/>
+              </a:spcBef>
+              <a:buNone/>
+            </a:pPr>
+            <a:endParaRPr lang="es-CO" dirty="0" smtClean="0"/>
+          </a:p>
+          <a:p>
+            <a:pPr algn="just">
+              <a:lnSpc>
+                <a:spcPct val="100000"/>
+              </a:lnSpc>
+              <a:spcBef>
+                <a:spcPts val="0"/>
+              </a:spcBef>
+            </a:pPr>
+            <a:r>
+              <a:rPr lang="es-CO" dirty="0" smtClean="0"/>
+              <a:t>Bases </a:t>
+            </a:r>
+            <a:r>
+              <a:rPr lang="es-CO" dirty="0"/>
+              <a:t>de </a:t>
+            </a:r>
+            <a:r>
+              <a:rPr lang="es-CO" dirty="0" smtClean="0"/>
+              <a:t>datos</a:t>
+            </a:r>
+          </a:p>
+          <a:p>
+            <a:pPr algn="just">
+              <a:lnSpc>
+                <a:spcPct val="100000"/>
+              </a:lnSpc>
+              <a:spcBef>
+                <a:spcPts val="0"/>
+              </a:spcBef>
+            </a:pPr>
+            <a:r>
+              <a:rPr lang="es-CO" dirty="0"/>
+              <a:t>Sistemas </a:t>
+            </a:r>
+            <a:r>
+              <a:rPr lang="es-CO" dirty="0" smtClean="0"/>
+              <a:t>web</a:t>
+            </a:r>
+          </a:p>
+          <a:p>
+            <a:pPr algn="just">
+              <a:lnSpc>
+                <a:spcPct val="100000"/>
+              </a:lnSpc>
+              <a:spcBef>
+                <a:spcPts val="0"/>
+              </a:spcBef>
+            </a:pPr>
+            <a:r>
+              <a:rPr lang="es-CO" dirty="0" smtClean="0"/>
+              <a:t>Aplicaciones móviles</a:t>
+            </a:r>
+          </a:p>
+          <a:p>
+            <a:pPr algn="just">
+              <a:lnSpc>
+                <a:spcPct val="100000"/>
+              </a:lnSpc>
+              <a:spcBef>
+                <a:spcPts val="0"/>
+              </a:spcBef>
+            </a:pPr>
+            <a:r>
+              <a:rPr lang="es-CO" dirty="0" smtClean="0"/>
+              <a:t>Programas </a:t>
+            </a:r>
+            <a:r>
+              <a:rPr lang="es-CO" dirty="0"/>
+              <a:t>de </a:t>
+            </a:r>
+            <a:r>
+              <a:rPr lang="es-CO" dirty="0" smtClean="0"/>
+              <a:t>escritorio</a:t>
             </a:r>
           </a:p>
           <a:p>
@@ -5091,89 +5263,6 @@
             <a:endParaRPr lang="es-CO" dirty="0" smtClean="0"/>
           </a:p>
           <a:p>
-            <a:pPr algn="just">
-              <a:lnSpc>
-                <a:spcPct val="100000"/>
-              </a:lnSpc>
-              <a:spcBef>
-                <a:spcPts val="0"/>
-              </a:spcBef>
-            </a:pPr>
-            <a:r>
-              <a:rPr lang="es-CO" dirty="0" smtClean="0"/>
-              <a:t>Bases </a:t>
-            </a:r>
-            <a:r>
-              <a:rPr lang="es-CO" dirty="0"/>
-              <a:t>de </a:t>
-            </a:r>
-            <a:r>
-              <a:rPr lang="es-CO" dirty="0" smtClean="0"/>
-              <a:t>datos</a:t>
-            </a:r>
-          </a:p>
-          <a:p>
-            <a:pPr algn="just">
-              <a:lnSpc>
-                <a:spcPct val="100000"/>
-              </a:lnSpc>
-              <a:spcBef>
-                <a:spcPts val="0"/>
-              </a:spcBef>
-            </a:pPr>
-            <a:r>
-              <a:rPr lang="es-CO" dirty="0" smtClean="0"/>
-              <a:t>Aplicaciones móviles</a:t>
-            </a:r>
-          </a:p>
-          <a:p>
-            <a:pPr algn="just">
-              <a:lnSpc>
-                <a:spcPct val="100000"/>
-              </a:lnSpc>
-              <a:spcBef>
-                <a:spcPts val="0"/>
-              </a:spcBef>
-            </a:pPr>
-            <a:r>
-              <a:rPr lang="es-CO" dirty="0" smtClean="0"/>
-              <a:t>Sistemas web</a:t>
-            </a:r>
-          </a:p>
-          <a:p>
-            <a:pPr algn="just">
-              <a:lnSpc>
-                <a:spcPct val="100000"/>
-              </a:lnSpc>
-              <a:spcBef>
-                <a:spcPts val="0"/>
-              </a:spcBef>
-            </a:pPr>
-            <a:r>
-              <a:rPr lang="es-CO" dirty="0" smtClean="0"/>
-              <a:t>Programas </a:t>
-            </a:r>
-            <a:r>
-              <a:rPr lang="es-CO" dirty="0"/>
-              <a:t>de </a:t>
-            </a:r>
-            <a:r>
-              <a:rPr lang="es-CO" dirty="0" smtClean="0"/>
-              <a:t>escritorio</a:t>
-            </a:r>
-          </a:p>
-          <a:p>
-            <a:pPr algn="just">
-              <a:lnSpc>
-                <a:spcPct val="100000"/>
-              </a:lnSpc>
-              <a:spcBef>
-                <a:spcPts val="0"/>
-              </a:spcBef>
-            </a:pPr>
-            <a:endParaRPr lang="es-CO" dirty="0" smtClean="0"/>
-          </a:p>
-          <a:p>
             <a:pPr marL="0" indent="0" algn="just">
               <a:lnSpc>
                 <a:spcPct val="100000"/>
@@ -5185,7 +5274,7 @@
             </a:pPr>
             <a:r>
               <a:rPr lang="es-CO" dirty="0" smtClean="0"/>
-              <a:t>Facilitan La gestión, de grandes cantidades de información.</a:t>
+              <a:t>Facilitan La gestión de esta información.</a:t>
             </a:r>
             <a:endParaRPr lang="es-CO" dirty="0"/>
           </a:p>
@@ -5193,14 +5282,16 @@
       </p:sp>
       <p:pic>
         <p:nvPicPr>
-          <p:cNvPr id="4" name="Imagen 3"/>
+          <p:cNvPr id="4" name="Imagen 3">
+            <a:hlinkClick r:id="rId2"/>
+          </p:cNvPr>
           <p:cNvPicPr>
             <a:picLocks noChangeAspect="1"/>
           </p:cNvPicPr>
           <p:nvPr/>
         </p:nvPicPr>
         <p:blipFill>
-          <a:blip r:embed="rId2">
+          <a:blip r:embed="rId3">
             <a:extLst>
               <a:ext uri="{28A0092B-C50C-407E-A947-70E740481C1C}">
                 <a14:useLocalDpi xmlns:a14="http://schemas.microsoft.com/office/drawing/2010/main" val="0"/>
@@ -5213,14 +5304,283 @@
         </p:blipFill>
         <p:spPr>
           <a:xfrm>
-            <a:off x="6407998" y="2469926"/>
-            <a:ext cx="5521147" cy="3312688"/>
+            <a:off x="5602310" y="2611593"/>
+            <a:ext cx="5888953" cy="3533372"/>
           </a:xfrm>
           <a:prstGeom prst="rect">
             <a:avLst/>
           </a:prstGeom>
         </p:spPr>
       </p:pic>
+      <p:cxnSp>
+        <p:nvCxnSpPr>
+          <p:cNvPr id="13" name="Conector recto de flecha 12"/>
+          <p:cNvCxnSpPr/>
+          <p:nvPr/>
+        </p:nvCxnSpPr>
+        <p:spPr>
+          <a:xfrm flipV="1">
+            <a:off x="2550017" y="3181082"/>
+            <a:ext cx="4005329" cy="1532586"/>
+          </a:xfrm>
+          <a:prstGeom prst="straightConnector1">
+            <a:avLst/>
+          </a:prstGeom>
+          <a:ln>
+            <a:tailEnd type="triangle"/>
+          </a:ln>
+        </p:spPr>
+        <p:style>
+          <a:lnRef idx="1">
+            <a:schemeClr val="accent1"/>
+          </a:lnRef>
+          <a:fillRef idx="0">
+            <a:schemeClr val="accent1"/>
+          </a:fillRef>
+          <a:effectRef idx="0">
+            <a:schemeClr val="accent1"/>
+          </a:effectRef>
+          <a:fontRef idx="minor">
+            <a:schemeClr val="tx1"/>
+          </a:fontRef>
+        </p:style>
+      </p:cxnSp>
+      <p:cxnSp>
+        <p:nvCxnSpPr>
+          <p:cNvPr id="15" name="Conector recto de flecha 14"/>
+          <p:cNvCxnSpPr/>
+          <p:nvPr/>
+        </p:nvCxnSpPr>
+        <p:spPr>
+          <a:xfrm flipV="1">
+            <a:off x="3657600" y="4378279"/>
+            <a:ext cx="2421228" cy="824786"/>
+          </a:xfrm>
+          <a:prstGeom prst="straightConnector1">
+            <a:avLst/>
+          </a:prstGeom>
+          <a:ln>
+            <a:tailEnd type="triangle"/>
+          </a:ln>
+        </p:spPr>
+        <p:style>
+          <a:lnRef idx="1">
+            <a:schemeClr val="accent1"/>
+          </a:lnRef>
+          <a:fillRef idx="0">
+            <a:schemeClr val="accent1"/>
+          </a:fillRef>
+          <a:effectRef idx="0">
+            <a:schemeClr val="accent1"/>
+          </a:effectRef>
+          <a:fontRef idx="minor">
+            <a:schemeClr val="tx1"/>
+          </a:fontRef>
+        </p:style>
+      </p:cxnSp>
+      <p:cxnSp>
+        <p:nvCxnSpPr>
+          <p:cNvPr id="20" name="Conector recto de flecha 19"/>
+          <p:cNvCxnSpPr/>
+          <p:nvPr/>
+        </p:nvCxnSpPr>
+        <p:spPr>
+          <a:xfrm flipV="1">
+            <a:off x="3960253" y="5602310"/>
+            <a:ext cx="2324637" cy="12879"/>
+          </a:xfrm>
+          <a:prstGeom prst="straightConnector1">
+            <a:avLst/>
+          </a:prstGeom>
+          <a:ln>
+            <a:tailEnd type="triangle"/>
+          </a:ln>
+        </p:spPr>
+        <p:style>
+          <a:lnRef idx="1">
+            <a:schemeClr val="accent1"/>
+          </a:lnRef>
+          <a:fillRef idx="0">
+            <a:schemeClr val="accent1"/>
+          </a:fillRef>
+          <a:effectRef idx="0">
+            <a:schemeClr val="accent1"/>
+          </a:effectRef>
+          <a:fontRef idx="minor">
+            <a:schemeClr val="tx1"/>
+          </a:fontRef>
+        </p:style>
+      </p:cxnSp>
+      <p:sp>
+        <p:nvSpPr>
+          <p:cNvPr id="28" name="Forma libre 27"/>
+          <p:cNvSpPr/>
+          <p:nvPr/>
+        </p:nvSpPr>
+        <p:spPr>
+          <a:xfrm>
+            <a:off x="2846231" y="2418838"/>
+            <a:ext cx="7598535" cy="1831190"/>
+          </a:xfrm>
+          <a:custGeom>
+            <a:avLst/>
+            <a:gdLst>
+              <a:gd name="connsiteX0" fmla="*/ 0 w 7598535"/>
+              <a:gd name="connsiteY0" fmla="*/ 1831190 h 1831190"/>
+              <a:gd name="connsiteX1" fmla="*/ 3863662 w 7598535"/>
+              <a:gd name="connsiteY1" fmla="*/ 2390 h 1831190"/>
+              <a:gd name="connsiteX2" fmla="*/ 7598535 w 7598535"/>
+              <a:gd name="connsiteY2" fmla="*/ 1431945 h 1831190"/>
+            </a:gdLst>
+            <a:ahLst/>
+            <a:cxnLst>
+              <a:cxn ang="0">
+                <a:pos x="connsiteX0" y="connsiteY0"/>
+              </a:cxn>
+              <a:cxn ang="0">
+                <a:pos x="connsiteX1" y="connsiteY1"/>
+              </a:cxn>
+              <a:cxn ang="0">
+                <a:pos x="connsiteX2" y="connsiteY2"/>
+              </a:cxn>
+            </a:cxnLst>
+            <a:rect l="l" t="t" r="r" b="b"/>
+            <a:pathLst>
+              <a:path w="7598535" h="1831190">
+                <a:moveTo>
+                  <a:pt x="0" y="1831190"/>
+                </a:moveTo>
+                <a:cubicBezTo>
+                  <a:pt x="1298620" y="950060"/>
+                  <a:pt x="2597240" y="68931"/>
+                  <a:pt x="3863662" y="2390"/>
+                </a:cubicBezTo>
+                <a:cubicBezTo>
+                  <a:pt x="5130085" y="-64151"/>
+                  <a:pt x="7122017" y="1279545"/>
+                  <a:pt x="7598535" y="1431945"/>
+                </a:cubicBezTo>
+              </a:path>
+            </a:pathLst>
+          </a:custGeom>
+          <a:noFill/>
+        </p:spPr>
+        <p:style>
+          <a:lnRef idx="2">
+            <a:schemeClr val="accent1">
+              <a:shade val="50000"/>
+            </a:schemeClr>
+          </a:lnRef>
+          <a:fillRef idx="1">
+            <a:schemeClr val="accent1"/>
+          </a:fillRef>
+          <a:effectRef idx="0">
+            <a:schemeClr val="accent1"/>
+          </a:effectRef>
+          <a:fontRef idx="minor">
+            <a:schemeClr val="lt1"/>
+          </a:fontRef>
+        </p:style>
+        <p:txBody>
+          <a:bodyPr rtlCol="0" anchor="ctr"/>
+          <a:lstStyle/>
+          <a:p>
+            <a:pPr algn="ctr"/>
+            <a:endParaRPr lang="es-CO"/>
+          </a:p>
+        </p:txBody>
+      </p:sp>
+      <p:sp>
+        <p:nvSpPr>
+          <p:cNvPr id="29" name="CuadroTexto 28">
+            <a:extLst>
+              <a:ext uri="{FF2B5EF4-FFF2-40B4-BE49-F238E27FC236}">
+                <a16:creationId xmlns:a16="http://schemas.microsoft.com/office/drawing/2014/main" xmlns="" id="{BC049DBC-6933-4F01-99CD-12D18B825504}"/>
+              </a:ext>
+            </a:extLst>
+          </p:cNvPr>
+          <p:cNvSpPr txBox="1"/>
+          <p:nvPr/>
+        </p:nvSpPr>
+        <p:spPr>
+          <a:xfrm>
+            <a:off x="6527196" y="6182641"/>
+            <a:ext cx="4976042" cy="461665"/>
+          </a:xfrm>
+          <a:prstGeom prst="rect">
+            <a:avLst/>
+          </a:prstGeom>
+          <a:noFill/>
+        </p:spPr>
+        <p:txBody>
+          <a:bodyPr wrap="none" rtlCol="0">
+            <a:spAutoFit/>
+          </a:bodyPr>
+          <a:lstStyle/>
+          <a:p>
+            <a:pPr algn="just"/>
+            <a:r>
+              <a:rPr lang="es-MX" sz="2400" i="1" dirty="0">
+                <a:latin typeface="Times New Roman" panose="02020603050405020304" pitchFamily="18" charset="0"/>
+                <a:cs typeface="Times New Roman" panose="02020603050405020304" pitchFamily="18" charset="0"/>
+              </a:rPr>
+              <a:t>Ilustración 1: </a:t>
+            </a:r>
+            <a:r>
+              <a:rPr lang="es-MX" sz="2400" i="1" dirty="0" smtClean="0">
+                <a:latin typeface="Times New Roman" panose="02020603050405020304" pitchFamily="18" charset="0"/>
+                <a:cs typeface="Times New Roman" panose="02020603050405020304" pitchFamily="18" charset="0"/>
+              </a:rPr>
+              <a:t>Modelo Cliente-servidor</a:t>
+            </a:r>
+            <a:endParaRPr lang="es-MX" sz="2400" i="1" dirty="0">
+              <a:latin typeface="Times New Roman" panose="02020603050405020304" pitchFamily="18" charset="0"/>
+              <a:cs typeface="Times New Roman" panose="02020603050405020304" pitchFamily="18" charset="0"/>
+            </a:endParaRPr>
+          </a:p>
+        </p:txBody>
+      </p:sp>
+      <p:sp>
+        <p:nvSpPr>
+          <p:cNvPr id="30" name="Rectángulo 29"/>
+          <p:cNvSpPr/>
+          <p:nvPr/>
+        </p:nvSpPr>
+        <p:spPr>
+          <a:xfrm>
+            <a:off x="334851" y="1391385"/>
+            <a:ext cx="11156412" cy="954107"/>
+          </a:xfrm>
+          <a:prstGeom prst="rect">
+            <a:avLst/>
+          </a:prstGeom>
+        </p:spPr>
+        <p:txBody>
+          <a:bodyPr wrap="square">
+            <a:spAutoFit/>
+          </a:bodyPr>
+          <a:lstStyle/>
+          <a:p>
+            <a:r>
+              <a:rPr lang="es-CO" sz="2800" dirty="0"/>
+              <a:t>A través del proceso de </a:t>
+            </a:r>
+            <a:r>
+              <a:rPr lang="es-CO" sz="2800" b="1" dirty="0"/>
+              <a:t>caracterización estudiantil</a:t>
+            </a:r>
+            <a:r>
+              <a:rPr lang="es-CO" sz="2800" dirty="0"/>
+              <a:t>, se obtiene una gran cantidad de información </a:t>
+            </a:r>
+            <a:r>
+              <a:rPr lang="es-CO" sz="2800" dirty="0" smtClean="0"/>
+              <a:t>sobre los estudiantes.</a:t>
+            </a:r>
+            <a:endParaRPr lang="es-CO" sz="2800" dirty="0"/>
+          </a:p>
+        </p:txBody>
+      </p:sp>
     </p:spTree>
     <p:extLst>
       <p:ext uri="{BB962C8B-B14F-4D97-AF65-F5344CB8AC3E}">
@@ -5263,7 +5623,7 @@
           <p:cNvPr id="2" name="Título 1">
             <a:extLst>
               <a:ext uri="{FF2B5EF4-FFF2-40B4-BE49-F238E27FC236}">
-                <a16:creationId xmlns="" xmlns:a16="http://schemas.microsoft.com/office/drawing/2014/main" id="{4320CD7B-E404-4AFB-849D-09CBCEF81671}"/>
+                <a16:creationId xmlns:a16="http://schemas.microsoft.com/office/drawing/2014/main" xmlns="" id="{4320CD7B-E404-4AFB-849D-09CBCEF81671}"/>
               </a:ext>
             </a:extLst>
           </p:cNvPr>
@@ -5301,7 +5661,7 @@
           <p:cNvPr id="3" name="Marcador de contenido 2">
             <a:extLst>
               <a:ext uri="{FF2B5EF4-FFF2-40B4-BE49-F238E27FC236}">
-                <a16:creationId xmlns="" xmlns:a16="http://schemas.microsoft.com/office/drawing/2014/main" id="{F27ED2C7-5D3D-48D6-995C-A170B4F5C4EE}"/>
+                <a16:creationId xmlns:a16="http://schemas.microsoft.com/office/drawing/2014/main" xmlns="" id="{F27ED2C7-5D3D-48D6-995C-A170B4F5C4EE}"/>
               </a:ext>
             </a:extLst>
           </p:cNvPr>
@@ -5314,8 +5674,8 @@
         </p:nvSpPr>
         <p:spPr>
           <a:xfrm>
-            <a:off x="212035" y="1353532"/>
-            <a:ext cx="11742277" cy="4351338"/>
+            <a:off x="1242346" y="1532585"/>
+            <a:ext cx="10245610" cy="5148377"/>
           </a:xfrm>
         </p:spPr>
         <p:txBody>
@@ -5517,7 +5877,7 @@
           <p:cNvPr id="2" name="Título 1">
             <a:extLst>
               <a:ext uri="{FF2B5EF4-FFF2-40B4-BE49-F238E27FC236}">
-                <a16:creationId xmlns="" xmlns:a16="http://schemas.microsoft.com/office/drawing/2014/main" id="{F194AB6A-55E1-4B44-A983-8BC6AA65E29D}"/>
+                <a16:creationId xmlns:a16="http://schemas.microsoft.com/office/drawing/2014/main" xmlns="" id="{F194AB6A-55E1-4B44-A983-8BC6AA65E29D}"/>
               </a:ext>
             </a:extLst>
           </p:cNvPr>
@@ -5555,7 +5915,7 @@
           <p:cNvPr id="3" name="Marcador de contenido 2">
             <a:extLst>
               <a:ext uri="{FF2B5EF4-FFF2-40B4-BE49-F238E27FC236}">
-                <a16:creationId xmlns="" xmlns:a16="http://schemas.microsoft.com/office/drawing/2014/main" id="{B24358F4-4131-4E84-B740-F17730F29968}"/>
+                <a16:creationId xmlns:a16="http://schemas.microsoft.com/office/drawing/2014/main" xmlns="" id="{B24358F4-4131-4E84-B740-F17730F29968}"/>
               </a:ext>
             </a:extLst>
           </p:cNvPr>
@@ -5576,7 +5936,7 @@
           <a:bodyPr/>
           <a:lstStyle/>
           <a:p>
-            <a:pPr marL="0" indent="0" algn="just">
+            <a:pPr marL="0" indent="0" algn="ctr">
               <a:buNone/>
             </a:pPr>
             <a:r>
@@ -5663,7 +6023,7 @@
           <p:cNvPr id="2" name="Título 1">
             <a:extLst>
               <a:ext uri="{FF2B5EF4-FFF2-40B4-BE49-F238E27FC236}">
-                <a16:creationId xmlns="" xmlns:a16="http://schemas.microsoft.com/office/drawing/2014/main" id="{EA6489E5-FCF6-4E30-B2D3-75F086E8BE81}"/>
+                <a16:creationId xmlns:a16="http://schemas.microsoft.com/office/drawing/2014/main" xmlns="" id="{EA6489E5-FCF6-4E30-B2D3-75F086E8BE81}"/>
               </a:ext>
             </a:extLst>
           </p:cNvPr>
@@ -5701,7 +6061,7 @@
           <p:cNvPr id="3" name="Marcador de contenido 2">
             <a:extLst>
               <a:ext uri="{FF2B5EF4-FFF2-40B4-BE49-F238E27FC236}">
-                <a16:creationId xmlns="" xmlns:a16="http://schemas.microsoft.com/office/drawing/2014/main" id="{E0439019-967A-48CB-99F3-103D64E7D9BA}"/>
+                <a16:creationId xmlns:a16="http://schemas.microsoft.com/office/drawing/2014/main" xmlns="" id="{E0439019-967A-48CB-99F3-103D64E7D9BA}"/>
               </a:ext>
             </a:extLst>
           </p:cNvPr>
@@ -5724,7 +6084,7 @@
           </a:bodyPr>
           <a:lstStyle/>
           <a:p>
-            <a:pPr marL="0" indent="0" algn="just">
+            <a:pPr marL="0" indent="0" algn="ctr">
               <a:lnSpc>
                 <a:spcPct val="100000"/>
               </a:lnSpc>
@@ -5874,7 +6234,7 @@
           <p:cNvPr id="2" name="Título 1">
             <a:extLst>
               <a:ext uri="{FF2B5EF4-FFF2-40B4-BE49-F238E27FC236}">
-                <a16:creationId xmlns="" xmlns:a16="http://schemas.microsoft.com/office/drawing/2014/main" id="{07AE7516-1AE4-45BE-98BE-4B95F4DA1742}"/>
+                <a16:creationId xmlns:a16="http://schemas.microsoft.com/office/drawing/2014/main" xmlns="" id="{07AE7516-1AE4-45BE-98BE-4B95F4DA1742}"/>
               </a:ext>
             </a:extLst>
           </p:cNvPr>
@@ -5912,7 +6272,7 @@
           <p:cNvPr id="3" name="Marcador de contenido 2">
             <a:extLst>
               <a:ext uri="{FF2B5EF4-FFF2-40B4-BE49-F238E27FC236}">
-                <a16:creationId xmlns="" xmlns:a16="http://schemas.microsoft.com/office/drawing/2014/main" id="{607AE930-5E81-4976-884A-E79FEB8EAB31}"/>
+                <a16:creationId xmlns:a16="http://schemas.microsoft.com/office/drawing/2014/main" xmlns="" id="{607AE930-5E81-4976-884A-E79FEB8EAB31}"/>
               </a:ext>
             </a:extLst>
           </p:cNvPr>
@@ -5925,15 +6285,15 @@
         </p:nvSpPr>
         <p:spPr>
           <a:xfrm>
-            <a:off x="2386326" y="1957589"/>
-            <a:ext cx="7028132" cy="4520484"/>
+            <a:off x="2112135" y="1957589"/>
+            <a:ext cx="7302323" cy="4520484"/>
           </a:xfrm>
         </p:spPr>
         <p:txBody>
           <a:bodyPr/>
           <a:lstStyle/>
           <a:p>
-            <a:pPr marL="0" indent="0" algn="just">
+            <a:pPr marL="0" indent="0" algn="ctr">
               <a:lnSpc>
                 <a:spcPct val="100000"/>
               </a:lnSpc>
@@ -5943,8 +6303,12 @@
               <a:buNone/>
             </a:pPr>
             <a:r>
+              <a:rPr lang="es-MX" b="1" dirty="0"/>
+              <a:t>¿</a:t>
+            </a:r>
+            <a:r>
               <a:rPr lang="es-MX" b="1" dirty="0" smtClean="0"/>
-              <a:t>Algunas razones:</a:t>
+              <a:t>Para qué desarrollar esta solución informática?</a:t>
             </a:r>
           </a:p>
           <a:p>
@@ -6045,15 +6409,7 @@
             </a:pPr>
             <a:r>
               <a:rPr lang="es-MX" dirty="0" smtClean="0"/>
-              <a:t>Dar </a:t>
-            </a:r>
-            <a:r>
-              <a:rPr lang="es-MX" dirty="0" smtClean="0"/>
-              <a:t>cumplimiento</a:t>
-            </a:r>
-            <a:r>
-              <a:rPr lang="es-MX" dirty="0" smtClean="0"/>
-              <a:t> a la legislación</a:t>
+              <a:t>Dar cumplimiento a la legislación</a:t>
             </a:r>
             <a:endParaRPr lang="es-MX" dirty="0"/>
           </a:p>
@@ -6101,7 +6457,7 @@
           <p:cNvPr id="2" name="Título 1">
             <a:extLst>
               <a:ext uri="{FF2B5EF4-FFF2-40B4-BE49-F238E27FC236}">
-                <a16:creationId xmlns="" xmlns:a16="http://schemas.microsoft.com/office/drawing/2014/main" id="{4D3AF533-AD0F-43F7-AC8D-8A056BA291A3}"/>
+                <a16:creationId xmlns:a16="http://schemas.microsoft.com/office/drawing/2014/main" xmlns="" id="{4D3AF533-AD0F-43F7-AC8D-8A056BA291A3}"/>
               </a:ext>
             </a:extLst>
           </p:cNvPr>
@@ -6139,7 +6495,7 @@
           <p:cNvPr id="3" name="Marcador de contenido 2">
             <a:extLst>
               <a:ext uri="{FF2B5EF4-FFF2-40B4-BE49-F238E27FC236}">
-                <a16:creationId xmlns="" xmlns:a16="http://schemas.microsoft.com/office/drawing/2014/main" id="{9044A195-81E2-4535-8AF2-A32F3CBDD8E6}"/>
+                <a16:creationId xmlns:a16="http://schemas.microsoft.com/office/drawing/2014/main" xmlns="" id="{9044A195-81E2-4535-8AF2-A32F3CBDD8E6}"/>
               </a:ext>
             </a:extLst>
           </p:cNvPr>
@@ -6152,15 +6508,15 @@
         </p:nvSpPr>
         <p:spPr>
           <a:xfrm>
-            <a:off x="184406" y="2336800"/>
-            <a:ext cx="5423266" cy="3709527"/>
+            <a:off x="184406" y="2240929"/>
+            <a:ext cx="6152000" cy="4256164"/>
           </a:xfrm>
         </p:spPr>
         <p:txBody>
           <a:bodyPr/>
           <a:lstStyle/>
           <a:p>
-            <a:pPr marL="0" indent="0" algn="just">
+            <a:pPr marL="0" indent="0" algn="ctr">
               <a:buNone/>
             </a:pPr>
             <a:r>
@@ -6188,15 +6544,42 @@
             </a:r>
             <a:r>
               <a:rPr lang="es-MX" dirty="0" smtClean="0"/>
-              <a:t>SCRUM porque es un enfoque ágil que permite un ritmo de trabajo sostenible</a:t>
-            </a:r>
-            <a:endParaRPr lang="es-MX" dirty="0"/>
+              <a:t>SCRUM por 4 razones:</a:t>
+            </a:r>
+          </a:p>
+          <a:p>
+            <a:pPr algn="just"/>
+            <a:r>
+              <a:rPr lang="es-MX" dirty="0" smtClean="0"/>
+              <a:t>Ser un enfoque ágil.</a:t>
+            </a:r>
+          </a:p>
+          <a:p>
+            <a:pPr algn="just"/>
+            <a:r>
+              <a:rPr lang="es-MX" dirty="0" smtClean="0"/>
+              <a:t>Permitir un ritmo de trabajo sostenible.</a:t>
+            </a:r>
+          </a:p>
+          <a:p>
+            <a:pPr algn="just"/>
+            <a:r>
+              <a:rPr lang="es-MX" dirty="0" smtClean="0"/>
+              <a:t>Minimizar los riesgos.</a:t>
+            </a:r>
+          </a:p>
+          <a:p>
+            <a:pPr algn="just"/>
+            <a:r>
+              <a:rPr lang="es-MX" dirty="0" smtClean="0"/>
+              <a:t>KANBAN</a:t>
+            </a:r>
           </a:p>
         </p:txBody>
       </p:sp>
       <p:pic>
         <p:nvPicPr>
-          <p:cNvPr id="5" name="Imagen 4"/>
+          <p:cNvPr id="6" name="Imagen 5"/>
           <p:cNvPicPr>
             <a:picLocks noChangeAspect="1"/>
           </p:cNvPicPr>
@@ -6216,14 +6599,64 @@
         </p:blipFill>
         <p:spPr>
           <a:xfrm>
-            <a:off x="6104586" y="1970066"/>
-            <a:ext cx="5755246" cy="4316434"/>
+            <a:off x="6387922" y="1990622"/>
+            <a:ext cx="5594830" cy="4204115"/>
           </a:xfrm>
           <a:prstGeom prst="rect">
             <a:avLst/>
           </a:prstGeom>
         </p:spPr>
       </p:pic>
+      <p:sp>
+        <p:nvSpPr>
+          <p:cNvPr id="7" name="CuadroTexto 6">
+            <a:extLst>
+              <a:ext uri="{FF2B5EF4-FFF2-40B4-BE49-F238E27FC236}">
+                <a16:creationId xmlns:a16="http://schemas.microsoft.com/office/drawing/2014/main" xmlns="" id="{BC049DBC-6933-4F01-99CD-12D18B825504}"/>
+              </a:ext>
+            </a:extLst>
+          </p:cNvPr>
+          <p:cNvSpPr txBox="1"/>
+          <p:nvPr/>
+        </p:nvSpPr>
+        <p:spPr>
+          <a:xfrm>
+            <a:off x="6903104" y="6182641"/>
+            <a:ext cx="4224233" cy="461665"/>
+          </a:xfrm>
+          <a:prstGeom prst="rect">
+            <a:avLst/>
+          </a:prstGeom>
+          <a:noFill/>
+        </p:spPr>
+        <p:txBody>
+          <a:bodyPr wrap="none" rtlCol="0">
+            <a:spAutoFit/>
+          </a:bodyPr>
+          <a:lstStyle/>
+          <a:p>
+            <a:pPr algn="just"/>
+            <a:r>
+              <a:rPr lang="es-MX" sz="2400" i="1" dirty="0">
+                <a:latin typeface="Times New Roman" panose="02020603050405020304" pitchFamily="18" charset="0"/>
+                <a:cs typeface="Times New Roman" panose="02020603050405020304" pitchFamily="18" charset="0"/>
+              </a:rPr>
+              <a:t>Ilustración </a:t>
+            </a:r>
+            <a:r>
+              <a:rPr lang="es-MX" sz="2400" i="1" dirty="0" smtClean="0">
+                <a:latin typeface="Times New Roman" panose="02020603050405020304" pitchFamily="18" charset="0"/>
+                <a:cs typeface="Times New Roman" panose="02020603050405020304" pitchFamily="18" charset="0"/>
+              </a:rPr>
+              <a:t>2: Ejemplo KANBAN</a:t>
+            </a:r>
+            <a:endParaRPr lang="es-MX" sz="2400" i="1" dirty="0">
+              <a:latin typeface="Times New Roman" panose="02020603050405020304" pitchFamily="18" charset="0"/>
+              <a:cs typeface="Times New Roman" panose="02020603050405020304" pitchFamily="18" charset="0"/>
+            </a:endParaRPr>
+          </a:p>
+        </p:txBody>
+      </p:sp>
     </p:spTree>
     <p:extLst>
       <p:ext uri="{BB962C8B-B14F-4D97-AF65-F5344CB8AC3E}">
@@ -6266,7 +6699,7 @@
           <p:cNvPr id="2" name="Título 1">
             <a:extLst>
               <a:ext uri="{FF2B5EF4-FFF2-40B4-BE49-F238E27FC236}">
-                <a16:creationId xmlns="" xmlns:a16="http://schemas.microsoft.com/office/drawing/2014/main" id="{43471DF1-E266-45C9-99D0-121F6BFCD9D4}"/>
+                <a16:creationId xmlns:a16="http://schemas.microsoft.com/office/drawing/2014/main" xmlns="" id="{43471DF1-E266-45C9-99D0-121F6BFCD9D4}"/>
               </a:ext>
             </a:extLst>
           </p:cNvPr>
@@ -6304,7 +6737,7 @@
           <p:cNvPr id="14" name="CuadroTexto 13">
             <a:extLst>
               <a:ext uri="{FF2B5EF4-FFF2-40B4-BE49-F238E27FC236}">
-                <a16:creationId xmlns="" xmlns:a16="http://schemas.microsoft.com/office/drawing/2014/main" id="{46EA4DCA-5CF5-445C-A682-F68F57AE84CF}"/>
+                <a16:creationId xmlns:a16="http://schemas.microsoft.com/office/drawing/2014/main" xmlns="" id="{46EA4DCA-5CF5-445C-A682-F68F57AE84CF}"/>
               </a:ext>
             </a:extLst>
           </p:cNvPr>
@@ -6327,7 +6760,7 @@
           </a:bodyPr>
           <a:lstStyle/>
           <a:p>
-            <a:pPr algn="just"/>
+            <a:pPr algn="ctr"/>
             <a:r>
               <a:rPr lang="es-MX" sz="2800" b="1" dirty="0" smtClean="0"/>
               <a:t>Etapa </a:t>
@@ -6372,14 +6805,14 @@
             <p:ph idx="1"/>
             <p:extLst>
               <p:ext uri="{D42A27DB-BD31-4B8C-83A1-F6EECF244321}">
-                <p14:modId xmlns:p14="http://schemas.microsoft.com/office/powerpoint/2010/main" val="3508260515"/>
+                <p14:modId xmlns:p14="http://schemas.microsoft.com/office/powerpoint/2010/main" val="4111857973"/>
               </p:ext>
             </p:extLst>
           </p:nvPr>
         </p:nvGraphicFramePr>
         <p:xfrm>
-          <a:off x="5281424" y="1444194"/>
-          <a:ext cx="6800235" cy="5188424"/>
+          <a:off x="5720296" y="1444194"/>
+          <a:ext cx="6361363" cy="4853574"/>
         </p:xfrm>
         <a:graphic>
           <a:graphicData uri="http://schemas.openxmlformats.org/drawingml/2006/table">
@@ -6388,11 +6821,11 @@
                 <a:tableStyleId>{5C22544A-7EE6-4342-B048-85BDC9FD1C3A}</a:tableStyleId>
               </a:tblPr>
               <a:tblGrid>
-                <a:gridCol w="2240936"/>
-                <a:gridCol w="284823"/>
-                <a:gridCol w="4274476"/>
+                <a:gridCol w="2096311"/>
+                <a:gridCol w="266441"/>
+                <a:gridCol w="3998611"/>
               </a:tblGrid>
-              <a:tr h="442914">
+              <a:tr h="414329">
                 <a:tc gridSpan="3">
                   <a:txBody>
                     <a:bodyPr/>
@@ -6404,12 +6837,12 @@
                         </a:spcAft>
                       </a:pPr>
                       <a:r>
-                        <a:rPr lang="es-CO" sz="1500" b="1" kern="50" dirty="0">
+                        <a:rPr lang="es-CO" sz="1400" b="1" kern="50" dirty="0">
                           <a:effectLst/>
                         </a:rPr>
                         <a:t>Historia de Usuario 1</a:t>
                       </a:r>
-                      <a:endParaRPr lang="es-CO" sz="1500" b="1" kern="50" dirty="0">
+                      <a:endParaRPr lang="es-CO" sz="1400" b="1" kern="50" dirty="0">
                         <a:effectLst/>
                         <a:latin typeface="Times New Roman" panose="02020603050405020304" pitchFamily="18" charset="0"/>
                         <a:ea typeface="Droid Sans Fallback"/>
@@ -6417,7 +6850,7 @@
                       </a:endParaRPr>
                     </a:p>
                   </a:txBody>
-                  <a:tcPr marL="94910" marR="94910" marT="94910" marB="94910" anchor="ctr"/>
+                  <a:tcPr marL="88785" marR="88785" marT="88785" marB="88785" anchor="ctr"/>
                 </a:tc>
                 <a:tc hMerge="1">
                   <a:txBody>
@@ -6440,7 +6873,7 @@
                   <a:tcPr/>
                 </a:tc>
               </a:tr>
-              <a:tr h="442914">
+              <a:tr h="414329">
                 <a:tc>
                   <a:txBody>
                     <a:bodyPr/>
@@ -6452,18 +6885,18 @@
                         </a:spcAft>
                       </a:pPr>
                       <a:r>
-                        <a:rPr lang="es-CO" sz="1500" b="1" kern="50" dirty="0">
+                        <a:rPr lang="es-CO" sz="1400" b="1" kern="50" dirty="0">
                           <a:effectLst/>
                         </a:rPr>
                         <a:t>Número:</a:t>
                       </a:r>
                       <a:r>
-                        <a:rPr lang="es-CO" sz="1500" kern="50" dirty="0">
+                        <a:rPr lang="es-CO" sz="1400" kern="50" dirty="0">
                           <a:effectLst/>
                         </a:rPr>
                         <a:t> 1</a:t>
                       </a:r>
-                      <a:endParaRPr lang="es-CO" sz="1500" kern="50" dirty="0">
+                      <a:endParaRPr lang="es-CO" sz="1400" kern="50" dirty="0">
                         <a:effectLst/>
                         <a:latin typeface="Times New Roman" panose="02020603050405020304" pitchFamily="18" charset="0"/>
                         <a:ea typeface="Droid Sans Fallback"/>
@@ -6471,7 +6904,7 @@
                       </a:endParaRPr>
                     </a:p>
                   </a:txBody>
-                  <a:tcPr marL="94910" marR="94910" marT="94910" marB="94910" anchor="ctr"/>
+                  <a:tcPr marL="88785" marR="88785" marT="88785" marB="88785" anchor="ctr"/>
                 </a:tc>
                 <a:tc gridSpan="2">
                   <a:txBody>
@@ -6484,12 +6917,12 @@
                         </a:spcAft>
                       </a:pPr>
                       <a:r>
-                        <a:rPr lang="es-CO" sz="1500" kern="50">
+                        <a:rPr lang="es-CO" sz="1400" kern="50">
                           <a:effectLst/>
                         </a:rPr>
                         <a:t>Usuario: Administrador</a:t>
                       </a:r>
-                      <a:endParaRPr lang="es-CO" sz="1500" kern="50">
+                      <a:endParaRPr lang="es-CO" sz="1400" kern="50">
                         <a:effectLst/>
                         <a:latin typeface="Times New Roman" panose="02020603050405020304" pitchFamily="18" charset="0"/>
                         <a:ea typeface="Droid Sans Fallback"/>
@@ -6497,7 +6930,7 @@
                       </a:endParaRPr>
                     </a:p>
                   </a:txBody>
-                  <a:tcPr marL="94910" marR="94910" marT="94910" marB="94910" anchor="ctr"/>
+                  <a:tcPr marL="88785" marR="88785" marT="88785" marB="88785" anchor="ctr"/>
                 </a:tc>
                 <a:tc hMerge="1">
                   <a:txBody>
@@ -6510,7 +6943,7 @@
                   <a:tcPr/>
                 </a:tc>
               </a:tr>
-              <a:tr h="653826">
+              <a:tr h="611630">
                 <a:tc gridSpan="3">
                   <a:txBody>
                     <a:bodyPr/>
@@ -6522,18 +6955,18 @@
                         </a:spcAft>
                       </a:pPr>
                       <a:r>
-                        <a:rPr lang="es-CO" sz="1500" b="1" kern="50" dirty="0">
+                        <a:rPr lang="es-CO" sz="1400" b="1" kern="50" dirty="0">
                           <a:effectLst/>
                         </a:rPr>
                         <a:t>Nombre historia</a:t>
                       </a:r>
                       <a:r>
-                        <a:rPr lang="es-CO" sz="1500" kern="50" dirty="0">
+                        <a:rPr lang="es-CO" sz="1400" kern="50" dirty="0">
                           <a:effectLst/>
                         </a:rPr>
                         <a:t>: Inicio de sesión al sistema administrativo de caracterización estudiantil</a:t>
                       </a:r>
-                      <a:endParaRPr lang="es-CO" sz="1500" kern="50" dirty="0">
+                      <a:endParaRPr lang="es-CO" sz="1400" kern="50" dirty="0">
                         <a:effectLst/>
                         <a:latin typeface="Times New Roman" panose="02020603050405020304" pitchFamily="18" charset="0"/>
                         <a:ea typeface="Droid Sans Fallback"/>
@@ -6541,7 +6974,7 @@
                       </a:endParaRPr>
                     </a:p>
                   </a:txBody>
-                  <a:tcPr marL="94910" marR="94910" marT="94910" marB="94910" anchor="ctr"/>
+                  <a:tcPr marL="88785" marR="88785" marT="88785" marB="88785" anchor="ctr"/>
                 </a:tc>
                 <a:tc hMerge="1">
                   <a:txBody>
@@ -6564,7 +6997,7 @@
                   <a:tcPr/>
                 </a:tc>
               </a:tr>
-              <a:tr h="421823">
+              <a:tr h="394599">
                 <a:tc gridSpan="2">
                   <a:txBody>
                     <a:bodyPr/>
@@ -6576,18 +7009,18 @@
                         </a:spcAft>
                       </a:pPr>
                       <a:r>
-                        <a:rPr lang="es-CO" sz="1500" b="1" kern="50" dirty="0">
+                        <a:rPr lang="es-CO" sz="1400" b="1" kern="50" dirty="0">
                           <a:effectLst/>
                         </a:rPr>
                         <a:t>Prioridad</a:t>
                       </a:r>
                       <a:r>
-                        <a:rPr lang="es-CO" sz="1500" kern="50" dirty="0">
+                        <a:rPr lang="es-CO" sz="1400" kern="50" dirty="0">
                           <a:effectLst/>
                         </a:rPr>
                         <a:t>:  Alta </a:t>
                       </a:r>
-                      <a:endParaRPr lang="es-CO" sz="1500" kern="50" dirty="0">
+                      <a:endParaRPr lang="es-CO" sz="1400" kern="50" dirty="0">
                         <a:effectLst/>
                         <a:latin typeface="Times New Roman" panose="02020603050405020304" pitchFamily="18" charset="0"/>
                         <a:ea typeface="Droid Sans Fallback"/>
@@ -6595,7 +7028,7 @@
                       </a:endParaRPr>
                     </a:p>
                   </a:txBody>
-                  <a:tcPr marL="94910" marR="94910" marT="94910" marB="94910" anchor="ctr"/>
+                  <a:tcPr marL="88785" marR="88785" marT="88785" marB="88785" anchor="ctr"/>
                 </a:tc>
                 <a:tc hMerge="1">
                   <a:txBody>
@@ -6618,18 +7051,18 @@
                         </a:spcAft>
                       </a:pPr>
                       <a:r>
-                        <a:rPr lang="es-CO" sz="1500" b="1" kern="50" dirty="0">
+                        <a:rPr lang="es-CO" sz="1400" b="1" kern="50" dirty="0">
                           <a:effectLst/>
                         </a:rPr>
                         <a:t>Riesgo en desarrollo</a:t>
                       </a:r>
                       <a:r>
-                        <a:rPr lang="es-CO" sz="1500" kern="50" dirty="0">
+                        <a:rPr lang="es-CO" sz="1400" kern="50" dirty="0">
                           <a:effectLst/>
                         </a:rPr>
                         <a:t>: Alta</a:t>
                       </a:r>
-                      <a:endParaRPr lang="es-CO" sz="1500" kern="50" dirty="0">
+                      <a:endParaRPr lang="es-CO" sz="1400" kern="50" dirty="0">
                         <a:effectLst/>
                         <a:latin typeface="Times New Roman" panose="02020603050405020304" pitchFamily="18" charset="0"/>
                         <a:ea typeface="Droid Sans Fallback"/>
@@ -6637,10 +7070,10 @@
                       </a:endParaRPr>
                     </a:p>
                   </a:txBody>
-                  <a:tcPr marL="94910" marR="94910" marT="94910" marB="94910" anchor="ctr"/>
+                  <a:tcPr marL="88785" marR="88785" marT="88785" marB="88785" anchor="ctr"/>
                 </a:tc>
               </a:tr>
-              <a:tr h="442914">
+              <a:tr h="414329">
                 <a:tc gridSpan="2">
                   <a:txBody>
                     <a:bodyPr/>
@@ -6652,18 +7085,18 @@
                         </a:spcAft>
                       </a:pPr>
                       <a:r>
-                        <a:rPr lang="es-CO" sz="1500" b="1" kern="50" dirty="0">
+                        <a:rPr lang="es-CO" sz="1400" b="1" kern="50" dirty="0">
                           <a:effectLst/>
                         </a:rPr>
                         <a:t>Puntos estimados</a:t>
                       </a:r>
                       <a:r>
-                        <a:rPr lang="es-CO" sz="1500" kern="50" dirty="0">
+                        <a:rPr lang="es-CO" sz="1400" kern="50" dirty="0">
                           <a:effectLst/>
                         </a:rPr>
                         <a:t>: 12</a:t>
                       </a:r>
-                      <a:endParaRPr lang="es-CO" sz="1500" kern="50" dirty="0">
+                      <a:endParaRPr lang="es-CO" sz="1400" kern="50" dirty="0">
                         <a:effectLst/>
                         <a:latin typeface="Times New Roman" panose="02020603050405020304" pitchFamily="18" charset="0"/>
                         <a:ea typeface="Droid Sans Fallback"/>
@@ -6671,7 +7104,7 @@
                       </a:endParaRPr>
                     </a:p>
                   </a:txBody>
-                  <a:tcPr marL="94910" marR="94910" marT="94910" marB="94910" anchor="ctr"/>
+                  <a:tcPr marL="88785" marR="88785" marT="88785" marB="88785" anchor="ctr"/>
                 </a:tc>
                 <a:tc hMerge="1">
                   <a:txBody>
@@ -6694,18 +7127,18 @@
                         </a:spcAft>
                       </a:pPr>
                       <a:r>
-                        <a:rPr lang="es-CO" sz="1500" b="1" kern="50" dirty="0">
+                        <a:rPr lang="es-CO" sz="1400" b="1" kern="50" dirty="0">
                           <a:effectLst/>
                         </a:rPr>
                         <a:t>Fase de asignación</a:t>
                       </a:r>
                       <a:r>
-                        <a:rPr lang="es-CO" sz="1500" kern="50" dirty="0">
+                        <a:rPr lang="es-CO" sz="1400" kern="50" dirty="0">
                           <a:effectLst/>
                         </a:rPr>
                         <a:t>: 3</a:t>
                       </a:r>
-                      <a:endParaRPr lang="es-CO" sz="1500" kern="50" dirty="0">
+                      <a:endParaRPr lang="es-CO" sz="1400" kern="50" dirty="0">
                         <a:effectLst/>
                         <a:latin typeface="Times New Roman" panose="02020603050405020304" pitchFamily="18" charset="0"/>
                         <a:ea typeface="Droid Sans Fallback"/>
@@ -6713,10 +7146,10 @@
                       </a:endParaRPr>
                     </a:p>
                   </a:txBody>
-                  <a:tcPr marL="94910" marR="94910" marT="94910" marB="94910" anchor="ctr"/>
+                  <a:tcPr marL="88785" marR="88785" marT="88785" marB="88785" anchor="ctr"/>
                 </a:tc>
               </a:tr>
-              <a:tr h="421823">
+              <a:tr h="394599">
                 <a:tc gridSpan="3">
                   <a:txBody>
                     <a:bodyPr/>
@@ -6728,18 +7161,18 @@
                         </a:spcAft>
                       </a:pPr>
                       <a:r>
-                        <a:rPr lang="es-CO" sz="1500" b="1" kern="50" dirty="0">
+                        <a:rPr lang="es-CO" sz="1400" b="1" kern="50" dirty="0">
                           <a:effectLst/>
                         </a:rPr>
                         <a:t>Programador responsable</a:t>
                       </a:r>
                       <a:r>
-                        <a:rPr lang="es-CO" sz="1500" kern="50" dirty="0">
+                        <a:rPr lang="es-CO" sz="1400" kern="50" dirty="0">
                           <a:effectLst/>
                         </a:rPr>
                         <a:t>: Brayan Mauricio Novoa Salazar</a:t>
                       </a:r>
-                      <a:endParaRPr lang="es-CO" sz="1500" kern="50" dirty="0">
+                      <a:endParaRPr lang="es-CO" sz="1400" kern="50" dirty="0">
                         <a:effectLst/>
                         <a:latin typeface="Times New Roman" panose="02020603050405020304" pitchFamily="18" charset="0"/>
                         <a:ea typeface="Droid Sans Fallback"/>
@@ -6747,7 +7180,7 @@
                       </a:endParaRPr>
                     </a:p>
                   </a:txBody>
-                  <a:tcPr marL="94910" marR="94910" marT="94910" marB="94910" anchor="ctr"/>
+                  <a:tcPr marL="88785" marR="88785" marT="88785" marB="88785" anchor="ctr"/>
                 </a:tc>
                 <a:tc hMerge="1">
                   <a:txBody>
@@ -6770,7 +7203,7 @@
                   <a:tcPr/>
                 </a:tc>
               </a:tr>
-              <a:tr h="653826">
+              <a:tr h="611630">
                 <a:tc gridSpan="3">
                   <a:txBody>
                     <a:bodyPr/>
@@ -6782,18 +7215,18 @@
                         </a:spcAft>
                       </a:pPr>
                       <a:r>
-                        <a:rPr lang="es-CO" sz="1500" b="1" kern="50" dirty="0">
+                        <a:rPr lang="es-CO" sz="1400" b="1" kern="50" dirty="0">
                           <a:effectLst/>
                         </a:rPr>
                         <a:t>Descripción</a:t>
                       </a:r>
                       <a:r>
-                        <a:rPr lang="es-CO" sz="1500" kern="50" dirty="0">
+                        <a:rPr lang="es-CO" sz="1400" kern="50" dirty="0">
                           <a:effectLst/>
                         </a:rPr>
                         <a:t>: El usuario, podrá iniciar al sistema administrativo de caracterización estudiantil usando sus credenciales de acceso.</a:t>
                       </a:r>
-                      <a:endParaRPr lang="es-CO" sz="1500" kern="50" dirty="0">
+                      <a:endParaRPr lang="es-CO" sz="1400" kern="50" dirty="0">
                         <a:effectLst/>
                         <a:latin typeface="Times New Roman" panose="02020603050405020304" pitchFamily="18" charset="0"/>
                         <a:ea typeface="Droid Sans Fallback"/>
@@ -6801,7 +7234,7 @@
                       </a:endParaRPr>
                     </a:p>
                   </a:txBody>
-                  <a:tcPr marL="94910" marR="94910" marT="94910" marB="94910" anchor="ctr"/>
+                  <a:tcPr marL="88785" marR="88785" marT="88785" marB="88785" anchor="ctr"/>
                 </a:tc>
                 <a:tc hMerge="1">
                   <a:txBody>
@@ -6824,7 +7257,7 @@
                   <a:tcPr/>
                 </a:tc>
               </a:tr>
-              <a:tr h="1708384">
+              <a:tr h="1598129">
                 <a:tc gridSpan="3">
                   <a:txBody>
                     <a:bodyPr/>
@@ -6836,13 +7269,13 @@
                         </a:spcAft>
                       </a:pPr>
                       <a:r>
-                        <a:rPr lang="es-CO" sz="1500" b="1" kern="50" dirty="0">
+                        <a:rPr lang="es-CO" sz="1400" b="1" kern="50" dirty="0">
                           <a:effectLst/>
                         </a:rPr>
                         <a:t>Entradas</a:t>
                       </a:r>
                       <a:r>
-                        <a:rPr lang="es-CO" sz="1500" kern="50" dirty="0">
+                        <a:rPr lang="es-CO" sz="1400" kern="50" dirty="0">
                           <a:effectLst/>
                         </a:rPr>
                         <a:t>: Universidad, Rectoría, Sede, Usuario y Contraseña.</a:t>
@@ -6855,7 +7288,7 @@
                         </a:spcAft>
                       </a:pPr>
                       <a:r>
-                        <a:rPr lang="es-CO" sz="1500" kern="50" dirty="0">
+                        <a:rPr lang="es-CO" sz="1400" kern="50" dirty="0">
                           <a:effectLst/>
                         </a:rPr>
                         <a:t> </a:t>
@@ -6868,13 +7301,13 @@
                         </a:spcAft>
                       </a:pPr>
                       <a:r>
-                        <a:rPr lang="es-CO" sz="1500" b="1" kern="50" dirty="0">
+                        <a:rPr lang="es-CO" sz="1400" b="1" kern="50" dirty="0">
                           <a:effectLst/>
                         </a:rPr>
                         <a:t>Salidas</a:t>
                       </a:r>
                       <a:r>
-                        <a:rPr lang="es-CO" sz="1500" kern="50" dirty="0">
+                        <a:rPr lang="es-CO" sz="1400" kern="50" dirty="0">
                           <a:effectLst/>
                         </a:rPr>
                         <a:t>: En caso de que los datos proporcionados por el usuario sean correctos, el sistema debe conceder el inicio de sesión.</a:t>
@@ -6887,12 +7320,12 @@
                         </a:spcAft>
                       </a:pPr>
                       <a:r>
-                        <a:rPr lang="es-CO" sz="1500" kern="50" dirty="0">
+                        <a:rPr lang="es-CO" sz="1400" kern="50" dirty="0">
                           <a:effectLst/>
                         </a:rPr>
                         <a:t>En caso contrario el sistema debe solicitar al usuario verificar sus credenciales de acceso.</a:t>
                       </a:r>
-                      <a:endParaRPr lang="es-CO" sz="1500" kern="50" dirty="0">
+                      <a:endParaRPr lang="es-CO" sz="1400" kern="50" dirty="0">
                         <a:effectLst/>
                         <a:latin typeface="Times New Roman" panose="02020603050405020304" pitchFamily="18" charset="0"/>
                         <a:ea typeface="Droid Sans Fallback"/>
@@ -6900,7 +7333,7 @@
                       </a:endParaRPr>
                     </a:p>
                   </a:txBody>
-                  <a:tcPr marL="94910" marR="94910" marT="94910" marB="94910" anchor="ctr"/>
+                  <a:tcPr marL="88785" marR="88785" marT="88785" marB="88785" anchor="ctr"/>
                 </a:tc>
                 <a:tc hMerge="1">
                   <a:txBody>
@@ -6927,6 +7360,63 @@
           </a:graphicData>
         </a:graphic>
       </p:graphicFrame>
+      <p:sp>
+        <p:nvSpPr>
+          <p:cNvPr id="6" name="CuadroTexto 5">
+            <a:extLst>
+              <a:ext uri="{FF2B5EF4-FFF2-40B4-BE49-F238E27FC236}">
+                <a16:creationId xmlns:a16="http://schemas.microsoft.com/office/drawing/2014/main" xmlns="" id="{BC049DBC-6933-4F01-99CD-12D18B825504}"/>
+              </a:ext>
+            </a:extLst>
+          </p:cNvPr>
+          <p:cNvSpPr txBox="1"/>
+          <p:nvPr/>
+        </p:nvSpPr>
+        <p:spPr>
+          <a:xfrm>
+            <a:off x="6158510" y="6272793"/>
+            <a:ext cx="5095241" cy="461665"/>
+          </a:xfrm>
+          <a:prstGeom prst="rect">
+            <a:avLst/>
+          </a:prstGeom>
+          <a:noFill/>
+        </p:spPr>
+        <p:txBody>
+          <a:bodyPr wrap="none" rtlCol="0">
+            <a:spAutoFit/>
+          </a:bodyPr>
+          <a:lstStyle/>
+          <a:p>
+            <a:pPr algn="just"/>
+            <a:r>
+              <a:rPr lang="es-MX" sz="2400" i="1" dirty="0" smtClean="0">
+                <a:latin typeface="Times New Roman" panose="02020603050405020304" pitchFamily="18" charset="0"/>
+                <a:cs typeface="Times New Roman" panose="02020603050405020304" pitchFamily="18" charset="0"/>
+              </a:rPr>
+              <a:t>Tabla </a:t>
+            </a:r>
+            <a:r>
+              <a:rPr lang="es-MX" sz="2400" i="1" dirty="0">
+                <a:latin typeface="Times New Roman" panose="02020603050405020304" pitchFamily="18" charset="0"/>
+                <a:cs typeface="Times New Roman" panose="02020603050405020304" pitchFamily="18" charset="0"/>
+              </a:rPr>
+              <a:t>1: </a:t>
+            </a:r>
+            <a:r>
+              <a:rPr lang="es-MX" sz="2400" i="1" dirty="0" smtClean="0">
+                <a:latin typeface="Times New Roman" panose="02020603050405020304" pitchFamily="18" charset="0"/>
+                <a:cs typeface="Times New Roman" panose="02020603050405020304" pitchFamily="18" charset="0"/>
+              </a:rPr>
+              <a:t>Ejemplo de historia de usuario</a:t>
+            </a:r>
+            <a:endParaRPr lang="es-MX" sz="2400" i="1" dirty="0">
+              <a:latin typeface="Times New Roman" panose="02020603050405020304" pitchFamily="18" charset="0"/>
+              <a:cs typeface="Times New Roman" panose="02020603050405020304" pitchFamily="18" charset="0"/>
+            </a:endParaRPr>
+          </a:p>
+        </p:txBody>
+      </p:sp>
     </p:spTree>
     <p:extLst>
       <p:ext uri="{BB962C8B-B14F-4D97-AF65-F5344CB8AC3E}">
@@ -6969,7 +7459,7 @@
           <p:cNvPr id="2" name="Título 1">
             <a:extLst>
               <a:ext uri="{FF2B5EF4-FFF2-40B4-BE49-F238E27FC236}">
-                <a16:creationId xmlns="" xmlns:a16="http://schemas.microsoft.com/office/drawing/2014/main" id="{DB8C63D6-C210-40D1-AC01-78DC49BB1182}"/>
+                <a16:creationId xmlns:a16="http://schemas.microsoft.com/office/drawing/2014/main" xmlns="" id="{DB8C63D6-C210-40D1-AC01-78DC49BB1182}"/>
               </a:ext>
             </a:extLst>
           </p:cNvPr>
@@ -7007,7 +7497,7 @@
           <p:cNvPr id="6" name="CuadroTexto 5">
             <a:extLst>
               <a:ext uri="{FF2B5EF4-FFF2-40B4-BE49-F238E27FC236}">
-                <a16:creationId xmlns="" xmlns:a16="http://schemas.microsoft.com/office/drawing/2014/main" id="{BC049DBC-6933-4F01-99CD-12D18B825504}"/>
+                <a16:creationId xmlns:a16="http://schemas.microsoft.com/office/drawing/2014/main" xmlns="" id="{BC049DBC-6933-4F01-99CD-12D18B825504}"/>
               </a:ext>
             </a:extLst>
           </p:cNvPr>
@@ -7016,8 +7506,8 @@
         </p:nvSpPr>
         <p:spPr>
           <a:xfrm>
-            <a:off x="164660" y="6334780"/>
-            <a:ext cx="5460854" cy="523220"/>
+            <a:off x="472790" y="6334780"/>
+            <a:ext cx="4844596" cy="461665"/>
           </a:xfrm>
           <a:prstGeom prst="rect">
             <a:avLst/>
@@ -7032,18 +7522,23 @@
           <a:p>
             <a:pPr algn="just"/>
             <a:r>
-              <a:rPr lang="es-MX" sz="2800" dirty="0"/>
-              <a:t>Ilustración 1: </a:t>
-            </a:r>
-            <a:r>
-              <a:rPr lang="es-MX" sz="2800" dirty="0"/>
-              <a:t>Diagrama casos de </a:t>
-            </a:r>
-            <a:r>
-              <a:rPr lang="es-MX" sz="2800" dirty="0" smtClean="0"/>
+              <a:rPr lang="es-MX" sz="2400" i="1" dirty="0">
+                <a:latin typeface="Times New Roman" panose="02020603050405020304" pitchFamily="18" charset="0"/>
+                <a:cs typeface="Times New Roman" panose="02020603050405020304" pitchFamily="18" charset="0"/>
+              </a:rPr>
+              <a:t>Ilustración 1: Diagrama casos de </a:t>
+            </a:r>
+            <a:r>
+              <a:rPr lang="es-MX" sz="2400" i="1" dirty="0" smtClean="0">
+                <a:latin typeface="Times New Roman" panose="02020603050405020304" pitchFamily="18" charset="0"/>
+                <a:cs typeface="Times New Roman" panose="02020603050405020304" pitchFamily="18" charset="0"/>
+              </a:rPr>
               <a:t>uso</a:t>
             </a:r>
-            <a:endParaRPr lang="es-MX" sz="2800" dirty="0"/>
+            <a:endParaRPr lang="es-MX" sz="2400" i="1" dirty="0">
+              <a:latin typeface="Times New Roman" panose="02020603050405020304" pitchFamily="18" charset="0"/>
+              <a:cs typeface="Times New Roman" panose="02020603050405020304" pitchFamily="18" charset="0"/>
+            </a:endParaRPr>
           </a:p>
         </p:txBody>
       </p:sp>
@@ -7106,7 +7601,7 @@
           <p:cNvPr id="8" name="CuadroTexto 7">
             <a:extLst>
               <a:ext uri="{FF2B5EF4-FFF2-40B4-BE49-F238E27FC236}">
-                <a16:creationId xmlns="" xmlns:a16="http://schemas.microsoft.com/office/drawing/2014/main" id="{46EA4DCA-5CF5-445C-A682-F68F57AE84CF}"/>
+                <a16:creationId xmlns:a16="http://schemas.microsoft.com/office/drawing/2014/main" xmlns="" id="{46EA4DCA-5CF5-445C-A682-F68F57AE84CF}"/>
               </a:ext>
             </a:extLst>
           </p:cNvPr>

--- a/expo/expo.pptx
+++ b/expo/expo.pptx
@@ -273,7 +273,7 @@
           <a:p>
             <a:fld id="{D6AEB8E7-BDB9-4384-837D-5E0AF3F2FB20}" type="datetimeFigureOut">
               <a:rPr lang="es-CO" smtClean="0"/>
-              <a:t>25/11/2018</a:t>
+              <a:t>26/11/2018</a:t>
             </a:fld>
             <a:endParaRPr lang="es-CO"/>
           </a:p>
@@ -443,7 +443,7 @@
           <a:p>
             <a:fld id="{D6AEB8E7-BDB9-4384-837D-5E0AF3F2FB20}" type="datetimeFigureOut">
               <a:rPr lang="es-CO" smtClean="0"/>
-              <a:t>25/11/2018</a:t>
+              <a:t>26/11/2018</a:t>
             </a:fld>
             <a:endParaRPr lang="es-CO"/>
           </a:p>
@@ -623,7 +623,7 @@
           <a:p>
             <a:fld id="{D6AEB8E7-BDB9-4384-837D-5E0AF3F2FB20}" type="datetimeFigureOut">
               <a:rPr lang="es-CO" smtClean="0"/>
-              <a:t>25/11/2018</a:t>
+              <a:t>26/11/2018</a:t>
             </a:fld>
             <a:endParaRPr lang="es-CO"/>
           </a:p>
@@ -793,7 +793,7 @@
           <a:p>
             <a:fld id="{D6AEB8E7-BDB9-4384-837D-5E0AF3F2FB20}" type="datetimeFigureOut">
               <a:rPr lang="es-CO" smtClean="0"/>
-              <a:t>25/11/2018</a:t>
+              <a:t>26/11/2018</a:t>
             </a:fld>
             <a:endParaRPr lang="es-CO"/>
           </a:p>
@@ -1039,7 +1039,7 @@
           <a:p>
             <a:fld id="{D6AEB8E7-BDB9-4384-837D-5E0AF3F2FB20}" type="datetimeFigureOut">
               <a:rPr lang="es-CO" smtClean="0"/>
-              <a:t>25/11/2018</a:t>
+              <a:t>26/11/2018</a:t>
             </a:fld>
             <a:endParaRPr lang="es-CO"/>
           </a:p>
@@ -1271,7 +1271,7 @@
           <a:p>
             <a:fld id="{D6AEB8E7-BDB9-4384-837D-5E0AF3F2FB20}" type="datetimeFigureOut">
               <a:rPr lang="es-CO" smtClean="0"/>
-              <a:t>25/11/2018</a:t>
+              <a:t>26/11/2018</a:t>
             </a:fld>
             <a:endParaRPr lang="es-CO"/>
           </a:p>
@@ -1638,7 +1638,7 @@
           <a:p>
             <a:fld id="{D6AEB8E7-BDB9-4384-837D-5E0AF3F2FB20}" type="datetimeFigureOut">
               <a:rPr lang="es-CO" smtClean="0"/>
-              <a:t>25/11/2018</a:t>
+              <a:t>26/11/2018</a:t>
             </a:fld>
             <a:endParaRPr lang="es-CO"/>
           </a:p>
@@ -1756,7 +1756,7 @@
           <a:p>
             <a:fld id="{D6AEB8E7-BDB9-4384-837D-5E0AF3F2FB20}" type="datetimeFigureOut">
               <a:rPr lang="es-CO" smtClean="0"/>
-              <a:t>25/11/2018</a:t>
+              <a:t>26/11/2018</a:t>
             </a:fld>
             <a:endParaRPr lang="es-CO"/>
           </a:p>
@@ -1851,7 +1851,7 @@
           <a:p>
             <a:fld id="{D6AEB8E7-BDB9-4384-837D-5E0AF3F2FB20}" type="datetimeFigureOut">
               <a:rPr lang="es-CO" smtClean="0"/>
-              <a:t>25/11/2018</a:t>
+              <a:t>26/11/2018</a:t>
             </a:fld>
             <a:endParaRPr lang="es-CO"/>
           </a:p>
@@ -2128,7 +2128,7 @@
           <a:p>
             <a:fld id="{D6AEB8E7-BDB9-4384-837D-5E0AF3F2FB20}" type="datetimeFigureOut">
               <a:rPr lang="es-CO" smtClean="0"/>
-              <a:t>25/11/2018</a:t>
+              <a:t>26/11/2018</a:t>
             </a:fld>
             <a:endParaRPr lang="es-CO"/>
           </a:p>
@@ -2381,7 +2381,7 @@
           <a:p>
             <a:fld id="{D6AEB8E7-BDB9-4384-837D-5E0AF3F2FB20}" type="datetimeFigureOut">
               <a:rPr lang="es-CO" smtClean="0"/>
-              <a:t>25/11/2018</a:t>
+              <a:t>26/11/2018</a:t>
             </a:fld>
             <a:endParaRPr lang="es-CO"/>
           </a:p>
@@ -2608,7 +2608,7 @@
           <a:p>
             <a:fld id="{D6AEB8E7-BDB9-4384-837D-5E0AF3F2FB20}" type="datetimeFigureOut">
               <a:rPr lang="es-CO" smtClean="0"/>
-              <a:t>25/11/2018</a:t>
+              <a:t>26/11/2018</a:t>
             </a:fld>
             <a:endParaRPr lang="es-CO"/>
           </a:p>
@@ -3286,11 +3286,7 @@
             </a:r>
             <a:r>
               <a:rPr lang="es-MX" sz="2400" b="1" dirty="0" smtClean="0"/>
-              <a:t>oftware </a:t>
-            </a:r>
-            <a:r>
-              <a:rPr lang="es-MX" sz="2400" b="1" dirty="0" smtClean="0"/>
-              <a:t>libre</a:t>
+              <a:t>oftware libre</a:t>
             </a:r>
             <a:endParaRPr lang="es-MX" b="1" dirty="0"/>
           </a:p>
@@ -4097,7 +4093,7 @@
           <p:cNvPr id="95" name="Título 1">
             <a:extLst>
               <a:ext uri="{FF2B5EF4-FFF2-40B4-BE49-F238E27FC236}">
-                <a16:creationId xmlns:a16="http://schemas.microsoft.com/office/drawing/2014/main" xmlns="" id="{C970F256-3488-4F4A-A764-07DD68032D5B}"/>
+                <a16:creationId xmlns="" xmlns:a16="http://schemas.microsoft.com/office/drawing/2014/main" id="{C970F256-3488-4F4A-A764-07DD68032D5B}"/>
               </a:ext>
             </a:extLst>
           </p:cNvPr>
@@ -4128,11 +4124,6 @@
               </a:rPr>
               <a:t>Referentes teóricos</a:t>
             </a:r>
-            <a:endParaRPr lang="es-MX" b="1" dirty="0">
-              <a:solidFill>
-                <a:schemeClr val="bg1"/>
-              </a:solidFill>
-            </a:endParaRPr>
           </a:p>
         </p:txBody>
       </p:sp>
@@ -4439,7 +4430,7 @@
           <p:cNvPr id="17" name="Título 1">
             <a:extLst>
               <a:ext uri="{FF2B5EF4-FFF2-40B4-BE49-F238E27FC236}">
-                <a16:creationId xmlns:a16="http://schemas.microsoft.com/office/drawing/2014/main" xmlns="" id="{C970F256-3488-4F4A-A764-07DD68032D5B}"/>
+                <a16:creationId xmlns="" xmlns:a16="http://schemas.microsoft.com/office/drawing/2014/main" id="{C970F256-3488-4F4A-A764-07DD68032D5B}"/>
               </a:ext>
             </a:extLst>
           </p:cNvPr>
@@ -4470,11 +4461,6 @@
               </a:rPr>
               <a:t>Referentes teóricos</a:t>
             </a:r>
-            <a:endParaRPr lang="es-MX" b="1" dirty="0">
-              <a:solidFill>
-                <a:schemeClr val="bg1"/>
-              </a:solidFill>
-            </a:endParaRPr>
           </a:p>
         </p:txBody>
       </p:sp>
@@ -4636,7 +4622,7 @@
           <p:cNvPr id="9" name="Título 1">
             <a:extLst>
               <a:ext uri="{FF2B5EF4-FFF2-40B4-BE49-F238E27FC236}">
-                <a16:creationId xmlns:a16="http://schemas.microsoft.com/office/drawing/2014/main" xmlns="" id="{C970F256-3488-4F4A-A764-07DD68032D5B}"/>
+                <a16:creationId xmlns="" xmlns:a16="http://schemas.microsoft.com/office/drawing/2014/main" id="{C970F256-3488-4F4A-A764-07DD68032D5B}"/>
               </a:ext>
             </a:extLst>
           </p:cNvPr>
@@ -4667,11 +4653,6 @@
               </a:rPr>
               <a:t>Referentes teóricos</a:t>
             </a:r>
-            <a:endParaRPr lang="es-MX" b="1" dirty="0">
-              <a:solidFill>
-                <a:schemeClr val="bg1"/>
-              </a:solidFill>
-            </a:endParaRPr>
           </a:p>
         </p:txBody>
       </p:sp>
@@ -4813,11 +4794,7 @@
             <a:pPr algn="ctr"/>
             <a:r>
               <a:rPr lang="es-MX" sz="2400" b="1" dirty="0" smtClean="0"/>
-              <a:t>Creador de </a:t>
-            </a:r>
-            <a:r>
-              <a:rPr lang="es-MX" sz="2400" b="1" dirty="0" smtClean="0"/>
-              <a:t>Java</a:t>
+              <a:t>Creador de Java</a:t>
             </a:r>
             <a:endParaRPr lang="es-MX" b="1" dirty="0"/>
           </a:p>
@@ -4931,11 +4908,7 @@
             <a:pPr algn="ctr"/>
             <a:r>
               <a:rPr lang="es-MX" sz="2400" b="1" dirty="0" smtClean="0"/>
-              <a:t>Creador </a:t>
-            </a:r>
-            <a:r>
-              <a:rPr lang="es-MX" sz="2400" b="1" dirty="0" smtClean="0"/>
-              <a:t>del compilador de Java</a:t>
+              <a:t>Creador del compilador de Java</a:t>
             </a:r>
             <a:endParaRPr lang="es-MX" b="1" dirty="0"/>
           </a:p>
@@ -5008,11 +4981,7 @@
             <a:pPr algn="ctr"/>
             <a:r>
               <a:rPr lang="es-MX" sz="2400" b="1" dirty="0" smtClean="0"/>
-              <a:t>Creador </a:t>
-            </a:r>
-            <a:r>
-              <a:rPr lang="es-MX" sz="2400" b="1" dirty="0" smtClean="0"/>
-              <a:t>de la JVM</a:t>
+              <a:t>Creador de la JVM</a:t>
             </a:r>
             <a:endParaRPr lang="es-MX" b="1" dirty="0"/>
           </a:p>
@@ -5085,15 +5054,7 @@
             <a:pPr algn="ctr"/>
             <a:r>
               <a:rPr lang="es-MX" sz="2400" b="1" dirty="0" smtClean="0"/>
-              <a:t>Miembro </a:t>
-            </a:r>
-            <a:r>
-              <a:rPr lang="es-MX" sz="2400" b="1" dirty="0" smtClean="0"/>
-              <a:t>Academia Nacional de Ingeniería en </a:t>
-            </a:r>
-            <a:r>
-              <a:rPr lang="es-MX" sz="2400" b="1" dirty="0" smtClean="0"/>
-              <a:t>Estados Unidos</a:t>
+              <a:t>Miembro Academia Nacional de Ingeniería en Estados Unidos</a:t>
             </a:r>
             <a:endParaRPr lang="es-MX" b="1" dirty="0"/>
           </a:p>
@@ -5166,15 +5127,7 @@
             <a:pPr algn="ctr"/>
             <a:r>
               <a:rPr lang="es-MX" sz="2400" b="1" dirty="0" smtClean="0"/>
-              <a:t>Medalla </a:t>
-            </a:r>
-            <a:r>
-              <a:rPr lang="es-MX" sz="2400" b="1" dirty="0" smtClean="0"/>
-              <a:t>John von Newmann de la </a:t>
-            </a:r>
-            <a:r>
-              <a:rPr lang="es-MX" sz="2400" b="1" dirty="0" smtClean="0"/>
-              <a:t>IEEE por lo anterior y otras contribuciones a los lenguajes de programación y entornos</a:t>
+              <a:t>Medalla John von Newmann de la IEEE por lo anterior y otras contribuciones a los lenguajes de programación y entornos</a:t>
             </a:r>
             <a:endParaRPr lang="es-MX" b="1" dirty="0"/>
           </a:p>
@@ -5365,7 +5318,7 @@
           <p:cNvPr id="34" name="Título 1">
             <a:extLst>
               <a:ext uri="{FF2B5EF4-FFF2-40B4-BE49-F238E27FC236}">
-                <a16:creationId xmlns:a16="http://schemas.microsoft.com/office/drawing/2014/main" xmlns="" id="{C970F256-3488-4F4A-A764-07DD68032D5B}"/>
+                <a16:creationId xmlns="" xmlns:a16="http://schemas.microsoft.com/office/drawing/2014/main" id="{C970F256-3488-4F4A-A764-07DD68032D5B}"/>
               </a:ext>
             </a:extLst>
           </p:cNvPr>
@@ -5396,11 +5349,6 @@
               </a:rPr>
               <a:t>Referentes teóricos</a:t>
             </a:r>
-            <a:endParaRPr lang="es-MX" b="1" dirty="0">
-              <a:solidFill>
-                <a:schemeClr val="bg1"/>
-              </a:solidFill>
-            </a:endParaRPr>
           </a:p>
         </p:txBody>
       </p:sp>
@@ -5784,7 +5732,7 @@
           <p:cNvPr id="20" name="Título 1">
             <a:extLst>
               <a:ext uri="{FF2B5EF4-FFF2-40B4-BE49-F238E27FC236}">
-                <a16:creationId xmlns:a16="http://schemas.microsoft.com/office/drawing/2014/main" xmlns="" id="{C970F256-3488-4F4A-A764-07DD68032D5B}"/>
+                <a16:creationId xmlns="" xmlns:a16="http://schemas.microsoft.com/office/drawing/2014/main" id="{C970F256-3488-4F4A-A764-07DD68032D5B}"/>
               </a:ext>
             </a:extLst>
           </p:cNvPr>
@@ -5815,11 +5763,6 @@
               </a:rPr>
               <a:t>Referentes teóricos</a:t>
             </a:r>
-            <a:endParaRPr lang="es-MX" sz="4000" b="1" dirty="0">
-              <a:solidFill>
-                <a:schemeClr val="bg1"/>
-              </a:solidFill>
-            </a:endParaRPr>
           </a:p>
         </p:txBody>
       </p:sp>
@@ -6056,7 +5999,7 @@
           <p:cNvPr id="11" name="Título 1">
             <a:extLst>
               <a:ext uri="{FF2B5EF4-FFF2-40B4-BE49-F238E27FC236}">
-                <a16:creationId xmlns:a16="http://schemas.microsoft.com/office/drawing/2014/main" xmlns="" id="{C970F256-3488-4F4A-A764-07DD68032D5B}"/>
+                <a16:creationId xmlns="" xmlns:a16="http://schemas.microsoft.com/office/drawing/2014/main" id="{C970F256-3488-4F4A-A764-07DD68032D5B}"/>
               </a:ext>
             </a:extLst>
           </p:cNvPr>
@@ -6179,7 +6122,7 @@
           <p:cNvPr id="2" name="Título 1">
             <a:extLst>
               <a:ext uri="{FF2B5EF4-FFF2-40B4-BE49-F238E27FC236}">
-                <a16:creationId xmlns:a16="http://schemas.microsoft.com/office/drawing/2014/main" xmlns="" id="{07AE7516-1AE4-45BE-98BE-4B95F4DA1742}"/>
+                <a16:creationId xmlns="" xmlns:a16="http://schemas.microsoft.com/office/drawing/2014/main" id="{07AE7516-1AE4-45BE-98BE-4B95F4DA1742}"/>
               </a:ext>
             </a:extLst>
           </p:cNvPr>
@@ -6207,15 +6150,7 @@
                   <a:schemeClr val="bg1"/>
                 </a:solidFill>
               </a:rPr>
-              <a:t>Marco </a:t>
-            </a:r>
-            <a:r>
-              <a:rPr lang="es-MX" b="1" dirty="0" smtClean="0">
-                <a:solidFill>
-                  <a:schemeClr val="bg1"/>
-                </a:solidFill>
-              </a:rPr>
-              <a:t>legal</a:t>
+              <a:t>Marco legal</a:t>
             </a:r>
             <a:endParaRPr lang="es-MX" b="1" dirty="0">
               <a:solidFill>
@@ -6230,7 +6165,7 @@
           <p:cNvPr id="3" name="Marcador de contenido 2">
             <a:extLst>
               <a:ext uri="{FF2B5EF4-FFF2-40B4-BE49-F238E27FC236}">
-                <a16:creationId xmlns:a16="http://schemas.microsoft.com/office/drawing/2014/main" xmlns="" id="{607AE930-5E81-4976-884A-E79FEB8EAB31}"/>
+                <a16:creationId xmlns="" xmlns:a16="http://schemas.microsoft.com/office/drawing/2014/main" id="{607AE930-5E81-4976-884A-E79FEB8EAB31}"/>
               </a:ext>
             </a:extLst>
           </p:cNvPr>
@@ -6266,7 +6201,6 @@
               <a:rPr lang="es-MX" sz="3600" b="1" dirty="0" smtClean="0"/>
               <a:t>Copyleft</a:t>
             </a:r>
-            <a:endParaRPr lang="es-MX" sz="3600" b="1" dirty="0" smtClean="0"/>
           </a:p>
         </p:txBody>
       </p:sp>
@@ -6275,7 +6209,7 @@
           <p:cNvPr id="4" name="Marcador de contenido 2">
             <a:extLst>
               <a:ext uri="{FF2B5EF4-FFF2-40B4-BE49-F238E27FC236}">
-                <a16:creationId xmlns:a16="http://schemas.microsoft.com/office/drawing/2014/main" xmlns="" id="{607AE930-5E81-4976-884A-E79FEB8EAB31}"/>
+                <a16:creationId xmlns="" xmlns:a16="http://schemas.microsoft.com/office/drawing/2014/main" id="{607AE930-5E81-4976-884A-E79FEB8EAB31}"/>
               </a:ext>
             </a:extLst>
           </p:cNvPr>
@@ -6521,7 +6455,7 @@
           <p:cNvPr id="4" name="Título 1">
             <a:extLst>
               <a:ext uri="{FF2B5EF4-FFF2-40B4-BE49-F238E27FC236}">
-                <a16:creationId xmlns:a16="http://schemas.microsoft.com/office/drawing/2014/main" xmlns="" id="{F194AB6A-55E1-4B44-A983-8BC6AA65E29D}"/>
+                <a16:creationId xmlns="" xmlns:a16="http://schemas.microsoft.com/office/drawing/2014/main" id="{F194AB6A-55E1-4B44-A983-8BC6AA65E29D}"/>
               </a:ext>
             </a:extLst>
           </p:cNvPr>
@@ -6594,7 +6528,7 @@
           <p:cNvPr id="7" name="Marcador de contenido 2">
             <a:extLst>
               <a:ext uri="{FF2B5EF4-FFF2-40B4-BE49-F238E27FC236}">
-                <a16:creationId xmlns:a16="http://schemas.microsoft.com/office/drawing/2014/main" xmlns="" id="{9044A195-81E2-4535-8AF2-A32F3CBDD8E6}"/>
+                <a16:creationId xmlns="" xmlns:a16="http://schemas.microsoft.com/office/drawing/2014/main" id="{9044A195-81E2-4535-8AF2-A32F3CBDD8E6}"/>
               </a:ext>
             </a:extLst>
           </p:cNvPr>
@@ -7005,7 +6939,6 @@
               <a:rPr lang="es-CO" sz="2800" dirty="0"/>
               <a:t>Aplicación administradores</a:t>
             </a:r>
-            <a:endParaRPr lang="es-CO" sz="2800" dirty="0"/>
           </a:p>
         </p:txBody>
       </p:sp>
@@ -7569,7 +7502,7 @@
           <p:cNvPr id="2" name="Título 1">
             <a:extLst>
               <a:ext uri="{FF2B5EF4-FFF2-40B4-BE49-F238E27FC236}">
-                <a16:creationId xmlns:a16="http://schemas.microsoft.com/office/drawing/2014/main" xmlns="" id="{4D3AF533-AD0F-43F7-AC8D-8A056BA291A3}"/>
+                <a16:creationId xmlns="" xmlns:a16="http://schemas.microsoft.com/office/drawing/2014/main" id="{4D3AF533-AD0F-43F7-AC8D-8A056BA291A3}"/>
               </a:ext>
             </a:extLst>
           </p:cNvPr>
@@ -7607,7 +7540,7 @@
           <p:cNvPr id="3" name="Marcador de contenido 2">
             <a:extLst>
               <a:ext uri="{FF2B5EF4-FFF2-40B4-BE49-F238E27FC236}">
-                <a16:creationId xmlns:a16="http://schemas.microsoft.com/office/drawing/2014/main" xmlns="" id="{9044A195-81E2-4535-8AF2-A32F3CBDD8E6}"/>
+                <a16:creationId xmlns="" xmlns:a16="http://schemas.microsoft.com/office/drawing/2014/main" id="{9044A195-81E2-4535-8AF2-A32F3CBDD8E6}"/>
               </a:ext>
             </a:extLst>
           </p:cNvPr>
@@ -7724,7 +7657,7 @@
           <p:cNvPr id="7" name="CuadroTexto 6">
             <a:extLst>
               <a:ext uri="{FF2B5EF4-FFF2-40B4-BE49-F238E27FC236}">
-                <a16:creationId xmlns:a16="http://schemas.microsoft.com/office/drawing/2014/main" xmlns="" id="{BC049DBC-6933-4F01-99CD-12D18B825504}"/>
+                <a16:creationId xmlns="" xmlns:a16="http://schemas.microsoft.com/office/drawing/2014/main" id="{BC049DBC-6933-4F01-99CD-12D18B825504}"/>
               </a:ext>
             </a:extLst>
           </p:cNvPr>
@@ -7871,7 +7804,7 @@
           <p:cNvPr id="5" name="Título 1">
             <a:extLst>
               <a:ext uri="{FF2B5EF4-FFF2-40B4-BE49-F238E27FC236}">
-                <a16:creationId xmlns:a16="http://schemas.microsoft.com/office/drawing/2014/main" xmlns="" id="{F194AB6A-55E1-4B44-A983-8BC6AA65E29D}"/>
+                <a16:creationId xmlns="" xmlns:a16="http://schemas.microsoft.com/office/drawing/2014/main" id="{F194AB6A-55E1-4B44-A983-8BC6AA65E29D}"/>
               </a:ext>
             </a:extLst>
           </p:cNvPr>
@@ -8512,7 +8445,7 @@
           <p:cNvPr id="7" name="Título 1">
             <a:extLst>
               <a:ext uri="{FF2B5EF4-FFF2-40B4-BE49-F238E27FC236}">
-                <a16:creationId xmlns:a16="http://schemas.microsoft.com/office/drawing/2014/main" xmlns="" id="{C970F256-3488-4F4A-A764-07DD68032D5B}"/>
+                <a16:creationId xmlns="" xmlns:a16="http://schemas.microsoft.com/office/drawing/2014/main" id="{C970F256-3488-4F4A-A764-07DD68032D5B}"/>
               </a:ext>
             </a:extLst>
           </p:cNvPr>
@@ -8671,7 +8604,7 @@
           <p:cNvPr id="6" name="CuadroTexto 5">
             <a:extLst>
               <a:ext uri="{FF2B5EF4-FFF2-40B4-BE49-F238E27FC236}">
-                <a16:creationId xmlns:a16="http://schemas.microsoft.com/office/drawing/2014/main" xmlns="" id="{BC049DBC-6933-4F01-99CD-12D18B825504}"/>
+                <a16:creationId xmlns="" xmlns:a16="http://schemas.microsoft.com/office/drawing/2014/main" id="{BC049DBC-6933-4F01-99CD-12D18B825504}"/>
               </a:ext>
             </a:extLst>
           </p:cNvPr>
@@ -8775,7 +8708,7 @@
           <p:cNvPr id="8" name="CuadroTexto 7">
             <a:extLst>
               <a:ext uri="{FF2B5EF4-FFF2-40B4-BE49-F238E27FC236}">
-                <a16:creationId xmlns:a16="http://schemas.microsoft.com/office/drawing/2014/main" xmlns="" id="{46EA4DCA-5CF5-445C-A682-F68F57AE84CF}"/>
+                <a16:creationId xmlns="" xmlns:a16="http://schemas.microsoft.com/office/drawing/2014/main" id="{46EA4DCA-5CF5-445C-A682-F68F57AE84CF}"/>
               </a:ext>
             </a:extLst>
           </p:cNvPr>
@@ -8827,7 +8760,7 @@
           <p:cNvPr id="7" name="Título 1">
             <a:extLst>
               <a:ext uri="{FF2B5EF4-FFF2-40B4-BE49-F238E27FC236}">
-                <a16:creationId xmlns:a16="http://schemas.microsoft.com/office/drawing/2014/main" xmlns="" id="{C970F256-3488-4F4A-A764-07DD68032D5B}"/>
+                <a16:creationId xmlns="" xmlns:a16="http://schemas.microsoft.com/office/drawing/2014/main" id="{C970F256-3488-4F4A-A764-07DD68032D5B}"/>
               </a:ext>
             </a:extLst>
           </p:cNvPr>
@@ -8986,7 +8919,7 @@
           <p:cNvPr id="7" name="CuadroTexto 6">
             <a:extLst>
               <a:ext uri="{FF2B5EF4-FFF2-40B4-BE49-F238E27FC236}">
-                <a16:creationId xmlns:a16="http://schemas.microsoft.com/office/drawing/2014/main" xmlns="" id="{9A9A517C-CD63-4999-91D2-533BFA31F83E}"/>
+                <a16:creationId xmlns="" xmlns:a16="http://schemas.microsoft.com/office/drawing/2014/main" id="{9A9A517C-CD63-4999-91D2-533BFA31F83E}"/>
               </a:ext>
             </a:extLst>
           </p:cNvPr>
@@ -9034,7 +8967,7 @@
           <p:cNvPr id="8" name="CuadroTexto 7">
             <a:extLst>
               <a:ext uri="{FF2B5EF4-FFF2-40B4-BE49-F238E27FC236}">
-                <a16:creationId xmlns:a16="http://schemas.microsoft.com/office/drawing/2014/main" xmlns="" id="{89E46AF4-218E-4E1B-B422-59B657A05EE8}"/>
+                <a16:creationId xmlns="" xmlns:a16="http://schemas.microsoft.com/office/drawing/2014/main" id="{89E46AF4-218E-4E1B-B422-59B657A05EE8}"/>
               </a:ext>
             </a:extLst>
           </p:cNvPr>
@@ -9114,7 +9047,7 @@
           <p:cNvPr id="9" name="Título 1">
             <a:extLst>
               <a:ext uri="{FF2B5EF4-FFF2-40B4-BE49-F238E27FC236}">
-                <a16:creationId xmlns:a16="http://schemas.microsoft.com/office/drawing/2014/main" xmlns="" id="{C970F256-3488-4F4A-A764-07DD68032D5B}"/>
+                <a16:creationId xmlns="" xmlns:a16="http://schemas.microsoft.com/office/drawing/2014/main" id="{C970F256-3488-4F4A-A764-07DD68032D5B}"/>
               </a:ext>
             </a:extLst>
           </p:cNvPr>
@@ -9519,7 +9452,6 @@
               <a:rPr lang="es-CO" sz="2800" dirty="0"/>
               <a:t>Aplicación administradores</a:t>
             </a:r>
-            <a:endParaRPr lang="es-CO" sz="2800" dirty="0"/>
           </a:p>
         </p:txBody>
       </p:sp>
@@ -10046,7 +9978,7 @@
           <p:cNvPr id="23" name="Título 1">
             <a:extLst>
               <a:ext uri="{FF2B5EF4-FFF2-40B4-BE49-F238E27FC236}">
-                <a16:creationId xmlns:a16="http://schemas.microsoft.com/office/drawing/2014/main" xmlns="" id="{C970F256-3488-4F4A-A764-07DD68032D5B}"/>
+                <a16:creationId xmlns="" xmlns:a16="http://schemas.microsoft.com/office/drawing/2014/main" id="{C970F256-3488-4F4A-A764-07DD68032D5B}"/>
               </a:ext>
             </a:extLst>
           </p:cNvPr>
@@ -10195,7 +10127,7 @@
           <p:cNvPr id="2" name="Título 1">
             <a:extLst>
               <a:ext uri="{FF2B5EF4-FFF2-40B4-BE49-F238E27FC236}">
-                <a16:creationId xmlns:a16="http://schemas.microsoft.com/office/drawing/2014/main" xmlns="" id="{C970F256-3488-4F4A-A764-07DD68032D5B}"/>
+                <a16:creationId xmlns="" xmlns:a16="http://schemas.microsoft.com/office/drawing/2014/main" id="{C970F256-3488-4F4A-A764-07DD68032D5B}"/>
               </a:ext>
             </a:extLst>
           </p:cNvPr>
@@ -10501,13 +10433,7 @@
                         <a:rPr lang="es-CO" sz="2400" u="none" strike="noStrike" dirty="0" smtClean="0">
                           <a:effectLst/>
                         </a:rPr>
-                        <a:t>Apache </a:t>
-                      </a:r>
-                      <a:r>
-                        <a:rPr lang="es-CO" sz="2400" u="none" strike="noStrike" dirty="0" smtClean="0">
-                          <a:effectLst/>
-                        </a:rPr>
-                        <a:t>Tomcat</a:t>
+                        <a:t>Apache Tomcat</a:t>
                       </a:r>
                       <a:endParaRPr lang="es-CO" sz="2400" b="0" i="0" u="none" strike="noStrike" dirty="0">
                         <a:solidFill>
@@ -11186,7 +11112,7 @@
           <p:cNvPr id="5" name="CuadroTexto 4">
             <a:extLst>
               <a:ext uri="{FF2B5EF4-FFF2-40B4-BE49-F238E27FC236}">
-                <a16:creationId xmlns:a16="http://schemas.microsoft.com/office/drawing/2014/main" xmlns="" id="{BC049DBC-6933-4F01-99CD-12D18B825504}"/>
+                <a16:creationId xmlns="" xmlns:a16="http://schemas.microsoft.com/office/drawing/2014/main" id="{BC049DBC-6933-4F01-99CD-12D18B825504}"/>
               </a:ext>
             </a:extLst>
           </p:cNvPr>
@@ -11322,7 +11248,7 @@
           <p:cNvPr id="6" name="CuadroTexto 5">
             <a:extLst>
               <a:ext uri="{FF2B5EF4-FFF2-40B4-BE49-F238E27FC236}">
-                <a16:creationId xmlns:a16="http://schemas.microsoft.com/office/drawing/2014/main" xmlns="" id="{9175FBDA-696B-46FE-97CD-48084F55349C}"/>
+                <a16:creationId xmlns="" xmlns:a16="http://schemas.microsoft.com/office/drawing/2014/main" id="{9175FBDA-696B-46FE-97CD-48084F55349C}"/>
               </a:ext>
             </a:extLst>
           </p:cNvPr>
@@ -11370,7 +11296,7 @@
           <p:cNvPr id="5" name="Título 1">
             <a:extLst>
               <a:ext uri="{FF2B5EF4-FFF2-40B4-BE49-F238E27FC236}">
-                <a16:creationId xmlns:a16="http://schemas.microsoft.com/office/drawing/2014/main" xmlns="" id="{C970F256-3488-4F4A-A764-07DD68032D5B}"/>
+                <a16:creationId xmlns="" xmlns:a16="http://schemas.microsoft.com/office/drawing/2014/main" id="{C970F256-3488-4F4A-A764-07DD68032D5B}"/>
               </a:ext>
             </a:extLst>
           </p:cNvPr>
@@ -11529,7 +11455,7 @@
           <p:cNvPr id="2" name="Título 1">
             <a:extLst>
               <a:ext uri="{FF2B5EF4-FFF2-40B4-BE49-F238E27FC236}">
-                <a16:creationId xmlns:a16="http://schemas.microsoft.com/office/drawing/2014/main" xmlns="" id="{66349900-D031-47AB-BEDC-4E081B677983}"/>
+                <a16:creationId xmlns="" xmlns:a16="http://schemas.microsoft.com/office/drawing/2014/main" id="{66349900-D031-47AB-BEDC-4E081B677983}"/>
               </a:ext>
             </a:extLst>
           </p:cNvPr>
@@ -11711,7 +11637,7 @@
           <p:cNvPr id="5" name="Título 1">
             <a:extLst>
               <a:ext uri="{FF2B5EF4-FFF2-40B4-BE49-F238E27FC236}">
-                <a16:creationId xmlns:a16="http://schemas.microsoft.com/office/drawing/2014/main" xmlns="" id="{66349900-D031-47AB-BEDC-4E081B677983}"/>
+                <a16:creationId xmlns="" xmlns:a16="http://schemas.microsoft.com/office/drawing/2014/main" id="{66349900-D031-47AB-BEDC-4E081B677983}"/>
               </a:ext>
             </a:extLst>
           </p:cNvPr>
@@ -11893,7 +11819,7 @@
           <p:cNvPr id="5" name="Título 1">
             <a:extLst>
               <a:ext uri="{FF2B5EF4-FFF2-40B4-BE49-F238E27FC236}">
-                <a16:creationId xmlns:a16="http://schemas.microsoft.com/office/drawing/2014/main" xmlns="" id="{66349900-D031-47AB-BEDC-4E081B677983}"/>
+                <a16:creationId xmlns="" xmlns:a16="http://schemas.microsoft.com/office/drawing/2014/main" id="{66349900-D031-47AB-BEDC-4E081B677983}"/>
               </a:ext>
             </a:extLst>
           </p:cNvPr>
@@ -12068,7 +11994,7 @@
           <p:cNvPr id="9" name="Título 1">
             <a:extLst>
               <a:ext uri="{FF2B5EF4-FFF2-40B4-BE49-F238E27FC236}">
-                <a16:creationId xmlns:a16="http://schemas.microsoft.com/office/drawing/2014/main" xmlns="" id="{66349900-D031-47AB-BEDC-4E081B677983}"/>
+                <a16:creationId xmlns="" xmlns:a16="http://schemas.microsoft.com/office/drawing/2014/main" id="{66349900-D031-47AB-BEDC-4E081B677983}"/>
               </a:ext>
             </a:extLst>
           </p:cNvPr>
@@ -12123,7 +12049,7 @@
           <p:cNvPr id="10" name="Título 1">
             <a:extLst>
               <a:ext uri="{FF2B5EF4-FFF2-40B4-BE49-F238E27FC236}">
-                <a16:creationId xmlns:a16="http://schemas.microsoft.com/office/drawing/2014/main" xmlns="" id="{66349900-D031-47AB-BEDC-4E081B677983}"/>
+                <a16:creationId xmlns="" xmlns:a16="http://schemas.microsoft.com/office/drawing/2014/main" id="{66349900-D031-47AB-BEDC-4E081B677983}"/>
               </a:ext>
             </a:extLst>
           </p:cNvPr>
@@ -12215,7 +12141,7 @@
           <p:cNvPr id="4" name="Título 1">
             <a:extLst>
               <a:ext uri="{FF2B5EF4-FFF2-40B4-BE49-F238E27FC236}">
-                <a16:creationId xmlns:a16="http://schemas.microsoft.com/office/drawing/2014/main" xmlns="" id="{66349900-D031-47AB-BEDC-4E081B677983}"/>
+                <a16:creationId xmlns="" xmlns:a16="http://schemas.microsoft.com/office/drawing/2014/main" id="{66349900-D031-47AB-BEDC-4E081B677983}"/>
               </a:ext>
             </a:extLst>
           </p:cNvPr>
@@ -12245,15 +12171,7 @@
                   <a:schemeClr val="bg1"/>
                 </a:solidFill>
               </a:rPr>
-              <a:t>Aplicación  </a:t>
-            </a:r>
-            <a:r>
-              <a:rPr lang="es-MX" b="1" dirty="0" smtClean="0">
-                <a:solidFill>
-                  <a:schemeClr val="bg1"/>
-                </a:solidFill>
-              </a:rPr>
-              <a:t>estudiantes</a:t>
+              <a:t>Aplicación  estudiantes</a:t>
             </a:r>
             <a:endParaRPr lang="es-MX" b="1" dirty="0">
               <a:solidFill>
@@ -12368,7 +12286,7 @@
           <p:cNvPr id="9" name="Título 1">
             <a:extLst>
               <a:ext uri="{FF2B5EF4-FFF2-40B4-BE49-F238E27FC236}">
-                <a16:creationId xmlns:a16="http://schemas.microsoft.com/office/drawing/2014/main" xmlns="" id="{66349900-D031-47AB-BEDC-4E081B677983}"/>
+                <a16:creationId xmlns="" xmlns:a16="http://schemas.microsoft.com/office/drawing/2014/main" id="{66349900-D031-47AB-BEDC-4E081B677983}"/>
               </a:ext>
             </a:extLst>
           </p:cNvPr>
@@ -12460,7 +12378,7 @@
           <p:cNvPr id="5" name="Título 1">
             <a:extLst>
               <a:ext uri="{FF2B5EF4-FFF2-40B4-BE49-F238E27FC236}">
-                <a16:creationId xmlns:a16="http://schemas.microsoft.com/office/drawing/2014/main" xmlns="" id="{F194AB6A-55E1-4B44-A983-8BC6AA65E29D}"/>
+                <a16:creationId xmlns="" xmlns:a16="http://schemas.microsoft.com/office/drawing/2014/main" id="{F194AB6A-55E1-4B44-A983-8BC6AA65E29D}"/>
               </a:ext>
             </a:extLst>
           </p:cNvPr>
@@ -12687,7 +12605,7 @@
           <p:cNvPr id="2" name="Título 1">
             <a:extLst>
               <a:ext uri="{FF2B5EF4-FFF2-40B4-BE49-F238E27FC236}">
-                <a16:creationId xmlns:a16="http://schemas.microsoft.com/office/drawing/2014/main" xmlns="" id="{F3C1574D-8292-4410-B1E4-1EBE9DF828D1}"/>
+                <a16:creationId xmlns="" xmlns:a16="http://schemas.microsoft.com/office/drawing/2014/main" id="{F3C1574D-8292-4410-B1E4-1EBE9DF828D1}"/>
               </a:ext>
             </a:extLst>
           </p:cNvPr>
@@ -12733,7 +12651,7 @@
           <p:cNvPr id="3" name="Marcador de contenido 2">
             <a:extLst>
               <a:ext uri="{FF2B5EF4-FFF2-40B4-BE49-F238E27FC236}">
-                <a16:creationId xmlns:a16="http://schemas.microsoft.com/office/drawing/2014/main" xmlns="" id="{FF0FB3A2-B486-4D36-B284-27C22DD5AB74}"/>
+                <a16:creationId xmlns="" xmlns:a16="http://schemas.microsoft.com/office/drawing/2014/main" id="{FF0FB3A2-B486-4D36-B284-27C22DD5AB74}"/>
               </a:ext>
             </a:extLst>
           </p:cNvPr>
@@ -12803,7 +12721,7 @@
           <p:cNvPr id="2" name="Título 1">
             <a:extLst>
               <a:ext uri="{FF2B5EF4-FFF2-40B4-BE49-F238E27FC236}">
-                <a16:creationId xmlns:a16="http://schemas.microsoft.com/office/drawing/2014/main" xmlns="" id="{F3C1574D-8292-4410-B1E4-1EBE9DF828D1}"/>
+                <a16:creationId xmlns="" xmlns:a16="http://schemas.microsoft.com/office/drawing/2014/main" id="{F3C1574D-8292-4410-B1E4-1EBE9DF828D1}"/>
               </a:ext>
             </a:extLst>
           </p:cNvPr>
@@ -13459,11 +13377,7 @@
             </a:r>
             <a:r>
               <a:rPr lang="es-CO" sz="4400" dirty="0"/>
-              <a:t>obtienen grandes cantidades de información sobre sus estudiantes mediante </a:t>
-            </a:r>
-            <a:r>
-              <a:rPr lang="es-CO" sz="4400" dirty="0"/>
-              <a:t>e</a:t>
+              <a:t>obtienen grandes cantidades de información sobre sus estudiantes mediante e</a:t>
             </a:r>
             <a:r>
               <a:rPr lang="es-CO" sz="4400" dirty="0" smtClean="0"/>
@@ -13531,7 +13445,7 @@
           <p:cNvPr id="3" name="Marcador de contenido 2">
             <a:extLst>
               <a:ext uri="{FF2B5EF4-FFF2-40B4-BE49-F238E27FC236}">
-                <a16:creationId xmlns:a16="http://schemas.microsoft.com/office/drawing/2014/main" xmlns="" id="{F27ED2C7-5D3D-48D6-995C-A170B4F5C4EE}"/>
+                <a16:creationId xmlns="" xmlns:a16="http://schemas.microsoft.com/office/drawing/2014/main" id="{F27ED2C7-5D3D-48D6-995C-A170B4F5C4EE}"/>
               </a:ext>
             </a:extLst>
           </p:cNvPr>
@@ -13596,23 +13510,8 @@
               <a:rPr lang="es-MX" sz="4000" dirty="0" smtClean="0">
                 <a:cs typeface="Times New Roman" panose="02020603050405020304" pitchFamily="18" charset="0"/>
               </a:rPr>
-              <a:t>Mantener actualizada la información </a:t>
-            </a:r>
-            <a:r>
-              <a:rPr lang="es-MX" sz="4000" dirty="0" smtClean="0">
-                <a:cs typeface="Times New Roman" panose="02020603050405020304" pitchFamily="18" charset="0"/>
-              </a:rPr>
-              <a:t>100</a:t>
-            </a:r>
-            <a:r>
-              <a:rPr lang="es-MX" sz="4000" dirty="0" smtClean="0">
-                <a:cs typeface="Times New Roman" panose="02020603050405020304" pitchFamily="18" charset="0"/>
-              </a:rPr>
-              <a:t>% es una tarea compleja.</a:t>
-            </a:r>
-            <a:endParaRPr lang="es-MX" sz="4000" dirty="0" smtClean="0">
-              <a:cs typeface="Times New Roman" panose="02020603050405020304" pitchFamily="18" charset="0"/>
-            </a:endParaRPr>
+              <a:t>Mantener actualizada la información 100% es una tarea compleja.</a:t>
+            </a:r>
           </a:p>
           <a:p>
             <a:pPr marL="0" indent="0" algn="just">
@@ -13647,19 +13546,7 @@
               <a:rPr lang="es-MX" sz="4000" dirty="0" smtClean="0">
                 <a:cs typeface="Times New Roman" panose="02020603050405020304" pitchFamily="18" charset="0"/>
               </a:rPr>
-              <a:t>esde el marco legal, </a:t>
-            </a:r>
-            <a:r>
-              <a:rPr lang="es-MX" sz="4000" dirty="0" smtClean="0">
-                <a:cs typeface="Times New Roman" panose="02020603050405020304" pitchFamily="18" charset="0"/>
-              </a:rPr>
-              <a:t>es importante dar </a:t>
-            </a:r>
-            <a:r>
-              <a:rPr lang="es-MX" sz="4000" dirty="0" smtClean="0">
-                <a:cs typeface="Times New Roman" panose="02020603050405020304" pitchFamily="18" charset="0"/>
-              </a:rPr>
-              <a:t>el debido manejo de la información de los estudiantes.</a:t>
+              <a:t>esde el marco legal, es importante dar el debido manejo de la información de los estudiantes.</a:t>
             </a:r>
           </a:p>
         </p:txBody>
@@ -13743,7 +13630,7 @@
           <p:cNvPr id="3" name="Marcador de contenido 2">
             <a:extLst>
               <a:ext uri="{FF2B5EF4-FFF2-40B4-BE49-F238E27FC236}">
-                <a16:creationId xmlns:a16="http://schemas.microsoft.com/office/drawing/2014/main" xmlns="" id="{F27ED2C7-5D3D-48D6-995C-A170B4F5C4EE}"/>
+                <a16:creationId xmlns="" xmlns:a16="http://schemas.microsoft.com/office/drawing/2014/main" id="{F27ED2C7-5D3D-48D6-995C-A170B4F5C4EE}"/>
               </a:ext>
             </a:extLst>
           </p:cNvPr>
@@ -13892,7 +13779,7 @@
           <p:cNvPr id="2" name="Título 1">
             <a:extLst>
               <a:ext uri="{FF2B5EF4-FFF2-40B4-BE49-F238E27FC236}">
-                <a16:creationId xmlns:a16="http://schemas.microsoft.com/office/drawing/2014/main" xmlns="" id="{F194AB6A-55E1-4B44-A983-8BC6AA65E29D}"/>
+                <a16:creationId xmlns="" xmlns:a16="http://schemas.microsoft.com/office/drawing/2014/main" id="{F194AB6A-55E1-4B44-A983-8BC6AA65E29D}"/>
               </a:ext>
             </a:extLst>
           </p:cNvPr>
@@ -13935,7 +13822,7 @@
           <p:cNvPr id="3" name="Marcador de contenido 2">
             <a:extLst>
               <a:ext uri="{FF2B5EF4-FFF2-40B4-BE49-F238E27FC236}">
-                <a16:creationId xmlns:a16="http://schemas.microsoft.com/office/drawing/2014/main" xmlns="" id="{B24358F4-4131-4E84-B740-F17730F29968}"/>
+                <a16:creationId xmlns="" xmlns:a16="http://schemas.microsoft.com/office/drawing/2014/main" id="{B24358F4-4131-4E84-B740-F17730F29968}"/>
               </a:ext>
             </a:extLst>
           </p:cNvPr>
@@ -14026,7 +13913,7 @@
           <p:cNvPr id="3" name="Marcador de contenido 2">
             <a:extLst>
               <a:ext uri="{FF2B5EF4-FFF2-40B4-BE49-F238E27FC236}">
-                <a16:creationId xmlns:a16="http://schemas.microsoft.com/office/drawing/2014/main" xmlns="" id="{E0439019-967A-48CB-99F3-103D64E7D9BA}"/>
+                <a16:creationId xmlns="" xmlns:a16="http://schemas.microsoft.com/office/drawing/2014/main" id="{E0439019-967A-48CB-99F3-103D64E7D9BA}"/>
               </a:ext>
             </a:extLst>
           </p:cNvPr>
@@ -14112,7 +13999,6 @@
               <a:rPr lang="es-CO" dirty="0" smtClean="0"/>
               <a:t>.</a:t>
             </a:r>
-            <a:endParaRPr lang="es-CO" dirty="0" smtClean="0"/>
           </a:p>
           <a:p>
             <a:pPr algn="just">
@@ -14136,7 +14022,7 @@
           <p:cNvPr id="5" name="Título 1">
             <a:extLst>
               <a:ext uri="{FF2B5EF4-FFF2-40B4-BE49-F238E27FC236}">
-                <a16:creationId xmlns:a16="http://schemas.microsoft.com/office/drawing/2014/main" xmlns="" id="{F194AB6A-55E1-4B44-A983-8BC6AA65E29D}"/>
+                <a16:creationId xmlns="" xmlns:a16="http://schemas.microsoft.com/office/drawing/2014/main" id="{F194AB6A-55E1-4B44-A983-8BC6AA65E29D}"/>
               </a:ext>
             </a:extLst>
           </p:cNvPr>
@@ -14216,7 +14102,7 @@
           <p:cNvPr id="2" name="Título 1">
             <a:extLst>
               <a:ext uri="{FF2B5EF4-FFF2-40B4-BE49-F238E27FC236}">
-                <a16:creationId xmlns:a16="http://schemas.microsoft.com/office/drawing/2014/main" xmlns="" id="{07AE7516-1AE4-45BE-98BE-4B95F4DA1742}"/>
+                <a16:creationId xmlns="" xmlns:a16="http://schemas.microsoft.com/office/drawing/2014/main" id="{07AE7516-1AE4-45BE-98BE-4B95F4DA1742}"/>
               </a:ext>
             </a:extLst>
           </p:cNvPr>
@@ -14261,7 +14147,7 @@
           <p:cNvPr id="3" name="Marcador de contenido 2">
             <a:extLst>
               <a:ext uri="{FF2B5EF4-FFF2-40B4-BE49-F238E27FC236}">
-                <a16:creationId xmlns:a16="http://schemas.microsoft.com/office/drawing/2014/main" xmlns="" id="{607AE930-5E81-4976-884A-E79FEB8EAB31}"/>
+                <a16:creationId xmlns="" xmlns:a16="http://schemas.microsoft.com/office/drawing/2014/main" id="{607AE930-5E81-4976-884A-E79FEB8EAB31}"/>
               </a:ext>
             </a:extLst>
           </p:cNvPr>
@@ -14299,11 +14185,7 @@
             </a:r>
             <a:r>
               <a:rPr lang="es-MX" sz="3200" b="1" dirty="0" smtClean="0"/>
-              <a:t>Para qué desarrollar esta solución informática</a:t>
-            </a:r>
-            <a:r>
-              <a:rPr lang="es-MX" sz="3200" b="1" dirty="0" smtClean="0"/>
-              <a:t>?</a:t>
+              <a:t>Para qué desarrollar esta solución informática?</a:t>
             </a:r>
             <a:endParaRPr lang="es-MX" sz="3200" dirty="0" smtClean="0"/>
           </a:p>
@@ -14318,11 +14200,7 @@
             </a:pPr>
             <a:r>
               <a:rPr lang="es-MX" sz="3200" dirty="0" smtClean="0"/>
-              <a:t> Sistematizar el proceso</a:t>
-            </a:r>
-            <a:r>
-              <a:rPr lang="es-MX" sz="3200" dirty="0" smtClean="0"/>
-              <a:t>.</a:t>
+              <a:t> Sistematizar el proceso.</a:t>
             </a:r>
             <a:endParaRPr lang="es-MX" sz="3200" dirty="0"/>
           </a:p>
@@ -14343,7 +14221,6 @@
               <a:rPr lang="es-MX" sz="3200" dirty="0" smtClean="0"/>
               <a:t>.</a:t>
             </a:r>
-            <a:endParaRPr lang="es-MX" sz="3200" dirty="0" smtClean="0"/>
           </a:p>
           <a:p>
             <a:pPr algn="just">
@@ -14356,11 +14233,7 @@
             </a:pPr>
             <a:r>
               <a:rPr lang="es-MX" sz="3200" dirty="0" smtClean="0"/>
-              <a:t>Identificar las necesidades de los </a:t>
-            </a:r>
-            <a:r>
-              <a:rPr lang="es-MX" sz="3200" dirty="0" smtClean="0"/>
-              <a:t>estudiantes</a:t>
+              <a:t>Identificar las necesidades de los estudiantes</a:t>
             </a:r>
             <a:endParaRPr lang="es-MX" sz="3200" dirty="0"/>
           </a:p>
@@ -14375,11 +14248,7 @@
             </a:pPr>
             <a:r>
               <a:rPr lang="es-MX" sz="3200" dirty="0" smtClean="0"/>
-              <a:t>Dar cumplimiento a la </a:t>
-            </a:r>
-            <a:r>
-              <a:rPr lang="es-MX" sz="3200" dirty="0" smtClean="0"/>
-              <a:t>legislación</a:t>
+              <a:t>Dar cumplimiento a la legislación</a:t>
             </a:r>
             <a:endParaRPr lang="es-MX" sz="3200" dirty="0"/>
           </a:p>

--- a/expo/expo.pptx
+++ b/expo/expo.pptx
@@ -15,20 +15,23 @@
     <p:sldId id="260" r:id="rId9"/>
     <p:sldId id="261" r:id="rId10"/>
     <p:sldId id="293" r:id="rId11"/>
-    <p:sldId id="275" r:id="rId12"/>
+    <p:sldId id="298" r:id="rId12"/>
     <p:sldId id="262" r:id="rId13"/>
     <p:sldId id="263" r:id="rId14"/>
     <p:sldId id="264" r:id="rId15"/>
-    <p:sldId id="265" r:id="rId16"/>
-    <p:sldId id="266" r:id="rId17"/>
-    <p:sldId id="291" r:id="rId18"/>
-    <p:sldId id="289" r:id="rId19"/>
-    <p:sldId id="290" r:id="rId20"/>
-    <p:sldId id="292" r:id="rId21"/>
-    <p:sldId id="269" r:id="rId22"/>
-    <p:sldId id="296" r:id="rId23"/>
-    <p:sldId id="273" r:id="rId24"/>
-    <p:sldId id="288" r:id="rId25"/>
+    <p:sldId id="299" r:id="rId16"/>
+    <p:sldId id="265" r:id="rId17"/>
+    <p:sldId id="266" r:id="rId18"/>
+    <p:sldId id="291" r:id="rId19"/>
+    <p:sldId id="275" r:id="rId20"/>
+    <p:sldId id="289" r:id="rId21"/>
+    <p:sldId id="290" r:id="rId22"/>
+    <p:sldId id="292" r:id="rId23"/>
+    <p:sldId id="297" r:id="rId24"/>
+    <p:sldId id="269" r:id="rId25"/>
+    <p:sldId id="296" r:id="rId26"/>
+    <p:sldId id="273" r:id="rId27"/>
+    <p:sldId id="288" r:id="rId28"/>
   </p:sldIdLst>
   <p:sldSz cx="12192000" cy="6858000"/>
   <p:notesSz cx="6858000" cy="9144000"/>
@@ -266,7 +269,7 @@
           <a:p>
             <a:fld id="{D6AEB8E7-BDB9-4384-837D-5E0AF3F2FB20}" type="datetimeFigureOut">
               <a:rPr lang="es-CO" smtClean="0"/>
-              <a:t>27/11/2018</a:t>
+              <a:t>28/11/2018</a:t>
             </a:fld>
             <a:endParaRPr lang="es-CO"/>
           </a:p>
@@ -436,7 +439,7 @@
           <a:p>
             <a:fld id="{D6AEB8E7-BDB9-4384-837D-5E0AF3F2FB20}" type="datetimeFigureOut">
               <a:rPr lang="es-CO" smtClean="0"/>
-              <a:t>27/11/2018</a:t>
+              <a:t>28/11/2018</a:t>
             </a:fld>
             <a:endParaRPr lang="es-CO"/>
           </a:p>
@@ -616,7 +619,7 @@
           <a:p>
             <a:fld id="{D6AEB8E7-BDB9-4384-837D-5E0AF3F2FB20}" type="datetimeFigureOut">
               <a:rPr lang="es-CO" smtClean="0"/>
-              <a:t>27/11/2018</a:t>
+              <a:t>28/11/2018</a:t>
             </a:fld>
             <a:endParaRPr lang="es-CO"/>
           </a:p>
@@ -786,7 +789,7 @@
           <a:p>
             <a:fld id="{D6AEB8E7-BDB9-4384-837D-5E0AF3F2FB20}" type="datetimeFigureOut">
               <a:rPr lang="es-CO" smtClean="0"/>
-              <a:t>27/11/2018</a:t>
+              <a:t>28/11/2018</a:t>
             </a:fld>
             <a:endParaRPr lang="es-CO"/>
           </a:p>
@@ -1032,7 +1035,7 @@
           <a:p>
             <a:fld id="{D6AEB8E7-BDB9-4384-837D-5E0AF3F2FB20}" type="datetimeFigureOut">
               <a:rPr lang="es-CO" smtClean="0"/>
-              <a:t>27/11/2018</a:t>
+              <a:t>28/11/2018</a:t>
             </a:fld>
             <a:endParaRPr lang="es-CO"/>
           </a:p>
@@ -1264,7 +1267,7 @@
           <a:p>
             <a:fld id="{D6AEB8E7-BDB9-4384-837D-5E0AF3F2FB20}" type="datetimeFigureOut">
               <a:rPr lang="es-CO" smtClean="0"/>
-              <a:t>27/11/2018</a:t>
+              <a:t>28/11/2018</a:t>
             </a:fld>
             <a:endParaRPr lang="es-CO"/>
           </a:p>
@@ -1631,7 +1634,7 @@
           <a:p>
             <a:fld id="{D6AEB8E7-BDB9-4384-837D-5E0AF3F2FB20}" type="datetimeFigureOut">
               <a:rPr lang="es-CO" smtClean="0"/>
-              <a:t>27/11/2018</a:t>
+              <a:t>28/11/2018</a:t>
             </a:fld>
             <a:endParaRPr lang="es-CO"/>
           </a:p>
@@ -1749,7 +1752,7 @@
           <a:p>
             <a:fld id="{D6AEB8E7-BDB9-4384-837D-5E0AF3F2FB20}" type="datetimeFigureOut">
               <a:rPr lang="es-CO" smtClean="0"/>
-              <a:t>27/11/2018</a:t>
+              <a:t>28/11/2018</a:t>
             </a:fld>
             <a:endParaRPr lang="es-CO"/>
           </a:p>
@@ -1844,7 +1847,7 @@
           <a:p>
             <a:fld id="{D6AEB8E7-BDB9-4384-837D-5E0AF3F2FB20}" type="datetimeFigureOut">
               <a:rPr lang="es-CO" smtClean="0"/>
-              <a:t>27/11/2018</a:t>
+              <a:t>28/11/2018</a:t>
             </a:fld>
             <a:endParaRPr lang="es-CO"/>
           </a:p>
@@ -2121,7 +2124,7 @@
           <a:p>
             <a:fld id="{D6AEB8E7-BDB9-4384-837D-5E0AF3F2FB20}" type="datetimeFigureOut">
               <a:rPr lang="es-CO" smtClean="0"/>
-              <a:t>27/11/2018</a:t>
+              <a:t>28/11/2018</a:t>
             </a:fld>
             <a:endParaRPr lang="es-CO"/>
           </a:p>
@@ -2374,7 +2377,7 @@
           <a:p>
             <a:fld id="{D6AEB8E7-BDB9-4384-837D-5E0AF3F2FB20}" type="datetimeFigureOut">
               <a:rPr lang="es-CO" smtClean="0"/>
-              <a:t>27/11/2018</a:t>
+              <a:t>28/11/2018</a:t>
             </a:fld>
             <a:endParaRPr lang="es-CO"/>
           </a:p>
@@ -2601,7 +2604,7 @@
           <a:p>
             <a:fld id="{D6AEB8E7-BDB9-4384-837D-5E0AF3F2FB20}" type="datetimeFigureOut">
               <a:rPr lang="es-CO" smtClean="0"/>
-              <a:t>27/11/2018</a:t>
+              <a:t>28/11/2018</a:t>
             </a:fld>
             <a:endParaRPr lang="es-CO"/>
           </a:p>
@@ -3027,7 +3030,45 @@
       </p:grpSpPr>
       <p:sp>
         <p:nvSpPr>
-          <p:cNvPr id="2" name="Título 1"/>
+          <p:cNvPr id="3" name="Rectángulo 2"/>
+          <p:cNvSpPr/>
+          <p:nvPr/>
+        </p:nvSpPr>
+        <p:spPr>
+          <a:xfrm>
+            <a:off x="3959806" y="6082660"/>
+            <a:ext cx="4272388" cy="461665"/>
+          </a:xfrm>
+          <a:prstGeom prst="rect">
+            <a:avLst/>
+          </a:prstGeom>
+        </p:spPr>
+        <p:txBody>
+          <a:bodyPr wrap="none">
+            <a:spAutoFit/>
+          </a:bodyPr>
+          <a:lstStyle/>
+          <a:p>
+            <a:r>
+              <a:rPr lang="es-CO" sz="2400" b="1" dirty="0" smtClean="0">
+                <a:solidFill>
+                  <a:schemeClr val="bg1"/>
+                </a:solidFill>
+                <a:cs typeface="Times New Roman" panose="02020603050405020304" pitchFamily="18" charset="0"/>
+              </a:rPr>
+              <a:t>Asesor: Justo Chávez Valenzuela</a:t>
+            </a:r>
+            <a:endParaRPr lang="es-CO" sz="2400" dirty="0">
+              <a:solidFill>
+                <a:schemeClr val="bg1"/>
+              </a:solidFill>
+            </a:endParaRPr>
+          </a:p>
+        </p:txBody>
+      </p:sp>
+      <p:sp>
+        <p:nvSpPr>
+          <p:cNvPr id="5" name="Título 1"/>
           <p:cNvSpPr>
             <a:spLocks noGrp="1"/>
           </p:cNvSpPr>
@@ -3037,8 +3078,8 @@
         </p:nvSpPr>
         <p:spPr>
           <a:xfrm>
-            <a:off x="291548" y="3473899"/>
-            <a:ext cx="11158330" cy="1457741"/>
+            <a:off x="0" y="2794715"/>
+            <a:ext cx="12192000" cy="2784450"/>
           </a:xfrm>
         </p:spPr>
         <p:txBody>
@@ -3047,34 +3088,74 @@
           </a:bodyPr>
           <a:lstStyle/>
           <a:p>
-            <a:pPr>
-              <a:lnSpc>
-                <a:spcPct val="150000"/>
-              </a:lnSpc>
-            </a:pPr>
-            <a:r>
-              <a:rPr lang="es-MX" sz="2800" b="1" dirty="0" smtClean="0">
+            <a:r>
+              <a:rPr lang="es-CO" sz="2800" b="1" dirty="0">
                 <a:latin typeface="+mn-lt"/>
                 <a:cs typeface="Times New Roman" panose="02020603050405020304" pitchFamily="18" charset="0"/>
               </a:rPr>
-              <a:t>Vicerrectoría </a:t>
-            </a:r>
+              <a:t>Brayan Mauricio Novoa Salazar</a:t>
+            </a:r>
+            <a:br>
+              <a:rPr lang="es-CO" sz="2800" b="1" dirty="0">
+                <a:latin typeface="+mn-lt"/>
+                <a:cs typeface="Times New Roman" panose="02020603050405020304" pitchFamily="18" charset="0"/>
+              </a:rPr>
+            </a:br>
+            <a:r>
+              <a:rPr lang="es-CO" sz="2800" b="1" dirty="0">
+                <a:latin typeface="+mn-lt"/>
+                <a:cs typeface="Times New Roman" panose="02020603050405020304" pitchFamily="18" charset="0"/>
+              </a:rPr>
+              <a:t/>
+            </a:r>
+            <a:br>
+              <a:rPr lang="es-CO" sz="2800" b="1" dirty="0">
+                <a:latin typeface="+mn-lt"/>
+                <a:cs typeface="Times New Roman" panose="02020603050405020304" pitchFamily="18" charset="0"/>
+              </a:rPr>
+            </a:br>
+            <a:r>
+              <a:rPr lang="es-CO" sz="2800" b="1" dirty="0">
+                <a:latin typeface="+mn-lt"/>
+                <a:cs typeface="Times New Roman" panose="02020603050405020304" pitchFamily="18" charset="0"/>
+              </a:rPr>
+              <a:t/>
+            </a:r>
+            <a:br>
+              <a:rPr lang="es-CO" sz="2800" b="1" dirty="0">
+                <a:latin typeface="+mn-lt"/>
+                <a:cs typeface="Times New Roman" panose="02020603050405020304" pitchFamily="18" charset="0"/>
+              </a:rPr>
+            </a:br>
+            <a:r>
+              <a:rPr lang="es-CO" sz="2800" b="1" dirty="0">
+                <a:latin typeface="+mn-lt"/>
+                <a:cs typeface="Times New Roman" panose="02020603050405020304" pitchFamily="18" charset="0"/>
+              </a:rPr>
+              <a:t/>
+            </a:r>
+            <a:br>
+              <a:rPr lang="es-CO" sz="2800" b="1" dirty="0">
+                <a:latin typeface="+mn-lt"/>
+                <a:cs typeface="Times New Roman" panose="02020603050405020304" pitchFamily="18" charset="0"/>
+              </a:rPr>
+            </a:br>
             <a:r>
               <a:rPr lang="es-MX" sz="2800" b="1" dirty="0">
                 <a:latin typeface="+mn-lt"/>
                 <a:cs typeface="Times New Roman" panose="02020603050405020304" pitchFamily="18" charset="0"/>
               </a:rPr>
-              <a:t>Regional Orinoquía  - Unidad de Ingeniería y Ciencias </a:t>
-            </a:r>
-            <a:r>
-              <a:rPr lang="es-MX" sz="2800" b="1" dirty="0" smtClean="0">
+              <a:t>Programa Tecnología  en  Desarrollo de Software</a:t>
+            </a:r>
+            <a:r>
+              <a:rPr lang="es-CO" sz="2800" b="1" dirty="0">
                 <a:latin typeface="+mn-lt"/>
                 <a:cs typeface="Times New Roman" panose="02020603050405020304" pitchFamily="18" charset="0"/>
               </a:rPr>
-              <a:t>Básicas</a:t>
+              <a:t/>
             </a:r>
             <a:br>
-              <a:rPr lang="es-MX" sz="2800" b="1" dirty="0" smtClean="0">
+              <a:rPr lang="es-CO" sz="2800" b="1" dirty="0">
                 <a:latin typeface="+mn-lt"/>
                 <a:cs typeface="Times New Roman" panose="02020603050405020304" pitchFamily="18" charset="0"/>
               </a:rPr>
@@ -3084,85 +3165,24 @@
                 <a:latin typeface="+mn-lt"/>
                 <a:cs typeface="Times New Roman" panose="02020603050405020304" pitchFamily="18" charset="0"/>
               </a:rPr>
-              <a:t>Programa: Tecnología  en  Desarrollo de </a:t>
-            </a:r>
-            <a:r>
-              <a:rPr lang="es-MX" sz="2800" b="1" dirty="0" smtClean="0">
+              <a:t>Unidad de Ingeniería y Ciencias Básicas</a:t>
+            </a:r>
+            <a:br>
+              <a:rPr lang="es-MX" sz="2800" b="1" dirty="0">
                 <a:latin typeface="+mn-lt"/>
                 <a:cs typeface="Times New Roman" panose="02020603050405020304" pitchFamily="18" charset="0"/>
               </a:rPr>
-              <a:t>Software</a:t>
+            </a:br>
+            <a:r>
+              <a:rPr lang="es-MX" sz="2800" b="1" dirty="0">
+                <a:latin typeface="+mn-lt"/>
+                <a:cs typeface="Times New Roman" panose="02020603050405020304" pitchFamily="18" charset="0"/>
+              </a:rPr>
+              <a:t>Vicerrectoría Regional Orinoquía</a:t>
             </a:r>
             <a:endParaRPr lang="es-CO" sz="2800" b="1" dirty="0">
               <a:latin typeface="+mn-lt"/>
               <a:cs typeface="Times New Roman" panose="02020603050405020304" pitchFamily="18" charset="0"/>
-            </a:endParaRPr>
-          </a:p>
-        </p:txBody>
-      </p:sp>
-      <p:sp>
-        <p:nvSpPr>
-          <p:cNvPr id="3" name="Rectángulo 2"/>
-          <p:cNvSpPr/>
-          <p:nvPr/>
-        </p:nvSpPr>
-        <p:spPr>
-          <a:xfrm>
-            <a:off x="160538" y="5894770"/>
-            <a:ext cx="5026889" cy="830997"/>
-          </a:xfrm>
-          <a:prstGeom prst="rect">
-            <a:avLst/>
-          </a:prstGeom>
-        </p:spPr>
-        <p:txBody>
-          <a:bodyPr wrap="none">
-            <a:spAutoFit/>
-          </a:bodyPr>
-          <a:lstStyle/>
-          <a:p>
-            <a:r>
-              <a:rPr lang="es-CO" sz="2400" b="1" dirty="0" smtClean="0">
-                <a:solidFill>
-                  <a:schemeClr val="bg1"/>
-                </a:solidFill>
-                <a:cs typeface="Times New Roman" panose="02020603050405020304" pitchFamily="18" charset="0"/>
-              </a:rPr>
-              <a:t>Autor: Brayan </a:t>
-            </a:r>
-            <a:r>
-              <a:rPr lang="es-CO" sz="2400" b="1" dirty="0">
-                <a:solidFill>
-                  <a:schemeClr val="bg1"/>
-                </a:solidFill>
-                <a:cs typeface="Times New Roman" panose="02020603050405020304" pitchFamily="18" charset="0"/>
-              </a:rPr>
-              <a:t>Mauricio Novoa </a:t>
-            </a:r>
-            <a:r>
-              <a:rPr lang="es-CO" sz="2400" b="1" dirty="0" smtClean="0">
-                <a:solidFill>
-                  <a:schemeClr val="bg1"/>
-                </a:solidFill>
-                <a:cs typeface="Times New Roman" panose="02020603050405020304" pitchFamily="18" charset="0"/>
-              </a:rPr>
-              <a:t>Salazar</a:t>
-            </a:r>
-          </a:p>
-          <a:p>
-            <a:r>
-              <a:rPr lang="es-CO" sz="2400" b="1" dirty="0" smtClean="0">
-                <a:solidFill>
-                  <a:schemeClr val="bg1"/>
-                </a:solidFill>
-                <a:cs typeface="Times New Roman" panose="02020603050405020304" pitchFamily="18" charset="0"/>
-              </a:rPr>
-              <a:t>Asesor: Justo Chávez Valenzuela</a:t>
-            </a:r>
-            <a:endParaRPr lang="es-CO" sz="2400" dirty="0">
-              <a:solidFill>
-                <a:schemeClr val="bg1"/>
-              </a:solidFill>
             </a:endParaRPr>
           </a:p>
         </p:txBody>
@@ -3209,7 +3229,7 @@
           <p:cNvPr id="2" name="Título 1">
             <a:extLst>
               <a:ext uri="{FF2B5EF4-FFF2-40B4-BE49-F238E27FC236}">
-                <a16:creationId xmlns="" xmlns:a16="http://schemas.microsoft.com/office/drawing/2014/main" id="{07AE7516-1AE4-45BE-98BE-4B95F4DA1742}"/>
+                <a16:creationId xmlns:a16="http://schemas.microsoft.com/office/drawing/2014/main" xmlns="" id="{07AE7516-1AE4-45BE-98BE-4B95F4DA1742}"/>
               </a:ext>
             </a:extLst>
           </p:cNvPr>
@@ -3222,15 +3242,15 @@
         </p:nvSpPr>
         <p:spPr>
           <a:xfrm>
-            <a:off x="5112913" y="18255"/>
-            <a:ext cx="7079087" cy="1325563"/>
+            <a:off x="7728559" y="18255"/>
+            <a:ext cx="4463441" cy="1325563"/>
           </a:xfrm>
         </p:spPr>
         <p:txBody>
           <a:bodyPr/>
           <a:lstStyle/>
           <a:p>
-            <a:pPr algn="ctr"/>
+            <a:pPr algn="r"/>
             <a:r>
               <a:rPr lang="es-MX" b="1" dirty="0">
                 <a:solidFill>
@@ -3250,8 +3270,8 @@
         </p:nvSpPr>
         <p:spPr>
           <a:xfrm>
-            <a:off x="6445730" y="1550097"/>
-            <a:ext cx="5555769" cy="626302"/>
+            <a:off x="6445730" y="1679532"/>
+            <a:ext cx="5555769" cy="1133617"/>
           </a:xfrm>
           <a:prstGeom prst="roundRect">
             <a:avLst/>
@@ -3293,8 +3313,8 @@
         </p:nvSpPr>
         <p:spPr>
           <a:xfrm>
-            <a:off x="6581566" y="3624003"/>
-            <a:ext cx="5432634" cy="661032"/>
+            <a:off x="6582670" y="5231704"/>
+            <a:ext cx="5432634" cy="1101412"/>
           </a:xfrm>
           <a:prstGeom prst="roundRect">
             <a:avLst/>
@@ -3330,20 +3350,20 @@
       </p:sp>
       <p:sp>
         <p:nvSpPr>
-          <p:cNvPr id="7" name="Rectángulo redondeado 6"/>
+          <p:cNvPr id="9" name="Rectángulo redondeado 8"/>
           <p:cNvSpPr/>
           <p:nvPr/>
         </p:nvSpPr>
         <p:spPr>
           <a:xfrm>
-            <a:off x="6384030" y="4566772"/>
-            <a:ext cx="5746269" cy="1279235"/>
+            <a:off x="45429" y="1939272"/>
+            <a:ext cx="4037739" cy="626302"/>
           </a:xfrm>
           <a:prstGeom prst="roundRect">
             <a:avLst/>
           </a:prstGeom>
           <a:solidFill>
-            <a:srgbClr val="FFF4D1"/>
+            <a:srgbClr val="F2F2F2"/>
           </a:solidFill>
         </p:spPr>
         <p:style>
@@ -3373,20 +3393,20 @@
       </p:sp>
       <p:sp>
         <p:nvSpPr>
-          <p:cNvPr id="8" name="Rectángulo redondeado 7"/>
+          <p:cNvPr id="10" name="Rectángulo redondeado 9"/>
           <p:cNvSpPr/>
           <p:nvPr/>
         </p:nvSpPr>
         <p:spPr>
           <a:xfrm>
-            <a:off x="6625330" y="6040620"/>
-            <a:ext cx="5154440" cy="626302"/>
+            <a:off x="45429" y="5469093"/>
+            <a:ext cx="4128456" cy="626302"/>
           </a:xfrm>
           <a:prstGeom prst="roundRect">
             <a:avLst/>
           </a:prstGeom>
           <a:solidFill>
-            <a:srgbClr val="FFF4D1"/>
+            <a:srgbClr val="F2F2F2"/>
           </a:solidFill>
         </p:spPr>
         <p:style>
@@ -3416,20 +3436,68 @@
       </p:sp>
       <p:sp>
         <p:nvSpPr>
-          <p:cNvPr id="9" name="Rectángulo redondeado 8"/>
+          <p:cNvPr id="3" name="Marcador de contenido 2">
+            <a:extLst>
+              <a:ext uri="{FF2B5EF4-FFF2-40B4-BE49-F238E27FC236}">
+                <a16:creationId xmlns:a16="http://schemas.microsoft.com/office/drawing/2014/main" xmlns="" id="{607AE930-5E81-4976-884A-E79FEB8EAB31}"/>
+              </a:ext>
+            </a:extLst>
+          </p:cNvPr>
+          <p:cNvSpPr>
+            <a:spLocks noGrp="1"/>
+          </p:cNvSpPr>
+          <p:nvPr>
+            <p:ph idx="1"/>
+          </p:nvPr>
+        </p:nvSpPr>
+        <p:spPr>
+          <a:xfrm>
+            <a:off x="45429" y="1959541"/>
+            <a:ext cx="4037738" cy="606033"/>
+          </a:xfrm>
+        </p:spPr>
+        <p:txBody>
+          <a:bodyPr>
+            <a:noAutofit/>
+          </a:bodyPr>
+          <a:lstStyle/>
+          <a:p>
+            <a:pPr marL="0" indent="0" algn="ctr">
+              <a:lnSpc>
+                <a:spcPct val="100000"/>
+              </a:lnSpc>
+              <a:spcBef>
+                <a:spcPts val="0"/>
+              </a:spcBef>
+              <a:buNone/>
+            </a:pPr>
+            <a:r>
+              <a:rPr lang="es-MX" sz="3200" b="1" dirty="0"/>
+              <a:t>Roberto </a:t>
+            </a:r>
+            <a:r>
+              <a:rPr lang="es-MX" sz="3200" b="1" dirty="0" smtClean="0"/>
+              <a:t>Sampieri</a:t>
+            </a:r>
+          </a:p>
+        </p:txBody>
+      </p:sp>
+      <p:sp>
+        <p:nvSpPr>
+          <p:cNvPr id="14" name="Elipse 13"/>
           <p:cNvSpPr/>
           <p:nvPr/>
         </p:nvSpPr>
         <p:spPr>
           <a:xfrm>
-            <a:off x="271214" y="1608863"/>
-            <a:ext cx="3255316" cy="626302"/>
-          </a:xfrm>
-          <a:prstGeom prst="roundRect">
+            <a:off x="4594901" y="1948026"/>
+            <a:ext cx="1387061" cy="595912"/>
+          </a:xfrm>
+          <a:prstGeom prst="ellipse">
             <a:avLst/>
           </a:prstGeom>
           <a:solidFill>
-            <a:srgbClr val="F2F2F2"/>
+            <a:srgbClr val="D9FFE2"/>
           </a:solidFill>
         </p:spPr>
         <p:style>
@@ -3459,20 +3527,298 @@
       </p:sp>
       <p:sp>
         <p:nvSpPr>
-          <p:cNvPr id="10" name="Rectángulo redondeado 9"/>
+          <p:cNvPr id="15" name="Marcador de contenido 2">
+            <a:extLst>
+              <a:ext uri="{FF2B5EF4-FFF2-40B4-BE49-F238E27FC236}">
+                <a16:creationId xmlns:a16="http://schemas.microsoft.com/office/drawing/2014/main" xmlns="" id="{607AE930-5E81-4976-884A-E79FEB8EAB31}"/>
+              </a:ext>
+            </a:extLst>
+          </p:cNvPr>
+          <p:cNvSpPr txBox="1">
+            <a:spLocks/>
+          </p:cNvSpPr>
+          <p:nvPr/>
+        </p:nvSpPr>
+        <p:spPr>
+          <a:xfrm>
+            <a:off x="4621404" y="2020920"/>
+            <a:ext cx="1360557" cy="414407"/>
+          </a:xfrm>
+          <a:prstGeom prst="rect">
+            <a:avLst/>
+          </a:prstGeom>
+        </p:spPr>
+        <p:txBody>
+          <a:bodyPr vert="horz" lIns="91440" tIns="45720" rIns="91440" bIns="45720" rtlCol="0">
+            <a:noAutofit/>
+          </a:bodyPr>
+          <a:lstStyle>
+            <a:lvl1pPr marL="228600" indent="-228600" algn="l" defTabSz="914400" rtl="0" eaLnBrk="1" latinLnBrk="0" hangingPunct="1">
+              <a:lnSpc>
+                <a:spcPct val="90000"/>
+              </a:lnSpc>
+              <a:spcBef>
+                <a:spcPts val="1000"/>
+              </a:spcBef>
+              <a:buFont typeface="Arial" panose="020B0604020202020204" pitchFamily="34" charset="0"/>
+              <a:buChar char="•"/>
+              <a:defRPr sz="2800" kern="1200">
+                <a:solidFill>
+                  <a:schemeClr val="tx1"/>
+                </a:solidFill>
+                <a:latin typeface="+mn-lt"/>
+                <a:ea typeface="+mn-ea"/>
+                <a:cs typeface="+mn-cs"/>
+              </a:defRPr>
+            </a:lvl1pPr>
+            <a:lvl2pPr marL="685800" indent="-228600" algn="l" defTabSz="914400" rtl="0" eaLnBrk="1" latinLnBrk="0" hangingPunct="1">
+              <a:lnSpc>
+                <a:spcPct val="90000"/>
+              </a:lnSpc>
+              <a:spcBef>
+                <a:spcPts val="500"/>
+              </a:spcBef>
+              <a:buFont typeface="Arial" panose="020B0604020202020204" pitchFamily="34" charset="0"/>
+              <a:buChar char="•"/>
+              <a:defRPr sz="2400" kern="1200">
+                <a:solidFill>
+                  <a:schemeClr val="tx1"/>
+                </a:solidFill>
+                <a:latin typeface="+mn-lt"/>
+                <a:ea typeface="+mn-ea"/>
+                <a:cs typeface="+mn-cs"/>
+              </a:defRPr>
+            </a:lvl2pPr>
+            <a:lvl3pPr marL="1143000" indent="-228600" algn="l" defTabSz="914400" rtl="0" eaLnBrk="1" latinLnBrk="0" hangingPunct="1">
+              <a:lnSpc>
+                <a:spcPct val="90000"/>
+              </a:lnSpc>
+              <a:spcBef>
+                <a:spcPts val="500"/>
+              </a:spcBef>
+              <a:buFont typeface="Arial" panose="020B0604020202020204" pitchFamily="34" charset="0"/>
+              <a:buChar char="•"/>
+              <a:defRPr sz="2000" kern="1200">
+                <a:solidFill>
+                  <a:schemeClr val="tx1"/>
+                </a:solidFill>
+                <a:latin typeface="+mn-lt"/>
+                <a:ea typeface="+mn-ea"/>
+                <a:cs typeface="+mn-cs"/>
+              </a:defRPr>
+            </a:lvl3pPr>
+            <a:lvl4pPr marL="1600200" indent="-228600" algn="l" defTabSz="914400" rtl="0" eaLnBrk="1" latinLnBrk="0" hangingPunct="1">
+              <a:lnSpc>
+                <a:spcPct val="90000"/>
+              </a:lnSpc>
+              <a:spcBef>
+                <a:spcPts val="500"/>
+              </a:spcBef>
+              <a:buFont typeface="Arial" panose="020B0604020202020204" pitchFamily="34" charset="0"/>
+              <a:buChar char="•"/>
+              <a:defRPr sz="1800" kern="1200">
+                <a:solidFill>
+                  <a:schemeClr val="tx1"/>
+                </a:solidFill>
+                <a:latin typeface="+mn-lt"/>
+                <a:ea typeface="+mn-ea"/>
+                <a:cs typeface="+mn-cs"/>
+              </a:defRPr>
+            </a:lvl4pPr>
+            <a:lvl5pPr marL="2057400" indent="-228600" algn="l" defTabSz="914400" rtl="0" eaLnBrk="1" latinLnBrk="0" hangingPunct="1">
+              <a:lnSpc>
+                <a:spcPct val="90000"/>
+              </a:lnSpc>
+              <a:spcBef>
+                <a:spcPts val="500"/>
+              </a:spcBef>
+              <a:buFont typeface="Arial" panose="020B0604020202020204" pitchFamily="34" charset="0"/>
+              <a:buChar char="•"/>
+              <a:defRPr sz="1800" kern="1200">
+                <a:solidFill>
+                  <a:schemeClr val="tx1"/>
+                </a:solidFill>
+                <a:latin typeface="+mn-lt"/>
+                <a:ea typeface="+mn-ea"/>
+                <a:cs typeface="+mn-cs"/>
+              </a:defRPr>
+            </a:lvl5pPr>
+            <a:lvl6pPr marL="2514600" indent="-228600" algn="l" defTabSz="914400" rtl="0" eaLnBrk="1" latinLnBrk="0" hangingPunct="1">
+              <a:lnSpc>
+                <a:spcPct val="90000"/>
+              </a:lnSpc>
+              <a:spcBef>
+                <a:spcPts val="500"/>
+              </a:spcBef>
+              <a:buFont typeface="Arial" panose="020B0604020202020204" pitchFamily="34" charset="0"/>
+              <a:buChar char="•"/>
+              <a:defRPr sz="1800" kern="1200">
+                <a:solidFill>
+                  <a:schemeClr val="tx1"/>
+                </a:solidFill>
+                <a:latin typeface="+mn-lt"/>
+                <a:ea typeface="+mn-ea"/>
+                <a:cs typeface="+mn-cs"/>
+              </a:defRPr>
+            </a:lvl6pPr>
+            <a:lvl7pPr marL="2971800" indent="-228600" algn="l" defTabSz="914400" rtl="0" eaLnBrk="1" latinLnBrk="0" hangingPunct="1">
+              <a:lnSpc>
+                <a:spcPct val="90000"/>
+              </a:lnSpc>
+              <a:spcBef>
+                <a:spcPts val="500"/>
+              </a:spcBef>
+              <a:buFont typeface="Arial" panose="020B0604020202020204" pitchFamily="34" charset="0"/>
+              <a:buChar char="•"/>
+              <a:defRPr sz="1800" kern="1200">
+                <a:solidFill>
+                  <a:schemeClr val="tx1"/>
+                </a:solidFill>
+                <a:latin typeface="+mn-lt"/>
+                <a:ea typeface="+mn-ea"/>
+                <a:cs typeface="+mn-cs"/>
+              </a:defRPr>
+            </a:lvl7pPr>
+            <a:lvl8pPr marL="3429000" indent="-228600" algn="l" defTabSz="914400" rtl="0" eaLnBrk="1" latinLnBrk="0" hangingPunct="1">
+              <a:lnSpc>
+                <a:spcPct val="90000"/>
+              </a:lnSpc>
+              <a:spcBef>
+                <a:spcPts val="500"/>
+              </a:spcBef>
+              <a:buFont typeface="Arial" panose="020B0604020202020204" pitchFamily="34" charset="0"/>
+              <a:buChar char="•"/>
+              <a:defRPr sz="1800" kern="1200">
+                <a:solidFill>
+                  <a:schemeClr val="tx1"/>
+                </a:solidFill>
+                <a:latin typeface="+mn-lt"/>
+                <a:ea typeface="+mn-ea"/>
+                <a:cs typeface="+mn-cs"/>
+              </a:defRPr>
+            </a:lvl8pPr>
+            <a:lvl9pPr marL="3886200" indent="-228600" algn="l" defTabSz="914400" rtl="0" eaLnBrk="1" latinLnBrk="0" hangingPunct="1">
+              <a:lnSpc>
+                <a:spcPct val="90000"/>
+              </a:lnSpc>
+              <a:spcBef>
+                <a:spcPts val="500"/>
+              </a:spcBef>
+              <a:buFont typeface="Arial" panose="020B0604020202020204" pitchFamily="34" charset="0"/>
+              <a:buChar char="•"/>
+              <a:defRPr sz="1800" kern="1200">
+                <a:solidFill>
+                  <a:schemeClr val="tx1"/>
+                </a:solidFill>
+                <a:latin typeface="+mn-lt"/>
+                <a:ea typeface="+mn-ea"/>
+                <a:cs typeface="+mn-cs"/>
+              </a:defRPr>
+            </a:lvl9pPr>
+          </a:lstStyle>
+          <a:p>
+            <a:pPr marL="0" indent="0" algn="ctr">
+              <a:lnSpc>
+                <a:spcPct val="100000"/>
+              </a:lnSpc>
+              <a:spcBef>
+                <a:spcPts val="0"/>
+              </a:spcBef>
+              <a:buFont typeface="Arial" panose="020B0604020202020204" pitchFamily="34" charset="0"/>
+              <a:buNone/>
+            </a:pPr>
+            <a:r>
+              <a:rPr lang="es-MX" sz="2000" b="1" dirty="0" smtClean="0"/>
+              <a:t>Libro</a:t>
+            </a:r>
+            <a:endParaRPr lang="es-MX" sz="2000" b="1" dirty="0"/>
+          </a:p>
+        </p:txBody>
+      </p:sp>
+      <p:sp>
+        <p:nvSpPr>
+          <p:cNvPr id="25" name="Rectángulo 24"/>
           <p:cNvSpPr/>
           <p:nvPr/>
         </p:nvSpPr>
         <p:spPr>
           <a:xfrm>
-            <a:off x="323118" y="3576117"/>
-            <a:ext cx="3255316" cy="626302"/>
-          </a:xfrm>
-          <a:prstGeom prst="roundRect">
+            <a:off x="6576320" y="5255898"/>
+            <a:ext cx="5445333" cy="1077218"/>
+          </a:xfrm>
+          <a:prstGeom prst="rect">
+            <a:avLst/>
+          </a:prstGeom>
+        </p:spPr>
+        <p:txBody>
+          <a:bodyPr wrap="square">
+            <a:spAutoFit/>
+          </a:bodyPr>
+          <a:lstStyle/>
+          <a:p>
+            <a:pPr algn="ctr"/>
+            <a:r>
+              <a:rPr lang="es-MX" sz="3200" b="1" dirty="0" smtClean="0"/>
+              <a:t>Movimiento del </a:t>
+            </a:r>
+            <a:r>
+              <a:rPr lang="es-MX" sz="3200" b="1" dirty="0"/>
+              <a:t>s</a:t>
+            </a:r>
+            <a:r>
+              <a:rPr lang="es-MX" sz="3200" b="1" dirty="0" smtClean="0"/>
+              <a:t>oftware libre, FSF, GNU</a:t>
+            </a:r>
+            <a:endParaRPr lang="es-MX" sz="2400" b="1" dirty="0"/>
+          </a:p>
+        </p:txBody>
+      </p:sp>
+      <p:sp>
+        <p:nvSpPr>
+          <p:cNvPr id="26" name="Rectángulo 25"/>
+          <p:cNvSpPr/>
+          <p:nvPr/>
+        </p:nvSpPr>
+        <p:spPr>
+          <a:xfrm>
+            <a:off x="6445730" y="1763267"/>
+            <a:ext cx="5543070" cy="1077218"/>
+          </a:xfrm>
+          <a:prstGeom prst="rect">
+            <a:avLst/>
+          </a:prstGeom>
+        </p:spPr>
+        <p:txBody>
+          <a:bodyPr wrap="square">
+            <a:spAutoFit/>
+          </a:bodyPr>
+          <a:lstStyle/>
+          <a:p>
+            <a:pPr algn="ctr"/>
+            <a:r>
+              <a:rPr lang="es-MX" sz="3200" b="1" dirty="0" smtClean="0"/>
+              <a:t>Metodología de la Investigación VI Edición</a:t>
+            </a:r>
+            <a:endParaRPr lang="es-MX" sz="2400" b="1" dirty="0"/>
+          </a:p>
+        </p:txBody>
+      </p:sp>
+      <p:sp>
+        <p:nvSpPr>
+          <p:cNvPr id="27" name="Elipse 26"/>
+          <p:cNvSpPr/>
+          <p:nvPr/>
+        </p:nvSpPr>
+        <p:spPr>
+          <a:xfrm>
+            <a:off x="4930295" y="5480630"/>
+            <a:ext cx="965532" cy="595912"/>
+          </a:xfrm>
+          <a:prstGeom prst="ellipse">
             <a:avLst/>
           </a:prstGeom>
           <a:solidFill>
-            <a:srgbClr val="F2F2F2"/>
+            <a:srgbClr val="D9FFE2"/>
           </a:solidFill>
         </p:spPr>
         <p:style>
@@ -3502,187 +3848,10 @@
       </p:sp>
       <p:sp>
         <p:nvSpPr>
-          <p:cNvPr id="12" name="Rectángulo redondeado 11"/>
-          <p:cNvSpPr/>
-          <p:nvPr/>
-        </p:nvSpPr>
-        <p:spPr>
-          <a:xfrm>
-            <a:off x="297718" y="4566773"/>
-            <a:ext cx="3255316" cy="626302"/>
-          </a:xfrm>
-          <a:prstGeom prst="roundRect">
-            <a:avLst/>
-          </a:prstGeom>
-          <a:solidFill>
-            <a:srgbClr val="F2F2F2"/>
-          </a:solidFill>
-        </p:spPr>
-        <p:style>
-          <a:lnRef idx="2">
-            <a:schemeClr val="accent1">
-              <a:shade val="50000"/>
-            </a:schemeClr>
-          </a:lnRef>
-          <a:fillRef idx="1">
-            <a:schemeClr val="accent1"/>
-          </a:fillRef>
-          <a:effectRef idx="0">
-            <a:schemeClr val="accent1"/>
-          </a:effectRef>
-          <a:fontRef idx="minor">
-            <a:schemeClr val="lt1"/>
-          </a:fontRef>
-        </p:style>
-        <p:txBody>
-          <a:bodyPr rtlCol="0" anchor="ctr"/>
-          <a:lstStyle/>
-          <a:p>
-            <a:pPr algn="ctr"/>
-            <a:endParaRPr lang="es-CO"/>
-          </a:p>
-        </p:txBody>
-      </p:sp>
-      <p:sp>
-        <p:nvSpPr>
-          <p:cNvPr id="13" name="Rectángulo redondeado 12"/>
-          <p:cNvSpPr/>
-          <p:nvPr/>
-        </p:nvSpPr>
-        <p:spPr>
-          <a:xfrm>
-            <a:off x="297718" y="5429942"/>
-            <a:ext cx="3255316" cy="1188207"/>
-          </a:xfrm>
-          <a:prstGeom prst="roundRect">
-            <a:avLst/>
-          </a:prstGeom>
-          <a:solidFill>
-            <a:srgbClr val="F2F2F2"/>
-          </a:solidFill>
-        </p:spPr>
-        <p:style>
-          <a:lnRef idx="2">
-            <a:schemeClr val="accent1">
-              <a:shade val="50000"/>
-            </a:schemeClr>
-          </a:lnRef>
-          <a:fillRef idx="1">
-            <a:schemeClr val="accent1"/>
-          </a:fillRef>
-          <a:effectRef idx="0">
-            <a:schemeClr val="accent1"/>
-          </a:effectRef>
-          <a:fontRef idx="minor">
-            <a:schemeClr val="lt1"/>
-          </a:fontRef>
-        </p:style>
-        <p:txBody>
-          <a:bodyPr rtlCol="0" anchor="ctr"/>
-          <a:lstStyle/>
-          <a:p>
-            <a:pPr algn="ctr"/>
-            <a:endParaRPr lang="es-CO"/>
-          </a:p>
-        </p:txBody>
-      </p:sp>
-      <p:sp>
-        <p:nvSpPr>
-          <p:cNvPr id="3" name="Marcador de contenido 2">
+          <p:cNvPr id="28" name="Marcador de contenido 2">
             <a:extLst>
               <a:ext uri="{FF2B5EF4-FFF2-40B4-BE49-F238E27FC236}">
-                <a16:creationId xmlns="" xmlns:a16="http://schemas.microsoft.com/office/drawing/2014/main" id="{607AE930-5E81-4976-884A-E79FEB8EAB31}"/>
-              </a:ext>
-            </a:extLst>
-          </p:cNvPr>
-          <p:cNvSpPr>
-            <a:spLocks noGrp="1"/>
-          </p:cNvSpPr>
-          <p:nvPr>
-            <p:ph idx="1"/>
-          </p:nvPr>
-        </p:nvSpPr>
-        <p:spPr>
-          <a:xfrm>
-            <a:off x="271214" y="1761263"/>
-            <a:ext cx="3281820" cy="383728"/>
-          </a:xfrm>
-        </p:spPr>
-        <p:txBody>
-          <a:bodyPr>
-            <a:normAutofit fontScale="92500" lnSpcReduction="20000"/>
-          </a:bodyPr>
-          <a:lstStyle/>
-          <a:p>
-            <a:pPr marL="0" indent="0" algn="ctr">
-              <a:lnSpc>
-                <a:spcPct val="100000"/>
-              </a:lnSpc>
-              <a:spcBef>
-                <a:spcPts val="0"/>
-              </a:spcBef>
-              <a:buNone/>
-            </a:pPr>
-            <a:r>
-              <a:rPr lang="es-MX" sz="2400" b="1" dirty="0"/>
-              <a:t>Roberto </a:t>
-            </a:r>
-            <a:r>
-              <a:rPr lang="es-MX" sz="2400" b="1" dirty="0" smtClean="0"/>
-              <a:t>Sampieri</a:t>
-            </a:r>
-          </a:p>
-        </p:txBody>
-      </p:sp>
-      <p:sp>
-        <p:nvSpPr>
-          <p:cNvPr id="14" name="Elipse 13"/>
-          <p:cNvSpPr/>
-          <p:nvPr/>
-        </p:nvSpPr>
-        <p:spPr>
-          <a:xfrm>
-            <a:off x="4065727" y="1611900"/>
-            <a:ext cx="1387061" cy="595912"/>
-          </a:xfrm>
-          <a:prstGeom prst="ellipse">
-            <a:avLst/>
-          </a:prstGeom>
-          <a:solidFill>
-            <a:srgbClr val="D9FFE2"/>
-          </a:solidFill>
-        </p:spPr>
-        <p:style>
-          <a:lnRef idx="2">
-            <a:schemeClr val="accent1">
-              <a:shade val="50000"/>
-            </a:schemeClr>
-          </a:lnRef>
-          <a:fillRef idx="1">
-            <a:schemeClr val="accent1"/>
-          </a:fillRef>
-          <a:effectRef idx="0">
-            <a:schemeClr val="accent1"/>
-          </a:effectRef>
-          <a:fontRef idx="minor">
-            <a:schemeClr val="lt1"/>
-          </a:fontRef>
-        </p:style>
-        <p:txBody>
-          <a:bodyPr rtlCol="0" anchor="ctr"/>
-          <a:lstStyle/>
-          <a:p>
-            <a:pPr algn="ctr"/>
-            <a:endParaRPr lang="es-CO"/>
-          </a:p>
-        </p:txBody>
-      </p:sp>
-      <p:sp>
-        <p:nvSpPr>
-          <p:cNvPr id="15" name="Marcador de contenido 2">
-            <a:extLst>
-              <a:ext uri="{FF2B5EF4-FFF2-40B4-BE49-F238E27FC236}">
-                <a16:creationId xmlns="" xmlns:a16="http://schemas.microsoft.com/office/drawing/2014/main" id="{607AE930-5E81-4976-884A-E79FEB8EAB31}"/>
+                <a16:creationId xmlns:a16="http://schemas.microsoft.com/office/drawing/2014/main" xmlns="" id="{607AE930-5E81-4976-884A-E79FEB8EAB31}"/>
               </a:ext>
             </a:extLst>
           </p:cNvPr>
@@ -3693,8 +3862,8 @@
         </p:nvSpPr>
         <p:spPr>
           <a:xfrm>
-            <a:off x="4092230" y="1684794"/>
-            <a:ext cx="1360557" cy="414407"/>
+            <a:off x="45429" y="5469093"/>
+            <a:ext cx="4128456" cy="626302"/>
           </a:xfrm>
           <a:prstGeom prst="rect">
             <a:avLst/>
@@ -3880,190 +4049,18 @@
               <a:buNone/>
             </a:pPr>
             <a:r>
-              <a:rPr lang="es-MX" sz="2000" b="1" dirty="0" smtClean="0"/>
-              <a:t>Libro</a:t>
-            </a:r>
-            <a:endParaRPr lang="es-MX" sz="2000" b="1" dirty="0"/>
-          </a:p>
-        </p:txBody>
-      </p:sp>
-      <p:sp>
-        <p:nvSpPr>
-          <p:cNvPr id="22" name="Rectángulo 21"/>
-          <p:cNvSpPr/>
-          <p:nvPr/>
-        </p:nvSpPr>
-        <p:spPr>
-          <a:xfrm>
-            <a:off x="6651834" y="6113967"/>
-            <a:ext cx="5127936" cy="461665"/>
-          </a:xfrm>
-          <a:prstGeom prst="rect">
-            <a:avLst/>
-          </a:prstGeom>
-        </p:spPr>
-        <p:txBody>
-          <a:bodyPr wrap="square">
-            <a:spAutoFit/>
-          </a:bodyPr>
-          <a:lstStyle/>
-          <a:p>
-            <a:pPr algn="ctr"/>
-            <a:r>
-              <a:rPr lang="es-MX" sz="2400" b="1" dirty="0" smtClean="0"/>
-              <a:t>Creadores de MySQL</a:t>
-            </a:r>
-            <a:endParaRPr lang="es-MX" b="1" dirty="0"/>
-          </a:p>
-        </p:txBody>
-      </p:sp>
-      <p:sp>
-        <p:nvSpPr>
-          <p:cNvPr id="23" name="Rectángulo 22"/>
-          <p:cNvSpPr/>
-          <p:nvPr/>
-        </p:nvSpPr>
-        <p:spPr>
-          <a:xfrm>
-            <a:off x="6422130" y="4634011"/>
-            <a:ext cx="5746270" cy="1200329"/>
-          </a:xfrm>
-          <a:prstGeom prst="rect">
-            <a:avLst/>
-          </a:prstGeom>
-        </p:spPr>
-        <p:txBody>
-          <a:bodyPr wrap="square">
-            <a:spAutoFit/>
-          </a:bodyPr>
-          <a:lstStyle/>
-          <a:p>
-            <a:pPr algn="ctr"/>
-            <a:r>
-              <a:rPr lang="es-MX" sz="2400" b="1" dirty="0" smtClean="0"/>
-              <a:t>Creador de Java, compilador, JVM, miembro Academia Nacional de Ingeniería en EE.UU, medalla John von Newmann de la IEEE.</a:t>
-            </a:r>
-            <a:endParaRPr lang="es-MX" b="1" dirty="0"/>
-          </a:p>
-        </p:txBody>
-      </p:sp>
-      <p:sp>
-        <p:nvSpPr>
-          <p:cNvPr id="25" name="Rectángulo 24"/>
-          <p:cNvSpPr/>
-          <p:nvPr/>
-        </p:nvSpPr>
-        <p:spPr>
-          <a:xfrm>
-            <a:off x="6597998" y="3767996"/>
-            <a:ext cx="5445333" cy="461665"/>
-          </a:xfrm>
-          <a:prstGeom prst="rect">
-            <a:avLst/>
-          </a:prstGeom>
-        </p:spPr>
-        <p:txBody>
-          <a:bodyPr wrap="square">
-            <a:spAutoFit/>
-          </a:bodyPr>
-          <a:lstStyle/>
-          <a:p>
-            <a:pPr algn="ctr"/>
-            <a:r>
-              <a:rPr lang="es-MX" sz="2400" b="1" dirty="0" smtClean="0"/>
-              <a:t>Movimiento del </a:t>
-            </a:r>
-            <a:r>
-              <a:rPr lang="es-MX" sz="2400" b="1" dirty="0"/>
-              <a:t>s</a:t>
-            </a:r>
-            <a:r>
-              <a:rPr lang="es-MX" sz="2400" b="1" dirty="0" smtClean="0"/>
-              <a:t>oftware libre, FSF, GNU</a:t>
-            </a:r>
-            <a:endParaRPr lang="es-MX" b="1" dirty="0"/>
-          </a:p>
-        </p:txBody>
-      </p:sp>
-      <p:sp>
-        <p:nvSpPr>
-          <p:cNvPr id="26" name="Rectángulo 25"/>
-          <p:cNvSpPr/>
-          <p:nvPr/>
-        </p:nvSpPr>
-        <p:spPr>
-          <a:xfrm>
-            <a:off x="6422130" y="1633831"/>
-            <a:ext cx="5566670" cy="461665"/>
-          </a:xfrm>
-          <a:prstGeom prst="rect">
-            <a:avLst/>
-          </a:prstGeom>
-        </p:spPr>
-        <p:txBody>
-          <a:bodyPr wrap="square">
-            <a:spAutoFit/>
-          </a:bodyPr>
-          <a:lstStyle/>
-          <a:p>
-            <a:pPr algn="ctr"/>
-            <a:r>
-              <a:rPr lang="es-MX" sz="2400" b="1" dirty="0" smtClean="0"/>
-              <a:t>Metodología de la Investigación VI Edición</a:t>
-            </a:r>
-            <a:endParaRPr lang="es-MX" b="1" dirty="0"/>
-          </a:p>
-        </p:txBody>
-      </p:sp>
-      <p:sp>
-        <p:nvSpPr>
-          <p:cNvPr id="27" name="Elipse 26"/>
-          <p:cNvSpPr/>
-          <p:nvPr/>
-        </p:nvSpPr>
-        <p:spPr>
-          <a:xfrm>
-            <a:off x="4172781" y="3603469"/>
-            <a:ext cx="965532" cy="595912"/>
-          </a:xfrm>
-          <a:prstGeom prst="ellipse">
-            <a:avLst/>
-          </a:prstGeom>
-          <a:solidFill>
-            <a:srgbClr val="D9FFE2"/>
-          </a:solidFill>
-        </p:spPr>
-        <p:style>
-          <a:lnRef idx="2">
-            <a:schemeClr val="accent1">
-              <a:shade val="50000"/>
-            </a:schemeClr>
-          </a:lnRef>
-          <a:fillRef idx="1">
-            <a:schemeClr val="accent1"/>
-          </a:fillRef>
-          <a:effectRef idx="0">
-            <a:schemeClr val="accent1"/>
-          </a:effectRef>
-          <a:fontRef idx="minor">
-            <a:schemeClr val="lt1"/>
-          </a:fontRef>
-        </p:style>
-        <p:txBody>
-          <a:bodyPr rtlCol="0" anchor="ctr"/>
-          <a:lstStyle/>
-          <a:p>
-            <a:pPr algn="ctr"/>
-            <a:endParaRPr lang="es-CO"/>
-          </a:p>
-        </p:txBody>
-      </p:sp>
-      <p:sp>
-        <p:nvSpPr>
-          <p:cNvPr id="28" name="Marcador de contenido 2">
+              <a:rPr lang="es-MX" sz="3200" b="1" dirty="0" smtClean="0"/>
+              <a:t>Richard Stallman</a:t>
+            </a:r>
+          </a:p>
+        </p:txBody>
+      </p:sp>
+      <p:sp>
+        <p:nvSpPr>
+          <p:cNvPr id="33" name="Marcador de contenido 2">
             <a:extLst>
               <a:ext uri="{FF2B5EF4-FFF2-40B4-BE49-F238E27FC236}">
-                <a16:creationId xmlns="" xmlns:a16="http://schemas.microsoft.com/office/drawing/2014/main" id="{607AE930-5E81-4976-884A-E79FEB8EAB31}"/>
+                <a16:creationId xmlns:a16="http://schemas.microsoft.com/office/drawing/2014/main" xmlns="" id="{607AE930-5E81-4976-884A-E79FEB8EAB31}"/>
               </a:ext>
             </a:extLst>
           </p:cNvPr>
@@ -4074,8 +4071,8 @@
         </p:nvSpPr>
         <p:spPr>
           <a:xfrm>
-            <a:off x="270110" y="3759325"/>
-            <a:ext cx="3281820" cy="383728"/>
+            <a:off x="5189934" y="5567869"/>
+            <a:ext cx="500154" cy="397120"/>
           </a:xfrm>
           <a:prstGeom prst="rect">
             <a:avLst/>
@@ -4083,7 +4080,7 @@
         </p:spPr>
         <p:txBody>
           <a:bodyPr vert="horz" lIns="91440" tIns="45720" rIns="91440" bIns="45720" rtlCol="0">
-            <a:normAutofit fontScale="92500" lnSpcReduction="20000"/>
+            <a:noAutofit/>
           </a:bodyPr>
           <a:lstStyle>
             <a:lvl1pPr marL="228600" indent="-228600" algn="l" defTabSz="914400" rtl="0" eaLnBrk="1" latinLnBrk="0" hangingPunct="1">
@@ -4261,1174 +4258,8 @@
               <a:buNone/>
             </a:pPr>
             <a:r>
-              <a:rPr lang="es-MX" sz="2400" b="1" dirty="0" smtClean="0"/>
-              <a:t>Richard Stallman</a:t>
-            </a:r>
-          </a:p>
-        </p:txBody>
-      </p:sp>
-      <p:sp>
-        <p:nvSpPr>
-          <p:cNvPr id="31" name="Marcador de contenido 2">
-            <a:extLst>
-              <a:ext uri="{FF2B5EF4-FFF2-40B4-BE49-F238E27FC236}">
-                <a16:creationId xmlns="" xmlns:a16="http://schemas.microsoft.com/office/drawing/2014/main" id="{607AE930-5E81-4976-884A-E79FEB8EAB31}"/>
-              </a:ext>
-            </a:extLst>
-          </p:cNvPr>
-          <p:cNvSpPr txBox="1">
-            <a:spLocks/>
-          </p:cNvSpPr>
-          <p:nvPr/>
-        </p:nvSpPr>
-        <p:spPr>
-          <a:xfrm>
-            <a:off x="244710" y="4737865"/>
-            <a:ext cx="3281820" cy="383728"/>
-          </a:xfrm>
-          <a:prstGeom prst="rect">
-            <a:avLst/>
-          </a:prstGeom>
-        </p:spPr>
-        <p:txBody>
-          <a:bodyPr vert="horz" lIns="91440" tIns="45720" rIns="91440" bIns="45720" rtlCol="0">
-            <a:normAutofit fontScale="92500" lnSpcReduction="20000"/>
-          </a:bodyPr>
-          <a:lstStyle>
-            <a:lvl1pPr marL="228600" indent="-228600" algn="l" defTabSz="914400" rtl="0" eaLnBrk="1" latinLnBrk="0" hangingPunct="1">
-              <a:lnSpc>
-                <a:spcPct val="90000"/>
-              </a:lnSpc>
-              <a:spcBef>
-                <a:spcPts val="1000"/>
-              </a:spcBef>
-              <a:buFont typeface="Arial" panose="020B0604020202020204" pitchFamily="34" charset="0"/>
-              <a:buChar char="•"/>
-              <a:defRPr sz="2800" kern="1200">
-                <a:solidFill>
-                  <a:schemeClr val="tx1"/>
-                </a:solidFill>
-                <a:latin typeface="+mn-lt"/>
-                <a:ea typeface="+mn-ea"/>
-                <a:cs typeface="+mn-cs"/>
-              </a:defRPr>
-            </a:lvl1pPr>
-            <a:lvl2pPr marL="685800" indent="-228600" algn="l" defTabSz="914400" rtl="0" eaLnBrk="1" latinLnBrk="0" hangingPunct="1">
-              <a:lnSpc>
-                <a:spcPct val="90000"/>
-              </a:lnSpc>
-              <a:spcBef>
-                <a:spcPts val="500"/>
-              </a:spcBef>
-              <a:buFont typeface="Arial" panose="020B0604020202020204" pitchFamily="34" charset="0"/>
-              <a:buChar char="•"/>
-              <a:defRPr sz="2400" kern="1200">
-                <a:solidFill>
-                  <a:schemeClr val="tx1"/>
-                </a:solidFill>
-                <a:latin typeface="+mn-lt"/>
-                <a:ea typeface="+mn-ea"/>
-                <a:cs typeface="+mn-cs"/>
-              </a:defRPr>
-            </a:lvl2pPr>
-            <a:lvl3pPr marL="1143000" indent="-228600" algn="l" defTabSz="914400" rtl="0" eaLnBrk="1" latinLnBrk="0" hangingPunct="1">
-              <a:lnSpc>
-                <a:spcPct val="90000"/>
-              </a:lnSpc>
-              <a:spcBef>
-                <a:spcPts val="500"/>
-              </a:spcBef>
-              <a:buFont typeface="Arial" panose="020B0604020202020204" pitchFamily="34" charset="0"/>
-              <a:buChar char="•"/>
-              <a:defRPr sz="2000" kern="1200">
-                <a:solidFill>
-                  <a:schemeClr val="tx1"/>
-                </a:solidFill>
-                <a:latin typeface="+mn-lt"/>
-                <a:ea typeface="+mn-ea"/>
-                <a:cs typeface="+mn-cs"/>
-              </a:defRPr>
-            </a:lvl3pPr>
-            <a:lvl4pPr marL="1600200" indent="-228600" algn="l" defTabSz="914400" rtl="0" eaLnBrk="1" latinLnBrk="0" hangingPunct="1">
-              <a:lnSpc>
-                <a:spcPct val="90000"/>
-              </a:lnSpc>
-              <a:spcBef>
-                <a:spcPts val="500"/>
-              </a:spcBef>
-              <a:buFont typeface="Arial" panose="020B0604020202020204" pitchFamily="34" charset="0"/>
-              <a:buChar char="•"/>
-              <a:defRPr sz="1800" kern="1200">
-                <a:solidFill>
-                  <a:schemeClr val="tx1"/>
-                </a:solidFill>
-                <a:latin typeface="+mn-lt"/>
-                <a:ea typeface="+mn-ea"/>
-                <a:cs typeface="+mn-cs"/>
-              </a:defRPr>
-            </a:lvl4pPr>
-            <a:lvl5pPr marL="2057400" indent="-228600" algn="l" defTabSz="914400" rtl="0" eaLnBrk="1" latinLnBrk="0" hangingPunct="1">
-              <a:lnSpc>
-                <a:spcPct val="90000"/>
-              </a:lnSpc>
-              <a:spcBef>
-                <a:spcPts val="500"/>
-              </a:spcBef>
-              <a:buFont typeface="Arial" panose="020B0604020202020204" pitchFamily="34" charset="0"/>
-              <a:buChar char="•"/>
-              <a:defRPr sz="1800" kern="1200">
-                <a:solidFill>
-                  <a:schemeClr val="tx1"/>
-                </a:solidFill>
-                <a:latin typeface="+mn-lt"/>
-                <a:ea typeface="+mn-ea"/>
-                <a:cs typeface="+mn-cs"/>
-              </a:defRPr>
-            </a:lvl5pPr>
-            <a:lvl6pPr marL="2514600" indent="-228600" algn="l" defTabSz="914400" rtl="0" eaLnBrk="1" latinLnBrk="0" hangingPunct="1">
-              <a:lnSpc>
-                <a:spcPct val="90000"/>
-              </a:lnSpc>
-              <a:spcBef>
-                <a:spcPts val="500"/>
-              </a:spcBef>
-              <a:buFont typeface="Arial" panose="020B0604020202020204" pitchFamily="34" charset="0"/>
-              <a:buChar char="•"/>
-              <a:defRPr sz="1800" kern="1200">
-                <a:solidFill>
-                  <a:schemeClr val="tx1"/>
-                </a:solidFill>
-                <a:latin typeface="+mn-lt"/>
-                <a:ea typeface="+mn-ea"/>
-                <a:cs typeface="+mn-cs"/>
-              </a:defRPr>
-            </a:lvl6pPr>
-            <a:lvl7pPr marL="2971800" indent="-228600" algn="l" defTabSz="914400" rtl="0" eaLnBrk="1" latinLnBrk="0" hangingPunct="1">
-              <a:lnSpc>
-                <a:spcPct val="90000"/>
-              </a:lnSpc>
-              <a:spcBef>
-                <a:spcPts val="500"/>
-              </a:spcBef>
-              <a:buFont typeface="Arial" panose="020B0604020202020204" pitchFamily="34" charset="0"/>
-              <a:buChar char="•"/>
-              <a:defRPr sz="1800" kern="1200">
-                <a:solidFill>
-                  <a:schemeClr val="tx1"/>
-                </a:solidFill>
-                <a:latin typeface="+mn-lt"/>
-                <a:ea typeface="+mn-ea"/>
-                <a:cs typeface="+mn-cs"/>
-              </a:defRPr>
-            </a:lvl7pPr>
-            <a:lvl8pPr marL="3429000" indent="-228600" algn="l" defTabSz="914400" rtl="0" eaLnBrk="1" latinLnBrk="0" hangingPunct="1">
-              <a:lnSpc>
-                <a:spcPct val="90000"/>
-              </a:lnSpc>
-              <a:spcBef>
-                <a:spcPts val="500"/>
-              </a:spcBef>
-              <a:buFont typeface="Arial" panose="020B0604020202020204" pitchFamily="34" charset="0"/>
-              <a:buChar char="•"/>
-              <a:defRPr sz="1800" kern="1200">
-                <a:solidFill>
-                  <a:schemeClr val="tx1"/>
-                </a:solidFill>
-                <a:latin typeface="+mn-lt"/>
-                <a:ea typeface="+mn-ea"/>
-                <a:cs typeface="+mn-cs"/>
-              </a:defRPr>
-            </a:lvl8pPr>
-            <a:lvl9pPr marL="3886200" indent="-228600" algn="l" defTabSz="914400" rtl="0" eaLnBrk="1" latinLnBrk="0" hangingPunct="1">
-              <a:lnSpc>
-                <a:spcPct val="90000"/>
-              </a:lnSpc>
-              <a:spcBef>
-                <a:spcPts val="500"/>
-              </a:spcBef>
-              <a:buFont typeface="Arial" panose="020B0604020202020204" pitchFamily="34" charset="0"/>
-              <a:buChar char="•"/>
-              <a:defRPr sz="1800" kern="1200">
-                <a:solidFill>
-                  <a:schemeClr val="tx1"/>
-                </a:solidFill>
-                <a:latin typeface="+mn-lt"/>
-                <a:ea typeface="+mn-ea"/>
-                <a:cs typeface="+mn-cs"/>
-              </a:defRPr>
-            </a:lvl9pPr>
-          </a:lstStyle>
-          <a:p>
-            <a:pPr marL="0" indent="0" algn="ctr">
-              <a:lnSpc>
-                <a:spcPct val="100000"/>
-              </a:lnSpc>
-              <a:spcBef>
-                <a:spcPts val="0"/>
-              </a:spcBef>
-              <a:buFont typeface="Arial" panose="020B0604020202020204" pitchFamily="34" charset="0"/>
-              <a:buNone/>
-            </a:pPr>
-            <a:r>
-              <a:rPr lang="es-MX" sz="2400" b="1" dirty="0" smtClean="0"/>
-              <a:t>James Gosling</a:t>
-            </a:r>
-          </a:p>
-        </p:txBody>
-      </p:sp>
-      <p:sp>
-        <p:nvSpPr>
-          <p:cNvPr id="32" name="Marcador de contenido 2">
-            <a:extLst>
-              <a:ext uri="{FF2B5EF4-FFF2-40B4-BE49-F238E27FC236}">
-                <a16:creationId xmlns="" xmlns:a16="http://schemas.microsoft.com/office/drawing/2014/main" id="{607AE930-5E81-4976-884A-E79FEB8EAB31}"/>
-              </a:ext>
-            </a:extLst>
-          </p:cNvPr>
-          <p:cNvSpPr txBox="1">
-            <a:spLocks/>
-          </p:cNvSpPr>
-          <p:nvPr/>
-        </p:nvSpPr>
-        <p:spPr>
-          <a:xfrm>
-            <a:off x="257962" y="5429942"/>
-            <a:ext cx="3281820" cy="1132665"/>
-          </a:xfrm>
-          <a:prstGeom prst="rect">
-            <a:avLst/>
-          </a:prstGeom>
-        </p:spPr>
-        <p:txBody>
-          <a:bodyPr vert="horz" lIns="91440" tIns="45720" rIns="91440" bIns="45720" rtlCol="0">
-            <a:normAutofit/>
-          </a:bodyPr>
-          <a:lstStyle>
-            <a:lvl1pPr marL="228600" indent="-228600" algn="l" defTabSz="914400" rtl="0" eaLnBrk="1" latinLnBrk="0" hangingPunct="1">
-              <a:lnSpc>
-                <a:spcPct val="90000"/>
-              </a:lnSpc>
-              <a:spcBef>
-                <a:spcPts val="1000"/>
-              </a:spcBef>
-              <a:buFont typeface="Arial" panose="020B0604020202020204" pitchFamily="34" charset="0"/>
-              <a:buChar char="•"/>
-              <a:defRPr sz="2800" kern="1200">
-                <a:solidFill>
-                  <a:schemeClr val="tx1"/>
-                </a:solidFill>
-                <a:latin typeface="+mn-lt"/>
-                <a:ea typeface="+mn-ea"/>
-                <a:cs typeface="+mn-cs"/>
-              </a:defRPr>
-            </a:lvl1pPr>
-            <a:lvl2pPr marL="685800" indent="-228600" algn="l" defTabSz="914400" rtl="0" eaLnBrk="1" latinLnBrk="0" hangingPunct="1">
-              <a:lnSpc>
-                <a:spcPct val="90000"/>
-              </a:lnSpc>
-              <a:spcBef>
-                <a:spcPts val="500"/>
-              </a:spcBef>
-              <a:buFont typeface="Arial" panose="020B0604020202020204" pitchFamily="34" charset="0"/>
-              <a:buChar char="•"/>
-              <a:defRPr sz="2400" kern="1200">
-                <a:solidFill>
-                  <a:schemeClr val="tx1"/>
-                </a:solidFill>
-                <a:latin typeface="+mn-lt"/>
-                <a:ea typeface="+mn-ea"/>
-                <a:cs typeface="+mn-cs"/>
-              </a:defRPr>
-            </a:lvl2pPr>
-            <a:lvl3pPr marL="1143000" indent="-228600" algn="l" defTabSz="914400" rtl="0" eaLnBrk="1" latinLnBrk="0" hangingPunct="1">
-              <a:lnSpc>
-                <a:spcPct val="90000"/>
-              </a:lnSpc>
-              <a:spcBef>
-                <a:spcPts val="500"/>
-              </a:spcBef>
-              <a:buFont typeface="Arial" panose="020B0604020202020204" pitchFamily="34" charset="0"/>
-              <a:buChar char="•"/>
-              <a:defRPr sz="2000" kern="1200">
-                <a:solidFill>
-                  <a:schemeClr val="tx1"/>
-                </a:solidFill>
-                <a:latin typeface="+mn-lt"/>
-                <a:ea typeface="+mn-ea"/>
-                <a:cs typeface="+mn-cs"/>
-              </a:defRPr>
-            </a:lvl3pPr>
-            <a:lvl4pPr marL="1600200" indent="-228600" algn="l" defTabSz="914400" rtl="0" eaLnBrk="1" latinLnBrk="0" hangingPunct="1">
-              <a:lnSpc>
-                <a:spcPct val="90000"/>
-              </a:lnSpc>
-              <a:spcBef>
-                <a:spcPts val="500"/>
-              </a:spcBef>
-              <a:buFont typeface="Arial" panose="020B0604020202020204" pitchFamily="34" charset="0"/>
-              <a:buChar char="•"/>
-              <a:defRPr sz="1800" kern="1200">
-                <a:solidFill>
-                  <a:schemeClr val="tx1"/>
-                </a:solidFill>
-                <a:latin typeface="+mn-lt"/>
-                <a:ea typeface="+mn-ea"/>
-                <a:cs typeface="+mn-cs"/>
-              </a:defRPr>
-            </a:lvl4pPr>
-            <a:lvl5pPr marL="2057400" indent="-228600" algn="l" defTabSz="914400" rtl="0" eaLnBrk="1" latinLnBrk="0" hangingPunct="1">
-              <a:lnSpc>
-                <a:spcPct val="90000"/>
-              </a:lnSpc>
-              <a:spcBef>
-                <a:spcPts val="500"/>
-              </a:spcBef>
-              <a:buFont typeface="Arial" panose="020B0604020202020204" pitchFamily="34" charset="0"/>
-              <a:buChar char="•"/>
-              <a:defRPr sz="1800" kern="1200">
-                <a:solidFill>
-                  <a:schemeClr val="tx1"/>
-                </a:solidFill>
-                <a:latin typeface="+mn-lt"/>
-                <a:ea typeface="+mn-ea"/>
-                <a:cs typeface="+mn-cs"/>
-              </a:defRPr>
-            </a:lvl5pPr>
-            <a:lvl6pPr marL="2514600" indent="-228600" algn="l" defTabSz="914400" rtl="0" eaLnBrk="1" latinLnBrk="0" hangingPunct="1">
-              <a:lnSpc>
-                <a:spcPct val="90000"/>
-              </a:lnSpc>
-              <a:spcBef>
-                <a:spcPts val="500"/>
-              </a:spcBef>
-              <a:buFont typeface="Arial" panose="020B0604020202020204" pitchFamily="34" charset="0"/>
-              <a:buChar char="•"/>
-              <a:defRPr sz="1800" kern="1200">
-                <a:solidFill>
-                  <a:schemeClr val="tx1"/>
-                </a:solidFill>
-                <a:latin typeface="+mn-lt"/>
-                <a:ea typeface="+mn-ea"/>
-                <a:cs typeface="+mn-cs"/>
-              </a:defRPr>
-            </a:lvl6pPr>
-            <a:lvl7pPr marL="2971800" indent="-228600" algn="l" defTabSz="914400" rtl="0" eaLnBrk="1" latinLnBrk="0" hangingPunct="1">
-              <a:lnSpc>
-                <a:spcPct val="90000"/>
-              </a:lnSpc>
-              <a:spcBef>
-                <a:spcPts val="500"/>
-              </a:spcBef>
-              <a:buFont typeface="Arial" panose="020B0604020202020204" pitchFamily="34" charset="0"/>
-              <a:buChar char="•"/>
-              <a:defRPr sz="1800" kern="1200">
-                <a:solidFill>
-                  <a:schemeClr val="tx1"/>
-                </a:solidFill>
-                <a:latin typeface="+mn-lt"/>
-                <a:ea typeface="+mn-ea"/>
-                <a:cs typeface="+mn-cs"/>
-              </a:defRPr>
-            </a:lvl7pPr>
-            <a:lvl8pPr marL="3429000" indent="-228600" algn="l" defTabSz="914400" rtl="0" eaLnBrk="1" latinLnBrk="0" hangingPunct="1">
-              <a:lnSpc>
-                <a:spcPct val="90000"/>
-              </a:lnSpc>
-              <a:spcBef>
-                <a:spcPts val="500"/>
-              </a:spcBef>
-              <a:buFont typeface="Arial" panose="020B0604020202020204" pitchFamily="34" charset="0"/>
-              <a:buChar char="•"/>
-              <a:defRPr sz="1800" kern="1200">
-                <a:solidFill>
-                  <a:schemeClr val="tx1"/>
-                </a:solidFill>
-                <a:latin typeface="+mn-lt"/>
-                <a:ea typeface="+mn-ea"/>
-                <a:cs typeface="+mn-cs"/>
-              </a:defRPr>
-            </a:lvl8pPr>
-            <a:lvl9pPr marL="3886200" indent="-228600" algn="l" defTabSz="914400" rtl="0" eaLnBrk="1" latinLnBrk="0" hangingPunct="1">
-              <a:lnSpc>
-                <a:spcPct val="90000"/>
-              </a:lnSpc>
-              <a:spcBef>
-                <a:spcPts val="500"/>
-              </a:spcBef>
-              <a:buFont typeface="Arial" panose="020B0604020202020204" pitchFamily="34" charset="0"/>
-              <a:buChar char="•"/>
-              <a:defRPr sz="1800" kern="1200">
-                <a:solidFill>
-                  <a:schemeClr val="tx1"/>
-                </a:solidFill>
-                <a:latin typeface="+mn-lt"/>
-                <a:ea typeface="+mn-ea"/>
-                <a:cs typeface="+mn-cs"/>
-              </a:defRPr>
-            </a:lvl9pPr>
-          </a:lstStyle>
-          <a:p>
-            <a:pPr marL="0" indent="0" algn="ctr">
-              <a:lnSpc>
-                <a:spcPct val="100000"/>
-              </a:lnSpc>
-              <a:spcBef>
-                <a:spcPts val="0"/>
-              </a:spcBef>
-              <a:buFont typeface="Arial" panose="020B0604020202020204" pitchFamily="34" charset="0"/>
-              <a:buNone/>
-            </a:pPr>
-            <a:r>
-              <a:rPr lang="es-MX" sz="2200" b="1" smtClean="0"/>
-              <a:t>Michael Widenius</a:t>
-            </a:r>
-            <a:endParaRPr lang="es-MX" sz="2200" b="1" dirty="0" smtClean="0"/>
-          </a:p>
-          <a:p>
-            <a:pPr marL="0" indent="0" algn="ctr">
-              <a:lnSpc>
-                <a:spcPct val="100000"/>
-              </a:lnSpc>
-              <a:spcBef>
-                <a:spcPts val="0"/>
-              </a:spcBef>
-              <a:buFont typeface="Arial" panose="020B0604020202020204" pitchFamily="34" charset="0"/>
-              <a:buNone/>
-            </a:pPr>
-            <a:r>
-              <a:rPr lang="es-MX" sz="2200" b="1" dirty="0" smtClean="0"/>
-              <a:t>&amp;</a:t>
-            </a:r>
-          </a:p>
-          <a:p>
-            <a:pPr marL="0" indent="0" algn="ctr">
-              <a:lnSpc>
-                <a:spcPct val="100000"/>
-              </a:lnSpc>
-              <a:spcBef>
-                <a:spcPts val="0"/>
-              </a:spcBef>
-              <a:buFont typeface="Arial" panose="020B0604020202020204" pitchFamily="34" charset="0"/>
-              <a:buNone/>
-            </a:pPr>
-            <a:r>
-              <a:rPr lang="es-MX" sz="2200" b="1" dirty="0" smtClean="0"/>
-              <a:t>David Axmark</a:t>
-            </a:r>
-          </a:p>
-        </p:txBody>
-      </p:sp>
-      <p:sp>
-        <p:nvSpPr>
-          <p:cNvPr id="33" name="Marcador de contenido 2">
-            <a:extLst>
-              <a:ext uri="{FF2B5EF4-FFF2-40B4-BE49-F238E27FC236}">
-                <a16:creationId xmlns="" xmlns:a16="http://schemas.microsoft.com/office/drawing/2014/main" id="{607AE930-5E81-4976-884A-E79FEB8EAB31}"/>
-              </a:ext>
-            </a:extLst>
-          </p:cNvPr>
-          <p:cNvSpPr txBox="1">
-            <a:spLocks/>
-          </p:cNvSpPr>
-          <p:nvPr/>
-        </p:nvSpPr>
-        <p:spPr>
-          <a:xfrm>
-            <a:off x="4432420" y="3690708"/>
-            <a:ext cx="500154" cy="397120"/>
-          </a:xfrm>
-          <a:prstGeom prst="rect">
-            <a:avLst/>
-          </a:prstGeom>
-        </p:spPr>
-        <p:txBody>
-          <a:bodyPr vert="horz" lIns="91440" tIns="45720" rIns="91440" bIns="45720" rtlCol="0">
-            <a:noAutofit/>
-          </a:bodyPr>
-          <a:lstStyle>
-            <a:lvl1pPr marL="228600" indent="-228600" algn="l" defTabSz="914400" rtl="0" eaLnBrk="1" latinLnBrk="0" hangingPunct="1">
-              <a:lnSpc>
-                <a:spcPct val="90000"/>
-              </a:lnSpc>
-              <a:spcBef>
-                <a:spcPts val="1000"/>
-              </a:spcBef>
-              <a:buFont typeface="Arial" panose="020B0604020202020204" pitchFamily="34" charset="0"/>
-              <a:buChar char="•"/>
-              <a:defRPr sz="2800" kern="1200">
-                <a:solidFill>
-                  <a:schemeClr val="tx1"/>
-                </a:solidFill>
-                <a:latin typeface="+mn-lt"/>
-                <a:ea typeface="+mn-ea"/>
-                <a:cs typeface="+mn-cs"/>
-              </a:defRPr>
-            </a:lvl1pPr>
-            <a:lvl2pPr marL="685800" indent="-228600" algn="l" defTabSz="914400" rtl="0" eaLnBrk="1" latinLnBrk="0" hangingPunct="1">
-              <a:lnSpc>
-                <a:spcPct val="90000"/>
-              </a:lnSpc>
-              <a:spcBef>
-                <a:spcPts val="500"/>
-              </a:spcBef>
-              <a:buFont typeface="Arial" panose="020B0604020202020204" pitchFamily="34" charset="0"/>
-              <a:buChar char="•"/>
-              <a:defRPr sz="2400" kern="1200">
-                <a:solidFill>
-                  <a:schemeClr val="tx1"/>
-                </a:solidFill>
-                <a:latin typeface="+mn-lt"/>
-                <a:ea typeface="+mn-ea"/>
-                <a:cs typeface="+mn-cs"/>
-              </a:defRPr>
-            </a:lvl2pPr>
-            <a:lvl3pPr marL="1143000" indent="-228600" algn="l" defTabSz="914400" rtl="0" eaLnBrk="1" latinLnBrk="0" hangingPunct="1">
-              <a:lnSpc>
-                <a:spcPct val="90000"/>
-              </a:lnSpc>
-              <a:spcBef>
-                <a:spcPts val="500"/>
-              </a:spcBef>
-              <a:buFont typeface="Arial" panose="020B0604020202020204" pitchFamily="34" charset="0"/>
-              <a:buChar char="•"/>
-              <a:defRPr sz="2000" kern="1200">
-                <a:solidFill>
-                  <a:schemeClr val="tx1"/>
-                </a:solidFill>
-                <a:latin typeface="+mn-lt"/>
-                <a:ea typeface="+mn-ea"/>
-                <a:cs typeface="+mn-cs"/>
-              </a:defRPr>
-            </a:lvl3pPr>
-            <a:lvl4pPr marL="1600200" indent="-228600" algn="l" defTabSz="914400" rtl="0" eaLnBrk="1" latinLnBrk="0" hangingPunct="1">
-              <a:lnSpc>
-                <a:spcPct val="90000"/>
-              </a:lnSpc>
-              <a:spcBef>
-                <a:spcPts val="500"/>
-              </a:spcBef>
-              <a:buFont typeface="Arial" panose="020B0604020202020204" pitchFamily="34" charset="0"/>
-              <a:buChar char="•"/>
-              <a:defRPr sz="1800" kern="1200">
-                <a:solidFill>
-                  <a:schemeClr val="tx1"/>
-                </a:solidFill>
-                <a:latin typeface="+mn-lt"/>
-                <a:ea typeface="+mn-ea"/>
-                <a:cs typeface="+mn-cs"/>
-              </a:defRPr>
-            </a:lvl4pPr>
-            <a:lvl5pPr marL="2057400" indent="-228600" algn="l" defTabSz="914400" rtl="0" eaLnBrk="1" latinLnBrk="0" hangingPunct="1">
-              <a:lnSpc>
-                <a:spcPct val="90000"/>
-              </a:lnSpc>
-              <a:spcBef>
-                <a:spcPts val="500"/>
-              </a:spcBef>
-              <a:buFont typeface="Arial" panose="020B0604020202020204" pitchFamily="34" charset="0"/>
-              <a:buChar char="•"/>
-              <a:defRPr sz="1800" kern="1200">
-                <a:solidFill>
-                  <a:schemeClr val="tx1"/>
-                </a:solidFill>
-                <a:latin typeface="+mn-lt"/>
-                <a:ea typeface="+mn-ea"/>
-                <a:cs typeface="+mn-cs"/>
-              </a:defRPr>
-            </a:lvl5pPr>
-            <a:lvl6pPr marL="2514600" indent="-228600" algn="l" defTabSz="914400" rtl="0" eaLnBrk="1" latinLnBrk="0" hangingPunct="1">
-              <a:lnSpc>
-                <a:spcPct val="90000"/>
-              </a:lnSpc>
-              <a:spcBef>
-                <a:spcPts val="500"/>
-              </a:spcBef>
-              <a:buFont typeface="Arial" panose="020B0604020202020204" pitchFamily="34" charset="0"/>
-              <a:buChar char="•"/>
-              <a:defRPr sz="1800" kern="1200">
-                <a:solidFill>
-                  <a:schemeClr val="tx1"/>
-                </a:solidFill>
-                <a:latin typeface="+mn-lt"/>
-                <a:ea typeface="+mn-ea"/>
-                <a:cs typeface="+mn-cs"/>
-              </a:defRPr>
-            </a:lvl6pPr>
-            <a:lvl7pPr marL="2971800" indent="-228600" algn="l" defTabSz="914400" rtl="0" eaLnBrk="1" latinLnBrk="0" hangingPunct="1">
-              <a:lnSpc>
-                <a:spcPct val="90000"/>
-              </a:lnSpc>
-              <a:spcBef>
-                <a:spcPts val="500"/>
-              </a:spcBef>
-              <a:buFont typeface="Arial" panose="020B0604020202020204" pitchFamily="34" charset="0"/>
-              <a:buChar char="•"/>
-              <a:defRPr sz="1800" kern="1200">
-                <a:solidFill>
-                  <a:schemeClr val="tx1"/>
-                </a:solidFill>
-                <a:latin typeface="+mn-lt"/>
-                <a:ea typeface="+mn-ea"/>
-                <a:cs typeface="+mn-cs"/>
-              </a:defRPr>
-            </a:lvl7pPr>
-            <a:lvl8pPr marL="3429000" indent="-228600" algn="l" defTabSz="914400" rtl="0" eaLnBrk="1" latinLnBrk="0" hangingPunct="1">
-              <a:lnSpc>
-                <a:spcPct val="90000"/>
-              </a:lnSpc>
-              <a:spcBef>
-                <a:spcPts val="500"/>
-              </a:spcBef>
-              <a:buFont typeface="Arial" panose="020B0604020202020204" pitchFamily="34" charset="0"/>
-              <a:buChar char="•"/>
-              <a:defRPr sz="1800" kern="1200">
-                <a:solidFill>
-                  <a:schemeClr val="tx1"/>
-                </a:solidFill>
-                <a:latin typeface="+mn-lt"/>
-                <a:ea typeface="+mn-ea"/>
-                <a:cs typeface="+mn-cs"/>
-              </a:defRPr>
-            </a:lvl8pPr>
-            <a:lvl9pPr marL="3886200" indent="-228600" algn="l" defTabSz="914400" rtl="0" eaLnBrk="1" latinLnBrk="0" hangingPunct="1">
-              <a:lnSpc>
-                <a:spcPct val="90000"/>
-              </a:lnSpc>
-              <a:spcBef>
-                <a:spcPts val="500"/>
-              </a:spcBef>
-              <a:buFont typeface="Arial" panose="020B0604020202020204" pitchFamily="34" charset="0"/>
-              <a:buChar char="•"/>
-              <a:defRPr sz="1800" kern="1200">
-                <a:solidFill>
-                  <a:schemeClr val="tx1"/>
-                </a:solidFill>
-                <a:latin typeface="+mn-lt"/>
-                <a:ea typeface="+mn-ea"/>
-                <a:cs typeface="+mn-cs"/>
-              </a:defRPr>
-            </a:lvl9pPr>
-          </a:lstStyle>
-          <a:p>
-            <a:pPr marL="0" indent="0" algn="ctr">
-              <a:lnSpc>
-                <a:spcPct val="100000"/>
-              </a:lnSpc>
-              <a:spcBef>
-                <a:spcPts val="0"/>
-              </a:spcBef>
-              <a:buFont typeface="Arial" panose="020B0604020202020204" pitchFamily="34" charset="0"/>
-              <a:buNone/>
-            </a:pPr>
-            <a:r>
               <a:rPr lang="es-MX" sz="2000" b="1" dirty="0" smtClean="0"/>
               <a:t>…</a:t>
-            </a:r>
-            <a:endParaRPr lang="es-MX" sz="2000" b="1" dirty="0"/>
-          </a:p>
-        </p:txBody>
-      </p:sp>
-      <p:sp>
-        <p:nvSpPr>
-          <p:cNvPr id="35" name="Elipse 34"/>
-          <p:cNvSpPr/>
-          <p:nvPr/>
-        </p:nvSpPr>
-        <p:spPr>
-          <a:xfrm>
-            <a:off x="4065727" y="4576411"/>
-            <a:ext cx="1296947" cy="595912"/>
-          </a:xfrm>
-          <a:prstGeom prst="ellipse">
-            <a:avLst/>
-          </a:prstGeom>
-          <a:solidFill>
-            <a:srgbClr val="D9FFE2"/>
-          </a:solidFill>
-        </p:spPr>
-        <p:style>
-          <a:lnRef idx="2">
-            <a:schemeClr val="accent1">
-              <a:shade val="50000"/>
-            </a:schemeClr>
-          </a:lnRef>
-          <a:fillRef idx="1">
-            <a:schemeClr val="accent1"/>
-          </a:fillRef>
-          <a:effectRef idx="0">
-            <a:schemeClr val="accent1"/>
-          </a:effectRef>
-          <a:fontRef idx="minor">
-            <a:schemeClr val="lt1"/>
-          </a:fontRef>
-        </p:style>
-        <p:txBody>
-          <a:bodyPr rtlCol="0" anchor="ctr"/>
-          <a:lstStyle/>
-          <a:p>
-            <a:pPr algn="ctr"/>
-            <a:endParaRPr lang="es-CO"/>
-          </a:p>
-        </p:txBody>
-      </p:sp>
-      <p:sp>
-        <p:nvSpPr>
-          <p:cNvPr id="36" name="Marcador de contenido 2">
-            <a:extLst>
-              <a:ext uri="{FF2B5EF4-FFF2-40B4-BE49-F238E27FC236}">
-                <a16:creationId xmlns="" xmlns:a16="http://schemas.microsoft.com/office/drawing/2014/main" id="{607AE930-5E81-4976-884A-E79FEB8EAB31}"/>
-              </a:ext>
-            </a:extLst>
-          </p:cNvPr>
-          <p:cNvSpPr txBox="1">
-            <a:spLocks/>
-          </p:cNvSpPr>
-          <p:nvPr/>
-        </p:nvSpPr>
-        <p:spPr>
-          <a:xfrm>
-            <a:off x="4179917" y="4721497"/>
-            <a:ext cx="1081158" cy="353142"/>
-          </a:xfrm>
-          <a:prstGeom prst="rect">
-            <a:avLst/>
-          </a:prstGeom>
-        </p:spPr>
-        <p:txBody>
-          <a:bodyPr vert="horz" lIns="91440" tIns="45720" rIns="91440" bIns="45720" rtlCol="0">
-            <a:noAutofit/>
-          </a:bodyPr>
-          <a:lstStyle>
-            <a:lvl1pPr marL="228600" indent="-228600" algn="l" defTabSz="914400" rtl="0" eaLnBrk="1" latinLnBrk="0" hangingPunct="1">
-              <a:lnSpc>
-                <a:spcPct val="90000"/>
-              </a:lnSpc>
-              <a:spcBef>
-                <a:spcPts val="1000"/>
-              </a:spcBef>
-              <a:buFont typeface="Arial" panose="020B0604020202020204" pitchFamily="34" charset="0"/>
-              <a:buChar char="•"/>
-              <a:defRPr sz="2800" kern="1200">
-                <a:solidFill>
-                  <a:schemeClr val="tx1"/>
-                </a:solidFill>
-                <a:latin typeface="+mn-lt"/>
-                <a:ea typeface="+mn-ea"/>
-                <a:cs typeface="+mn-cs"/>
-              </a:defRPr>
-            </a:lvl1pPr>
-            <a:lvl2pPr marL="685800" indent="-228600" algn="l" defTabSz="914400" rtl="0" eaLnBrk="1" latinLnBrk="0" hangingPunct="1">
-              <a:lnSpc>
-                <a:spcPct val="90000"/>
-              </a:lnSpc>
-              <a:spcBef>
-                <a:spcPts val="500"/>
-              </a:spcBef>
-              <a:buFont typeface="Arial" panose="020B0604020202020204" pitchFamily="34" charset="0"/>
-              <a:buChar char="•"/>
-              <a:defRPr sz="2400" kern="1200">
-                <a:solidFill>
-                  <a:schemeClr val="tx1"/>
-                </a:solidFill>
-                <a:latin typeface="+mn-lt"/>
-                <a:ea typeface="+mn-ea"/>
-                <a:cs typeface="+mn-cs"/>
-              </a:defRPr>
-            </a:lvl2pPr>
-            <a:lvl3pPr marL="1143000" indent="-228600" algn="l" defTabSz="914400" rtl="0" eaLnBrk="1" latinLnBrk="0" hangingPunct="1">
-              <a:lnSpc>
-                <a:spcPct val="90000"/>
-              </a:lnSpc>
-              <a:spcBef>
-                <a:spcPts val="500"/>
-              </a:spcBef>
-              <a:buFont typeface="Arial" panose="020B0604020202020204" pitchFamily="34" charset="0"/>
-              <a:buChar char="•"/>
-              <a:defRPr sz="2000" kern="1200">
-                <a:solidFill>
-                  <a:schemeClr val="tx1"/>
-                </a:solidFill>
-                <a:latin typeface="+mn-lt"/>
-                <a:ea typeface="+mn-ea"/>
-                <a:cs typeface="+mn-cs"/>
-              </a:defRPr>
-            </a:lvl3pPr>
-            <a:lvl4pPr marL="1600200" indent="-228600" algn="l" defTabSz="914400" rtl="0" eaLnBrk="1" latinLnBrk="0" hangingPunct="1">
-              <a:lnSpc>
-                <a:spcPct val="90000"/>
-              </a:lnSpc>
-              <a:spcBef>
-                <a:spcPts val="500"/>
-              </a:spcBef>
-              <a:buFont typeface="Arial" panose="020B0604020202020204" pitchFamily="34" charset="0"/>
-              <a:buChar char="•"/>
-              <a:defRPr sz="1800" kern="1200">
-                <a:solidFill>
-                  <a:schemeClr val="tx1"/>
-                </a:solidFill>
-                <a:latin typeface="+mn-lt"/>
-                <a:ea typeface="+mn-ea"/>
-                <a:cs typeface="+mn-cs"/>
-              </a:defRPr>
-            </a:lvl4pPr>
-            <a:lvl5pPr marL="2057400" indent="-228600" algn="l" defTabSz="914400" rtl="0" eaLnBrk="1" latinLnBrk="0" hangingPunct="1">
-              <a:lnSpc>
-                <a:spcPct val="90000"/>
-              </a:lnSpc>
-              <a:spcBef>
-                <a:spcPts val="500"/>
-              </a:spcBef>
-              <a:buFont typeface="Arial" panose="020B0604020202020204" pitchFamily="34" charset="0"/>
-              <a:buChar char="•"/>
-              <a:defRPr sz="1800" kern="1200">
-                <a:solidFill>
-                  <a:schemeClr val="tx1"/>
-                </a:solidFill>
-                <a:latin typeface="+mn-lt"/>
-                <a:ea typeface="+mn-ea"/>
-                <a:cs typeface="+mn-cs"/>
-              </a:defRPr>
-            </a:lvl5pPr>
-            <a:lvl6pPr marL="2514600" indent="-228600" algn="l" defTabSz="914400" rtl="0" eaLnBrk="1" latinLnBrk="0" hangingPunct="1">
-              <a:lnSpc>
-                <a:spcPct val="90000"/>
-              </a:lnSpc>
-              <a:spcBef>
-                <a:spcPts val="500"/>
-              </a:spcBef>
-              <a:buFont typeface="Arial" panose="020B0604020202020204" pitchFamily="34" charset="0"/>
-              <a:buChar char="•"/>
-              <a:defRPr sz="1800" kern="1200">
-                <a:solidFill>
-                  <a:schemeClr val="tx1"/>
-                </a:solidFill>
-                <a:latin typeface="+mn-lt"/>
-                <a:ea typeface="+mn-ea"/>
-                <a:cs typeface="+mn-cs"/>
-              </a:defRPr>
-            </a:lvl6pPr>
-            <a:lvl7pPr marL="2971800" indent="-228600" algn="l" defTabSz="914400" rtl="0" eaLnBrk="1" latinLnBrk="0" hangingPunct="1">
-              <a:lnSpc>
-                <a:spcPct val="90000"/>
-              </a:lnSpc>
-              <a:spcBef>
-                <a:spcPts val="500"/>
-              </a:spcBef>
-              <a:buFont typeface="Arial" panose="020B0604020202020204" pitchFamily="34" charset="0"/>
-              <a:buChar char="•"/>
-              <a:defRPr sz="1800" kern="1200">
-                <a:solidFill>
-                  <a:schemeClr val="tx1"/>
-                </a:solidFill>
-                <a:latin typeface="+mn-lt"/>
-                <a:ea typeface="+mn-ea"/>
-                <a:cs typeface="+mn-cs"/>
-              </a:defRPr>
-            </a:lvl7pPr>
-            <a:lvl8pPr marL="3429000" indent="-228600" algn="l" defTabSz="914400" rtl="0" eaLnBrk="1" latinLnBrk="0" hangingPunct="1">
-              <a:lnSpc>
-                <a:spcPct val="90000"/>
-              </a:lnSpc>
-              <a:spcBef>
-                <a:spcPts val="500"/>
-              </a:spcBef>
-              <a:buFont typeface="Arial" panose="020B0604020202020204" pitchFamily="34" charset="0"/>
-              <a:buChar char="•"/>
-              <a:defRPr sz="1800" kern="1200">
-                <a:solidFill>
-                  <a:schemeClr val="tx1"/>
-                </a:solidFill>
-                <a:latin typeface="+mn-lt"/>
-                <a:ea typeface="+mn-ea"/>
-                <a:cs typeface="+mn-cs"/>
-              </a:defRPr>
-            </a:lvl8pPr>
-            <a:lvl9pPr marL="3886200" indent="-228600" algn="l" defTabSz="914400" rtl="0" eaLnBrk="1" latinLnBrk="0" hangingPunct="1">
-              <a:lnSpc>
-                <a:spcPct val="90000"/>
-              </a:lnSpc>
-              <a:spcBef>
-                <a:spcPts val="500"/>
-              </a:spcBef>
-              <a:buFont typeface="Arial" panose="020B0604020202020204" pitchFamily="34" charset="0"/>
-              <a:buChar char="•"/>
-              <a:defRPr sz="1800" kern="1200">
-                <a:solidFill>
-                  <a:schemeClr val="tx1"/>
-                </a:solidFill>
-                <a:latin typeface="+mn-lt"/>
-                <a:ea typeface="+mn-ea"/>
-                <a:cs typeface="+mn-cs"/>
-              </a:defRPr>
-            </a:lvl9pPr>
-          </a:lstStyle>
-          <a:p>
-            <a:pPr marL="0" indent="0" algn="ctr">
-              <a:lnSpc>
-                <a:spcPct val="100000"/>
-              </a:lnSpc>
-              <a:spcBef>
-                <a:spcPts val="0"/>
-              </a:spcBef>
-              <a:buFont typeface="Arial" panose="020B0604020202020204" pitchFamily="34" charset="0"/>
-              <a:buNone/>
-            </a:pPr>
-            <a:r>
-              <a:rPr lang="es-MX" sz="2000" b="1" dirty="0" smtClean="0"/>
-              <a:t>…</a:t>
-            </a:r>
-            <a:endParaRPr lang="es-MX" sz="2000" b="1" dirty="0"/>
-          </a:p>
-        </p:txBody>
-      </p:sp>
-      <p:sp>
-        <p:nvSpPr>
-          <p:cNvPr id="34" name="Elipse 33"/>
-          <p:cNvSpPr/>
-          <p:nvPr/>
-        </p:nvSpPr>
-        <p:spPr>
-          <a:xfrm>
-            <a:off x="4031102" y="5740952"/>
-            <a:ext cx="1640511" cy="595912"/>
-          </a:xfrm>
-          <a:prstGeom prst="ellipse">
-            <a:avLst/>
-          </a:prstGeom>
-          <a:solidFill>
-            <a:srgbClr val="D9FFE2"/>
-          </a:solidFill>
-        </p:spPr>
-        <p:style>
-          <a:lnRef idx="2">
-            <a:schemeClr val="accent1">
-              <a:shade val="50000"/>
-            </a:schemeClr>
-          </a:lnRef>
-          <a:fillRef idx="1">
-            <a:schemeClr val="accent1"/>
-          </a:fillRef>
-          <a:effectRef idx="0">
-            <a:schemeClr val="accent1"/>
-          </a:effectRef>
-          <a:fontRef idx="minor">
-            <a:schemeClr val="lt1"/>
-          </a:fontRef>
-        </p:style>
-        <p:txBody>
-          <a:bodyPr rtlCol="0" anchor="ctr"/>
-          <a:lstStyle/>
-          <a:p>
-            <a:pPr algn="ctr"/>
-            <a:endParaRPr lang="es-CO"/>
-          </a:p>
-        </p:txBody>
-      </p:sp>
-      <p:sp>
-        <p:nvSpPr>
-          <p:cNvPr id="37" name="Marcador de contenido 2">
-            <a:extLst>
-              <a:ext uri="{FF2B5EF4-FFF2-40B4-BE49-F238E27FC236}">
-                <a16:creationId xmlns="" xmlns:a16="http://schemas.microsoft.com/office/drawing/2014/main" id="{607AE930-5E81-4976-884A-E79FEB8EAB31}"/>
-              </a:ext>
-            </a:extLst>
-          </p:cNvPr>
-          <p:cNvSpPr txBox="1">
-            <a:spLocks/>
-          </p:cNvSpPr>
-          <p:nvPr/>
-        </p:nvSpPr>
-        <p:spPr>
-          <a:xfrm>
-            <a:off x="4222268" y="5842060"/>
-            <a:ext cx="1360557" cy="397120"/>
-          </a:xfrm>
-          <a:prstGeom prst="rect">
-            <a:avLst/>
-          </a:prstGeom>
-        </p:spPr>
-        <p:txBody>
-          <a:bodyPr vert="horz" lIns="91440" tIns="45720" rIns="91440" bIns="45720" rtlCol="0">
-            <a:noAutofit/>
-          </a:bodyPr>
-          <a:lstStyle>
-            <a:lvl1pPr marL="228600" indent="-228600" algn="l" defTabSz="914400" rtl="0" eaLnBrk="1" latinLnBrk="0" hangingPunct="1">
-              <a:lnSpc>
-                <a:spcPct val="90000"/>
-              </a:lnSpc>
-              <a:spcBef>
-                <a:spcPts val="1000"/>
-              </a:spcBef>
-              <a:buFont typeface="Arial" panose="020B0604020202020204" pitchFamily="34" charset="0"/>
-              <a:buChar char="•"/>
-              <a:defRPr sz="2800" kern="1200">
-                <a:solidFill>
-                  <a:schemeClr val="tx1"/>
-                </a:solidFill>
-                <a:latin typeface="+mn-lt"/>
-                <a:ea typeface="+mn-ea"/>
-                <a:cs typeface="+mn-cs"/>
-              </a:defRPr>
-            </a:lvl1pPr>
-            <a:lvl2pPr marL="685800" indent="-228600" algn="l" defTabSz="914400" rtl="0" eaLnBrk="1" latinLnBrk="0" hangingPunct="1">
-              <a:lnSpc>
-                <a:spcPct val="90000"/>
-              </a:lnSpc>
-              <a:spcBef>
-                <a:spcPts val="500"/>
-              </a:spcBef>
-              <a:buFont typeface="Arial" panose="020B0604020202020204" pitchFamily="34" charset="0"/>
-              <a:buChar char="•"/>
-              <a:defRPr sz="2400" kern="1200">
-                <a:solidFill>
-                  <a:schemeClr val="tx1"/>
-                </a:solidFill>
-                <a:latin typeface="+mn-lt"/>
-                <a:ea typeface="+mn-ea"/>
-                <a:cs typeface="+mn-cs"/>
-              </a:defRPr>
-            </a:lvl2pPr>
-            <a:lvl3pPr marL="1143000" indent="-228600" algn="l" defTabSz="914400" rtl="0" eaLnBrk="1" latinLnBrk="0" hangingPunct="1">
-              <a:lnSpc>
-                <a:spcPct val="90000"/>
-              </a:lnSpc>
-              <a:spcBef>
-                <a:spcPts val="500"/>
-              </a:spcBef>
-              <a:buFont typeface="Arial" panose="020B0604020202020204" pitchFamily="34" charset="0"/>
-              <a:buChar char="•"/>
-              <a:defRPr sz="2000" kern="1200">
-                <a:solidFill>
-                  <a:schemeClr val="tx1"/>
-                </a:solidFill>
-                <a:latin typeface="+mn-lt"/>
-                <a:ea typeface="+mn-ea"/>
-                <a:cs typeface="+mn-cs"/>
-              </a:defRPr>
-            </a:lvl3pPr>
-            <a:lvl4pPr marL="1600200" indent="-228600" algn="l" defTabSz="914400" rtl="0" eaLnBrk="1" latinLnBrk="0" hangingPunct="1">
-              <a:lnSpc>
-                <a:spcPct val="90000"/>
-              </a:lnSpc>
-              <a:spcBef>
-                <a:spcPts val="500"/>
-              </a:spcBef>
-              <a:buFont typeface="Arial" panose="020B0604020202020204" pitchFamily="34" charset="0"/>
-              <a:buChar char="•"/>
-              <a:defRPr sz="1800" kern="1200">
-                <a:solidFill>
-                  <a:schemeClr val="tx1"/>
-                </a:solidFill>
-                <a:latin typeface="+mn-lt"/>
-                <a:ea typeface="+mn-ea"/>
-                <a:cs typeface="+mn-cs"/>
-              </a:defRPr>
-            </a:lvl4pPr>
-            <a:lvl5pPr marL="2057400" indent="-228600" algn="l" defTabSz="914400" rtl="0" eaLnBrk="1" latinLnBrk="0" hangingPunct="1">
-              <a:lnSpc>
-                <a:spcPct val="90000"/>
-              </a:lnSpc>
-              <a:spcBef>
-                <a:spcPts val="500"/>
-              </a:spcBef>
-              <a:buFont typeface="Arial" panose="020B0604020202020204" pitchFamily="34" charset="0"/>
-              <a:buChar char="•"/>
-              <a:defRPr sz="1800" kern="1200">
-                <a:solidFill>
-                  <a:schemeClr val="tx1"/>
-                </a:solidFill>
-                <a:latin typeface="+mn-lt"/>
-                <a:ea typeface="+mn-ea"/>
-                <a:cs typeface="+mn-cs"/>
-              </a:defRPr>
-            </a:lvl5pPr>
-            <a:lvl6pPr marL="2514600" indent="-228600" algn="l" defTabSz="914400" rtl="0" eaLnBrk="1" latinLnBrk="0" hangingPunct="1">
-              <a:lnSpc>
-                <a:spcPct val="90000"/>
-              </a:lnSpc>
-              <a:spcBef>
-                <a:spcPts val="500"/>
-              </a:spcBef>
-              <a:buFont typeface="Arial" panose="020B0604020202020204" pitchFamily="34" charset="0"/>
-              <a:buChar char="•"/>
-              <a:defRPr sz="1800" kern="1200">
-                <a:solidFill>
-                  <a:schemeClr val="tx1"/>
-                </a:solidFill>
-                <a:latin typeface="+mn-lt"/>
-                <a:ea typeface="+mn-ea"/>
-                <a:cs typeface="+mn-cs"/>
-              </a:defRPr>
-            </a:lvl6pPr>
-            <a:lvl7pPr marL="2971800" indent="-228600" algn="l" defTabSz="914400" rtl="0" eaLnBrk="1" latinLnBrk="0" hangingPunct="1">
-              <a:lnSpc>
-                <a:spcPct val="90000"/>
-              </a:lnSpc>
-              <a:spcBef>
-                <a:spcPts val="500"/>
-              </a:spcBef>
-              <a:buFont typeface="Arial" panose="020B0604020202020204" pitchFamily="34" charset="0"/>
-              <a:buChar char="•"/>
-              <a:defRPr sz="1800" kern="1200">
-                <a:solidFill>
-                  <a:schemeClr val="tx1"/>
-                </a:solidFill>
-                <a:latin typeface="+mn-lt"/>
-                <a:ea typeface="+mn-ea"/>
-                <a:cs typeface="+mn-cs"/>
-              </a:defRPr>
-            </a:lvl7pPr>
-            <a:lvl8pPr marL="3429000" indent="-228600" algn="l" defTabSz="914400" rtl="0" eaLnBrk="1" latinLnBrk="0" hangingPunct="1">
-              <a:lnSpc>
-                <a:spcPct val="90000"/>
-              </a:lnSpc>
-              <a:spcBef>
-                <a:spcPts val="500"/>
-              </a:spcBef>
-              <a:buFont typeface="Arial" panose="020B0604020202020204" pitchFamily="34" charset="0"/>
-              <a:buChar char="•"/>
-              <a:defRPr sz="1800" kern="1200">
-                <a:solidFill>
-                  <a:schemeClr val="tx1"/>
-                </a:solidFill>
-                <a:latin typeface="+mn-lt"/>
-                <a:ea typeface="+mn-ea"/>
-                <a:cs typeface="+mn-cs"/>
-              </a:defRPr>
-            </a:lvl8pPr>
-            <a:lvl9pPr marL="3886200" indent="-228600" algn="l" defTabSz="914400" rtl="0" eaLnBrk="1" latinLnBrk="0" hangingPunct="1">
-              <a:lnSpc>
-                <a:spcPct val="90000"/>
-              </a:lnSpc>
-              <a:spcBef>
-                <a:spcPts val="500"/>
-              </a:spcBef>
-              <a:buFont typeface="Arial" panose="020B0604020202020204" pitchFamily="34" charset="0"/>
-              <a:buChar char="•"/>
-              <a:defRPr sz="1800" kern="1200">
-                <a:solidFill>
-                  <a:schemeClr val="tx1"/>
-                </a:solidFill>
-                <a:latin typeface="+mn-lt"/>
-                <a:ea typeface="+mn-ea"/>
-                <a:cs typeface="+mn-cs"/>
-              </a:defRPr>
-            </a:lvl9pPr>
-          </a:lstStyle>
-          <a:p>
-            <a:pPr marL="0" indent="0" algn="ctr">
-              <a:lnSpc>
-                <a:spcPct val="100000"/>
-              </a:lnSpc>
-              <a:spcBef>
-                <a:spcPts val="0"/>
-              </a:spcBef>
-              <a:buFont typeface="Arial" panose="020B0604020202020204" pitchFamily="34" charset="0"/>
-              <a:buNone/>
-            </a:pPr>
-            <a:r>
-              <a:rPr lang="es-MX" sz="2000" b="1" dirty="0" smtClean="0"/>
-              <a:t>Software</a:t>
             </a:r>
             <a:endParaRPr lang="es-MX" sz="2000" b="1" dirty="0"/>
           </a:p>
@@ -5445,8 +4276,8 @@
         </p:nvCxnSpPr>
         <p:spPr>
           <a:xfrm flipV="1">
-            <a:off x="3526530" y="1909856"/>
-            <a:ext cx="539197" cy="12158"/>
+            <a:off x="4083168" y="2245982"/>
+            <a:ext cx="511733" cy="6441"/>
           </a:xfrm>
           <a:prstGeom prst="straightConnector1">
             <a:avLst/>
@@ -5480,81 +4311,9 @@
           <p:nvPr/>
         </p:nvCxnSpPr>
         <p:spPr>
-          <a:xfrm>
-            <a:off x="3578434" y="3889268"/>
-            <a:ext cx="594347" cy="12157"/>
-          </a:xfrm>
-          <a:prstGeom prst="straightConnector1">
-            <a:avLst/>
-          </a:prstGeom>
-          <a:ln>
-            <a:tailEnd type="triangle"/>
-          </a:ln>
-        </p:spPr>
-        <p:style>
-          <a:lnRef idx="1">
-            <a:schemeClr val="accent1"/>
-          </a:lnRef>
-          <a:fillRef idx="0">
-            <a:schemeClr val="accent1"/>
-          </a:fillRef>
-          <a:effectRef idx="0">
-            <a:schemeClr val="accent1"/>
-          </a:effectRef>
-          <a:fontRef idx="minor">
-            <a:schemeClr val="tx1"/>
-          </a:fontRef>
-        </p:style>
-      </p:cxnSp>
-      <p:cxnSp>
-        <p:nvCxnSpPr>
-          <p:cNvPr id="44" name="Conector recto de flecha 43"/>
-          <p:cNvCxnSpPr>
-            <a:stCxn id="12" idx="3"/>
-            <a:endCxn id="35" idx="2"/>
-          </p:cNvCxnSpPr>
-          <p:nvPr/>
-        </p:nvCxnSpPr>
-        <p:spPr>
           <a:xfrm flipV="1">
-            <a:off x="3553034" y="4874367"/>
-            <a:ext cx="512693" cy="5557"/>
-          </a:xfrm>
-          <a:prstGeom prst="straightConnector1">
-            <a:avLst/>
-          </a:prstGeom>
-          <a:ln>
-            <a:tailEnd type="triangle"/>
-          </a:ln>
-        </p:spPr>
-        <p:style>
-          <a:lnRef idx="1">
-            <a:schemeClr val="accent1"/>
-          </a:lnRef>
-          <a:fillRef idx="0">
-            <a:schemeClr val="accent1"/>
-          </a:fillRef>
-          <a:effectRef idx="0">
-            <a:schemeClr val="accent1"/>
-          </a:effectRef>
-          <a:fontRef idx="minor">
-            <a:schemeClr val="tx1"/>
-          </a:fontRef>
-        </p:style>
-      </p:cxnSp>
-      <p:cxnSp>
-        <p:nvCxnSpPr>
-          <p:cNvPr id="46" name="Conector recto de flecha 45"/>
-          <p:cNvCxnSpPr>
-            <a:stCxn id="13" idx="3"/>
-            <a:endCxn id="34" idx="2"/>
-          </p:cNvCxnSpPr>
-          <p:nvPr/>
-        </p:nvCxnSpPr>
-        <p:spPr>
-          <a:xfrm>
-            <a:off x="3553034" y="6024046"/>
-            <a:ext cx="478068" cy="14862"/>
+            <a:off x="4173885" y="5778586"/>
+            <a:ext cx="756410" cy="3658"/>
           </a:xfrm>
           <a:prstGeom prst="straightConnector1">
             <a:avLst/>
@@ -5588,9 +4347,9 @@
           <p:nvPr/>
         </p:nvCxnSpPr>
         <p:spPr>
-          <a:xfrm flipV="1">
-            <a:off x="5452788" y="1863248"/>
-            <a:ext cx="992942" cy="46608"/>
+          <a:xfrm>
+            <a:off x="5981962" y="2245982"/>
+            <a:ext cx="463768" cy="359"/>
           </a:xfrm>
           <a:prstGeom prst="straightConnector1">
             <a:avLst/>
@@ -5625,8 +4384,8 @@
         </p:nvCxnSpPr>
         <p:spPr>
           <a:xfrm>
-            <a:off x="5138313" y="3901425"/>
-            <a:ext cx="1443253" cy="53094"/>
+            <a:off x="5895827" y="5778586"/>
+            <a:ext cx="686843" cy="3824"/>
           </a:xfrm>
           <a:prstGeom prst="straightConnector1">
             <a:avLst/>
@@ -5650,78 +4409,6 @@
           </a:fontRef>
         </p:style>
       </p:cxnSp>
-      <p:cxnSp>
-        <p:nvCxnSpPr>
-          <p:cNvPr id="67" name="Conector recto de flecha 66"/>
-          <p:cNvCxnSpPr>
-            <a:stCxn id="35" idx="6"/>
-            <a:endCxn id="7" idx="1"/>
-          </p:cNvCxnSpPr>
-          <p:nvPr/>
-        </p:nvCxnSpPr>
-        <p:spPr>
-          <a:xfrm>
-            <a:off x="5362674" y="4874367"/>
-            <a:ext cx="1021356" cy="332023"/>
-          </a:xfrm>
-          <a:prstGeom prst="straightConnector1">
-            <a:avLst/>
-          </a:prstGeom>
-          <a:ln>
-            <a:tailEnd type="triangle"/>
-          </a:ln>
-        </p:spPr>
-        <p:style>
-          <a:lnRef idx="1">
-            <a:schemeClr val="accent1"/>
-          </a:lnRef>
-          <a:fillRef idx="0">
-            <a:schemeClr val="accent1"/>
-          </a:fillRef>
-          <a:effectRef idx="0">
-            <a:schemeClr val="accent1"/>
-          </a:effectRef>
-          <a:fontRef idx="minor">
-            <a:schemeClr val="tx1"/>
-          </a:fontRef>
-        </p:style>
-      </p:cxnSp>
-      <p:cxnSp>
-        <p:nvCxnSpPr>
-          <p:cNvPr id="70" name="Conector recto de flecha 69"/>
-          <p:cNvCxnSpPr>
-            <a:stCxn id="34" idx="6"/>
-            <a:endCxn id="8" idx="1"/>
-          </p:cNvCxnSpPr>
-          <p:nvPr/>
-        </p:nvCxnSpPr>
-        <p:spPr>
-          <a:xfrm>
-            <a:off x="5671613" y="6038908"/>
-            <a:ext cx="953717" cy="314863"/>
-          </a:xfrm>
-          <a:prstGeom prst="straightConnector1">
-            <a:avLst/>
-          </a:prstGeom>
-          <a:ln>
-            <a:tailEnd type="triangle"/>
-          </a:ln>
-        </p:spPr>
-        <p:style>
-          <a:lnRef idx="1">
-            <a:schemeClr val="accent1"/>
-          </a:lnRef>
-          <a:fillRef idx="0">
-            <a:schemeClr val="accent1"/>
-          </a:fillRef>
-          <a:effectRef idx="0">
-            <a:schemeClr val="accent1"/>
-          </a:effectRef>
-          <a:fontRef idx="minor">
-            <a:schemeClr val="tx1"/>
-          </a:fontRef>
-        </p:style>
-      </p:cxnSp>
       <p:sp>
         <p:nvSpPr>
           <p:cNvPr id="54" name="Rectángulo redondeado 53"/>
@@ -5730,8 +4417,8 @@
         </p:nvSpPr>
         <p:spPr>
           <a:xfrm>
-            <a:off x="6445730" y="2694827"/>
-            <a:ext cx="5555769" cy="626302"/>
+            <a:off x="6632774" y="3743799"/>
+            <a:ext cx="5555769" cy="644308"/>
           </a:xfrm>
           <a:prstGeom prst="roundRect">
             <a:avLst/>
@@ -5773,8 +4460,8 @@
         </p:nvSpPr>
         <p:spPr>
           <a:xfrm>
-            <a:off x="271214" y="2587035"/>
-            <a:ext cx="3255316" cy="626302"/>
+            <a:off x="45429" y="3541811"/>
+            <a:ext cx="4128456" cy="1055700"/>
           </a:xfrm>
           <a:prstGeom prst="roundRect">
             <a:avLst/>
@@ -5813,7 +4500,7 @@
           <p:cNvPr id="56" name="Marcador de contenido 2">
             <a:extLst>
               <a:ext uri="{FF2B5EF4-FFF2-40B4-BE49-F238E27FC236}">
-                <a16:creationId xmlns="" xmlns:a16="http://schemas.microsoft.com/office/drawing/2014/main" id="{607AE930-5E81-4976-884A-E79FEB8EAB31}"/>
+                <a16:creationId xmlns:a16="http://schemas.microsoft.com/office/drawing/2014/main" xmlns="" id="{607AE930-5E81-4976-884A-E79FEB8EAB31}"/>
               </a:ext>
             </a:extLst>
           </p:cNvPr>
@@ -5824,8 +4511,8 @@
         </p:nvSpPr>
         <p:spPr>
           <a:xfrm>
-            <a:off x="271214" y="2739435"/>
-            <a:ext cx="3281820" cy="383728"/>
+            <a:off x="45429" y="3560778"/>
+            <a:ext cx="4128456" cy="1036733"/>
           </a:xfrm>
           <a:prstGeom prst="rect">
             <a:avLst/>
@@ -5833,7 +4520,7 @@
         </p:spPr>
         <p:txBody>
           <a:bodyPr vert="horz" lIns="91440" tIns="45720" rIns="91440" bIns="45720" rtlCol="0">
-            <a:normAutofit fontScale="92500" lnSpcReduction="20000"/>
+            <a:noAutofit/>
           </a:bodyPr>
           <a:lstStyle>
             <a:lvl1pPr marL="228600" indent="-228600" algn="l" defTabSz="914400" rtl="0" eaLnBrk="1" latinLnBrk="0" hangingPunct="1">
@@ -6011,8 +4698,8 @@
               <a:buNone/>
             </a:pPr>
             <a:r>
-              <a:rPr lang="es-MX" sz="2400" b="1" dirty="0" smtClean="0"/>
-              <a:t>Ministerio de Educación</a:t>
+              <a:rPr lang="es-MX" sz="3200" b="1" dirty="0" smtClean="0"/>
+              <a:t>Ministerio de Educación Nacional</a:t>
             </a:r>
           </a:p>
         </p:txBody>
@@ -6025,7 +4712,7 @@
         </p:nvSpPr>
         <p:spPr>
           <a:xfrm>
-            <a:off x="4065727" y="2590072"/>
+            <a:off x="4684831" y="3775939"/>
             <a:ext cx="1387061" cy="595912"/>
           </a:xfrm>
           <a:prstGeom prst="ellipse">
@@ -6065,7 +4752,7 @@
           <p:cNvPr id="58" name="Marcador de contenido 2">
             <a:extLst>
               <a:ext uri="{FF2B5EF4-FFF2-40B4-BE49-F238E27FC236}">
-                <a16:creationId xmlns="" xmlns:a16="http://schemas.microsoft.com/office/drawing/2014/main" id="{607AE930-5E81-4976-884A-E79FEB8EAB31}"/>
+                <a16:creationId xmlns:a16="http://schemas.microsoft.com/office/drawing/2014/main" xmlns="" id="{607AE930-5E81-4976-884A-E79FEB8EAB31}"/>
               </a:ext>
             </a:extLst>
           </p:cNvPr>
@@ -6076,7 +4763,7 @@
         </p:nvSpPr>
         <p:spPr>
           <a:xfrm>
-            <a:off x="4092230" y="2662966"/>
+            <a:off x="4711334" y="3848833"/>
             <a:ext cx="1360557" cy="414407"/>
           </a:xfrm>
           <a:prstGeom prst="rect">
@@ -6278,8 +4965,8 @@
         </p:nvSpPr>
         <p:spPr>
           <a:xfrm>
-            <a:off x="6422130" y="2778561"/>
-            <a:ext cx="5566670" cy="461665"/>
+            <a:off x="6582670" y="3803332"/>
+            <a:ext cx="5566670" cy="584775"/>
           </a:xfrm>
           <a:prstGeom prst="rect">
             <a:avLst/>
@@ -6293,10 +4980,10 @@
           <a:p>
             <a:pPr algn="ctr"/>
             <a:r>
-              <a:rPr lang="es-MX" sz="2400" b="1" dirty="0" smtClean="0"/>
+              <a:rPr lang="es-MX" sz="3200" b="1" dirty="0" smtClean="0"/>
               <a:t>SPADIES, deserción.</a:t>
             </a:r>
-            <a:endParaRPr lang="es-MX" b="1" dirty="0"/>
+            <a:endParaRPr lang="es-MX" sz="2400" b="1" dirty="0"/>
           </a:p>
         </p:txBody>
       </p:sp>
@@ -6310,9 +4997,9 @@
           <p:nvPr/>
         </p:nvCxnSpPr>
         <p:spPr>
-          <a:xfrm flipV="1">
-            <a:off x="3526530" y="2888028"/>
-            <a:ext cx="539197" cy="12158"/>
+          <a:xfrm>
+            <a:off x="4173885" y="4069661"/>
+            <a:ext cx="510946" cy="4234"/>
           </a:xfrm>
           <a:prstGeom prst="straightConnector1">
             <a:avLst/>
@@ -6346,9 +5033,9 @@
           <p:nvPr/>
         </p:nvCxnSpPr>
         <p:spPr>
-          <a:xfrm>
-            <a:off x="5452788" y="2888028"/>
-            <a:ext cx="992942" cy="119950"/>
+          <a:xfrm flipV="1">
+            <a:off x="6071892" y="4065953"/>
+            <a:ext cx="560882" cy="7942"/>
           </a:xfrm>
           <a:prstGeom prst="straightConnector1">
             <a:avLst/>
@@ -6411,10 +5098,10 @@
       </p:grpSpPr>
       <p:sp>
         <p:nvSpPr>
-          <p:cNvPr id="4" name="Título 1">
+          <p:cNvPr id="2" name="Título 1">
             <a:extLst>
               <a:ext uri="{FF2B5EF4-FFF2-40B4-BE49-F238E27FC236}">
-                <a16:creationId xmlns="" xmlns:a16="http://schemas.microsoft.com/office/drawing/2014/main" id="{F194AB6A-55E1-4B44-A983-8BC6AA65E29D}"/>
+                <a16:creationId xmlns:a16="http://schemas.microsoft.com/office/drawing/2014/main" xmlns="" id="{4D3AF533-AD0F-43F7-AC8D-8A056BA291A3}"/>
               </a:ext>
             </a:extLst>
           </p:cNvPr>
@@ -6427,41 +5114,36 @@
         </p:nvSpPr>
         <p:spPr>
           <a:xfrm>
-            <a:off x="5138670" y="18255"/>
-            <a:ext cx="7053329" cy="1325563"/>
+            <a:off x="6100175" y="0"/>
+            <a:ext cx="6091825" cy="1325563"/>
           </a:xfrm>
         </p:spPr>
         <p:txBody>
           <a:bodyPr/>
           <a:lstStyle/>
           <a:p>
-            <a:pPr algn="ctr"/>
-            <a:r>
-              <a:rPr lang="es-MX" b="1" dirty="0" smtClean="0">
+            <a:pPr algn="r"/>
+            <a:r>
+              <a:rPr lang="es-MX" b="1" dirty="0">
                 <a:solidFill>
                   <a:schemeClr val="bg1"/>
                 </a:solidFill>
               </a:rPr>
-              <a:t>¿Qué es SICACEST?</a:t>
-            </a:r>
-            <a:endParaRPr lang="es-MX" b="1" dirty="0">
-              <a:solidFill>
-                <a:schemeClr val="bg1"/>
-              </a:solidFill>
-            </a:endParaRPr>
+              <a:t>Metodología de desarrollo</a:t>
+            </a:r>
           </a:p>
         </p:txBody>
       </p:sp>
       <p:pic>
         <p:nvPicPr>
-          <p:cNvPr id="5" name="Imagen 4"/>
+          <p:cNvPr id="6" name="Imagen 5"/>
           <p:cNvPicPr>
             <a:picLocks noChangeAspect="1"/>
           </p:cNvPicPr>
           <p:nvPr/>
         </p:nvPicPr>
         <p:blipFill>
-          <a:blip r:embed="rId2" cstate="print">
+          <a:blip r:embed="rId2">
             <a:extLst>
               <a:ext uri="{28A0092B-C50C-407E-A947-70E740481C1C}">
                 <a14:useLocalDpi xmlns:a14="http://schemas.microsoft.com/office/drawing/2010/main" val="0"/>
@@ -6474,8 +5156,8 @@
         </p:blipFill>
         <p:spPr>
           <a:xfrm>
-            <a:off x="6458857" y="3204802"/>
-            <a:ext cx="5617028" cy="3158037"/>
+            <a:off x="156939" y="1325563"/>
+            <a:ext cx="7362559" cy="5532437"/>
           </a:xfrm>
           <a:prstGeom prst="rect">
             <a:avLst/>
@@ -6484,110 +5166,51 @@
       </p:pic>
       <p:sp>
         <p:nvSpPr>
-          <p:cNvPr id="7" name="Marcador de contenido 2">
+          <p:cNvPr id="7" name="CuadroTexto 6">
             <a:extLst>
               <a:ext uri="{FF2B5EF4-FFF2-40B4-BE49-F238E27FC236}">
-                <a16:creationId xmlns="" xmlns:a16="http://schemas.microsoft.com/office/drawing/2014/main" id="{9044A195-81E2-4535-8AF2-A32F3CBDD8E6}"/>
+                <a16:creationId xmlns:a16="http://schemas.microsoft.com/office/drawing/2014/main" xmlns="" id="{BC049DBC-6933-4F01-99CD-12D18B825504}"/>
               </a:ext>
             </a:extLst>
           </p:cNvPr>
-          <p:cNvSpPr>
-            <a:spLocks noGrp="1"/>
-          </p:cNvSpPr>
-          <p:nvPr>
-            <p:ph idx="1"/>
-          </p:nvPr>
-        </p:nvSpPr>
-        <p:spPr>
-          <a:xfrm>
-            <a:off x="184405" y="3067134"/>
-            <a:ext cx="5621309" cy="3580409"/>
-          </a:xfrm>
-        </p:spPr>
-        <p:txBody>
-          <a:bodyPr>
-            <a:normAutofit/>
-          </a:bodyPr>
-          <a:lstStyle/>
-          <a:p>
-            <a:pPr algn="just"/>
-            <a:r>
-              <a:rPr lang="es-MX" sz="3200" dirty="0" smtClean="0"/>
-              <a:t>Permite que las IES la adapten a sus necesidades para administrar su proceso de caracterización estudiantil.</a:t>
-            </a:r>
-          </a:p>
-          <a:p>
-            <a:pPr algn="just"/>
-            <a:r>
-              <a:rPr lang="es-MX" sz="3200" dirty="0" smtClean="0"/>
-              <a:t>Los estudiantes pueden actualizar sus datos en cualquier momento.</a:t>
-            </a:r>
-          </a:p>
-        </p:txBody>
-      </p:sp>
-      <p:sp>
-        <p:nvSpPr>
-          <p:cNvPr id="8" name="Rectángulo 7"/>
-          <p:cNvSpPr/>
+          <p:cNvSpPr txBox="1"/>
           <p:nvPr/>
         </p:nvSpPr>
         <p:spPr>
           <a:xfrm>
-            <a:off x="304799" y="1497590"/>
-            <a:ext cx="11771086" cy="584775"/>
+            <a:off x="7593818" y="1325563"/>
+            <a:ext cx="4731532" cy="461665"/>
           </a:xfrm>
           <a:prstGeom prst="rect">
             <a:avLst/>
           </a:prstGeom>
-        </p:spPr>
-        <p:txBody>
-          <a:bodyPr wrap="square">
+          <a:noFill/>
+        </p:spPr>
+        <p:txBody>
+          <a:bodyPr wrap="square" rtlCol="0">
             <a:spAutoFit/>
           </a:bodyPr>
           <a:lstStyle/>
           <a:p>
             <a:pPr algn="just"/>
             <a:r>
-              <a:rPr lang="es-MX" sz="3200" dirty="0"/>
-              <a:t>Es una herramienta de software liberada bajo la licencia GPL de GNU.</a:t>
-            </a:r>
-          </a:p>
-        </p:txBody>
-      </p:sp>
-      <p:sp>
-        <p:nvSpPr>
-          <p:cNvPr id="9" name="Rectángulo 8"/>
-          <p:cNvSpPr/>
-          <p:nvPr/>
-        </p:nvSpPr>
-        <p:spPr>
-          <a:xfrm>
-            <a:off x="304799" y="2236137"/>
-            <a:ext cx="5500915" cy="707886"/>
-          </a:xfrm>
-          <a:prstGeom prst="rect">
-            <a:avLst/>
-          </a:prstGeom>
-        </p:spPr>
-        <p:txBody>
-          <a:bodyPr wrap="square">
-            <a:spAutoFit/>
-          </a:bodyPr>
-          <a:lstStyle/>
-          <a:p>
-            <a:pPr algn="ctr"/>
-            <a:r>
-              <a:rPr lang="es-MX" sz="4000" b="1" dirty="0" smtClean="0"/>
-              <a:t>Beneficios</a:t>
-            </a:r>
-            <a:endParaRPr lang="es-MX" sz="3200" b="1" dirty="0"/>
+              <a:rPr lang="es-MX" sz="2400" i="1" dirty="0" smtClean="0">
+                <a:latin typeface="Times New Roman" panose="02020603050405020304" pitchFamily="18" charset="0"/>
+                <a:cs typeface="Times New Roman" panose="02020603050405020304" pitchFamily="18" charset="0"/>
+              </a:rPr>
+              <a:t>Ejemplo KANBAN (Fuente: propia)</a:t>
+            </a:r>
+            <a:endParaRPr lang="es-MX" sz="2400" i="1" dirty="0">
+              <a:latin typeface="Times New Roman" panose="02020603050405020304" pitchFamily="18" charset="0"/>
+              <a:cs typeface="Times New Roman" panose="02020603050405020304" pitchFamily="18" charset="0"/>
+            </a:endParaRPr>
           </a:p>
         </p:txBody>
       </p:sp>
     </p:spTree>
     <p:extLst>
       <p:ext uri="{BB962C8B-B14F-4D97-AF65-F5344CB8AC3E}">
-        <p14:creationId xmlns:p14="http://schemas.microsoft.com/office/powerpoint/2010/main" val="11840017"/>
+        <p14:creationId xmlns:p14="http://schemas.microsoft.com/office/powerpoint/2010/main" val="3487754181"/>
       </p:ext>
     </p:extLst>
   </p:cSld>
@@ -6626,7 +5249,7 @@
           <p:cNvPr id="2" name="Título 1">
             <a:extLst>
               <a:ext uri="{FF2B5EF4-FFF2-40B4-BE49-F238E27FC236}">
-                <a16:creationId xmlns="" xmlns:a16="http://schemas.microsoft.com/office/drawing/2014/main" id="{4D3AF533-AD0F-43F7-AC8D-8A056BA291A3}"/>
+                <a16:creationId xmlns:a16="http://schemas.microsoft.com/office/drawing/2014/main" xmlns="" id="{4D3AF533-AD0F-43F7-AC8D-8A056BA291A3}"/>
               </a:ext>
             </a:extLst>
           </p:cNvPr>
@@ -6639,15 +5262,15 @@
         </p:nvSpPr>
         <p:spPr>
           <a:xfrm>
-            <a:off x="5203065" y="0"/>
-            <a:ext cx="6988935" cy="1325563"/>
+            <a:off x="6100175" y="0"/>
+            <a:ext cx="6091825" cy="1325563"/>
           </a:xfrm>
         </p:spPr>
         <p:txBody>
           <a:bodyPr/>
           <a:lstStyle/>
           <a:p>
-            <a:pPr algn="ctr"/>
+            <a:pPr algn="r"/>
             <a:r>
               <a:rPr lang="es-MX" b="1" dirty="0">
                 <a:solidFill>
@@ -6661,103 +5284,86 @@
       </p:sp>
       <p:sp>
         <p:nvSpPr>
-          <p:cNvPr id="3" name="Marcador de contenido 2">
-            <a:extLst>
-              <a:ext uri="{FF2B5EF4-FFF2-40B4-BE49-F238E27FC236}">
-                <a16:creationId xmlns="" xmlns:a16="http://schemas.microsoft.com/office/drawing/2014/main" id="{9044A195-81E2-4535-8AF2-A32F3CBDD8E6}"/>
-              </a:ext>
-            </a:extLst>
-          </p:cNvPr>
-          <p:cNvSpPr>
-            <a:spLocks noGrp="1"/>
-          </p:cNvSpPr>
-          <p:nvPr>
-            <p:ph idx="1"/>
-          </p:nvPr>
-        </p:nvSpPr>
-        <p:spPr>
-          <a:xfrm>
-            <a:off x="146306" y="1656728"/>
-            <a:ext cx="6152000" cy="4860577"/>
-          </a:xfrm>
-        </p:spPr>
-        <p:txBody>
-          <a:bodyPr>
-            <a:noAutofit/>
+          <p:cNvPr id="3" name="Rectángulo 2"/>
+          <p:cNvSpPr/>
+          <p:nvPr/>
+        </p:nvSpPr>
+        <p:spPr>
+          <a:xfrm>
+            <a:off x="551144" y="1590805"/>
+            <a:ext cx="5215203" cy="3170099"/>
+          </a:xfrm>
+          <a:prstGeom prst="rect">
+            <a:avLst/>
+          </a:prstGeom>
+        </p:spPr>
+        <p:txBody>
+          <a:bodyPr wrap="square">
+            <a:spAutoFit/>
           </a:bodyPr>
           <a:lstStyle/>
           <a:p>
-            <a:pPr marL="0" indent="0" algn="ctr">
-              <a:buNone/>
+            <a:pPr marL="342900" indent="-342900">
+              <a:buFont typeface="Arial" panose="020B0604020202020204" pitchFamily="34" charset="0"/>
+              <a:buChar char="•"/>
             </a:pPr>
             <a:r>
-              <a:rPr lang="es-MX" sz="3200" b="1" dirty="0" smtClean="0"/>
-              <a:t>SCRUM</a:t>
-            </a:r>
-          </a:p>
-          <a:p>
-            <a:pPr marL="0" indent="0" algn="just">
-              <a:buNone/>
+              <a:rPr lang="es-MX" sz="4000" dirty="0" smtClean="0"/>
+              <a:t>Etapa 1 – Planeación</a:t>
+            </a:r>
+          </a:p>
+          <a:p>
+            <a:pPr marL="342900" indent="-342900">
+              <a:buFont typeface="Arial" panose="020B0604020202020204" pitchFamily="34" charset="0"/>
+              <a:buChar char="•"/>
             </a:pPr>
-            <a:endParaRPr lang="es-MX" sz="3200" dirty="0" smtClean="0"/>
-          </a:p>
-          <a:p>
-            <a:pPr marL="0" indent="0" algn="just">
-              <a:buNone/>
+            <a:r>
+              <a:rPr lang="es-MX" sz="4000" dirty="0" smtClean="0"/>
+              <a:t>Etapa 2 – Diseño</a:t>
+            </a:r>
+          </a:p>
+          <a:p>
+            <a:pPr marL="342900" indent="-342900">
+              <a:buFont typeface="Arial" panose="020B0604020202020204" pitchFamily="34" charset="0"/>
+              <a:buChar char="•"/>
             </a:pPr>
             <a:r>
-              <a:rPr lang="es-MX" sz="3200" dirty="0" smtClean="0"/>
-              <a:t>Se </a:t>
-            </a:r>
-            <a:r>
-              <a:rPr lang="es-MX" sz="3200" dirty="0"/>
-              <a:t>decidió utilizar la metodología </a:t>
-            </a:r>
-            <a:r>
-              <a:rPr lang="es-MX" sz="3200" dirty="0" smtClean="0"/>
-              <a:t>SCRUM por 4 razones:</a:t>
-            </a:r>
-          </a:p>
-          <a:p>
-            <a:pPr algn="just"/>
-            <a:r>
-              <a:rPr lang="es-MX" sz="3200" dirty="0" smtClean="0"/>
-              <a:t>Ser un enfoque ágil.</a:t>
-            </a:r>
-          </a:p>
-          <a:p>
-            <a:pPr algn="just"/>
-            <a:r>
-              <a:rPr lang="es-MX" sz="3200" dirty="0" smtClean="0"/>
-              <a:t>Permitir un ritmo de trabajo sostenible.</a:t>
-            </a:r>
-          </a:p>
-          <a:p>
-            <a:pPr algn="just"/>
-            <a:r>
-              <a:rPr lang="es-MX" sz="3200" dirty="0" smtClean="0"/>
-              <a:t>Minimizar los riesgos.</a:t>
-            </a:r>
-          </a:p>
-          <a:p>
-            <a:pPr algn="just"/>
-            <a:r>
-              <a:rPr lang="es-MX" sz="3200" dirty="0" smtClean="0"/>
-              <a:t>KANBAN</a:t>
+              <a:rPr lang="es-MX" sz="4000" dirty="0" smtClean="0"/>
+              <a:t>Etapa 3 – Codificación</a:t>
+            </a:r>
+          </a:p>
+          <a:p>
+            <a:pPr marL="342900" indent="-342900">
+              <a:buFont typeface="Arial" panose="020B0604020202020204" pitchFamily="34" charset="0"/>
+              <a:buChar char="•"/>
+            </a:pPr>
+            <a:r>
+              <a:rPr lang="es-MX" sz="4000" dirty="0" smtClean="0"/>
+              <a:t>Etapa 4 – Pruebas</a:t>
+            </a:r>
+          </a:p>
+          <a:p>
+            <a:pPr marL="342900" indent="-342900">
+              <a:buFont typeface="Arial" panose="020B0604020202020204" pitchFamily="34" charset="0"/>
+              <a:buChar char="•"/>
+            </a:pPr>
+            <a:r>
+              <a:rPr lang="es-MX" sz="4000" dirty="0" smtClean="0"/>
+              <a:t>Etapa 5 – Despliegue</a:t>
             </a:r>
           </a:p>
         </p:txBody>
       </p:sp>
       <p:pic>
         <p:nvPicPr>
-          <p:cNvPr id="6" name="Imagen 5"/>
+          <p:cNvPr id="4" name="Imagen 3"/>
           <p:cNvPicPr>
             <a:picLocks noChangeAspect="1"/>
           </p:cNvPicPr>
           <p:nvPr/>
         </p:nvPicPr>
         <p:blipFill>
-          <a:blip r:embed="rId2">
+          <a:blip r:embed="rId2" cstate="print">
             <a:extLst>
               <a:ext uri="{28A0092B-C50C-407E-A947-70E740481C1C}">
                 <a14:useLocalDpi xmlns:a14="http://schemas.microsoft.com/office/drawing/2010/main" val="0"/>
@@ -6770,8 +5376,8 @@
         </p:blipFill>
         <p:spPr>
           <a:xfrm>
-            <a:off x="6387922" y="1990622"/>
-            <a:ext cx="5594830" cy="4204115"/>
+            <a:off x="5896973" y="1325563"/>
+            <a:ext cx="3536683" cy="5532437"/>
           </a:xfrm>
           <a:prstGeom prst="rect">
             <a:avLst/>
@@ -6780,10 +5386,10 @@
       </p:pic>
       <p:sp>
         <p:nvSpPr>
-          <p:cNvPr id="7" name="CuadroTexto 6">
+          <p:cNvPr id="8" name="CuadroTexto 7">
             <a:extLst>
               <a:ext uri="{FF2B5EF4-FFF2-40B4-BE49-F238E27FC236}">
-                <a16:creationId xmlns="" xmlns:a16="http://schemas.microsoft.com/office/drawing/2014/main" id="{BC049DBC-6933-4F01-99CD-12D18B825504}"/>
+                <a16:creationId xmlns:a16="http://schemas.microsoft.com/office/drawing/2014/main" xmlns="" id="{BC049DBC-6933-4F01-99CD-12D18B825504}"/>
               </a:ext>
             </a:extLst>
           </p:cNvPr>
@@ -6792,8 +5398,8 @@
         </p:nvSpPr>
         <p:spPr>
           <a:xfrm>
-            <a:off x="6903104" y="6182641"/>
-            <a:ext cx="4224233" cy="461665"/>
+            <a:off x="9564282" y="1590805"/>
+            <a:ext cx="1923732" cy="461665"/>
           </a:xfrm>
           <a:prstGeom prst="rect">
             <a:avLst/>
@@ -6808,18 +5414,11 @@
           <a:p>
             <a:pPr algn="just"/>
             <a:r>
-              <a:rPr lang="es-MX" sz="2400" i="1" dirty="0">
-                <a:latin typeface="Times New Roman" panose="02020603050405020304" pitchFamily="18" charset="0"/>
-                <a:cs typeface="Times New Roman" panose="02020603050405020304" pitchFamily="18" charset="0"/>
-              </a:rPr>
-              <a:t>Ilustración </a:t>
-            </a:r>
-            <a:r>
               <a:rPr lang="es-MX" sz="2400" i="1" dirty="0" smtClean="0">
                 <a:latin typeface="Times New Roman" panose="02020603050405020304" pitchFamily="18" charset="0"/>
                 <a:cs typeface="Times New Roman" panose="02020603050405020304" pitchFamily="18" charset="0"/>
               </a:rPr>
-              <a:t>2: Ejemplo KANBAN</a:t>
+              <a:t>Fuente propia</a:t>
             </a:r>
             <a:endParaRPr lang="es-MX" sz="2400" i="1" dirty="0">
               <a:latin typeface="Times New Roman" panose="02020603050405020304" pitchFamily="18" charset="0"/>
@@ -6875,7 +5474,7 @@
             <p:ph idx="1"/>
             <p:extLst>
               <p:ext uri="{D42A27DB-BD31-4B8C-83A1-F6EECF244321}">
-                <p14:modId xmlns:p14="http://schemas.microsoft.com/office/powerpoint/2010/main" val="3649915452"/>
+                <p14:modId xmlns:p14="http://schemas.microsoft.com/office/powerpoint/2010/main" val="4028599136"/>
               </p:ext>
             </p:extLst>
           </p:nvPr>
@@ -7431,7 +6030,7 @@
           <p:cNvPr id="6" name="Título 1">
             <a:extLst>
               <a:ext uri="{FF2B5EF4-FFF2-40B4-BE49-F238E27FC236}">
-                <a16:creationId xmlns="" xmlns:a16="http://schemas.microsoft.com/office/drawing/2014/main" id="{4D3AF533-AD0F-43F7-AC8D-8A056BA291A3}"/>
+                <a16:creationId xmlns:a16="http://schemas.microsoft.com/office/drawing/2014/main" xmlns="" id="{4D3AF533-AD0F-43F7-AC8D-8A056BA291A3}"/>
               </a:ext>
             </a:extLst>
           </p:cNvPr>
@@ -7442,8 +6041,8 @@
         </p:nvSpPr>
         <p:spPr>
           <a:xfrm>
-            <a:off x="5203065" y="0"/>
-            <a:ext cx="6988935" cy="1325563"/>
+            <a:off x="7415409" y="0"/>
+            <a:ext cx="4776592" cy="1325563"/>
           </a:xfrm>
           <a:prstGeom prst="rect">
             <a:avLst/>
@@ -7473,24 +6072,34 @@
             </a:lvl1pPr>
           </a:lstStyle>
           <a:p>
-            <a:pPr algn="ctr"/>
+            <a:pPr algn="r"/>
             <a:r>
               <a:rPr lang="es-MX" b="1" dirty="0" smtClean="0">
                 <a:solidFill>
                   <a:schemeClr val="bg1"/>
                 </a:solidFill>
               </a:rPr>
-              <a:t>Etapa </a:t>
-            </a:r>
-            <a:r>
-              <a:rPr lang="es-MX" b="1" dirty="0">
+              <a:t>Etapa 1</a:t>
+            </a:r>
+            <a:r>
+              <a:rPr lang="es-MX" b="1" dirty="0" smtClean="0">
                 <a:solidFill>
                   <a:schemeClr val="bg1"/>
                 </a:solidFill>
                 <a:latin typeface="Times New Roman" panose="02020603050405020304" pitchFamily="18" charset="0"/>
                 <a:cs typeface="Times New Roman" panose="02020603050405020304" pitchFamily="18" charset="0"/>
               </a:rPr>
-              <a:t>I -</a:t>
+              <a:t> </a:t>
+            </a:r>
+            <a:r>
+              <a:rPr lang="es-MX" b="1" dirty="0">
+                <a:solidFill>
+                  <a:schemeClr val="bg1"/>
+                </a:solidFill>
+                <a:latin typeface="Times New Roman" panose="02020603050405020304" pitchFamily="18" charset="0"/>
+                <a:cs typeface="Times New Roman" panose="02020603050405020304" pitchFamily="18" charset="0"/>
+              </a:rPr>
+              <a:t>-</a:t>
             </a:r>
             <a:r>
               <a:rPr lang="es-MX" b="1" dirty="0">
@@ -7545,7 +6154,7 @@
           <p:cNvPr id="6" name="CuadroTexto 5">
             <a:extLst>
               <a:ext uri="{FF2B5EF4-FFF2-40B4-BE49-F238E27FC236}">
-                <a16:creationId xmlns="" xmlns:a16="http://schemas.microsoft.com/office/drawing/2014/main" id="{BC049DBC-6933-4F01-99CD-12D18B825504}"/>
+                <a16:creationId xmlns:a16="http://schemas.microsoft.com/office/drawing/2014/main" xmlns="" id="{BC049DBC-6933-4F01-99CD-12D18B825504}"/>
               </a:ext>
             </a:extLst>
           </p:cNvPr>
@@ -7554,8 +6163,8 @@
         </p:nvSpPr>
         <p:spPr>
           <a:xfrm>
-            <a:off x="472790" y="6334780"/>
-            <a:ext cx="4844596" cy="461665"/>
+            <a:off x="2763768" y="6119943"/>
+            <a:ext cx="6255880" cy="461665"/>
           </a:xfrm>
           <a:prstGeom prst="rect">
             <a:avLst/>
@@ -7570,18 +6179,11 @@
           <a:p>
             <a:pPr algn="just"/>
             <a:r>
-              <a:rPr lang="es-MX" sz="2400" i="1" dirty="0">
-                <a:latin typeface="Times New Roman" panose="02020603050405020304" pitchFamily="18" charset="0"/>
-                <a:cs typeface="Times New Roman" panose="02020603050405020304" pitchFamily="18" charset="0"/>
-              </a:rPr>
-              <a:t>Ilustración 1: Diagrama casos de </a:t>
-            </a:r>
-            <a:r>
               <a:rPr lang="es-MX" sz="2400" i="1" dirty="0" smtClean="0">
                 <a:latin typeface="Times New Roman" panose="02020603050405020304" pitchFamily="18" charset="0"/>
                 <a:cs typeface="Times New Roman" panose="02020603050405020304" pitchFamily="18" charset="0"/>
               </a:rPr>
-              <a:t>uso</a:t>
+              <a:t>Casos de uso del Administrador (Fuente propia)</a:t>
             </a:r>
             <a:endParaRPr lang="es-MX" sz="2400" i="1" dirty="0">
               <a:latin typeface="Times New Roman" panose="02020603050405020304" pitchFamily="18" charset="0"/>
@@ -7590,118 +6192,12 @@
           </a:p>
         </p:txBody>
       </p:sp>
-      <p:pic>
-        <p:nvPicPr>
-          <p:cNvPr id="2050" name="Picture 2" descr="cduEstudiantes"/>
-          <p:cNvPicPr>
-            <a:picLocks noChangeAspect="1" noChangeArrowheads="1"/>
-          </p:cNvPicPr>
-          <p:nvPr/>
-        </p:nvPicPr>
-        <p:blipFill>
-          <a:blip r:embed="rId2">
-            <a:extLst>
-              <a:ext uri="{28A0092B-C50C-407E-A947-70E740481C1C}">
-                <a14:useLocalDpi xmlns:a14="http://schemas.microsoft.com/office/drawing/2010/main" val="0"/>
-              </a:ext>
-            </a:extLst>
-          </a:blip>
-          <a:srcRect/>
-          <a:stretch>
-            <a:fillRect/>
-          </a:stretch>
-        </p:blipFill>
-        <p:spPr bwMode="auto">
-          <a:xfrm>
-            <a:off x="617908" y="1325563"/>
-            <a:ext cx="4554358" cy="5123653"/>
-          </a:xfrm>
-          <a:prstGeom prst="rect">
-            <a:avLst/>
-          </a:prstGeom>
-          <a:noFill/>
-          <a:ln>
-            <a:noFill/>
-          </a:ln>
-          <a:extLst>
-            <a:ext uri="{909E8E84-426E-40DD-AFC4-6F175D3DCCD1}">
-              <a14:hiddenFill xmlns:a14="http://schemas.microsoft.com/office/drawing/2010/main">
-                <a:solidFill>
-                  <a:srgbClr val="FFFFFF"/>
-                </a:solidFill>
-              </a14:hiddenFill>
-            </a:ext>
-            <a:ext uri="{91240B29-F687-4F45-9708-019B960494DF}">
-              <a14:hiddenLine xmlns:a14="http://schemas.microsoft.com/office/drawing/2010/main" w="9525">
-                <a:solidFill>
-                  <a:srgbClr val="000000"/>
-                </a:solidFill>
-                <a:miter lim="800000"/>
-                <a:headEnd/>
-                <a:tailEnd/>
-              </a14:hiddenLine>
-            </a:ext>
-          </a:extLst>
-        </p:spPr>
-      </p:pic>
-      <p:sp>
-        <p:nvSpPr>
-          <p:cNvPr id="8" name="CuadroTexto 7">
-            <a:extLst>
-              <a:ext uri="{FF2B5EF4-FFF2-40B4-BE49-F238E27FC236}">
-                <a16:creationId xmlns="" xmlns:a16="http://schemas.microsoft.com/office/drawing/2014/main" id="{46EA4DCA-5CF5-445C-A682-F68F57AE84CF}"/>
-              </a:ext>
-            </a:extLst>
-          </p:cNvPr>
-          <p:cNvSpPr txBox="1"/>
-          <p:nvPr/>
-        </p:nvSpPr>
-        <p:spPr>
-          <a:xfrm>
-            <a:off x="6058949" y="2275134"/>
-            <a:ext cx="4527485" cy="3539430"/>
-          </a:xfrm>
-          <a:prstGeom prst="rect">
-            <a:avLst/>
-          </a:prstGeom>
-          <a:noFill/>
-        </p:spPr>
-        <p:txBody>
-          <a:bodyPr wrap="square" rtlCol="0">
-            <a:spAutoFit/>
-          </a:bodyPr>
-          <a:lstStyle/>
-          <a:p>
-            <a:pPr algn="ctr"/>
-            <a:r>
-              <a:rPr lang="es-MX" sz="3200" b="1" dirty="0" smtClean="0"/>
-              <a:t>Casos de uso</a:t>
-            </a:r>
-          </a:p>
-          <a:p>
-            <a:pPr algn="just"/>
-            <a:r>
-              <a:rPr lang="es-MX" sz="3200" b="1" dirty="0" smtClean="0"/>
-              <a:t> </a:t>
-            </a:r>
-            <a:endParaRPr lang="es-MX" sz="3200" b="1" dirty="0"/>
-          </a:p>
-          <a:p>
-            <a:pPr algn="just"/>
-            <a:r>
-              <a:rPr lang="es-MX" sz="3200" dirty="0" smtClean="0"/>
-              <a:t>Diagrama de casos de uso que ilustra el funcionamiento de la aplicación de web de los estudiantes.</a:t>
-            </a:r>
-            <a:endParaRPr lang="es-MX" sz="3200" dirty="0"/>
-          </a:p>
-        </p:txBody>
-      </p:sp>
       <p:sp>
         <p:nvSpPr>
           <p:cNvPr id="10" name="Título 1">
             <a:extLst>
               <a:ext uri="{FF2B5EF4-FFF2-40B4-BE49-F238E27FC236}">
-                <a16:creationId xmlns="" xmlns:a16="http://schemas.microsoft.com/office/drawing/2014/main" id="{4D3AF533-AD0F-43F7-AC8D-8A056BA291A3}"/>
+                <a16:creationId xmlns:a16="http://schemas.microsoft.com/office/drawing/2014/main" xmlns="" id="{4D3AF533-AD0F-43F7-AC8D-8A056BA291A3}"/>
               </a:ext>
             </a:extLst>
           </p:cNvPr>
@@ -7743,27 +6239,17 @@
             </a:lvl1pPr>
           </a:lstStyle>
           <a:p>
-            <a:pPr algn="ctr"/>
+            <a:pPr algn="r"/>
             <a:r>
               <a:rPr lang="es-MX" b="1" dirty="0" smtClean="0">
                 <a:solidFill>
                   <a:schemeClr val="bg1"/>
                 </a:solidFill>
               </a:rPr>
-              <a:t>Etapa </a:t>
+              <a:t>Etapa 2 </a:t>
             </a:r>
             <a:r>
               <a:rPr lang="es-MX" b="1" dirty="0" smtClean="0">
-                <a:solidFill>
-                  <a:schemeClr val="bg1"/>
-                </a:solidFill>
-                <a:latin typeface="Times New Roman" panose="02020603050405020304" pitchFamily="18" charset="0"/>
-                <a:cs typeface="Times New Roman" panose="02020603050405020304" pitchFamily="18" charset="0"/>
-              </a:rPr>
-              <a:t>II </a:t>
-            </a:r>
-            <a:r>
-              <a:rPr lang="es-MX" b="1" dirty="0">
                 <a:solidFill>
                   <a:schemeClr val="bg1"/>
                 </a:solidFill>
@@ -7773,20 +6259,12 @@
               <a:t>-</a:t>
             </a:r>
             <a:r>
-              <a:rPr lang="es-MX" b="1" dirty="0">
+              <a:rPr lang="es-MX" b="1" dirty="0" smtClean="0">
                 <a:solidFill>
                   <a:schemeClr val="bg1"/>
                 </a:solidFill>
               </a:rPr>
-              <a:t> </a:t>
-            </a:r>
-            <a:r>
-              <a:rPr lang="es-MX" b="1" dirty="0" smtClean="0">
-                <a:solidFill>
-                  <a:schemeClr val="bg1"/>
-                </a:solidFill>
-              </a:rPr>
-              <a:t>Diseño</a:t>
+              <a:t> Diseño</a:t>
             </a:r>
             <a:endParaRPr lang="es-MX" b="1" dirty="0">
               <a:solidFill>
@@ -7796,6 +6274,36 @@
           </a:p>
         </p:txBody>
       </p:sp>
+      <p:pic>
+        <p:nvPicPr>
+          <p:cNvPr id="2" name="Imagen 1"/>
+          <p:cNvPicPr>
+            <a:picLocks noChangeAspect="1"/>
+          </p:cNvPicPr>
+          <p:nvPr/>
+        </p:nvPicPr>
+        <p:blipFill>
+          <a:blip r:embed="rId2">
+            <a:extLst>
+              <a:ext uri="{28A0092B-C50C-407E-A947-70E740481C1C}">
+                <a14:useLocalDpi xmlns:a14="http://schemas.microsoft.com/office/drawing/2010/main" val="0"/>
+              </a:ext>
+            </a:extLst>
+          </a:blip>
+          <a:stretch>
+            <a:fillRect/>
+          </a:stretch>
+        </p:blipFill>
+        <p:spPr>
+          <a:xfrm>
+            <a:off x="0" y="1536484"/>
+            <a:ext cx="12192000" cy="4583459"/>
+          </a:xfrm>
+          <a:prstGeom prst="rect">
+            <a:avLst/>
+          </a:prstGeom>
+        </p:spPr>
+      </p:pic>
     </p:spTree>
     <p:extLst>
       <p:ext uri="{BB962C8B-B14F-4D97-AF65-F5344CB8AC3E}">
@@ -7835,10 +6343,10 @@
       </p:grpSpPr>
       <p:sp>
         <p:nvSpPr>
-          <p:cNvPr id="7" name="CuadroTexto 6">
+          <p:cNvPr id="6" name="CuadroTexto 5">
             <a:extLst>
               <a:ext uri="{FF2B5EF4-FFF2-40B4-BE49-F238E27FC236}">
-                <a16:creationId xmlns="" xmlns:a16="http://schemas.microsoft.com/office/drawing/2014/main" id="{9A9A517C-CD63-4999-91D2-533BFA31F83E}"/>
+                <a16:creationId xmlns:a16="http://schemas.microsoft.com/office/drawing/2014/main" xmlns="" id="{BC049DBC-6933-4F01-99CD-12D18B825504}"/>
               </a:ext>
             </a:extLst>
           </p:cNvPr>
@@ -7847,8 +6355,8 @@
         </p:nvSpPr>
         <p:spPr>
           <a:xfrm>
-            <a:off x="268291" y="1987242"/>
-            <a:ext cx="5462807" cy="4031873"/>
+            <a:off x="7735665" y="1305652"/>
+            <a:ext cx="1923732" cy="461665"/>
           </a:xfrm>
           <a:prstGeom prst="rect">
             <a:avLst/>
@@ -7856,54 +6364,6 @@
           <a:noFill/>
         </p:spPr>
         <p:txBody>
-          <a:bodyPr wrap="square" rtlCol="0">
-            <a:spAutoFit/>
-          </a:bodyPr>
-          <a:lstStyle/>
-          <a:p>
-            <a:pPr algn="ctr"/>
-            <a:r>
-              <a:rPr lang="es-MX" sz="3200" b="1" dirty="0" smtClean="0"/>
-              <a:t>Modelo Entidad Relación</a:t>
-            </a:r>
-          </a:p>
-          <a:p>
-            <a:pPr algn="just"/>
-            <a:endParaRPr lang="es-MX" sz="3200" b="1" dirty="0" smtClean="0"/>
-          </a:p>
-          <a:p>
-            <a:pPr algn="just"/>
-            <a:r>
-              <a:rPr lang="es-CO" sz="3200" dirty="0" smtClean="0"/>
-              <a:t>Para obtener una Base de Datos óptima, se realizó el proceso de normalización y se diseñó el modelo relacional con su respectivo archivo inicial de instalación para la misma.</a:t>
-            </a:r>
-            <a:endParaRPr lang="es-MX" sz="3200" b="1" dirty="0"/>
-          </a:p>
-        </p:txBody>
-      </p:sp>
-      <p:sp>
-        <p:nvSpPr>
-          <p:cNvPr id="8" name="CuadroTexto 7">
-            <a:extLst>
-              <a:ext uri="{FF2B5EF4-FFF2-40B4-BE49-F238E27FC236}">
-                <a16:creationId xmlns="" xmlns:a16="http://schemas.microsoft.com/office/drawing/2014/main" id="{89E46AF4-218E-4E1B-B422-59B657A05EE8}"/>
-              </a:ext>
-            </a:extLst>
-          </p:cNvPr>
-          <p:cNvSpPr txBox="1"/>
-          <p:nvPr/>
-        </p:nvSpPr>
-        <p:spPr>
-          <a:xfrm>
-            <a:off x="6457242" y="6100001"/>
-            <a:ext cx="5102679" cy="461665"/>
-          </a:xfrm>
-          <a:prstGeom prst="rect">
-            <a:avLst/>
-          </a:prstGeom>
-          <a:noFill/>
-        </p:spPr>
-        <p:txBody>
           <a:bodyPr wrap="none" rtlCol="0">
             <a:spAutoFit/>
           </a:bodyPr>
@@ -7911,18 +6371,11 @@
           <a:p>
             <a:pPr algn="just"/>
             <a:r>
-              <a:rPr lang="es-MX" sz="2400" i="1" dirty="0">
-                <a:latin typeface="Times New Roman" panose="02020603050405020304" pitchFamily="18" charset="0"/>
-                <a:cs typeface="Times New Roman" panose="02020603050405020304" pitchFamily="18" charset="0"/>
-              </a:rPr>
-              <a:t>Ilustración 2: </a:t>
-            </a:r>
-            <a:r>
               <a:rPr lang="es-MX" sz="2400" i="1" dirty="0" smtClean="0">
                 <a:latin typeface="Times New Roman" panose="02020603050405020304" pitchFamily="18" charset="0"/>
                 <a:cs typeface="Times New Roman" panose="02020603050405020304" pitchFamily="18" charset="0"/>
               </a:rPr>
-              <a:t>Modelo Entidad Relación</a:t>
+              <a:t>Fuente propia</a:t>
             </a:r>
             <a:endParaRPr lang="es-MX" sz="2400" i="1" dirty="0">
               <a:latin typeface="Times New Roman" panose="02020603050405020304" pitchFamily="18" charset="0"/>
@@ -7933,9 +6386,9 @@
       </p:sp>
       <p:pic>
         <p:nvPicPr>
-          <p:cNvPr id="4" name="Imagen 3"/>
+          <p:cNvPr id="2050" name="Picture 2" descr="cduEstudiantes"/>
           <p:cNvPicPr>
-            <a:picLocks noChangeAspect="1"/>
+            <a:picLocks noChangeAspect="1" noChangeArrowheads="1"/>
           </p:cNvPicPr>
           <p:nvPr/>
         </p:nvPicPr>
@@ -7947,26 +6400,50 @@
               </a:ext>
             </a:extLst>
           </a:blip>
+          <a:srcRect/>
           <a:stretch>
             <a:fillRect/>
           </a:stretch>
         </p:blipFill>
-        <p:spPr>
-          <a:xfrm>
-            <a:off x="6207617" y="1519500"/>
-            <a:ext cx="5364855" cy="4518022"/>
+        <p:spPr bwMode="auto">
+          <a:xfrm>
+            <a:off x="918354" y="1207998"/>
+            <a:ext cx="5126727" cy="5767568"/>
           </a:xfrm>
           <a:prstGeom prst="rect">
             <a:avLst/>
           </a:prstGeom>
+          <a:noFill/>
+          <a:ln>
+            <a:noFill/>
+          </a:ln>
+          <a:extLst>
+            <a:ext uri="{909E8E84-426E-40DD-AFC4-6F175D3DCCD1}">
+              <a14:hiddenFill xmlns:a14="http://schemas.microsoft.com/office/drawing/2010/main">
+                <a:solidFill>
+                  <a:srgbClr val="FFFFFF"/>
+                </a:solidFill>
+              </a14:hiddenFill>
+            </a:ext>
+            <a:ext uri="{91240B29-F687-4F45-9708-019B960494DF}">
+              <a14:hiddenLine xmlns:a14="http://schemas.microsoft.com/office/drawing/2010/main" w="9525">
+                <a:solidFill>
+                  <a:srgbClr val="000000"/>
+                </a:solidFill>
+                <a:miter lim="800000"/>
+                <a:headEnd/>
+                <a:tailEnd/>
+              </a14:hiddenLine>
+            </a:ext>
+          </a:extLst>
         </p:spPr>
       </p:pic>
       <p:sp>
         <p:nvSpPr>
-          <p:cNvPr id="11" name="Título 1">
+          <p:cNvPr id="10" name="Título 1">
             <a:extLst>
               <a:ext uri="{FF2B5EF4-FFF2-40B4-BE49-F238E27FC236}">
-                <a16:creationId xmlns="" xmlns:a16="http://schemas.microsoft.com/office/drawing/2014/main" id="{4D3AF533-AD0F-43F7-AC8D-8A056BA291A3}"/>
+                <a16:creationId xmlns:a16="http://schemas.microsoft.com/office/drawing/2014/main" xmlns="" id="{4D3AF533-AD0F-43F7-AC8D-8A056BA291A3}"/>
               </a:ext>
             </a:extLst>
           </p:cNvPr>
@@ -8008,27 +6485,17 @@
             </a:lvl1pPr>
           </a:lstStyle>
           <a:p>
-            <a:pPr algn="ctr"/>
+            <a:pPr algn="r"/>
             <a:r>
               <a:rPr lang="es-MX" b="1" dirty="0" smtClean="0">
                 <a:solidFill>
                   <a:schemeClr val="bg1"/>
                 </a:solidFill>
               </a:rPr>
-              <a:t>Etapa </a:t>
+              <a:t>Etapa 2 </a:t>
             </a:r>
             <a:r>
               <a:rPr lang="es-MX" b="1" dirty="0" smtClean="0">
-                <a:solidFill>
-                  <a:schemeClr val="bg1"/>
-                </a:solidFill>
-                <a:latin typeface="Times New Roman" panose="02020603050405020304" pitchFamily="18" charset="0"/>
-                <a:cs typeface="Times New Roman" panose="02020603050405020304" pitchFamily="18" charset="0"/>
-              </a:rPr>
-              <a:t>II </a:t>
-            </a:r>
-            <a:r>
-              <a:rPr lang="es-MX" b="1" dirty="0">
                 <a:solidFill>
                   <a:schemeClr val="bg1"/>
                 </a:solidFill>
@@ -8038,20 +6505,12 @@
               <a:t>-</a:t>
             </a:r>
             <a:r>
-              <a:rPr lang="es-MX" b="1" dirty="0">
+              <a:rPr lang="es-MX" b="1" dirty="0" smtClean="0">
                 <a:solidFill>
                   <a:schemeClr val="bg1"/>
                 </a:solidFill>
               </a:rPr>
-              <a:t> </a:t>
-            </a:r>
-            <a:r>
-              <a:rPr lang="es-MX" b="1" dirty="0" smtClean="0">
-                <a:solidFill>
-                  <a:schemeClr val="bg1"/>
-                </a:solidFill>
-              </a:rPr>
-              <a:t>Diseño</a:t>
+              <a:t> Diseño</a:t>
             </a:r>
             <a:endParaRPr lang="es-MX" b="1" dirty="0">
               <a:solidFill>
@@ -8064,7 +6523,7 @@
     </p:spTree>
     <p:extLst>
       <p:ext uri="{BB962C8B-B14F-4D97-AF65-F5344CB8AC3E}">
-        <p14:creationId xmlns:p14="http://schemas.microsoft.com/office/powerpoint/2010/main" val="2480686640"/>
+        <p14:creationId xmlns:p14="http://schemas.microsoft.com/office/powerpoint/2010/main" val="342350040"/>
       </p:ext>
     </p:extLst>
   </p:cSld>
@@ -8098,984 +6557,12 @@
           <a:chExt cx="0" cy="0"/>
         </a:xfrm>
       </p:grpSpPr>
-      <p:graphicFrame>
-        <p:nvGraphicFramePr>
-          <p:cNvPr id="3" name="Tabla 2"/>
-          <p:cNvGraphicFramePr>
-            <a:graphicFrameLocks noGrp="1"/>
-          </p:cNvGraphicFramePr>
-          <p:nvPr>
-            <p:extLst>
-              <p:ext uri="{D42A27DB-BD31-4B8C-83A1-F6EECF244321}">
-                <p14:modId xmlns:p14="http://schemas.microsoft.com/office/powerpoint/2010/main" val="3698547427"/>
-              </p:ext>
-            </p:extLst>
-          </p:nvPr>
-        </p:nvGraphicFramePr>
-        <p:xfrm>
-          <a:off x="253218" y="1560770"/>
-          <a:ext cx="11621457" cy="4607520"/>
-        </p:xfrm>
-        <a:graphic>
-          <a:graphicData uri="http://schemas.openxmlformats.org/drawingml/2006/table">
-            <a:tbl>
-              <a:tblPr>
-                <a:tableStyleId>{5C22544A-7EE6-4342-B048-85BDC9FD1C3A}</a:tableStyleId>
-              </a:tblPr>
-              <a:tblGrid>
-                <a:gridCol w="4103190"/>
-                <a:gridCol w="3185706"/>
-                <a:gridCol w="4332561"/>
-              </a:tblGrid>
-              <a:tr h="373629">
-                <a:tc>
-                  <a:txBody>
-                    <a:bodyPr/>
-                    <a:lstStyle/>
-                    <a:p>
-                      <a:pPr algn="ctr" fontAlgn="b"/>
-                      <a:r>
-                        <a:rPr lang="es-CO" sz="2400" b="1" u="none" strike="noStrike" dirty="0">
-                          <a:effectLst/>
-                        </a:rPr>
-                        <a:t>Herramientas</a:t>
-                      </a:r>
-                      <a:endParaRPr lang="es-CO" sz="2400" b="1" i="0" u="none" strike="noStrike" dirty="0">
-                        <a:solidFill>
-                          <a:srgbClr val="464646"/>
-                        </a:solidFill>
-                        <a:effectLst/>
-                        <a:latin typeface="Calibri" panose="020F0502020204030204" pitchFamily="34" charset="0"/>
-                      </a:endParaRPr>
-                    </a:p>
-                  </a:txBody>
-                  <a:tcPr marL="18200" marR="18200" marT="18200" marB="0" anchor="b"/>
-                </a:tc>
-                <a:tc>
-                  <a:txBody>
-                    <a:bodyPr/>
-                    <a:lstStyle/>
-                    <a:p>
-                      <a:pPr algn="ctr" fontAlgn="b"/>
-                      <a:r>
-                        <a:rPr lang="es-CO" sz="2400" b="1" u="none" strike="noStrike">
-                          <a:effectLst/>
-                        </a:rPr>
-                        <a:t>Lenguajes</a:t>
-                      </a:r>
-                      <a:endParaRPr lang="es-CO" sz="2400" b="1" i="0" u="none" strike="noStrike">
-                        <a:solidFill>
-                          <a:srgbClr val="464646"/>
-                        </a:solidFill>
-                        <a:effectLst/>
-                        <a:latin typeface="Calibri" panose="020F0502020204030204" pitchFamily="34" charset="0"/>
-                      </a:endParaRPr>
-                    </a:p>
-                  </a:txBody>
-                  <a:tcPr marL="18200" marR="18200" marT="18200" marB="0" anchor="b"/>
-                </a:tc>
-                <a:tc>
-                  <a:txBody>
-                    <a:bodyPr/>
-                    <a:lstStyle/>
-                    <a:p>
-                      <a:pPr algn="ctr" fontAlgn="b"/>
-                      <a:r>
-                        <a:rPr lang="es-CO" sz="2400" b="1" u="none" strike="noStrike" dirty="0">
-                          <a:effectLst/>
-                        </a:rPr>
-                        <a:t>Frameworks</a:t>
-                      </a:r>
-                      <a:endParaRPr lang="es-CO" sz="2400" b="1" i="0" u="none" strike="noStrike" dirty="0">
-                        <a:solidFill>
-                          <a:srgbClr val="464646"/>
-                        </a:solidFill>
-                        <a:effectLst/>
-                        <a:latin typeface="Calibri" panose="020F0502020204030204" pitchFamily="34" charset="0"/>
-                      </a:endParaRPr>
-                    </a:p>
-                  </a:txBody>
-                  <a:tcPr marL="18200" marR="18200" marT="18200" marB="0" anchor="b"/>
-                </a:tc>
-              </a:tr>
-              <a:tr h="364857">
-                <a:tc>
-                  <a:txBody>
-                    <a:bodyPr/>
-                    <a:lstStyle/>
-                    <a:p>
-                      <a:pPr algn="ctr" fontAlgn="b"/>
-                      <a:r>
-                        <a:rPr lang="es-CO" sz="2400" u="none" strike="noStrike" dirty="0" smtClean="0">
-                          <a:effectLst/>
-                        </a:rPr>
-                        <a:t>XAMPP - LAMPP</a:t>
-                      </a:r>
-                      <a:endParaRPr lang="es-CO" sz="2400" b="0" i="0" u="none" strike="noStrike" dirty="0">
-                        <a:solidFill>
-                          <a:srgbClr val="464646"/>
-                        </a:solidFill>
-                        <a:effectLst/>
-                        <a:latin typeface="Calibri" panose="020F0502020204030204" pitchFamily="34" charset="0"/>
-                      </a:endParaRPr>
-                    </a:p>
-                  </a:txBody>
-                  <a:tcPr marL="18200" marR="18200" marT="18200" marB="0" anchor="b"/>
-                </a:tc>
-                <a:tc>
-                  <a:txBody>
-                    <a:bodyPr/>
-                    <a:lstStyle/>
-                    <a:p>
-                      <a:pPr algn="ctr" fontAlgn="b"/>
-                      <a:r>
-                        <a:rPr lang="es-CO" sz="2400" u="none" strike="noStrike">
-                          <a:effectLst/>
-                        </a:rPr>
-                        <a:t>HTML</a:t>
-                      </a:r>
-                      <a:endParaRPr lang="es-CO" sz="2400" b="0" i="0" u="none" strike="noStrike">
-                        <a:solidFill>
-                          <a:srgbClr val="464646"/>
-                        </a:solidFill>
-                        <a:effectLst/>
-                        <a:latin typeface="Calibri" panose="020F0502020204030204" pitchFamily="34" charset="0"/>
-                      </a:endParaRPr>
-                    </a:p>
-                  </a:txBody>
-                  <a:tcPr marL="18200" marR="18200" marT="18200" marB="0" anchor="b"/>
-                </a:tc>
-                <a:tc>
-                  <a:txBody>
-                    <a:bodyPr/>
-                    <a:lstStyle/>
-                    <a:p>
-                      <a:pPr algn="ctr" fontAlgn="b"/>
-                      <a:r>
-                        <a:rPr lang="es-CO" sz="2400" u="none" strike="noStrike" dirty="0" smtClean="0">
-                          <a:effectLst/>
-                        </a:rPr>
-                        <a:t>Itextpdf</a:t>
-                      </a:r>
-                      <a:endParaRPr lang="es-CO" sz="2400" b="0" i="0" u="none" strike="noStrike" dirty="0">
-                        <a:solidFill>
-                          <a:srgbClr val="464646"/>
-                        </a:solidFill>
-                        <a:effectLst/>
-                        <a:latin typeface="Calibri" panose="020F0502020204030204" pitchFamily="34" charset="0"/>
-                      </a:endParaRPr>
-                    </a:p>
-                  </a:txBody>
-                  <a:tcPr marL="18200" marR="18200" marT="18200" marB="0" anchor="b"/>
-                </a:tc>
-              </a:tr>
-              <a:tr h="364857">
-                <a:tc>
-                  <a:txBody>
-                    <a:bodyPr/>
-                    <a:lstStyle/>
-                    <a:p>
-                      <a:pPr algn="ctr" fontAlgn="b"/>
-                      <a:r>
-                        <a:rPr lang="es-CO" sz="2400" u="none" strike="noStrike" dirty="0">
-                          <a:effectLst/>
-                        </a:rPr>
-                        <a:t>NetBeans </a:t>
-                      </a:r>
-                      <a:r>
-                        <a:rPr lang="es-CO" sz="2400" u="none" strike="noStrike" dirty="0" smtClean="0">
-                          <a:effectLst/>
-                        </a:rPr>
-                        <a:t>IDE</a:t>
-                      </a:r>
-                      <a:endParaRPr lang="es-CO" sz="2400" b="0" i="0" u="none" strike="noStrike" dirty="0">
-                        <a:solidFill>
-                          <a:srgbClr val="464646"/>
-                        </a:solidFill>
-                        <a:effectLst/>
-                        <a:latin typeface="Calibri" panose="020F0502020204030204" pitchFamily="34" charset="0"/>
-                      </a:endParaRPr>
-                    </a:p>
-                  </a:txBody>
-                  <a:tcPr marL="18200" marR="18200" marT="18200" marB="0" anchor="b"/>
-                </a:tc>
-                <a:tc>
-                  <a:txBody>
-                    <a:bodyPr/>
-                    <a:lstStyle/>
-                    <a:p>
-                      <a:pPr algn="ctr" fontAlgn="b"/>
-                      <a:r>
-                        <a:rPr lang="es-CO" sz="2400" u="none" strike="noStrike">
-                          <a:effectLst/>
-                        </a:rPr>
-                        <a:t>CSS</a:t>
-                      </a:r>
-                      <a:endParaRPr lang="es-CO" sz="2400" b="0" i="0" u="none" strike="noStrike">
-                        <a:solidFill>
-                          <a:srgbClr val="464646"/>
-                        </a:solidFill>
-                        <a:effectLst/>
-                        <a:latin typeface="Calibri" panose="020F0502020204030204" pitchFamily="34" charset="0"/>
-                      </a:endParaRPr>
-                    </a:p>
-                  </a:txBody>
-                  <a:tcPr marL="18200" marR="18200" marT="18200" marB="0" anchor="b"/>
-                </a:tc>
-                <a:tc>
-                  <a:txBody>
-                    <a:bodyPr/>
-                    <a:lstStyle/>
-                    <a:p>
-                      <a:pPr algn="ctr" fontAlgn="b"/>
-                      <a:r>
-                        <a:rPr lang="es-CO" sz="2400" u="none" strike="noStrike" dirty="0" smtClean="0">
-                          <a:effectLst/>
-                        </a:rPr>
-                        <a:t>Jcommon</a:t>
-                      </a:r>
-                      <a:endParaRPr lang="es-CO" sz="2400" b="0" i="0" u="none" strike="noStrike" dirty="0">
-                        <a:solidFill>
-                          <a:srgbClr val="464646"/>
-                        </a:solidFill>
-                        <a:effectLst/>
-                        <a:latin typeface="Calibri" panose="020F0502020204030204" pitchFamily="34" charset="0"/>
-                      </a:endParaRPr>
-                    </a:p>
-                  </a:txBody>
-                  <a:tcPr marL="18200" marR="18200" marT="18200" marB="0" anchor="b"/>
-                </a:tc>
-              </a:tr>
-              <a:tr h="364857">
-                <a:tc>
-                  <a:txBody>
-                    <a:bodyPr/>
-                    <a:lstStyle/>
-                    <a:p>
-                      <a:pPr algn="ctr" fontAlgn="b"/>
-                      <a:r>
-                        <a:rPr lang="es-CO" sz="2400" u="none" strike="noStrike" dirty="0" smtClean="0">
-                          <a:effectLst/>
-                        </a:rPr>
-                        <a:t>Apache Tomcat</a:t>
-                      </a:r>
-                      <a:endParaRPr lang="es-CO" sz="2400" b="0" i="0" u="none" strike="noStrike" dirty="0">
-                        <a:solidFill>
-                          <a:srgbClr val="464646"/>
-                        </a:solidFill>
-                        <a:effectLst/>
-                        <a:latin typeface="Calibri" panose="020F0502020204030204" pitchFamily="34" charset="0"/>
-                      </a:endParaRPr>
-                    </a:p>
-                  </a:txBody>
-                  <a:tcPr marL="18200" marR="18200" marT="18200" marB="0" anchor="b"/>
-                </a:tc>
-                <a:tc>
-                  <a:txBody>
-                    <a:bodyPr/>
-                    <a:lstStyle/>
-                    <a:p>
-                      <a:pPr algn="ctr" fontAlgn="b"/>
-                      <a:r>
-                        <a:rPr lang="es-CO" sz="2400" u="none" strike="noStrike" dirty="0">
-                          <a:effectLst/>
-                        </a:rPr>
-                        <a:t>JS</a:t>
-                      </a:r>
-                      <a:endParaRPr lang="es-CO" sz="2400" b="0" i="0" u="none" strike="noStrike" dirty="0">
-                        <a:solidFill>
-                          <a:srgbClr val="464646"/>
-                        </a:solidFill>
-                        <a:effectLst/>
-                        <a:latin typeface="Calibri" panose="020F0502020204030204" pitchFamily="34" charset="0"/>
-                      </a:endParaRPr>
-                    </a:p>
-                  </a:txBody>
-                  <a:tcPr marL="18200" marR="18200" marT="18200" marB="0" anchor="b"/>
-                </a:tc>
-                <a:tc>
-                  <a:txBody>
-                    <a:bodyPr/>
-                    <a:lstStyle/>
-                    <a:p>
-                      <a:pPr algn="ctr" fontAlgn="b"/>
-                      <a:r>
-                        <a:rPr lang="es-CO" sz="2400" u="none" strike="noStrike" dirty="0" smtClean="0">
-                          <a:effectLst/>
-                        </a:rPr>
-                        <a:t>Jfreechart</a:t>
-                      </a:r>
-                      <a:endParaRPr lang="es-CO" sz="2400" b="0" i="0" u="none" strike="noStrike" dirty="0">
-                        <a:solidFill>
-                          <a:srgbClr val="464646"/>
-                        </a:solidFill>
-                        <a:effectLst/>
-                        <a:latin typeface="Calibri" panose="020F0502020204030204" pitchFamily="34" charset="0"/>
-                      </a:endParaRPr>
-                    </a:p>
-                  </a:txBody>
-                  <a:tcPr marL="18200" marR="18200" marT="18200" marB="0" anchor="b"/>
-                </a:tc>
-              </a:tr>
-              <a:tr h="364857">
-                <a:tc>
-                  <a:txBody>
-                    <a:bodyPr/>
-                    <a:lstStyle/>
-                    <a:p>
-                      <a:pPr algn="ctr" fontAlgn="b"/>
-                      <a:r>
-                        <a:rPr lang="es-CO" sz="2400" u="none" strike="noStrike" dirty="0" smtClean="0">
-                          <a:effectLst/>
-                        </a:rPr>
-                        <a:t>MySQL - Terminator - bash </a:t>
-                      </a:r>
-                      <a:endParaRPr lang="es-CO" sz="2400" b="0" i="0" u="none" strike="noStrike" dirty="0">
-                        <a:solidFill>
-                          <a:srgbClr val="464646"/>
-                        </a:solidFill>
-                        <a:effectLst/>
-                        <a:latin typeface="Calibri" panose="020F0502020204030204" pitchFamily="34" charset="0"/>
-                      </a:endParaRPr>
-                    </a:p>
-                  </a:txBody>
-                  <a:tcPr marL="18200" marR="18200" marT="18200" marB="0" anchor="b"/>
-                </a:tc>
-                <a:tc>
-                  <a:txBody>
-                    <a:bodyPr/>
-                    <a:lstStyle/>
-                    <a:p>
-                      <a:pPr algn="ctr" fontAlgn="b"/>
-                      <a:r>
-                        <a:rPr lang="es-CO" sz="2400" u="none" strike="noStrike" dirty="0">
-                          <a:effectLst/>
-                        </a:rPr>
-                        <a:t>SQL</a:t>
-                      </a:r>
-                      <a:endParaRPr lang="es-CO" sz="2400" b="0" i="0" u="none" strike="noStrike" dirty="0">
-                        <a:solidFill>
-                          <a:srgbClr val="464646"/>
-                        </a:solidFill>
-                        <a:effectLst/>
-                        <a:latin typeface="Calibri" panose="020F0502020204030204" pitchFamily="34" charset="0"/>
-                      </a:endParaRPr>
-                    </a:p>
-                  </a:txBody>
-                  <a:tcPr marL="18200" marR="18200" marT="18200" marB="0" anchor="b"/>
-                </a:tc>
-                <a:tc>
-                  <a:txBody>
-                    <a:bodyPr/>
-                    <a:lstStyle/>
-                    <a:p>
-                      <a:pPr algn="ctr" fontAlgn="b"/>
-                      <a:r>
-                        <a:rPr lang="es-CO" sz="2400" u="none" strike="noStrike" dirty="0" smtClean="0">
-                          <a:effectLst/>
-                        </a:rPr>
-                        <a:t>mysql-</a:t>
-                      </a:r>
-                      <a:r>
-                        <a:rPr lang="es-CO" sz="2400" u="none" strike="noStrike" dirty="0" err="1" smtClean="0">
-                          <a:effectLst/>
-                        </a:rPr>
-                        <a:t>connector</a:t>
-                      </a:r>
-                      <a:r>
-                        <a:rPr lang="es-CO" sz="2400" u="none" strike="noStrike" dirty="0" smtClean="0">
-                          <a:effectLst/>
-                        </a:rPr>
-                        <a:t>-java</a:t>
-                      </a:r>
-                      <a:endParaRPr lang="es-CO" sz="2400" b="0" i="0" u="none" strike="noStrike" dirty="0">
-                        <a:solidFill>
-                          <a:srgbClr val="464646"/>
-                        </a:solidFill>
-                        <a:effectLst/>
-                        <a:latin typeface="Calibri" panose="020F0502020204030204" pitchFamily="34" charset="0"/>
-                      </a:endParaRPr>
-                    </a:p>
-                  </a:txBody>
-                  <a:tcPr marL="18200" marR="18200" marT="18200" marB="0" anchor="b"/>
-                </a:tc>
-              </a:tr>
-              <a:tr h="364857">
-                <a:tc>
-                  <a:txBody>
-                    <a:bodyPr/>
-                    <a:lstStyle/>
-                    <a:p>
-                      <a:pPr algn="ctr" fontAlgn="b"/>
-                      <a:r>
-                        <a:rPr lang="es-CO" sz="2400" u="none" strike="noStrike" dirty="0">
-                          <a:effectLst/>
-                        </a:rPr>
-                        <a:t>MySQL</a:t>
-                      </a:r>
-                      <a:endParaRPr lang="es-CO" sz="2400" b="0" i="0" u="none" strike="noStrike" dirty="0">
-                        <a:solidFill>
-                          <a:srgbClr val="464646"/>
-                        </a:solidFill>
-                        <a:effectLst/>
-                        <a:latin typeface="Calibri" panose="020F0502020204030204" pitchFamily="34" charset="0"/>
-                      </a:endParaRPr>
-                    </a:p>
-                  </a:txBody>
-                  <a:tcPr marL="18200" marR="18200" marT="18200" marB="0" anchor="b"/>
-                </a:tc>
-                <a:tc>
-                  <a:txBody>
-                    <a:bodyPr/>
-                    <a:lstStyle/>
-                    <a:p>
-                      <a:pPr algn="ctr" fontAlgn="b"/>
-                      <a:r>
-                        <a:rPr lang="es-CO" sz="2400" u="none" strike="noStrike" dirty="0">
-                          <a:effectLst/>
-                        </a:rPr>
-                        <a:t>JAVA</a:t>
-                      </a:r>
-                      <a:endParaRPr lang="es-CO" sz="2400" b="0" i="0" u="none" strike="noStrike" dirty="0">
-                        <a:solidFill>
-                          <a:srgbClr val="464646"/>
-                        </a:solidFill>
-                        <a:effectLst/>
-                        <a:latin typeface="Calibri" panose="020F0502020204030204" pitchFamily="34" charset="0"/>
-                      </a:endParaRPr>
-                    </a:p>
-                  </a:txBody>
-                  <a:tcPr marL="18200" marR="18200" marT="18200" marB="0" anchor="b"/>
-                </a:tc>
-                <a:tc>
-                  <a:txBody>
-                    <a:bodyPr/>
-                    <a:lstStyle/>
-                    <a:p>
-                      <a:pPr algn="ctr" fontAlgn="b"/>
-                      <a:r>
-                        <a:rPr lang="es-CO" sz="2400" u="none" strike="noStrike" dirty="0" smtClean="0">
-                          <a:effectLst/>
-                        </a:rPr>
-                        <a:t>Bootstrap</a:t>
-                      </a:r>
-                      <a:endParaRPr lang="es-CO" sz="2400" b="0" i="0" u="none" strike="noStrike" dirty="0">
-                        <a:solidFill>
-                          <a:srgbClr val="464646"/>
-                        </a:solidFill>
-                        <a:effectLst/>
-                        <a:latin typeface="Calibri" panose="020F0502020204030204" pitchFamily="34" charset="0"/>
-                      </a:endParaRPr>
-                    </a:p>
-                  </a:txBody>
-                  <a:tcPr marL="18200" marR="18200" marT="18200" marB="0" anchor="b"/>
-                </a:tc>
-              </a:tr>
-              <a:tr h="364857">
-                <a:tc>
-                  <a:txBody>
-                    <a:bodyPr/>
-                    <a:lstStyle/>
-                    <a:p>
-                      <a:pPr algn="ctr" fontAlgn="b"/>
-                      <a:r>
-                        <a:rPr lang="es-CO" sz="2400" u="none" strike="noStrike" dirty="0">
-                          <a:effectLst/>
-                        </a:rPr>
-                        <a:t>JRE</a:t>
-                      </a:r>
-                      <a:endParaRPr lang="es-CO" sz="2400" b="0" i="0" u="none" strike="noStrike" dirty="0">
-                        <a:solidFill>
-                          <a:srgbClr val="464646"/>
-                        </a:solidFill>
-                        <a:effectLst/>
-                        <a:latin typeface="Calibri" panose="020F0502020204030204" pitchFamily="34" charset="0"/>
-                      </a:endParaRPr>
-                    </a:p>
-                  </a:txBody>
-                  <a:tcPr marL="18200" marR="18200" marT="18200" marB="0" anchor="b"/>
-                </a:tc>
-                <a:tc>
-                  <a:txBody>
-                    <a:bodyPr/>
-                    <a:lstStyle/>
-                    <a:p>
-                      <a:pPr algn="ctr" fontAlgn="b"/>
-                      <a:r>
-                        <a:rPr lang="es-CO" sz="2400" u="none" strike="noStrike" dirty="0">
-                          <a:effectLst/>
-                        </a:rPr>
-                        <a:t> </a:t>
-                      </a:r>
-                      <a:endParaRPr lang="es-CO" sz="2400" b="0" i="0" u="none" strike="noStrike" dirty="0">
-                        <a:solidFill>
-                          <a:srgbClr val="464646"/>
-                        </a:solidFill>
-                        <a:effectLst/>
-                        <a:latin typeface="Calibri" panose="020F0502020204030204" pitchFamily="34" charset="0"/>
-                      </a:endParaRPr>
-                    </a:p>
-                  </a:txBody>
-                  <a:tcPr marL="18200" marR="18200" marT="18200" marB="0" anchor="b"/>
-                </a:tc>
-                <a:tc>
-                  <a:txBody>
-                    <a:bodyPr/>
-                    <a:lstStyle/>
-                    <a:p>
-                      <a:pPr algn="ctr" fontAlgn="b"/>
-                      <a:r>
-                        <a:rPr lang="es-CO" sz="2400" u="none" strike="noStrike" dirty="0" smtClean="0">
-                          <a:effectLst/>
-                        </a:rPr>
-                        <a:t>Jquery</a:t>
-                      </a:r>
-                      <a:endParaRPr lang="es-CO" sz="2400" b="0" i="0" u="none" strike="noStrike" dirty="0">
-                        <a:solidFill>
-                          <a:srgbClr val="464646"/>
-                        </a:solidFill>
-                        <a:effectLst/>
-                        <a:latin typeface="Calibri" panose="020F0502020204030204" pitchFamily="34" charset="0"/>
-                      </a:endParaRPr>
-                    </a:p>
-                  </a:txBody>
-                  <a:tcPr marL="18200" marR="18200" marT="18200" marB="0" anchor="b"/>
-                </a:tc>
-              </a:tr>
-              <a:tr h="364857">
-                <a:tc>
-                  <a:txBody>
-                    <a:bodyPr/>
-                    <a:lstStyle/>
-                    <a:p>
-                      <a:pPr algn="ctr" fontAlgn="b"/>
-                      <a:r>
-                        <a:rPr lang="es-CO" sz="2400" u="none" strike="noStrike" dirty="0">
-                          <a:effectLst/>
-                        </a:rPr>
-                        <a:t>JDK</a:t>
-                      </a:r>
-                      <a:endParaRPr lang="es-CO" sz="2400" b="0" i="0" u="none" strike="noStrike" dirty="0">
-                        <a:solidFill>
-                          <a:srgbClr val="464646"/>
-                        </a:solidFill>
-                        <a:effectLst/>
-                        <a:latin typeface="Calibri" panose="020F0502020204030204" pitchFamily="34" charset="0"/>
-                      </a:endParaRPr>
-                    </a:p>
-                  </a:txBody>
-                  <a:tcPr marL="18200" marR="18200" marT="18200" marB="0" anchor="b"/>
-                </a:tc>
-                <a:tc>
-                  <a:txBody>
-                    <a:bodyPr/>
-                    <a:lstStyle/>
-                    <a:p>
-                      <a:pPr algn="ctr" fontAlgn="b"/>
-                      <a:r>
-                        <a:rPr lang="es-CO" sz="2400" u="none" strike="noStrike" dirty="0">
-                          <a:effectLst/>
-                        </a:rPr>
-                        <a:t> </a:t>
-                      </a:r>
-                      <a:endParaRPr lang="es-CO" sz="2400" b="0" i="0" u="none" strike="noStrike" dirty="0">
-                        <a:solidFill>
-                          <a:srgbClr val="464646"/>
-                        </a:solidFill>
-                        <a:effectLst/>
-                        <a:latin typeface="Calibri" panose="020F0502020204030204" pitchFamily="34" charset="0"/>
-                      </a:endParaRPr>
-                    </a:p>
-                  </a:txBody>
-                  <a:tcPr marL="18200" marR="18200" marT="18200" marB="0" anchor="b"/>
-                </a:tc>
-                <a:tc>
-                  <a:txBody>
-                    <a:bodyPr/>
-                    <a:lstStyle/>
-                    <a:p>
-                      <a:pPr algn="ctr" fontAlgn="b"/>
-                      <a:r>
-                        <a:rPr lang="es-CO" sz="2400" u="none" strike="noStrike" dirty="0" smtClean="0">
-                          <a:effectLst/>
-                        </a:rPr>
-                        <a:t>Grayscale</a:t>
-                      </a:r>
-                      <a:endParaRPr lang="es-CO" sz="2400" b="0" i="0" u="none" strike="noStrike" dirty="0">
-                        <a:solidFill>
-                          <a:srgbClr val="464646"/>
-                        </a:solidFill>
-                        <a:effectLst/>
-                        <a:latin typeface="Calibri" panose="020F0502020204030204" pitchFamily="34" charset="0"/>
-                      </a:endParaRPr>
-                    </a:p>
-                  </a:txBody>
-                  <a:tcPr marL="18200" marR="18200" marT="18200" marB="0" anchor="b"/>
-                </a:tc>
-              </a:tr>
-              <a:tr h="364857">
-                <a:tc>
-                  <a:txBody>
-                    <a:bodyPr/>
-                    <a:lstStyle/>
-                    <a:p>
-                      <a:pPr marL="0" marR="0" indent="0" algn="ctr" defTabSz="914400" rtl="0" eaLnBrk="1" fontAlgn="b" latinLnBrk="0" hangingPunct="1">
-                        <a:lnSpc>
-                          <a:spcPct val="100000"/>
-                        </a:lnSpc>
-                        <a:spcBef>
-                          <a:spcPts val="0"/>
-                        </a:spcBef>
-                        <a:spcAft>
-                          <a:spcPts val="0"/>
-                        </a:spcAft>
-                        <a:buClrTx/>
-                        <a:buSzTx/>
-                        <a:buFontTx/>
-                        <a:buNone/>
-                        <a:tabLst/>
-                        <a:defRPr/>
-                      </a:pPr>
-                      <a:r>
-                        <a:rPr lang="es-CO" sz="2400" u="none" strike="noStrike" dirty="0" smtClean="0">
-                          <a:effectLst/>
-                        </a:rPr>
-                        <a:t>GIT</a:t>
-                      </a:r>
-                      <a:r>
-                        <a:rPr lang="es-CO" sz="2400" u="none" strike="noStrike" baseline="0" dirty="0" smtClean="0">
-                          <a:effectLst/>
-                        </a:rPr>
-                        <a:t> – </a:t>
-                      </a:r>
-                      <a:r>
-                        <a:rPr lang="es-CO" sz="2400" u="none" strike="noStrike" dirty="0" smtClean="0">
-                          <a:effectLst/>
-                        </a:rPr>
-                        <a:t>GitHub</a:t>
-                      </a:r>
-                      <a:endParaRPr lang="es-CO" sz="2400" b="0" i="0" u="none" strike="noStrike" dirty="0" smtClean="0">
-                        <a:solidFill>
-                          <a:srgbClr val="464646"/>
-                        </a:solidFill>
-                        <a:effectLst/>
-                        <a:latin typeface="Calibri" panose="020F0502020204030204" pitchFamily="34" charset="0"/>
-                      </a:endParaRPr>
-                    </a:p>
-                  </a:txBody>
-                  <a:tcPr marL="18200" marR="18200" marT="18200" marB="0" anchor="b"/>
-                </a:tc>
-                <a:tc>
-                  <a:txBody>
-                    <a:bodyPr/>
-                    <a:lstStyle/>
-                    <a:p>
-                      <a:pPr algn="ctr" fontAlgn="b"/>
-                      <a:r>
-                        <a:rPr lang="es-CO" sz="2400" u="none" strike="noStrike">
-                          <a:effectLst/>
-                        </a:rPr>
-                        <a:t> </a:t>
-                      </a:r>
-                      <a:endParaRPr lang="es-CO" sz="2400" b="0" i="0" u="none" strike="noStrike">
-                        <a:solidFill>
-                          <a:srgbClr val="464646"/>
-                        </a:solidFill>
-                        <a:effectLst/>
-                        <a:latin typeface="Calibri" panose="020F0502020204030204" pitchFamily="34" charset="0"/>
-                      </a:endParaRPr>
-                    </a:p>
-                  </a:txBody>
-                  <a:tcPr marL="18200" marR="18200" marT="18200" marB="0" anchor="b"/>
-                </a:tc>
-                <a:tc>
-                  <a:txBody>
-                    <a:bodyPr/>
-                    <a:lstStyle/>
-                    <a:p>
-                      <a:pPr algn="ctr" fontAlgn="b"/>
-                      <a:r>
-                        <a:rPr lang="es-CO" sz="2400" u="none" strike="noStrike" dirty="0" smtClean="0">
-                          <a:effectLst/>
-                        </a:rPr>
-                        <a:t>Google Fonts</a:t>
-                      </a:r>
-                      <a:endParaRPr lang="es-CO" sz="2400" b="0" i="0" u="none" strike="noStrike" dirty="0">
-                        <a:solidFill>
-                          <a:srgbClr val="464646"/>
-                        </a:solidFill>
-                        <a:effectLst/>
-                        <a:latin typeface="Calibri" panose="020F0502020204030204" pitchFamily="34" charset="0"/>
-                      </a:endParaRPr>
-                    </a:p>
-                  </a:txBody>
-                  <a:tcPr marL="18200" marR="18200" marT="18200" marB="0" anchor="b"/>
-                </a:tc>
-              </a:tr>
-              <a:tr h="364857">
-                <a:tc>
-                  <a:txBody>
-                    <a:bodyPr/>
-                    <a:lstStyle/>
-                    <a:p>
-                      <a:pPr marL="0" marR="0" indent="0" algn="ctr" defTabSz="914400" rtl="0" eaLnBrk="1" fontAlgn="b" latinLnBrk="0" hangingPunct="1">
-                        <a:lnSpc>
-                          <a:spcPct val="100000"/>
-                        </a:lnSpc>
-                        <a:spcBef>
-                          <a:spcPts val="0"/>
-                        </a:spcBef>
-                        <a:spcAft>
-                          <a:spcPts val="0"/>
-                        </a:spcAft>
-                        <a:buClrTx/>
-                        <a:buSzTx/>
-                        <a:buFontTx/>
-                        <a:buNone/>
-                        <a:tabLst/>
-                        <a:defRPr/>
-                      </a:pPr>
-                      <a:r>
-                        <a:rPr lang="es-CO" sz="2400" u="none" strike="noStrike" dirty="0" smtClean="0">
-                          <a:effectLst/>
-                        </a:rPr>
-                        <a:t>Mozilla Firefox - Google Chrome</a:t>
-                      </a:r>
-                      <a:endParaRPr lang="es-CO" sz="2400" b="0" i="0" u="none" strike="noStrike" dirty="0" smtClean="0">
-                        <a:solidFill>
-                          <a:srgbClr val="464646"/>
-                        </a:solidFill>
-                        <a:effectLst/>
-                        <a:latin typeface="Calibri" panose="020F0502020204030204" pitchFamily="34" charset="0"/>
-                      </a:endParaRPr>
-                    </a:p>
-                  </a:txBody>
-                  <a:tcPr marL="18200" marR="18200" marT="18200" marB="0" anchor="b"/>
-                </a:tc>
-                <a:tc>
-                  <a:txBody>
-                    <a:bodyPr/>
-                    <a:lstStyle/>
-                    <a:p>
-                      <a:pPr algn="ctr" fontAlgn="b"/>
-                      <a:r>
-                        <a:rPr lang="es-CO" sz="2400" u="none" strike="noStrike">
-                          <a:effectLst/>
-                        </a:rPr>
-                        <a:t> </a:t>
-                      </a:r>
-                      <a:endParaRPr lang="es-CO" sz="2400" b="0" i="0" u="none" strike="noStrike">
-                        <a:solidFill>
-                          <a:srgbClr val="464646"/>
-                        </a:solidFill>
-                        <a:effectLst/>
-                        <a:latin typeface="Calibri" panose="020F0502020204030204" pitchFamily="34" charset="0"/>
-                      </a:endParaRPr>
-                    </a:p>
-                  </a:txBody>
-                  <a:tcPr marL="18200" marR="18200" marT="18200" marB="0" anchor="b"/>
-                </a:tc>
-                <a:tc>
-                  <a:txBody>
-                    <a:bodyPr/>
-                    <a:lstStyle/>
-                    <a:p>
-                      <a:pPr algn="ctr" fontAlgn="b"/>
-                      <a:endParaRPr lang="es-CO" sz="2400" b="0" i="0" u="none" strike="noStrike" dirty="0">
-                        <a:solidFill>
-                          <a:srgbClr val="464646"/>
-                        </a:solidFill>
-                        <a:effectLst/>
-                        <a:latin typeface="Calibri" panose="020F0502020204030204" pitchFamily="34" charset="0"/>
-                      </a:endParaRPr>
-                    </a:p>
-                  </a:txBody>
-                  <a:tcPr marL="18200" marR="18200" marT="18200" marB="0" anchor="b"/>
-                </a:tc>
-              </a:tr>
-              <a:tr h="364857">
-                <a:tc>
-                  <a:txBody>
-                    <a:bodyPr/>
-                    <a:lstStyle/>
-                    <a:p>
-                      <a:pPr marL="0" marR="0" indent="0" algn="ctr" defTabSz="914400" rtl="0" eaLnBrk="1" fontAlgn="b" latinLnBrk="0" hangingPunct="1">
-                        <a:lnSpc>
-                          <a:spcPct val="100000"/>
-                        </a:lnSpc>
-                        <a:spcBef>
-                          <a:spcPts val="0"/>
-                        </a:spcBef>
-                        <a:spcAft>
-                          <a:spcPts val="0"/>
-                        </a:spcAft>
-                        <a:buClrTx/>
-                        <a:buSzTx/>
-                        <a:buFontTx/>
-                        <a:buNone/>
-                        <a:tabLst/>
-                        <a:defRPr/>
-                      </a:pPr>
-                      <a:endParaRPr lang="es-CO" sz="2400" b="0" i="0" u="none" strike="noStrike" dirty="0" smtClean="0">
-                        <a:solidFill>
-                          <a:srgbClr val="464646"/>
-                        </a:solidFill>
-                        <a:effectLst/>
-                        <a:latin typeface="Calibri" panose="020F0502020204030204" pitchFamily="34" charset="0"/>
-                      </a:endParaRPr>
-                    </a:p>
-                  </a:txBody>
-                  <a:tcPr marL="18200" marR="18200" marT="18200" marB="0" anchor="b"/>
-                </a:tc>
-                <a:tc>
-                  <a:txBody>
-                    <a:bodyPr/>
-                    <a:lstStyle/>
-                    <a:p>
-                      <a:pPr algn="ctr" fontAlgn="b"/>
-                      <a:r>
-                        <a:rPr lang="es-CO" sz="2400" u="none" strike="noStrike" dirty="0">
-                          <a:effectLst/>
-                        </a:rPr>
-                        <a:t> </a:t>
-                      </a:r>
-                      <a:endParaRPr lang="es-CO" sz="2400" b="0" i="0" u="none" strike="noStrike" dirty="0">
-                        <a:solidFill>
-                          <a:srgbClr val="464646"/>
-                        </a:solidFill>
-                        <a:effectLst/>
-                        <a:latin typeface="Calibri" panose="020F0502020204030204" pitchFamily="34" charset="0"/>
-                      </a:endParaRPr>
-                    </a:p>
-                  </a:txBody>
-                  <a:tcPr marL="18200" marR="18200" marT="18200" marB="0" anchor="b"/>
-                </a:tc>
-                <a:tc>
-                  <a:txBody>
-                    <a:bodyPr/>
-                    <a:lstStyle/>
-                    <a:p>
-                      <a:pPr algn="ctr" fontAlgn="b"/>
-                      <a:r>
-                        <a:rPr lang="es-CO" sz="2400" u="none" strike="noStrike" dirty="0">
-                          <a:effectLst/>
-                        </a:rPr>
-                        <a:t> </a:t>
-                      </a:r>
-                      <a:endParaRPr lang="es-CO" sz="2400" b="0" i="0" u="none" strike="noStrike" dirty="0">
-                        <a:solidFill>
-                          <a:srgbClr val="464646"/>
-                        </a:solidFill>
-                        <a:effectLst/>
-                        <a:latin typeface="Calibri" panose="020F0502020204030204" pitchFamily="34" charset="0"/>
-                      </a:endParaRPr>
-                    </a:p>
-                  </a:txBody>
-                  <a:tcPr marL="18200" marR="18200" marT="18200" marB="0" anchor="b"/>
-                </a:tc>
-              </a:tr>
-              <a:tr h="364857">
-                <a:tc>
-                  <a:txBody>
-                    <a:bodyPr/>
-                    <a:lstStyle/>
-                    <a:p>
-                      <a:pPr algn="ctr" fontAlgn="b"/>
-                      <a:endParaRPr lang="es-CO" sz="2400" b="0" i="0" u="none" strike="noStrike" dirty="0">
-                        <a:solidFill>
-                          <a:srgbClr val="464646"/>
-                        </a:solidFill>
-                        <a:effectLst/>
-                        <a:latin typeface="Calibri" panose="020F0502020204030204" pitchFamily="34" charset="0"/>
-                      </a:endParaRPr>
-                    </a:p>
-                  </a:txBody>
-                  <a:tcPr marL="18200" marR="18200" marT="18200" marB="0" anchor="b"/>
-                </a:tc>
-                <a:tc>
-                  <a:txBody>
-                    <a:bodyPr/>
-                    <a:lstStyle/>
-                    <a:p>
-                      <a:pPr algn="ctr" fontAlgn="b"/>
-                      <a:endParaRPr lang="es-CO" sz="2400" b="0" i="0" u="none" strike="noStrike" dirty="0">
-                        <a:solidFill>
-                          <a:srgbClr val="464646"/>
-                        </a:solidFill>
-                        <a:effectLst/>
-                        <a:latin typeface="Calibri" panose="020F0502020204030204" pitchFamily="34" charset="0"/>
-                      </a:endParaRPr>
-                    </a:p>
-                  </a:txBody>
-                  <a:tcPr marL="18200" marR="18200" marT="18200" marB="0" anchor="b"/>
-                </a:tc>
-                <a:tc>
-                  <a:txBody>
-                    <a:bodyPr/>
-                    <a:lstStyle/>
-                    <a:p>
-                      <a:pPr algn="ctr" fontAlgn="b"/>
-                      <a:endParaRPr lang="es-CO" sz="2400" b="0" i="0" u="none" strike="noStrike" dirty="0">
-                        <a:solidFill>
-                          <a:srgbClr val="464646"/>
-                        </a:solidFill>
-                        <a:effectLst/>
-                        <a:latin typeface="Calibri" panose="020F0502020204030204" pitchFamily="34" charset="0"/>
-                      </a:endParaRPr>
-                    </a:p>
-                  </a:txBody>
-                  <a:tcPr marL="18200" marR="18200" marT="18200" marB="0" anchor="b"/>
-                </a:tc>
-              </a:tr>
-            </a:tbl>
-          </a:graphicData>
-        </a:graphic>
-      </p:graphicFrame>
-      <p:sp>
-        <p:nvSpPr>
-          <p:cNvPr id="5" name="CuadroTexto 4">
+      <p:sp>
+        <p:nvSpPr>
+          <p:cNvPr id="11" name="Título 1">
             <a:extLst>
               <a:ext uri="{FF2B5EF4-FFF2-40B4-BE49-F238E27FC236}">
-                <a16:creationId xmlns="" xmlns:a16="http://schemas.microsoft.com/office/drawing/2014/main" id="{BC049DBC-6933-4F01-99CD-12D18B825504}"/>
-              </a:ext>
-            </a:extLst>
-          </p:cNvPr>
-          <p:cNvSpPr txBox="1"/>
-          <p:nvPr/>
-        </p:nvSpPr>
-        <p:spPr>
-          <a:xfrm>
-            <a:off x="1856488" y="6298550"/>
-            <a:ext cx="7826373" cy="461665"/>
-          </a:xfrm>
-          <a:prstGeom prst="rect">
-            <a:avLst/>
-          </a:prstGeom>
-          <a:noFill/>
-        </p:spPr>
-        <p:txBody>
-          <a:bodyPr wrap="none" rtlCol="0">
-            <a:spAutoFit/>
-          </a:bodyPr>
-          <a:lstStyle/>
-          <a:p>
-            <a:pPr algn="just"/>
-            <a:r>
-              <a:rPr lang="es-MX" sz="2400" i="1" dirty="0" smtClean="0">
-                <a:latin typeface="Times New Roman" panose="02020603050405020304" pitchFamily="18" charset="0"/>
-                <a:cs typeface="Times New Roman" panose="02020603050405020304" pitchFamily="18" charset="0"/>
-              </a:rPr>
-              <a:t>Tabla 2: Herramientas usadas para el desarrollo del proyecto</a:t>
-            </a:r>
-          </a:p>
-        </p:txBody>
-      </p:sp>
-      <p:sp>
-        <p:nvSpPr>
-          <p:cNvPr id="7" name="Título 1">
-            <a:extLst>
-              <a:ext uri="{FF2B5EF4-FFF2-40B4-BE49-F238E27FC236}">
-                <a16:creationId xmlns="" xmlns:a16="http://schemas.microsoft.com/office/drawing/2014/main" id="{4D3AF533-AD0F-43F7-AC8D-8A056BA291A3}"/>
+                <a16:creationId xmlns:a16="http://schemas.microsoft.com/office/drawing/2014/main" xmlns="" id="{4D3AF533-AD0F-43F7-AC8D-8A056BA291A3}"/>
               </a:ext>
             </a:extLst>
           </p:cNvPr>
@@ -9086,8 +6573,8 @@
         </p:nvSpPr>
         <p:spPr>
           <a:xfrm>
-            <a:off x="5203065" y="0"/>
-            <a:ext cx="6988935" cy="1325563"/>
+            <a:off x="8254652" y="0"/>
+            <a:ext cx="3937348" cy="1325563"/>
           </a:xfrm>
           <a:prstGeom prst="rect">
             <a:avLst/>
@@ -9117,14 +6604,14 @@
             </a:lvl1pPr>
           </a:lstStyle>
           <a:p>
-            <a:pPr algn="ctr"/>
+            <a:pPr algn="r"/>
             <a:r>
               <a:rPr lang="es-MX" b="1" dirty="0" smtClean="0">
                 <a:solidFill>
                   <a:schemeClr val="bg1"/>
                 </a:solidFill>
               </a:rPr>
-              <a:t>Etapa </a:t>
+              <a:t>Etapa 2</a:t>
             </a:r>
             <a:r>
               <a:rPr lang="es-MX" b="1" dirty="0" smtClean="0">
@@ -9134,7 +6621,7 @@
                 <a:latin typeface="Times New Roman" panose="02020603050405020304" pitchFamily="18" charset="0"/>
                 <a:cs typeface="Times New Roman" panose="02020603050405020304" pitchFamily="18" charset="0"/>
               </a:rPr>
-              <a:t>III </a:t>
+              <a:t> </a:t>
             </a:r>
             <a:r>
               <a:rPr lang="es-MX" b="1" dirty="0">
@@ -9160,7 +6647,7 @@
                   <a:schemeClr val="bg1"/>
                 </a:solidFill>
               </a:rPr>
-              <a:t>Codificación</a:t>
+              <a:t>Diseño</a:t>
             </a:r>
             <a:endParaRPr lang="es-MX" b="1" dirty="0">
               <a:solidFill>
@@ -9170,6 +6657,908 @@
           </a:p>
         </p:txBody>
       </p:sp>
+      <p:sp>
+        <p:nvSpPr>
+          <p:cNvPr id="8" name="CuadroTexto 7">
+            <a:extLst>
+              <a:ext uri="{FF2B5EF4-FFF2-40B4-BE49-F238E27FC236}">
+                <a16:creationId xmlns:a16="http://schemas.microsoft.com/office/drawing/2014/main" xmlns="" id="{89E46AF4-218E-4E1B-B422-59B657A05EE8}"/>
+              </a:ext>
+            </a:extLst>
+          </p:cNvPr>
+          <p:cNvSpPr txBox="1"/>
+          <p:nvPr/>
+        </p:nvSpPr>
+        <p:spPr>
+          <a:xfrm>
+            <a:off x="9546268" y="1355724"/>
+            <a:ext cx="2533650" cy="461665"/>
+          </a:xfrm>
+          <a:prstGeom prst="rect">
+            <a:avLst/>
+          </a:prstGeom>
+          <a:noFill/>
+        </p:spPr>
+        <p:txBody>
+          <a:bodyPr wrap="square" rtlCol="0">
+            <a:spAutoFit/>
+          </a:bodyPr>
+          <a:lstStyle/>
+          <a:p>
+            <a:pPr algn="just"/>
+            <a:r>
+              <a:rPr lang="es-MX" sz="2400" b="1" i="1" dirty="0" smtClean="0">
+                <a:latin typeface="Times New Roman" panose="02020603050405020304" pitchFamily="18" charset="0"/>
+                <a:cs typeface="Times New Roman" panose="02020603050405020304" pitchFamily="18" charset="0"/>
+              </a:rPr>
+              <a:t>Fuente</a:t>
+            </a:r>
+            <a:r>
+              <a:rPr lang="es-MX" sz="2400" b="1" i="1" dirty="0">
+                <a:latin typeface="Times New Roman" panose="02020603050405020304" pitchFamily="18" charset="0"/>
+                <a:cs typeface="Times New Roman" panose="02020603050405020304" pitchFamily="18" charset="0"/>
+              </a:rPr>
+              <a:t>:</a:t>
+            </a:r>
+            <a:r>
+              <a:rPr lang="es-MX" sz="2400" b="1" i="1" dirty="0" smtClean="0">
+                <a:latin typeface="Times New Roman" panose="02020603050405020304" pitchFamily="18" charset="0"/>
+                <a:cs typeface="Times New Roman" panose="02020603050405020304" pitchFamily="18" charset="0"/>
+              </a:rPr>
+              <a:t> propia</a:t>
+            </a:r>
+            <a:endParaRPr lang="es-MX" sz="2400" i="1" dirty="0">
+              <a:latin typeface="Times New Roman" panose="02020603050405020304" pitchFamily="18" charset="0"/>
+              <a:cs typeface="Times New Roman" panose="02020603050405020304" pitchFamily="18" charset="0"/>
+            </a:endParaRPr>
+          </a:p>
+        </p:txBody>
+      </p:sp>
+      <p:pic>
+        <p:nvPicPr>
+          <p:cNvPr id="2" name="Imagen 1"/>
+          <p:cNvPicPr>
+            <a:picLocks noChangeAspect="1"/>
+          </p:cNvPicPr>
+          <p:nvPr/>
+        </p:nvPicPr>
+        <p:blipFill>
+          <a:blip r:embed="rId2">
+            <a:extLst>
+              <a:ext uri="{28A0092B-C50C-407E-A947-70E740481C1C}">
+                <a14:useLocalDpi xmlns:a14="http://schemas.microsoft.com/office/drawing/2010/main" val="0"/>
+              </a:ext>
+            </a:extLst>
+          </a:blip>
+          <a:stretch>
+            <a:fillRect/>
+          </a:stretch>
+        </p:blipFill>
+        <p:spPr>
+          <a:xfrm>
+            <a:off x="1723358" y="1325562"/>
+            <a:ext cx="7646072" cy="5532438"/>
+          </a:xfrm>
+          <a:prstGeom prst="rect">
+            <a:avLst/>
+          </a:prstGeom>
+        </p:spPr>
+      </p:pic>
+    </p:spTree>
+    <p:extLst>
+      <p:ext uri="{BB962C8B-B14F-4D97-AF65-F5344CB8AC3E}">
+        <p14:creationId xmlns:p14="http://schemas.microsoft.com/office/powerpoint/2010/main" val="2480686640"/>
+      </p:ext>
+    </p:extLst>
+  </p:cSld>
+  <p:clrMapOvr>
+    <a:masterClrMapping/>
+  </p:clrMapOvr>
+  <p:timing>
+    <p:tnLst>
+      <p:par>
+        <p:cTn id="1" dur="indefinite" restart="never" nodeType="tmRoot"/>
+      </p:par>
+    </p:tnLst>
+  </p:timing>
+</p:sld>
+</file>
+
+<file path=ppt/slides/slide17.xml><?xml version="1.0" encoding="utf-8"?>
+<p:sld xmlns:a="http://schemas.openxmlformats.org/drawingml/2006/main" xmlns:r="http://schemas.openxmlformats.org/officeDocument/2006/relationships" xmlns:p="http://schemas.openxmlformats.org/presentationml/2006/main">
+  <p:cSld>
+    <p:spTree>
+      <p:nvGrpSpPr>
+        <p:cNvPr id="1" name=""/>
+        <p:cNvGrpSpPr/>
+        <p:nvPr/>
+      </p:nvGrpSpPr>
+      <p:grpSpPr>
+        <a:xfrm>
+          <a:off x="0" y="0"/>
+          <a:ext cx="0" cy="0"/>
+          <a:chOff x="0" y="0"/>
+          <a:chExt cx="0" cy="0"/>
+        </a:xfrm>
+      </p:grpSpPr>
+      <p:sp>
+        <p:nvSpPr>
+          <p:cNvPr id="5" name="CuadroTexto 4">
+            <a:extLst>
+              <a:ext uri="{FF2B5EF4-FFF2-40B4-BE49-F238E27FC236}">
+                <a16:creationId xmlns:a16="http://schemas.microsoft.com/office/drawing/2014/main" xmlns="" id="{BC049DBC-6933-4F01-99CD-12D18B825504}"/>
+              </a:ext>
+            </a:extLst>
+          </p:cNvPr>
+          <p:cNvSpPr txBox="1"/>
+          <p:nvPr/>
+        </p:nvSpPr>
+        <p:spPr>
+          <a:xfrm>
+            <a:off x="1344715" y="6298550"/>
+            <a:ext cx="8849923" cy="461665"/>
+          </a:xfrm>
+          <a:prstGeom prst="rect">
+            <a:avLst/>
+          </a:prstGeom>
+          <a:noFill/>
+        </p:spPr>
+        <p:txBody>
+          <a:bodyPr wrap="none" rtlCol="0">
+            <a:spAutoFit/>
+          </a:bodyPr>
+          <a:lstStyle/>
+          <a:p>
+            <a:pPr algn="just"/>
+            <a:r>
+              <a:rPr lang="es-MX" sz="2400" i="1" dirty="0" smtClean="0">
+                <a:latin typeface="Times New Roman" panose="02020603050405020304" pitchFamily="18" charset="0"/>
+                <a:cs typeface="Times New Roman" panose="02020603050405020304" pitchFamily="18" charset="0"/>
+              </a:rPr>
+              <a:t>Herramientas usadas para el desarrollo del proyecto (</a:t>
+            </a:r>
+            <a:r>
+              <a:rPr lang="es-MX" sz="2400" b="1" i="1" dirty="0" smtClean="0">
+                <a:latin typeface="Times New Roman" panose="02020603050405020304" pitchFamily="18" charset="0"/>
+                <a:cs typeface="Times New Roman" panose="02020603050405020304" pitchFamily="18" charset="0"/>
+              </a:rPr>
+              <a:t>Fuente: propia</a:t>
+            </a:r>
+            <a:r>
+              <a:rPr lang="es-MX" sz="2400" i="1" dirty="0" smtClean="0">
+                <a:latin typeface="Times New Roman" panose="02020603050405020304" pitchFamily="18" charset="0"/>
+                <a:cs typeface="Times New Roman" panose="02020603050405020304" pitchFamily="18" charset="0"/>
+              </a:rPr>
+              <a:t>)</a:t>
+            </a:r>
+          </a:p>
+        </p:txBody>
+      </p:sp>
+      <p:sp>
+        <p:nvSpPr>
+          <p:cNvPr id="7" name="Título 1">
+            <a:extLst>
+              <a:ext uri="{FF2B5EF4-FFF2-40B4-BE49-F238E27FC236}">
+                <a16:creationId xmlns:a16="http://schemas.microsoft.com/office/drawing/2014/main" xmlns="" id="{4D3AF533-AD0F-43F7-AC8D-8A056BA291A3}"/>
+              </a:ext>
+            </a:extLst>
+          </p:cNvPr>
+          <p:cNvSpPr txBox="1">
+            <a:spLocks/>
+          </p:cNvSpPr>
+          <p:nvPr/>
+        </p:nvSpPr>
+        <p:spPr>
+          <a:xfrm>
+            <a:off x="7064679" y="0"/>
+            <a:ext cx="5127321" cy="1325563"/>
+          </a:xfrm>
+          <a:prstGeom prst="rect">
+            <a:avLst/>
+          </a:prstGeom>
+        </p:spPr>
+        <p:txBody>
+          <a:bodyPr vert="horz" lIns="91440" tIns="45720" rIns="91440" bIns="45720" rtlCol="0" anchor="ctr">
+            <a:normAutofit/>
+          </a:bodyPr>
+          <a:lstStyle>
+            <a:lvl1pPr algn="l" defTabSz="914400" rtl="0" eaLnBrk="1" latinLnBrk="0" hangingPunct="1">
+              <a:lnSpc>
+                <a:spcPct val="90000"/>
+              </a:lnSpc>
+              <a:spcBef>
+                <a:spcPct val="0"/>
+              </a:spcBef>
+              <a:buNone/>
+              <a:defRPr sz="4400" kern="1200">
+                <a:solidFill>
+                  <a:schemeClr val="tx1"/>
+                </a:solidFill>
+                <a:latin typeface="+mj-lt"/>
+                <a:ea typeface="+mj-ea"/>
+                <a:cs typeface="+mj-cs"/>
+              </a:defRPr>
+            </a:lvl1pPr>
+          </a:lstStyle>
+          <a:p>
+            <a:pPr algn="r"/>
+            <a:r>
+              <a:rPr lang="es-MX" b="1" dirty="0" smtClean="0">
+                <a:solidFill>
+                  <a:schemeClr val="bg1"/>
+                </a:solidFill>
+              </a:rPr>
+              <a:t>Etapa 3</a:t>
+            </a:r>
+            <a:r>
+              <a:rPr lang="es-MX" b="1" dirty="0" smtClean="0">
+                <a:solidFill>
+                  <a:schemeClr val="bg1"/>
+                </a:solidFill>
+                <a:latin typeface="Times New Roman" panose="02020603050405020304" pitchFamily="18" charset="0"/>
+                <a:cs typeface="Times New Roman" panose="02020603050405020304" pitchFamily="18" charset="0"/>
+              </a:rPr>
+              <a:t> </a:t>
+            </a:r>
+            <a:r>
+              <a:rPr lang="es-MX" b="1" dirty="0">
+                <a:solidFill>
+                  <a:schemeClr val="bg1"/>
+                </a:solidFill>
+                <a:latin typeface="Times New Roman" panose="02020603050405020304" pitchFamily="18" charset="0"/>
+                <a:cs typeface="Times New Roman" panose="02020603050405020304" pitchFamily="18" charset="0"/>
+              </a:rPr>
+              <a:t>-</a:t>
+            </a:r>
+            <a:r>
+              <a:rPr lang="es-MX" b="1" dirty="0">
+                <a:solidFill>
+                  <a:schemeClr val="bg1"/>
+                </a:solidFill>
+              </a:rPr>
+              <a:t> </a:t>
+            </a:r>
+            <a:r>
+              <a:rPr lang="es-MX" b="1" dirty="0" smtClean="0">
+                <a:solidFill>
+                  <a:schemeClr val="bg1"/>
+                </a:solidFill>
+              </a:rPr>
+              <a:t>Codificación</a:t>
+            </a:r>
+            <a:endParaRPr lang="es-MX" b="1" dirty="0">
+              <a:solidFill>
+                <a:schemeClr val="bg1"/>
+              </a:solidFill>
+            </a:endParaRPr>
+          </a:p>
+        </p:txBody>
+      </p:sp>
+      <p:graphicFrame>
+        <p:nvGraphicFramePr>
+          <p:cNvPr id="2" name="Tabla 1"/>
+          <p:cNvGraphicFramePr>
+            <a:graphicFrameLocks noGrp="1"/>
+          </p:cNvGraphicFramePr>
+          <p:nvPr>
+            <p:extLst>
+              <p:ext uri="{D42A27DB-BD31-4B8C-83A1-F6EECF244321}">
+                <p14:modId xmlns:p14="http://schemas.microsoft.com/office/powerpoint/2010/main" val="29338669"/>
+              </p:ext>
+            </p:extLst>
+          </p:nvPr>
+        </p:nvGraphicFramePr>
+        <p:xfrm>
+          <a:off x="125259" y="1325560"/>
+          <a:ext cx="11974883" cy="4465320"/>
+        </p:xfrm>
+        <a:graphic>
+          <a:graphicData uri="http://schemas.openxmlformats.org/drawingml/2006/table">
+            <a:tbl>
+              <a:tblPr>
+                <a:tableStyleId>{5C22544A-7EE6-4342-B048-85BDC9FD1C3A}</a:tableStyleId>
+              </a:tblPr>
+              <a:tblGrid>
+                <a:gridCol w="4847574"/>
+                <a:gridCol w="2918564"/>
+                <a:gridCol w="4208745"/>
+              </a:tblGrid>
+              <a:tr h="358180">
+                <a:tc>
+                  <a:txBody>
+                    <a:bodyPr/>
+                    <a:lstStyle/>
+                    <a:p>
+                      <a:pPr algn="ctr" fontAlgn="b"/>
+                      <a:r>
+                        <a:rPr lang="es-CO" sz="3200" u="none" strike="noStrike" dirty="0">
+                          <a:effectLst/>
+                        </a:rPr>
+                        <a:t>Herramientas</a:t>
+                      </a:r>
+                      <a:endParaRPr lang="es-CO" sz="3200" b="0" i="0" u="none" strike="noStrike" dirty="0">
+                        <a:solidFill>
+                          <a:srgbClr val="000000"/>
+                        </a:solidFill>
+                        <a:effectLst/>
+                        <a:latin typeface="Calibri" panose="020F0502020204030204" pitchFamily="34" charset="0"/>
+                      </a:endParaRPr>
+                    </a:p>
+                  </a:txBody>
+                  <a:tcPr marL="9525" marR="9525" marT="9525" marB="0" anchor="b"/>
+                </a:tc>
+                <a:tc>
+                  <a:txBody>
+                    <a:bodyPr/>
+                    <a:lstStyle/>
+                    <a:p>
+                      <a:pPr algn="ctr" fontAlgn="b"/>
+                      <a:r>
+                        <a:rPr lang="es-CO" sz="3200" u="none" strike="noStrike">
+                          <a:effectLst/>
+                        </a:rPr>
+                        <a:t>Lenguajes</a:t>
+                      </a:r>
+                      <a:endParaRPr lang="es-CO" sz="3200" b="0" i="0" u="none" strike="noStrike">
+                        <a:solidFill>
+                          <a:srgbClr val="000000"/>
+                        </a:solidFill>
+                        <a:effectLst/>
+                        <a:latin typeface="Calibri" panose="020F0502020204030204" pitchFamily="34" charset="0"/>
+                      </a:endParaRPr>
+                    </a:p>
+                  </a:txBody>
+                  <a:tcPr marL="9525" marR="9525" marT="9525" marB="0" anchor="b"/>
+                </a:tc>
+                <a:tc>
+                  <a:txBody>
+                    <a:bodyPr/>
+                    <a:lstStyle/>
+                    <a:p>
+                      <a:pPr algn="ctr" fontAlgn="b"/>
+                      <a:r>
+                        <a:rPr lang="es-CO" sz="3200" u="none" strike="noStrike">
+                          <a:effectLst/>
+                        </a:rPr>
+                        <a:t>Frameworks</a:t>
+                      </a:r>
+                      <a:endParaRPr lang="es-CO" sz="3200" b="0" i="0" u="none" strike="noStrike">
+                        <a:solidFill>
+                          <a:srgbClr val="000000"/>
+                        </a:solidFill>
+                        <a:effectLst/>
+                        <a:latin typeface="Calibri" panose="020F0502020204030204" pitchFamily="34" charset="0"/>
+                      </a:endParaRPr>
+                    </a:p>
+                  </a:txBody>
+                  <a:tcPr marL="9525" marR="9525" marT="9525" marB="0" anchor="b"/>
+                </a:tc>
+              </a:tr>
+              <a:tr h="358180">
+                <a:tc>
+                  <a:txBody>
+                    <a:bodyPr/>
+                    <a:lstStyle/>
+                    <a:p>
+                      <a:pPr algn="ctr" fontAlgn="b"/>
+                      <a:r>
+                        <a:rPr lang="es-CO" sz="3200" u="none" strike="noStrike">
+                          <a:effectLst/>
+                        </a:rPr>
+                        <a:t>XAMPP - LAMP</a:t>
+                      </a:r>
+                      <a:endParaRPr lang="es-CO" sz="3200" b="0" i="0" u="none" strike="noStrike">
+                        <a:solidFill>
+                          <a:srgbClr val="000000"/>
+                        </a:solidFill>
+                        <a:effectLst/>
+                        <a:latin typeface="Calibri" panose="020F0502020204030204" pitchFamily="34" charset="0"/>
+                      </a:endParaRPr>
+                    </a:p>
+                  </a:txBody>
+                  <a:tcPr marL="9525" marR="9525" marT="9525" marB="0" anchor="b"/>
+                </a:tc>
+                <a:tc>
+                  <a:txBody>
+                    <a:bodyPr/>
+                    <a:lstStyle/>
+                    <a:p>
+                      <a:pPr algn="ctr" fontAlgn="b"/>
+                      <a:r>
+                        <a:rPr lang="es-CO" sz="3200" u="none" strike="noStrike">
+                          <a:effectLst/>
+                        </a:rPr>
+                        <a:t>HTML</a:t>
+                      </a:r>
+                      <a:endParaRPr lang="es-CO" sz="3200" b="0" i="0" u="none" strike="noStrike">
+                        <a:solidFill>
+                          <a:srgbClr val="000000"/>
+                        </a:solidFill>
+                        <a:effectLst/>
+                        <a:latin typeface="Calibri" panose="020F0502020204030204" pitchFamily="34" charset="0"/>
+                      </a:endParaRPr>
+                    </a:p>
+                  </a:txBody>
+                  <a:tcPr marL="9525" marR="9525" marT="9525" marB="0" anchor="b"/>
+                </a:tc>
+                <a:tc>
+                  <a:txBody>
+                    <a:bodyPr/>
+                    <a:lstStyle/>
+                    <a:p>
+                      <a:pPr algn="ctr" fontAlgn="b"/>
+                      <a:r>
+                        <a:rPr lang="es-CO" sz="3200" u="none" strike="noStrike" dirty="0">
+                          <a:effectLst/>
+                        </a:rPr>
+                        <a:t>I</a:t>
+                      </a:r>
+                      <a:r>
+                        <a:rPr lang="es-CO" sz="3200" u="none" strike="noStrike" dirty="0" smtClean="0">
+                          <a:effectLst/>
+                        </a:rPr>
+                        <a:t>textpdf</a:t>
+                      </a:r>
+                      <a:endParaRPr lang="es-CO" sz="3200" b="0" i="0" u="none" strike="noStrike" dirty="0">
+                        <a:solidFill>
+                          <a:srgbClr val="000000"/>
+                        </a:solidFill>
+                        <a:effectLst/>
+                        <a:latin typeface="Calibri" panose="020F0502020204030204" pitchFamily="34" charset="0"/>
+                      </a:endParaRPr>
+                    </a:p>
+                  </a:txBody>
+                  <a:tcPr marL="9525" marR="9525" marT="9525" marB="0" anchor="b"/>
+                </a:tc>
+              </a:tr>
+              <a:tr h="358180">
+                <a:tc>
+                  <a:txBody>
+                    <a:bodyPr/>
+                    <a:lstStyle/>
+                    <a:p>
+                      <a:pPr algn="ctr" fontAlgn="b"/>
+                      <a:r>
+                        <a:rPr lang="es-CO" sz="3200" u="none" strike="noStrike">
+                          <a:effectLst/>
+                        </a:rPr>
+                        <a:t>NetBeans IDE</a:t>
+                      </a:r>
+                      <a:endParaRPr lang="es-CO" sz="3200" b="0" i="0" u="none" strike="noStrike">
+                        <a:solidFill>
+                          <a:srgbClr val="000000"/>
+                        </a:solidFill>
+                        <a:effectLst/>
+                        <a:latin typeface="Calibri" panose="020F0502020204030204" pitchFamily="34" charset="0"/>
+                      </a:endParaRPr>
+                    </a:p>
+                  </a:txBody>
+                  <a:tcPr marL="9525" marR="9525" marT="9525" marB="0" anchor="b"/>
+                </a:tc>
+                <a:tc>
+                  <a:txBody>
+                    <a:bodyPr/>
+                    <a:lstStyle/>
+                    <a:p>
+                      <a:pPr algn="ctr" fontAlgn="b"/>
+                      <a:r>
+                        <a:rPr lang="es-CO" sz="3200" u="none" strike="noStrike" dirty="0">
+                          <a:effectLst/>
+                        </a:rPr>
+                        <a:t>CSS</a:t>
+                      </a:r>
+                      <a:endParaRPr lang="es-CO" sz="3200" b="0" i="0" u="none" strike="noStrike" dirty="0">
+                        <a:solidFill>
+                          <a:srgbClr val="000000"/>
+                        </a:solidFill>
+                        <a:effectLst/>
+                        <a:latin typeface="Calibri" panose="020F0502020204030204" pitchFamily="34" charset="0"/>
+                      </a:endParaRPr>
+                    </a:p>
+                  </a:txBody>
+                  <a:tcPr marL="9525" marR="9525" marT="9525" marB="0" anchor="b"/>
+                </a:tc>
+                <a:tc>
+                  <a:txBody>
+                    <a:bodyPr/>
+                    <a:lstStyle/>
+                    <a:p>
+                      <a:pPr algn="ctr" fontAlgn="b"/>
+                      <a:r>
+                        <a:rPr lang="es-CO" sz="3200" u="none" strike="noStrike" dirty="0">
+                          <a:effectLst/>
+                        </a:rPr>
+                        <a:t>J</a:t>
+                      </a:r>
+                      <a:r>
+                        <a:rPr lang="es-CO" sz="3200" u="none" strike="noStrike" dirty="0" smtClean="0">
+                          <a:effectLst/>
+                        </a:rPr>
+                        <a:t>common</a:t>
+                      </a:r>
+                      <a:endParaRPr lang="es-CO" sz="3200" b="0" i="0" u="none" strike="noStrike" dirty="0">
+                        <a:solidFill>
+                          <a:srgbClr val="000000"/>
+                        </a:solidFill>
+                        <a:effectLst/>
+                        <a:latin typeface="Calibri" panose="020F0502020204030204" pitchFamily="34" charset="0"/>
+                      </a:endParaRPr>
+                    </a:p>
+                  </a:txBody>
+                  <a:tcPr marL="9525" marR="9525" marT="9525" marB="0" anchor="b"/>
+                </a:tc>
+              </a:tr>
+              <a:tr h="358180">
+                <a:tc>
+                  <a:txBody>
+                    <a:bodyPr/>
+                    <a:lstStyle/>
+                    <a:p>
+                      <a:pPr algn="ctr" fontAlgn="b"/>
+                      <a:r>
+                        <a:rPr lang="es-CO" sz="3200" u="none" strike="noStrike">
+                          <a:effectLst/>
+                        </a:rPr>
+                        <a:t>Apache Tomcat</a:t>
+                      </a:r>
+                      <a:endParaRPr lang="es-CO" sz="3200" b="0" i="0" u="none" strike="noStrike">
+                        <a:solidFill>
+                          <a:srgbClr val="000000"/>
+                        </a:solidFill>
+                        <a:effectLst/>
+                        <a:latin typeface="Calibri" panose="020F0502020204030204" pitchFamily="34" charset="0"/>
+                      </a:endParaRPr>
+                    </a:p>
+                  </a:txBody>
+                  <a:tcPr marL="9525" marR="9525" marT="9525" marB="0" anchor="b"/>
+                </a:tc>
+                <a:tc>
+                  <a:txBody>
+                    <a:bodyPr/>
+                    <a:lstStyle/>
+                    <a:p>
+                      <a:pPr algn="ctr" fontAlgn="b"/>
+                      <a:r>
+                        <a:rPr lang="es-CO" sz="3200" u="none" strike="noStrike" dirty="0">
+                          <a:effectLst/>
+                        </a:rPr>
+                        <a:t>JS</a:t>
+                      </a:r>
+                      <a:endParaRPr lang="es-CO" sz="3200" b="0" i="0" u="none" strike="noStrike" dirty="0">
+                        <a:solidFill>
+                          <a:srgbClr val="000000"/>
+                        </a:solidFill>
+                        <a:effectLst/>
+                        <a:latin typeface="Calibri" panose="020F0502020204030204" pitchFamily="34" charset="0"/>
+                      </a:endParaRPr>
+                    </a:p>
+                  </a:txBody>
+                  <a:tcPr marL="9525" marR="9525" marT="9525" marB="0" anchor="b"/>
+                </a:tc>
+                <a:tc>
+                  <a:txBody>
+                    <a:bodyPr/>
+                    <a:lstStyle/>
+                    <a:p>
+                      <a:pPr algn="ctr" fontAlgn="b"/>
+                      <a:r>
+                        <a:rPr lang="es-CO" sz="3200" u="none" strike="noStrike" dirty="0">
+                          <a:effectLst/>
+                        </a:rPr>
+                        <a:t>J</a:t>
+                      </a:r>
+                      <a:r>
+                        <a:rPr lang="es-CO" sz="3200" u="none" strike="noStrike" dirty="0" smtClean="0">
+                          <a:effectLst/>
+                        </a:rPr>
+                        <a:t>freechart</a:t>
+                      </a:r>
+                      <a:endParaRPr lang="es-CO" sz="3200" b="0" i="0" u="none" strike="noStrike" dirty="0">
+                        <a:solidFill>
+                          <a:srgbClr val="000000"/>
+                        </a:solidFill>
+                        <a:effectLst/>
+                        <a:latin typeface="Calibri" panose="020F0502020204030204" pitchFamily="34" charset="0"/>
+                      </a:endParaRPr>
+                    </a:p>
+                  </a:txBody>
+                  <a:tcPr marL="9525" marR="9525" marT="9525" marB="0" anchor="b"/>
+                </a:tc>
+              </a:tr>
+              <a:tr h="358180">
+                <a:tc>
+                  <a:txBody>
+                    <a:bodyPr/>
+                    <a:lstStyle/>
+                    <a:p>
+                      <a:pPr algn="ctr" fontAlgn="b"/>
+                      <a:r>
+                        <a:rPr lang="es-CO" sz="3200" u="none" strike="noStrike">
+                          <a:effectLst/>
+                        </a:rPr>
+                        <a:t>Terminator - bash - mYsql</a:t>
+                      </a:r>
+                      <a:endParaRPr lang="es-CO" sz="3200" b="0" i="0" u="none" strike="noStrike">
+                        <a:solidFill>
+                          <a:srgbClr val="000000"/>
+                        </a:solidFill>
+                        <a:effectLst/>
+                        <a:latin typeface="Calibri" panose="020F0502020204030204" pitchFamily="34" charset="0"/>
+                      </a:endParaRPr>
+                    </a:p>
+                  </a:txBody>
+                  <a:tcPr marL="9525" marR="9525" marT="9525" marB="0" anchor="b"/>
+                </a:tc>
+                <a:tc>
+                  <a:txBody>
+                    <a:bodyPr/>
+                    <a:lstStyle/>
+                    <a:p>
+                      <a:pPr algn="ctr" fontAlgn="b"/>
+                      <a:r>
+                        <a:rPr lang="es-CO" sz="3200" u="none" strike="noStrike">
+                          <a:effectLst/>
+                        </a:rPr>
+                        <a:t>SQL</a:t>
+                      </a:r>
+                      <a:endParaRPr lang="es-CO" sz="3200" b="0" i="0" u="none" strike="noStrike">
+                        <a:solidFill>
+                          <a:srgbClr val="000000"/>
+                        </a:solidFill>
+                        <a:effectLst/>
+                        <a:latin typeface="Calibri" panose="020F0502020204030204" pitchFamily="34" charset="0"/>
+                      </a:endParaRPr>
+                    </a:p>
+                  </a:txBody>
+                  <a:tcPr marL="9525" marR="9525" marT="9525" marB="0" anchor="b"/>
+                </a:tc>
+                <a:tc>
+                  <a:txBody>
+                    <a:bodyPr/>
+                    <a:lstStyle/>
+                    <a:p>
+                      <a:pPr algn="ctr" fontAlgn="b"/>
+                      <a:r>
+                        <a:rPr lang="es-CO" sz="3200" u="none" strike="noStrike" dirty="0">
+                          <a:effectLst/>
+                        </a:rPr>
+                        <a:t>mysql-connector-java</a:t>
+                      </a:r>
+                      <a:endParaRPr lang="es-CO" sz="3200" b="0" i="0" u="none" strike="noStrike" dirty="0">
+                        <a:solidFill>
+                          <a:srgbClr val="000000"/>
+                        </a:solidFill>
+                        <a:effectLst/>
+                        <a:latin typeface="Calibri" panose="020F0502020204030204" pitchFamily="34" charset="0"/>
+                      </a:endParaRPr>
+                    </a:p>
+                  </a:txBody>
+                  <a:tcPr marL="9525" marR="9525" marT="9525" marB="0" anchor="b"/>
+                </a:tc>
+              </a:tr>
+              <a:tr h="358180">
+                <a:tc>
+                  <a:txBody>
+                    <a:bodyPr/>
+                    <a:lstStyle/>
+                    <a:p>
+                      <a:pPr algn="ctr" fontAlgn="b"/>
+                      <a:r>
+                        <a:rPr lang="es-CO" sz="3200" u="none" strike="noStrike">
+                          <a:effectLst/>
+                        </a:rPr>
+                        <a:t>JRE - JDK</a:t>
+                      </a:r>
+                      <a:endParaRPr lang="es-CO" sz="3200" b="0" i="0" u="none" strike="noStrike">
+                        <a:solidFill>
+                          <a:srgbClr val="000000"/>
+                        </a:solidFill>
+                        <a:effectLst/>
+                        <a:latin typeface="Calibri" panose="020F0502020204030204" pitchFamily="34" charset="0"/>
+                      </a:endParaRPr>
+                    </a:p>
+                  </a:txBody>
+                  <a:tcPr marL="9525" marR="9525" marT="9525" marB="0" anchor="b"/>
+                </a:tc>
+                <a:tc>
+                  <a:txBody>
+                    <a:bodyPr/>
+                    <a:lstStyle/>
+                    <a:p>
+                      <a:pPr algn="ctr" fontAlgn="b"/>
+                      <a:r>
+                        <a:rPr lang="es-CO" sz="3200" u="none" strike="noStrike">
+                          <a:effectLst/>
+                        </a:rPr>
+                        <a:t>JAVA</a:t>
+                      </a:r>
+                      <a:endParaRPr lang="es-CO" sz="3200" b="0" i="0" u="none" strike="noStrike">
+                        <a:solidFill>
+                          <a:srgbClr val="000000"/>
+                        </a:solidFill>
+                        <a:effectLst/>
+                        <a:latin typeface="Calibri" panose="020F0502020204030204" pitchFamily="34" charset="0"/>
+                      </a:endParaRPr>
+                    </a:p>
+                  </a:txBody>
+                  <a:tcPr marL="9525" marR="9525" marT="9525" marB="0" anchor="b"/>
+                </a:tc>
+                <a:tc>
+                  <a:txBody>
+                    <a:bodyPr/>
+                    <a:lstStyle/>
+                    <a:p>
+                      <a:pPr algn="ctr" fontAlgn="b"/>
+                      <a:r>
+                        <a:rPr lang="es-CO" sz="3200" u="none" strike="noStrike" dirty="0">
+                          <a:effectLst/>
+                        </a:rPr>
+                        <a:t>B</a:t>
+                      </a:r>
+                      <a:r>
+                        <a:rPr lang="es-CO" sz="3200" u="none" strike="noStrike" dirty="0" smtClean="0">
+                          <a:effectLst/>
+                        </a:rPr>
+                        <a:t>ootstrap</a:t>
+                      </a:r>
+                      <a:endParaRPr lang="es-CO" sz="3200" b="0" i="0" u="none" strike="noStrike" dirty="0">
+                        <a:solidFill>
+                          <a:srgbClr val="000000"/>
+                        </a:solidFill>
+                        <a:effectLst/>
+                        <a:latin typeface="Calibri" panose="020F0502020204030204" pitchFamily="34" charset="0"/>
+                      </a:endParaRPr>
+                    </a:p>
+                  </a:txBody>
+                  <a:tcPr marL="9525" marR="9525" marT="9525" marB="0" anchor="b"/>
+                </a:tc>
+              </a:tr>
+              <a:tr h="358180">
+                <a:tc>
+                  <a:txBody>
+                    <a:bodyPr/>
+                    <a:lstStyle/>
+                    <a:p>
+                      <a:pPr algn="ctr" fontAlgn="b"/>
+                      <a:r>
+                        <a:rPr lang="es-CO" sz="3200" u="none" strike="noStrike">
+                          <a:effectLst/>
+                        </a:rPr>
+                        <a:t>GitHub</a:t>
+                      </a:r>
+                      <a:endParaRPr lang="es-CO" sz="3200" b="0" i="0" u="none" strike="noStrike">
+                        <a:solidFill>
+                          <a:srgbClr val="000000"/>
+                        </a:solidFill>
+                        <a:effectLst/>
+                        <a:latin typeface="Calibri" panose="020F0502020204030204" pitchFamily="34" charset="0"/>
+                      </a:endParaRPr>
+                    </a:p>
+                  </a:txBody>
+                  <a:tcPr marL="9525" marR="9525" marT="9525" marB="0" anchor="b"/>
+                </a:tc>
+                <a:tc>
+                  <a:txBody>
+                    <a:bodyPr/>
+                    <a:lstStyle/>
+                    <a:p>
+                      <a:pPr algn="ctr" fontAlgn="b"/>
+                      <a:r>
+                        <a:rPr lang="es-CO" sz="3200" u="none" strike="noStrike">
+                          <a:effectLst/>
+                        </a:rPr>
+                        <a:t> </a:t>
+                      </a:r>
+                      <a:endParaRPr lang="es-CO" sz="3200" b="0" i="0" u="none" strike="noStrike">
+                        <a:solidFill>
+                          <a:srgbClr val="000000"/>
+                        </a:solidFill>
+                        <a:effectLst/>
+                        <a:latin typeface="Calibri" panose="020F0502020204030204" pitchFamily="34" charset="0"/>
+                      </a:endParaRPr>
+                    </a:p>
+                  </a:txBody>
+                  <a:tcPr marL="9525" marR="9525" marT="9525" marB="0" anchor="b"/>
+                </a:tc>
+                <a:tc>
+                  <a:txBody>
+                    <a:bodyPr/>
+                    <a:lstStyle/>
+                    <a:p>
+                      <a:pPr algn="ctr" fontAlgn="b"/>
+                      <a:r>
+                        <a:rPr lang="es-CO" sz="3200" u="none" strike="noStrike" dirty="0" smtClean="0">
+                          <a:effectLst/>
+                        </a:rPr>
+                        <a:t>Jquery</a:t>
+                      </a:r>
+                      <a:endParaRPr lang="es-CO" sz="3200" b="0" i="0" u="none" strike="noStrike" dirty="0">
+                        <a:solidFill>
+                          <a:srgbClr val="000000"/>
+                        </a:solidFill>
+                        <a:effectLst/>
+                        <a:latin typeface="Calibri" panose="020F0502020204030204" pitchFamily="34" charset="0"/>
+                      </a:endParaRPr>
+                    </a:p>
+                  </a:txBody>
+                  <a:tcPr marL="9525" marR="9525" marT="9525" marB="0" anchor="b"/>
+                </a:tc>
+              </a:tr>
+              <a:tr h="358180">
+                <a:tc>
+                  <a:txBody>
+                    <a:bodyPr/>
+                    <a:lstStyle/>
+                    <a:p>
+                      <a:pPr algn="ctr" fontAlgn="b"/>
+                      <a:r>
+                        <a:rPr lang="es-CO" sz="3200" u="none" strike="noStrike">
+                          <a:effectLst/>
+                        </a:rPr>
+                        <a:t>Mozilla Firefox - Google Chrome</a:t>
+                      </a:r>
+                      <a:endParaRPr lang="es-CO" sz="3200" b="0" i="0" u="none" strike="noStrike">
+                        <a:solidFill>
+                          <a:srgbClr val="000000"/>
+                        </a:solidFill>
+                        <a:effectLst/>
+                        <a:latin typeface="Calibri" panose="020F0502020204030204" pitchFamily="34" charset="0"/>
+                      </a:endParaRPr>
+                    </a:p>
+                  </a:txBody>
+                  <a:tcPr marL="9525" marR="9525" marT="9525" marB="0" anchor="b"/>
+                </a:tc>
+                <a:tc>
+                  <a:txBody>
+                    <a:bodyPr/>
+                    <a:lstStyle/>
+                    <a:p>
+                      <a:pPr algn="ctr" fontAlgn="b"/>
+                      <a:r>
+                        <a:rPr lang="es-CO" sz="3200" u="none" strike="noStrike">
+                          <a:effectLst/>
+                        </a:rPr>
+                        <a:t> </a:t>
+                      </a:r>
+                      <a:endParaRPr lang="es-CO" sz="3200" b="0" i="0" u="none" strike="noStrike">
+                        <a:solidFill>
+                          <a:srgbClr val="000000"/>
+                        </a:solidFill>
+                        <a:effectLst/>
+                        <a:latin typeface="Calibri" panose="020F0502020204030204" pitchFamily="34" charset="0"/>
+                      </a:endParaRPr>
+                    </a:p>
+                  </a:txBody>
+                  <a:tcPr marL="9525" marR="9525" marT="9525" marB="0" anchor="b"/>
+                </a:tc>
+                <a:tc>
+                  <a:txBody>
+                    <a:bodyPr/>
+                    <a:lstStyle/>
+                    <a:p>
+                      <a:pPr algn="ctr" fontAlgn="b"/>
+                      <a:r>
+                        <a:rPr lang="es-CO" sz="3200" u="none" strike="noStrike" dirty="0">
+                          <a:effectLst/>
+                        </a:rPr>
+                        <a:t>Grayscale</a:t>
+                      </a:r>
+                      <a:endParaRPr lang="es-CO" sz="3200" b="0" i="0" u="none" strike="noStrike" dirty="0">
+                        <a:solidFill>
+                          <a:srgbClr val="000000"/>
+                        </a:solidFill>
+                        <a:effectLst/>
+                        <a:latin typeface="Calibri" panose="020F0502020204030204" pitchFamily="34" charset="0"/>
+                      </a:endParaRPr>
+                    </a:p>
+                  </a:txBody>
+                  <a:tcPr marL="9525" marR="9525" marT="9525" marB="0" anchor="b"/>
+                </a:tc>
+              </a:tr>
+            </a:tbl>
+          </a:graphicData>
+        </a:graphic>
+      </p:graphicFrame>
     </p:spTree>
     <p:extLst>
       <p:ext uri="{BB962C8B-B14F-4D97-AF65-F5344CB8AC3E}">
@@ -9190,7 +7579,7 @@
 </p:sld>
 </file>
 
-<file path=ppt/slides/slide17.xml><?xml version="1.0" encoding="utf-8"?>
+<file path=ppt/slides/slide18.xml><?xml version="1.0" encoding="utf-8"?>
 <p:sld xmlns:a="http://schemas.openxmlformats.org/drawingml/2006/main" xmlns:r="http://schemas.openxmlformats.org/officeDocument/2006/relationships" xmlns:p="http://schemas.openxmlformats.org/presentationml/2006/main">
   <p:cSld>
     <p:spTree>
@@ -9973,7 +8362,7 @@
           <p:cNvPr id="25" name="Título 1">
             <a:extLst>
               <a:ext uri="{FF2B5EF4-FFF2-40B4-BE49-F238E27FC236}">
-                <a16:creationId xmlns="" xmlns:a16="http://schemas.microsoft.com/office/drawing/2014/main" id="{4D3AF533-AD0F-43F7-AC8D-8A056BA291A3}"/>
+                <a16:creationId xmlns:a16="http://schemas.microsoft.com/office/drawing/2014/main" xmlns="" id="{4D3AF533-AD0F-43F7-AC8D-8A056BA291A3}"/>
               </a:ext>
             </a:extLst>
           </p:cNvPr>
@@ -10015,14 +8404,14 @@
             </a:lvl1pPr>
           </a:lstStyle>
           <a:p>
-            <a:pPr algn="ctr"/>
+            <a:pPr algn="r"/>
             <a:r>
               <a:rPr lang="es-MX" b="1" dirty="0" smtClean="0">
                 <a:solidFill>
                   <a:schemeClr val="bg1"/>
                 </a:solidFill>
               </a:rPr>
-              <a:t>Etapa </a:t>
+              <a:t>Etapa 3</a:t>
             </a:r>
             <a:r>
               <a:rPr lang="es-MX" b="1" dirty="0" smtClean="0">
@@ -10032,7 +8421,7 @@
                 <a:latin typeface="Times New Roman" panose="02020603050405020304" pitchFamily="18" charset="0"/>
                 <a:cs typeface="Times New Roman" panose="02020603050405020304" pitchFamily="18" charset="0"/>
               </a:rPr>
-              <a:t>III </a:t>
+              <a:t> </a:t>
             </a:r>
             <a:r>
               <a:rPr lang="es-MX" b="1" dirty="0">
@@ -10072,118 +8461,6 @@
     <p:extLst>
       <p:ext uri="{BB962C8B-B14F-4D97-AF65-F5344CB8AC3E}">
         <p14:creationId xmlns:p14="http://schemas.microsoft.com/office/powerpoint/2010/main" val="136952605"/>
-      </p:ext>
-    </p:extLst>
-  </p:cSld>
-  <p:clrMapOvr>
-    <a:masterClrMapping/>
-  </p:clrMapOvr>
-  <p:timing>
-    <p:tnLst>
-      <p:par>
-        <p:cTn id="1" dur="indefinite" restart="never" nodeType="tmRoot"/>
-      </p:par>
-    </p:tnLst>
-  </p:timing>
-</p:sld>
-</file>
-
-<file path=ppt/slides/slide18.xml><?xml version="1.0" encoding="utf-8"?>
-<p:sld xmlns:a="http://schemas.openxmlformats.org/drawingml/2006/main" xmlns:r="http://schemas.openxmlformats.org/officeDocument/2006/relationships" xmlns:p="http://schemas.openxmlformats.org/presentationml/2006/main">
-  <p:cSld>
-    <p:spTree>
-      <p:nvGrpSpPr>
-        <p:cNvPr id="1" name=""/>
-        <p:cNvGrpSpPr/>
-        <p:nvPr/>
-      </p:nvGrpSpPr>
-      <p:grpSpPr>
-        <a:xfrm>
-          <a:off x="0" y="0"/>
-          <a:ext cx="0" cy="0"/>
-          <a:chOff x="0" y="0"/>
-          <a:chExt cx="0" cy="0"/>
-        </a:xfrm>
-      </p:grpSpPr>
-      <p:sp>
-        <p:nvSpPr>
-          <p:cNvPr id="2" name="Título 1">
-            <a:extLst>
-              <a:ext uri="{FF2B5EF4-FFF2-40B4-BE49-F238E27FC236}">
-                <a16:creationId xmlns="" xmlns:a16="http://schemas.microsoft.com/office/drawing/2014/main" id="{66349900-D031-47AB-BEDC-4E081B677983}"/>
-              </a:ext>
-            </a:extLst>
-          </p:cNvPr>
-          <p:cNvSpPr>
-            <a:spLocks noGrp="1"/>
-          </p:cNvSpPr>
-          <p:nvPr>
-            <p:ph type="title"/>
-          </p:nvPr>
-        </p:nvSpPr>
-        <p:spPr>
-          <a:xfrm>
-            <a:off x="4107542" y="303892"/>
-            <a:ext cx="8084457" cy="726621"/>
-          </a:xfrm>
-        </p:spPr>
-        <p:txBody>
-          <a:bodyPr>
-            <a:normAutofit/>
-          </a:bodyPr>
-          <a:lstStyle/>
-          <a:p>
-            <a:pPr algn="ctr"/>
-            <a:r>
-              <a:rPr lang="es-MX" b="1" dirty="0" smtClean="0">
-                <a:solidFill>
-                  <a:schemeClr val="bg1"/>
-                </a:solidFill>
-              </a:rPr>
-              <a:t>Etapa IV - Pruebas - Administrador</a:t>
-            </a:r>
-            <a:endParaRPr lang="es-MX" b="1" dirty="0">
-              <a:solidFill>
-                <a:schemeClr val="bg1"/>
-              </a:solidFill>
-            </a:endParaRPr>
-          </a:p>
-        </p:txBody>
-      </p:sp>
-      <p:pic>
-        <p:nvPicPr>
-          <p:cNvPr id="5" name="Imagen 4"/>
-          <p:cNvPicPr>
-            <a:picLocks noChangeAspect="1"/>
-          </p:cNvPicPr>
-          <p:nvPr/>
-        </p:nvPicPr>
-        <p:blipFill>
-          <a:blip r:embed="rId2">
-            <a:extLst>
-              <a:ext uri="{28A0092B-C50C-407E-A947-70E740481C1C}">
-                <a14:useLocalDpi xmlns:a14="http://schemas.microsoft.com/office/drawing/2010/main" val="0"/>
-              </a:ext>
-            </a:extLst>
-          </a:blip>
-          <a:stretch>
-            <a:fillRect/>
-          </a:stretch>
-        </p:blipFill>
-        <p:spPr>
-          <a:xfrm>
-            <a:off x="1883163" y="1279099"/>
-            <a:ext cx="8299353" cy="5578901"/>
-          </a:xfrm>
-          <a:prstGeom prst="rect">
-            <a:avLst/>
-          </a:prstGeom>
-        </p:spPr>
-      </p:pic>
-    </p:spTree>
-    <p:extLst>
-      <p:ext uri="{BB962C8B-B14F-4D97-AF65-F5344CB8AC3E}">
-        <p14:creationId xmlns:p14="http://schemas.microsoft.com/office/powerpoint/2010/main" val="1778929519"/>
       </p:ext>
     </p:extLst>
   </p:cSld>
@@ -10217,42 +8494,12 @@
           <a:chExt cx="0" cy="0"/>
         </a:xfrm>
       </p:grpSpPr>
-      <p:pic>
-        <p:nvPicPr>
-          <p:cNvPr id="7" name="Imagen 6"/>
-          <p:cNvPicPr>
-            <a:picLocks noChangeAspect="1"/>
-          </p:cNvPicPr>
-          <p:nvPr/>
-        </p:nvPicPr>
-        <p:blipFill>
-          <a:blip r:embed="rId2">
-            <a:extLst>
-              <a:ext uri="{28A0092B-C50C-407E-A947-70E740481C1C}">
-                <a14:useLocalDpi xmlns:a14="http://schemas.microsoft.com/office/drawing/2010/main" val="0"/>
-              </a:ext>
-            </a:extLst>
-          </a:blip>
-          <a:stretch>
-            <a:fillRect/>
-          </a:stretch>
-        </p:blipFill>
-        <p:spPr>
-          <a:xfrm>
-            <a:off x="1042467" y="1276350"/>
-            <a:ext cx="9927777" cy="5581650"/>
-          </a:xfrm>
-          <a:prstGeom prst="rect">
-            <a:avLst/>
-          </a:prstGeom>
-        </p:spPr>
-      </p:pic>
-      <p:sp>
-        <p:nvSpPr>
-          <p:cNvPr id="9" name="Título 1">
+      <p:sp>
+        <p:nvSpPr>
+          <p:cNvPr id="4" name="Título 1">
             <a:extLst>
               <a:ext uri="{FF2B5EF4-FFF2-40B4-BE49-F238E27FC236}">
-                <a16:creationId xmlns="" xmlns:a16="http://schemas.microsoft.com/office/drawing/2014/main" id="{66349900-D031-47AB-BEDC-4E081B677983}"/>
+                <a16:creationId xmlns:a16="http://schemas.microsoft.com/office/drawing/2014/main" xmlns="" id="{F194AB6A-55E1-4B44-A983-8BC6AA65E29D}"/>
               </a:ext>
             </a:extLst>
           </p:cNvPr>
@@ -10265,24 +8512,22 @@
         </p:nvSpPr>
         <p:spPr>
           <a:xfrm>
-            <a:off x="4107542" y="303892"/>
-            <a:ext cx="8084457" cy="726621"/>
-          </a:xfrm>
-        </p:spPr>
-        <p:txBody>
-          <a:bodyPr>
-            <a:normAutofit/>
-          </a:bodyPr>
+            <a:off x="7716033" y="18255"/>
+            <a:ext cx="4475966" cy="1325563"/>
+          </a:xfrm>
+        </p:spPr>
+        <p:txBody>
+          <a:bodyPr/>
           <a:lstStyle/>
           <a:p>
-            <a:pPr algn="ctr"/>
+            <a:pPr algn="r"/>
             <a:r>
               <a:rPr lang="es-MX" b="1" dirty="0" smtClean="0">
                 <a:solidFill>
                   <a:schemeClr val="bg1"/>
                 </a:solidFill>
               </a:rPr>
-              <a:t>Etapa IV - Pruebas - Administrador</a:t>
+              <a:t>¿Qué es SICACEST?</a:t>
             </a:r>
             <a:endParaRPr lang="es-MX" b="1" dirty="0">
               <a:solidFill>
@@ -10292,10 +8537,111 @@
           </a:p>
         </p:txBody>
       </p:sp>
+      <p:sp>
+        <p:nvSpPr>
+          <p:cNvPr id="7" name="Marcador de contenido 2">
+            <a:extLst>
+              <a:ext uri="{FF2B5EF4-FFF2-40B4-BE49-F238E27FC236}">
+                <a16:creationId xmlns:a16="http://schemas.microsoft.com/office/drawing/2014/main" xmlns="" id="{9044A195-81E2-4535-8AF2-A32F3CBDD8E6}"/>
+              </a:ext>
+            </a:extLst>
+          </p:cNvPr>
+          <p:cNvSpPr>
+            <a:spLocks noGrp="1"/>
+          </p:cNvSpPr>
+          <p:nvPr>
+            <p:ph idx="1"/>
+          </p:nvPr>
+        </p:nvSpPr>
+        <p:spPr>
+          <a:xfrm>
+            <a:off x="551145" y="3467792"/>
+            <a:ext cx="11323529" cy="3033215"/>
+          </a:xfrm>
+        </p:spPr>
+        <p:txBody>
+          <a:bodyPr>
+            <a:noAutofit/>
+          </a:bodyPr>
+          <a:lstStyle/>
+          <a:p>
+            <a:pPr algn="just"/>
+            <a:r>
+              <a:rPr lang="es-MX" sz="4000" dirty="0" smtClean="0"/>
+              <a:t>Permite que las IES la adapten a sus necesidades para administrar su proceso de caracterización estudiantil.</a:t>
+            </a:r>
+          </a:p>
+          <a:p>
+            <a:pPr algn="just"/>
+            <a:r>
+              <a:rPr lang="es-MX" sz="4000" dirty="0" smtClean="0"/>
+              <a:t>Los estudiantes pueden actualizar sus datos en cualquier momento.</a:t>
+            </a:r>
+          </a:p>
+        </p:txBody>
+      </p:sp>
+      <p:sp>
+        <p:nvSpPr>
+          <p:cNvPr id="8" name="Rectángulo 7"/>
+          <p:cNvSpPr/>
+          <p:nvPr/>
+        </p:nvSpPr>
+        <p:spPr>
+          <a:xfrm>
+            <a:off x="551145" y="1283839"/>
+            <a:ext cx="10206861" cy="1200329"/>
+          </a:xfrm>
+          <a:prstGeom prst="rect">
+            <a:avLst/>
+          </a:prstGeom>
+        </p:spPr>
+        <p:txBody>
+          <a:bodyPr wrap="square">
+            <a:spAutoFit/>
+          </a:bodyPr>
+          <a:lstStyle/>
+          <a:p>
+            <a:pPr algn="just"/>
+            <a:r>
+              <a:rPr lang="es-MX" sz="3600" dirty="0"/>
+              <a:t>Es una herramienta de software liberada bajo la licencia GPL de GNU.</a:t>
+            </a:r>
+          </a:p>
+        </p:txBody>
+      </p:sp>
+      <p:sp>
+        <p:nvSpPr>
+          <p:cNvPr id="9" name="Rectángulo 8"/>
+          <p:cNvSpPr/>
+          <p:nvPr/>
+        </p:nvSpPr>
+        <p:spPr>
+          <a:xfrm>
+            <a:off x="551145" y="2736170"/>
+            <a:ext cx="3100667" cy="707886"/>
+          </a:xfrm>
+          <a:prstGeom prst="rect">
+            <a:avLst/>
+          </a:prstGeom>
+        </p:spPr>
+        <p:txBody>
+          <a:bodyPr wrap="square">
+            <a:spAutoFit/>
+          </a:bodyPr>
+          <a:lstStyle/>
+          <a:p>
+            <a:r>
+              <a:rPr lang="es-MX" sz="4000" b="1" dirty="0" smtClean="0"/>
+              <a:t>Beneficios</a:t>
+            </a:r>
+            <a:endParaRPr lang="es-MX" sz="3200" b="1" dirty="0"/>
+          </a:p>
+        </p:txBody>
+      </p:sp>
     </p:spTree>
     <p:extLst>
       <p:ext uri="{BB962C8B-B14F-4D97-AF65-F5344CB8AC3E}">
-        <p14:creationId xmlns:p14="http://schemas.microsoft.com/office/powerpoint/2010/main" val="1866663410"/>
+        <p14:creationId xmlns:p14="http://schemas.microsoft.com/office/powerpoint/2010/main" val="11840017"/>
       </p:ext>
     </p:extLst>
   </p:cSld>
@@ -10331,7 +8677,56 @@
       </p:grpSpPr>
       <p:sp>
         <p:nvSpPr>
-          <p:cNvPr id="4" name="Título 1"/>
+          <p:cNvPr id="5" name="Título 1">
+            <a:extLst>
+              <a:ext uri="{FF2B5EF4-FFF2-40B4-BE49-F238E27FC236}">
+                <a16:creationId xmlns:a16="http://schemas.microsoft.com/office/drawing/2014/main" xmlns="" id="{F194AB6A-55E1-4B44-A983-8BC6AA65E29D}"/>
+              </a:ext>
+            </a:extLst>
+          </p:cNvPr>
+          <p:cNvSpPr>
+            <a:spLocks noGrp="1"/>
+          </p:cNvSpPr>
+          <p:nvPr>
+            <p:ph type="title"/>
+          </p:nvPr>
+        </p:nvSpPr>
+        <p:spPr>
+          <a:xfrm>
+            <a:off x="7778663" y="18255"/>
+            <a:ext cx="4413336" cy="1325563"/>
+          </a:xfrm>
+        </p:spPr>
+        <p:txBody>
+          <a:bodyPr/>
+          <a:lstStyle/>
+          <a:p>
+            <a:pPr algn="r"/>
+            <a:r>
+              <a:rPr lang="es-MX" b="1" dirty="0" smtClean="0">
+                <a:solidFill>
+                  <a:schemeClr val="bg1"/>
+                </a:solidFill>
+              </a:rPr>
+              <a:t>Título del proyecto</a:t>
+            </a:r>
+            <a:endParaRPr lang="es-MX" b="1" dirty="0">
+              <a:solidFill>
+                <a:schemeClr val="bg1"/>
+              </a:solidFill>
+            </a:endParaRPr>
+          </a:p>
+        </p:txBody>
+      </p:sp>
+      <p:sp>
+        <p:nvSpPr>
+          <p:cNvPr id="7" name="Título 1">
+            <a:extLst>
+              <a:ext uri="{FF2B5EF4-FFF2-40B4-BE49-F238E27FC236}">
+                <a16:creationId xmlns="" xmlns:a16="http://schemas.microsoft.com/office/drawing/2014/main" id="{F194AB6A-55E1-4B44-A983-8BC6AA65E29D}"/>
+              </a:ext>
+            </a:extLst>
+          </p:cNvPr>
           <p:cNvSpPr txBox="1">
             <a:spLocks/>
           </p:cNvSpPr>
@@ -10339,8 +8734,66 @@
         </p:nvSpPr>
         <p:spPr>
           <a:xfrm>
-            <a:off x="424068" y="2859661"/>
-            <a:ext cx="11184835" cy="1812547"/>
+            <a:off x="5138670" y="18255"/>
+            <a:ext cx="7053329" cy="1325563"/>
+          </a:xfrm>
+          <a:prstGeom prst="rect">
+            <a:avLst/>
+          </a:prstGeom>
+        </p:spPr>
+        <p:txBody>
+          <a:bodyPr vert="horz" lIns="91440" tIns="45720" rIns="91440" bIns="45720" rtlCol="0" anchor="ctr">
+            <a:normAutofit/>
+          </a:bodyPr>
+          <a:lstStyle>
+            <a:lvl1pPr algn="l" defTabSz="914400" rtl="0" eaLnBrk="1" latinLnBrk="0" hangingPunct="1">
+              <a:lnSpc>
+                <a:spcPct val="90000"/>
+              </a:lnSpc>
+              <a:spcBef>
+                <a:spcPct val="0"/>
+              </a:spcBef>
+              <a:buNone/>
+              <a:defRPr sz="4400" kern="1200">
+                <a:solidFill>
+                  <a:schemeClr val="tx1"/>
+                </a:solidFill>
+                <a:latin typeface="+mj-lt"/>
+                <a:ea typeface="+mj-ea"/>
+                <a:cs typeface="+mj-cs"/>
+              </a:defRPr>
+            </a:lvl1pPr>
+          </a:lstStyle>
+          <a:p>
+            <a:pPr algn="r"/>
+            <a:r>
+              <a:rPr lang="es-MX" b="1" smtClean="0">
+                <a:solidFill>
+                  <a:schemeClr val="bg1"/>
+                </a:solidFill>
+              </a:rPr>
+              <a:t>Título del proyecto</a:t>
+            </a:r>
+            <a:endParaRPr lang="es-MX" b="1" dirty="0">
+              <a:solidFill>
+                <a:schemeClr val="bg1"/>
+              </a:solidFill>
+            </a:endParaRPr>
+          </a:p>
+        </p:txBody>
+      </p:sp>
+      <p:sp>
+        <p:nvSpPr>
+          <p:cNvPr id="8" name="Título 1"/>
+          <p:cNvSpPr txBox="1">
+            <a:spLocks/>
+          </p:cNvSpPr>
+          <p:nvPr/>
+        </p:nvSpPr>
+        <p:spPr>
+          <a:xfrm>
+            <a:off x="613775" y="1415175"/>
+            <a:ext cx="11098061" cy="1770385"/>
           </a:xfrm>
           <a:prstGeom prst="rect">
             <a:avLst/>
@@ -10370,9 +8823,9 @@
             </a:lvl1pPr>
           </a:lstStyle>
           <a:p>
-            <a:pPr algn="ctr"/>
-            <a:r>
-              <a:rPr lang="es-CO" sz="3200" dirty="0" smtClean="0">
+            <a:pPr algn="just"/>
+            <a:r>
+              <a:rPr lang="es-CO" sz="4000" dirty="0">
                 <a:solidFill>
                   <a:srgbClr val="000000"/>
                 </a:solidFill>
@@ -10380,54 +8833,11 @@
                 <a:ea typeface="Cambria"/>
                 <a:cs typeface="Times New Roman" panose="02020603050405020304" pitchFamily="18" charset="0"/>
               </a:rPr>
-              <a:t>Desarrollo de una solución informática para el proceso de caracterización estudiantil de las Instituciones de Educación Superior</a:t>
-            </a:r>
-            <a:endParaRPr lang="es-CO" sz="3200" dirty="0">
+              <a:t>Desarrollo de una solución informática para el proceso de caracterización estudiantil de las Instituciones de Educación Superior.</a:t>
+            </a:r>
+            <a:endParaRPr lang="es-CO" sz="4000" dirty="0">
               <a:latin typeface="+mn-lt"/>
               <a:cs typeface="Times New Roman" panose="02020603050405020304" pitchFamily="18" charset="0"/>
-            </a:endParaRPr>
-          </a:p>
-        </p:txBody>
-      </p:sp>
-      <p:sp>
-        <p:nvSpPr>
-          <p:cNvPr id="5" name="Título 1">
-            <a:extLst>
-              <a:ext uri="{FF2B5EF4-FFF2-40B4-BE49-F238E27FC236}">
-                <a16:creationId xmlns="" xmlns:a16="http://schemas.microsoft.com/office/drawing/2014/main" id="{F194AB6A-55E1-4B44-A983-8BC6AA65E29D}"/>
-              </a:ext>
-            </a:extLst>
-          </p:cNvPr>
-          <p:cNvSpPr>
-            <a:spLocks noGrp="1"/>
-          </p:cNvSpPr>
-          <p:nvPr>
-            <p:ph type="title"/>
-          </p:nvPr>
-        </p:nvSpPr>
-        <p:spPr>
-          <a:xfrm>
-            <a:off x="5138670" y="18255"/>
-            <a:ext cx="7053329" cy="1325563"/>
-          </a:xfrm>
-        </p:spPr>
-        <p:txBody>
-          <a:bodyPr/>
-          <a:lstStyle/>
-          <a:p>
-            <a:pPr algn="ctr"/>
-            <a:r>
-              <a:rPr lang="es-MX" b="1" dirty="0" smtClean="0">
-                <a:solidFill>
-                  <a:schemeClr val="bg1"/>
-                </a:solidFill>
-              </a:rPr>
-              <a:t>Título del proyecto</a:t>
-            </a:r>
-            <a:endParaRPr lang="es-MX" b="1" dirty="0">
-              <a:solidFill>
-                <a:schemeClr val="bg1"/>
-              </a:solidFill>
             </a:endParaRPr>
           </a:p>
         </p:txBody>
@@ -10469,9 +8879,54 @@
           <a:chExt cx="0" cy="0"/>
         </a:xfrm>
       </p:grpSpPr>
+      <p:sp>
+        <p:nvSpPr>
+          <p:cNvPr id="2" name="Título 1">
+            <a:extLst>
+              <a:ext uri="{FF2B5EF4-FFF2-40B4-BE49-F238E27FC236}">
+                <a16:creationId xmlns:a16="http://schemas.microsoft.com/office/drawing/2014/main" xmlns="" id="{66349900-D031-47AB-BEDC-4E081B677983}"/>
+              </a:ext>
+            </a:extLst>
+          </p:cNvPr>
+          <p:cNvSpPr>
+            <a:spLocks noGrp="1"/>
+          </p:cNvSpPr>
+          <p:nvPr>
+            <p:ph type="title"/>
+          </p:nvPr>
+        </p:nvSpPr>
+        <p:spPr>
+          <a:xfrm>
+            <a:off x="4371584" y="303892"/>
+            <a:ext cx="7820415" cy="726621"/>
+          </a:xfrm>
+        </p:spPr>
+        <p:txBody>
+          <a:bodyPr>
+            <a:normAutofit/>
+          </a:bodyPr>
+          <a:lstStyle/>
+          <a:p>
+            <a:pPr algn="r"/>
+            <a:r>
+              <a:rPr lang="es-MX" b="1" dirty="0" smtClean="0">
+                <a:solidFill>
+                  <a:schemeClr val="bg1"/>
+                </a:solidFill>
+              </a:rPr>
+              <a:t>Etapa 4 - Pruebas - Administrador</a:t>
+            </a:r>
+            <a:endParaRPr lang="es-MX" b="1" dirty="0">
+              <a:solidFill>
+                <a:schemeClr val="bg1"/>
+              </a:solidFill>
+            </a:endParaRPr>
+          </a:p>
+        </p:txBody>
+      </p:sp>
       <p:pic>
         <p:nvPicPr>
-          <p:cNvPr id="2" name="Imagen 1"/>
+          <p:cNvPr id="5" name="Imagen 4"/>
           <p:cNvPicPr>
             <a:picLocks noChangeAspect="1"/>
           </p:cNvPicPr>
@@ -10491,195 +8946,67 @@
         </p:blipFill>
         <p:spPr>
           <a:xfrm>
-            <a:off x="647700" y="2424202"/>
-            <a:ext cx="6672411" cy="3751399"/>
+            <a:off x="1444752" y="1279099"/>
+            <a:ext cx="8299353" cy="5578901"/>
           </a:xfrm>
           <a:prstGeom prst="rect">
             <a:avLst/>
           </a:prstGeom>
         </p:spPr>
       </p:pic>
-      <p:pic>
-        <p:nvPicPr>
-          <p:cNvPr id="8" name="Imagen 7"/>
-          <p:cNvPicPr>
-            <a:picLocks noChangeAspect="1"/>
-          </p:cNvPicPr>
-          <p:nvPr/>
-        </p:nvPicPr>
-        <p:blipFill>
-          <a:blip r:embed="rId3">
+      <p:sp>
+        <p:nvSpPr>
+          <p:cNvPr id="4" name="CuadroTexto 3">
             <a:extLst>
-              <a:ext uri="{28A0092B-C50C-407E-A947-70E740481C1C}">
-                <a14:useLocalDpi xmlns:a14="http://schemas.microsoft.com/office/drawing/2010/main" val="0"/>
+              <a:ext uri="{FF2B5EF4-FFF2-40B4-BE49-F238E27FC236}">
+                <a16:creationId xmlns:a16="http://schemas.microsoft.com/office/drawing/2014/main" xmlns="" id="{89E46AF4-218E-4E1B-B422-59B657A05EE8}"/>
               </a:ext>
             </a:extLst>
-          </a:blip>
-          <a:stretch>
-            <a:fillRect/>
-          </a:stretch>
-        </p:blipFill>
-        <p:spPr>
-          <a:xfrm>
-            <a:off x="8058149" y="2056039"/>
-            <a:ext cx="3711739" cy="4600369"/>
+          </p:cNvPr>
+          <p:cNvSpPr txBox="1"/>
+          <p:nvPr/>
+        </p:nvSpPr>
+        <p:spPr>
+          <a:xfrm>
+            <a:off x="9744105" y="1279099"/>
+            <a:ext cx="2533650" cy="461665"/>
           </a:xfrm>
           <a:prstGeom prst="rect">
             <a:avLst/>
           </a:prstGeom>
-        </p:spPr>
-      </p:pic>
-      <p:sp>
-        <p:nvSpPr>
-          <p:cNvPr id="9" name="Título 1">
-            <a:extLst>
-              <a:ext uri="{FF2B5EF4-FFF2-40B4-BE49-F238E27FC236}">
-                <a16:creationId xmlns="" xmlns:a16="http://schemas.microsoft.com/office/drawing/2014/main" id="{66349900-D031-47AB-BEDC-4E081B677983}"/>
-              </a:ext>
-            </a:extLst>
-          </p:cNvPr>
-          <p:cNvSpPr txBox="1">
-            <a:spLocks/>
-          </p:cNvSpPr>
-          <p:nvPr/>
-        </p:nvSpPr>
-        <p:spPr>
-          <a:xfrm>
-            <a:off x="647700" y="1775141"/>
-            <a:ext cx="6672411" cy="609600"/>
-          </a:xfrm>
-          <a:prstGeom prst="rect">
-            <a:avLst/>
-          </a:prstGeom>
-        </p:spPr>
-        <p:txBody>
-          <a:bodyPr vert="horz" lIns="91440" tIns="45720" rIns="91440" bIns="45720" rtlCol="0" anchor="ctr">
-            <a:normAutofit fontScale="92500" lnSpcReduction="10000"/>
-          </a:bodyPr>
-          <a:lstStyle>
-            <a:lvl1pPr algn="l" defTabSz="914400" rtl="0" eaLnBrk="1" latinLnBrk="0" hangingPunct="1">
-              <a:lnSpc>
-                <a:spcPct val="90000"/>
-              </a:lnSpc>
-              <a:spcBef>
-                <a:spcPct val="0"/>
-              </a:spcBef>
-              <a:buNone/>
-              <a:defRPr sz="4400" kern="1200">
-                <a:solidFill>
-                  <a:schemeClr val="tx1"/>
-                </a:solidFill>
-                <a:latin typeface="+mj-lt"/>
-                <a:ea typeface="+mj-ea"/>
-                <a:cs typeface="+mj-cs"/>
-              </a:defRPr>
-            </a:lvl1pPr>
-          </a:lstStyle>
-          <a:p>
-            <a:pPr algn="ctr"/>
-            <a:r>
-              <a:rPr lang="es-MX" b="1" dirty="0" smtClean="0"/>
-              <a:t>Análisis de datos</a:t>
-            </a:r>
-          </a:p>
-        </p:txBody>
-      </p:sp>
-      <p:sp>
-        <p:nvSpPr>
-          <p:cNvPr id="10" name="Título 1">
-            <a:extLst>
-              <a:ext uri="{FF2B5EF4-FFF2-40B4-BE49-F238E27FC236}">
-                <a16:creationId xmlns="" xmlns:a16="http://schemas.microsoft.com/office/drawing/2014/main" id="{66349900-D031-47AB-BEDC-4E081B677983}"/>
-              </a:ext>
-            </a:extLst>
-          </p:cNvPr>
-          <p:cNvSpPr txBox="1">
-            <a:spLocks/>
-          </p:cNvSpPr>
-          <p:nvPr/>
-        </p:nvSpPr>
-        <p:spPr>
-          <a:xfrm>
-            <a:off x="8058149" y="1389289"/>
-            <a:ext cx="3720599" cy="609600"/>
-          </a:xfrm>
-          <a:prstGeom prst="rect">
-            <a:avLst/>
-          </a:prstGeom>
-        </p:spPr>
-        <p:txBody>
-          <a:bodyPr vert="horz" lIns="91440" tIns="45720" rIns="91440" bIns="45720" rtlCol="0" anchor="ctr">
-            <a:normAutofit fontScale="92500" lnSpcReduction="10000"/>
-          </a:bodyPr>
-          <a:lstStyle>
-            <a:lvl1pPr algn="l" defTabSz="914400" rtl="0" eaLnBrk="1" latinLnBrk="0" hangingPunct="1">
-              <a:lnSpc>
-                <a:spcPct val="90000"/>
-              </a:lnSpc>
-              <a:spcBef>
-                <a:spcPct val="0"/>
-              </a:spcBef>
-              <a:buNone/>
-              <a:defRPr sz="4400" kern="1200">
-                <a:solidFill>
-                  <a:schemeClr val="tx1"/>
-                </a:solidFill>
-                <a:latin typeface="+mj-lt"/>
-                <a:ea typeface="+mj-ea"/>
-                <a:cs typeface="+mj-cs"/>
-              </a:defRPr>
-            </a:lvl1pPr>
-          </a:lstStyle>
-          <a:p>
-            <a:pPr algn="ctr"/>
-            <a:r>
-              <a:rPr lang="es-MX" b="1" dirty="0" smtClean="0"/>
-              <a:t>Reportes</a:t>
-            </a:r>
-          </a:p>
-        </p:txBody>
-      </p:sp>
-      <p:sp>
-        <p:nvSpPr>
-          <p:cNvPr id="13" name="Título 1">
-            <a:extLst>
-              <a:ext uri="{FF2B5EF4-FFF2-40B4-BE49-F238E27FC236}">
-                <a16:creationId xmlns="" xmlns:a16="http://schemas.microsoft.com/office/drawing/2014/main" id="{66349900-D031-47AB-BEDC-4E081B677983}"/>
-              </a:ext>
-            </a:extLst>
-          </p:cNvPr>
-          <p:cNvSpPr>
-            <a:spLocks noGrp="1"/>
-          </p:cNvSpPr>
-          <p:nvPr>
-            <p:ph type="title"/>
-          </p:nvPr>
-        </p:nvSpPr>
-        <p:spPr>
-          <a:xfrm>
-            <a:off x="4107542" y="303892"/>
-            <a:ext cx="8084457" cy="726621"/>
-          </a:xfrm>
-        </p:spPr>
-        <p:txBody>
-          <a:bodyPr>
-            <a:normAutofit/>
+          <a:noFill/>
+        </p:spPr>
+        <p:txBody>
+          <a:bodyPr wrap="square" rtlCol="0">
+            <a:spAutoFit/>
           </a:bodyPr>
           <a:lstStyle/>
           <a:p>
-            <a:pPr algn="ctr"/>
-            <a:r>
-              <a:rPr lang="es-MX" b="1" dirty="0" smtClean="0">
-                <a:solidFill>
-                  <a:schemeClr val="bg1"/>
-                </a:solidFill>
+            <a:pPr algn="just"/>
+            <a:r>
+              <a:rPr lang="es-MX" sz="2400" b="1" i="1" dirty="0" smtClean="0">
+                <a:latin typeface="Times New Roman" panose="02020603050405020304" pitchFamily="18" charset="0"/>
+                <a:cs typeface="Times New Roman" panose="02020603050405020304" pitchFamily="18" charset="0"/>
               </a:rPr>
-              <a:t>Etapa IV - Pruebas - Administrador</a:t>
-            </a:r>
-            <a:endParaRPr lang="es-MX" b="1" dirty="0">
-              <a:solidFill>
-                <a:schemeClr val="bg1"/>
-              </a:solidFill>
+              <a:t>Fuente</a:t>
+            </a:r>
+            <a:r>
+              <a:rPr lang="es-MX" sz="2400" b="1" i="1" dirty="0">
+                <a:latin typeface="Times New Roman" panose="02020603050405020304" pitchFamily="18" charset="0"/>
+                <a:cs typeface="Times New Roman" panose="02020603050405020304" pitchFamily="18" charset="0"/>
+              </a:rPr>
+              <a:t>:</a:t>
+            </a:r>
+            <a:r>
+              <a:rPr lang="es-MX" sz="2400" b="1" i="1" dirty="0" smtClean="0">
+                <a:latin typeface="Times New Roman" panose="02020603050405020304" pitchFamily="18" charset="0"/>
+                <a:cs typeface="Times New Roman" panose="02020603050405020304" pitchFamily="18" charset="0"/>
+              </a:rPr>
+              <a:t> propia</a:t>
+            </a:r>
+            <a:endParaRPr lang="es-MX" sz="2400" i="1" dirty="0">
+              <a:latin typeface="Times New Roman" panose="02020603050405020304" pitchFamily="18" charset="0"/>
+              <a:cs typeface="Times New Roman" panose="02020603050405020304" pitchFamily="18" charset="0"/>
             </a:endParaRPr>
           </a:p>
         </p:txBody>
@@ -10687,7 +9014,7 @@
     </p:spTree>
     <p:extLst>
       <p:ext uri="{BB962C8B-B14F-4D97-AF65-F5344CB8AC3E}">
-        <p14:creationId xmlns:p14="http://schemas.microsoft.com/office/powerpoint/2010/main" val="1634434852"/>
+        <p14:creationId xmlns:p14="http://schemas.microsoft.com/office/powerpoint/2010/main" val="1778929519"/>
       </p:ext>
     </p:extLst>
   </p:cSld>
@@ -10723,7 +9050,7 @@
       </p:grpSpPr>
       <p:pic>
         <p:nvPicPr>
-          <p:cNvPr id="8" name="Imagen 7"/>
+          <p:cNvPr id="7" name="Imagen 6"/>
           <p:cNvPicPr>
             <a:picLocks noChangeAspect="1"/>
           </p:cNvPicPr>
@@ -10743,8 +9070,8 @@
         </p:blipFill>
         <p:spPr>
           <a:xfrm>
-            <a:off x="2057400" y="2059743"/>
-            <a:ext cx="8534400" cy="4798257"/>
+            <a:off x="228091" y="1276350"/>
+            <a:ext cx="9927777" cy="5581650"/>
           </a:xfrm>
           <a:prstGeom prst="rect">
             <a:avLst/>
@@ -10756,62 +9083,7 @@
           <p:cNvPr id="9" name="Título 1">
             <a:extLst>
               <a:ext uri="{FF2B5EF4-FFF2-40B4-BE49-F238E27FC236}">
-                <a16:creationId xmlns="" xmlns:a16="http://schemas.microsoft.com/office/drawing/2014/main" id="{66349900-D031-47AB-BEDC-4E081B677983}"/>
-              </a:ext>
-            </a:extLst>
-          </p:cNvPr>
-          <p:cNvSpPr txBox="1">
-            <a:spLocks/>
-          </p:cNvSpPr>
-          <p:nvPr/>
-        </p:nvSpPr>
-        <p:spPr>
-          <a:xfrm>
-            <a:off x="3257028" y="1450143"/>
-            <a:ext cx="6135143" cy="609600"/>
-          </a:xfrm>
-          <a:prstGeom prst="rect">
-            <a:avLst/>
-          </a:prstGeom>
-        </p:spPr>
-        <p:txBody>
-          <a:bodyPr vert="horz" lIns="91440" tIns="45720" rIns="91440" bIns="45720" rtlCol="0" anchor="ctr">
-            <a:normAutofit fontScale="92500" lnSpcReduction="10000"/>
-          </a:bodyPr>
-          <a:lstStyle>
-            <a:lvl1pPr algn="l" defTabSz="914400" rtl="0" eaLnBrk="1" latinLnBrk="0" hangingPunct="1">
-              <a:lnSpc>
-                <a:spcPct val="90000"/>
-              </a:lnSpc>
-              <a:spcBef>
-                <a:spcPct val="0"/>
-              </a:spcBef>
-              <a:buNone/>
-              <a:defRPr sz="4400" kern="1200">
-                <a:solidFill>
-                  <a:schemeClr val="tx1"/>
-                </a:solidFill>
-                <a:latin typeface="+mj-lt"/>
-                <a:ea typeface="+mj-ea"/>
-                <a:cs typeface="+mj-cs"/>
-              </a:defRPr>
-            </a:lvl1pPr>
-          </a:lstStyle>
-          <a:p>
-            <a:pPr algn="ctr"/>
-            <a:r>
-              <a:rPr lang="es-MX" b="1" dirty="0" smtClean="0"/>
-              <a:t>www.sicacest.com</a:t>
-            </a:r>
-          </a:p>
-        </p:txBody>
-      </p:sp>
-      <p:sp>
-        <p:nvSpPr>
-          <p:cNvPr id="11" name="Título 1">
-            <a:extLst>
-              <a:ext uri="{FF2B5EF4-FFF2-40B4-BE49-F238E27FC236}">
-                <a16:creationId xmlns="" xmlns:a16="http://schemas.microsoft.com/office/drawing/2014/main" id="{66349900-D031-47AB-BEDC-4E081B677983}"/>
+                <a16:creationId xmlns:a16="http://schemas.microsoft.com/office/drawing/2014/main" xmlns="" id="{66349900-D031-47AB-BEDC-4E081B677983}"/>
               </a:ext>
             </a:extLst>
           </p:cNvPr>
@@ -10824,8 +9096,8 @@
         </p:nvSpPr>
         <p:spPr>
           <a:xfrm>
-            <a:off x="4107542" y="303892"/>
-            <a:ext cx="8084457" cy="726621"/>
+            <a:off x="4496844" y="303892"/>
+            <a:ext cx="7695155" cy="726621"/>
           </a:xfrm>
         </p:spPr>
         <p:txBody>
@@ -10834,14 +9106,14 @@
           </a:bodyPr>
           <a:lstStyle/>
           <a:p>
-            <a:pPr algn="ctr"/>
+            <a:pPr algn="r"/>
             <a:r>
               <a:rPr lang="es-MX" b="1" dirty="0" smtClean="0">
                 <a:solidFill>
                   <a:schemeClr val="bg1"/>
                 </a:solidFill>
               </a:rPr>
-              <a:t>Etapa IV - Pruebas - Estudiantes</a:t>
+              <a:t>Etapa 4 - Pruebas - Administrador</a:t>
             </a:r>
             <a:endParaRPr lang="es-MX" b="1" dirty="0">
               <a:solidFill>
@@ -10851,10 +9123,67 @@
           </a:p>
         </p:txBody>
       </p:sp>
+      <p:sp>
+        <p:nvSpPr>
+          <p:cNvPr id="4" name="CuadroTexto 3">
+            <a:extLst>
+              <a:ext uri="{FF2B5EF4-FFF2-40B4-BE49-F238E27FC236}">
+                <a16:creationId xmlns:a16="http://schemas.microsoft.com/office/drawing/2014/main" xmlns="" id="{89E46AF4-218E-4E1B-B422-59B657A05EE8}"/>
+              </a:ext>
+            </a:extLst>
+          </p:cNvPr>
+          <p:cNvSpPr txBox="1"/>
+          <p:nvPr/>
+        </p:nvSpPr>
+        <p:spPr>
+          <a:xfrm>
+            <a:off x="10155868" y="1489074"/>
+            <a:ext cx="2533650" cy="461665"/>
+          </a:xfrm>
+          <a:prstGeom prst="rect">
+            <a:avLst/>
+          </a:prstGeom>
+          <a:noFill/>
+        </p:spPr>
+        <p:txBody>
+          <a:bodyPr wrap="square" rtlCol="0">
+            <a:spAutoFit/>
+          </a:bodyPr>
+          <a:lstStyle/>
+          <a:p>
+            <a:pPr algn="just"/>
+            <a:r>
+              <a:rPr lang="es-MX" sz="2400" b="1" i="1" dirty="0" smtClean="0">
+                <a:latin typeface="Times New Roman" panose="02020603050405020304" pitchFamily="18" charset="0"/>
+                <a:cs typeface="Times New Roman" panose="02020603050405020304" pitchFamily="18" charset="0"/>
+              </a:rPr>
+              <a:t>Fuente</a:t>
+            </a:r>
+            <a:r>
+              <a:rPr lang="es-MX" sz="2400" b="1" i="1" dirty="0">
+                <a:latin typeface="Times New Roman" panose="02020603050405020304" pitchFamily="18" charset="0"/>
+                <a:cs typeface="Times New Roman" panose="02020603050405020304" pitchFamily="18" charset="0"/>
+              </a:rPr>
+              <a:t>:</a:t>
+            </a:r>
+            <a:r>
+              <a:rPr lang="es-MX" sz="2400" b="1" i="1" dirty="0" smtClean="0">
+                <a:latin typeface="Times New Roman" panose="02020603050405020304" pitchFamily="18" charset="0"/>
+                <a:cs typeface="Times New Roman" panose="02020603050405020304" pitchFamily="18" charset="0"/>
+              </a:rPr>
+              <a:t> propia</a:t>
+            </a:r>
+            <a:endParaRPr lang="es-MX" sz="2400" i="1" dirty="0">
+              <a:latin typeface="Times New Roman" panose="02020603050405020304" pitchFamily="18" charset="0"/>
+              <a:cs typeface="Times New Roman" panose="02020603050405020304" pitchFamily="18" charset="0"/>
+            </a:endParaRPr>
+          </a:p>
+        </p:txBody>
+      </p:sp>
     </p:spTree>
     <p:extLst>
       <p:ext uri="{BB962C8B-B14F-4D97-AF65-F5344CB8AC3E}">
-        <p14:creationId xmlns:p14="http://schemas.microsoft.com/office/powerpoint/2010/main" val="3907321730"/>
+        <p14:creationId xmlns:p14="http://schemas.microsoft.com/office/powerpoint/2010/main" val="1866663410"/>
       </p:ext>
     </p:extLst>
   </p:cSld>
@@ -10910,8 +9239,8 @@
         </p:blipFill>
         <p:spPr>
           <a:xfrm>
-            <a:off x="1349829" y="1366117"/>
-            <a:ext cx="9768114" cy="5491883"/>
+            <a:off x="278444" y="1296860"/>
+            <a:ext cx="9891300" cy="5561140"/>
           </a:xfrm>
           <a:prstGeom prst="rect">
             <a:avLst/>
@@ -10920,10 +9249,10 @@
       </p:pic>
       <p:sp>
         <p:nvSpPr>
-          <p:cNvPr id="10" name="Título 1">
+          <p:cNvPr id="13" name="Título 1">
             <a:extLst>
               <a:ext uri="{FF2B5EF4-FFF2-40B4-BE49-F238E27FC236}">
-                <a16:creationId xmlns="" xmlns:a16="http://schemas.microsoft.com/office/drawing/2014/main" id="{66349900-D031-47AB-BEDC-4E081B677983}"/>
+                <a16:creationId xmlns:a16="http://schemas.microsoft.com/office/drawing/2014/main" xmlns="" id="{66349900-D031-47AB-BEDC-4E081B677983}"/>
               </a:ext>
             </a:extLst>
           </p:cNvPr>
@@ -10936,8 +9265,8 @@
         </p:nvSpPr>
         <p:spPr>
           <a:xfrm>
-            <a:off x="4107542" y="303892"/>
-            <a:ext cx="8084457" cy="726621"/>
+            <a:off x="4559474" y="303892"/>
+            <a:ext cx="7632525" cy="726621"/>
           </a:xfrm>
         </p:spPr>
         <p:txBody>
@@ -10946,14 +9275,14 @@
           </a:bodyPr>
           <a:lstStyle/>
           <a:p>
-            <a:pPr algn="ctr"/>
+            <a:pPr algn="r"/>
             <a:r>
               <a:rPr lang="es-MX" b="1" dirty="0" smtClean="0">
                 <a:solidFill>
                   <a:schemeClr val="bg1"/>
                 </a:solidFill>
               </a:rPr>
-              <a:t>Etapa IV - Pruebas - Estudiantes</a:t>
+              <a:t>Análisis de datos</a:t>
             </a:r>
             <a:endParaRPr lang="es-MX" b="1" dirty="0">
               <a:solidFill>
@@ -10963,10 +9292,67 @@
           </a:p>
         </p:txBody>
       </p:sp>
+      <p:sp>
+        <p:nvSpPr>
+          <p:cNvPr id="4" name="CuadroTexto 3">
+            <a:extLst>
+              <a:ext uri="{FF2B5EF4-FFF2-40B4-BE49-F238E27FC236}">
+                <a16:creationId xmlns:a16="http://schemas.microsoft.com/office/drawing/2014/main" xmlns="" id="{89E46AF4-218E-4E1B-B422-59B657A05EE8}"/>
+              </a:ext>
+            </a:extLst>
+          </p:cNvPr>
+          <p:cNvSpPr txBox="1"/>
+          <p:nvPr/>
+        </p:nvSpPr>
+        <p:spPr>
+          <a:xfrm>
+            <a:off x="10169744" y="1565274"/>
+            <a:ext cx="2155606" cy="461665"/>
+          </a:xfrm>
+          <a:prstGeom prst="rect">
+            <a:avLst/>
+          </a:prstGeom>
+          <a:noFill/>
+        </p:spPr>
+        <p:txBody>
+          <a:bodyPr wrap="square" rtlCol="0">
+            <a:spAutoFit/>
+          </a:bodyPr>
+          <a:lstStyle/>
+          <a:p>
+            <a:pPr algn="just"/>
+            <a:r>
+              <a:rPr lang="es-MX" sz="2400" b="1" i="1" dirty="0" smtClean="0">
+                <a:latin typeface="Times New Roman" panose="02020603050405020304" pitchFamily="18" charset="0"/>
+                <a:cs typeface="Times New Roman" panose="02020603050405020304" pitchFamily="18" charset="0"/>
+              </a:rPr>
+              <a:t>Fuente</a:t>
+            </a:r>
+            <a:r>
+              <a:rPr lang="es-MX" sz="2400" b="1" i="1" dirty="0">
+                <a:latin typeface="Times New Roman" panose="02020603050405020304" pitchFamily="18" charset="0"/>
+                <a:cs typeface="Times New Roman" panose="02020603050405020304" pitchFamily="18" charset="0"/>
+              </a:rPr>
+              <a:t>:</a:t>
+            </a:r>
+            <a:r>
+              <a:rPr lang="es-MX" sz="2400" b="1" i="1" dirty="0" smtClean="0">
+                <a:latin typeface="Times New Roman" panose="02020603050405020304" pitchFamily="18" charset="0"/>
+                <a:cs typeface="Times New Roman" panose="02020603050405020304" pitchFamily="18" charset="0"/>
+              </a:rPr>
+              <a:t> propia</a:t>
+            </a:r>
+            <a:endParaRPr lang="es-MX" sz="2400" i="1" dirty="0">
+              <a:latin typeface="Times New Roman" panose="02020603050405020304" pitchFamily="18" charset="0"/>
+              <a:cs typeface="Times New Roman" panose="02020603050405020304" pitchFamily="18" charset="0"/>
+            </a:endParaRPr>
+          </a:p>
+        </p:txBody>
+      </p:sp>
     </p:spTree>
     <p:extLst>
       <p:ext uri="{BB962C8B-B14F-4D97-AF65-F5344CB8AC3E}">
-        <p14:creationId xmlns:p14="http://schemas.microsoft.com/office/powerpoint/2010/main" val="636550106"/>
+        <p14:creationId xmlns:p14="http://schemas.microsoft.com/office/powerpoint/2010/main" val="1634434852"/>
       </p:ext>
     </p:extLst>
   </p:cSld>
@@ -11000,12 +9386,41 @@
           <a:chExt cx="0" cy="0"/>
         </a:xfrm>
       </p:grpSpPr>
-      <p:sp>
-        <p:nvSpPr>
-          <p:cNvPr id="2" name="Título 1">
+      <p:pic>
+        <p:nvPicPr>
+          <p:cNvPr id="8" name="Imagen 7"/>
+          <p:cNvPicPr>
+            <a:picLocks noChangeAspect="1"/>
+          </p:cNvPicPr>
+          <p:nvPr/>
+        </p:nvPicPr>
+        <p:blipFill rotWithShape="1">
+          <a:blip r:embed="rId2">
+            <a:extLst>
+              <a:ext uri="{28A0092B-C50C-407E-A947-70E740481C1C}">
+                <a14:useLocalDpi xmlns:a14="http://schemas.microsoft.com/office/drawing/2010/main" val="0"/>
+              </a:ext>
+            </a:extLst>
+          </a:blip>
+          <a:srcRect l="14697" t="22165" r="26447" b="4764"/>
+          <a:stretch/>
+        </p:blipFill>
+        <p:spPr>
+          <a:xfrm>
+            <a:off x="6150280" y="1345446"/>
+            <a:ext cx="3582444" cy="5512554"/>
+          </a:xfrm>
+          <a:prstGeom prst="rect">
+            <a:avLst/>
+          </a:prstGeom>
+        </p:spPr>
+      </p:pic>
+      <p:sp>
+        <p:nvSpPr>
+          <p:cNvPr id="13" name="Título 1">
             <a:extLst>
               <a:ext uri="{FF2B5EF4-FFF2-40B4-BE49-F238E27FC236}">
-                <a16:creationId xmlns="" xmlns:a16="http://schemas.microsoft.com/office/drawing/2014/main" id="{F3C1574D-8292-4410-B1E4-1EBE9DF828D1}"/>
+                <a16:creationId xmlns:a16="http://schemas.microsoft.com/office/drawing/2014/main" xmlns="" id="{66349900-D031-47AB-BEDC-4E081B677983}"/>
               </a:ext>
             </a:extLst>
           </p:cNvPr>
@@ -11018,114 +9433,80 @@
         </p:nvSpPr>
         <p:spPr>
           <a:xfrm>
-            <a:off x="4893972" y="0"/>
-            <a:ext cx="7298029" cy="1325563"/>
-          </a:xfrm>
-        </p:spPr>
-        <p:txBody>
-          <a:bodyPr/>
+            <a:off x="4559474" y="303892"/>
+            <a:ext cx="7632525" cy="726621"/>
+          </a:xfrm>
+        </p:spPr>
+        <p:txBody>
+          <a:bodyPr>
+            <a:normAutofit/>
+          </a:bodyPr>
           <a:lstStyle/>
           <a:p>
-            <a:pPr algn="ctr"/>
-            <a:r>
-              <a:rPr lang="es-MX" b="1" dirty="0">
+            <a:pPr algn="r"/>
+            <a:r>
+              <a:rPr lang="es-MX" b="1" dirty="0" smtClean="0">
                 <a:solidFill>
                   <a:schemeClr val="bg1"/>
                 </a:solidFill>
               </a:rPr>
-              <a:t>Conclusiones</a:t>
-            </a:r>
-            <a:r>
-              <a:rPr lang="es-MX" dirty="0">
-                <a:solidFill>
-                  <a:schemeClr val="bg1"/>
-                </a:solidFill>
-              </a:rPr>
-              <a:t> </a:t>
-            </a:r>
-          </a:p>
-        </p:txBody>
-      </p:sp>
-      <p:sp>
-        <p:nvSpPr>
-          <p:cNvPr id="4" name="Marcador de contenido 2">
+              <a:t>Etapa 4 - Pruebas - Administrador</a:t>
+            </a:r>
+            <a:endParaRPr lang="es-MX" b="1" dirty="0">
+              <a:solidFill>
+                <a:schemeClr val="bg1"/>
+              </a:solidFill>
+            </a:endParaRPr>
+          </a:p>
+        </p:txBody>
+      </p:sp>
+      <p:sp>
+        <p:nvSpPr>
+          <p:cNvPr id="5" name="CuadroTexto 4">
             <a:extLst>
               <a:ext uri="{FF2B5EF4-FFF2-40B4-BE49-F238E27FC236}">
-                <a16:creationId xmlns="" xmlns:a16="http://schemas.microsoft.com/office/drawing/2014/main" id="{E0439019-967A-48CB-99F3-103D64E7D9BA}"/>
+                <a16:creationId xmlns:a16="http://schemas.microsoft.com/office/drawing/2014/main" xmlns="" id="{BC049DBC-6933-4F01-99CD-12D18B825504}"/>
               </a:ext>
             </a:extLst>
           </p:cNvPr>
-          <p:cNvSpPr>
-            <a:spLocks noGrp="1"/>
-          </p:cNvSpPr>
-          <p:nvPr>
-            <p:ph idx="1"/>
-          </p:nvPr>
-        </p:nvSpPr>
-        <p:spPr>
-          <a:xfrm>
-            <a:off x="909436" y="1843876"/>
-            <a:ext cx="10511296" cy="3439324"/>
-          </a:xfrm>
-        </p:spPr>
-        <p:txBody>
-          <a:bodyPr>
-            <a:noAutofit/>
+          <p:cNvSpPr txBox="1"/>
+          <p:nvPr/>
+        </p:nvSpPr>
+        <p:spPr>
+          <a:xfrm>
+            <a:off x="866506" y="3163868"/>
+            <a:ext cx="4523861" cy="461665"/>
+          </a:xfrm>
+          <a:prstGeom prst="rect">
+            <a:avLst/>
+          </a:prstGeom>
+          <a:noFill/>
+        </p:spPr>
+        <p:txBody>
+          <a:bodyPr wrap="square" rtlCol="0">
+            <a:spAutoFit/>
           </a:bodyPr>
           <a:lstStyle/>
           <a:p>
-            <a:pPr marL="0" indent="0" algn="just">
-              <a:lnSpc>
-                <a:spcPct val="150000"/>
-              </a:lnSpc>
-              <a:spcBef>
-                <a:spcPts val="0"/>
-              </a:spcBef>
-              <a:buNone/>
-            </a:pPr>
-            <a:r>
-              <a:rPr lang="es-CO" smtClean="0"/>
-              <a:t>La </a:t>
-            </a:r>
-            <a:r>
-              <a:rPr lang="es-CO" dirty="0" smtClean="0"/>
-              <a:t>caracterización estudiantil es un proceso que aporta enormes beneficios y mediante su sistematización se pueden obtener aún mejores resultados.</a:t>
-            </a:r>
-          </a:p>
-          <a:p>
-            <a:pPr marL="0" indent="0" algn="just">
-              <a:lnSpc>
-                <a:spcPct val="150000"/>
-              </a:lnSpc>
-              <a:spcBef>
-                <a:spcPts val="0"/>
-              </a:spcBef>
-              <a:buNone/>
-            </a:pPr>
-            <a:endParaRPr lang="es-MX" dirty="0"/>
-          </a:p>
-          <a:p>
-            <a:pPr marL="0" indent="0" algn="just">
-              <a:lnSpc>
-                <a:spcPct val="150000"/>
-              </a:lnSpc>
-              <a:spcBef>
-                <a:spcPts val="0"/>
-              </a:spcBef>
-              <a:buNone/>
-            </a:pPr>
-            <a:r>
-              <a:rPr lang="es-MX" dirty="0" smtClean="0"/>
-              <a:t>Para terminar observemos los productos de investigación.</a:t>
-            </a:r>
-            <a:endParaRPr lang="es-CO" dirty="0"/>
+            <a:pPr algn="just"/>
+            <a:r>
+              <a:rPr lang="es-MX" sz="2400" i="1" dirty="0" smtClean="0">
+                <a:latin typeface="Times New Roman" panose="02020603050405020304" pitchFamily="18" charset="0"/>
+                <a:cs typeface="Times New Roman" panose="02020603050405020304" pitchFamily="18" charset="0"/>
+              </a:rPr>
+              <a:t>Ejemplo reporte (Fuente propia)</a:t>
+            </a:r>
+            <a:endParaRPr lang="es-MX" sz="2400" i="1" dirty="0">
+              <a:latin typeface="Times New Roman" panose="02020603050405020304" pitchFamily="18" charset="0"/>
+              <a:cs typeface="Times New Roman" panose="02020603050405020304" pitchFamily="18" charset="0"/>
+            </a:endParaRPr>
           </a:p>
         </p:txBody>
       </p:sp>
     </p:spTree>
     <p:extLst>
       <p:ext uri="{BB962C8B-B14F-4D97-AF65-F5344CB8AC3E}">
-        <p14:creationId xmlns:p14="http://schemas.microsoft.com/office/powerpoint/2010/main" val="2862120921"/>
+        <p14:creationId xmlns:p14="http://schemas.microsoft.com/office/powerpoint/2010/main" val="3318710930"/>
       </p:ext>
     </p:extLst>
   </p:cSld>
@@ -11159,12 +9540,42 @@
           <a:chExt cx="0" cy="0"/>
         </a:xfrm>
       </p:grpSpPr>
-      <p:sp>
-        <p:nvSpPr>
-          <p:cNvPr id="2" name="Título 1">
+      <p:pic>
+        <p:nvPicPr>
+          <p:cNvPr id="8" name="Imagen 7"/>
+          <p:cNvPicPr>
+            <a:picLocks noChangeAspect="1"/>
+          </p:cNvPicPr>
+          <p:nvPr/>
+        </p:nvPicPr>
+        <p:blipFill>
+          <a:blip r:embed="rId2">
+            <a:extLst>
+              <a:ext uri="{28A0092B-C50C-407E-A947-70E740481C1C}">
+                <a14:useLocalDpi xmlns:a14="http://schemas.microsoft.com/office/drawing/2010/main" val="0"/>
+              </a:ext>
+            </a:extLst>
+          </a:blip>
+          <a:stretch>
+            <a:fillRect/>
+          </a:stretch>
+        </p:blipFill>
+        <p:spPr>
+          <a:xfrm>
+            <a:off x="147637" y="1371600"/>
+            <a:ext cx="9758363" cy="5486400"/>
+          </a:xfrm>
+          <a:prstGeom prst="rect">
+            <a:avLst/>
+          </a:prstGeom>
+        </p:spPr>
+      </p:pic>
+      <p:sp>
+        <p:nvSpPr>
+          <p:cNvPr id="11" name="Título 1">
             <a:extLst>
               <a:ext uri="{FF2B5EF4-FFF2-40B4-BE49-F238E27FC236}">
-                <a16:creationId xmlns="" xmlns:a16="http://schemas.microsoft.com/office/drawing/2014/main" id="{F3C1574D-8292-4410-B1E4-1EBE9DF828D1}"/>
+                <a16:creationId xmlns:a16="http://schemas.microsoft.com/office/drawing/2014/main" xmlns="" id="{66349900-D031-47AB-BEDC-4E081B677983}"/>
               </a:ext>
             </a:extLst>
           </p:cNvPr>
@@ -11177,6 +9588,314 @@
         </p:nvSpPr>
         <p:spPr>
           <a:xfrm>
+            <a:off x="4107542" y="303892"/>
+            <a:ext cx="8084457" cy="726621"/>
+          </a:xfrm>
+        </p:spPr>
+        <p:txBody>
+          <a:bodyPr>
+            <a:normAutofit/>
+          </a:bodyPr>
+          <a:lstStyle/>
+          <a:p>
+            <a:pPr algn="r"/>
+            <a:r>
+              <a:rPr lang="es-MX" b="1" dirty="0" smtClean="0">
+                <a:solidFill>
+                  <a:schemeClr val="bg1"/>
+                </a:solidFill>
+              </a:rPr>
+              <a:t>Etapa IV - Pruebas - Estudiantes</a:t>
+            </a:r>
+            <a:endParaRPr lang="es-MX" b="1" dirty="0">
+              <a:solidFill>
+                <a:schemeClr val="bg1"/>
+              </a:solidFill>
+            </a:endParaRPr>
+          </a:p>
+        </p:txBody>
+      </p:sp>
+      <p:sp>
+        <p:nvSpPr>
+          <p:cNvPr id="5" name="CuadroTexto 4">
+            <a:extLst>
+              <a:ext uri="{FF2B5EF4-FFF2-40B4-BE49-F238E27FC236}">
+                <a16:creationId xmlns:a16="http://schemas.microsoft.com/office/drawing/2014/main" xmlns="" id="{89E46AF4-218E-4E1B-B422-59B657A05EE8}"/>
+              </a:ext>
+            </a:extLst>
+          </p:cNvPr>
+          <p:cNvSpPr txBox="1"/>
+          <p:nvPr/>
+        </p:nvSpPr>
+        <p:spPr>
+          <a:xfrm>
+            <a:off x="9906000" y="1371600"/>
+            <a:ext cx="2533650" cy="461665"/>
+          </a:xfrm>
+          <a:prstGeom prst="rect">
+            <a:avLst/>
+          </a:prstGeom>
+          <a:noFill/>
+        </p:spPr>
+        <p:txBody>
+          <a:bodyPr wrap="square" rtlCol="0">
+            <a:spAutoFit/>
+          </a:bodyPr>
+          <a:lstStyle/>
+          <a:p>
+            <a:pPr algn="just"/>
+            <a:r>
+              <a:rPr lang="es-MX" sz="2400" b="1" i="1" dirty="0" smtClean="0">
+                <a:latin typeface="Times New Roman" panose="02020603050405020304" pitchFamily="18" charset="0"/>
+                <a:cs typeface="Times New Roman" panose="02020603050405020304" pitchFamily="18" charset="0"/>
+              </a:rPr>
+              <a:t>Fuente</a:t>
+            </a:r>
+            <a:r>
+              <a:rPr lang="es-MX" sz="2400" b="1" i="1" dirty="0">
+                <a:latin typeface="Times New Roman" panose="02020603050405020304" pitchFamily="18" charset="0"/>
+                <a:cs typeface="Times New Roman" panose="02020603050405020304" pitchFamily="18" charset="0"/>
+              </a:rPr>
+              <a:t>:</a:t>
+            </a:r>
+            <a:r>
+              <a:rPr lang="es-MX" sz="2400" b="1" i="1" dirty="0" smtClean="0">
+                <a:latin typeface="Times New Roman" panose="02020603050405020304" pitchFamily="18" charset="0"/>
+                <a:cs typeface="Times New Roman" panose="02020603050405020304" pitchFamily="18" charset="0"/>
+              </a:rPr>
+              <a:t> propia</a:t>
+            </a:r>
+            <a:endParaRPr lang="es-MX" sz="2400" i="1" dirty="0">
+              <a:latin typeface="Times New Roman" panose="02020603050405020304" pitchFamily="18" charset="0"/>
+              <a:cs typeface="Times New Roman" panose="02020603050405020304" pitchFamily="18" charset="0"/>
+            </a:endParaRPr>
+          </a:p>
+        </p:txBody>
+      </p:sp>
+    </p:spTree>
+    <p:extLst>
+      <p:ext uri="{BB962C8B-B14F-4D97-AF65-F5344CB8AC3E}">
+        <p14:creationId xmlns:p14="http://schemas.microsoft.com/office/powerpoint/2010/main" val="3907321730"/>
+      </p:ext>
+    </p:extLst>
+  </p:cSld>
+  <p:clrMapOvr>
+    <a:masterClrMapping/>
+  </p:clrMapOvr>
+  <p:timing>
+    <p:tnLst>
+      <p:par>
+        <p:cTn id="1" dur="indefinite" restart="never" nodeType="tmRoot"/>
+      </p:par>
+    </p:tnLst>
+  </p:timing>
+</p:sld>
+</file>
+
+<file path=ppt/slides/slide25.xml><?xml version="1.0" encoding="utf-8"?>
+<p:sld xmlns:a="http://schemas.openxmlformats.org/drawingml/2006/main" xmlns:r="http://schemas.openxmlformats.org/officeDocument/2006/relationships" xmlns:p="http://schemas.openxmlformats.org/presentationml/2006/main">
+  <p:cSld>
+    <p:spTree>
+      <p:nvGrpSpPr>
+        <p:cNvPr id="1" name=""/>
+        <p:cNvGrpSpPr/>
+        <p:nvPr/>
+      </p:nvGrpSpPr>
+      <p:grpSpPr>
+        <a:xfrm>
+          <a:off x="0" y="0"/>
+          <a:ext cx="0" cy="0"/>
+          <a:chOff x="0" y="0"/>
+          <a:chExt cx="0" cy="0"/>
+        </a:xfrm>
+      </p:grpSpPr>
+      <p:pic>
+        <p:nvPicPr>
+          <p:cNvPr id="2" name="Imagen 1"/>
+          <p:cNvPicPr>
+            <a:picLocks noChangeAspect="1"/>
+          </p:cNvPicPr>
+          <p:nvPr/>
+        </p:nvPicPr>
+        <p:blipFill>
+          <a:blip r:embed="rId2">
+            <a:extLst>
+              <a:ext uri="{28A0092B-C50C-407E-A947-70E740481C1C}">
+                <a14:useLocalDpi xmlns:a14="http://schemas.microsoft.com/office/drawing/2010/main" val="0"/>
+              </a:ext>
+            </a:extLst>
+          </a:blip>
+          <a:stretch>
+            <a:fillRect/>
+          </a:stretch>
+        </p:blipFill>
+        <p:spPr>
+          <a:xfrm>
+            <a:off x="0" y="1366117"/>
+            <a:ext cx="9768114" cy="5491883"/>
+          </a:xfrm>
+          <a:prstGeom prst="rect">
+            <a:avLst/>
+          </a:prstGeom>
+        </p:spPr>
+      </p:pic>
+      <p:sp>
+        <p:nvSpPr>
+          <p:cNvPr id="10" name="Título 1">
+            <a:extLst>
+              <a:ext uri="{FF2B5EF4-FFF2-40B4-BE49-F238E27FC236}">
+                <a16:creationId xmlns:a16="http://schemas.microsoft.com/office/drawing/2014/main" xmlns="" id="{66349900-D031-47AB-BEDC-4E081B677983}"/>
+              </a:ext>
+            </a:extLst>
+          </p:cNvPr>
+          <p:cNvSpPr>
+            <a:spLocks noGrp="1"/>
+          </p:cNvSpPr>
+          <p:nvPr>
+            <p:ph type="title"/>
+          </p:nvPr>
+        </p:nvSpPr>
+        <p:spPr>
+          <a:xfrm>
+            <a:off x="4107542" y="303892"/>
+            <a:ext cx="8084457" cy="726621"/>
+          </a:xfrm>
+        </p:spPr>
+        <p:txBody>
+          <a:bodyPr>
+            <a:normAutofit/>
+          </a:bodyPr>
+          <a:lstStyle/>
+          <a:p>
+            <a:pPr algn="r"/>
+            <a:r>
+              <a:rPr lang="es-MX" b="1" dirty="0" smtClean="0">
+                <a:solidFill>
+                  <a:schemeClr val="bg1"/>
+                </a:solidFill>
+              </a:rPr>
+              <a:t>Etapa IV - Pruebas - Estudiantes</a:t>
+            </a:r>
+            <a:endParaRPr lang="es-MX" b="1" dirty="0">
+              <a:solidFill>
+                <a:schemeClr val="bg1"/>
+              </a:solidFill>
+            </a:endParaRPr>
+          </a:p>
+        </p:txBody>
+      </p:sp>
+      <p:sp>
+        <p:nvSpPr>
+          <p:cNvPr id="4" name="CuadroTexto 3">
+            <a:extLst>
+              <a:ext uri="{FF2B5EF4-FFF2-40B4-BE49-F238E27FC236}">
+                <a16:creationId xmlns:a16="http://schemas.microsoft.com/office/drawing/2014/main" xmlns="" id="{89E46AF4-218E-4E1B-B422-59B657A05EE8}"/>
+              </a:ext>
+            </a:extLst>
+          </p:cNvPr>
+          <p:cNvSpPr txBox="1"/>
+          <p:nvPr/>
+        </p:nvSpPr>
+        <p:spPr>
+          <a:xfrm>
+            <a:off x="9768114" y="1366117"/>
+            <a:ext cx="2533650" cy="461665"/>
+          </a:xfrm>
+          <a:prstGeom prst="rect">
+            <a:avLst/>
+          </a:prstGeom>
+          <a:noFill/>
+        </p:spPr>
+        <p:txBody>
+          <a:bodyPr wrap="square" rtlCol="0">
+            <a:spAutoFit/>
+          </a:bodyPr>
+          <a:lstStyle/>
+          <a:p>
+            <a:pPr algn="just"/>
+            <a:r>
+              <a:rPr lang="es-MX" sz="2400" b="1" i="1" dirty="0" smtClean="0">
+                <a:latin typeface="Times New Roman" panose="02020603050405020304" pitchFamily="18" charset="0"/>
+                <a:cs typeface="Times New Roman" panose="02020603050405020304" pitchFamily="18" charset="0"/>
+              </a:rPr>
+              <a:t>Fuente</a:t>
+            </a:r>
+            <a:r>
+              <a:rPr lang="es-MX" sz="2400" b="1" i="1" dirty="0">
+                <a:latin typeface="Times New Roman" panose="02020603050405020304" pitchFamily="18" charset="0"/>
+                <a:cs typeface="Times New Roman" panose="02020603050405020304" pitchFamily="18" charset="0"/>
+              </a:rPr>
+              <a:t>:</a:t>
+            </a:r>
+            <a:r>
+              <a:rPr lang="es-MX" sz="2400" b="1" i="1" dirty="0" smtClean="0">
+                <a:latin typeface="Times New Roman" panose="02020603050405020304" pitchFamily="18" charset="0"/>
+                <a:cs typeface="Times New Roman" panose="02020603050405020304" pitchFamily="18" charset="0"/>
+              </a:rPr>
+              <a:t> propia</a:t>
+            </a:r>
+            <a:endParaRPr lang="es-MX" sz="2400" i="1" dirty="0">
+              <a:latin typeface="Times New Roman" panose="02020603050405020304" pitchFamily="18" charset="0"/>
+              <a:cs typeface="Times New Roman" panose="02020603050405020304" pitchFamily="18" charset="0"/>
+            </a:endParaRPr>
+          </a:p>
+        </p:txBody>
+      </p:sp>
+    </p:spTree>
+    <p:extLst>
+      <p:ext uri="{BB962C8B-B14F-4D97-AF65-F5344CB8AC3E}">
+        <p14:creationId xmlns:p14="http://schemas.microsoft.com/office/powerpoint/2010/main" val="636550106"/>
+      </p:ext>
+    </p:extLst>
+  </p:cSld>
+  <p:clrMapOvr>
+    <a:masterClrMapping/>
+  </p:clrMapOvr>
+  <p:timing>
+    <p:tnLst>
+      <p:par>
+        <p:cTn id="1" dur="indefinite" restart="never" nodeType="tmRoot"/>
+      </p:par>
+    </p:tnLst>
+  </p:timing>
+</p:sld>
+</file>
+
+<file path=ppt/slides/slide26.xml><?xml version="1.0" encoding="utf-8"?>
+<p:sld xmlns:a="http://schemas.openxmlformats.org/drawingml/2006/main" xmlns:r="http://schemas.openxmlformats.org/officeDocument/2006/relationships" xmlns:p="http://schemas.openxmlformats.org/presentationml/2006/main">
+  <p:cSld>
+    <p:spTree>
+      <p:nvGrpSpPr>
+        <p:cNvPr id="1" name=""/>
+        <p:cNvGrpSpPr/>
+        <p:nvPr/>
+      </p:nvGrpSpPr>
+      <p:grpSpPr>
+        <a:xfrm>
+          <a:off x="0" y="0"/>
+          <a:ext cx="0" cy="0"/>
+          <a:chOff x="0" y="0"/>
+          <a:chExt cx="0" cy="0"/>
+        </a:xfrm>
+      </p:grpSpPr>
+      <p:sp>
+        <p:nvSpPr>
+          <p:cNvPr id="2" name="Título 1">
+            <a:extLst>
+              <a:ext uri="{FF2B5EF4-FFF2-40B4-BE49-F238E27FC236}">
+                <a16:creationId xmlns:a16="http://schemas.microsoft.com/office/drawing/2014/main" xmlns="" id="{F3C1574D-8292-4410-B1E4-1EBE9DF828D1}"/>
+              </a:ext>
+            </a:extLst>
+          </p:cNvPr>
+          <p:cNvSpPr>
+            <a:spLocks noGrp="1"/>
+          </p:cNvSpPr>
+          <p:nvPr>
+            <p:ph type="title"/>
+          </p:nvPr>
+        </p:nvSpPr>
+        <p:spPr>
+          <a:xfrm>
             <a:off x="4893972" y="0"/>
             <a:ext cx="7298029" cy="1325563"/>
           </a:xfrm>
@@ -11185,7 +9904,175 @@
           <a:bodyPr/>
           <a:lstStyle/>
           <a:p>
-            <a:pPr algn="ctr"/>
+            <a:pPr algn="r"/>
+            <a:r>
+              <a:rPr lang="es-MX" b="1" dirty="0">
+                <a:solidFill>
+                  <a:schemeClr val="bg1"/>
+                </a:solidFill>
+              </a:rPr>
+              <a:t>Conclusiones</a:t>
+            </a:r>
+            <a:r>
+              <a:rPr lang="es-MX" dirty="0">
+                <a:solidFill>
+                  <a:schemeClr val="bg1"/>
+                </a:solidFill>
+              </a:rPr>
+              <a:t> </a:t>
+            </a:r>
+          </a:p>
+        </p:txBody>
+      </p:sp>
+      <p:sp>
+        <p:nvSpPr>
+          <p:cNvPr id="4" name="Marcador de contenido 2">
+            <a:extLst>
+              <a:ext uri="{FF2B5EF4-FFF2-40B4-BE49-F238E27FC236}">
+                <a16:creationId xmlns:a16="http://schemas.microsoft.com/office/drawing/2014/main" xmlns="" id="{E0439019-967A-48CB-99F3-103D64E7D9BA}"/>
+              </a:ext>
+            </a:extLst>
+          </p:cNvPr>
+          <p:cNvSpPr>
+            <a:spLocks noGrp="1"/>
+          </p:cNvSpPr>
+          <p:nvPr>
+            <p:ph idx="1"/>
+          </p:nvPr>
+        </p:nvSpPr>
+        <p:spPr>
+          <a:xfrm>
+            <a:off x="723900" y="1325563"/>
+            <a:ext cx="10934700" cy="4732337"/>
+          </a:xfrm>
+        </p:spPr>
+        <p:txBody>
+          <a:bodyPr>
+            <a:noAutofit/>
+          </a:bodyPr>
+          <a:lstStyle/>
+          <a:p>
+            <a:pPr algn="just">
+              <a:lnSpc>
+                <a:spcPct val="100000"/>
+              </a:lnSpc>
+              <a:spcBef>
+                <a:spcPts val="0"/>
+              </a:spcBef>
+            </a:pPr>
+            <a:r>
+              <a:rPr lang="es-CO" sz="4000" dirty="0" smtClean="0"/>
+              <a:t>El objetivo general se alcanzó con los siguientes productos desarrollados.</a:t>
+            </a:r>
+          </a:p>
+          <a:p>
+            <a:pPr algn="just">
+              <a:lnSpc>
+                <a:spcPct val="100000"/>
+              </a:lnSpc>
+              <a:spcBef>
+                <a:spcPts val="0"/>
+              </a:spcBef>
+            </a:pPr>
+            <a:r>
+              <a:rPr lang="es-CO" sz="4000" dirty="0" smtClean="0"/>
+              <a:t>Se desarrolló una base de datos Mysql.</a:t>
+            </a:r>
+          </a:p>
+          <a:p>
+            <a:pPr algn="just">
+              <a:lnSpc>
+                <a:spcPct val="100000"/>
+              </a:lnSpc>
+              <a:spcBef>
+                <a:spcPts val="0"/>
+              </a:spcBef>
+            </a:pPr>
+            <a:r>
+              <a:rPr lang="es-CO" sz="4000" dirty="0" smtClean="0"/>
+              <a:t>Se desarrolló una aplicación JSE para los administradores.</a:t>
+            </a:r>
+          </a:p>
+          <a:p>
+            <a:pPr algn="just">
+              <a:lnSpc>
+                <a:spcPct val="100000"/>
+              </a:lnSpc>
+              <a:spcBef>
+                <a:spcPts val="0"/>
+              </a:spcBef>
+            </a:pPr>
+            <a:r>
+              <a:rPr lang="es-CO" sz="4000" dirty="0" smtClean="0"/>
+              <a:t>Se desarrolló una aplicación JEE para los estudiantes.</a:t>
+            </a:r>
+          </a:p>
+        </p:txBody>
+      </p:sp>
+    </p:spTree>
+    <p:extLst>
+      <p:ext uri="{BB962C8B-B14F-4D97-AF65-F5344CB8AC3E}">
+        <p14:creationId xmlns:p14="http://schemas.microsoft.com/office/powerpoint/2010/main" val="2862120921"/>
+      </p:ext>
+    </p:extLst>
+  </p:cSld>
+  <p:clrMapOvr>
+    <a:masterClrMapping/>
+  </p:clrMapOvr>
+  <p:timing>
+    <p:tnLst>
+      <p:par>
+        <p:cTn id="1" dur="indefinite" restart="never" nodeType="tmRoot"/>
+      </p:par>
+    </p:tnLst>
+  </p:timing>
+</p:sld>
+</file>
+
+<file path=ppt/slides/slide27.xml><?xml version="1.0" encoding="utf-8"?>
+<p:sld xmlns:a="http://schemas.openxmlformats.org/drawingml/2006/main" xmlns:r="http://schemas.openxmlformats.org/officeDocument/2006/relationships" xmlns:p="http://schemas.openxmlformats.org/presentationml/2006/main">
+  <p:cSld>
+    <p:spTree>
+      <p:nvGrpSpPr>
+        <p:cNvPr id="1" name=""/>
+        <p:cNvGrpSpPr/>
+        <p:nvPr/>
+      </p:nvGrpSpPr>
+      <p:grpSpPr>
+        <a:xfrm>
+          <a:off x="0" y="0"/>
+          <a:ext cx="0" cy="0"/>
+          <a:chOff x="0" y="0"/>
+          <a:chExt cx="0" cy="0"/>
+        </a:xfrm>
+      </p:grpSpPr>
+      <p:sp>
+        <p:nvSpPr>
+          <p:cNvPr id="2" name="Título 1">
+            <a:extLst>
+              <a:ext uri="{FF2B5EF4-FFF2-40B4-BE49-F238E27FC236}">
+                <a16:creationId xmlns:a16="http://schemas.microsoft.com/office/drawing/2014/main" xmlns="" id="{F3C1574D-8292-4410-B1E4-1EBE9DF828D1}"/>
+              </a:ext>
+            </a:extLst>
+          </p:cNvPr>
+          <p:cNvSpPr>
+            <a:spLocks noGrp="1"/>
+          </p:cNvSpPr>
+          <p:nvPr>
+            <p:ph type="title"/>
+          </p:nvPr>
+        </p:nvSpPr>
+        <p:spPr>
+          <a:xfrm>
+            <a:off x="4893972" y="0"/>
+            <a:ext cx="7298029" cy="1325563"/>
+          </a:xfrm>
+        </p:spPr>
+        <p:txBody>
+          <a:bodyPr/>
+          <a:lstStyle/>
+          <a:p>
+            <a:pPr algn="r"/>
             <a:r>
               <a:rPr lang="es-MX" b="1" dirty="0" smtClean="0">
                 <a:solidFill>
@@ -11868,8 +10755,8 @@
         </p:nvSpPr>
         <p:spPr>
           <a:xfrm>
-            <a:off x="990128" y="2859661"/>
-            <a:ext cx="5802560" cy="1812547"/>
+            <a:off x="1002653" y="1343818"/>
+            <a:ext cx="10245719" cy="1812547"/>
           </a:xfrm>
           <a:prstGeom prst="rect">
             <a:avLst/>
@@ -11899,9 +10786,9 @@
             </a:lvl1pPr>
           </a:lstStyle>
           <a:p>
-            <a:pPr algn="ctr"/>
-            <a:r>
-              <a:rPr lang="es-CO" sz="3600" dirty="0">
+            <a:pPr algn="just"/>
+            <a:r>
+              <a:rPr lang="es-CO" sz="4000" dirty="0" smtClean="0">
                 <a:solidFill>
                   <a:srgbClr val="000000"/>
                 </a:solidFill>
@@ -11909,20 +10796,9 @@
                 <a:ea typeface="Cambria"/>
                 <a:cs typeface="Times New Roman" panose="02020603050405020304" pitchFamily="18" charset="0"/>
               </a:rPr>
-              <a:t>¿</a:t>
-            </a:r>
-            <a:r>
-              <a:rPr lang="es-CO" sz="3600" dirty="0" smtClean="0">
-                <a:solidFill>
-                  <a:srgbClr val="000000"/>
-                </a:solidFill>
-                <a:latin typeface="+mn-lt"/>
-                <a:ea typeface="Cambria"/>
-                <a:cs typeface="Times New Roman" panose="02020603050405020304" pitchFamily="18" charset="0"/>
-              </a:rPr>
-              <a:t>Conoces alguien que haya abandonado sus estudios?</a:t>
-            </a:r>
-            <a:endParaRPr lang="es-CO" sz="3600" dirty="0">
+              <a:t>¿Tienes algún amigo o familiar que haya abandonado sus estudios técnicos, tecnológicos o profesionales?</a:t>
+            </a:r>
+            <a:endParaRPr lang="es-CO" sz="4000" dirty="0">
               <a:latin typeface="+mn-lt"/>
               <a:cs typeface="Times New Roman" panose="02020603050405020304" pitchFamily="18" charset="0"/>
             </a:endParaRPr>
@@ -11934,7 +10810,7 @@
           <p:cNvPr id="5" name="Título 1">
             <a:extLst>
               <a:ext uri="{FF2B5EF4-FFF2-40B4-BE49-F238E27FC236}">
-                <a16:creationId xmlns="" xmlns:a16="http://schemas.microsoft.com/office/drawing/2014/main" id="{F194AB6A-55E1-4B44-A983-8BC6AA65E29D}"/>
+                <a16:creationId xmlns:a16="http://schemas.microsoft.com/office/drawing/2014/main" xmlns="" id="{F194AB6A-55E1-4B44-A983-8BC6AA65E29D}"/>
               </a:ext>
             </a:extLst>
           </p:cNvPr>
@@ -11947,15 +10823,15 @@
         </p:nvSpPr>
         <p:spPr>
           <a:xfrm>
-            <a:off x="5138670" y="18255"/>
-            <a:ext cx="7053329" cy="1325563"/>
+            <a:off x="9068844" y="18255"/>
+            <a:ext cx="3123155" cy="1325563"/>
           </a:xfrm>
         </p:spPr>
         <p:txBody>
           <a:bodyPr/>
           <a:lstStyle/>
           <a:p>
-            <a:pPr algn="ctr"/>
+            <a:pPr algn="r"/>
             <a:r>
               <a:rPr lang="es-MX" b="1" dirty="0" smtClean="0">
                 <a:solidFill>
@@ -11972,36 +10848,6 @@
           </a:p>
         </p:txBody>
       </p:sp>
-      <p:pic>
-        <p:nvPicPr>
-          <p:cNvPr id="2" name="Imagen 1"/>
-          <p:cNvPicPr>
-            <a:picLocks noChangeAspect="1"/>
-          </p:cNvPicPr>
-          <p:nvPr/>
-        </p:nvPicPr>
-        <p:blipFill>
-          <a:blip r:embed="rId2">
-            <a:extLst>
-              <a:ext uri="{28A0092B-C50C-407E-A947-70E740481C1C}">
-                <a14:useLocalDpi xmlns:a14="http://schemas.microsoft.com/office/drawing/2010/main" val="0"/>
-              </a:ext>
-            </a:extLst>
-          </a:blip>
-          <a:stretch>
-            <a:fillRect/>
-          </a:stretch>
-        </p:blipFill>
-        <p:spPr>
-          <a:xfrm>
-            <a:off x="7550171" y="1343818"/>
-            <a:ext cx="3101727" cy="5514182"/>
-          </a:xfrm>
-          <a:prstGeom prst="rect">
-            <a:avLst/>
-          </a:prstGeom>
-        </p:spPr>
-      </p:pic>
     </p:spTree>
     <p:extLst>
       <p:ext uri="{BB962C8B-B14F-4D97-AF65-F5344CB8AC3E}">
@@ -12051,15 +10897,15 @@
         </p:nvSpPr>
         <p:spPr>
           <a:xfrm>
-            <a:off x="4108361" y="0"/>
-            <a:ext cx="8083639" cy="1325563"/>
+            <a:off x="9757775" y="0"/>
+            <a:ext cx="2434225" cy="1325563"/>
           </a:xfrm>
         </p:spPr>
         <p:txBody>
           <a:bodyPr/>
           <a:lstStyle/>
           <a:p>
-            <a:pPr algn="ctr"/>
+            <a:pPr algn="r"/>
             <a:r>
               <a:rPr lang="es-CO" b="1" dirty="0">
                 <a:solidFill>
@@ -12079,8 +10925,8 @@
         </p:nvSpPr>
         <p:spPr>
           <a:xfrm>
-            <a:off x="1033670" y="2677285"/>
-            <a:ext cx="10376452" cy="1569660"/>
+            <a:off x="695467" y="1325563"/>
+            <a:ext cx="10728270" cy="2554545"/>
           </a:xfrm>
           <a:prstGeom prst="rect">
             <a:avLst/>
@@ -12094,34 +10940,34 @@
           <a:p>
             <a:pPr algn="just"/>
             <a:r>
-              <a:rPr lang="es-CO" sz="3200" dirty="0" smtClean="0"/>
+              <a:rPr lang="es-CO" sz="4000" dirty="0" smtClean="0"/>
               <a:t>Las Instituciones de Educación Superior, </a:t>
             </a:r>
             <a:r>
-              <a:rPr lang="es-CO" sz="3200" dirty="0"/>
+              <a:rPr lang="es-CO" sz="4000" dirty="0"/>
               <a:t>obtienen grandes cantidades de información sobre sus estudiantes mediante e</a:t>
             </a:r>
             <a:r>
-              <a:rPr lang="es-CO" sz="3200" dirty="0" smtClean="0"/>
+              <a:rPr lang="es-CO" sz="4000" dirty="0" smtClean="0"/>
               <a:t>l </a:t>
             </a:r>
             <a:r>
-              <a:rPr lang="es-CO" sz="3200" dirty="0"/>
+              <a:rPr lang="es-CO" sz="4000" dirty="0"/>
               <a:t>proceso de </a:t>
             </a:r>
             <a:r>
-              <a:rPr lang="es-CO" sz="3200" b="1" dirty="0"/>
+              <a:rPr lang="es-CO" sz="4000" b="1" dirty="0"/>
               <a:t>caracterización </a:t>
             </a:r>
             <a:r>
-              <a:rPr lang="es-CO" sz="3200" b="1" dirty="0" smtClean="0"/>
+              <a:rPr lang="es-CO" sz="4000" b="1" dirty="0" smtClean="0"/>
               <a:t>estudiantil</a:t>
             </a:r>
             <a:r>
-              <a:rPr lang="es-CO" sz="3200" dirty="0" smtClean="0"/>
+              <a:rPr lang="es-CO" sz="4000" dirty="0" smtClean="0"/>
               <a:t>.</a:t>
             </a:r>
-            <a:endParaRPr lang="es-CO" sz="3200" dirty="0"/>
+            <a:endParaRPr lang="es-CO" sz="4000" dirty="0"/>
           </a:p>
         </p:txBody>
       </p:sp>
@@ -12167,7 +11013,7 @@
           <p:cNvPr id="3" name="Marcador de contenido 2">
             <a:extLst>
               <a:ext uri="{FF2B5EF4-FFF2-40B4-BE49-F238E27FC236}">
-                <a16:creationId xmlns="" xmlns:a16="http://schemas.microsoft.com/office/drawing/2014/main" id="{F27ED2C7-5D3D-48D6-995C-A170B4F5C4EE}"/>
+                <a16:creationId xmlns:a16="http://schemas.microsoft.com/office/drawing/2014/main" xmlns="" id="{F27ED2C7-5D3D-48D6-995C-A170B4F5C4EE}"/>
               </a:ext>
             </a:extLst>
           </p:cNvPr>
@@ -12180,13 +11026,13 @@
         </p:nvSpPr>
         <p:spPr>
           <a:xfrm>
-            <a:off x="570475" y="2067890"/>
-            <a:ext cx="10693873" cy="3939015"/>
+            <a:off x="645631" y="1325563"/>
+            <a:ext cx="10693873" cy="5012607"/>
           </a:xfrm>
         </p:spPr>
         <p:txBody>
           <a:bodyPr>
-            <a:normAutofit/>
+            <a:noAutofit/>
           </a:bodyPr>
           <a:lstStyle/>
           <a:p>
@@ -12199,7 +11045,7 @@
               </a:spcBef>
             </a:pPr>
             <a:r>
-              <a:rPr lang="es-MX" sz="3200" dirty="0" smtClean="0">
+              <a:rPr lang="es-MX" sz="4000" dirty="0" smtClean="0">
                 <a:cs typeface="Times New Roman" panose="02020603050405020304" pitchFamily="18" charset="0"/>
               </a:rPr>
               <a:t>No se utiliza una herramienta desarrollada por UNIMINUTO.</a:t>
@@ -12215,7 +11061,7 @@
               </a:spcBef>
               <a:buNone/>
             </a:pPr>
-            <a:endParaRPr lang="es-MX" sz="3200" dirty="0">
+            <a:endParaRPr lang="es-MX" sz="4000" dirty="0">
               <a:cs typeface="Times New Roman" panose="02020603050405020304" pitchFamily="18" charset="0"/>
             </a:endParaRPr>
           </a:p>
@@ -12229,7 +11075,7 @@
               </a:spcBef>
             </a:pPr>
             <a:r>
-              <a:rPr lang="es-MX" sz="3200" dirty="0" smtClean="0">
+              <a:rPr lang="es-MX" sz="4000" dirty="0" smtClean="0">
                 <a:cs typeface="Times New Roman" panose="02020603050405020304" pitchFamily="18" charset="0"/>
               </a:rPr>
               <a:t>Mantener actualizada la información 100% es una tarea compleja.</a:t>
@@ -12245,7 +11091,7 @@
               </a:spcBef>
               <a:buNone/>
             </a:pPr>
-            <a:endParaRPr lang="es-MX" sz="3200" dirty="0" smtClean="0">
+            <a:endParaRPr lang="es-MX" sz="4000" dirty="0" smtClean="0">
               <a:cs typeface="Times New Roman" panose="02020603050405020304" pitchFamily="18" charset="0"/>
             </a:endParaRPr>
           </a:p>
@@ -12259,16 +11105,10 @@
               </a:spcBef>
             </a:pPr>
             <a:r>
-              <a:rPr lang="es-MX" sz="3200" dirty="0">
+              <a:rPr lang="es-MX" sz="4000" dirty="0" smtClean="0">
                 <a:cs typeface="Times New Roman" panose="02020603050405020304" pitchFamily="18" charset="0"/>
               </a:rPr>
-              <a:t>D</a:t>
-            </a:r>
-            <a:r>
-              <a:rPr lang="es-MX" sz="3200" dirty="0" smtClean="0">
-                <a:cs typeface="Times New Roman" panose="02020603050405020304" pitchFamily="18" charset="0"/>
-              </a:rPr>
-              <a:t>esde el marco legal, es importante dar el debido manejo de la información de los estudiantes.</a:t>
+              <a:t>Es muy importante manejar la información de los estudiantes de una manera responsable.</a:t>
             </a:r>
           </a:p>
         </p:txBody>
@@ -12285,15 +11125,15 @@
         </p:nvSpPr>
         <p:spPr>
           <a:xfrm>
-            <a:off x="4108361" y="0"/>
-            <a:ext cx="8083639" cy="1325563"/>
+            <a:off x="5649238" y="0"/>
+            <a:ext cx="6542762" cy="1325563"/>
           </a:xfrm>
         </p:spPr>
         <p:txBody>
           <a:bodyPr/>
           <a:lstStyle/>
           <a:p>
-            <a:pPr algn="ctr"/>
+            <a:pPr algn="r"/>
             <a:r>
               <a:rPr lang="es-CO" b="1" dirty="0" smtClean="0">
                 <a:solidFill>
@@ -12352,7 +11192,7 @@
           <p:cNvPr id="3" name="Marcador de contenido 2">
             <a:extLst>
               <a:ext uri="{FF2B5EF4-FFF2-40B4-BE49-F238E27FC236}">
-                <a16:creationId xmlns="" xmlns:a16="http://schemas.microsoft.com/office/drawing/2014/main" id="{F27ED2C7-5D3D-48D6-995C-A170B4F5C4EE}"/>
+                <a16:creationId xmlns:a16="http://schemas.microsoft.com/office/drawing/2014/main" xmlns="" id="{F27ED2C7-5D3D-48D6-995C-A170B4F5C4EE}"/>
               </a:ext>
             </a:extLst>
           </p:cNvPr>
@@ -12365,8 +11205,8 @@
         </p:nvSpPr>
         <p:spPr>
           <a:xfrm>
-            <a:off x="942167" y="3149665"/>
-            <a:ext cx="10441451" cy="1663635"/>
+            <a:off x="891975" y="1325563"/>
+            <a:ext cx="10441451" cy="3576812"/>
           </a:xfrm>
         </p:spPr>
         <p:txBody>
@@ -12375,7 +11215,7 @@
           </a:bodyPr>
           <a:lstStyle/>
           <a:p>
-            <a:pPr marL="0" indent="0" algn="ctr">
+            <a:pPr marL="0" indent="0" algn="just">
               <a:lnSpc>
                 <a:spcPct val="100000"/>
               </a:lnSpc>
@@ -12385,30 +11225,30 @@
               <a:buNone/>
             </a:pPr>
             <a:r>
-              <a:rPr lang="es-MX" sz="3200" dirty="0" smtClean="0">
+              <a:rPr lang="es-MX" sz="4000" dirty="0" smtClean="0">
                 <a:cs typeface="Times New Roman" panose="02020603050405020304" pitchFamily="18" charset="0"/>
               </a:rPr>
               <a:t>¿</a:t>
             </a:r>
             <a:r>
-              <a:rPr lang="es-CO" sz="3200" dirty="0" smtClean="0"/>
+              <a:rPr lang="es-CO" sz="4000" dirty="0" smtClean="0"/>
               <a:t>Cómo </a:t>
             </a:r>
             <a:r>
-              <a:rPr lang="es-CO" sz="3200" dirty="0"/>
+              <a:rPr lang="es-CO" sz="4000" dirty="0"/>
               <a:t>desarrollar una solución </a:t>
             </a:r>
             <a:r>
-              <a:rPr lang="es-CO" sz="3200" dirty="0" smtClean="0"/>
+              <a:rPr lang="es-CO" sz="4000" dirty="0" smtClean="0"/>
               <a:t>informática basada en el software libre, para sistematizar el proceso de caracterización estudiantil en las Instituciones de Educación Superior</a:t>
             </a:r>
             <a:r>
-              <a:rPr lang="es-MX" sz="3200" dirty="0" smtClean="0">
+              <a:rPr lang="es-MX" sz="4000" dirty="0" smtClean="0">
                 <a:cs typeface="Times New Roman" panose="02020603050405020304" pitchFamily="18" charset="0"/>
               </a:rPr>
               <a:t>?</a:t>
             </a:r>
-            <a:endParaRPr lang="es-MX" sz="3200" dirty="0">
+            <a:endParaRPr lang="es-MX" sz="4000" dirty="0">
               <a:cs typeface="Times New Roman" panose="02020603050405020304" pitchFamily="18" charset="0"/>
             </a:endParaRPr>
           </a:p>
@@ -12426,15 +11266,15 @@
         </p:nvSpPr>
         <p:spPr>
           <a:xfrm>
-            <a:off x="4108361" y="0"/>
-            <a:ext cx="8083639" cy="1325563"/>
+            <a:off x="6112701" y="0"/>
+            <a:ext cx="6079299" cy="1325563"/>
           </a:xfrm>
         </p:spPr>
         <p:txBody>
           <a:bodyPr/>
           <a:lstStyle/>
           <a:p>
-            <a:pPr algn="ctr"/>
+            <a:pPr algn="r"/>
             <a:r>
               <a:rPr lang="es-CO" b="1" dirty="0" smtClean="0">
                 <a:solidFill>
@@ -12493,7 +11333,7 @@
           <p:cNvPr id="2" name="Título 1">
             <a:extLst>
               <a:ext uri="{FF2B5EF4-FFF2-40B4-BE49-F238E27FC236}">
-                <a16:creationId xmlns="" xmlns:a16="http://schemas.microsoft.com/office/drawing/2014/main" id="{F194AB6A-55E1-4B44-A983-8BC6AA65E29D}"/>
+                <a16:creationId xmlns:a16="http://schemas.microsoft.com/office/drawing/2014/main" xmlns="" id="{F194AB6A-55E1-4B44-A983-8BC6AA65E29D}"/>
               </a:ext>
             </a:extLst>
           </p:cNvPr>
@@ -12506,15 +11346,15 @@
         </p:nvSpPr>
         <p:spPr>
           <a:xfrm>
-            <a:off x="5138670" y="18255"/>
-            <a:ext cx="7053329" cy="1325563"/>
+            <a:off x="8304756" y="18255"/>
+            <a:ext cx="3887243" cy="1325563"/>
           </a:xfrm>
         </p:spPr>
         <p:txBody>
           <a:bodyPr/>
           <a:lstStyle/>
           <a:p>
-            <a:pPr algn="ctr"/>
+            <a:pPr algn="r"/>
             <a:r>
               <a:rPr lang="es-MX" b="1" dirty="0" smtClean="0">
                 <a:solidFill>
@@ -12536,7 +11376,7 @@
           <p:cNvPr id="3" name="Marcador de contenido 2">
             <a:extLst>
               <a:ext uri="{FF2B5EF4-FFF2-40B4-BE49-F238E27FC236}">
-                <a16:creationId xmlns="" xmlns:a16="http://schemas.microsoft.com/office/drawing/2014/main" id="{B24358F4-4131-4E84-B740-F17730F29968}"/>
+                <a16:creationId xmlns:a16="http://schemas.microsoft.com/office/drawing/2014/main" xmlns="" id="{B24358F4-4131-4E84-B740-F17730F29968}"/>
               </a:ext>
             </a:extLst>
           </p:cNvPr>
@@ -12549,39 +11389,39 @@
         </p:nvSpPr>
         <p:spPr>
           <a:xfrm>
-            <a:off x="1627833" y="2854751"/>
-            <a:ext cx="9443442" cy="1653749"/>
+            <a:off x="1001531" y="1343818"/>
+            <a:ext cx="10296945" cy="2426516"/>
           </a:xfrm>
         </p:spPr>
         <p:txBody>
           <a:bodyPr>
-            <a:normAutofit/>
+            <a:noAutofit/>
           </a:bodyPr>
           <a:lstStyle/>
-          <a:p>
-            <a:pPr marL="0" indent="0">
-              <a:buNone/>
-            </a:pPr>
-            <a:r>
-              <a:rPr lang="es-CO" sz="3200" dirty="0" smtClean="0"/>
-              <a:t>Desarrollar </a:t>
-            </a:r>
-            <a:r>
-              <a:rPr lang="es-CO" sz="3200" dirty="0"/>
-              <a:t>una solución informática que permita sistematizar el proceso de caracterización estudiantil en las instituciones de educación superior.</a:t>
-            </a:r>
-          </a:p>
           <a:p>
             <a:pPr marL="0" indent="0" algn="just">
               <a:buNone/>
             </a:pPr>
-            <a:endParaRPr lang="es-MX" sz="3200" dirty="0"/>
-          </a:p>
-          <a:p>
-            <a:pPr marL="0" indent="0">
+            <a:r>
+              <a:rPr lang="es-CO" sz="4000" dirty="0" smtClean="0"/>
+              <a:t>Desarrollar </a:t>
+            </a:r>
+            <a:r>
+              <a:rPr lang="es-CO" sz="4000" dirty="0"/>
+              <a:t>una solución informática que permita sistematizar el proceso de caracterización estudiantil en las instituciones de educación superior.</a:t>
+            </a:r>
+          </a:p>
+          <a:p>
+            <a:pPr marL="0" indent="0" algn="just">
               <a:buNone/>
             </a:pPr>
-            <a:endParaRPr lang="es-MX" sz="3200" dirty="0"/>
+            <a:endParaRPr lang="es-MX" sz="4000" dirty="0"/>
+          </a:p>
+          <a:p>
+            <a:pPr marL="0" indent="0" algn="just">
+              <a:buNone/>
+            </a:pPr>
+            <a:endParaRPr lang="es-MX" sz="4000" dirty="0"/>
           </a:p>
         </p:txBody>
       </p:sp>
@@ -12627,7 +11467,7 @@
           <p:cNvPr id="3" name="Marcador de contenido 2">
             <a:extLst>
               <a:ext uri="{FF2B5EF4-FFF2-40B4-BE49-F238E27FC236}">
-                <a16:creationId xmlns="" xmlns:a16="http://schemas.microsoft.com/office/drawing/2014/main" id="{E0439019-967A-48CB-99F3-103D64E7D9BA}"/>
+                <a16:creationId xmlns:a16="http://schemas.microsoft.com/office/drawing/2014/main" xmlns="" id="{E0439019-967A-48CB-99F3-103D64E7D9BA}"/>
               </a:ext>
             </a:extLst>
           </p:cNvPr>
@@ -12640,8 +11480,8 @@
         </p:nvSpPr>
         <p:spPr>
           <a:xfrm>
-            <a:off x="982008" y="1437477"/>
-            <a:ext cx="10511296" cy="5160270"/>
+            <a:off x="613775" y="1662945"/>
+            <a:ext cx="11386159" cy="4650172"/>
           </a:xfrm>
         </p:spPr>
         <p:txBody>
@@ -12652,94 +11492,137 @@
           <a:p>
             <a:pPr algn="just">
               <a:lnSpc>
-                <a:spcPct val="150000"/>
+                <a:spcPct val="100000"/>
               </a:lnSpc>
               <a:spcBef>
                 <a:spcPts val="0"/>
               </a:spcBef>
             </a:pPr>
             <a:r>
-              <a:rPr lang="es-CO" dirty="0" smtClean="0"/>
+              <a:rPr lang="es-CO" sz="3200" dirty="0" smtClean="0"/>
               <a:t>Desarrollar </a:t>
             </a:r>
             <a:r>
-              <a:rPr lang="es-CO" dirty="0"/>
+              <a:rPr lang="es-CO" sz="3200" dirty="0"/>
               <a:t>una base de </a:t>
             </a:r>
             <a:r>
-              <a:rPr lang="es-CO" dirty="0" smtClean="0"/>
+              <a:rPr lang="es-CO" sz="3200" dirty="0" smtClean="0"/>
               <a:t>datos, </a:t>
             </a:r>
             <a:r>
-              <a:rPr lang="es-CO" dirty="0"/>
+              <a:rPr lang="es-CO" sz="3200" dirty="0"/>
               <a:t>orientada </a:t>
             </a:r>
             <a:r>
-              <a:rPr lang="es-CO" dirty="0" smtClean="0"/>
+              <a:rPr lang="es-CO" sz="3200" dirty="0" smtClean="0"/>
               <a:t>al almacenamiento de la información del </a:t>
             </a:r>
             <a:r>
-              <a:rPr lang="es-CO" dirty="0"/>
+              <a:rPr lang="es-CO" sz="3200" dirty="0"/>
               <a:t>proceso de caracterización </a:t>
             </a:r>
             <a:r>
-              <a:rPr lang="es-CO" dirty="0" smtClean="0"/>
+              <a:rPr lang="es-CO" sz="3200" dirty="0" smtClean="0"/>
               <a:t>estudiantil.</a:t>
             </a:r>
-            <a:endParaRPr lang="es-MX" dirty="0"/>
+          </a:p>
+          <a:p>
+            <a:pPr marL="0" indent="0" algn="just">
+              <a:lnSpc>
+                <a:spcPct val="100000"/>
+              </a:lnSpc>
+              <a:spcBef>
+                <a:spcPts val="0"/>
+              </a:spcBef>
+              <a:buNone/>
+            </a:pPr>
+            <a:endParaRPr lang="es-MX" sz="3200" dirty="0"/>
           </a:p>
           <a:p>
             <a:pPr algn="just">
               <a:lnSpc>
-                <a:spcPct val="150000"/>
+                <a:spcPct val="100000"/>
               </a:lnSpc>
               <a:spcBef>
                 <a:spcPts val="0"/>
               </a:spcBef>
             </a:pPr>
             <a:r>
-              <a:rPr lang="es-CO" dirty="0"/>
+              <a:rPr lang="es-CO" sz="3200" dirty="0"/>
               <a:t>Desarrollar una aplicación Java Standard Edition </a:t>
             </a:r>
             <a:r>
-              <a:rPr lang="es-CO" dirty="0" smtClean="0"/>
+              <a:rPr lang="es-CO" sz="3200" dirty="0" smtClean="0"/>
               <a:t>que </a:t>
             </a:r>
             <a:r>
-              <a:rPr lang="es-CO" dirty="0"/>
-              <a:t>permita al administrador de cada institución de educación superior gestionar su proceso de caracterización estudiantil</a:t>
-            </a:r>
-            <a:r>
-              <a:rPr lang="es-CO" dirty="0" smtClean="0"/>
+              <a:rPr lang="es-CO" sz="3200" dirty="0"/>
+              <a:t>permita </a:t>
+            </a:r>
+            <a:r>
+              <a:rPr lang="es-CO" sz="3200" dirty="0" smtClean="0"/>
+              <a:t>a la </a:t>
+            </a:r>
+            <a:r>
+              <a:rPr lang="es-CO" sz="3200" dirty="0"/>
+              <a:t>institución de educación superior gestionar </a:t>
+            </a:r>
+            <a:r>
+              <a:rPr lang="es-CO" sz="3200" dirty="0" smtClean="0"/>
+              <a:t>el</a:t>
+            </a:r>
+            <a:r>
+              <a:rPr lang="es-CO" sz="3200" dirty="0" smtClean="0"/>
+              <a:t> </a:t>
+            </a:r>
+            <a:r>
+              <a:rPr lang="es-CO" sz="3200" dirty="0"/>
+              <a:t>proceso de caracterización estudiantil</a:t>
+            </a:r>
+            <a:r>
+              <a:rPr lang="es-CO" sz="3200" dirty="0" smtClean="0"/>
               <a:t>.</a:t>
             </a:r>
+          </a:p>
+          <a:p>
+            <a:pPr marL="0" indent="0" algn="just">
+              <a:lnSpc>
+                <a:spcPct val="100000"/>
+              </a:lnSpc>
+              <a:spcBef>
+                <a:spcPts val="0"/>
+              </a:spcBef>
+              <a:buNone/>
+            </a:pPr>
+            <a:endParaRPr lang="es-CO" sz="3200" dirty="0" smtClean="0"/>
           </a:p>
           <a:p>
             <a:pPr algn="just">
               <a:lnSpc>
-                <a:spcPct val="150000"/>
+                <a:spcPct val="100000"/>
               </a:lnSpc>
               <a:spcBef>
                 <a:spcPts val="0"/>
               </a:spcBef>
             </a:pPr>
             <a:r>
-              <a:rPr lang="es-CO" dirty="0"/>
+              <a:rPr lang="es-CO" sz="3200" dirty="0"/>
               <a:t>Desarrollar </a:t>
             </a:r>
             <a:r>
-              <a:rPr lang="es-CO" dirty="0" smtClean="0"/>
+              <a:rPr lang="es-CO" sz="3200" dirty="0" smtClean="0"/>
               <a:t>una aplicación Java Enterprise Edition, </a:t>
             </a:r>
             <a:r>
-              <a:rPr lang="es-CO" dirty="0"/>
+              <a:rPr lang="es-CO" sz="3200" dirty="0"/>
               <a:t>que permita a los estudiantes </a:t>
             </a:r>
             <a:r>
-              <a:rPr lang="es-CO" dirty="0" smtClean="0"/>
+              <a:rPr lang="es-CO" sz="3200" dirty="0" smtClean="0"/>
               <a:t>actualizar su información en cualquier momento.</a:t>
             </a:r>
-            <a:endParaRPr lang="es-MX" dirty="0"/>
+            <a:endParaRPr lang="es-MX" sz="3200" dirty="0"/>
           </a:p>
         </p:txBody>
       </p:sp>
@@ -12748,7 +11631,7 @@
           <p:cNvPr id="5" name="Título 1">
             <a:extLst>
               <a:ext uri="{FF2B5EF4-FFF2-40B4-BE49-F238E27FC236}">
-                <a16:creationId xmlns="" xmlns:a16="http://schemas.microsoft.com/office/drawing/2014/main" id="{F194AB6A-55E1-4B44-A983-8BC6AA65E29D}"/>
+                <a16:creationId xmlns:a16="http://schemas.microsoft.com/office/drawing/2014/main" xmlns="" id="{F194AB6A-55E1-4B44-A983-8BC6AA65E29D}"/>
               </a:ext>
             </a:extLst>
           </p:cNvPr>
@@ -12761,15 +11644,15 @@
         </p:nvSpPr>
         <p:spPr>
           <a:xfrm>
-            <a:off x="5138670" y="18255"/>
-            <a:ext cx="7053329" cy="1325563"/>
+            <a:off x="7352778" y="18255"/>
+            <a:ext cx="4839221" cy="1325563"/>
           </a:xfrm>
         </p:spPr>
         <p:txBody>
           <a:bodyPr/>
           <a:lstStyle/>
           <a:p>
-            <a:pPr algn="ctr"/>
+            <a:pPr algn="r"/>
             <a:r>
               <a:rPr lang="es-MX" b="1" dirty="0" smtClean="0">
                 <a:solidFill>
@@ -12828,7 +11711,7 @@
           <p:cNvPr id="2" name="Título 1">
             <a:extLst>
               <a:ext uri="{FF2B5EF4-FFF2-40B4-BE49-F238E27FC236}">
-                <a16:creationId xmlns="" xmlns:a16="http://schemas.microsoft.com/office/drawing/2014/main" id="{07AE7516-1AE4-45BE-98BE-4B95F4DA1742}"/>
+                <a16:creationId xmlns:a16="http://schemas.microsoft.com/office/drawing/2014/main" xmlns="" id="{07AE7516-1AE4-45BE-98BE-4B95F4DA1742}"/>
               </a:ext>
             </a:extLst>
           </p:cNvPr>
@@ -12841,8 +11724,8 @@
         </p:nvSpPr>
         <p:spPr>
           <a:xfrm>
-            <a:off x="2729133" y="18255"/>
-            <a:ext cx="9462868" cy="1325563"/>
+            <a:off x="9444625" y="18255"/>
+            <a:ext cx="2747376" cy="1325563"/>
           </a:xfrm>
         </p:spPr>
         <p:txBody>
@@ -12851,14 +11734,14 @@
           </a:bodyPr>
           <a:lstStyle/>
           <a:p>
-            <a:pPr algn="ctr"/>
+            <a:pPr algn="r"/>
             <a:r>
               <a:rPr lang="es-MX" sz="4000" b="1" dirty="0" smtClean="0">
                 <a:solidFill>
                   <a:schemeClr val="bg1"/>
                 </a:solidFill>
               </a:rPr>
-              <a:t>Justificación e impacto central del proyecto</a:t>
+              <a:t>Justificación</a:t>
             </a:r>
             <a:endParaRPr lang="es-MX" sz="4000" b="1" dirty="0">
               <a:solidFill>
@@ -12873,7 +11756,7 @@
           <p:cNvPr id="3" name="Marcador de contenido 2">
             <a:extLst>
               <a:ext uri="{FF2B5EF4-FFF2-40B4-BE49-F238E27FC236}">
-                <a16:creationId xmlns="" xmlns:a16="http://schemas.microsoft.com/office/drawing/2014/main" id="{607AE930-5E81-4976-884A-E79FEB8EAB31}"/>
+                <a16:creationId xmlns:a16="http://schemas.microsoft.com/office/drawing/2014/main" xmlns="" id="{607AE930-5E81-4976-884A-E79FEB8EAB31}"/>
               </a:ext>
             </a:extLst>
           </p:cNvPr>
@@ -12886,8 +11769,8 @@
         </p:nvSpPr>
         <p:spPr>
           <a:xfrm>
-            <a:off x="942535" y="1371636"/>
-            <a:ext cx="10564837" cy="4866326"/>
+            <a:off x="501041" y="1376431"/>
+            <a:ext cx="11523945" cy="5224785"/>
           </a:xfrm>
         </p:spPr>
         <p:txBody>
@@ -12896,101 +11779,131 @@
           </a:bodyPr>
           <a:lstStyle/>
           <a:p>
-            <a:pPr marL="0" indent="0" algn="ctr">
+            <a:pPr algn="just">
               <a:lnSpc>
-                <a:spcPct val="200000"/>
+                <a:spcPct val="100000"/>
+              </a:lnSpc>
+              <a:spcBef>
+                <a:spcPts val="0"/>
+              </a:spcBef>
+            </a:pPr>
+            <a:r>
+              <a:rPr lang="es-MX" sz="4000" dirty="0" smtClean="0"/>
+              <a:t>Sistematizar el proceso de caracterización estudiantil.</a:t>
+            </a:r>
+          </a:p>
+          <a:p>
+            <a:pPr marL="0" indent="0" algn="just">
+              <a:lnSpc>
+                <a:spcPct val="100000"/>
               </a:lnSpc>
               <a:spcBef>
                 <a:spcPts val="0"/>
               </a:spcBef>
               <a:buNone/>
             </a:pPr>
-            <a:r>
-              <a:rPr lang="es-MX" sz="3200" b="1" dirty="0"/>
-              <a:t>¿</a:t>
-            </a:r>
-            <a:r>
-              <a:rPr lang="es-MX" sz="3200" b="1" dirty="0" smtClean="0"/>
-              <a:t>Para qué desarrollar esta solución informática?</a:t>
-            </a:r>
             <a:endParaRPr lang="es-MX" sz="3200" dirty="0" smtClean="0"/>
           </a:p>
           <a:p>
             <a:pPr algn="just">
               <a:lnSpc>
-                <a:spcPct val="150000"/>
+                <a:spcPct val="100000"/>
               </a:lnSpc>
               <a:spcBef>
                 <a:spcPts val="0"/>
               </a:spcBef>
             </a:pPr>
             <a:r>
-              <a:rPr lang="es-MX" sz="3200" dirty="0" smtClean="0"/>
-              <a:t> Sistematizar el proceso.</a:t>
-            </a:r>
-            <a:endParaRPr lang="es-MX" sz="3200" dirty="0"/>
+              <a:rPr lang="es-MX" sz="4000" dirty="0" smtClean="0"/>
+              <a:t>Facilitar </a:t>
+            </a:r>
+            <a:r>
+              <a:rPr lang="es-MX" sz="4000" dirty="0"/>
+              <a:t>el trabajo</a:t>
+            </a:r>
+            <a:r>
+              <a:rPr lang="es-MX" sz="4000" dirty="0" smtClean="0"/>
+              <a:t>.</a:t>
+            </a:r>
+          </a:p>
+          <a:p>
+            <a:pPr marL="0" indent="0" algn="just">
+              <a:lnSpc>
+                <a:spcPct val="100000"/>
+              </a:lnSpc>
+              <a:spcBef>
+                <a:spcPts val="0"/>
+              </a:spcBef>
+              <a:buNone/>
+            </a:pPr>
+            <a:endParaRPr lang="es-MX" sz="3200" dirty="0" smtClean="0"/>
           </a:p>
           <a:p>
             <a:pPr algn="just">
               <a:lnSpc>
-                <a:spcPct val="150000"/>
+                <a:spcPct val="100000"/>
               </a:lnSpc>
               <a:spcBef>
                 <a:spcPts val="0"/>
               </a:spcBef>
             </a:pPr>
             <a:r>
-              <a:rPr lang="es-MX" sz="3200" dirty="0"/>
-              <a:t>Facilitar el trabajo</a:t>
-            </a:r>
-            <a:r>
-              <a:rPr lang="es-MX" sz="3200" dirty="0" smtClean="0"/>
-              <a:t>.</a:t>
-            </a:r>
+              <a:rPr lang="es-MX" sz="4000" dirty="0" smtClean="0"/>
+              <a:t>Generar alertas tempranas en forma de reportes.</a:t>
+            </a:r>
+          </a:p>
+          <a:p>
+            <a:pPr marL="0" indent="0" algn="just">
+              <a:lnSpc>
+                <a:spcPct val="100000"/>
+              </a:lnSpc>
+              <a:spcBef>
+                <a:spcPts val="0"/>
+              </a:spcBef>
+              <a:buNone/>
+            </a:pPr>
+            <a:endParaRPr lang="es-MX" sz="3200" dirty="0"/>
           </a:p>
           <a:p>
             <a:pPr algn="just">
               <a:lnSpc>
-                <a:spcPct val="150000"/>
+                <a:spcPct val="100000"/>
               </a:lnSpc>
               <a:spcBef>
                 <a:spcPts val="0"/>
               </a:spcBef>
             </a:pPr>
             <a:r>
-              <a:rPr lang="es-MX" sz="3200" dirty="0" smtClean="0"/>
-              <a:t>Identificar las necesidades de los estudiantes</a:t>
-            </a:r>
-            <a:endParaRPr lang="es-MX" sz="3200" dirty="0"/>
+              <a:rPr lang="es-MX" sz="4000" dirty="0" smtClean="0"/>
+              <a:t>Dar cumplimiento al marco legal contenido en la CPC.</a:t>
+            </a:r>
+          </a:p>
+          <a:p>
+            <a:pPr marL="0" indent="0" algn="just">
+              <a:lnSpc>
+                <a:spcPct val="100000"/>
+              </a:lnSpc>
+              <a:spcBef>
+                <a:spcPts val="0"/>
+              </a:spcBef>
+              <a:buNone/>
+            </a:pPr>
+            <a:endParaRPr lang="es-MX" sz="3200" dirty="0" smtClean="0"/>
           </a:p>
           <a:p>
             <a:pPr algn="just">
               <a:lnSpc>
-                <a:spcPct val="150000"/>
+                <a:spcPct val="100000"/>
               </a:lnSpc>
               <a:spcBef>
                 <a:spcPts val="0"/>
               </a:spcBef>
             </a:pPr>
             <a:r>
-              <a:rPr lang="es-MX" sz="3200" dirty="0" smtClean="0"/>
-              <a:t>Dar cumplimiento a la legislación</a:t>
-            </a:r>
-          </a:p>
-          <a:p>
-            <a:pPr algn="just">
-              <a:lnSpc>
-                <a:spcPct val="150000"/>
-              </a:lnSpc>
-              <a:spcBef>
-                <a:spcPts val="0"/>
-              </a:spcBef>
-            </a:pPr>
-            <a:r>
-              <a:rPr lang="es-MX" sz="3200" dirty="0" smtClean="0"/>
+              <a:rPr lang="es-MX" sz="4000" dirty="0" smtClean="0"/>
               <a:t>Ser un software libre desarrollado en UNIMINUTO</a:t>
             </a:r>
-            <a:endParaRPr lang="es-MX" sz="3200" dirty="0"/>
+            <a:endParaRPr lang="es-MX" sz="4000" dirty="0"/>
           </a:p>
         </p:txBody>
       </p:sp>

--- a/expo/expo.pptx
+++ b/expo/expo.pptx
@@ -269,7 +269,7 @@
           <a:p>
             <a:fld id="{D6AEB8E7-BDB9-4384-837D-5E0AF3F2FB20}" type="datetimeFigureOut">
               <a:rPr lang="es-CO" smtClean="0"/>
-              <a:t>28/11/2018</a:t>
+              <a:t>30/11/2018</a:t>
             </a:fld>
             <a:endParaRPr lang="es-CO"/>
           </a:p>
@@ -439,7 +439,7 @@
           <a:p>
             <a:fld id="{D6AEB8E7-BDB9-4384-837D-5E0AF3F2FB20}" type="datetimeFigureOut">
               <a:rPr lang="es-CO" smtClean="0"/>
-              <a:t>28/11/2018</a:t>
+              <a:t>30/11/2018</a:t>
             </a:fld>
             <a:endParaRPr lang="es-CO"/>
           </a:p>
@@ -619,7 +619,7 @@
           <a:p>
             <a:fld id="{D6AEB8E7-BDB9-4384-837D-5E0AF3F2FB20}" type="datetimeFigureOut">
               <a:rPr lang="es-CO" smtClean="0"/>
-              <a:t>28/11/2018</a:t>
+              <a:t>30/11/2018</a:t>
             </a:fld>
             <a:endParaRPr lang="es-CO"/>
           </a:p>
@@ -789,7 +789,7 @@
           <a:p>
             <a:fld id="{D6AEB8E7-BDB9-4384-837D-5E0AF3F2FB20}" type="datetimeFigureOut">
               <a:rPr lang="es-CO" smtClean="0"/>
-              <a:t>28/11/2018</a:t>
+              <a:t>30/11/2018</a:t>
             </a:fld>
             <a:endParaRPr lang="es-CO"/>
           </a:p>
@@ -1035,7 +1035,7 @@
           <a:p>
             <a:fld id="{D6AEB8E7-BDB9-4384-837D-5E0AF3F2FB20}" type="datetimeFigureOut">
               <a:rPr lang="es-CO" smtClean="0"/>
-              <a:t>28/11/2018</a:t>
+              <a:t>30/11/2018</a:t>
             </a:fld>
             <a:endParaRPr lang="es-CO"/>
           </a:p>
@@ -1267,7 +1267,7 @@
           <a:p>
             <a:fld id="{D6AEB8E7-BDB9-4384-837D-5E0AF3F2FB20}" type="datetimeFigureOut">
               <a:rPr lang="es-CO" smtClean="0"/>
-              <a:t>28/11/2018</a:t>
+              <a:t>30/11/2018</a:t>
             </a:fld>
             <a:endParaRPr lang="es-CO"/>
           </a:p>
@@ -1634,7 +1634,7 @@
           <a:p>
             <a:fld id="{D6AEB8E7-BDB9-4384-837D-5E0AF3F2FB20}" type="datetimeFigureOut">
               <a:rPr lang="es-CO" smtClean="0"/>
-              <a:t>28/11/2018</a:t>
+              <a:t>30/11/2018</a:t>
             </a:fld>
             <a:endParaRPr lang="es-CO"/>
           </a:p>
@@ -1752,7 +1752,7 @@
           <a:p>
             <a:fld id="{D6AEB8E7-BDB9-4384-837D-5E0AF3F2FB20}" type="datetimeFigureOut">
               <a:rPr lang="es-CO" smtClean="0"/>
-              <a:t>28/11/2018</a:t>
+              <a:t>30/11/2018</a:t>
             </a:fld>
             <a:endParaRPr lang="es-CO"/>
           </a:p>
@@ -1847,7 +1847,7 @@
           <a:p>
             <a:fld id="{D6AEB8E7-BDB9-4384-837D-5E0AF3F2FB20}" type="datetimeFigureOut">
               <a:rPr lang="es-CO" smtClean="0"/>
-              <a:t>28/11/2018</a:t>
+              <a:t>30/11/2018</a:t>
             </a:fld>
             <a:endParaRPr lang="es-CO"/>
           </a:p>
@@ -2124,7 +2124,7 @@
           <a:p>
             <a:fld id="{D6AEB8E7-BDB9-4384-837D-5E0AF3F2FB20}" type="datetimeFigureOut">
               <a:rPr lang="es-CO" smtClean="0"/>
-              <a:t>28/11/2018</a:t>
+              <a:t>30/11/2018</a:t>
             </a:fld>
             <a:endParaRPr lang="es-CO"/>
           </a:p>
@@ -2377,7 +2377,7 @@
           <a:p>
             <a:fld id="{D6AEB8E7-BDB9-4384-837D-5E0AF3F2FB20}" type="datetimeFigureOut">
               <a:rPr lang="es-CO" smtClean="0"/>
-              <a:t>28/11/2018</a:t>
+              <a:t>30/11/2018</a:t>
             </a:fld>
             <a:endParaRPr lang="es-CO"/>
           </a:p>
@@ -2604,7 +2604,7 @@
           <a:p>
             <a:fld id="{D6AEB8E7-BDB9-4384-837D-5E0AF3F2FB20}" type="datetimeFigureOut">
               <a:rPr lang="es-CO" smtClean="0"/>
-              <a:t>28/11/2018</a:t>
+              <a:t>30/11/2018</a:t>
             </a:fld>
             <a:endParaRPr lang="es-CO"/>
           </a:p>
@@ -3229,7 +3229,7 @@
           <p:cNvPr id="2" name="Título 1">
             <a:extLst>
               <a:ext uri="{FF2B5EF4-FFF2-40B4-BE49-F238E27FC236}">
-                <a16:creationId xmlns:a16="http://schemas.microsoft.com/office/drawing/2014/main" xmlns="" id="{07AE7516-1AE4-45BE-98BE-4B95F4DA1742}"/>
+                <a16:creationId xmlns="" xmlns:a16="http://schemas.microsoft.com/office/drawing/2014/main" id="{07AE7516-1AE4-45BE-98BE-4B95F4DA1742}"/>
               </a:ext>
             </a:extLst>
           </p:cNvPr>
@@ -3439,7 +3439,7 @@
           <p:cNvPr id="3" name="Marcador de contenido 2">
             <a:extLst>
               <a:ext uri="{FF2B5EF4-FFF2-40B4-BE49-F238E27FC236}">
-                <a16:creationId xmlns:a16="http://schemas.microsoft.com/office/drawing/2014/main" xmlns="" id="{607AE930-5E81-4976-884A-E79FEB8EAB31}"/>
+                <a16:creationId xmlns="" xmlns:a16="http://schemas.microsoft.com/office/drawing/2014/main" id="{607AE930-5E81-4976-884A-E79FEB8EAB31}"/>
               </a:ext>
             </a:extLst>
           </p:cNvPr>
@@ -3530,7 +3530,7 @@
           <p:cNvPr id="15" name="Marcador de contenido 2">
             <a:extLst>
               <a:ext uri="{FF2B5EF4-FFF2-40B4-BE49-F238E27FC236}">
-                <a16:creationId xmlns:a16="http://schemas.microsoft.com/office/drawing/2014/main" xmlns="" id="{607AE930-5E81-4976-884A-E79FEB8EAB31}"/>
+                <a16:creationId xmlns="" xmlns:a16="http://schemas.microsoft.com/office/drawing/2014/main" id="{607AE930-5E81-4976-884A-E79FEB8EAB31}"/>
               </a:ext>
             </a:extLst>
           </p:cNvPr>
@@ -3851,7 +3851,7 @@
           <p:cNvPr id="28" name="Marcador de contenido 2">
             <a:extLst>
               <a:ext uri="{FF2B5EF4-FFF2-40B4-BE49-F238E27FC236}">
-                <a16:creationId xmlns:a16="http://schemas.microsoft.com/office/drawing/2014/main" xmlns="" id="{607AE930-5E81-4976-884A-E79FEB8EAB31}"/>
+                <a16:creationId xmlns="" xmlns:a16="http://schemas.microsoft.com/office/drawing/2014/main" id="{607AE930-5E81-4976-884A-E79FEB8EAB31}"/>
               </a:ext>
             </a:extLst>
           </p:cNvPr>
@@ -4060,7 +4060,7 @@
           <p:cNvPr id="33" name="Marcador de contenido 2">
             <a:extLst>
               <a:ext uri="{FF2B5EF4-FFF2-40B4-BE49-F238E27FC236}">
-                <a16:creationId xmlns:a16="http://schemas.microsoft.com/office/drawing/2014/main" xmlns="" id="{607AE930-5E81-4976-884A-E79FEB8EAB31}"/>
+                <a16:creationId xmlns="" xmlns:a16="http://schemas.microsoft.com/office/drawing/2014/main" id="{607AE930-5E81-4976-884A-E79FEB8EAB31}"/>
               </a:ext>
             </a:extLst>
           </p:cNvPr>
@@ -4500,7 +4500,7 @@
           <p:cNvPr id="56" name="Marcador de contenido 2">
             <a:extLst>
               <a:ext uri="{FF2B5EF4-FFF2-40B4-BE49-F238E27FC236}">
-                <a16:creationId xmlns:a16="http://schemas.microsoft.com/office/drawing/2014/main" xmlns="" id="{607AE930-5E81-4976-884A-E79FEB8EAB31}"/>
+                <a16:creationId xmlns="" xmlns:a16="http://schemas.microsoft.com/office/drawing/2014/main" id="{607AE930-5E81-4976-884A-E79FEB8EAB31}"/>
               </a:ext>
             </a:extLst>
           </p:cNvPr>
@@ -4752,7 +4752,7 @@
           <p:cNvPr id="58" name="Marcador de contenido 2">
             <a:extLst>
               <a:ext uri="{FF2B5EF4-FFF2-40B4-BE49-F238E27FC236}">
-                <a16:creationId xmlns:a16="http://schemas.microsoft.com/office/drawing/2014/main" xmlns="" id="{607AE930-5E81-4976-884A-E79FEB8EAB31}"/>
+                <a16:creationId xmlns="" xmlns:a16="http://schemas.microsoft.com/office/drawing/2014/main" id="{607AE930-5E81-4976-884A-E79FEB8EAB31}"/>
               </a:ext>
             </a:extLst>
           </p:cNvPr>
@@ -5101,7 +5101,7 @@
           <p:cNvPr id="2" name="Título 1">
             <a:extLst>
               <a:ext uri="{FF2B5EF4-FFF2-40B4-BE49-F238E27FC236}">
-                <a16:creationId xmlns:a16="http://schemas.microsoft.com/office/drawing/2014/main" xmlns="" id="{4D3AF533-AD0F-43F7-AC8D-8A056BA291A3}"/>
+                <a16:creationId xmlns="" xmlns:a16="http://schemas.microsoft.com/office/drawing/2014/main" id="{4D3AF533-AD0F-43F7-AC8D-8A056BA291A3}"/>
               </a:ext>
             </a:extLst>
           </p:cNvPr>
@@ -5169,7 +5169,7 @@
           <p:cNvPr id="7" name="CuadroTexto 6">
             <a:extLst>
               <a:ext uri="{FF2B5EF4-FFF2-40B4-BE49-F238E27FC236}">
-                <a16:creationId xmlns:a16="http://schemas.microsoft.com/office/drawing/2014/main" xmlns="" id="{BC049DBC-6933-4F01-99CD-12D18B825504}"/>
+                <a16:creationId xmlns="" xmlns:a16="http://schemas.microsoft.com/office/drawing/2014/main" id="{BC049DBC-6933-4F01-99CD-12D18B825504}"/>
               </a:ext>
             </a:extLst>
           </p:cNvPr>
@@ -5249,7 +5249,7 @@
           <p:cNvPr id="2" name="Título 1">
             <a:extLst>
               <a:ext uri="{FF2B5EF4-FFF2-40B4-BE49-F238E27FC236}">
-                <a16:creationId xmlns:a16="http://schemas.microsoft.com/office/drawing/2014/main" xmlns="" id="{4D3AF533-AD0F-43F7-AC8D-8A056BA291A3}"/>
+                <a16:creationId xmlns="" xmlns:a16="http://schemas.microsoft.com/office/drawing/2014/main" id="{4D3AF533-AD0F-43F7-AC8D-8A056BA291A3}"/>
               </a:ext>
             </a:extLst>
           </p:cNvPr>
@@ -5389,7 +5389,7 @@
           <p:cNvPr id="8" name="CuadroTexto 7">
             <a:extLst>
               <a:ext uri="{FF2B5EF4-FFF2-40B4-BE49-F238E27FC236}">
-                <a16:creationId xmlns:a16="http://schemas.microsoft.com/office/drawing/2014/main" xmlns="" id="{BC049DBC-6933-4F01-99CD-12D18B825504}"/>
+                <a16:creationId xmlns="" xmlns:a16="http://schemas.microsoft.com/office/drawing/2014/main" id="{BC049DBC-6933-4F01-99CD-12D18B825504}"/>
               </a:ext>
             </a:extLst>
           </p:cNvPr>
@@ -5474,7 +5474,7 @@
             <p:ph idx="1"/>
             <p:extLst>
               <p:ext uri="{D42A27DB-BD31-4B8C-83A1-F6EECF244321}">
-                <p14:modId xmlns:p14="http://schemas.microsoft.com/office/powerpoint/2010/main" val="4028599136"/>
+                <p14:modId xmlns:p14="http://schemas.microsoft.com/office/powerpoint/2010/main" val="3881640535"/>
               </p:ext>
             </p:extLst>
           </p:nvPr>
@@ -5500,7 +5500,7 @@
                     <a:bodyPr/>
                     <a:lstStyle/>
                     <a:p>
-                      <a:pPr algn="ctr">
+                      <a:pPr algn="l">
                         <a:spcAft>
                           <a:spcPts val="0"/>
                         </a:spcAft>
@@ -6030,7 +6030,7 @@
           <p:cNvPr id="6" name="Título 1">
             <a:extLst>
               <a:ext uri="{FF2B5EF4-FFF2-40B4-BE49-F238E27FC236}">
-                <a16:creationId xmlns:a16="http://schemas.microsoft.com/office/drawing/2014/main" xmlns="" id="{4D3AF533-AD0F-43F7-AC8D-8A056BA291A3}"/>
+                <a16:creationId xmlns="" xmlns:a16="http://schemas.microsoft.com/office/drawing/2014/main" id="{4D3AF533-AD0F-43F7-AC8D-8A056BA291A3}"/>
               </a:ext>
             </a:extLst>
           </p:cNvPr>
@@ -6154,7 +6154,7 @@
           <p:cNvPr id="6" name="CuadroTexto 5">
             <a:extLst>
               <a:ext uri="{FF2B5EF4-FFF2-40B4-BE49-F238E27FC236}">
-                <a16:creationId xmlns:a16="http://schemas.microsoft.com/office/drawing/2014/main" xmlns="" id="{BC049DBC-6933-4F01-99CD-12D18B825504}"/>
+                <a16:creationId xmlns="" xmlns:a16="http://schemas.microsoft.com/office/drawing/2014/main" id="{BC049DBC-6933-4F01-99CD-12D18B825504}"/>
               </a:ext>
             </a:extLst>
           </p:cNvPr>
@@ -6197,7 +6197,7 @@
           <p:cNvPr id="10" name="Título 1">
             <a:extLst>
               <a:ext uri="{FF2B5EF4-FFF2-40B4-BE49-F238E27FC236}">
-                <a16:creationId xmlns:a16="http://schemas.microsoft.com/office/drawing/2014/main" xmlns="" id="{4D3AF533-AD0F-43F7-AC8D-8A056BA291A3}"/>
+                <a16:creationId xmlns="" xmlns:a16="http://schemas.microsoft.com/office/drawing/2014/main" id="{4D3AF533-AD0F-43F7-AC8D-8A056BA291A3}"/>
               </a:ext>
             </a:extLst>
           </p:cNvPr>
@@ -6346,7 +6346,7 @@
           <p:cNvPr id="6" name="CuadroTexto 5">
             <a:extLst>
               <a:ext uri="{FF2B5EF4-FFF2-40B4-BE49-F238E27FC236}">
-                <a16:creationId xmlns:a16="http://schemas.microsoft.com/office/drawing/2014/main" xmlns="" id="{BC049DBC-6933-4F01-99CD-12D18B825504}"/>
+                <a16:creationId xmlns="" xmlns:a16="http://schemas.microsoft.com/office/drawing/2014/main" id="{BC049DBC-6933-4F01-99CD-12D18B825504}"/>
               </a:ext>
             </a:extLst>
           </p:cNvPr>
@@ -6443,7 +6443,7 @@
           <p:cNvPr id="10" name="Título 1">
             <a:extLst>
               <a:ext uri="{FF2B5EF4-FFF2-40B4-BE49-F238E27FC236}">
-                <a16:creationId xmlns:a16="http://schemas.microsoft.com/office/drawing/2014/main" xmlns="" id="{4D3AF533-AD0F-43F7-AC8D-8A056BA291A3}"/>
+                <a16:creationId xmlns="" xmlns:a16="http://schemas.microsoft.com/office/drawing/2014/main" id="{4D3AF533-AD0F-43F7-AC8D-8A056BA291A3}"/>
               </a:ext>
             </a:extLst>
           </p:cNvPr>
@@ -6562,7 +6562,7 @@
           <p:cNvPr id="11" name="Título 1">
             <a:extLst>
               <a:ext uri="{FF2B5EF4-FFF2-40B4-BE49-F238E27FC236}">
-                <a16:creationId xmlns:a16="http://schemas.microsoft.com/office/drawing/2014/main" xmlns="" id="{4D3AF533-AD0F-43F7-AC8D-8A056BA291A3}"/>
+                <a16:creationId xmlns="" xmlns:a16="http://schemas.microsoft.com/office/drawing/2014/main" id="{4D3AF533-AD0F-43F7-AC8D-8A056BA291A3}"/>
               </a:ext>
             </a:extLst>
           </p:cNvPr>
@@ -6662,7 +6662,7 @@
           <p:cNvPr id="8" name="CuadroTexto 7">
             <a:extLst>
               <a:ext uri="{FF2B5EF4-FFF2-40B4-BE49-F238E27FC236}">
-                <a16:creationId xmlns:a16="http://schemas.microsoft.com/office/drawing/2014/main" xmlns="" id="{89E46AF4-218E-4E1B-B422-59B657A05EE8}"/>
+                <a16:creationId xmlns="" xmlns:a16="http://schemas.microsoft.com/office/drawing/2014/main" id="{89E46AF4-218E-4E1B-B422-59B657A05EE8}"/>
               </a:ext>
             </a:extLst>
           </p:cNvPr>
@@ -6786,7 +6786,7 @@
           <p:cNvPr id="5" name="CuadroTexto 4">
             <a:extLst>
               <a:ext uri="{FF2B5EF4-FFF2-40B4-BE49-F238E27FC236}">
-                <a16:creationId xmlns:a16="http://schemas.microsoft.com/office/drawing/2014/main" xmlns="" id="{BC049DBC-6933-4F01-99CD-12D18B825504}"/>
+                <a16:creationId xmlns="" xmlns:a16="http://schemas.microsoft.com/office/drawing/2014/main" id="{BC049DBC-6933-4F01-99CD-12D18B825504}"/>
               </a:ext>
             </a:extLst>
           </p:cNvPr>
@@ -6839,7 +6839,7 @@
           <p:cNvPr id="7" name="Título 1">
             <a:extLst>
               <a:ext uri="{FF2B5EF4-FFF2-40B4-BE49-F238E27FC236}">
-                <a16:creationId xmlns:a16="http://schemas.microsoft.com/office/drawing/2014/main" xmlns="" id="{4D3AF533-AD0F-43F7-AC8D-8A056BA291A3}"/>
+                <a16:creationId xmlns="" xmlns:a16="http://schemas.microsoft.com/office/drawing/2014/main" id="{4D3AF533-AD0F-43F7-AC8D-8A056BA291A3}"/>
               </a:ext>
             </a:extLst>
           </p:cNvPr>
@@ -6943,7 +6943,7 @@
           <p:nvPr>
             <p:extLst>
               <p:ext uri="{D42A27DB-BD31-4B8C-83A1-F6EECF244321}">
-                <p14:modId xmlns:p14="http://schemas.microsoft.com/office/powerpoint/2010/main" val="29338669"/>
+                <p14:modId xmlns:p14="http://schemas.microsoft.com/office/powerpoint/2010/main" val="1964727099"/>
               </p:ext>
             </p:extLst>
           </p:nvPr>
@@ -6971,12 +6971,12 @@
                     <a:p>
                       <a:pPr algn="ctr" fontAlgn="b"/>
                       <a:r>
-                        <a:rPr lang="es-CO" sz="3200" u="none" strike="noStrike" dirty="0">
+                        <a:rPr lang="es-CO" sz="3200" b="1" u="sng" strike="noStrike" dirty="0">
                           <a:effectLst/>
                         </a:rPr>
                         <a:t>Herramientas</a:t>
                       </a:r>
-                      <a:endParaRPr lang="es-CO" sz="3200" b="0" i="0" u="none" strike="noStrike" dirty="0">
+                      <a:endParaRPr lang="es-CO" sz="3200" b="1" i="0" u="sng" strike="noStrike" dirty="0">
                         <a:solidFill>
                           <a:srgbClr val="000000"/>
                         </a:solidFill>
@@ -6994,12 +6994,12 @@
                     <a:p>
                       <a:pPr algn="ctr" fontAlgn="b"/>
                       <a:r>
-                        <a:rPr lang="es-CO" sz="3200" u="none" strike="noStrike">
+                        <a:rPr lang="es-CO" sz="3200" b="1" u="sng" strike="noStrike">
                           <a:effectLst/>
                         </a:rPr>
                         <a:t>Lenguajes</a:t>
                       </a:r>
-                      <a:endParaRPr lang="es-CO" sz="3200" b="0" i="0" u="none" strike="noStrike">
+                      <a:endParaRPr lang="es-CO" sz="3200" b="1" i="0" u="sng" strike="noStrike">
                         <a:solidFill>
                           <a:srgbClr val="000000"/>
                         </a:solidFill>
@@ -7017,12 +7017,12 @@
                     <a:p>
                       <a:pPr algn="ctr" fontAlgn="b"/>
                       <a:r>
-                        <a:rPr lang="es-CO" sz="3200" u="none" strike="noStrike">
+                        <a:rPr lang="es-CO" sz="3200" b="1" u="sng" strike="noStrike" dirty="0">
                           <a:effectLst/>
                         </a:rPr>
                         <a:t>Frameworks</a:t>
                       </a:r>
-                      <a:endParaRPr lang="es-CO" sz="3200" b="0" i="0" u="none" strike="noStrike">
+                      <a:endParaRPr lang="es-CO" sz="3200" b="1" i="0" u="sng" strike="noStrike" dirty="0">
                         <a:solidFill>
                           <a:srgbClr val="000000"/>
                         </a:solidFill>
@@ -7042,12 +7042,12 @@
                     <a:p>
                       <a:pPr algn="ctr" fontAlgn="b"/>
                       <a:r>
-                        <a:rPr lang="es-CO" sz="3200" u="none" strike="noStrike">
+                        <a:rPr lang="es-CO" sz="3200" u="none" strike="noStrike" dirty="0">
                           <a:effectLst/>
                         </a:rPr>
                         <a:t>XAMPP - LAMP</a:t>
                       </a:r>
-                      <a:endParaRPr lang="es-CO" sz="3200" b="0" i="0" u="none" strike="noStrike">
+                      <a:endParaRPr lang="es-CO" sz="3200" b="0" i="0" u="none" strike="noStrike" dirty="0">
                         <a:solidFill>
                           <a:srgbClr val="000000"/>
                         </a:solidFill>
@@ -7296,12 +7296,12 @@
                     <a:p>
                       <a:pPr algn="ctr" fontAlgn="b"/>
                       <a:r>
-                        <a:rPr lang="es-CO" sz="3200" u="none" strike="noStrike">
+                        <a:rPr lang="es-CO" sz="3200" u="none" strike="noStrike" dirty="0">
                           <a:effectLst/>
                         </a:rPr>
                         <a:t>SQL</a:t>
                       </a:r>
-                      <a:endParaRPr lang="es-CO" sz="3200" b="0" i="0" u="none" strike="noStrike">
+                      <a:endParaRPr lang="es-CO" sz="3200" b="0" i="0" u="none" strike="noStrike" dirty="0">
                         <a:solidFill>
                           <a:srgbClr val="000000"/>
                         </a:solidFill>
@@ -7367,12 +7367,12 @@
                     <a:p>
                       <a:pPr algn="ctr" fontAlgn="b"/>
                       <a:r>
-                        <a:rPr lang="es-CO" sz="3200" u="none" strike="noStrike">
+                        <a:rPr lang="es-CO" sz="3200" u="none" strike="noStrike" dirty="0">
                           <a:effectLst/>
                         </a:rPr>
                         <a:t>JAVA</a:t>
                       </a:r>
-                      <a:endParaRPr lang="es-CO" sz="3200" b="0" i="0" u="none" strike="noStrike">
+                      <a:endParaRPr lang="es-CO" sz="3200" b="0" i="0" u="none" strike="noStrike" dirty="0">
                         <a:solidFill>
                           <a:srgbClr val="000000"/>
                         </a:solidFill>
@@ -7444,12 +7444,18 @@
                     <a:p>
                       <a:pPr algn="ctr" fontAlgn="b"/>
                       <a:r>
-                        <a:rPr lang="es-CO" sz="3200" u="none" strike="noStrike">
+                        <a:rPr lang="es-CO" sz="3200" u="none" strike="noStrike" dirty="0">
                           <a:effectLst/>
                         </a:rPr>
                         <a:t> </a:t>
                       </a:r>
-                      <a:endParaRPr lang="es-CO" sz="3200" b="0" i="0" u="none" strike="noStrike">
+                      <a:r>
+                        <a:rPr lang="es-CO" sz="3200" u="none" strike="noStrike" dirty="0" smtClean="0">
+                          <a:effectLst/>
+                        </a:rPr>
+                        <a:t>XML</a:t>
+                      </a:r>
+                      <a:endParaRPr lang="es-CO" sz="3200" b="0" i="0" u="none" strike="noStrike" dirty="0">
                         <a:solidFill>
                           <a:srgbClr val="000000"/>
                         </a:solidFill>
@@ -7515,12 +7521,12 @@
                     <a:p>
                       <a:pPr algn="ctr" fontAlgn="b"/>
                       <a:r>
-                        <a:rPr lang="es-CO" sz="3200" u="none" strike="noStrike">
+                        <a:rPr lang="es-CO" sz="3200" u="none" strike="noStrike" dirty="0">
                           <a:effectLst/>
                         </a:rPr>
                         <a:t> </a:t>
                       </a:r>
-                      <a:endParaRPr lang="es-CO" sz="3200" b="0" i="0" u="none" strike="noStrike">
+                      <a:endParaRPr lang="es-CO" sz="3200" b="0" i="0" u="none" strike="noStrike" dirty="0">
                         <a:solidFill>
                           <a:srgbClr val="000000"/>
                         </a:solidFill>
@@ -8362,7 +8368,7 @@
           <p:cNvPr id="25" name="Título 1">
             <a:extLst>
               <a:ext uri="{FF2B5EF4-FFF2-40B4-BE49-F238E27FC236}">
-                <a16:creationId xmlns:a16="http://schemas.microsoft.com/office/drawing/2014/main" xmlns="" id="{4D3AF533-AD0F-43F7-AC8D-8A056BA291A3}"/>
+                <a16:creationId xmlns="" xmlns:a16="http://schemas.microsoft.com/office/drawing/2014/main" id="{4D3AF533-AD0F-43F7-AC8D-8A056BA291A3}"/>
               </a:ext>
             </a:extLst>
           </p:cNvPr>
@@ -8499,7 +8505,7 @@
           <p:cNvPr id="4" name="Título 1">
             <a:extLst>
               <a:ext uri="{FF2B5EF4-FFF2-40B4-BE49-F238E27FC236}">
-                <a16:creationId xmlns:a16="http://schemas.microsoft.com/office/drawing/2014/main" xmlns="" id="{F194AB6A-55E1-4B44-A983-8BC6AA65E29D}"/>
+                <a16:creationId xmlns="" xmlns:a16="http://schemas.microsoft.com/office/drawing/2014/main" id="{F194AB6A-55E1-4B44-A983-8BC6AA65E29D}"/>
               </a:ext>
             </a:extLst>
           </p:cNvPr>
@@ -8542,7 +8548,7 @@
           <p:cNvPr id="7" name="Marcador de contenido 2">
             <a:extLst>
               <a:ext uri="{FF2B5EF4-FFF2-40B4-BE49-F238E27FC236}">
-                <a16:creationId xmlns:a16="http://schemas.microsoft.com/office/drawing/2014/main" xmlns="" id="{9044A195-81E2-4535-8AF2-A32F3CBDD8E6}"/>
+                <a16:creationId xmlns="" xmlns:a16="http://schemas.microsoft.com/office/drawing/2014/main" id="{9044A195-81E2-4535-8AF2-A32F3CBDD8E6}"/>
               </a:ext>
             </a:extLst>
           </p:cNvPr>
@@ -8630,6 +8636,7 @@
           </a:bodyPr>
           <a:lstStyle/>
           <a:p>
+            <a:pPr algn="just"/>
             <a:r>
               <a:rPr lang="es-MX" sz="4000" b="1" dirty="0" smtClean="0"/>
               <a:t>Beneficios</a:t>
@@ -8680,7 +8687,7 @@
           <p:cNvPr id="5" name="Título 1">
             <a:extLst>
               <a:ext uri="{FF2B5EF4-FFF2-40B4-BE49-F238E27FC236}">
-                <a16:creationId xmlns:a16="http://schemas.microsoft.com/office/drawing/2014/main" xmlns="" id="{F194AB6A-55E1-4B44-A983-8BC6AA65E29D}"/>
+                <a16:creationId xmlns="" xmlns:a16="http://schemas.microsoft.com/office/drawing/2014/main" id="{F194AB6A-55E1-4B44-A983-8BC6AA65E29D}"/>
               </a:ext>
             </a:extLst>
           </p:cNvPr>
@@ -8723,7 +8730,7 @@
           <p:cNvPr id="7" name="Título 1">
             <a:extLst>
               <a:ext uri="{FF2B5EF4-FFF2-40B4-BE49-F238E27FC236}">
-                <a16:creationId xmlns="" xmlns:a16="http://schemas.microsoft.com/office/drawing/2014/main" id="{F194AB6A-55E1-4B44-A983-8BC6AA65E29D}"/>
+                <a16:creationId xmlns:a16="http://schemas.microsoft.com/office/drawing/2014/main" xmlns="" id="{F194AB6A-55E1-4B44-A983-8BC6AA65E29D}"/>
               </a:ext>
             </a:extLst>
           </p:cNvPr>
@@ -8884,7 +8891,7 @@
           <p:cNvPr id="2" name="Título 1">
             <a:extLst>
               <a:ext uri="{FF2B5EF4-FFF2-40B4-BE49-F238E27FC236}">
-                <a16:creationId xmlns:a16="http://schemas.microsoft.com/office/drawing/2014/main" xmlns="" id="{66349900-D031-47AB-BEDC-4E081B677983}"/>
+                <a16:creationId xmlns="" xmlns:a16="http://schemas.microsoft.com/office/drawing/2014/main" id="{66349900-D031-47AB-BEDC-4E081B677983}"/>
               </a:ext>
             </a:extLst>
           </p:cNvPr>
@@ -8959,7 +8966,7 @@
           <p:cNvPr id="4" name="CuadroTexto 3">
             <a:extLst>
               <a:ext uri="{FF2B5EF4-FFF2-40B4-BE49-F238E27FC236}">
-                <a16:creationId xmlns:a16="http://schemas.microsoft.com/office/drawing/2014/main" xmlns="" id="{89E46AF4-218E-4E1B-B422-59B657A05EE8}"/>
+                <a16:creationId xmlns="" xmlns:a16="http://schemas.microsoft.com/office/drawing/2014/main" id="{89E46AF4-218E-4E1B-B422-59B657A05EE8}"/>
               </a:ext>
             </a:extLst>
           </p:cNvPr>
@@ -9056,7 +9063,7 @@
           </p:cNvPicPr>
           <p:nvPr/>
         </p:nvPicPr>
-        <p:blipFill>
+        <p:blipFill rotWithShape="1">
           <a:blip r:embed="rId2">
             <a:extLst>
               <a:ext uri="{28A0092B-C50C-407E-A947-70E740481C1C}">
@@ -9064,14 +9071,13 @@
               </a:ext>
             </a:extLst>
           </a:blip>
-          <a:stretch>
-            <a:fillRect/>
-          </a:stretch>
+          <a:srcRect r="98" b="4600"/>
+          <a:stretch/>
         </p:blipFill>
         <p:spPr>
           <a:xfrm>
-            <a:off x="228091" y="1276350"/>
-            <a:ext cx="9927777" cy="5581650"/>
+            <a:off x="-1" y="1301401"/>
+            <a:ext cx="10221293" cy="5487705"/>
           </a:xfrm>
           <a:prstGeom prst="rect">
             <a:avLst/>
@@ -9083,7 +9089,7 @@
           <p:cNvPr id="9" name="Título 1">
             <a:extLst>
               <a:ext uri="{FF2B5EF4-FFF2-40B4-BE49-F238E27FC236}">
-                <a16:creationId xmlns:a16="http://schemas.microsoft.com/office/drawing/2014/main" xmlns="" id="{66349900-D031-47AB-BEDC-4E081B677983}"/>
+                <a16:creationId xmlns="" xmlns:a16="http://schemas.microsoft.com/office/drawing/2014/main" id="{66349900-D031-47AB-BEDC-4E081B677983}"/>
               </a:ext>
             </a:extLst>
           </p:cNvPr>
@@ -9128,7 +9134,7 @@
           <p:cNvPr id="4" name="CuadroTexto 3">
             <a:extLst>
               <a:ext uri="{FF2B5EF4-FFF2-40B4-BE49-F238E27FC236}">
-                <a16:creationId xmlns:a16="http://schemas.microsoft.com/office/drawing/2014/main" xmlns="" id="{89E46AF4-218E-4E1B-B422-59B657A05EE8}"/>
+                <a16:creationId xmlns="" xmlns:a16="http://schemas.microsoft.com/office/drawing/2014/main" id="{89E46AF4-218E-4E1B-B422-59B657A05EE8}"/>
               </a:ext>
             </a:extLst>
           </p:cNvPr>
@@ -9225,7 +9231,7 @@
           </p:cNvPicPr>
           <p:nvPr/>
         </p:nvPicPr>
-        <p:blipFill>
+        <p:blipFill rotWithShape="1">
           <a:blip r:embed="rId2">
             <a:extLst>
               <a:ext uri="{28A0092B-C50C-407E-A947-70E740481C1C}">
@@ -9233,14 +9239,13 @@
               </a:ext>
             </a:extLst>
           </a:blip>
-          <a:stretch>
-            <a:fillRect/>
-          </a:stretch>
+          <a:srcRect t="-4505" b="4505"/>
+          <a:stretch/>
         </p:blipFill>
         <p:spPr>
           <a:xfrm>
-            <a:off x="278444" y="1296860"/>
-            <a:ext cx="9891300" cy="5561140"/>
+            <a:off x="0" y="1030513"/>
+            <a:ext cx="10197942" cy="5733542"/>
           </a:xfrm>
           <a:prstGeom prst="rect">
             <a:avLst/>
@@ -9249,10 +9254,67 @@
       </p:pic>
       <p:sp>
         <p:nvSpPr>
-          <p:cNvPr id="13" name="Título 1">
+          <p:cNvPr id="4" name="CuadroTexto 3">
             <a:extLst>
               <a:ext uri="{FF2B5EF4-FFF2-40B4-BE49-F238E27FC236}">
-                <a16:creationId xmlns:a16="http://schemas.microsoft.com/office/drawing/2014/main" xmlns="" id="{66349900-D031-47AB-BEDC-4E081B677983}"/>
+                <a16:creationId xmlns="" xmlns:a16="http://schemas.microsoft.com/office/drawing/2014/main" id="{89E46AF4-218E-4E1B-B422-59B657A05EE8}"/>
+              </a:ext>
+            </a:extLst>
+          </p:cNvPr>
+          <p:cNvSpPr txBox="1"/>
+          <p:nvPr/>
+        </p:nvSpPr>
+        <p:spPr>
+          <a:xfrm>
+            <a:off x="10169744" y="1565274"/>
+            <a:ext cx="2155606" cy="461665"/>
+          </a:xfrm>
+          <a:prstGeom prst="rect">
+            <a:avLst/>
+          </a:prstGeom>
+          <a:noFill/>
+        </p:spPr>
+        <p:txBody>
+          <a:bodyPr wrap="square" rtlCol="0">
+            <a:spAutoFit/>
+          </a:bodyPr>
+          <a:lstStyle/>
+          <a:p>
+            <a:pPr algn="just"/>
+            <a:r>
+              <a:rPr lang="es-MX" sz="2400" b="1" i="1" dirty="0" smtClean="0">
+                <a:latin typeface="Times New Roman" panose="02020603050405020304" pitchFamily="18" charset="0"/>
+                <a:cs typeface="Times New Roman" panose="02020603050405020304" pitchFamily="18" charset="0"/>
+              </a:rPr>
+              <a:t>Fuente</a:t>
+            </a:r>
+            <a:r>
+              <a:rPr lang="es-MX" sz="2400" b="1" i="1" dirty="0">
+                <a:latin typeface="Times New Roman" panose="02020603050405020304" pitchFamily="18" charset="0"/>
+                <a:cs typeface="Times New Roman" panose="02020603050405020304" pitchFamily="18" charset="0"/>
+              </a:rPr>
+              <a:t>:</a:t>
+            </a:r>
+            <a:r>
+              <a:rPr lang="es-MX" sz="2400" b="1" i="1" dirty="0" smtClean="0">
+                <a:latin typeface="Times New Roman" panose="02020603050405020304" pitchFamily="18" charset="0"/>
+                <a:cs typeface="Times New Roman" panose="02020603050405020304" pitchFamily="18" charset="0"/>
+              </a:rPr>
+              <a:t> propia</a:t>
+            </a:r>
+            <a:endParaRPr lang="es-MX" sz="2400" i="1" dirty="0">
+              <a:latin typeface="Times New Roman" panose="02020603050405020304" pitchFamily="18" charset="0"/>
+              <a:cs typeface="Times New Roman" panose="02020603050405020304" pitchFamily="18" charset="0"/>
+            </a:endParaRPr>
+          </a:p>
+        </p:txBody>
+      </p:sp>
+      <p:sp>
+        <p:nvSpPr>
+          <p:cNvPr id="6" name="Título 1">
+            <a:extLst>
+              <a:ext uri="{FF2B5EF4-FFF2-40B4-BE49-F238E27FC236}">
+                <a16:creationId xmlns="" xmlns:a16="http://schemas.microsoft.com/office/drawing/2014/main" id="{66349900-D031-47AB-BEDC-4E081B677983}"/>
               </a:ext>
             </a:extLst>
           </p:cNvPr>
@@ -9265,8 +9327,8 @@
         </p:nvSpPr>
         <p:spPr>
           <a:xfrm>
-            <a:off x="4559474" y="303892"/>
-            <a:ext cx="7632525" cy="726621"/>
+            <a:off x="4496844" y="303892"/>
+            <a:ext cx="7695155" cy="726621"/>
           </a:xfrm>
         </p:spPr>
         <p:txBody>
@@ -9282,69 +9344,12 @@
                   <a:schemeClr val="bg1"/>
                 </a:solidFill>
               </a:rPr>
-              <a:t>Análisis de datos</a:t>
+              <a:t>Etapa 4 - Pruebas - Administrador</a:t>
             </a:r>
             <a:endParaRPr lang="es-MX" b="1" dirty="0">
               <a:solidFill>
                 <a:schemeClr val="bg1"/>
               </a:solidFill>
-            </a:endParaRPr>
-          </a:p>
-        </p:txBody>
-      </p:sp>
-      <p:sp>
-        <p:nvSpPr>
-          <p:cNvPr id="4" name="CuadroTexto 3">
-            <a:extLst>
-              <a:ext uri="{FF2B5EF4-FFF2-40B4-BE49-F238E27FC236}">
-                <a16:creationId xmlns:a16="http://schemas.microsoft.com/office/drawing/2014/main" xmlns="" id="{89E46AF4-218E-4E1B-B422-59B657A05EE8}"/>
-              </a:ext>
-            </a:extLst>
-          </p:cNvPr>
-          <p:cNvSpPr txBox="1"/>
-          <p:nvPr/>
-        </p:nvSpPr>
-        <p:spPr>
-          <a:xfrm>
-            <a:off x="10169744" y="1565274"/>
-            <a:ext cx="2155606" cy="461665"/>
-          </a:xfrm>
-          <a:prstGeom prst="rect">
-            <a:avLst/>
-          </a:prstGeom>
-          <a:noFill/>
-        </p:spPr>
-        <p:txBody>
-          <a:bodyPr wrap="square" rtlCol="0">
-            <a:spAutoFit/>
-          </a:bodyPr>
-          <a:lstStyle/>
-          <a:p>
-            <a:pPr algn="just"/>
-            <a:r>
-              <a:rPr lang="es-MX" sz="2400" b="1" i="1" dirty="0" smtClean="0">
-                <a:latin typeface="Times New Roman" panose="02020603050405020304" pitchFamily="18" charset="0"/>
-                <a:cs typeface="Times New Roman" panose="02020603050405020304" pitchFamily="18" charset="0"/>
-              </a:rPr>
-              <a:t>Fuente</a:t>
-            </a:r>
-            <a:r>
-              <a:rPr lang="es-MX" sz="2400" b="1" i="1" dirty="0">
-                <a:latin typeface="Times New Roman" panose="02020603050405020304" pitchFamily="18" charset="0"/>
-                <a:cs typeface="Times New Roman" panose="02020603050405020304" pitchFamily="18" charset="0"/>
-              </a:rPr>
-              <a:t>:</a:t>
-            </a:r>
-            <a:r>
-              <a:rPr lang="es-MX" sz="2400" b="1" i="1" dirty="0" smtClean="0">
-                <a:latin typeface="Times New Roman" panose="02020603050405020304" pitchFamily="18" charset="0"/>
-                <a:cs typeface="Times New Roman" panose="02020603050405020304" pitchFamily="18" charset="0"/>
-              </a:rPr>
-              <a:t> propia</a:t>
-            </a:r>
-            <a:endParaRPr lang="es-MX" sz="2400" i="1" dirty="0">
-              <a:latin typeface="Times New Roman" panose="02020603050405020304" pitchFamily="18" charset="0"/>
-              <a:cs typeface="Times New Roman" panose="02020603050405020304" pitchFamily="18" charset="0"/>
             </a:endParaRPr>
           </a:p>
         </p:txBody>
@@ -9420,7 +9425,7 @@
           <p:cNvPr id="13" name="Título 1">
             <a:extLst>
               <a:ext uri="{FF2B5EF4-FFF2-40B4-BE49-F238E27FC236}">
-                <a16:creationId xmlns:a16="http://schemas.microsoft.com/office/drawing/2014/main" xmlns="" id="{66349900-D031-47AB-BEDC-4E081B677983}"/>
+                <a16:creationId xmlns="" xmlns:a16="http://schemas.microsoft.com/office/drawing/2014/main" id="{66349900-D031-47AB-BEDC-4E081B677983}"/>
               </a:ext>
             </a:extLst>
           </p:cNvPr>
@@ -9465,7 +9470,7 @@
           <p:cNvPr id="5" name="CuadroTexto 4">
             <a:extLst>
               <a:ext uri="{FF2B5EF4-FFF2-40B4-BE49-F238E27FC236}">
-                <a16:creationId xmlns:a16="http://schemas.microsoft.com/office/drawing/2014/main" xmlns="" id="{BC049DBC-6933-4F01-99CD-12D18B825504}"/>
+                <a16:creationId xmlns="" xmlns:a16="http://schemas.microsoft.com/office/drawing/2014/main" id="{BC049DBC-6933-4F01-99CD-12D18B825504}"/>
               </a:ext>
             </a:extLst>
           </p:cNvPr>
@@ -9548,7 +9553,7 @@
           </p:cNvPicPr>
           <p:nvPr/>
         </p:nvPicPr>
-        <p:blipFill>
+        <p:blipFill rotWithShape="1">
           <a:blip r:embed="rId2">
             <a:extLst>
               <a:ext uri="{28A0092B-C50C-407E-A947-70E740481C1C}">
@@ -9556,14 +9561,13 @@
               </a:ext>
             </a:extLst>
           </a:blip>
-          <a:stretch>
-            <a:fillRect/>
-          </a:stretch>
+          <a:srcRect r="235" b="3996"/>
+          <a:stretch/>
         </p:blipFill>
         <p:spPr>
           <a:xfrm>
-            <a:off x="147637" y="1371600"/>
-            <a:ext cx="9758363" cy="5486400"/>
+            <a:off x="0" y="1283918"/>
+            <a:ext cx="10059526" cy="5442559"/>
           </a:xfrm>
           <a:prstGeom prst="rect">
             <a:avLst/>
@@ -9575,7 +9579,7 @@
           <p:cNvPr id="11" name="Título 1">
             <a:extLst>
               <a:ext uri="{FF2B5EF4-FFF2-40B4-BE49-F238E27FC236}">
-                <a16:creationId xmlns:a16="http://schemas.microsoft.com/office/drawing/2014/main" xmlns="" id="{66349900-D031-47AB-BEDC-4E081B677983}"/>
+                <a16:creationId xmlns="" xmlns:a16="http://schemas.microsoft.com/office/drawing/2014/main" id="{66349900-D031-47AB-BEDC-4E081B677983}"/>
               </a:ext>
             </a:extLst>
           </p:cNvPr>
@@ -9620,7 +9624,7 @@
           <p:cNvPr id="5" name="CuadroTexto 4">
             <a:extLst>
               <a:ext uri="{FF2B5EF4-FFF2-40B4-BE49-F238E27FC236}">
-                <a16:creationId xmlns:a16="http://schemas.microsoft.com/office/drawing/2014/main" xmlns="" id="{89E46AF4-218E-4E1B-B422-59B657A05EE8}"/>
+                <a16:creationId xmlns="" xmlns:a16="http://schemas.microsoft.com/office/drawing/2014/main" id="{89E46AF4-218E-4E1B-B422-59B657A05EE8}"/>
               </a:ext>
             </a:extLst>
           </p:cNvPr>
@@ -9629,8 +9633,8 @@
         </p:nvSpPr>
         <p:spPr>
           <a:xfrm>
-            <a:off x="9906000" y="1371600"/>
-            <a:ext cx="2533650" cy="461665"/>
+            <a:off x="10059526" y="1371600"/>
+            <a:ext cx="2132474" cy="461665"/>
           </a:xfrm>
           <a:prstGeom prst="rect">
             <a:avLst/>
@@ -9717,7 +9721,7 @@
           </p:cNvPicPr>
           <p:nvPr/>
         </p:nvPicPr>
-        <p:blipFill>
+        <p:blipFill rotWithShape="1">
           <a:blip r:embed="rId2">
             <a:extLst>
               <a:ext uri="{28A0092B-C50C-407E-A947-70E740481C1C}">
@@ -9725,14 +9729,13 @@
               </a:ext>
             </a:extLst>
           </a:blip>
-          <a:stretch>
-            <a:fillRect/>
-          </a:stretch>
+          <a:srcRect r="-150" b="5360"/>
+          <a:stretch/>
         </p:blipFill>
         <p:spPr>
           <a:xfrm>
-            <a:off x="0" y="1366117"/>
-            <a:ext cx="9768114" cy="5491883"/>
+            <a:off x="-1" y="1366117"/>
+            <a:ext cx="10089324" cy="5360360"/>
           </a:xfrm>
           <a:prstGeom prst="rect">
             <a:avLst/>
@@ -9744,7 +9747,7 @@
           <p:cNvPr id="10" name="Título 1">
             <a:extLst>
               <a:ext uri="{FF2B5EF4-FFF2-40B4-BE49-F238E27FC236}">
-                <a16:creationId xmlns:a16="http://schemas.microsoft.com/office/drawing/2014/main" xmlns="" id="{66349900-D031-47AB-BEDC-4E081B677983}"/>
+                <a16:creationId xmlns="" xmlns:a16="http://schemas.microsoft.com/office/drawing/2014/main" id="{66349900-D031-47AB-BEDC-4E081B677983}"/>
               </a:ext>
             </a:extLst>
           </p:cNvPr>
@@ -9789,7 +9792,7 @@
           <p:cNvPr id="4" name="CuadroTexto 3">
             <a:extLst>
               <a:ext uri="{FF2B5EF4-FFF2-40B4-BE49-F238E27FC236}">
-                <a16:creationId xmlns:a16="http://schemas.microsoft.com/office/drawing/2014/main" xmlns="" id="{89E46AF4-218E-4E1B-B422-59B657A05EE8}"/>
+                <a16:creationId xmlns="" xmlns:a16="http://schemas.microsoft.com/office/drawing/2014/main" id="{89E46AF4-218E-4E1B-B422-59B657A05EE8}"/>
               </a:ext>
             </a:extLst>
           </p:cNvPr>
@@ -9798,8 +9801,8 @@
         </p:nvSpPr>
         <p:spPr>
           <a:xfrm>
-            <a:off x="9768114" y="1366117"/>
-            <a:ext cx="2533650" cy="461665"/>
+            <a:off x="10089322" y="1366117"/>
+            <a:ext cx="2102677" cy="461665"/>
           </a:xfrm>
           <a:prstGeom prst="rect">
             <a:avLst/>
@@ -9883,7 +9886,7 @@
           <p:cNvPr id="2" name="Título 1">
             <a:extLst>
               <a:ext uri="{FF2B5EF4-FFF2-40B4-BE49-F238E27FC236}">
-                <a16:creationId xmlns:a16="http://schemas.microsoft.com/office/drawing/2014/main" xmlns="" id="{F3C1574D-8292-4410-B1E4-1EBE9DF828D1}"/>
+                <a16:creationId xmlns="" xmlns:a16="http://schemas.microsoft.com/office/drawing/2014/main" id="{F3C1574D-8292-4410-B1E4-1EBE9DF828D1}"/>
               </a:ext>
             </a:extLst>
           </p:cNvPr>
@@ -9929,7 +9932,7 @@
           <p:cNvPr id="4" name="Marcador de contenido 2">
             <a:extLst>
               <a:ext uri="{FF2B5EF4-FFF2-40B4-BE49-F238E27FC236}">
-                <a16:creationId xmlns:a16="http://schemas.microsoft.com/office/drawing/2014/main" xmlns="" id="{E0439019-967A-48CB-99F3-103D64E7D9BA}"/>
+                <a16:creationId xmlns="" xmlns:a16="http://schemas.microsoft.com/office/drawing/2014/main" id="{E0439019-967A-48CB-99F3-103D64E7D9BA}"/>
               </a:ext>
             </a:extLst>
           </p:cNvPr>
@@ -9976,8 +9979,13 @@
             </a:pPr>
             <a:r>
               <a:rPr lang="es-CO" sz="4000" dirty="0" smtClean="0"/>
-              <a:t>Se desarrolló una base de datos Mysql.</a:t>
-            </a:r>
+              <a:t>Se desarrolló una base de datos </a:t>
+            </a:r>
+            <a:r>
+              <a:rPr lang="es-CO" sz="4000" dirty="0" smtClean="0"/>
+              <a:t>MySQL.</a:t>
+            </a:r>
+            <a:endParaRPr lang="es-CO" sz="4000" dirty="0" smtClean="0"/>
           </a:p>
           <a:p>
             <a:pPr algn="just">
@@ -10051,7 +10059,7 @@
           <p:cNvPr id="2" name="Título 1">
             <a:extLst>
               <a:ext uri="{FF2B5EF4-FFF2-40B4-BE49-F238E27FC236}">
-                <a16:creationId xmlns:a16="http://schemas.microsoft.com/office/drawing/2014/main" xmlns="" id="{F3C1574D-8292-4410-B1E4-1EBE9DF828D1}"/>
+                <a16:creationId xmlns="" xmlns:a16="http://schemas.microsoft.com/office/drawing/2014/main" id="{F3C1574D-8292-4410-B1E4-1EBE9DF828D1}"/>
               </a:ext>
             </a:extLst>
           </p:cNvPr>
@@ -10810,7 +10818,7 @@
           <p:cNvPr id="5" name="Título 1">
             <a:extLst>
               <a:ext uri="{FF2B5EF4-FFF2-40B4-BE49-F238E27FC236}">
-                <a16:creationId xmlns:a16="http://schemas.microsoft.com/office/drawing/2014/main" xmlns="" id="{F194AB6A-55E1-4B44-A983-8BC6AA65E29D}"/>
+                <a16:creationId xmlns="" xmlns:a16="http://schemas.microsoft.com/office/drawing/2014/main" id="{F194AB6A-55E1-4B44-A983-8BC6AA65E29D}"/>
               </a:ext>
             </a:extLst>
           </p:cNvPr>
@@ -10971,6 +10979,36 @@
           </a:p>
         </p:txBody>
       </p:sp>
+      <p:sp>
+        <p:nvSpPr>
+          <p:cNvPr id="4" name="Rectángulo 3"/>
+          <p:cNvSpPr/>
+          <p:nvPr/>
+        </p:nvSpPr>
+        <p:spPr>
+          <a:xfrm>
+            <a:off x="695467" y="4756930"/>
+            <a:ext cx="10728270" cy="707886"/>
+          </a:xfrm>
+          <a:prstGeom prst="rect">
+            <a:avLst/>
+          </a:prstGeom>
+        </p:spPr>
+        <p:txBody>
+          <a:bodyPr wrap="square">
+            <a:spAutoFit/>
+          </a:bodyPr>
+          <a:lstStyle/>
+          <a:p>
+            <a:pPr algn="just"/>
+            <a:r>
+              <a:rPr lang="es-CO" sz="4000" dirty="0" smtClean="0"/>
+              <a:t>¿Qué es la caracterización estudiantil?</a:t>
+            </a:r>
+            <a:endParaRPr lang="es-CO" sz="4000" dirty="0"/>
+          </a:p>
+        </p:txBody>
+      </p:sp>
     </p:spTree>
     <p:extLst>
       <p:ext uri="{BB962C8B-B14F-4D97-AF65-F5344CB8AC3E}">
@@ -11013,7 +11051,7 @@
           <p:cNvPr id="3" name="Marcador de contenido 2">
             <a:extLst>
               <a:ext uri="{FF2B5EF4-FFF2-40B4-BE49-F238E27FC236}">
-                <a16:creationId xmlns:a16="http://schemas.microsoft.com/office/drawing/2014/main" xmlns="" id="{F27ED2C7-5D3D-48D6-995C-A170B4F5C4EE}"/>
+                <a16:creationId xmlns="" xmlns:a16="http://schemas.microsoft.com/office/drawing/2014/main" id="{F27ED2C7-5D3D-48D6-995C-A170B4F5C4EE}"/>
               </a:ext>
             </a:extLst>
           </p:cNvPr>
@@ -11192,7 +11230,7 @@
           <p:cNvPr id="3" name="Marcador de contenido 2">
             <a:extLst>
               <a:ext uri="{FF2B5EF4-FFF2-40B4-BE49-F238E27FC236}">
-                <a16:creationId xmlns:a16="http://schemas.microsoft.com/office/drawing/2014/main" xmlns="" id="{F27ED2C7-5D3D-48D6-995C-A170B4F5C4EE}"/>
+                <a16:creationId xmlns="" xmlns:a16="http://schemas.microsoft.com/office/drawing/2014/main" id="{F27ED2C7-5D3D-48D6-995C-A170B4F5C4EE}"/>
               </a:ext>
             </a:extLst>
           </p:cNvPr>
@@ -11333,7 +11371,7 @@
           <p:cNvPr id="2" name="Título 1">
             <a:extLst>
               <a:ext uri="{FF2B5EF4-FFF2-40B4-BE49-F238E27FC236}">
-                <a16:creationId xmlns:a16="http://schemas.microsoft.com/office/drawing/2014/main" xmlns="" id="{F194AB6A-55E1-4B44-A983-8BC6AA65E29D}"/>
+                <a16:creationId xmlns="" xmlns:a16="http://schemas.microsoft.com/office/drawing/2014/main" id="{F194AB6A-55E1-4B44-A983-8BC6AA65E29D}"/>
               </a:ext>
             </a:extLst>
           </p:cNvPr>
@@ -11376,7 +11414,7 @@
           <p:cNvPr id="3" name="Marcador de contenido 2">
             <a:extLst>
               <a:ext uri="{FF2B5EF4-FFF2-40B4-BE49-F238E27FC236}">
-                <a16:creationId xmlns:a16="http://schemas.microsoft.com/office/drawing/2014/main" xmlns="" id="{B24358F4-4131-4E84-B740-F17730F29968}"/>
+                <a16:creationId xmlns="" xmlns:a16="http://schemas.microsoft.com/office/drawing/2014/main" id="{B24358F4-4131-4E84-B740-F17730F29968}"/>
               </a:ext>
             </a:extLst>
           </p:cNvPr>
@@ -11467,7 +11505,7 @@
           <p:cNvPr id="3" name="Marcador de contenido 2">
             <a:extLst>
               <a:ext uri="{FF2B5EF4-FFF2-40B4-BE49-F238E27FC236}">
-                <a16:creationId xmlns:a16="http://schemas.microsoft.com/office/drawing/2014/main" xmlns="" id="{E0439019-967A-48CB-99F3-103D64E7D9BA}"/>
+                <a16:creationId xmlns="" xmlns:a16="http://schemas.microsoft.com/office/drawing/2014/main" id="{E0439019-967A-48CB-99F3-103D64E7D9BA}"/>
               </a:ext>
             </a:extLst>
           </p:cNvPr>
@@ -11570,11 +11608,7 @@
             </a:r>
             <a:r>
               <a:rPr lang="es-CO" sz="3200" dirty="0" smtClean="0"/>
-              <a:t>el</a:t>
-            </a:r>
-            <a:r>
-              <a:rPr lang="es-CO" sz="3200" dirty="0" smtClean="0"/>
-              <a:t> </a:t>
+              <a:t>el </a:t>
             </a:r>
             <a:r>
               <a:rPr lang="es-CO" sz="3200" dirty="0"/>
@@ -11631,7 +11665,7 @@
           <p:cNvPr id="5" name="Título 1">
             <a:extLst>
               <a:ext uri="{FF2B5EF4-FFF2-40B4-BE49-F238E27FC236}">
-                <a16:creationId xmlns:a16="http://schemas.microsoft.com/office/drawing/2014/main" xmlns="" id="{F194AB6A-55E1-4B44-A983-8BC6AA65E29D}"/>
+                <a16:creationId xmlns="" xmlns:a16="http://schemas.microsoft.com/office/drawing/2014/main" id="{F194AB6A-55E1-4B44-A983-8BC6AA65E29D}"/>
               </a:ext>
             </a:extLst>
           </p:cNvPr>
@@ -11711,7 +11745,7 @@
           <p:cNvPr id="2" name="Título 1">
             <a:extLst>
               <a:ext uri="{FF2B5EF4-FFF2-40B4-BE49-F238E27FC236}">
-                <a16:creationId xmlns:a16="http://schemas.microsoft.com/office/drawing/2014/main" xmlns="" id="{07AE7516-1AE4-45BE-98BE-4B95F4DA1742}"/>
+                <a16:creationId xmlns="" xmlns:a16="http://schemas.microsoft.com/office/drawing/2014/main" id="{07AE7516-1AE4-45BE-98BE-4B95F4DA1742}"/>
               </a:ext>
             </a:extLst>
           </p:cNvPr>
@@ -11756,7 +11790,7 @@
           <p:cNvPr id="3" name="Marcador de contenido 2">
             <a:extLst>
               <a:ext uri="{FF2B5EF4-FFF2-40B4-BE49-F238E27FC236}">
-                <a16:creationId xmlns:a16="http://schemas.microsoft.com/office/drawing/2014/main" xmlns="" id="{607AE930-5E81-4976-884A-E79FEB8EAB31}"/>
+                <a16:creationId xmlns="" xmlns:a16="http://schemas.microsoft.com/office/drawing/2014/main" id="{607AE930-5E81-4976-884A-E79FEB8EAB31}"/>
               </a:ext>
             </a:extLst>
           </p:cNvPr>

--- a/expo/expo.pptx
+++ b/expo/expo.pptx
@@ -23,15 +23,14 @@
     <p:sldId id="265" r:id="rId17"/>
     <p:sldId id="266" r:id="rId18"/>
     <p:sldId id="291" r:id="rId19"/>
-    <p:sldId id="275" r:id="rId20"/>
-    <p:sldId id="289" r:id="rId21"/>
-    <p:sldId id="290" r:id="rId22"/>
-    <p:sldId id="292" r:id="rId23"/>
-    <p:sldId id="297" r:id="rId24"/>
-    <p:sldId id="269" r:id="rId25"/>
-    <p:sldId id="296" r:id="rId26"/>
-    <p:sldId id="273" r:id="rId27"/>
-    <p:sldId id="288" r:id="rId28"/>
+    <p:sldId id="289" r:id="rId20"/>
+    <p:sldId id="290" r:id="rId21"/>
+    <p:sldId id="292" r:id="rId22"/>
+    <p:sldId id="297" r:id="rId23"/>
+    <p:sldId id="269" r:id="rId24"/>
+    <p:sldId id="296" r:id="rId25"/>
+    <p:sldId id="273" r:id="rId26"/>
+    <p:sldId id="288" r:id="rId27"/>
   </p:sldIdLst>
   <p:sldSz cx="12192000" cy="6858000"/>
   <p:notesSz cx="6858000" cy="9144000"/>
@@ -269,7 +268,7 @@
           <a:p>
             <a:fld id="{D6AEB8E7-BDB9-4384-837D-5E0AF3F2FB20}" type="datetimeFigureOut">
               <a:rPr lang="es-CO" smtClean="0"/>
-              <a:t>30/11/2018</a:t>
+              <a:t>01/12/2018</a:t>
             </a:fld>
             <a:endParaRPr lang="es-CO"/>
           </a:p>
@@ -439,7 +438,7 @@
           <a:p>
             <a:fld id="{D6AEB8E7-BDB9-4384-837D-5E0AF3F2FB20}" type="datetimeFigureOut">
               <a:rPr lang="es-CO" smtClean="0"/>
-              <a:t>30/11/2018</a:t>
+              <a:t>01/12/2018</a:t>
             </a:fld>
             <a:endParaRPr lang="es-CO"/>
           </a:p>
@@ -619,7 +618,7 @@
           <a:p>
             <a:fld id="{D6AEB8E7-BDB9-4384-837D-5E0AF3F2FB20}" type="datetimeFigureOut">
               <a:rPr lang="es-CO" smtClean="0"/>
-              <a:t>30/11/2018</a:t>
+              <a:t>01/12/2018</a:t>
             </a:fld>
             <a:endParaRPr lang="es-CO"/>
           </a:p>
@@ -789,7 +788,7 @@
           <a:p>
             <a:fld id="{D6AEB8E7-BDB9-4384-837D-5E0AF3F2FB20}" type="datetimeFigureOut">
               <a:rPr lang="es-CO" smtClean="0"/>
-              <a:t>30/11/2018</a:t>
+              <a:t>01/12/2018</a:t>
             </a:fld>
             <a:endParaRPr lang="es-CO"/>
           </a:p>
@@ -1035,7 +1034,7 @@
           <a:p>
             <a:fld id="{D6AEB8E7-BDB9-4384-837D-5E0AF3F2FB20}" type="datetimeFigureOut">
               <a:rPr lang="es-CO" smtClean="0"/>
-              <a:t>30/11/2018</a:t>
+              <a:t>01/12/2018</a:t>
             </a:fld>
             <a:endParaRPr lang="es-CO"/>
           </a:p>
@@ -1267,7 +1266,7 @@
           <a:p>
             <a:fld id="{D6AEB8E7-BDB9-4384-837D-5E0AF3F2FB20}" type="datetimeFigureOut">
               <a:rPr lang="es-CO" smtClean="0"/>
-              <a:t>30/11/2018</a:t>
+              <a:t>01/12/2018</a:t>
             </a:fld>
             <a:endParaRPr lang="es-CO"/>
           </a:p>
@@ -1634,7 +1633,7 @@
           <a:p>
             <a:fld id="{D6AEB8E7-BDB9-4384-837D-5E0AF3F2FB20}" type="datetimeFigureOut">
               <a:rPr lang="es-CO" smtClean="0"/>
-              <a:t>30/11/2018</a:t>
+              <a:t>01/12/2018</a:t>
             </a:fld>
             <a:endParaRPr lang="es-CO"/>
           </a:p>
@@ -1752,7 +1751,7 @@
           <a:p>
             <a:fld id="{D6AEB8E7-BDB9-4384-837D-5E0AF3F2FB20}" type="datetimeFigureOut">
               <a:rPr lang="es-CO" smtClean="0"/>
-              <a:t>30/11/2018</a:t>
+              <a:t>01/12/2018</a:t>
             </a:fld>
             <a:endParaRPr lang="es-CO"/>
           </a:p>
@@ -1847,7 +1846,7 @@
           <a:p>
             <a:fld id="{D6AEB8E7-BDB9-4384-837D-5E0AF3F2FB20}" type="datetimeFigureOut">
               <a:rPr lang="es-CO" smtClean="0"/>
-              <a:t>30/11/2018</a:t>
+              <a:t>01/12/2018</a:t>
             </a:fld>
             <a:endParaRPr lang="es-CO"/>
           </a:p>
@@ -2124,7 +2123,7 @@
           <a:p>
             <a:fld id="{D6AEB8E7-BDB9-4384-837D-5E0AF3F2FB20}" type="datetimeFigureOut">
               <a:rPr lang="es-CO" smtClean="0"/>
-              <a:t>30/11/2018</a:t>
+              <a:t>01/12/2018</a:t>
             </a:fld>
             <a:endParaRPr lang="es-CO"/>
           </a:p>
@@ -2377,7 +2376,7 @@
           <a:p>
             <a:fld id="{D6AEB8E7-BDB9-4384-837D-5E0AF3F2FB20}" type="datetimeFigureOut">
               <a:rPr lang="es-CO" smtClean="0"/>
-              <a:t>30/11/2018</a:t>
+              <a:t>01/12/2018</a:t>
             </a:fld>
             <a:endParaRPr lang="es-CO"/>
           </a:p>
@@ -2604,7 +2603,7 @@
           <a:p>
             <a:fld id="{D6AEB8E7-BDB9-4384-837D-5E0AF3F2FB20}" type="datetimeFigureOut">
               <a:rPr lang="es-CO" smtClean="0"/>
-              <a:t>30/11/2018</a:t>
+              <a:t>01/12/2018</a:t>
             </a:fld>
             <a:endParaRPr lang="es-CO"/>
           </a:p>
@@ -3229,7 +3228,7 @@
           <p:cNvPr id="2" name="Título 1">
             <a:extLst>
               <a:ext uri="{FF2B5EF4-FFF2-40B4-BE49-F238E27FC236}">
-                <a16:creationId xmlns="" xmlns:a16="http://schemas.microsoft.com/office/drawing/2014/main" id="{07AE7516-1AE4-45BE-98BE-4B95F4DA1742}"/>
+                <a16:creationId xmlns:a16="http://schemas.microsoft.com/office/drawing/2014/main" xmlns="" id="{07AE7516-1AE4-45BE-98BE-4B95F4DA1742}"/>
               </a:ext>
             </a:extLst>
           </p:cNvPr>
@@ -3301,7 +3300,7 @@
           <a:lstStyle/>
           <a:p>
             <a:pPr algn="ctr"/>
-            <a:endParaRPr lang="es-CO"/>
+            <a:endParaRPr lang="es-CO" dirty="0"/>
           </a:p>
         </p:txBody>
       </p:sp>
@@ -3344,7 +3343,7 @@
           <a:lstStyle/>
           <a:p>
             <a:pPr algn="ctr"/>
-            <a:endParaRPr lang="es-CO"/>
+            <a:endParaRPr lang="es-CO" dirty="0"/>
           </a:p>
         </p:txBody>
       </p:sp>
@@ -3387,7 +3386,7 @@
           <a:lstStyle/>
           <a:p>
             <a:pPr algn="ctr"/>
-            <a:endParaRPr lang="es-CO"/>
+            <a:endParaRPr lang="es-CO" dirty="0"/>
           </a:p>
         </p:txBody>
       </p:sp>
@@ -3430,7 +3429,7 @@
           <a:lstStyle/>
           <a:p>
             <a:pPr algn="ctr"/>
-            <a:endParaRPr lang="es-CO"/>
+            <a:endParaRPr lang="es-CO" dirty="0"/>
           </a:p>
         </p:txBody>
       </p:sp>
@@ -3439,7 +3438,7 @@
           <p:cNvPr id="3" name="Marcador de contenido 2">
             <a:extLst>
               <a:ext uri="{FF2B5EF4-FFF2-40B4-BE49-F238E27FC236}">
-                <a16:creationId xmlns="" xmlns:a16="http://schemas.microsoft.com/office/drawing/2014/main" id="{607AE930-5E81-4976-884A-E79FEB8EAB31}"/>
+                <a16:creationId xmlns:a16="http://schemas.microsoft.com/office/drawing/2014/main" xmlns="" id="{607AE930-5E81-4976-884A-E79FEB8EAB31}"/>
               </a:ext>
             </a:extLst>
           </p:cNvPr>
@@ -3521,7 +3520,7 @@
           <a:lstStyle/>
           <a:p>
             <a:pPr algn="ctr"/>
-            <a:endParaRPr lang="es-CO"/>
+            <a:endParaRPr lang="es-CO" dirty="0"/>
           </a:p>
         </p:txBody>
       </p:sp>
@@ -3530,7 +3529,7 @@
           <p:cNvPr id="15" name="Marcador de contenido 2">
             <a:extLst>
               <a:ext uri="{FF2B5EF4-FFF2-40B4-BE49-F238E27FC236}">
-                <a16:creationId xmlns="" xmlns:a16="http://schemas.microsoft.com/office/drawing/2014/main" id="{607AE930-5E81-4976-884A-E79FEB8EAB31}"/>
+                <a16:creationId xmlns:a16="http://schemas.microsoft.com/office/drawing/2014/main" xmlns="" id="{607AE930-5E81-4976-884A-E79FEB8EAB31}"/>
               </a:ext>
             </a:extLst>
           </p:cNvPr>
@@ -3767,7 +3766,7 @@
             </a:r>
             <a:r>
               <a:rPr lang="es-MX" sz="3200" b="1" dirty="0" smtClean="0"/>
-              <a:t>oftware libre, FSF, GNU</a:t>
+              <a:t>oftware libre y GNU</a:t>
             </a:r>
             <a:endParaRPr lang="es-MX" sz="2400" b="1" dirty="0"/>
           </a:p>
@@ -3842,7 +3841,7 @@
           <a:lstStyle/>
           <a:p>
             <a:pPr algn="ctr"/>
-            <a:endParaRPr lang="es-CO"/>
+            <a:endParaRPr lang="es-CO" dirty="0"/>
           </a:p>
         </p:txBody>
       </p:sp>
@@ -3851,7 +3850,7 @@
           <p:cNvPr id="28" name="Marcador de contenido 2">
             <a:extLst>
               <a:ext uri="{FF2B5EF4-FFF2-40B4-BE49-F238E27FC236}">
-                <a16:creationId xmlns="" xmlns:a16="http://schemas.microsoft.com/office/drawing/2014/main" id="{607AE930-5E81-4976-884A-E79FEB8EAB31}"/>
+                <a16:creationId xmlns:a16="http://schemas.microsoft.com/office/drawing/2014/main" xmlns="" id="{607AE930-5E81-4976-884A-E79FEB8EAB31}"/>
               </a:ext>
             </a:extLst>
           </p:cNvPr>
@@ -4060,7 +4059,7 @@
           <p:cNvPr id="33" name="Marcador de contenido 2">
             <a:extLst>
               <a:ext uri="{FF2B5EF4-FFF2-40B4-BE49-F238E27FC236}">
-                <a16:creationId xmlns="" xmlns:a16="http://schemas.microsoft.com/office/drawing/2014/main" id="{607AE930-5E81-4976-884A-E79FEB8EAB31}"/>
+                <a16:creationId xmlns:a16="http://schemas.microsoft.com/office/drawing/2014/main" xmlns="" id="{607AE930-5E81-4976-884A-E79FEB8EAB31}"/>
               </a:ext>
             </a:extLst>
           </p:cNvPr>
@@ -4448,7 +4447,7 @@
           <a:lstStyle/>
           <a:p>
             <a:pPr algn="ctr"/>
-            <a:endParaRPr lang="es-CO"/>
+            <a:endParaRPr lang="es-CO" dirty="0"/>
           </a:p>
         </p:txBody>
       </p:sp>
@@ -4491,7 +4490,7 @@
           <a:lstStyle/>
           <a:p>
             <a:pPr algn="ctr"/>
-            <a:endParaRPr lang="es-CO"/>
+            <a:endParaRPr lang="es-CO" dirty="0"/>
           </a:p>
         </p:txBody>
       </p:sp>
@@ -4500,7 +4499,7 @@
           <p:cNvPr id="56" name="Marcador de contenido 2">
             <a:extLst>
               <a:ext uri="{FF2B5EF4-FFF2-40B4-BE49-F238E27FC236}">
-                <a16:creationId xmlns="" xmlns:a16="http://schemas.microsoft.com/office/drawing/2014/main" id="{607AE930-5E81-4976-884A-E79FEB8EAB31}"/>
+                <a16:creationId xmlns:a16="http://schemas.microsoft.com/office/drawing/2014/main" xmlns="" id="{607AE930-5E81-4976-884A-E79FEB8EAB31}"/>
               </a:ext>
             </a:extLst>
           </p:cNvPr>
@@ -4743,7 +4742,7 @@
           <a:lstStyle/>
           <a:p>
             <a:pPr algn="ctr"/>
-            <a:endParaRPr lang="es-CO"/>
+            <a:endParaRPr lang="es-CO" dirty="0"/>
           </a:p>
         </p:txBody>
       </p:sp>
@@ -4752,7 +4751,7 @@
           <p:cNvPr id="58" name="Marcador de contenido 2">
             <a:extLst>
               <a:ext uri="{FF2B5EF4-FFF2-40B4-BE49-F238E27FC236}">
-                <a16:creationId xmlns="" xmlns:a16="http://schemas.microsoft.com/office/drawing/2014/main" id="{607AE930-5E81-4976-884A-E79FEB8EAB31}"/>
+                <a16:creationId xmlns:a16="http://schemas.microsoft.com/office/drawing/2014/main" xmlns="" id="{607AE930-5E81-4976-884A-E79FEB8EAB31}"/>
               </a:ext>
             </a:extLst>
           </p:cNvPr>
@@ -4981,7 +4980,7 @@
             <a:pPr algn="ctr"/>
             <a:r>
               <a:rPr lang="es-MX" sz="3200" b="1" dirty="0" smtClean="0"/>
-              <a:t>SPADIES, deserción.</a:t>
+              <a:t>SNIES, SPADIES, deserción.</a:t>
             </a:r>
             <a:endParaRPr lang="es-MX" sz="2400" b="1" dirty="0"/>
           </a:p>
@@ -5101,7 +5100,7 @@
           <p:cNvPr id="2" name="Título 1">
             <a:extLst>
               <a:ext uri="{FF2B5EF4-FFF2-40B4-BE49-F238E27FC236}">
-                <a16:creationId xmlns="" xmlns:a16="http://schemas.microsoft.com/office/drawing/2014/main" id="{4D3AF533-AD0F-43F7-AC8D-8A056BA291A3}"/>
+                <a16:creationId xmlns:a16="http://schemas.microsoft.com/office/drawing/2014/main" xmlns="" id="{4D3AF533-AD0F-43F7-AC8D-8A056BA291A3}"/>
               </a:ext>
             </a:extLst>
           </p:cNvPr>
@@ -5114,8 +5113,8 @@
         </p:nvSpPr>
         <p:spPr>
           <a:xfrm>
-            <a:off x="6100175" y="0"/>
-            <a:ext cx="6091825" cy="1325563"/>
+            <a:off x="2916195" y="0"/>
+            <a:ext cx="9275806" cy="1325563"/>
           </a:xfrm>
         </p:spPr>
         <p:txBody>
@@ -5129,8 +5128,21 @@
                   <a:schemeClr val="bg1"/>
                 </a:solidFill>
               </a:rPr>
-              <a:t>Metodología de desarrollo</a:t>
-            </a:r>
+              <a:t>Metodología de </a:t>
+            </a:r>
+            <a:r>
+              <a:rPr lang="es-MX" b="1" dirty="0" smtClean="0">
+                <a:solidFill>
+                  <a:schemeClr val="bg1"/>
+                </a:solidFill>
+              </a:rPr>
+              <a:t>desarrollo - SCRUM</a:t>
+            </a:r>
+            <a:endParaRPr lang="es-MX" b="1" dirty="0">
+              <a:solidFill>
+                <a:schemeClr val="bg1"/>
+              </a:solidFill>
+            </a:endParaRPr>
           </a:p>
         </p:txBody>
       </p:sp>
@@ -5169,7 +5181,7 @@
           <p:cNvPr id="7" name="CuadroTexto 6">
             <a:extLst>
               <a:ext uri="{FF2B5EF4-FFF2-40B4-BE49-F238E27FC236}">
-                <a16:creationId xmlns="" xmlns:a16="http://schemas.microsoft.com/office/drawing/2014/main" id="{BC049DBC-6933-4F01-99CD-12D18B825504}"/>
+                <a16:creationId xmlns:a16="http://schemas.microsoft.com/office/drawing/2014/main" xmlns="" id="{BC049DBC-6933-4F01-99CD-12D18B825504}"/>
               </a:ext>
             </a:extLst>
           </p:cNvPr>
@@ -5249,7 +5261,7 @@
           <p:cNvPr id="2" name="Título 1">
             <a:extLst>
               <a:ext uri="{FF2B5EF4-FFF2-40B4-BE49-F238E27FC236}">
-                <a16:creationId xmlns="" xmlns:a16="http://schemas.microsoft.com/office/drawing/2014/main" id="{4D3AF533-AD0F-43F7-AC8D-8A056BA291A3}"/>
+                <a16:creationId xmlns:a16="http://schemas.microsoft.com/office/drawing/2014/main" xmlns="" id="{4D3AF533-AD0F-43F7-AC8D-8A056BA291A3}"/>
               </a:ext>
             </a:extLst>
           </p:cNvPr>
@@ -5290,7 +5302,7 @@
         </p:nvSpPr>
         <p:spPr>
           <a:xfrm>
-            <a:off x="551144" y="1590805"/>
+            <a:off x="531027" y="2506731"/>
             <a:ext cx="5215203" cy="3170099"/>
           </a:xfrm>
           <a:prstGeom prst="rect">
@@ -5389,7 +5401,7 @@
           <p:cNvPr id="8" name="CuadroTexto 7">
             <a:extLst>
               <a:ext uri="{FF2B5EF4-FFF2-40B4-BE49-F238E27FC236}">
-                <a16:creationId xmlns="" xmlns:a16="http://schemas.microsoft.com/office/drawing/2014/main" id="{BC049DBC-6933-4F01-99CD-12D18B825504}"/>
+                <a16:creationId xmlns:a16="http://schemas.microsoft.com/office/drawing/2014/main" xmlns="" id="{BC049DBC-6933-4F01-99CD-12D18B825504}"/>
               </a:ext>
             </a:extLst>
           </p:cNvPr>
@@ -5474,7 +5486,7 @@
             <p:ph idx="1"/>
             <p:extLst>
               <p:ext uri="{D42A27DB-BD31-4B8C-83A1-F6EECF244321}">
-                <p14:modId xmlns:p14="http://schemas.microsoft.com/office/powerpoint/2010/main" val="3881640535"/>
+                <p14:modId xmlns:p14="http://schemas.microsoft.com/office/powerpoint/2010/main" val="1037719999"/>
               </p:ext>
             </p:extLst>
           </p:nvPr>
@@ -5490,9 +5502,27 @@
                 <a:tableStyleId>{5C22544A-7EE6-4342-B048-85BDC9FD1C3A}</a:tableStyleId>
               </a:tblPr>
               <a:tblGrid>
-                <a:gridCol w="3856199"/>
-                <a:gridCol w="490123"/>
-                <a:gridCol w="7355510"/>
+                <a:gridCol w="3856199">
+                  <a:extLst>
+                    <a:ext uri="{9D8B030D-6E8A-4147-A177-3AD203B41FA5}">
+                      <a16:colId xmlns:a16="http://schemas.microsoft.com/office/drawing/2014/main" xmlns="" val="20000"/>
+                    </a:ext>
+                  </a:extLst>
+                </a:gridCol>
+                <a:gridCol w="490123">
+                  <a:extLst>
+                    <a:ext uri="{9D8B030D-6E8A-4147-A177-3AD203B41FA5}">
+                      <a16:colId xmlns:a16="http://schemas.microsoft.com/office/drawing/2014/main" xmlns="" val="20001"/>
+                    </a:ext>
+                  </a:extLst>
+                </a:gridCol>
+                <a:gridCol w="7355510">
+                  <a:extLst>
+                    <a:ext uri="{9D8B030D-6E8A-4147-A177-3AD203B41FA5}">
+                      <a16:colId xmlns:a16="http://schemas.microsoft.com/office/drawing/2014/main" xmlns="" val="20002"/>
+                    </a:ext>
+                  </a:extLst>
+                </a:gridCol>
               </a:tblGrid>
               <a:tr h="414329">
                 <a:tc gridSpan="3">
@@ -5541,6 +5571,11 @@
                   </a:txBody>
                   <a:tcPr/>
                 </a:tc>
+                <a:extLst>
+                  <a:ext uri="{0D108BD9-81ED-4DB2-BD59-A6C34878D82A}">
+                    <a16:rowId xmlns:a16="http://schemas.microsoft.com/office/drawing/2014/main" xmlns="" val="10000"/>
+                  </a:ext>
+                </a:extLst>
               </a:tr>
               <a:tr h="414329">
                 <a:tc>
@@ -5586,12 +5621,18 @@
                         </a:spcAft>
                       </a:pPr>
                       <a:r>
-                        <a:rPr lang="es-CO" sz="2000" kern="50">
+                        <a:rPr lang="es-CO" sz="2000" b="1" kern="50" dirty="0">
                           <a:effectLst/>
                         </a:rPr>
-                        <a:t>Usuario: Administrador</a:t>
+                        <a:t>Usuario:</a:t>
                       </a:r>
-                      <a:endParaRPr lang="es-CO" sz="2000" kern="50">
+                      <a:r>
+                        <a:rPr lang="es-CO" sz="2000" kern="50" dirty="0">
+                          <a:effectLst/>
+                        </a:rPr>
+                        <a:t> Administrador</a:t>
+                      </a:r>
+                      <a:endParaRPr lang="es-CO" sz="2000" kern="50" dirty="0">
                         <a:effectLst/>
                         <a:latin typeface="Times New Roman" panose="02020603050405020304" pitchFamily="18" charset="0"/>
                         <a:ea typeface="Droid Sans Fallback"/>
@@ -5611,6 +5652,11 @@
                   </a:txBody>
                   <a:tcPr/>
                 </a:tc>
+                <a:extLst>
+                  <a:ext uri="{0D108BD9-81ED-4DB2-BD59-A6C34878D82A}">
+                    <a16:rowId xmlns:a16="http://schemas.microsoft.com/office/drawing/2014/main" xmlns="" val="10001"/>
+                  </a:ext>
+                </a:extLst>
               </a:tr>
               <a:tr h="611630">
                 <a:tc gridSpan="3">
@@ -5665,6 +5711,11 @@
                   </a:txBody>
                   <a:tcPr/>
                 </a:tc>
+                <a:extLst>
+                  <a:ext uri="{0D108BD9-81ED-4DB2-BD59-A6C34878D82A}">
+                    <a16:rowId xmlns:a16="http://schemas.microsoft.com/office/drawing/2014/main" xmlns="" val="10002"/>
+                  </a:ext>
+                </a:extLst>
               </a:tr>
               <a:tr h="394599">
                 <a:tc gridSpan="2">
@@ -5741,6 +5792,11 @@
                   </a:txBody>
                   <a:tcPr marL="88785" marR="88785" marT="88785" marB="88785" anchor="ctr"/>
                 </a:tc>
+                <a:extLst>
+                  <a:ext uri="{0D108BD9-81ED-4DB2-BD59-A6C34878D82A}">
+                    <a16:rowId xmlns:a16="http://schemas.microsoft.com/office/drawing/2014/main" xmlns="" val="10003"/>
+                  </a:ext>
+                </a:extLst>
               </a:tr>
               <a:tr h="414329">
                 <a:tc gridSpan="2">
@@ -5817,6 +5873,11 @@
                   </a:txBody>
                   <a:tcPr marL="88785" marR="88785" marT="88785" marB="88785" anchor="ctr"/>
                 </a:tc>
+                <a:extLst>
+                  <a:ext uri="{0D108BD9-81ED-4DB2-BD59-A6C34878D82A}">
+                    <a16:rowId xmlns:a16="http://schemas.microsoft.com/office/drawing/2014/main" xmlns="" val="10004"/>
+                  </a:ext>
+                </a:extLst>
               </a:tr>
               <a:tr h="394599">
                 <a:tc gridSpan="3">
@@ -5871,6 +5932,11 @@
                   </a:txBody>
                   <a:tcPr/>
                 </a:tc>
+                <a:extLst>
+                  <a:ext uri="{0D108BD9-81ED-4DB2-BD59-A6C34878D82A}">
+                    <a16:rowId xmlns:a16="http://schemas.microsoft.com/office/drawing/2014/main" xmlns="" val="10005"/>
+                  </a:ext>
+                </a:extLst>
               </a:tr>
               <a:tr h="611630">
                 <a:tc gridSpan="3">
@@ -5925,6 +5991,11 @@
                   </a:txBody>
                   <a:tcPr/>
                 </a:tc>
+                <a:extLst>
+                  <a:ext uri="{0D108BD9-81ED-4DB2-BD59-A6C34878D82A}">
+                    <a16:rowId xmlns:a16="http://schemas.microsoft.com/office/drawing/2014/main" xmlns="" val="10006"/>
+                  </a:ext>
+                </a:extLst>
               </a:tr>
               <a:tr h="1598129">
                 <a:tc gridSpan="3">
@@ -6020,6 +6091,11 @@
                   </a:txBody>
                   <a:tcPr/>
                 </a:tc>
+                <a:extLst>
+                  <a:ext uri="{0D108BD9-81ED-4DB2-BD59-A6C34878D82A}">
+                    <a16:rowId xmlns:a16="http://schemas.microsoft.com/office/drawing/2014/main" xmlns="" val="10007"/>
+                  </a:ext>
+                </a:extLst>
               </a:tr>
             </a:tbl>
           </a:graphicData>
@@ -6030,7 +6106,7 @@
           <p:cNvPr id="6" name="Título 1">
             <a:extLst>
               <a:ext uri="{FF2B5EF4-FFF2-40B4-BE49-F238E27FC236}">
-                <a16:creationId xmlns="" xmlns:a16="http://schemas.microsoft.com/office/drawing/2014/main" id="{4D3AF533-AD0F-43F7-AC8D-8A056BA291A3}"/>
+                <a16:creationId xmlns:a16="http://schemas.microsoft.com/office/drawing/2014/main" xmlns="" id="{4D3AF533-AD0F-43F7-AC8D-8A056BA291A3}"/>
               </a:ext>
             </a:extLst>
           </p:cNvPr>
@@ -6154,7 +6230,7 @@
           <p:cNvPr id="6" name="CuadroTexto 5">
             <a:extLst>
               <a:ext uri="{FF2B5EF4-FFF2-40B4-BE49-F238E27FC236}">
-                <a16:creationId xmlns="" xmlns:a16="http://schemas.microsoft.com/office/drawing/2014/main" id="{BC049DBC-6933-4F01-99CD-12D18B825504}"/>
+                <a16:creationId xmlns:a16="http://schemas.microsoft.com/office/drawing/2014/main" xmlns="" id="{BC049DBC-6933-4F01-99CD-12D18B825504}"/>
               </a:ext>
             </a:extLst>
           </p:cNvPr>
@@ -6197,7 +6273,7 @@
           <p:cNvPr id="10" name="Título 1">
             <a:extLst>
               <a:ext uri="{FF2B5EF4-FFF2-40B4-BE49-F238E27FC236}">
-                <a16:creationId xmlns="" xmlns:a16="http://schemas.microsoft.com/office/drawing/2014/main" id="{4D3AF533-AD0F-43F7-AC8D-8A056BA291A3}"/>
+                <a16:creationId xmlns:a16="http://schemas.microsoft.com/office/drawing/2014/main" xmlns="" id="{4D3AF533-AD0F-43F7-AC8D-8A056BA291A3}"/>
               </a:ext>
             </a:extLst>
           </p:cNvPr>
@@ -6346,7 +6422,7 @@
           <p:cNvPr id="6" name="CuadroTexto 5">
             <a:extLst>
               <a:ext uri="{FF2B5EF4-FFF2-40B4-BE49-F238E27FC236}">
-                <a16:creationId xmlns="" xmlns:a16="http://schemas.microsoft.com/office/drawing/2014/main" id="{BC049DBC-6933-4F01-99CD-12D18B825504}"/>
+                <a16:creationId xmlns:a16="http://schemas.microsoft.com/office/drawing/2014/main" xmlns="" id="{BC049DBC-6933-4F01-99CD-12D18B825504}"/>
               </a:ext>
             </a:extLst>
           </p:cNvPr>
@@ -6355,8 +6431,8 @@
         </p:nvSpPr>
         <p:spPr>
           <a:xfrm>
-            <a:off x="7735665" y="1305652"/>
-            <a:ext cx="1923732" cy="461665"/>
+            <a:off x="3062345" y="6119943"/>
+            <a:ext cx="5658729" cy="461665"/>
           </a:xfrm>
           <a:prstGeom prst="rect">
             <a:avLst/>
@@ -6375,7 +6451,7 @@
                 <a:latin typeface="Times New Roman" panose="02020603050405020304" pitchFamily="18" charset="0"/>
                 <a:cs typeface="Times New Roman" panose="02020603050405020304" pitchFamily="18" charset="0"/>
               </a:rPr>
-              <a:t>Fuente propia</a:t>
+              <a:t>Casos de uso de estudiantes (Fuente propia)</a:t>
             </a:r>
             <a:endParaRPr lang="es-MX" sz="2400" i="1" dirty="0">
               <a:latin typeface="Times New Roman" panose="02020603050405020304" pitchFamily="18" charset="0"/>
@@ -6384,66 +6460,12 @@
           </a:p>
         </p:txBody>
       </p:sp>
-      <p:pic>
-        <p:nvPicPr>
-          <p:cNvPr id="2050" name="Picture 2" descr="cduEstudiantes"/>
-          <p:cNvPicPr>
-            <a:picLocks noChangeAspect="1" noChangeArrowheads="1"/>
-          </p:cNvPicPr>
-          <p:nvPr/>
-        </p:nvPicPr>
-        <p:blipFill>
-          <a:blip r:embed="rId2">
-            <a:extLst>
-              <a:ext uri="{28A0092B-C50C-407E-A947-70E740481C1C}">
-                <a14:useLocalDpi xmlns:a14="http://schemas.microsoft.com/office/drawing/2010/main" val="0"/>
-              </a:ext>
-            </a:extLst>
-          </a:blip>
-          <a:srcRect/>
-          <a:stretch>
-            <a:fillRect/>
-          </a:stretch>
-        </p:blipFill>
-        <p:spPr bwMode="auto">
-          <a:xfrm>
-            <a:off x="918354" y="1207998"/>
-            <a:ext cx="5126727" cy="5767568"/>
-          </a:xfrm>
-          <a:prstGeom prst="rect">
-            <a:avLst/>
-          </a:prstGeom>
-          <a:noFill/>
-          <a:ln>
-            <a:noFill/>
-          </a:ln>
-          <a:extLst>
-            <a:ext uri="{909E8E84-426E-40DD-AFC4-6F175D3DCCD1}">
-              <a14:hiddenFill xmlns:a14="http://schemas.microsoft.com/office/drawing/2010/main">
-                <a:solidFill>
-                  <a:srgbClr val="FFFFFF"/>
-                </a:solidFill>
-              </a14:hiddenFill>
-            </a:ext>
-            <a:ext uri="{91240B29-F687-4F45-9708-019B960494DF}">
-              <a14:hiddenLine xmlns:a14="http://schemas.microsoft.com/office/drawing/2010/main" w="9525">
-                <a:solidFill>
-                  <a:srgbClr val="000000"/>
-                </a:solidFill>
-                <a:miter lim="800000"/>
-                <a:headEnd/>
-                <a:tailEnd/>
-              </a14:hiddenLine>
-            </a:ext>
-          </a:extLst>
-        </p:spPr>
-      </p:pic>
       <p:sp>
         <p:nvSpPr>
           <p:cNvPr id="10" name="Título 1">
             <a:extLst>
               <a:ext uri="{FF2B5EF4-FFF2-40B4-BE49-F238E27FC236}">
-                <a16:creationId xmlns="" xmlns:a16="http://schemas.microsoft.com/office/drawing/2014/main" id="{4D3AF533-AD0F-43F7-AC8D-8A056BA291A3}"/>
+                <a16:creationId xmlns:a16="http://schemas.microsoft.com/office/drawing/2014/main" xmlns="" id="{4D3AF533-AD0F-43F7-AC8D-8A056BA291A3}"/>
               </a:ext>
             </a:extLst>
           </p:cNvPr>
@@ -6520,10 +6542,40 @@
           </a:p>
         </p:txBody>
       </p:sp>
+      <p:pic>
+        <p:nvPicPr>
+          <p:cNvPr id="3" name="Imagen 2"/>
+          <p:cNvPicPr>
+            <a:picLocks noChangeAspect="1"/>
+          </p:cNvPicPr>
+          <p:nvPr/>
+        </p:nvPicPr>
+        <p:blipFill>
+          <a:blip r:embed="rId2">
+            <a:extLst>
+              <a:ext uri="{28A0092B-C50C-407E-A947-70E740481C1C}">
+                <a14:useLocalDpi xmlns:a14="http://schemas.microsoft.com/office/drawing/2010/main" val="0"/>
+              </a:ext>
+            </a:extLst>
+          </a:blip>
+          <a:stretch>
+            <a:fillRect/>
+          </a:stretch>
+        </p:blipFill>
+        <p:spPr>
+          <a:xfrm>
+            <a:off x="257175" y="1768475"/>
+            <a:ext cx="11744325" cy="3595201"/>
+          </a:xfrm>
+          <a:prstGeom prst="rect">
+            <a:avLst/>
+          </a:prstGeom>
+        </p:spPr>
+      </p:pic>
     </p:spTree>
     <p:extLst>
       <p:ext uri="{BB962C8B-B14F-4D97-AF65-F5344CB8AC3E}">
-        <p14:creationId xmlns:p14="http://schemas.microsoft.com/office/powerpoint/2010/main" val="342350040"/>
+        <p14:creationId xmlns:p14="http://schemas.microsoft.com/office/powerpoint/2010/main" val="1038158884"/>
       </p:ext>
     </p:extLst>
   </p:cSld>
@@ -6562,7 +6614,7 @@
           <p:cNvPr id="11" name="Título 1">
             <a:extLst>
               <a:ext uri="{FF2B5EF4-FFF2-40B4-BE49-F238E27FC236}">
-                <a16:creationId xmlns="" xmlns:a16="http://schemas.microsoft.com/office/drawing/2014/main" id="{4D3AF533-AD0F-43F7-AC8D-8A056BA291A3}"/>
+                <a16:creationId xmlns:a16="http://schemas.microsoft.com/office/drawing/2014/main" xmlns="" id="{4D3AF533-AD0F-43F7-AC8D-8A056BA291A3}"/>
               </a:ext>
             </a:extLst>
           </p:cNvPr>
@@ -6662,7 +6714,7 @@
           <p:cNvPr id="8" name="CuadroTexto 7">
             <a:extLst>
               <a:ext uri="{FF2B5EF4-FFF2-40B4-BE49-F238E27FC236}">
-                <a16:creationId xmlns="" xmlns:a16="http://schemas.microsoft.com/office/drawing/2014/main" id="{89E46AF4-218E-4E1B-B422-59B657A05EE8}"/>
+                <a16:creationId xmlns:a16="http://schemas.microsoft.com/office/drawing/2014/main" xmlns="" id="{89E46AF4-218E-4E1B-B422-59B657A05EE8}"/>
               </a:ext>
             </a:extLst>
           </p:cNvPr>
@@ -6786,7 +6838,7 @@
           <p:cNvPr id="5" name="CuadroTexto 4">
             <a:extLst>
               <a:ext uri="{FF2B5EF4-FFF2-40B4-BE49-F238E27FC236}">
-                <a16:creationId xmlns="" xmlns:a16="http://schemas.microsoft.com/office/drawing/2014/main" id="{BC049DBC-6933-4F01-99CD-12D18B825504}"/>
+                <a16:creationId xmlns:a16="http://schemas.microsoft.com/office/drawing/2014/main" xmlns="" id="{BC049DBC-6933-4F01-99CD-12D18B825504}"/>
               </a:ext>
             </a:extLst>
           </p:cNvPr>
@@ -6795,7 +6847,7 @@
         </p:nvSpPr>
         <p:spPr>
           <a:xfrm>
-            <a:off x="1344715" y="6298550"/>
+            <a:off x="1716190" y="6027087"/>
             <a:ext cx="8849923" cy="461665"/>
           </a:xfrm>
           <a:prstGeom prst="rect">
@@ -6839,7 +6891,7 @@
           <p:cNvPr id="7" name="Título 1">
             <a:extLst>
               <a:ext uri="{FF2B5EF4-FFF2-40B4-BE49-F238E27FC236}">
-                <a16:creationId xmlns="" xmlns:a16="http://schemas.microsoft.com/office/drawing/2014/main" id="{4D3AF533-AD0F-43F7-AC8D-8A056BA291A3}"/>
+                <a16:creationId xmlns:a16="http://schemas.microsoft.com/office/drawing/2014/main" xmlns="" id="{4D3AF533-AD0F-43F7-AC8D-8A056BA291A3}"/>
               </a:ext>
             </a:extLst>
           </p:cNvPr>
@@ -6943,7 +6995,7 @@
           <p:nvPr>
             <p:extLst>
               <p:ext uri="{D42A27DB-BD31-4B8C-83A1-F6EECF244321}">
-                <p14:modId xmlns:p14="http://schemas.microsoft.com/office/powerpoint/2010/main" val="1964727099"/>
+                <p14:modId xmlns:p14="http://schemas.microsoft.com/office/powerpoint/2010/main" val="544455188"/>
               </p:ext>
             </p:extLst>
           </p:nvPr>
@@ -6959,9 +7011,27 @@
                 <a:tableStyleId>{5C22544A-7EE6-4342-B048-85BDC9FD1C3A}</a:tableStyleId>
               </a:tblPr>
               <a:tblGrid>
-                <a:gridCol w="4847574"/>
-                <a:gridCol w="2918564"/>
-                <a:gridCol w="4208745"/>
+                <a:gridCol w="4847574">
+                  <a:extLst>
+                    <a:ext uri="{9D8B030D-6E8A-4147-A177-3AD203B41FA5}">
+                      <a16:colId xmlns:a16="http://schemas.microsoft.com/office/drawing/2014/main" xmlns="" val="20000"/>
+                    </a:ext>
+                  </a:extLst>
+                </a:gridCol>
+                <a:gridCol w="2918564">
+                  <a:extLst>
+                    <a:ext uri="{9D8B030D-6E8A-4147-A177-3AD203B41FA5}">
+                      <a16:colId xmlns:a16="http://schemas.microsoft.com/office/drawing/2014/main" xmlns="" val="20001"/>
+                    </a:ext>
+                  </a:extLst>
+                </a:gridCol>
+                <a:gridCol w="4208745">
+                  <a:extLst>
+                    <a:ext uri="{9D8B030D-6E8A-4147-A177-3AD203B41FA5}">
+                      <a16:colId xmlns:a16="http://schemas.microsoft.com/office/drawing/2014/main" xmlns="" val="20002"/>
+                    </a:ext>
+                  </a:extLst>
+                </a:gridCol>
               </a:tblGrid>
               <a:tr h="358180">
                 <a:tc>
@@ -6994,12 +7064,12 @@
                     <a:p>
                       <a:pPr algn="ctr" fontAlgn="b"/>
                       <a:r>
-                        <a:rPr lang="es-CO" sz="3200" b="1" u="sng" strike="noStrike">
+                        <a:rPr lang="es-CO" sz="3200" b="1" u="sng" strike="noStrike" dirty="0">
                           <a:effectLst/>
                         </a:rPr>
                         <a:t>Lenguajes</a:t>
                       </a:r>
-                      <a:endParaRPr lang="es-CO" sz="3200" b="1" i="0" u="sng" strike="noStrike">
+                      <a:endParaRPr lang="es-CO" sz="3200" b="1" i="0" u="sng" strike="noStrike" dirty="0">
                         <a:solidFill>
                           <a:srgbClr val="000000"/>
                         </a:solidFill>
@@ -7033,6 +7103,11 @@
                   </a:txBody>
                   <a:tcPr marL="9525" marR="9525" marT="9525" marB="0" anchor="b"/>
                 </a:tc>
+                <a:extLst>
+                  <a:ext uri="{0D108BD9-81ED-4DB2-BD59-A6C34878D82A}">
+                    <a16:rowId xmlns:a16="http://schemas.microsoft.com/office/drawing/2014/main" xmlns="" val="10000"/>
+                  </a:ext>
+                </a:extLst>
               </a:tr>
               <a:tr h="358180">
                 <a:tc>
@@ -7065,12 +7140,12 @@
                     <a:p>
                       <a:pPr algn="ctr" fontAlgn="b"/>
                       <a:r>
-                        <a:rPr lang="es-CO" sz="3200" u="none" strike="noStrike">
+                        <a:rPr lang="es-CO" sz="3200" u="none" strike="noStrike" dirty="0">
                           <a:effectLst/>
                         </a:rPr>
                         <a:t>HTML</a:t>
                       </a:r>
-                      <a:endParaRPr lang="es-CO" sz="3200" b="0" i="0" u="none" strike="noStrike">
+                      <a:endParaRPr lang="es-CO" sz="3200" b="0" i="0" u="none" strike="noStrike" dirty="0">
                         <a:solidFill>
                           <a:srgbClr val="000000"/>
                         </a:solidFill>
@@ -7110,6 +7185,11 @@
                   </a:txBody>
                   <a:tcPr marL="9525" marR="9525" marT="9525" marB="0" anchor="b"/>
                 </a:tc>
+                <a:extLst>
+                  <a:ext uri="{0D108BD9-81ED-4DB2-BD59-A6C34878D82A}">
+                    <a16:rowId xmlns:a16="http://schemas.microsoft.com/office/drawing/2014/main" xmlns="" val="10001"/>
+                  </a:ext>
+                </a:extLst>
               </a:tr>
               <a:tr h="358180">
                 <a:tc>
@@ -7119,12 +7199,12 @@
                     <a:p>
                       <a:pPr algn="ctr" fontAlgn="b"/>
                       <a:r>
-                        <a:rPr lang="es-CO" sz="3200" u="none" strike="noStrike">
+                        <a:rPr lang="es-CO" sz="3200" u="none" strike="noStrike" dirty="0">
                           <a:effectLst/>
                         </a:rPr>
                         <a:t>NetBeans IDE</a:t>
                       </a:r>
-                      <a:endParaRPr lang="es-CO" sz="3200" b="0" i="0" u="none" strike="noStrike">
+                      <a:endParaRPr lang="es-CO" sz="3200" b="0" i="0" u="none" strike="noStrike" dirty="0">
                         <a:solidFill>
                           <a:srgbClr val="000000"/>
                         </a:solidFill>
@@ -7187,6 +7267,11 @@
                   </a:txBody>
                   <a:tcPr marL="9525" marR="9525" marT="9525" marB="0" anchor="b"/>
                 </a:tc>
+                <a:extLst>
+                  <a:ext uri="{0D108BD9-81ED-4DB2-BD59-A6C34878D82A}">
+                    <a16:rowId xmlns:a16="http://schemas.microsoft.com/office/drawing/2014/main" xmlns="" val="10002"/>
+                  </a:ext>
+                </a:extLst>
               </a:tr>
               <a:tr h="358180">
                 <a:tc>
@@ -7196,12 +7281,12 @@
                     <a:p>
                       <a:pPr algn="ctr" fontAlgn="b"/>
                       <a:r>
-                        <a:rPr lang="es-CO" sz="3200" u="none" strike="noStrike">
+                        <a:rPr lang="es-CO" sz="3200" u="none" strike="noStrike" dirty="0">
                           <a:effectLst/>
                         </a:rPr>
                         <a:t>Apache Tomcat</a:t>
                       </a:r>
-                      <a:endParaRPr lang="es-CO" sz="3200" b="0" i="0" u="none" strike="noStrike">
+                      <a:endParaRPr lang="es-CO" sz="3200" b="0" i="0" u="none" strike="noStrike" dirty="0">
                         <a:solidFill>
                           <a:srgbClr val="000000"/>
                         </a:solidFill>
@@ -7264,6 +7349,11 @@
                   </a:txBody>
                   <a:tcPr marL="9525" marR="9525" marT="9525" marB="0" anchor="b"/>
                 </a:tc>
+                <a:extLst>
+                  <a:ext uri="{0D108BD9-81ED-4DB2-BD59-A6C34878D82A}">
+                    <a16:rowId xmlns:a16="http://schemas.microsoft.com/office/drawing/2014/main" xmlns="" val="10003"/>
+                  </a:ext>
+                </a:extLst>
               </a:tr>
               <a:tr h="358180">
                 <a:tc>
@@ -7273,12 +7363,30 @@
                     <a:p>
                       <a:pPr algn="ctr" fontAlgn="b"/>
                       <a:r>
-                        <a:rPr lang="es-CO" sz="3200" u="none" strike="noStrike">
+                        <a:rPr lang="es-CO" sz="3200" u="none" strike="noStrike" dirty="0">
                           <a:effectLst/>
                         </a:rPr>
-                        <a:t>Terminator - bash - mYsql</a:t>
+                        <a:t>Terminator - </a:t>
                       </a:r>
-                      <a:endParaRPr lang="es-CO" sz="3200" b="0" i="0" u="none" strike="noStrike">
+                      <a:r>
+                        <a:rPr lang="es-CO" sz="3200" u="none" strike="noStrike" dirty="0" smtClean="0">
+                          <a:effectLst/>
+                        </a:rPr>
+                        <a:t>Bash </a:t>
+                      </a:r>
+                      <a:r>
+                        <a:rPr lang="es-CO" sz="3200" u="none" strike="noStrike" dirty="0">
+                          <a:effectLst/>
+                        </a:rPr>
+                        <a:t>- </a:t>
+                      </a:r>
+                      <a:r>
+                        <a:rPr lang="es-CO" sz="3200" u="none" strike="noStrike" dirty="0" smtClean="0">
+                          <a:effectLst/>
+                        </a:rPr>
+                        <a:t>MySQL</a:t>
+                      </a:r>
+                      <a:endParaRPr lang="es-CO" sz="3200" b="0" i="0" u="none" strike="noStrike" dirty="0">
                         <a:solidFill>
                           <a:srgbClr val="000000"/>
                         </a:solidFill>
@@ -7335,6 +7443,11 @@
                   </a:txBody>
                   <a:tcPr marL="9525" marR="9525" marT="9525" marB="0" anchor="b"/>
                 </a:tc>
+                <a:extLst>
+                  <a:ext uri="{0D108BD9-81ED-4DB2-BD59-A6C34878D82A}">
+                    <a16:rowId xmlns:a16="http://schemas.microsoft.com/office/drawing/2014/main" xmlns="" val="10004"/>
+                  </a:ext>
+                </a:extLst>
               </a:tr>
               <a:tr h="358180">
                 <a:tc>
@@ -7412,6 +7525,11 @@
                   </a:txBody>
                   <a:tcPr marL="9525" marR="9525" marT="9525" marB="0" anchor="b"/>
                 </a:tc>
+                <a:extLst>
+                  <a:ext uri="{0D108BD9-81ED-4DB2-BD59-A6C34878D82A}">
+                    <a16:rowId xmlns:a16="http://schemas.microsoft.com/office/drawing/2014/main" xmlns="" val="10005"/>
+                  </a:ext>
+                </a:extLst>
               </a:tr>
               <a:tr h="358180">
                 <a:tc>
@@ -7489,6 +7607,11 @@
                   </a:txBody>
                   <a:tcPr marL="9525" marR="9525" marT="9525" marB="0" anchor="b"/>
                 </a:tc>
+                <a:extLst>
+                  <a:ext uri="{0D108BD9-81ED-4DB2-BD59-A6C34878D82A}">
+                    <a16:rowId xmlns:a16="http://schemas.microsoft.com/office/drawing/2014/main" xmlns="" val="10006"/>
+                  </a:ext>
+                </a:extLst>
               </a:tr>
               <a:tr h="358180">
                 <a:tc>
@@ -7520,12 +7643,6 @@
                     <a:lstStyle/>
                     <a:p>
                       <a:pPr algn="ctr" fontAlgn="b"/>
-                      <a:r>
-                        <a:rPr lang="es-CO" sz="3200" u="none" strike="noStrike" dirty="0">
-                          <a:effectLst/>
-                        </a:rPr>
-                        <a:t> </a:t>
-                      </a:r>
                       <a:endParaRPr lang="es-CO" sz="3200" b="0" i="0" u="none" strike="noStrike" dirty="0">
                         <a:solidFill>
                           <a:srgbClr val="000000"/>
@@ -7560,6 +7677,11 @@
                   </a:txBody>
                   <a:tcPr marL="9525" marR="9525" marT="9525" marB="0" anchor="b"/>
                 </a:tc>
+                <a:extLst>
+                  <a:ext uri="{0D108BD9-81ED-4DB2-BD59-A6C34878D82A}">
+                    <a16:rowId xmlns:a16="http://schemas.microsoft.com/office/drawing/2014/main" xmlns="" val="10007"/>
+                  </a:ext>
+                </a:extLst>
               </a:tr>
             </a:tbl>
           </a:graphicData>
@@ -8368,7 +8490,7 @@
           <p:cNvPr id="25" name="Título 1">
             <a:extLst>
               <a:ext uri="{FF2B5EF4-FFF2-40B4-BE49-F238E27FC236}">
-                <a16:creationId xmlns="" xmlns:a16="http://schemas.microsoft.com/office/drawing/2014/main" id="{4D3AF533-AD0F-43F7-AC8D-8A056BA291A3}"/>
+                <a16:creationId xmlns:a16="http://schemas.microsoft.com/office/drawing/2014/main" xmlns="" id="{4D3AF533-AD0F-43F7-AC8D-8A056BA291A3}"/>
               </a:ext>
             </a:extLst>
           </p:cNvPr>
@@ -8502,10 +8624,10 @@
       </p:grpSpPr>
       <p:sp>
         <p:nvSpPr>
-          <p:cNvPr id="4" name="Título 1">
+          <p:cNvPr id="2" name="Título 1">
             <a:extLst>
               <a:ext uri="{FF2B5EF4-FFF2-40B4-BE49-F238E27FC236}">
-                <a16:creationId xmlns="" xmlns:a16="http://schemas.microsoft.com/office/drawing/2014/main" id="{F194AB6A-55E1-4B44-A983-8BC6AA65E29D}"/>
+                <a16:creationId xmlns:a16="http://schemas.microsoft.com/office/drawing/2014/main" xmlns="" id="{66349900-D031-47AB-BEDC-4E081B677983}"/>
               </a:ext>
             </a:extLst>
           </p:cNvPr>
@@ -8518,12 +8640,14 @@
         </p:nvSpPr>
         <p:spPr>
           <a:xfrm>
-            <a:off x="7716033" y="18255"/>
-            <a:ext cx="4475966" cy="1325563"/>
-          </a:xfrm>
-        </p:spPr>
-        <p:txBody>
-          <a:bodyPr/>
+            <a:off x="4371584" y="303892"/>
+            <a:ext cx="7820415" cy="726621"/>
+          </a:xfrm>
+        </p:spPr>
+        <p:txBody>
+          <a:bodyPr>
+            <a:normAutofit/>
+          </a:bodyPr>
           <a:lstStyle/>
           <a:p>
             <a:pPr algn="r"/>
@@ -8533,7 +8657,7 @@
                   <a:schemeClr val="bg1"/>
                 </a:solidFill>
               </a:rPr>
-              <a:t>¿Qué es SICACEST?</a:t>
+              <a:t>Etapa 4 - Pruebas - Administrador</a:t>
             </a:r>
             <a:endParaRPr lang="es-MX" b="1" dirty="0">
               <a:solidFill>
@@ -8543,112 +8667,127 @@
           </a:p>
         </p:txBody>
       </p:sp>
-      <p:sp>
-        <p:nvSpPr>
-          <p:cNvPr id="7" name="Marcador de contenido 2">
+      <p:pic>
+        <p:nvPicPr>
+          <p:cNvPr id="5" name="Imagen 4"/>
+          <p:cNvPicPr>
+            <a:picLocks noChangeAspect="1"/>
+          </p:cNvPicPr>
+          <p:nvPr/>
+        </p:nvPicPr>
+        <p:blipFill>
+          <a:blip r:embed="rId2">
+            <a:extLst>
+              <a:ext uri="{28A0092B-C50C-407E-A947-70E740481C1C}">
+                <a14:useLocalDpi xmlns:a14="http://schemas.microsoft.com/office/drawing/2010/main" val="0"/>
+              </a:ext>
+            </a:extLst>
+          </a:blip>
+          <a:stretch>
+            <a:fillRect/>
+          </a:stretch>
+        </p:blipFill>
+        <p:spPr>
+          <a:xfrm>
+            <a:off x="1444752" y="1279099"/>
+            <a:ext cx="8299353" cy="5578901"/>
+          </a:xfrm>
+          <a:prstGeom prst="rect">
+            <a:avLst/>
+          </a:prstGeom>
+        </p:spPr>
+      </p:pic>
+      <p:sp>
+        <p:nvSpPr>
+          <p:cNvPr id="4" name="CuadroTexto 3">
             <a:extLst>
               <a:ext uri="{FF2B5EF4-FFF2-40B4-BE49-F238E27FC236}">
-                <a16:creationId xmlns="" xmlns:a16="http://schemas.microsoft.com/office/drawing/2014/main" id="{9044A195-81E2-4535-8AF2-A32F3CBDD8E6}"/>
+                <a16:creationId xmlns:a16="http://schemas.microsoft.com/office/drawing/2014/main" xmlns="" id="{89E46AF4-218E-4E1B-B422-59B657A05EE8}"/>
               </a:ext>
             </a:extLst>
           </p:cNvPr>
-          <p:cNvSpPr>
-            <a:spLocks noGrp="1"/>
-          </p:cNvSpPr>
-          <p:nvPr>
-            <p:ph idx="1"/>
-          </p:nvPr>
+          <p:cNvSpPr txBox="1"/>
+          <p:nvPr/>
         </p:nvSpPr>
         <p:spPr>
           <a:xfrm>
-            <a:off x="551145" y="3467792"/>
-            <a:ext cx="11323529" cy="3033215"/>
-          </a:xfrm>
-        </p:spPr>
-        <p:txBody>
-          <a:bodyPr>
-            <a:noAutofit/>
-          </a:bodyPr>
-          <a:lstStyle/>
-          <a:p>
-            <a:pPr algn="just"/>
-            <a:r>
-              <a:rPr lang="es-MX" sz="4000" dirty="0" smtClean="0"/>
-              <a:t>Permite que las IES la adapten a sus necesidades para administrar su proceso de caracterización estudiantil.</a:t>
-            </a:r>
-          </a:p>
-          <a:p>
-            <a:pPr algn="just"/>
-            <a:r>
-              <a:rPr lang="es-MX" sz="4000" dirty="0" smtClean="0"/>
-              <a:t>Los estudiantes pueden actualizar sus datos en cualquier momento.</a:t>
-            </a:r>
-          </a:p>
-        </p:txBody>
-      </p:sp>
-      <p:sp>
-        <p:nvSpPr>
-          <p:cNvPr id="8" name="Rectángulo 7"/>
-          <p:cNvSpPr/>
-          <p:nvPr/>
-        </p:nvSpPr>
-        <p:spPr>
-          <a:xfrm>
-            <a:off x="551145" y="1283839"/>
-            <a:ext cx="10206861" cy="1200329"/>
+            <a:off x="9744105" y="1279099"/>
+            <a:ext cx="2533650" cy="461665"/>
           </a:xfrm>
           <a:prstGeom prst="rect">
             <a:avLst/>
           </a:prstGeom>
-        </p:spPr>
-        <p:txBody>
-          <a:bodyPr wrap="square">
+          <a:noFill/>
+        </p:spPr>
+        <p:txBody>
+          <a:bodyPr wrap="square" rtlCol="0">
             <a:spAutoFit/>
           </a:bodyPr>
           <a:lstStyle/>
           <a:p>
             <a:pPr algn="just"/>
             <a:r>
-              <a:rPr lang="es-MX" sz="3600" dirty="0"/>
-              <a:t>Es una herramienta de software liberada bajo la licencia GPL de GNU.</a:t>
-            </a:r>
-          </a:p>
-        </p:txBody>
-      </p:sp>
-      <p:sp>
-        <p:nvSpPr>
-          <p:cNvPr id="9" name="Rectángulo 8"/>
-          <p:cNvSpPr/>
+              <a:rPr lang="es-MX" sz="2400" b="1" i="1" dirty="0" smtClean="0">
+                <a:latin typeface="Times New Roman" panose="02020603050405020304" pitchFamily="18" charset="0"/>
+                <a:cs typeface="Times New Roman" panose="02020603050405020304" pitchFamily="18" charset="0"/>
+              </a:rPr>
+              <a:t>Fuente</a:t>
+            </a:r>
+            <a:r>
+              <a:rPr lang="es-MX" sz="2400" b="1" i="1" dirty="0">
+                <a:latin typeface="Times New Roman" panose="02020603050405020304" pitchFamily="18" charset="0"/>
+                <a:cs typeface="Times New Roman" panose="02020603050405020304" pitchFamily="18" charset="0"/>
+              </a:rPr>
+              <a:t>:</a:t>
+            </a:r>
+            <a:r>
+              <a:rPr lang="es-MX" sz="2400" b="1" i="1" dirty="0" smtClean="0">
+                <a:latin typeface="Times New Roman" panose="02020603050405020304" pitchFamily="18" charset="0"/>
+                <a:cs typeface="Times New Roman" panose="02020603050405020304" pitchFamily="18" charset="0"/>
+              </a:rPr>
+              <a:t> propia</a:t>
+            </a:r>
+            <a:endParaRPr lang="es-MX" sz="2400" i="1" dirty="0">
+              <a:latin typeface="Times New Roman" panose="02020603050405020304" pitchFamily="18" charset="0"/>
+              <a:cs typeface="Times New Roman" panose="02020603050405020304" pitchFamily="18" charset="0"/>
+            </a:endParaRPr>
+          </a:p>
+        </p:txBody>
+      </p:sp>
+      <p:pic>
+        <p:nvPicPr>
+          <p:cNvPr id="3" name="Imagen 2"/>
+          <p:cNvPicPr>
+            <a:picLocks noChangeAspect="1"/>
+          </p:cNvPicPr>
           <p:nvPr/>
-        </p:nvSpPr>
+        </p:nvPicPr>
+        <p:blipFill>
+          <a:blip r:embed="rId3">
+            <a:extLst>
+              <a:ext uri="{28A0092B-C50C-407E-A947-70E740481C1C}">
+                <a14:useLocalDpi xmlns:a14="http://schemas.microsoft.com/office/drawing/2010/main" val="0"/>
+              </a:ext>
+            </a:extLst>
+          </a:blip>
+          <a:stretch>
+            <a:fillRect/>
+          </a:stretch>
+        </p:blipFill>
         <p:spPr>
           <a:xfrm>
-            <a:off x="551145" y="2736170"/>
-            <a:ext cx="3100667" cy="707886"/>
+            <a:off x="10349562" y="4664850"/>
+            <a:ext cx="1322736" cy="1950090"/>
           </a:xfrm>
           <a:prstGeom prst="rect">
             <a:avLst/>
           </a:prstGeom>
         </p:spPr>
-        <p:txBody>
-          <a:bodyPr wrap="square">
-            <a:spAutoFit/>
-          </a:bodyPr>
-          <a:lstStyle/>
-          <a:p>
-            <a:pPr algn="just"/>
-            <a:r>
-              <a:rPr lang="es-MX" sz="4000" b="1" dirty="0" smtClean="0"/>
-              <a:t>Beneficios</a:t>
-            </a:r>
-            <a:endParaRPr lang="es-MX" sz="3200" b="1" dirty="0"/>
-          </a:p>
-        </p:txBody>
-      </p:sp>
+      </p:pic>
     </p:spTree>
     <p:extLst>
       <p:ext uri="{BB962C8B-B14F-4D97-AF65-F5344CB8AC3E}">
-        <p14:creationId xmlns:p14="http://schemas.microsoft.com/office/powerpoint/2010/main" val="11840017"/>
+        <p14:creationId xmlns:p14="http://schemas.microsoft.com/office/powerpoint/2010/main" val="1778929519"/>
       </p:ext>
     </p:extLst>
   </p:cSld>
@@ -8687,7 +8826,7 @@
           <p:cNvPr id="5" name="Título 1">
             <a:extLst>
               <a:ext uri="{FF2B5EF4-FFF2-40B4-BE49-F238E27FC236}">
-                <a16:creationId xmlns="" xmlns:a16="http://schemas.microsoft.com/office/drawing/2014/main" id="{F194AB6A-55E1-4B44-A983-8BC6AA65E29D}"/>
+                <a16:creationId xmlns:a16="http://schemas.microsoft.com/office/drawing/2014/main" xmlns="" id="{F194AB6A-55E1-4B44-A983-8BC6AA65E29D}"/>
               </a:ext>
             </a:extLst>
           </p:cNvPr>
@@ -8774,7 +8913,7 @@
           <a:p>
             <a:pPr algn="r"/>
             <a:r>
-              <a:rPr lang="es-MX" b="1" smtClean="0">
+              <a:rPr lang="es-MX" b="1" dirty="0" smtClean="0">
                 <a:solidFill>
                   <a:schemeClr val="bg1"/>
                 </a:solidFill>
@@ -8870,175 +9009,6 @@
 </file>
 
 <file path=ppt/slides/slide20.xml><?xml version="1.0" encoding="utf-8"?>
-<p:sld xmlns:a="http://schemas.openxmlformats.org/drawingml/2006/main" xmlns:r="http://schemas.openxmlformats.org/officeDocument/2006/relationships" xmlns:p="http://schemas.openxmlformats.org/presentationml/2006/main">
-  <p:cSld>
-    <p:spTree>
-      <p:nvGrpSpPr>
-        <p:cNvPr id="1" name=""/>
-        <p:cNvGrpSpPr/>
-        <p:nvPr/>
-      </p:nvGrpSpPr>
-      <p:grpSpPr>
-        <a:xfrm>
-          <a:off x="0" y="0"/>
-          <a:ext cx="0" cy="0"/>
-          <a:chOff x="0" y="0"/>
-          <a:chExt cx="0" cy="0"/>
-        </a:xfrm>
-      </p:grpSpPr>
-      <p:sp>
-        <p:nvSpPr>
-          <p:cNvPr id="2" name="Título 1">
-            <a:extLst>
-              <a:ext uri="{FF2B5EF4-FFF2-40B4-BE49-F238E27FC236}">
-                <a16:creationId xmlns="" xmlns:a16="http://schemas.microsoft.com/office/drawing/2014/main" id="{66349900-D031-47AB-BEDC-4E081B677983}"/>
-              </a:ext>
-            </a:extLst>
-          </p:cNvPr>
-          <p:cNvSpPr>
-            <a:spLocks noGrp="1"/>
-          </p:cNvSpPr>
-          <p:nvPr>
-            <p:ph type="title"/>
-          </p:nvPr>
-        </p:nvSpPr>
-        <p:spPr>
-          <a:xfrm>
-            <a:off x="4371584" y="303892"/>
-            <a:ext cx="7820415" cy="726621"/>
-          </a:xfrm>
-        </p:spPr>
-        <p:txBody>
-          <a:bodyPr>
-            <a:normAutofit/>
-          </a:bodyPr>
-          <a:lstStyle/>
-          <a:p>
-            <a:pPr algn="r"/>
-            <a:r>
-              <a:rPr lang="es-MX" b="1" dirty="0" smtClean="0">
-                <a:solidFill>
-                  <a:schemeClr val="bg1"/>
-                </a:solidFill>
-              </a:rPr>
-              <a:t>Etapa 4 - Pruebas - Administrador</a:t>
-            </a:r>
-            <a:endParaRPr lang="es-MX" b="1" dirty="0">
-              <a:solidFill>
-                <a:schemeClr val="bg1"/>
-              </a:solidFill>
-            </a:endParaRPr>
-          </a:p>
-        </p:txBody>
-      </p:sp>
-      <p:pic>
-        <p:nvPicPr>
-          <p:cNvPr id="5" name="Imagen 4"/>
-          <p:cNvPicPr>
-            <a:picLocks noChangeAspect="1"/>
-          </p:cNvPicPr>
-          <p:nvPr/>
-        </p:nvPicPr>
-        <p:blipFill>
-          <a:blip r:embed="rId2">
-            <a:extLst>
-              <a:ext uri="{28A0092B-C50C-407E-A947-70E740481C1C}">
-                <a14:useLocalDpi xmlns:a14="http://schemas.microsoft.com/office/drawing/2010/main" val="0"/>
-              </a:ext>
-            </a:extLst>
-          </a:blip>
-          <a:stretch>
-            <a:fillRect/>
-          </a:stretch>
-        </p:blipFill>
-        <p:spPr>
-          <a:xfrm>
-            <a:off x="1444752" y="1279099"/>
-            <a:ext cx="8299353" cy="5578901"/>
-          </a:xfrm>
-          <a:prstGeom prst="rect">
-            <a:avLst/>
-          </a:prstGeom>
-        </p:spPr>
-      </p:pic>
-      <p:sp>
-        <p:nvSpPr>
-          <p:cNvPr id="4" name="CuadroTexto 3">
-            <a:extLst>
-              <a:ext uri="{FF2B5EF4-FFF2-40B4-BE49-F238E27FC236}">
-                <a16:creationId xmlns="" xmlns:a16="http://schemas.microsoft.com/office/drawing/2014/main" id="{89E46AF4-218E-4E1B-B422-59B657A05EE8}"/>
-              </a:ext>
-            </a:extLst>
-          </p:cNvPr>
-          <p:cNvSpPr txBox="1"/>
-          <p:nvPr/>
-        </p:nvSpPr>
-        <p:spPr>
-          <a:xfrm>
-            <a:off x="9744105" y="1279099"/>
-            <a:ext cx="2533650" cy="461665"/>
-          </a:xfrm>
-          <a:prstGeom prst="rect">
-            <a:avLst/>
-          </a:prstGeom>
-          <a:noFill/>
-        </p:spPr>
-        <p:txBody>
-          <a:bodyPr wrap="square" rtlCol="0">
-            <a:spAutoFit/>
-          </a:bodyPr>
-          <a:lstStyle/>
-          <a:p>
-            <a:pPr algn="just"/>
-            <a:r>
-              <a:rPr lang="es-MX" sz="2400" b="1" i="1" dirty="0" smtClean="0">
-                <a:latin typeface="Times New Roman" panose="02020603050405020304" pitchFamily="18" charset="0"/>
-                <a:cs typeface="Times New Roman" panose="02020603050405020304" pitchFamily="18" charset="0"/>
-              </a:rPr>
-              <a:t>Fuente</a:t>
-            </a:r>
-            <a:r>
-              <a:rPr lang="es-MX" sz="2400" b="1" i="1" dirty="0">
-                <a:latin typeface="Times New Roman" panose="02020603050405020304" pitchFamily="18" charset="0"/>
-                <a:cs typeface="Times New Roman" panose="02020603050405020304" pitchFamily="18" charset="0"/>
-              </a:rPr>
-              <a:t>:</a:t>
-            </a:r>
-            <a:r>
-              <a:rPr lang="es-MX" sz="2400" b="1" i="1" dirty="0" smtClean="0">
-                <a:latin typeface="Times New Roman" panose="02020603050405020304" pitchFamily="18" charset="0"/>
-                <a:cs typeface="Times New Roman" panose="02020603050405020304" pitchFamily="18" charset="0"/>
-              </a:rPr>
-              <a:t> propia</a:t>
-            </a:r>
-            <a:endParaRPr lang="es-MX" sz="2400" i="1" dirty="0">
-              <a:latin typeface="Times New Roman" panose="02020603050405020304" pitchFamily="18" charset="0"/>
-              <a:cs typeface="Times New Roman" panose="02020603050405020304" pitchFamily="18" charset="0"/>
-            </a:endParaRPr>
-          </a:p>
-        </p:txBody>
-      </p:sp>
-    </p:spTree>
-    <p:extLst>
-      <p:ext uri="{BB962C8B-B14F-4D97-AF65-F5344CB8AC3E}">
-        <p14:creationId xmlns:p14="http://schemas.microsoft.com/office/powerpoint/2010/main" val="1778929519"/>
-      </p:ext>
-    </p:extLst>
-  </p:cSld>
-  <p:clrMapOvr>
-    <a:masterClrMapping/>
-  </p:clrMapOvr>
-  <p:timing>
-    <p:tnLst>
-      <p:par>
-        <p:cTn id="1" dur="indefinite" restart="never" nodeType="tmRoot"/>
-      </p:par>
-    </p:tnLst>
-  </p:timing>
-</p:sld>
-</file>
-
-<file path=ppt/slides/slide21.xml><?xml version="1.0" encoding="utf-8"?>
 <p:sld xmlns:a="http://schemas.openxmlformats.org/drawingml/2006/main" xmlns:r="http://schemas.openxmlformats.org/officeDocument/2006/relationships" xmlns:p="http://schemas.openxmlformats.org/presentationml/2006/main">
   <p:cSld>
     <p:spTree>
@@ -9089,7 +9059,7 @@
           <p:cNvPr id="9" name="Título 1">
             <a:extLst>
               <a:ext uri="{FF2B5EF4-FFF2-40B4-BE49-F238E27FC236}">
-                <a16:creationId xmlns="" xmlns:a16="http://schemas.microsoft.com/office/drawing/2014/main" id="{66349900-D031-47AB-BEDC-4E081B677983}"/>
+                <a16:creationId xmlns:a16="http://schemas.microsoft.com/office/drawing/2014/main" xmlns="" id="{66349900-D031-47AB-BEDC-4E081B677983}"/>
               </a:ext>
             </a:extLst>
           </p:cNvPr>
@@ -9134,7 +9104,7 @@
           <p:cNvPr id="4" name="CuadroTexto 3">
             <a:extLst>
               <a:ext uri="{FF2B5EF4-FFF2-40B4-BE49-F238E27FC236}">
-                <a16:creationId xmlns="" xmlns:a16="http://schemas.microsoft.com/office/drawing/2014/main" id="{89E46AF4-218E-4E1B-B422-59B657A05EE8}"/>
+                <a16:creationId xmlns:a16="http://schemas.microsoft.com/office/drawing/2014/main" xmlns="" id="{89E46AF4-218E-4E1B-B422-59B657A05EE8}"/>
               </a:ext>
             </a:extLst>
           </p:cNvPr>
@@ -9206,7 +9176,7 @@
 </p:sld>
 </file>
 
-<file path=ppt/slides/slide22.xml><?xml version="1.0" encoding="utf-8"?>
+<file path=ppt/slides/slide21.xml><?xml version="1.0" encoding="utf-8"?>
 <p:sld xmlns:a="http://schemas.openxmlformats.org/drawingml/2006/main" xmlns:r="http://schemas.openxmlformats.org/officeDocument/2006/relationships" xmlns:p="http://schemas.openxmlformats.org/presentationml/2006/main">
   <p:cSld>
     <p:spTree>
@@ -9257,7 +9227,7 @@
           <p:cNvPr id="4" name="CuadroTexto 3">
             <a:extLst>
               <a:ext uri="{FF2B5EF4-FFF2-40B4-BE49-F238E27FC236}">
-                <a16:creationId xmlns="" xmlns:a16="http://schemas.microsoft.com/office/drawing/2014/main" id="{89E46AF4-218E-4E1B-B422-59B657A05EE8}"/>
+                <a16:creationId xmlns:a16="http://schemas.microsoft.com/office/drawing/2014/main" xmlns="" id="{89E46AF4-218E-4E1B-B422-59B657A05EE8}"/>
               </a:ext>
             </a:extLst>
           </p:cNvPr>
@@ -9314,7 +9284,7 @@
           <p:cNvPr id="6" name="Título 1">
             <a:extLst>
               <a:ext uri="{FF2B5EF4-FFF2-40B4-BE49-F238E27FC236}">
-                <a16:creationId xmlns="" xmlns:a16="http://schemas.microsoft.com/office/drawing/2014/main" id="{66349900-D031-47AB-BEDC-4E081B677983}"/>
+                <a16:creationId xmlns:a16="http://schemas.microsoft.com/office/drawing/2014/main" xmlns="" id="{66349900-D031-47AB-BEDC-4E081B677983}"/>
               </a:ext>
             </a:extLst>
           </p:cNvPr>
@@ -9358,6 +9328,147 @@
     <p:extLst>
       <p:ext uri="{BB962C8B-B14F-4D97-AF65-F5344CB8AC3E}">
         <p14:creationId xmlns:p14="http://schemas.microsoft.com/office/powerpoint/2010/main" val="1634434852"/>
+      </p:ext>
+    </p:extLst>
+  </p:cSld>
+  <p:clrMapOvr>
+    <a:masterClrMapping/>
+  </p:clrMapOvr>
+  <p:timing>
+    <p:tnLst>
+      <p:par>
+        <p:cTn id="1" dur="indefinite" restart="never" nodeType="tmRoot"/>
+      </p:par>
+    </p:tnLst>
+  </p:timing>
+</p:sld>
+</file>
+
+<file path=ppt/slides/slide22.xml><?xml version="1.0" encoding="utf-8"?>
+<p:sld xmlns:a="http://schemas.openxmlformats.org/drawingml/2006/main" xmlns:r="http://schemas.openxmlformats.org/officeDocument/2006/relationships" xmlns:p="http://schemas.openxmlformats.org/presentationml/2006/main">
+  <p:cSld>
+    <p:spTree>
+      <p:nvGrpSpPr>
+        <p:cNvPr id="1" name=""/>
+        <p:cNvGrpSpPr/>
+        <p:nvPr/>
+      </p:nvGrpSpPr>
+      <p:grpSpPr>
+        <a:xfrm>
+          <a:off x="0" y="0"/>
+          <a:ext cx="0" cy="0"/>
+          <a:chOff x="0" y="0"/>
+          <a:chExt cx="0" cy="0"/>
+        </a:xfrm>
+      </p:grpSpPr>
+      <p:pic>
+        <p:nvPicPr>
+          <p:cNvPr id="8" name="Imagen 7"/>
+          <p:cNvPicPr>
+            <a:picLocks noChangeAspect="1"/>
+          </p:cNvPicPr>
+          <p:nvPr/>
+        </p:nvPicPr>
+        <p:blipFill rotWithShape="1">
+          <a:blip r:embed="rId2">
+            <a:extLst>
+              <a:ext uri="{28A0092B-C50C-407E-A947-70E740481C1C}">
+                <a14:useLocalDpi xmlns:a14="http://schemas.microsoft.com/office/drawing/2010/main" val="0"/>
+              </a:ext>
+            </a:extLst>
+          </a:blip>
+          <a:srcRect l="14697" t="22165" r="26447" b="4764"/>
+          <a:stretch/>
+        </p:blipFill>
+        <p:spPr>
+          <a:xfrm>
+            <a:off x="6475956" y="1345446"/>
+            <a:ext cx="3582444" cy="5512554"/>
+          </a:xfrm>
+          <a:prstGeom prst="rect">
+            <a:avLst/>
+          </a:prstGeom>
+        </p:spPr>
+      </p:pic>
+      <p:sp>
+        <p:nvSpPr>
+          <p:cNvPr id="13" name="Título 1">
+            <a:extLst>
+              <a:ext uri="{FF2B5EF4-FFF2-40B4-BE49-F238E27FC236}">
+                <a16:creationId xmlns:a16="http://schemas.microsoft.com/office/drawing/2014/main" xmlns="" id="{66349900-D031-47AB-BEDC-4E081B677983}"/>
+              </a:ext>
+            </a:extLst>
+          </p:cNvPr>
+          <p:cNvSpPr>
+            <a:spLocks noGrp="1"/>
+          </p:cNvSpPr>
+          <p:nvPr>
+            <p:ph type="title"/>
+          </p:nvPr>
+        </p:nvSpPr>
+        <p:spPr>
+          <a:xfrm>
+            <a:off x="4559474" y="303892"/>
+            <a:ext cx="7632525" cy="726621"/>
+          </a:xfrm>
+        </p:spPr>
+        <p:txBody>
+          <a:bodyPr>
+            <a:normAutofit/>
+          </a:bodyPr>
+          <a:lstStyle/>
+          <a:p>
+            <a:pPr algn="r"/>
+            <a:r>
+              <a:rPr lang="es-MX" b="1" dirty="0" smtClean="0">
+                <a:solidFill>
+                  <a:schemeClr val="bg1"/>
+                </a:solidFill>
+              </a:rPr>
+              <a:t>Etapa 4 - Pruebas - Administrador</a:t>
+            </a:r>
+            <a:endParaRPr lang="es-MX" b="1" dirty="0">
+              <a:solidFill>
+                <a:schemeClr val="bg1"/>
+              </a:solidFill>
+            </a:endParaRPr>
+          </a:p>
+        </p:txBody>
+      </p:sp>
+      <p:pic>
+        <p:nvPicPr>
+          <p:cNvPr id="2" name="Imagen 1"/>
+          <p:cNvPicPr>
+            <a:picLocks noChangeAspect="1"/>
+          </p:cNvPicPr>
+          <p:nvPr/>
+        </p:nvPicPr>
+        <p:blipFill>
+          <a:blip r:embed="rId3">
+            <a:extLst>
+              <a:ext uri="{28A0092B-C50C-407E-A947-70E740481C1C}">
+                <a14:useLocalDpi xmlns:a14="http://schemas.microsoft.com/office/drawing/2010/main" val="0"/>
+              </a:ext>
+            </a:extLst>
+          </a:blip>
+          <a:stretch>
+            <a:fillRect/>
+          </a:stretch>
+        </p:blipFill>
+        <p:spPr>
+          <a:xfrm>
+            <a:off x="1831949" y="1345446"/>
+            <a:ext cx="4205595" cy="5557393"/>
+          </a:xfrm>
+          <a:prstGeom prst="rect">
+            <a:avLst/>
+          </a:prstGeom>
+        </p:spPr>
+      </p:pic>
+    </p:spTree>
+    <p:extLst>
+      <p:ext uri="{BB962C8B-B14F-4D97-AF65-F5344CB8AC3E}">
+        <p14:creationId xmlns:p14="http://schemas.microsoft.com/office/powerpoint/2010/main" val="3318710930"/>
       </p:ext>
     </p:extLst>
   </p:cSld>
@@ -9407,13 +9518,13 @@
               </a:ext>
             </a:extLst>
           </a:blip>
-          <a:srcRect l="14697" t="22165" r="26447" b="4764"/>
+          <a:srcRect r="235" b="3996"/>
           <a:stretch/>
         </p:blipFill>
         <p:spPr>
           <a:xfrm>
-            <a:off x="6150280" y="1345446"/>
-            <a:ext cx="3582444" cy="5512554"/>
+            <a:off x="0" y="1283918"/>
+            <a:ext cx="10059526" cy="5442559"/>
           </a:xfrm>
           <a:prstGeom prst="rect">
             <a:avLst/>
@@ -9422,10 +9533,10 @@
       </p:pic>
       <p:sp>
         <p:nvSpPr>
-          <p:cNvPr id="13" name="Título 1">
+          <p:cNvPr id="11" name="Título 1">
             <a:extLst>
               <a:ext uri="{FF2B5EF4-FFF2-40B4-BE49-F238E27FC236}">
-                <a16:creationId xmlns="" xmlns:a16="http://schemas.microsoft.com/office/drawing/2014/main" id="{66349900-D031-47AB-BEDC-4E081B677983}"/>
+                <a16:creationId xmlns:a16="http://schemas.microsoft.com/office/drawing/2014/main" xmlns="" id="{66349900-D031-47AB-BEDC-4E081B677983}"/>
               </a:ext>
             </a:extLst>
           </p:cNvPr>
@@ -9438,8 +9549,8 @@
         </p:nvSpPr>
         <p:spPr>
           <a:xfrm>
-            <a:off x="4559474" y="303892"/>
-            <a:ext cx="7632525" cy="726621"/>
+            <a:off x="4107542" y="303892"/>
+            <a:ext cx="8084457" cy="726621"/>
           </a:xfrm>
         </p:spPr>
         <p:txBody>
@@ -9455,7 +9566,23 @@
                   <a:schemeClr val="bg1"/>
                 </a:solidFill>
               </a:rPr>
-              <a:t>Etapa 4 - Pruebas - Administrador</a:t>
+              <a:t>Etapa </a:t>
+            </a:r>
+            <a:r>
+              <a:rPr lang="es-MX" b="1" dirty="0">
+                <a:solidFill>
+                  <a:schemeClr val="bg1"/>
+                </a:solidFill>
+              </a:rPr>
+              <a:t>4</a:t>
+            </a:r>
+            <a:r>
+              <a:rPr lang="es-MX" b="1" dirty="0" smtClean="0">
+                <a:solidFill>
+                  <a:schemeClr val="bg1"/>
+                </a:solidFill>
+              </a:rPr>
+              <a:t> - Pruebas - Estudiantes</a:t>
             </a:r>
             <a:endParaRPr lang="es-MX" b="1" dirty="0">
               <a:solidFill>
@@ -9470,161 +9597,7 @@
           <p:cNvPr id="5" name="CuadroTexto 4">
             <a:extLst>
               <a:ext uri="{FF2B5EF4-FFF2-40B4-BE49-F238E27FC236}">
-                <a16:creationId xmlns="" xmlns:a16="http://schemas.microsoft.com/office/drawing/2014/main" id="{BC049DBC-6933-4F01-99CD-12D18B825504}"/>
-              </a:ext>
-            </a:extLst>
-          </p:cNvPr>
-          <p:cNvSpPr txBox="1"/>
-          <p:nvPr/>
-        </p:nvSpPr>
-        <p:spPr>
-          <a:xfrm>
-            <a:off x="866506" y="3163868"/>
-            <a:ext cx="4523861" cy="461665"/>
-          </a:xfrm>
-          <a:prstGeom prst="rect">
-            <a:avLst/>
-          </a:prstGeom>
-          <a:noFill/>
-        </p:spPr>
-        <p:txBody>
-          <a:bodyPr wrap="square" rtlCol="0">
-            <a:spAutoFit/>
-          </a:bodyPr>
-          <a:lstStyle/>
-          <a:p>
-            <a:pPr algn="just"/>
-            <a:r>
-              <a:rPr lang="es-MX" sz="2400" i="1" dirty="0" smtClean="0">
-                <a:latin typeface="Times New Roman" panose="02020603050405020304" pitchFamily="18" charset="0"/>
-                <a:cs typeface="Times New Roman" panose="02020603050405020304" pitchFamily="18" charset="0"/>
-              </a:rPr>
-              <a:t>Ejemplo reporte (Fuente propia)</a:t>
-            </a:r>
-            <a:endParaRPr lang="es-MX" sz="2400" i="1" dirty="0">
-              <a:latin typeface="Times New Roman" panose="02020603050405020304" pitchFamily="18" charset="0"/>
-              <a:cs typeface="Times New Roman" panose="02020603050405020304" pitchFamily="18" charset="0"/>
-            </a:endParaRPr>
-          </a:p>
-        </p:txBody>
-      </p:sp>
-    </p:spTree>
-    <p:extLst>
-      <p:ext uri="{BB962C8B-B14F-4D97-AF65-F5344CB8AC3E}">
-        <p14:creationId xmlns:p14="http://schemas.microsoft.com/office/powerpoint/2010/main" val="3318710930"/>
-      </p:ext>
-    </p:extLst>
-  </p:cSld>
-  <p:clrMapOvr>
-    <a:masterClrMapping/>
-  </p:clrMapOvr>
-  <p:timing>
-    <p:tnLst>
-      <p:par>
-        <p:cTn id="1" dur="indefinite" restart="never" nodeType="tmRoot"/>
-      </p:par>
-    </p:tnLst>
-  </p:timing>
-</p:sld>
-</file>
-
-<file path=ppt/slides/slide24.xml><?xml version="1.0" encoding="utf-8"?>
-<p:sld xmlns:a="http://schemas.openxmlformats.org/drawingml/2006/main" xmlns:r="http://schemas.openxmlformats.org/officeDocument/2006/relationships" xmlns:p="http://schemas.openxmlformats.org/presentationml/2006/main">
-  <p:cSld>
-    <p:spTree>
-      <p:nvGrpSpPr>
-        <p:cNvPr id="1" name=""/>
-        <p:cNvGrpSpPr/>
-        <p:nvPr/>
-      </p:nvGrpSpPr>
-      <p:grpSpPr>
-        <a:xfrm>
-          <a:off x="0" y="0"/>
-          <a:ext cx="0" cy="0"/>
-          <a:chOff x="0" y="0"/>
-          <a:chExt cx="0" cy="0"/>
-        </a:xfrm>
-      </p:grpSpPr>
-      <p:pic>
-        <p:nvPicPr>
-          <p:cNvPr id="8" name="Imagen 7"/>
-          <p:cNvPicPr>
-            <a:picLocks noChangeAspect="1"/>
-          </p:cNvPicPr>
-          <p:nvPr/>
-        </p:nvPicPr>
-        <p:blipFill rotWithShape="1">
-          <a:blip r:embed="rId2">
-            <a:extLst>
-              <a:ext uri="{28A0092B-C50C-407E-A947-70E740481C1C}">
-                <a14:useLocalDpi xmlns:a14="http://schemas.microsoft.com/office/drawing/2010/main" val="0"/>
-              </a:ext>
-            </a:extLst>
-          </a:blip>
-          <a:srcRect r="235" b="3996"/>
-          <a:stretch/>
-        </p:blipFill>
-        <p:spPr>
-          <a:xfrm>
-            <a:off x="0" y="1283918"/>
-            <a:ext cx="10059526" cy="5442559"/>
-          </a:xfrm>
-          <a:prstGeom prst="rect">
-            <a:avLst/>
-          </a:prstGeom>
-        </p:spPr>
-      </p:pic>
-      <p:sp>
-        <p:nvSpPr>
-          <p:cNvPr id="11" name="Título 1">
-            <a:extLst>
-              <a:ext uri="{FF2B5EF4-FFF2-40B4-BE49-F238E27FC236}">
-                <a16:creationId xmlns="" xmlns:a16="http://schemas.microsoft.com/office/drawing/2014/main" id="{66349900-D031-47AB-BEDC-4E081B677983}"/>
-              </a:ext>
-            </a:extLst>
-          </p:cNvPr>
-          <p:cNvSpPr>
-            <a:spLocks noGrp="1"/>
-          </p:cNvSpPr>
-          <p:nvPr>
-            <p:ph type="title"/>
-          </p:nvPr>
-        </p:nvSpPr>
-        <p:spPr>
-          <a:xfrm>
-            <a:off x="4107542" y="303892"/>
-            <a:ext cx="8084457" cy="726621"/>
-          </a:xfrm>
-        </p:spPr>
-        <p:txBody>
-          <a:bodyPr>
-            <a:normAutofit/>
-          </a:bodyPr>
-          <a:lstStyle/>
-          <a:p>
-            <a:pPr algn="r"/>
-            <a:r>
-              <a:rPr lang="es-MX" b="1" dirty="0" smtClean="0">
-                <a:solidFill>
-                  <a:schemeClr val="bg1"/>
-                </a:solidFill>
-              </a:rPr>
-              <a:t>Etapa IV - Pruebas - Estudiantes</a:t>
-            </a:r>
-            <a:endParaRPr lang="es-MX" b="1" dirty="0">
-              <a:solidFill>
-                <a:schemeClr val="bg1"/>
-              </a:solidFill>
-            </a:endParaRPr>
-          </a:p>
-        </p:txBody>
-      </p:sp>
-      <p:sp>
-        <p:nvSpPr>
-          <p:cNvPr id="5" name="CuadroTexto 4">
-            <a:extLst>
-              <a:ext uri="{FF2B5EF4-FFF2-40B4-BE49-F238E27FC236}">
-                <a16:creationId xmlns="" xmlns:a16="http://schemas.microsoft.com/office/drawing/2014/main" id="{89E46AF4-218E-4E1B-B422-59B657A05EE8}"/>
+                <a16:creationId xmlns:a16="http://schemas.microsoft.com/office/drawing/2014/main" xmlns="" id="{89E46AF4-218E-4E1B-B422-59B657A05EE8}"/>
               </a:ext>
             </a:extLst>
           </p:cNvPr>
@@ -9696,7 +9669,7 @@
 </p:sld>
 </file>
 
-<file path=ppt/slides/slide25.xml><?xml version="1.0" encoding="utf-8"?>
+<file path=ppt/slides/slide24.xml><?xml version="1.0" encoding="utf-8"?>
 <p:sld xmlns:a="http://schemas.openxmlformats.org/drawingml/2006/main" xmlns:r="http://schemas.openxmlformats.org/officeDocument/2006/relationships" xmlns:p="http://schemas.openxmlformats.org/presentationml/2006/main">
   <p:cSld>
     <p:spTree>
@@ -9747,7 +9720,7 @@
           <p:cNvPr id="10" name="Título 1">
             <a:extLst>
               <a:ext uri="{FF2B5EF4-FFF2-40B4-BE49-F238E27FC236}">
-                <a16:creationId xmlns="" xmlns:a16="http://schemas.microsoft.com/office/drawing/2014/main" id="{66349900-D031-47AB-BEDC-4E081B677983}"/>
+                <a16:creationId xmlns:a16="http://schemas.microsoft.com/office/drawing/2014/main" xmlns="" id="{66349900-D031-47AB-BEDC-4E081B677983}"/>
               </a:ext>
             </a:extLst>
           </p:cNvPr>
@@ -9777,7 +9750,23 @@
                   <a:schemeClr val="bg1"/>
                 </a:solidFill>
               </a:rPr>
-              <a:t>Etapa IV - Pruebas - Estudiantes</a:t>
+              <a:t>Etapa </a:t>
+            </a:r>
+            <a:r>
+              <a:rPr lang="es-MX" b="1" dirty="0">
+                <a:solidFill>
+                  <a:schemeClr val="bg1"/>
+                </a:solidFill>
+              </a:rPr>
+              <a:t>4</a:t>
+            </a:r>
+            <a:r>
+              <a:rPr lang="es-MX" b="1" dirty="0" smtClean="0">
+                <a:solidFill>
+                  <a:schemeClr val="bg1"/>
+                </a:solidFill>
+              </a:rPr>
+              <a:t> - Pruebas - Estudiantes</a:t>
             </a:r>
             <a:endParaRPr lang="es-MX" b="1" dirty="0">
               <a:solidFill>
@@ -9792,7 +9781,7 @@
           <p:cNvPr id="4" name="CuadroTexto 3">
             <a:extLst>
               <a:ext uri="{FF2B5EF4-FFF2-40B4-BE49-F238E27FC236}">
-                <a16:creationId xmlns="" xmlns:a16="http://schemas.microsoft.com/office/drawing/2014/main" id="{89E46AF4-218E-4E1B-B422-59B657A05EE8}"/>
+                <a16:creationId xmlns:a16="http://schemas.microsoft.com/office/drawing/2014/main" xmlns="" id="{89E46AF4-218E-4E1B-B422-59B657A05EE8}"/>
               </a:ext>
             </a:extLst>
           </p:cNvPr>
@@ -9848,6 +9837,174 @@
     <p:extLst>
       <p:ext uri="{BB962C8B-B14F-4D97-AF65-F5344CB8AC3E}">
         <p14:creationId xmlns:p14="http://schemas.microsoft.com/office/powerpoint/2010/main" val="636550106"/>
+      </p:ext>
+    </p:extLst>
+  </p:cSld>
+  <p:clrMapOvr>
+    <a:masterClrMapping/>
+  </p:clrMapOvr>
+  <p:timing>
+    <p:tnLst>
+      <p:par>
+        <p:cTn id="1" dur="indefinite" restart="never" nodeType="tmRoot"/>
+      </p:par>
+    </p:tnLst>
+  </p:timing>
+</p:sld>
+</file>
+
+<file path=ppt/slides/slide25.xml><?xml version="1.0" encoding="utf-8"?>
+<p:sld xmlns:a="http://schemas.openxmlformats.org/drawingml/2006/main" xmlns:r="http://schemas.openxmlformats.org/officeDocument/2006/relationships" xmlns:p="http://schemas.openxmlformats.org/presentationml/2006/main">
+  <p:cSld>
+    <p:spTree>
+      <p:nvGrpSpPr>
+        <p:cNvPr id="1" name=""/>
+        <p:cNvGrpSpPr/>
+        <p:nvPr/>
+      </p:nvGrpSpPr>
+      <p:grpSpPr>
+        <a:xfrm>
+          <a:off x="0" y="0"/>
+          <a:ext cx="0" cy="0"/>
+          <a:chOff x="0" y="0"/>
+          <a:chExt cx="0" cy="0"/>
+        </a:xfrm>
+      </p:grpSpPr>
+      <p:sp>
+        <p:nvSpPr>
+          <p:cNvPr id="2" name="Título 1">
+            <a:extLst>
+              <a:ext uri="{FF2B5EF4-FFF2-40B4-BE49-F238E27FC236}">
+                <a16:creationId xmlns:a16="http://schemas.microsoft.com/office/drawing/2014/main" xmlns="" id="{F3C1574D-8292-4410-B1E4-1EBE9DF828D1}"/>
+              </a:ext>
+            </a:extLst>
+          </p:cNvPr>
+          <p:cNvSpPr>
+            <a:spLocks noGrp="1"/>
+          </p:cNvSpPr>
+          <p:nvPr>
+            <p:ph type="title"/>
+          </p:nvPr>
+        </p:nvSpPr>
+        <p:spPr>
+          <a:xfrm>
+            <a:off x="4893972" y="0"/>
+            <a:ext cx="7298029" cy="1325563"/>
+          </a:xfrm>
+        </p:spPr>
+        <p:txBody>
+          <a:bodyPr/>
+          <a:lstStyle/>
+          <a:p>
+            <a:pPr algn="r"/>
+            <a:r>
+              <a:rPr lang="es-MX" b="1" dirty="0">
+                <a:solidFill>
+                  <a:schemeClr val="bg1"/>
+                </a:solidFill>
+              </a:rPr>
+              <a:t>Conclusiones</a:t>
+            </a:r>
+            <a:r>
+              <a:rPr lang="es-MX" dirty="0">
+                <a:solidFill>
+                  <a:schemeClr val="bg1"/>
+                </a:solidFill>
+              </a:rPr>
+              <a:t> </a:t>
+            </a:r>
+          </a:p>
+        </p:txBody>
+      </p:sp>
+      <p:sp>
+        <p:nvSpPr>
+          <p:cNvPr id="4" name="Marcador de contenido 2">
+            <a:extLst>
+              <a:ext uri="{FF2B5EF4-FFF2-40B4-BE49-F238E27FC236}">
+                <a16:creationId xmlns:a16="http://schemas.microsoft.com/office/drawing/2014/main" xmlns="" id="{E0439019-967A-48CB-99F3-103D64E7D9BA}"/>
+              </a:ext>
+            </a:extLst>
+          </p:cNvPr>
+          <p:cNvSpPr>
+            <a:spLocks noGrp="1"/>
+          </p:cNvSpPr>
+          <p:nvPr>
+            <p:ph idx="1"/>
+          </p:nvPr>
+        </p:nvSpPr>
+        <p:spPr>
+          <a:xfrm>
+            <a:off x="723900" y="1325563"/>
+            <a:ext cx="10934700" cy="4732337"/>
+          </a:xfrm>
+        </p:spPr>
+        <p:txBody>
+          <a:bodyPr>
+            <a:noAutofit/>
+          </a:bodyPr>
+          <a:lstStyle/>
+          <a:p>
+            <a:pPr algn="just">
+              <a:lnSpc>
+                <a:spcPct val="100000"/>
+              </a:lnSpc>
+              <a:spcBef>
+                <a:spcPts val="0"/>
+              </a:spcBef>
+            </a:pPr>
+            <a:r>
+              <a:rPr lang="es-CO" sz="4000" dirty="0" smtClean="0"/>
+              <a:t>El objetivo general se alcanzó con los siguientes productos desarrollados.</a:t>
+            </a:r>
+          </a:p>
+          <a:p>
+            <a:pPr algn="just">
+              <a:lnSpc>
+                <a:spcPct val="100000"/>
+              </a:lnSpc>
+              <a:spcBef>
+                <a:spcPts val="0"/>
+              </a:spcBef>
+            </a:pPr>
+            <a:r>
+              <a:rPr lang="es-CO" sz="4000" dirty="0" smtClean="0"/>
+              <a:t>Se desarrolló una base de datos MySQL.</a:t>
+            </a:r>
+          </a:p>
+          <a:p>
+            <a:pPr algn="just">
+              <a:lnSpc>
+                <a:spcPct val="100000"/>
+              </a:lnSpc>
+              <a:spcBef>
+                <a:spcPts val="0"/>
+              </a:spcBef>
+            </a:pPr>
+            <a:r>
+              <a:rPr lang="es-CO" sz="4000" dirty="0" smtClean="0"/>
+              <a:t>Se desarrolló una aplicación JSE para los administradores.</a:t>
+            </a:r>
+          </a:p>
+          <a:p>
+            <a:pPr algn="just">
+              <a:lnSpc>
+                <a:spcPct val="100000"/>
+              </a:lnSpc>
+              <a:spcBef>
+                <a:spcPts val="0"/>
+              </a:spcBef>
+            </a:pPr>
+            <a:r>
+              <a:rPr lang="es-CO" sz="4000" dirty="0" smtClean="0"/>
+              <a:t>Se desarrolló una aplicación JEE para los estudiantes.</a:t>
+            </a:r>
+          </a:p>
+        </p:txBody>
+      </p:sp>
+    </p:spTree>
+    <p:extLst>
+      <p:ext uri="{BB962C8B-B14F-4D97-AF65-F5344CB8AC3E}">
+        <p14:creationId xmlns:p14="http://schemas.microsoft.com/office/powerpoint/2010/main" val="2862120921"/>
       </p:ext>
     </p:extLst>
   </p:cSld>
@@ -9886,180 +10043,7 @@
           <p:cNvPr id="2" name="Título 1">
             <a:extLst>
               <a:ext uri="{FF2B5EF4-FFF2-40B4-BE49-F238E27FC236}">
-                <a16:creationId xmlns="" xmlns:a16="http://schemas.microsoft.com/office/drawing/2014/main" id="{F3C1574D-8292-4410-B1E4-1EBE9DF828D1}"/>
-              </a:ext>
-            </a:extLst>
-          </p:cNvPr>
-          <p:cNvSpPr>
-            <a:spLocks noGrp="1"/>
-          </p:cNvSpPr>
-          <p:nvPr>
-            <p:ph type="title"/>
-          </p:nvPr>
-        </p:nvSpPr>
-        <p:spPr>
-          <a:xfrm>
-            <a:off x="4893972" y="0"/>
-            <a:ext cx="7298029" cy="1325563"/>
-          </a:xfrm>
-        </p:spPr>
-        <p:txBody>
-          <a:bodyPr/>
-          <a:lstStyle/>
-          <a:p>
-            <a:pPr algn="r"/>
-            <a:r>
-              <a:rPr lang="es-MX" b="1" dirty="0">
-                <a:solidFill>
-                  <a:schemeClr val="bg1"/>
-                </a:solidFill>
-              </a:rPr>
-              <a:t>Conclusiones</a:t>
-            </a:r>
-            <a:r>
-              <a:rPr lang="es-MX" dirty="0">
-                <a:solidFill>
-                  <a:schemeClr val="bg1"/>
-                </a:solidFill>
-              </a:rPr>
-              <a:t> </a:t>
-            </a:r>
-          </a:p>
-        </p:txBody>
-      </p:sp>
-      <p:sp>
-        <p:nvSpPr>
-          <p:cNvPr id="4" name="Marcador de contenido 2">
-            <a:extLst>
-              <a:ext uri="{FF2B5EF4-FFF2-40B4-BE49-F238E27FC236}">
-                <a16:creationId xmlns="" xmlns:a16="http://schemas.microsoft.com/office/drawing/2014/main" id="{E0439019-967A-48CB-99F3-103D64E7D9BA}"/>
-              </a:ext>
-            </a:extLst>
-          </p:cNvPr>
-          <p:cNvSpPr>
-            <a:spLocks noGrp="1"/>
-          </p:cNvSpPr>
-          <p:nvPr>
-            <p:ph idx="1"/>
-          </p:nvPr>
-        </p:nvSpPr>
-        <p:spPr>
-          <a:xfrm>
-            <a:off x="723900" y="1325563"/>
-            <a:ext cx="10934700" cy="4732337"/>
-          </a:xfrm>
-        </p:spPr>
-        <p:txBody>
-          <a:bodyPr>
-            <a:noAutofit/>
-          </a:bodyPr>
-          <a:lstStyle/>
-          <a:p>
-            <a:pPr algn="just">
-              <a:lnSpc>
-                <a:spcPct val="100000"/>
-              </a:lnSpc>
-              <a:spcBef>
-                <a:spcPts val="0"/>
-              </a:spcBef>
-            </a:pPr>
-            <a:r>
-              <a:rPr lang="es-CO" sz="4000" dirty="0" smtClean="0"/>
-              <a:t>El objetivo general se alcanzó con los siguientes productos desarrollados.</a:t>
-            </a:r>
-          </a:p>
-          <a:p>
-            <a:pPr algn="just">
-              <a:lnSpc>
-                <a:spcPct val="100000"/>
-              </a:lnSpc>
-              <a:spcBef>
-                <a:spcPts val="0"/>
-              </a:spcBef>
-            </a:pPr>
-            <a:r>
-              <a:rPr lang="es-CO" sz="4000" dirty="0" smtClean="0"/>
-              <a:t>Se desarrolló una base de datos </a:t>
-            </a:r>
-            <a:r>
-              <a:rPr lang="es-CO" sz="4000" dirty="0" smtClean="0"/>
-              <a:t>MySQL.</a:t>
-            </a:r>
-            <a:endParaRPr lang="es-CO" sz="4000" dirty="0" smtClean="0"/>
-          </a:p>
-          <a:p>
-            <a:pPr algn="just">
-              <a:lnSpc>
-                <a:spcPct val="100000"/>
-              </a:lnSpc>
-              <a:spcBef>
-                <a:spcPts val="0"/>
-              </a:spcBef>
-            </a:pPr>
-            <a:r>
-              <a:rPr lang="es-CO" sz="4000" dirty="0" smtClean="0"/>
-              <a:t>Se desarrolló una aplicación JSE para los administradores.</a:t>
-            </a:r>
-          </a:p>
-          <a:p>
-            <a:pPr algn="just">
-              <a:lnSpc>
-                <a:spcPct val="100000"/>
-              </a:lnSpc>
-              <a:spcBef>
-                <a:spcPts val="0"/>
-              </a:spcBef>
-            </a:pPr>
-            <a:r>
-              <a:rPr lang="es-CO" sz="4000" dirty="0" smtClean="0"/>
-              <a:t>Se desarrolló una aplicación JEE para los estudiantes.</a:t>
-            </a:r>
-          </a:p>
-        </p:txBody>
-      </p:sp>
-    </p:spTree>
-    <p:extLst>
-      <p:ext uri="{BB962C8B-B14F-4D97-AF65-F5344CB8AC3E}">
-        <p14:creationId xmlns:p14="http://schemas.microsoft.com/office/powerpoint/2010/main" val="2862120921"/>
-      </p:ext>
-    </p:extLst>
-  </p:cSld>
-  <p:clrMapOvr>
-    <a:masterClrMapping/>
-  </p:clrMapOvr>
-  <p:timing>
-    <p:tnLst>
-      <p:par>
-        <p:cTn id="1" dur="indefinite" restart="never" nodeType="tmRoot"/>
-      </p:par>
-    </p:tnLst>
-  </p:timing>
-</p:sld>
-</file>
-
-<file path=ppt/slides/slide27.xml><?xml version="1.0" encoding="utf-8"?>
-<p:sld xmlns:a="http://schemas.openxmlformats.org/drawingml/2006/main" xmlns:r="http://schemas.openxmlformats.org/officeDocument/2006/relationships" xmlns:p="http://schemas.openxmlformats.org/presentationml/2006/main">
-  <p:cSld>
-    <p:spTree>
-      <p:nvGrpSpPr>
-        <p:cNvPr id="1" name=""/>
-        <p:cNvGrpSpPr/>
-        <p:nvPr/>
-      </p:nvGrpSpPr>
-      <p:grpSpPr>
-        <a:xfrm>
-          <a:off x="0" y="0"/>
-          <a:ext cx="0" cy="0"/>
-          <a:chOff x="0" y="0"/>
-          <a:chExt cx="0" cy="0"/>
-        </a:xfrm>
-      </p:grpSpPr>
-      <p:sp>
-        <p:nvSpPr>
-          <p:cNvPr id="2" name="Título 1">
-            <a:extLst>
-              <a:ext uri="{FF2B5EF4-FFF2-40B4-BE49-F238E27FC236}">
-                <a16:creationId xmlns="" xmlns:a16="http://schemas.microsoft.com/office/drawing/2014/main" id="{F3C1574D-8292-4410-B1E4-1EBE9DF828D1}"/>
+                <a16:creationId xmlns:a16="http://schemas.microsoft.com/office/drawing/2014/main" xmlns="" id="{F3C1574D-8292-4410-B1E4-1EBE9DF828D1}"/>
               </a:ext>
             </a:extLst>
           </p:cNvPr>
@@ -10122,8 +10106,20 @@
                 <a:tableStyleId>{5C22544A-7EE6-4342-B048-85BDC9FD1C3A}</a:tableStyleId>
               </a:tblPr>
               <a:tblGrid>
-                <a:gridCol w="2192055"/>
-                <a:gridCol w="9657567"/>
+                <a:gridCol w="2192055">
+                  <a:extLst>
+                    <a:ext uri="{9D8B030D-6E8A-4147-A177-3AD203B41FA5}">
+                      <a16:colId xmlns:a16="http://schemas.microsoft.com/office/drawing/2014/main" xmlns="" val="20000"/>
+                    </a:ext>
+                  </a:extLst>
+                </a:gridCol>
+                <a:gridCol w="9657567">
+                  <a:extLst>
+                    <a:ext uri="{9D8B030D-6E8A-4147-A177-3AD203B41FA5}">
+                      <a16:colId xmlns:a16="http://schemas.microsoft.com/office/drawing/2014/main" xmlns="" val="20001"/>
+                    </a:ext>
+                  </a:extLst>
+                </a:gridCol>
               </a:tblGrid>
               <a:tr h="238125">
                 <a:tc>
@@ -10172,6 +10168,11 @@
                   </a:txBody>
                   <a:tcPr marL="9525" marR="9525" marT="9525" marB="0" anchor="b"/>
                 </a:tc>
+                <a:extLst>
+                  <a:ext uri="{0D108BD9-81ED-4DB2-BD59-A6C34878D82A}">
+                    <a16:rowId xmlns:a16="http://schemas.microsoft.com/office/drawing/2014/main" xmlns="" val="10000"/>
+                  </a:ext>
+                </a:extLst>
               </a:tr>
               <a:tr h="390525">
                 <a:tc>
@@ -10221,6 +10222,11 @@
                   </a:txBody>
                   <a:tcPr marL="9525" marR="9525" marT="9525" marB="0" anchor="ctr"/>
                 </a:tc>
+                <a:extLst>
+                  <a:ext uri="{0D108BD9-81ED-4DB2-BD59-A6C34878D82A}">
+                    <a16:rowId xmlns:a16="http://schemas.microsoft.com/office/drawing/2014/main" xmlns="" val="10001"/>
+                  </a:ext>
+                </a:extLst>
               </a:tr>
               <a:tr h="600075">
                 <a:tc>
@@ -10270,6 +10276,11 @@
                   </a:txBody>
                   <a:tcPr marL="9525" marR="9525" marT="9525" marB="0" anchor="ctr"/>
                 </a:tc>
+                <a:extLst>
+                  <a:ext uri="{0D108BD9-81ED-4DB2-BD59-A6C34878D82A}">
+                    <a16:rowId xmlns:a16="http://schemas.microsoft.com/office/drawing/2014/main" xmlns="" val="10002"/>
+                  </a:ext>
+                </a:extLst>
               </a:tr>
               <a:tr h="200025">
                 <a:tc>
@@ -10319,6 +10330,11 @@
                   </a:txBody>
                   <a:tcPr marL="9525" marR="9525" marT="9525" marB="0" anchor="ctr"/>
                 </a:tc>
+                <a:extLst>
+                  <a:ext uri="{0D108BD9-81ED-4DB2-BD59-A6C34878D82A}">
+                    <a16:rowId xmlns:a16="http://schemas.microsoft.com/office/drawing/2014/main" xmlns="" val="10003"/>
+                  </a:ext>
+                </a:extLst>
               </a:tr>
               <a:tr h="200025">
                 <a:tc>
@@ -10368,6 +10384,11 @@
                   </a:txBody>
                   <a:tcPr marL="9525" marR="9525" marT="9525" marB="0" anchor="ctr"/>
                 </a:tc>
+                <a:extLst>
+                  <a:ext uri="{0D108BD9-81ED-4DB2-BD59-A6C34878D82A}">
+                    <a16:rowId xmlns:a16="http://schemas.microsoft.com/office/drawing/2014/main" xmlns="" val="10004"/>
+                  </a:ext>
+                </a:extLst>
               </a:tr>
               <a:tr h="381000">
                 <a:tc>
@@ -10417,6 +10438,11 @@
                   </a:txBody>
                   <a:tcPr marL="9525" marR="9525" marT="9525" marB="0" anchor="ctr"/>
                 </a:tc>
+                <a:extLst>
+                  <a:ext uri="{0D108BD9-81ED-4DB2-BD59-A6C34878D82A}">
+                    <a16:rowId xmlns:a16="http://schemas.microsoft.com/office/drawing/2014/main" xmlns="" val="10005"/>
+                  </a:ext>
+                </a:extLst>
               </a:tr>
               <a:tr h="190500">
                 <a:tc>
@@ -10466,6 +10492,11 @@
                   </a:txBody>
                   <a:tcPr marL="9525" marR="9525" marT="9525" marB="0" anchor="ctr"/>
                 </a:tc>
+                <a:extLst>
+                  <a:ext uri="{0D108BD9-81ED-4DB2-BD59-A6C34878D82A}">
+                    <a16:rowId xmlns:a16="http://schemas.microsoft.com/office/drawing/2014/main" xmlns="" val="10006"/>
+                  </a:ext>
+                </a:extLst>
               </a:tr>
               <a:tr h="381000">
                 <a:tc>
@@ -10515,6 +10546,11 @@
                   </a:txBody>
                   <a:tcPr marL="9525" marR="9525" marT="9525" marB="0" anchor="ctr"/>
                 </a:tc>
+                <a:extLst>
+                  <a:ext uri="{0D108BD9-81ED-4DB2-BD59-A6C34878D82A}">
+                    <a16:rowId xmlns:a16="http://schemas.microsoft.com/office/drawing/2014/main" xmlns="" val="10007"/>
+                  </a:ext>
+                </a:extLst>
               </a:tr>
               <a:tr h="190500">
                 <a:tc>
@@ -10564,6 +10600,11 @@
                   </a:txBody>
                   <a:tcPr marL="9525" marR="9525" marT="9525" marB="0" anchor="ctr"/>
                 </a:tc>
+                <a:extLst>
+                  <a:ext uri="{0D108BD9-81ED-4DB2-BD59-A6C34878D82A}">
+                    <a16:rowId xmlns:a16="http://schemas.microsoft.com/office/drawing/2014/main" xmlns="" val="10008"/>
+                  </a:ext>
+                </a:extLst>
               </a:tr>
               <a:tr h="190500">
                 <a:tc>
@@ -10613,6 +10654,11 @@
                   </a:txBody>
                   <a:tcPr marL="9525" marR="9525" marT="9525" marB="0" anchor="ctr"/>
                 </a:tc>
+                <a:extLst>
+                  <a:ext uri="{0D108BD9-81ED-4DB2-BD59-A6C34878D82A}">
+                    <a16:rowId xmlns:a16="http://schemas.microsoft.com/office/drawing/2014/main" xmlns="" val="10009"/>
+                  </a:ext>
+                </a:extLst>
               </a:tr>
               <a:tr h="190500">
                 <a:tc>
@@ -10662,6 +10708,11 @@
                   </a:txBody>
                   <a:tcPr marL="9525" marR="9525" marT="9525" marB="0" anchor="ctr"/>
                 </a:tc>
+                <a:extLst>
+                  <a:ext uri="{0D108BD9-81ED-4DB2-BD59-A6C34878D82A}">
+                    <a16:rowId xmlns:a16="http://schemas.microsoft.com/office/drawing/2014/main" xmlns="" val="10010"/>
+                  </a:ext>
+                </a:extLst>
               </a:tr>
               <a:tr h="381000">
                 <a:tc>
@@ -10711,6 +10762,11 @@
                   </a:txBody>
                   <a:tcPr marL="9525" marR="9525" marT="9525" marB="0" anchor="ctr"/>
                 </a:tc>
+                <a:extLst>
+                  <a:ext uri="{0D108BD9-81ED-4DB2-BD59-A6C34878D82A}">
+                    <a16:rowId xmlns:a16="http://schemas.microsoft.com/office/drawing/2014/main" xmlns="" val="10011"/>
+                  </a:ext>
+                </a:extLst>
               </a:tr>
             </a:tbl>
           </a:graphicData>
@@ -10804,7 +10860,7 @@
                 <a:ea typeface="Cambria"/>
                 <a:cs typeface="Times New Roman" panose="02020603050405020304" pitchFamily="18" charset="0"/>
               </a:rPr>
-              <a:t>¿Tienes algún amigo o familiar que haya abandonado sus estudios técnicos, tecnológicos o profesionales?</a:t>
+              <a:t>¿Conocen a alguien que haya abandonado sus estudios en educación superior?</a:t>
             </a:r>
             <a:endParaRPr lang="es-CO" sz="4000" dirty="0">
               <a:latin typeface="+mn-lt"/>
@@ -10818,7 +10874,7 @@
           <p:cNvPr id="5" name="Título 1">
             <a:extLst>
               <a:ext uri="{FF2B5EF4-FFF2-40B4-BE49-F238E27FC236}">
-                <a16:creationId xmlns="" xmlns:a16="http://schemas.microsoft.com/office/drawing/2014/main" id="{F194AB6A-55E1-4B44-A983-8BC6AA65E29D}"/>
+                <a16:creationId xmlns:a16="http://schemas.microsoft.com/office/drawing/2014/main" xmlns="" id="{F194AB6A-55E1-4B44-A983-8BC6AA65E29D}"/>
               </a:ext>
             </a:extLst>
           </p:cNvPr>
@@ -11051,7 +11107,7 @@
           <p:cNvPr id="3" name="Marcador de contenido 2">
             <a:extLst>
               <a:ext uri="{FF2B5EF4-FFF2-40B4-BE49-F238E27FC236}">
-                <a16:creationId xmlns="" xmlns:a16="http://schemas.microsoft.com/office/drawing/2014/main" id="{F27ED2C7-5D3D-48D6-995C-A170B4F5C4EE}"/>
+                <a16:creationId xmlns:a16="http://schemas.microsoft.com/office/drawing/2014/main" xmlns="" id="{F27ED2C7-5D3D-48D6-995C-A170B4F5C4EE}"/>
               </a:ext>
             </a:extLst>
           </p:cNvPr>
@@ -11230,7 +11286,7 @@
           <p:cNvPr id="3" name="Marcador de contenido 2">
             <a:extLst>
               <a:ext uri="{FF2B5EF4-FFF2-40B4-BE49-F238E27FC236}">
-                <a16:creationId xmlns="" xmlns:a16="http://schemas.microsoft.com/office/drawing/2014/main" id="{F27ED2C7-5D3D-48D6-995C-A170B4F5C4EE}"/>
+                <a16:creationId xmlns:a16="http://schemas.microsoft.com/office/drawing/2014/main" xmlns="" id="{F27ED2C7-5D3D-48D6-995C-A170B4F5C4EE}"/>
               </a:ext>
             </a:extLst>
           </p:cNvPr>
@@ -11371,7 +11427,7 @@
           <p:cNvPr id="2" name="Título 1">
             <a:extLst>
               <a:ext uri="{FF2B5EF4-FFF2-40B4-BE49-F238E27FC236}">
-                <a16:creationId xmlns="" xmlns:a16="http://schemas.microsoft.com/office/drawing/2014/main" id="{F194AB6A-55E1-4B44-A983-8BC6AA65E29D}"/>
+                <a16:creationId xmlns:a16="http://schemas.microsoft.com/office/drawing/2014/main" xmlns="" id="{F194AB6A-55E1-4B44-A983-8BC6AA65E29D}"/>
               </a:ext>
             </a:extLst>
           </p:cNvPr>
@@ -11414,7 +11470,7 @@
           <p:cNvPr id="3" name="Marcador de contenido 2">
             <a:extLst>
               <a:ext uri="{FF2B5EF4-FFF2-40B4-BE49-F238E27FC236}">
-                <a16:creationId xmlns="" xmlns:a16="http://schemas.microsoft.com/office/drawing/2014/main" id="{B24358F4-4131-4E84-B740-F17730F29968}"/>
+                <a16:creationId xmlns:a16="http://schemas.microsoft.com/office/drawing/2014/main" xmlns="" id="{B24358F4-4131-4E84-B740-F17730F29968}"/>
               </a:ext>
             </a:extLst>
           </p:cNvPr>
@@ -11505,7 +11561,7 @@
           <p:cNvPr id="3" name="Marcador de contenido 2">
             <a:extLst>
               <a:ext uri="{FF2B5EF4-FFF2-40B4-BE49-F238E27FC236}">
-                <a16:creationId xmlns="" xmlns:a16="http://schemas.microsoft.com/office/drawing/2014/main" id="{E0439019-967A-48CB-99F3-103D64E7D9BA}"/>
+                <a16:creationId xmlns:a16="http://schemas.microsoft.com/office/drawing/2014/main" xmlns="" id="{E0439019-967A-48CB-99F3-103D64E7D9BA}"/>
               </a:ext>
             </a:extLst>
           </p:cNvPr>
@@ -11665,7 +11721,7 @@
           <p:cNvPr id="5" name="Título 1">
             <a:extLst>
               <a:ext uri="{FF2B5EF4-FFF2-40B4-BE49-F238E27FC236}">
-                <a16:creationId xmlns="" xmlns:a16="http://schemas.microsoft.com/office/drawing/2014/main" id="{F194AB6A-55E1-4B44-A983-8BC6AA65E29D}"/>
+                <a16:creationId xmlns:a16="http://schemas.microsoft.com/office/drawing/2014/main" xmlns="" id="{F194AB6A-55E1-4B44-A983-8BC6AA65E29D}"/>
               </a:ext>
             </a:extLst>
           </p:cNvPr>
@@ -11745,7 +11801,7 @@
           <p:cNvPr id="2" name="Título 1">
             <a:extLst>
               <a:ext uri="{FF2B5EF4-FFF2-40B4-BE49-F238E27FC236}">
-                <a16:creationId xmlns="" xmlns:a16="http://schemas.microsoft.com/office/drawing/2014/main" id="{07AE7516-1AE4-45BE-98BE-4B95F4DA1742}"/>
+                <a16:creationId xmlns:a16="http://schemas.microsoft.com/office/drawing/2014/main" xmlns="" id="{07AE7516-1AE4-45BE-98BE-4B95F4DA1742}"/>
               </a:ext>
             </a:extLst>
           </p:cNvPr>
@@ -11790,7 +11846,7 @@
           <p:cNvPr id="3" name="Marcador de contenido 2">
             <a:extLst>
               <a:ext uri="{FF2B5EF4-FFF2-40B4-BE49-F238E27FC236}">
-                <a16:creationId xmlns="" xmlns:a16="http://schemas.microsoft.com/office/drawing/2014/main" id="{607AE930-5E81-4976-884A-E79FEB8EAB31}"/>
+                <a16:creationId xmlns:a16="http://schemas.microsoft.com/office/drawing/2014/main" xmlns="" id="{607AE930-5E81-4976-884A-E79FEB8EAB31}"/>
               </a:ext>
             </a:extLst>
           </p:cNvPr>
@@ -11822,7 +11878,7 @@
               </a:spcBef>
             </a:pPr>
             <a:r>
-              <a:rPr lang="es-MX" sz="4000" dirty="0" smtClean="0"/>
+              <a:rPr lang="es-MX" sz="3600" dirty="0" smtClean="0"/>
               <a:t>Sistematizar el proceso de caracterización estudiantil.</a:t>
             </a:r>
           </a:p>
@@ -11836,7 +11892,7 @@
               </a:spcBef>
               <a:buNone/>
             </a:pPr>
-            <a:endParaRPr lang="es-MX" sz="3200" dirty="0" smtClean="0"/>
+            <a:endParaRPr lang="es-MX" dirty="0" smtClean="0"/>
           </a:p>
           <a:p>
             <a:pPr algn="just">
@@ -11848,15 +11904,15 @@
               </a:spcBef>
             </a:pPr>
             <a:r>
-              <a:rPr lang="es-MX" sz="4000" dirty="0" smtClean="0"/>
+              <a:rPr lang="es-MX" sz="3600" dirty="0" smtClean="0"/>
               <a:t>Facilitar </a:t>
             </a:r>
             <a:r>
-              <a:rPr lang="es-MX" sz="4000" dirty="0"/>
+              <a:rPr lang="es-MX" sz="3600" dirty="0"/>
               <a:t>el trabajo</a:t>
             </a:r>
             <a:r>
-              <a:rPr lang="es-MX" sz="4000" dirty="0" smtClean="0"/>
+              <a:rPr lang="es-MX" sz="3600" dirty="0" smtClean="0"/>
               <a:t>.</a:t>
             </a:r>
           </a:p>
@@ -11870,7 +11926,7 @@
               </a:spcBef>
               <a:buNone/>
             </a:pPr>
-            <a:endParaRPr lang="es-MX" sz="3200" dirty="0" smtClean="0"/>
+            <a:endParaRPr lang="es-MX" dirty="0" smtClean="0"/>
           </a:p>
           <a:p>
             <a:pPr algn="just">
@@ -11882,7 +11938,7 @@
               </a:spcBef>
             </a:pPr>
             <a:r>
-              <a:rPr lang="es-MX" sz="4000" dirty="0" smtClean="0"/>
+              <a:rPr lang="es-MX" sz="3600" dirty="0" smtClean="0"/>
               <a:t>Generar alertas tempranas en forma de reportes.</a:t>
             </a:r>
           </a:p>
@@ -11896,7 +11952,7 @@
               </a:spcBef>
               <a:buNone/>
             </a:pPr>
-            <a:endParaRPr lang="es-MX" sz="3200" dirty="0"/>
+            <a:endParaRPr lang="es-MX" dirty="0"/>
           </a:p>
           <a:p>
             <a:pPr algn="just">
@@ -11908,8 +11964,8 @@
               </a:spcBef>
             </a:pPr>
             <a:r>
-              <a:rPr lang="es-MX" sz="4000" dirty="0" smtClean="0"/>
-              <a:t>Dar cumplimiento al marco legal contenido en la CPC.</a:t>
+              <a:rPr lang="es-MX" sz="3600" dirty="0" smtClean="0"/>
+              <a:t>Dar cumplimiento al marco legal contenido en la Constitución Política de Colombia.</a:t>
             </a:r>
           </a:p>
           <a:p>
@@ -11922,7 +11978,7 @@
               </a:spcBef>
               <a:buNone/>
             </a:pPr>
-            <a:endParaRPr lang="es-MX" sz="3200" dirty="0" smtClean="0"/>
+            <a:endParaRPr lang="es-MX" dirty="0" smtClean="0"/>
           </a:p>
           <a:p>
             <a:pPr algn="just">
@@ -11934,10 +11990,10 @@
               </a:spcBef>
             </a:pPr>
             <a:r>
-              <a:rPr lang="es-MX" sz="4000" dirty="0" smtClean="0"/>
-              <a:t>Ser un software libre desarrollado en UNIMINUTO</a:t>
-            </a:r>
-            <a:endParaRPr lang="es-MX" sz="4000" dirty="0"/>
+              <a:rPr lang="es-MX" sz="3600" dirty="0" smtClean="0"/>
+              <a:t>Ser un software libre desarrollado en UNIMINUTO.</a:t>
+            </a:r>
+            <a:endParaRPr lang="es-MX" sz="3600" dirty="0"/>
           </a:p>
         </p:txBody>
       </p:sp>

--- a/expo/expo.pptx
+++ b/expo/expo.pptx
@@ -26,11 +26,12 @@
     <p:sldId id="289" r:id="rId20"/>
     <p:sldId id="290" r:id="rId21"/>
     <p:sldId id="292" r:id="rId22"/>
-    <p:sldId id="297" r:id="rId23"/>
-    <p:sldId id="269" r:id="rId24"/>
-    <p:sldId id="296" r:id="rId25"/>
-    <p:sldId id="273" r:id="rId26"/>
-    <p:sldId id="288" r:id="rId27"/>
+    <p:sldId id="300" r:id="rId23"/>
+    <p:sldId id="297" r:id="rId24"/>
+    <p:sldId id="269" r:id="rId25"/>
+    <p:sldId id="296" r:id="rId26"/>
+    <p:sldId id="273" r:id="rId27"/>
+    <p:sldId id="288" r:id="rId28"/>
   </p:sldIdLst>
   <p:sldSz cx="12192000" cy="6858000"/>
   <p:notesSz cx="6858000" cy="9144000"/>
@@ -268,7 +269,7 @@
           <a:p>
             <a:fld id="{D6AEB8E7-BDB9-4384-837D-5E0AF3F2FB20}" type="datetimeFigureOut">
               <a:rPr lang="es-CO" smtClean="0"/>
-              <a:t>01/12/2018</a:t>
+              <a:t>03/12/2018</a:t>
             </a:fld>
             <a:endParaRPr lang="es-CO"/>
           </a:p>
@@ -438,7 +439,7 @@
           <a:p>
             <a:fld id="{D6AEB8E7-BDB9-4384-837D-5E0AF3F2FB20}" type="datetimeFigureOut">
               <a:rPr lang="es-CO" smtClean="0"/>
-              <a:t>01/12/2018</a:t>
+              <a:t>03/12/2018</a:t>
             </a:fld>
             <a:endParaRPr lang="es-CO"/>
           </a:p>
@@ -618,7 +619,7 @@
           <a:p>
             <a:fld id="{D6AEB8E7-BDB9-4384-837D-5E0AF3F2FB20}" type="datetimeFigureOut">
               <a:rPr lang="es-CO" smtClean="0"/>
-              <a:t>01/12/2018</a:t>
+              <a:t>03/12/2018</a:t>
             </a:fld>
             <a:endParaRPr lang="es-CO"/>
           </a:p>
@@ -788,7 +789,7 @@
           <a:p>
             <a:fld id="{D6AEB8E7-BDB9-4384-837D-5E0AF3F2FB20}" type="datetimeFigureOut">
               <a:rPr lang="es-CO" smtClean="0"/>
-              <a:t>01/12/2018</a:t>
+              <a:t>03/12/2018</a:t>
             </a:fld>
             <a:endParaRPr lang="es-CO"/>
           </a:p>
@@ -1034,7 +1035,7 @@
           <a:p>
             <a:fld id="{D6AEB8E7-BDB9-4384-837D-5E0AF3F2FB20}" type="datetimeFigureOut">
               <a:rPr lang="es-CO" smtClean="0"/>
-              <a:t>01/12/2018</a:t>
+              <a:t>03/12/2018</a:t>
             </a:fld>
             <a:endParaRPr lang="es-CO"/>
           </a:p>
@@ -1266,7 +1267,7 @@
           <a:p>
             <a:fld id="{D6AEB8E7-BDB9-4384-837D-5E0AF3F2FB20}" type="datetimeFigureOut">
               <a:rPr lang="es-CO" smtClean="0"/>
-              <a:t>01/12/2018</a:t>
+              <a:t>03/12/2018</a:t>
             </a:fld>
             <a:endParaRPr lang="es-CO"/>
           </a:p>
@@ -1633,7 +1634,7 @@
           <a:p>
             <a:fld id="{D6AEB8E7-BDB9-4384-837D-5E0AF3F2FB20}" type="datetimeFigureOut">
               <a:rPr lang="es-CO" smtClean="0"/>
-              <a:t>01/12/2018</a:t>
+              <a:t>03/12/2018</a:t>
             </a:fld>
             <a:endParaRPr lang="es-CO"/>
           </a:p>
@@ -1751,7 +1752,7 @@
           <a:p>
             <a:fld id="{D6AEB8E7-BDB9-4384-837D-5E0AF3F2FB20}" type="datetimeFigureOut">
               <a:rPr lang="es-CO" smtClean="0"/>
-              <a:t>01/12/2018</a:t>
+              <a:t>03/12/2018</a:t>
             </a:fld>
             <a:endParaRPr lang="es-CO"/>
           </a:p>
@@ -1846,7 +1847,7 @@
           <a:p>
             <a:fld id="{D6AEB8E7-BDB9-4384-837D-5E0AF3F2FB20}" type="datetimeFigureOut">
               <a:rPr lang="es-CO" smtClean="0"/>
-              <a:t>01/12/2018</a:t>
+              <a:t>03/12/2018</a:t>
             </a:fld>
             <a:endParaRPr lang="es-CO"/>
           </a:p>
@@ -2123,7 +2124,7 @@
           <a:p>
             <a:fld id="{D6AEB8E7-BDB9-4384-837D-5E0AF3F2FB20}" type="datetimeFigureOut">
               <a:rPr lang="es-CO" smtClean="0"/>
-              <a:t>01/12/2018</a:t>
+              <a:t>03/12/2018</a:t>
             </a:fld>
             <a:endParaRPr lang="es-CO"/>
           </a:p>
@@ -2376,7 +2377,7 @@
           <a:p>
             <a:fld id="{D6AEB8E7-BDB9-4384-837D-5E0AF3F2FB20}" type="datetimeFigureOut">
               <a:rPr lang="es-CO" smtClean="0"/>
-              <a:t>01/12/2018</a:t>
+              <a:t>03/12/2018</a:t>
             </a:fld>
             <a:endParaRPr lang="es-CO"/>
           </a:p>
@@ -2603,7 +2604,7 @@
           <a:p>
             <a:fld id="{D6AEB8E7-BDB9-4384-837D-5E0AF3F2FB20}" type="datetimeFigureOut">
               <a:rPr lang="es-CO" smtClean="0"/>
-              <a:t>01/12/2018</a:t>
+              <a:t>03/12/2018</a:t>
             </a:fld>
             <a:endParaRPr lang="es-CO"/>
           </a:p>
@@ -3228,7 +3229,7 @@
           <p:cNvPr id="2" name="Título 1">
             <a:extLst>
               <a:ext uri="{FF2B5EF4-FFF2-40B4-BE49-F238E27FC236}">
-                <a16:creationId xmlns:a16="http://schemas.microsoft.com/office/drawing/2014/main" xmlns="" id="{07AE7516-1AE4-45BE-98BE-4B95F4DA1742}"/>
+                <a16:creationId xmlns="" xmlns:a16="http://schemas.microsoft.com/office/drawing/2014/main" id="{07AE7516-1AE4-45BE-98BE-4B95F4DA1742}"/>
               </a:ext>
             </a:extLst>
           </p:cNvPr>
@@ -3438,7 +3439,7 @@
           <p:cNvPr id="3" name="Marcador de contenido 2">
             <a:extLst>
               <a:ext uri="{FF2B5EF4-FFF2-40B4-BE49-F238E27FC236}">
-                <a16:creationId xmlns:a16="http://schemas.microsoft.com/office/drawing/2014/main" xmlns="" id="{607AE930-5E81-4976-884A-E79FEB8EAB31}"/>
+                <a16:creationId xmlns="" xmlns:a16="http://schemas.microsoft.com/office/drawing/2014/main" id="{607AE930-5E81-4976-884A-E79FEB8EAB31}"/>
               </a:ext>
             </a:extLst>
           </p:cNvPr>
@@ -3529,7 +3530,7 @@
           <p:cNvPr id="15" name="Marcador de contenido 2">
             <a:extLst>
               <a:ext uri="{FF2B5EF4-FFF2-40B4-BE49-F238E27FC236}">
-                <a16:creationId xmlns:a16="http://schemas.microsoft.com/office/drawing/2014/main" xmlns="" id="{607AE930-5E81-4976-884A-E79FEB8EAB31}"/>
+                <a16:creationId xmlns="" xmlns:a16="http://schemas.microsoft.com/office/drawing/2014/main" id="{607AE930-5E81-4976-884A-E79FEB8EAB31}"/>
               </a:ext>
             </a:extLst>
           </p:cNvPr>
@@ -3850,7 +3851,7 @@
           <p:cNvPr id="28" name="Marcador de contenido 2">
             <a:extLst>
               <a:ext uri="{FF2B5EF4-FFF2-40B4-BE49-F238E27FC236}">
-                <a16:creationId xmlns:a16="http://schemas.microsoft.com/office/drawing/2014/main" xmlns="" id="{607AE930-5E81-4976-884A-E79FEB8EAB31}"/>
+                <a16:creationId xmlns="" xmlns:a16="http://schemas.microsoft.com/office/drawing/2014/main" id="{607AE930-5E81-4976-884A-E79FEB8EAB31}"/>
               </a:ext>
             </a:extLst>
           </p:cNvPr>
@@ -4059,7 +4060,7 @@
           <p:cNvPr id="33" name="Marcador de contenido 2">
             <a:extLst>
               <a:ext uri="{FF2B5EF4-FFF2-40B4-BE49-F238E27FC236}">
-                <a16:creationId xmlns:a16="http://schemas.microsoft.com/office/drawing/2014/main" xmlns="" id="{607AE930-5E81-4976-884A-E79FEB8EAB31}"/>
+                <a16:creationId xmlns="" xmlns:a16="http://schemas.microsoft.com/office/drawing/2014/main" id="{607AE930-5E81-4976-884A-E79FEB8EAB31}"/>
               </a:ext>
             </a:extLst>
           </p:cNvPr>
@@ -4499,7 +4500,7 @@
           <p:cNvPr id="56" name="Marcador de contenido 2">
             <a:extLst>
               <a:ext uri="{FF2B5EF4-FFF2-40B4-BE49-F238E27FC236}">
-                <a16:creationId xmlns:a16="http://schemas.microsoft.com/office/drawing/2014/main" xmlns="" id="{607AE930-5E81-4976-884A-E79FEB8EAB31}"/>
+                <a16:creationId xmlns="" xmlns:a16="http://schemas.microsoft.com/office/drawing/2014/main" id="{607AE930-5E81-4976-884A-E79FEB8EAB31}"/>
               </a:ext>
             </a:extLst>
           </p:cNvPr>
@@ -4751,7 +4752,7 @@
           <p:cNvPr id="58" name="Marcador de contenido 2">
             <a:extLst>
               <a:ext uri="{FF2B5EF4-FFF2-40B4-BE49-F238E27FC236}">
-                <a16:creationId xmlns:a16="http://schemas.microsoft.com/office/drawing/2014/main" xmlns="" id="{607AE930-5E81-4976-884A-E79FEB8EAB31}"/>
+                <a16:creationId xmlns="" xmlns:a16="http://schemas.microsoft.com/office/drawing/2014/main" id="{607AE930-5E81-4976-884A-E79FEB8EAB31}"/>
               </a:ext>
             </a:extLst>
           </p:cNvPr>
@@ -4980,7 +4981,11 @@
             <a:pPr algn="ctr"/>
             <a:r>
               <a:rPr lang="es-MX" sz="3200" b="1" dirty="0" smtClean="0"/>
-              <a:t>SNIES, SPADIES, deserción.</a:t>
+              <a:t>SPADIES</a:t>
+            </a:r>
+            <a:r>
+              <a:rPr lang="es-MX" sz="3200" b="1" dirty="0" smtClean="0"/>
+              <a:t>, deserción.</a:t>
             </a:r>
             <a:endParaRPr lang="es-MX" sz="2400" b="1" dirty="0"/>
           </a:p>
@@ -5100,7 +5105,7 @@
           <p:cNvPr id="2" name="Título 1">
             <a:extLst>
               <a:ext uri="{FF2B5EF4-FFF2-40B4-BE49-F238E27FC236}">
-                <a16:creationId xmlns:a16="http://schemas.microsoft.com/office/drawing/2014/main" xmlns="" id="{4D3AF533-AD0F-43F7-AC8D-8A056BA291A3}"/>
+                <a16:creationId xmlns="" xmlns:a16="http://schemas.microsoft.com/office/drawing/2014/main" id="{4D3AF533-AD0F-43F7-AC8D-8A056BA291A3}"/>
               </a:ext>
             </a:extLst>
           </p:cNvPr>
@@ -5181,7 +5186,7 @@
           <p:cNvPr id="7" name="CuadroTexto 6">
             <a:extLst>
               <a:ext uri="{FF2B5EF4-FFF2-40B4-BE49-F238E27FC236}">
-                <a16:creationId xmlns:a16="http://schemas.microsoft.com/office/drawing/2014/main" xmlns="" id="{BC049DBC-6933-4F01-99CD-12D18B825504}"/>
+                <a16:creationId xmlns="" xmlns:a16="http://schemas.microsoft.com/office/drawing/2014/main" id="{BC049DBC-6933-4F01-99CD-12D18B825504}"/>
               </a:ext>
             </a:extLst>
           </p:cNvPr>
@@ -5261,7 +5266,7 @@
           <p:cNvPr id="2" name="Título 1">
             <a:extLst>
               <a:ext uri="{FF2B5EF4-FFF2-40B4-BE49-F238E27FC236}">
-                <a16:creationId xmlns:a16="http://schemas.microsoft.com/office/drawing/2014/main" xmlns="" id="{4D3AF533-AD0F-43F7-AC8D-8A056BA291A3}"/>
+                <a16:creationId xmlns="" xmlns:a16="http://schemas.microsoft.com/office/drawing/2014/main" id="{4D3AF533-AD0F-43F7-AC8D-8A056BA291A3}"/>
               </a:ext>
             </a:extLst>
           </p:cNvPr>
@@ -5401,7 +5406,7 @@
           <p:cNvPr id="8" name="CuadroTexto 7">
             <a:extLst>
               <a:ext uri="{FF2B5EF4-FFF2-40B4-BE49-F238E27FC236}">
-                <a16:creationId xmlns:a16="http://schemas.microsoft.com/office/drawing/2014/main" xmlns="" id="{BC049DBC-6933-4F01-99CD-12D18B825504}"/>
+                <a16:creationId xmlns="" xmlns:a16="http://schemas.microsoft.com/office/drawing/2014/main" id="{BC049DBC-6933-4F01-99CD-12D18B825504}"/>
               </a:ext>
             </a:extLst>
           </p:cNvPr>
@@ -5505,21 +5510,21 @@
                 <a:gridCol w="3856199">
                   <a:extLst>
                     <a:ext uri="{9D8B030D-6E8A-4147-A177-3AD203B41FA5}">
-                      <a16:colId xmlns:a16="http://schemas.microsoft.com/office/drawing/2014/main" xmlns="" val="20000"/>
+                      <a16:colId xmlns="" xmlns:a16="http://schemas.microsoft.com/office/drawing/2014/main" val="20000"/>
                     </a:ext>
                   </a:extLst>
                 </a:gridCol>
                 <a:gridCol w="490123">
                   <a:extLst>
                     <a:ext uri="{9D8B030D-6E8A-4147-A177-3AD203B41FA5}">
-                      <a16:colId xmlns:a16="http://schemas.microsoft.com/office/drawing/2014/main" xmlns="" val="20001"/>
+                      <a16:colId xmlns="" xmlns:a16="http://schemas.microsoft.com/office/drawing/2014/main" val="20001"/>
                     </a:ext>
                   </a:extLst>
                 </a:gridCol>
                 <a:gridCol w="7355510">
                   <a:extLst>
                     <a:ext uri="{9D8B030D-6E8A-4147-A177-3AD203B41FA5}">
-                      <a16:colId xmlns:a16="http://schemas.microsoft.com/office/drawing/2014/main" xmlns="" val="20002"/>
+                      <a16:colId xmlns="" xmlns:a16="http://schemas.microsoft.com/office/drawing/2014/main" val="20002"/>
                     </a:ext>
                   </a:extLst>
                 </a:gridCol>
@@ -5573,7 +5578,7 @@
                 </a:tc>
                 <a:extLst>
                   <a:ext uri="{0D108BD9-81ED-4DB2-BD59-A6C34878D82A}">
-                    <a16:rowId xmlns:a16="http://schemas.microsoft.com/office/drawing/2014/main" xmlns="" val="10000"/>
+                    <a16:rowId xmlns="" xmlns:a16="http://schemas.microsoft.com/office/drawing/2014/main" val="10000"/>
                   </a:ext>
                 </a:extLst>
               </a:tr>
@@ -5654,7 +5659,7 @@
                 </a:tc>
                 <a:extLst>
                   <a:ext uri="{0D108BD9-81ED-4DB2-BD59-A6C34878D82A}">
-                    <a16:rowId xmlns:a16="http://schemas.microsoft.com/office/drawing/2014/main" xmlns="" val="10001"/>
+                    <a16:rowId xmlns="" xmlns:a16="http://schemas.microsoft.com/office/drawing/2014/main" val="10001"/>
                   </a:ext>
                 </a:extLst>
               </a:tr>
@@ -5713,7 +5718,7 @@
                 </a:tc>
                 <a:extLst>
                   <a:ext uri="{0D108BD9-81ED-4DB2-BD59-A6C34878D82A}">
-                    <a16:rowId xmlns:a16="http://schemas.microsoft.com/office/drawing/2014/main" xmlns="" val="10002"/>
+                    <a16:rowId xmlns="" xmlns:a16="http://schemas.microsoft.com/office/drawing/2014/main" val="10002"/>
                   </a:ext>
                 </a:extLst>
               </a:tr>
@@ -5794,7 +5799,7 @@
                 </a:tc>
                 <a:extLst>
                   <a:ext uri="{0D108BD9-81ED-4DB2-BD59-A6C34878D82A}">
-                    <a16:rowId xmlns:a16="http://schemas.microsoft.com/office/drawing/2014/main" xmlns="" val="10003"/>
+                    <a16:rowId xmlns="" xmlns:a16="http://schemas.microsoft.com/office/drawing/2014/main" val="10003"/>
                   </a:ext>
                 </a:extLst>
               </a:tr>
@@ -5875,7 +5880,7 @@
                 </a:tc>
                 <a:extLst>
                   <a:ext uri="{0D108BD9-81ED-4DB2-BD59-A6C34878D82A}">
-                    <a16:rowId xmlns:a16="http://schemas.microsoft.com/office/drawing/2014/main" xmlns="" val="10004"/>
+                    <a16:rowId xmlns="" xmlns:a16="http://schemas.microsoft.com/office/drawing/2014/main" val="10004"/>
                   </a:ext>
                 </a:extLst>
               </a:tr>
@@ -5934,7 +5939,7 @@
                 </a:tc>
                 <a:extLst>
                   <a:ext uri="{0D108BD9-81ED-4DB2-BD59-A6C34878D82A}">
-                    <a16:rowId xmlns:a16="http://schemas.microsoft.com/office/drawing/2014/main" xmlns="" val="10005"/>
+                    <a16:rowId xmlns="" xmlns:a16="http://schemas.microsoft.com/office/drawing/2014/main" val="10005"/>
                   </a:ext>
                 </a:extLst>
               </a:tr>
@@ -5993,7 +5998,7 @@
                 </a:tc>
                 <a:extLst>
                   <a:ext uri="{0D108BD9-81ED-4DB2-BD59-A6C34878D82A}">
-                    <a16:rowId xmlns:a16="http://schemas.microsoft.com/office/drawing/2014/main" xmlns="" val="10006"/>
+                    <a16:rowId xmlns="" xmlns:a16="http://schemas.microsoft.com/office/drawing/2014/main" val="10006"/>
                   </a:ext>
                 </a:extLst>
               </a:tr>
@@ -6093,7 +6098,7 @@
                 </a:tc>
                 <a:extLst>
                   <a:ext uri="{0D108BD9-81ED-4DB2-BD59-A6C34878D82A}">
-                    <a16:rowId xmlns:a16="http://schemas.microsoft.com/office/drawing/2014/main" xmlns="" val="10007"/>
+                    <a16:rowId xmlns="" xmlns:a16="http://schemas.microsoft.com/office/drawing/2014/main" val="10007"/>
                   </a:ext>
                 </a:extLst>
               </a:tr>
@@ -6106,7 +6111,7 @@
           <p:cNvPr id="6" name="Título 1">
             <a:extLst>
               <a:ext uri="{FF2B5EF4-FFF2-40B4-BE49-F238E27FC236}">
-                <a16:creationId xmlns:a16="http://schemas.microsoft.com/office/drawing/2014/main" xmlns="" id="{4D3AF533-AD0F-43F7-AC8D-8A056BA291A3}"/>
+                <a16:creationId xmlns="" xmlns:a16="http://schemas.microsoft.com/office/drawing/2014/main" id="{4D3AF533-AD0F-43F7-AC8D-8A056BA291A3}"/>
               </a:ext>
             </a:extLst>
           </p:cNvPr>
@@ -6230,7 +6235,7 @@
           <p:cNvPr id="6" name="CuadroTexto 5">
             <a:extLst>
               <a:ext uri="{FF2B5EF4-FFF2-40B4-BE49-F238E27FC236}">
-                <a16:creationId xmlns:a16="http://schemas.microsoft.com/office/drawing/2014/main" xmlns="" id="{BC049DBC-6933-4F01-99CD-12D18B825504}"/>
+                <a16:creationId xmlns="" xmlns:a16="http://schemas.microsoft.com/office/drawing/2014/main" id="{BC049DBC-6933-4F01-99CD-12D18B825504}"/>
               </a:ext>
             </a:extLst>
           </p:cNvPr>
@@ -6273,7 +6278,7 @@
           <p:cNvPr id="10" name="Título 1">
             <a:extLst>
               <a:ext uri="{FF2B5EF4-FFF2-40B4-BE49-F238E27FC236}">
-                <a16:creationId xmlns:a16="http://schemas.microsoft.com/office/drawing/2014/main" xmlns="" id="{4D3AF533-AD0F-43F7-AC8D-8A056BA291A3}"/>
+                <a16:creationId xmlns="" xmlns:a16="http://schemas.microsoft.com/office/drawing/2014/main" id="{4D3AF533-AD0F-43F7-AC8D-8A056BA291A3}"/>
               </a:ext>
             </a:extLst>
           </p:cNvPr>
@@ -6422,7 +6427,7 @@
           <p:cNvPr id="6" name="CuadroTexto 5">
             <a:extLst>
               <a:ext uri="{FF2B5EF4-FFF2-40B4-BE49-F238E27FC236}">
-                <a16:creationId xmlns:a16="http://schemas.microsoft.com/office/drawing/2014/main" xmlns="" id="{BC049DBC-6933-4F01-99CD-12D18B825504}"/>
+                <a16:creationId xmlns="" xmlns:a16="http://schemas.microsoft.com/office/drawing/2014/main" id="{BC049DBC-6933-4F01-99CD-12D18B825504}"/>
               </a:ext>
             </a:extLst>
           </p:cNvPr>
@@ -6465,7 +6470,7 @@
           <p:cNvPr id="10" name="Título 1">
             <a:extLst>
               <a:ext uri="{FF2B5EF4-FFF2-40B4-BE49-F238E27FC236}">
-                <a16:creationId xmlns:a16="http://schemas.microsoft.com/office/drawing/2014/main" xmlns="" id="{4D3AF533-AD0F-43F7-AC8D-8A056BA291A3}"/>
+                <a16:creationId xmlns="" xmlns:a16="http://schemas.microsoft.com/office/drawing/2014/main" id="{4D3AF533-AD0F-43F7-AC8D-8A056BA291A3}"/>
               </a:ext>
             </a:extLst>
           </p:cNvPr>
@@ -6614,7 +6619,7 @@
           <p:cNvPr id="11" name="Título 1">
             <a:extLst>
               <a:ext uri="{FF2B5EF4-FFF2-40B4-BE49-F238E27FC236}">
-                <a16:creationId xmlns:a16="http://schemas.microsoft.com/office/drawing/2014/main" xmlns="" id="{4D3AF533-AD0F-43F7-AC8D-8A056BA291A3}"/>
+                <a16:creationId xmlns="" xmlns:a16="http://schemas.microsoft.com/office/drawing/2014/main" id="{4D3AF533-AD0F-43F7-AC8D-8A056BA291A3}"/>
               </a:ext>
             </a:extLst>
           </p:cNvPr>
@@ -6714,7 +6719,7 @@
           <p:cNvPr id="8" name="CuadroTexto 7">
             <a:extLst>
               <a:ext uri="{FF2B5EF4-FFF2-40B4-BE49-F238E27FC236}">
-                <a16:creationId xmlns:a16="http://schemas.microsoft.com/office/drawing/2014/main" xmlns="" id="{89E46AF4-218E-4E1B-B422-59B657A05EE8}"/>
+                <a16:creationId xmlns="" xmlns:a16="http://schemas.microsoft.com/office/drawing/2014/main" id="{89E46AF4-218E-4E1B-B422-59B657A05EE8}"/>
               </a:ext>
             </a:extLst>
           </p:cNvPr>
@@ -6838,7 +6843,7 @@
           <p:cNvPr id="5" name="CuadroTexto 4">
             <a:extLst>
               <a:ext uri="{FF2B5EF4-FFF2-40B4-BE49-F238E27FC236}">
-                <a16:creationId xmlns:a16="http://schemas.microsoft.com/office/drawing/2014/main" xmlns="" id="{BC049DBC-6933-4F01-99CD-12D18B825504}"/>
+                <a16:creationId xmlns="" xmlns:a16="http://schemas.microsoft.com/office/drawing/2014/main" id="{BC049DBC-6933-4F01-99CD-12D18B825504}"/>
               </a:ext>
             </a:extLst>
           </p:cNvPr>
@@ -6891,7 +6896,7 @@
           <p:cNvPr id="7" name="Título 1">
             <a:extLst>
               <a:ext uri="{FF2B5EF4-FFF2-40B4-BE49-F238E27FC236}">
-                <a16:creationId xmlns:a16="http://schemas.microsoft.com/office/drawing/2014/main" xmlns="" id="{4D3AF533-AD0F-43F7-AC8D-8A056BA291A3}"/>
+                <a16:creationId xmlns="" xmlns:a16="http://schemas.microsoft.com/office/drawing/2014/main" id="{4D3AF533-AD0F-43F7-AC8D-8A056BA291A3}"/>
               </a:ext>
             </a:extLst>
           </p:cNvPr>
@@ -7014,21 +7019,21 @@
                 <a:gridCol w="4847574">
                   <a:extLst>
                     <a:ext uri="{9D8B030D-6E8A-4147-A177-3AD203B41FA5}">
-                      <a16:colId xmlns:a16="http://schemas.microsoft.com/office/drawing/2014/main" xmlns="" val="20000"/>
+                      <a16:colId xmlns="" xmlns:a16="http://schemas.microsoft.com/office/drawing/2014/main" val="20000"/>
                     </a:ext>
                   </a:extLst>
                 </a:gridCol>
                 <a:gridCol w="2918564">
                   <a:extLst>
                     <a:ext uri="{9D8B030D-6E8A-4147-A177-3AD203B41FA5}">
-                      <a16:colId xmlns:a16="http://schemas.microsoft.com/office/drawing/2014/main" xmlns="" val="20001"/>
+                      <a16:colId xmlns="" xmlns:a16="http://schemas.microsoft.com/office/drawing/2014/main" val="20001"/>
                     </a:ext>
                   </a:extLst>
                 </a:gridCol>
                 <a:gridCol w="4208745">
                   <a:extLst>
                     <a:ext uri="{9D8B030D-6E8A-4147-A177-3AD203B41FA5}">
-                      <a16:colId xmlns:a16="http://schemas.microsoft.com/office/drawing/2014/main" xmlns="" val="20002"/>
+                      <a16:colId xmlns="" xmlns:a16="http://schemas.microsoft.com/office/drawing/2014/main" val="20002"/>
                     </a:ext>
                   </a:extLst>
                 </a:gridCol>
@@ -7105,7 +7110,7 @@
                 </a:tc>
                 <a:extLst>
                   <a:ext uri="{0D108BD9-81ED-4DB2-BD59-A6C34878D82A}">
-                    <a16:rowId xmlns:a16="http://schemas.microsoft.com/office/drawing/2014/main" xmlns="" val="10000"/>
+                    <a16:rowId xmlns="" xmlns:a16="http://schemas.microsoft.com/office/drawing/2014/main" val="10000"/>
                   </a:ext>
                 </a:extLst>
               </a:tr>
@@ -7187,7 +7192,7 @@
                 </a:tc>
                 <a:extLst>
                   <a:ext uri="{0D108BD9-81ED-4DB2-BD59-A6C34878D82A}">
-                    <a16:rowId xmlns:a16="http://schemas.microsoft.com/office/drawing/2014/main" xmlns="" val="10001"/>
+                    <a16:rowId xmlns="" xmlns:a16="http://schemas.microsoft.com/office/drawing/2014/main" val="10001"/>
                   </a:ext>
                 </a:extLst>
               </a:tr>
@@ -7269,7 +7274,7 @@
                 </a:tc>
                 <a:extLst>
                   <a:ext uri="{0D108BD9-81ED-4DB2-BD59-A6C34878D82A}">
-                    <a16:rowId xmlns:a16="http://schemas.microsoft.com/office/drawing/2014/main" xmlns="" val="10002"/>
+                    <a16:rowId xmlns="" xmlns:a16="http://schemas.microsoft.com/office/drawing/2014/main" val="10002"/>
                   </a:ext>
                 </a:extLst>
               </a:tr>
@@ -7351,7 +7356,7 @@
                 </a:tc>
                 <a:extLst>
                   <a:ext uri="{0D108BD9-81ED-4DB2-BD59-A6C34878D82A}">
-                    <a16:rowId xmlns:a16="http://schemas.microsoft.com/office/drawing/2014/main" xmlns="" val="10003"/>
+                    <a16:rowId xmlns="" xmlns:a16="http://schemas.microsoft.com/office/drawing/2014/main" val="10003"/>
                   </a:ext>
                 </a:extLst>
               </a:tr>
@@ -7445,7 +7450,7 @@
                 </a:tc>
                 <a:extLst>
                   <a:ext uri="{0D108BD9-81ED-4DB2-BD59-A6C34878D82A}">
-                    <a16:rowId xmlns:a16="http://schemas.microsoft.com/office/drawing/2014/main" xmlns="" val="10004"/>
+                    <a16:rowId xmlns="" xmlns:a16="http://schemas.microsoft.com/office/drawing/2014/main" val="10004"/>
                   </a:ext>
                 </a:extLst>
               </a:tr>
@@ -7527,7 +7532,7 @@
                 </a:tc>
                 <a:extLst>
                   <a:ext uri="{0D108BD9-81ED-4DB2-BD59-A6C34878D82A}">
-                    <a16:rowId xmlns:a16="http://schemas.microsoft.com/office/drawing/2014/main" xmlns="" val="10005"/>
+                    <a16:rowId xmlns="" xmlns:a16="http://schemas.microsoft.com/office/drawing/2014/main" val="10005"/>
                   </a:ext>
                 </a:extLst>
               </a:tr>
@@ -7609,7 +7614,7 @@
                 </a:tc>
                 <a:extLst>
                   <a:ext uri="{0D108BD9-81ED-4DB2-BD59-A6C34878D82A}">
-                    <a16:rowId xmlns:a16="http://schemas.microsoft.com/office/drawing/2014/main" xmlns="" val="10006"/>
+                    <a16:rowId xmlns="" xmlns:a16="http://schemas.microsoft.com/office/drawing/2014/main" val="10006"/>
                   </a:ext>
                 </a:extLst>
               </a:tr>
@@ -7679,7 +7684,7 @@
                 </a:tc>
                 <a:extLst>
                   <a:ext uri="{0D108BD9-81ED-4DB2-BD59-A6C34878D82A}">
-                    <a16:rowId xmlns:a16="http://schemas.microsoft.com/office/drawing/2014/main" xmlns="" val="10007"/>
+                    <a16:rowId xmlns="" xmlns:a16="http://schemas.microsoft.com/office/drawing/2014/main" val="10007"/>
                   </a:ext>
                 </a:extLst>
               </a:tr>
@@ -8490,7 +8495,7 @@
           <p:cNvPr id="25" name="Título 1">
             <a:extLst>
               <a:ext uri="{FF2B5EF4-FFF2-40B4-BE49-F238E27FC236}">
-                <a16:creationId xmlns:a16="http://schemas.microsoft.com/office/drawing/2014/main" xmlns="" id="{4D3AF533-AD0F-43F7-AC8D-8A056BA291A3}"/>
+                <a16:creationId xmlns="" xmlns:a16="http://schemas.microsoft.com/office/drawing/2014/main" id="{4D3AF533-AD0F-43F7-AC8D-8A056BA291A3}"/>
               </a:ext>
             </a:extLst>
           </p:cNvPr>
@@ -8627,7 +8632,7 @@
           <p:cNvPr id="2" name="Título 1">
             <a:extLst>
               <a:ext uri="{FF2B5EF4-FFF2-40B4-BE49-F238E27FC236}">
-                <a16:creationId xmlns:a16="http://schemas.microsoft.com/office/drawing/2014/main" xmlns="" id="{66349900-D031-47AB-BEDC-4E081B677983}"/>
+                <a16:creationId xmlns="" xmlns:a16="http://schemas.microsoft.com/office/drawing/2014/main" id="{66349900-D031-47AB-BEDC-4E081B677983}"/>
               </a:ext>
             </a:extLst>
           </p:cNvPr>
@@ -8702,7 +8707,7 @@
           <p:cNvPr id="4" name="CuadroTexto 3">
             <a:extLst>
               <a:ext uri="{FF2B5EF4-FFF2-40B4-BE49-F238E27FC236}">
-                <a16:creationId xmlns:a16="http://schemas.microsoft.com/office/drawing/2014/main" xmlns="" id="{89E46AF4-218E-4E1B-B422-59B657A05EE8}"/>
+                <a16:creationId xmlns="" xmlns:a16="http://schemas.microsoft.com/office/drawing/2014/main" id="{89E46AF4-218E-4E1B-B422-59B657A05EE8}"/>
               </a:ext>
             </a:extLst>
           </p:cNvPr>
@@ -8826,7 +8831,7 @@
           <p:cNvPr id="5" name="Título 1">
             <a:extLst>
               <a:ext uri="{FF2B5EF4-FFF2-40B4-BE49-F238E27FC236}">
-                <a16:creationId xmlns:a16="http://schemas.microsoft.com/office/drawing/2014/main" xmlns="" id="{F194AB6A-55E1-4B44-A983-8BC6AA65E29D}"/>
+                <a16:creationId xmlns="" xmlns:a16="http://schemas.microsoft.com/office/drawing/2014/main" id="{F194AB6A-55E1-4B44-A983-8BC6AA65E29D}"/>
               </a:ext>
             </a:extLst>
           </p:cNvPr>
@@ -8869,7 +8874,7 @@
           <p:cNvPr id="7" name="Título 1">
             <a:extLst>
               <a:ext uri="{FF2B5EF4-FFF2-40B4-BE49-F238E27FC236}">
-                <a16:creationId xmlns:a16="http://schemas.microsoft.com/office/drawing/2014/main" xmlns="" id="{F194AB6A-55E1-4B44-A983-8BC6AA65E29D}"/>
+                <a16:creationId xmlns="" xmlns:a16="http://schemas.microsoft.com/office/drawing/2014/main" id="{F194AB6A-55E1-4B44-A983-8BC6AA65E29D}"/>
               </a:ext>
             </a:extLst>
           </p:cNvPr>
@@ -9059,7 +9064,7 @@
           <p:cNvPr id="9" name="Título 1">
             <a:extLst>
               <a:ext uri="{FF2B5EF4-FFF2-40B4-BE49-F238E27FC236}">
-                <a16:creationId xmlns:a16="http://schemas.microsoft.com/office/drawing/2014/main" xmlns="" id="{66349900-D031-47AB-BEDC-4E081B677983}"/>
+                <a16:creationId xmlns="" xmlns:a16="http://schemas.microsoft.com/office/drawing/2014/main" id="{66349900-D031-47AB-BEDC-4E081B677983}"/>
               </a:ext>
             </a:extLst>
           </p:cNvPr>
@@ -9104,7 +9109,7 @@
           <p:cNvPr id="4" name="CuadroTexto 3">
             <a:extLst>
               <a:ext uri="{FF2B5EF4-FFF2-40B4-BE49-F238E27FC236}">
-                <a16:creationId xmlns:a16="http://schemas.microsoft.com/office/drawing/2014/main" xmlns="" id="{89E46AF4-218E-4E1B-B422-59B657A05EE8}"/>
+                <a16:creationId xmlns="" xmlns:a16="http://schemas.microsoft.com/office/drawing/2014/main" id="{89E46AF4-218E-4E1B-B422-59B657A05EE8}"/>
               </a:ext>
             </a:extLst>
           </p:cNvPr>
@@ -9193,41 +9198,12 @@
           <a:chExt cx="0" cy="0"/>
         </a:xfrm>
       </p:grpSpPr>
-      <p:pic>
-        <p:nvPicPr>
-          <p:cNvPr id="2" name="Imagen 1"/>
-          <p:cNvPicPr>
-            <a:picLocks noChangeAspect="1"/>
-          </p:cNvPicPr>
-          <p:nvPr/>
-        </p:nvPicPr>
-        <p:blipFill rotWithShape="1">
-          <a:blip r:embed="rId2">
-            <a:extLst>
-              <a:ext uri="{28A0092B-C50C-407E-A947-70E740481C1C}">
-                <a14:useLocalDpi xmlns:a14="http://schemas.microsoft.com/office/drawing/2010/main" val="0"/>
-              </a:ext>
-            </a:extLst>
-          </a:blip>
-          <a:srcRect t="-4505" b="4505"/>
-          <a:stretch/>
-        </p:blipFill>
-        <p:spPr>
-          <a:xfrm>
-            <a:off x="0" y="1030513"/>
-            <a:ext cx="10197942" cy="5733542"/>
-          </a:xfrm>
-          <a:prstGeom prst="rect">
-            <a:avLst/>
-          </a:prstGeom>
-        </p:spPr>
-      </p:pic>
       <p:sp>
         <p:nvSpPr>
           <p:cNvPr id="4" name="CuadroTexto 3">
             <a:extLst>
               <a:ext uri="{FF2B5EF4-FFF2-40B4-BE49-F238E27FC236}">
-                <a16:creationId xmlns:a16="http://schemas.microsoft.com/office/drawing/2014/main" xmlns="" id="{89E46AF4-218E-4E1B-B422-59B657A05EE8}"/>
+                <a16:creationId xmlns="" xmlns:a16="http://schemas.microsoft.com/office/drawing/2014/main" id="{89E46AF4-218E-4E1B-B422-59B657A05EE8}"/>
               </a:ext>
             </a:extLst>
           </p:cNvPr>
@@ -9284,7 +9260,7 @@
           <p:cNvPr id="6" name="Título 1">
             <a:extLst>
               <a:ext uri="{FF2B5EF4-FFF2-40B4-BE49-F238E27FC236}">
-                <a16:creationId xmlns:a16="http://schemas.microsoft.com/office/drawing/2014/main" xmlns="" id="{66349900-D031-47AB-BEDC-4E081B677983}"/>
+                <a16:creationId xmlns="" xmlns:a16="http://schemas.microsoft.com/office/drawing/2014/main" id="{66349900-D031-47AB-BEDC-4E081B677983}"/>
               </a:ext>
             </a:extLst>
           </p:cNvPr>
@@ -9324,6 +9300,36 @@
           </a:p>
         </p:txBody>
       </p:sp>
+      <p:pic>
+        <p:nvPicPr>
+          <p:cNvPr id="3" name="Imagen 2"/>
+          <p:cNvPicPr>
+            <a:picLocks noChangeAspect="1"/>
+          </p:cNvPicPr>
+          <p:nvPr/>
+        </p:nvPicPr>
+        <p:blipFill>
+          <a:blip r:embed="rId2">
+            <a:extLst>
+              <a:ext uri="{28A0092B-C50C-407E-A947-70E740481C1C}">
+                <a14:useLocalDpi xmlns:a14="http://schemas.microsoft.com/office/drawing/2010/main" val="0"/>
+              </a:ext>
+            </a:extLst>
+          </a:blip>
+          <a:stretch>
+            <a:fillRect/>
+          </a:stretch>
+        </p:blipFill>
+        <p:spPr>
+          <a:xfrm>
+            <a:off x="-1" y="1289405"/>
+            <a:ext cx="10255841" cy="5449598"/>
+          </a:xfrm>
+          <a:prstGeom prst="rect">
+            <a:avLst/>
+          </a:prstGeom>
+        </p:spPr>
+      </p:pic>
     </p:spTree>
     <p:extLst>
       <p:ext uri="{BB962C8B-B14F-4D97-AF65-F5344CB8AC3E}">
@@ -9361,41 +9367,69 @@
           <a:chExt cx="0" cy="0"/>
         </a:xfrm>
       </p:grpSpPr>
-      <p:pic>
-        <p:nvPicPr>
-          <p:cNvPr id="8" name="Imagen 7"/>
-          <p:cNvPicPr>
-            <a:picLocks noChangeAspect="1"/>
-          </p:cNvPicPr>
-          <p:nvPr/>
-        </p:nvPicPr>
-        <p:blipFill rotWithShape="1">
-          <a:blip r:embed="rId2">
+      <p:sp>
+        <p:nvSpPr>
+          <p:cNvPr id="4" name="CuadroTexto 3">
             <a:extLst>
-              <a:ext uri="{28A0092B-C50C-407E-A947-70E740481C1C}">
-                <a14:useLocalDpi xmlns:a14="http://schemas.microsoft.com/office/drawing/2010/main" val="0"/>
+              <a:ext uri="{FF2B5EF4-FFF2-40B4-BE49-F238E27FC236}">
+                <a16:creationId xmlns="" xmlns:a16="http://schemas.microsoft.com/office/drawing/2014/main" id="{89E46AF4-218E-4E1B-B422-59B657A05EE8}"/>
               </a:ext>
             </a:extLst>
-          </a:blip>
-          <a:srcRect l="14697" t="22165" r="26447" b="4764"/>
-          <a:stretch/>
-        </p:blipFill>
+          </p:cNvPr>
+          <p:cNvSpPr txBox="1"/>
+          <p:nvPr/>
+        </p:nvSpPr>
         <p:spPr>
           <a:xfrm>
-            <a:off x="6475956" y="1345446"/>
-            <a:ext cx="3582444" cy="5512554"/>
+            <a:off x="10044484" y="1565274"/>
+            <a:ext cx="2155606" cy="461665"/>
           </a:xfrm>
           <a:prstGeom prst="rect">
             <a:avLst/>
           </a:prstGeom>
-        </p:spPr>
-      </p:pic>
-      <p:sp>
-        <p:nvSpPr>
-          <p:cNvPr id="13" name="Título 1">
+          <a:noFill/>
+        </p:spPr>
+        <p:txBody>
+          <a:bodyPr wrap="square" rtlCol="0">
+            <a:spAutoFit/>
+          </a:bodyPr>
+          <a:lstStyle/>
+          <a:p>
+            <a:pPr algn="just"/>
+            <a:r>
+              <a:rPr lang="es-MX" sz="2400" b="1" i="1" dirty="0" smtClean="0">
+                <a:latin typeface="Times New Roman" panose="02020603050405020304" pitchFamily="18" charset="0"/>
+                <a:cs typeface="Times New Roman" panose="02020603050405020304" pitchFamily="18" charset="0"/>
+              </a:rPr>
+              <a:t>Fuente</a:t>
+            </a:r>
+            <a:r>
+              <a:rPr lang="es-MX" sz="2400" b="1" i="1" dirty="0">
+                <a:latin typeface="Times New Roman" panose="02020603050405020304" pitchFamily="18" charset="0"/>
+                <a:cs typeface="Times New Roman" panose="02020603050405020304" pitchFamily="18" charset="0"/>
+              </a:rPr>
+              <a:t>:</a:t>
+            </a:r>
+            <a:r>
+              <a:rPr lang="es-MX" sz="2400" b="1" i="1" dirty="0" smtClean="0">
+                <a:latin typeface="Times New Roman" panose="02020603050405020304" pitchFamily="18" charset="0"/>
+                <a:cs typeface="Times New Roman" panose="02020603050405020304" pitchFamily="18" charset="0"/>
+              </a:rPr>
+              <a:t> propia</a:t>
+            </a:r>
+            <a:endParaRPr lang="es-MX" sz="2400" i="1" dirty="0">
+              <a:latin typeface="Times New Roman" panose="02020603050405020304" pitchFamily="18" charset="0"/>
+              <a:cs typeface="Times New Roman" panose="02020603050405020304" pitchFamily="18" charset="0"/>
+            </a:endParaRPr>
+          </a:p>
+        </p:txBody>
+      </p:sp>
+      <p:sp>
+        <p:nvSpPr>
+          <p:cNvPr id="6" name="Título 1">
             <a:extLst>
               <a:ext uri="{FF2B5EF4-FFF2-40B4-BE49-F238E27FC236}">
-                <a16:creationId xmlns:a16="http://schemas.microsoft.com/office/drawing/2014/main" xmlns="" id="{66349900-D031-47AB-BEDC-4E081B677983}"/>
+                <a16:creationId xmlns="" xmlns:a16="http://schemas.microsoft.com/office/drawing/2014/main" id="{66349900-D031-47AB-BEDC-4E081B677983}"/>
               </a:ext>
             </a:extLst>
           </p:cNvPr>
@@ -9408,8 +9442,8 @@
         </p:nvSpPr>
         <p:spPr>
           <a:xfrm>
-            <a:off x="4559474" y="303892"/>
-            <a:ext cx="7632525" cy="726621"/>
+            <a:off x="4496844" y="303892"/>
+            <a:ext cx="7695155" cy="726621"/>
           </a:xfrm>
         </p:spPr>
         <p:txBody>
@@ -9437,14 +9471,14 @@
       </p:sp>
       <p:pic>
         <p:nvPicPr>
-          <p:cNvPr id="2" name="Imagen 1"/>
+          <p:cNvPr id="3" name="Imagen 2"/>
           <p:cNvPicPr>
             <a:picLocks noChangeAspect="1"/>
           </p:cNvPicPr>
           <p:nvPr/>
         </p:nvPicPr>
         <p:blipFill>
-          <a:blip r:embed="rId3">
+          <a:blip r:embed="rId2">
             <a:extLst>
               <a:ext uri="{28A0092B-C50C-407E-A947-70E740481C1C}">
                 <a14:useLocalDpi xmlns:a14="http://schemas.microsoft.com/office/drawing/2010/main" val="0"/>
@@ -9457,8 +9491,8 @@
         </p:blipFill>
         <p:spPr>
           <a:xfrm>
-            <a:off x="1831949" y="1345446"/>
-            <a:ext cx="4205595" cy="5557393"/>
+            <a:off x="876819" y="1299706"/>
+            <a:ext cx="9152879" cy="5558294"/>
           </a:xfrm>
           <a:prstGeom prst="rect">
             <a:avLst/>
@@ -9468,7 +9502,7 @@
     </p:spTree>
     <p:extLst>
       <p:ext uri="{BB962C8B-B14F-4D97-AF65-F5344CB8AC3E}">
-        <p14:creationId xmlns:p14="http://schemas.microsoft.com/office/powerpoint/2010/main" val="3318710930"/>
+        <p14:creationId xmlns:p14="http://schemas.microsoft.com/office/powerpoint/2010/main" val="2378389566"/>
       </p:ext>
     </p:extLst>
   </p:cSld>
@@ -9518,13 +9552,13 @@
               </a:ext>
             </a:extLst>
           </a:blip>
-          <a:srcRect r="235" b="3996"/>
+          <a:srcRect l="14697" t="22165" r="26447" b="4764"/>
           <a:stretch/>
         </p:blipFill>
         <p:spPr>
           <a:xfrm>
-            <a:off x="0" y="1283918"/>
-            <a:ext cx="10059526" cy="5442559"/>
+            <a:off x="6475956" y="1345446"/>
+            <a:ext cx="3582444" cy="5512554"/>
           </a:xfrm>
           <a:prstGeom prst="rect">
             <a:avLst/>
@@ -9533,10 +9567,10 @@
       </p:pic>
       <p:sp>
         <p:nvSpPr>
-          <p:cNvPr id="11" name="Título 1">
+          <p:cNvPr id="13" name="Título 1">
             <a:extLst>
               <a:ext uri="{FF2B5EF4-FFF2-40B4-BE49-F238E27FC236}">
-                <a16:creationId xmlns:a16="http://schemas.microsoft.com/office/drawing/2014/main" xmlns="" id="{66349900-D031-47AB-BEDC-4E081B677983}"/>
+                <a16:creationId xmlns="" xmlns:a16="http://schemas.microsoft.com/office/drawing/2014/main" id="{66349900-D031-47AB-BEDC-4E081B677983}"/>
               </a:ext>
             </a:extLst>
           </p:cNvPr>
@@ -9549,8 +9583,8 @@
         </p:nvSpPr>
         <p:spPr>
           <a:xfrm>
-            <a:off x="4107542" y="303892"/>
-            <a:ext cx="8084457" cy="726621"/>
+            <a:off x="4559474" y="303892"/>
+            <a:ext cx="7632525" cy="726621"/>
           </a:xfrm>
         </p:spPr>
         <p:txBody>
@@ -9566,23 +9600,7 @@
                   <a:schemeClr val="bg1"/>
                 </a:solidFill>
               </a:rPr>
-              <a:t>Etapa </a:t>
-            </a:r>
-            <a:r>
-              <a:rPr lang="es-MX" b="1" dirty="0">
-                <a:solidFill>
-                  <a:schemeClr val="bg1"/>
-                </a:solidFill>
-              </a:rPr>
-              <a:t>4</a:t>
-            </a:r>
-            <a:r>
-              <a:rPr lang="es-MX" b="1" dirty="0" smtClean="0">
-                <a:solidFill>
-                  <a:schemeClr val="bg1"/>
-                </a:solidFill>
-              </a:rPr>
-              <a:t> - Pruebas - Estudiantes</a:t>
+              <a:t>Etapa 4 - Pruebas - Administrador</a:t>
             </a:r>
             <a:endParaRPr lang="es-MX" b="1" dirty="0">
               <a:solidFill>
@@ -9592,12 +9610,169 @@
           </a:p>
         </p:txBody>
       </p:sp>
+      <p:pic>
+        <p:nvPicPr>
+          <p:cNvPr id="2" name="Imagen 1"/>
+          <p:cNvPicPr>
+            <a:picLocks noChangeAspect="1"/>
+          </p:cNvPicPr>
+          <p:nvPr/>
+        </p:nvPicPr>
+        <p:blipFill>
+          <a:blip r:embed="rId3">
+            <a:extLst>
+              <a:ext uri="{28A0092B-C50C-407E-A947-70E740481C1C}">
+                <a14:useLocalDpi xmlns:a14="http://schemas.microsoft.com/office/drawing/2010/main" val="0"/>
+              </a:ext>
+            </a:extLst>
+          </a:blip>
+          <a:stretch>
+            <a:fillRect/>
+          </a:stretch>
+        </p:blipFill>
+        <p:spPr>
+          <a:xfrm>
+            <a:off x="1831949" y="1345446"/>
+            <a:ext cx="4205595" cy="5557393"/>
+          </a:xfrm>
+          <a:prstGeom prst="rect">
+            <a:avLst/>
+          </a:prstGeom>
+        </p:spPr>
+      </p:pic>
+    </p:spTree>
+    <p:extLst>
+      <p:ext uri="{BB962C8B-B14F-4D97-AF65-F5344CB8AC3E}">
+        <p14:creationId xmlns:p14="http://schemas.microsoft.com/office/powerpoint/2010/main" val="3318710930"/>
+      </p:ext>
+    </p:extLst>
+  </p:cSld>
+  <p:clrMapOvr>
+    <a:masterClrMapping/>
+  </p:clrMapOvr>
+  <p:timing>
+    <p:tnLst>
+      <p:par>
+        <p:cTn id="1" dur="indefinite" restart="never" nodeType="tmRoot"/>
+      </p:par>
+    </p:tnLst>
+  </p:timing>
+</p:sld>
+</file>
+
+<file path=ppt/slides/slide24.xml><?xml version="1.0" encoding="utf-8"?>
+<p:sld xmlns:a="http://schemas.openxmlformats.org/drawingml/2006/main" xmlns:r="http://schemas.openxmlformats.org/officeDocument/2006/relationships" xmlns:p="http://schemas.openxmlformats.org/presentationml/2006/main">
+  <p:cSld>
+    <p:spTree>
+      <p:nvGrpSpPr>
+        <p:cNvPr id="1" name=""/>
+        <p:cNvGrpSpPr/>
+        <p:nvPr/>
+      </p:nvGrpSpPr>
+      <p:grpSpPr>
+        <a:xfrm>
+          <a:off x="0" y="0"/>
+          <a:ext cx="0" cy="0"/>
+          <a:chOff x="0" y="0"/>
+          <a:chExt cx="0" cy="0"/>
+        </a:xfrm>
+      </p:grpSpPr>
+      <p:pic>
+        <p:nvPicPr>
+          <p:cNvPr id="8" name="Imagen 7"/>
+          <p:cNvPicPr>
+            <a:picLocks noChangeAspect="1"/>
+          </p:cNvPicPr>
+          <p:nvPr/>
+        </p:nvPicPr>
+        <p:blipFill rotWithShape="1">
+          <a:blip r:embed="rId2">
+            <a:extLst>
+              <a:ext uri="{28A0092B-C50C-407E-A947-70E740481C1C}">
+                <a14:useLocalDpi xmlns:a14="http://schemas.microsoft.com/office/drawing/2010/main" val="0"/>
+              </a:ext>
+            </a:extLst>
+          </a:blip>
+          <a:srcRect r="235" b="3996"/>
+          <a:stretch/>
+        </p:blipFill>
+        <p:spPr>
+          <a:xfrm>
+            <a:off x="0" y="1283918"/>
+            <a:ext cx="10059526" cy="5442559"/>
+          </a:xfrm>
+          <a:prstGeom prst="rect">
+            <a:avLst/>
+          </a:prstGeom>
+        </p:spPr>
+      </p:pic>
+      <p:sp>
+        <p:nvSpPr>
+          <p:cNvPr id="11" name="Título 1">
+            <a:extLst>
+              <a:ext uri="{FF2B5EF4-FFF2-40B4-BE49-F238E27FC236}">
+                <a16:creationId xmlns="" xmlns:a16="http://schemas.microsoft.com/office/drawing/2014/main" id="{66349900-D031-47AB-BEDC-4E081B677983}"/>
+              </a:ext>
+            </a:extLst>
+          </p:cNvPr>
+          <p:cNvSpPr>
+            <a:spLocks noGrp="1"/>
+          </p:cNvSpPr>
+          <p:nvPr>
+            <p:ph type="title"/>
+          </p:nvPr>
+        </p:nvSpPr>
+        <p:spPr>
+          <a:xfrm>
+            <a:off x="4107542" y="303892"/>
+            <a:ext cx="8084457" cy="726621"/>
+          </a:xfrm>
+        </p:spPr>
+        <p:txBody>
+          <a:bodyPr>
+            <a:normAutofit/>
+          </a:bodyPr>
+          <a:lstStyle/>
+          <a:p>
+            <a:pPr algn="r"/>
+            <a:r>
+              <a:rPr lang="es-MX" b="1" dirty="0" smtClean="0">
+                <a:solidFill>
+                  <a:schemeClr val="bg1"/>
+                </a:solidFill>
+              </a:rPr>
+              <a:t>Etapa </a:t>
+            </a:r>
+            <a:r>
+              <a:rPr lang="es-MX" b="1" dirty="0">
+                <a:solidFill>
+                  <a:schemeClr val="bg1"/>
+                </a:solidFill>
+              </a:rPr>
+              <a:t>4</a:t>
+            </a:r>
+            <a:r>
+              <a:rPr lang="es-MX" b="1" dirty="0" smtClean="0">
+                <a:solidFill>
+                  <a:schemeClr val="bg1"/>
+                </a:solidFill>
+              </a:rPr>
+              <a:t> - Pruebas - Estudiantes</a:t>
+            </a:r>
+            <a:endParaRPr lang="es-MX" b="1" dirty="0">
+              <a:solidFill>
+                <a:schemeClr val="bg1"/>
+              </a:solidFill>
+            </a:endParaRPr>
+          </a:p>
+        </p:txBody>
+      </p:sp>
       <p:sp>
         <p:nvSpPr>
           <p:cNvPr id="5" name="CuadroTexto 4">
             <a:extLst>
               <a:ext uri="{FF2B5EF4-FFF2-40B4-BE49-F238E27FC236}">
-                <a16:creationId xmlns:a16="http://schemas.microsoft.com/office/drawing/2014/main" xmlns="" id="{89E46AF4-218E-4E1B-B422-59B657A05EE8}"/>
+                <a16:creationId xmlns="" xmlns:a16="http://schemas.microsoft.com/office/drawing/2014/main" id="{89E46AF4-218E-4E1B-B422-59B657A05EE8}"/>
               </a:ext>
             </a:extLst>
           </p:cNvPr>
@@ -9669,7 +9844,7 @@
 </p:sld>
 </file>
 
-<file path=ppt/slides/slide24.xml><?xml version="1.0" encoding="utf-8"?>
+<file path=ppt/slides/slide25.xml><?xml version="1.0" encoding="utf-8"?>
 <p:sld xmlns:a="http://schemas.openxmlformats.org/drawingml/2006/main" xmlns:r="http://schemas.openxmlformats.org/officeDocument/2006/relationships" xmlns:p="http://schemas.openxmlformats.org/presentationml/2006/main">
   <p:cSld>
     <p:spTree>
@@ -9720,7 +9895,7 @@
           <p:cNvPr id="10" name="Título 1">
             <a:extLst>
               <a:ext uri="{FF2B5EF4-FFF2-40B4-BE49-F238E27FC236}">
-                <a16:creationId xmlns:a16="http://schemas.microsoft.com/office/drawing/2014/main" xmlns="" id="{66349900-D031-47AB-BEDC-4E081B677983}"/>
+                <a16:creationId xmlns="" xmlns:a16="http://schemas.microsoft.com/office/drawing/2014/main" id="{66349900-D031-47AB-BEDC-4E081B677983}"/>
               </a:ext>
             </a:extLst>
           </p:cNvPr>
@@ -9781,7 +9956,7 @@
           <p:cNvPr id="4" name="CuadroTexto 3">
             <a:extLst>
               <a:ext uri="{FF2B5EF4-FFF2-40B4-BE49-F238E27FC236}">
-                <a16:creationId xmlns:a16="http://schemas.microsoft.com/office/drawing/2014/main" xmlns="" id="{89E46AF4-218E-4E1B-B422-59B657A05EE8}"/>
+                <a16:creationId xmlns="" xmlns:a16="http://schemas.microsoft.com/office/drawing/2014/main" id="{89E46AF4-218E-4E1B-B422-59B657A05EE8}"/>
               </a:ext>
             </a:extLst>
           </p:cNvPr>
@@ -9837,174 +10012,6 @@
     <p:extLst>
       <p:ext uri="{BB962C8B-B14F-4D97-AF65-F5344CB8AC3E}">
         <p14:creationId xmlns:p14="http://schemas.microsoft.com/office/powerpoint/2010/main" val="636550106"/>
-      </p:ext>
-    </p:extLst>
-  </p:cSld>
-  <p:clrMapOvr>
-    <a:masterClrMapping/>
-  </p:clrMapOvr>
-  <p:timing>
-    <p:tnLst>
-      <p:par>
-        <p:cTn id="1" dur="indefinite" restart="never" nodeType="tmRoot"/>
-      </p:par>
-    </p:tnLst>
-  </p:timing>
-</p:sld>
-</file>
-
-<file path=ppt/slides/slide25.xml><?xml version="1.0" encoding="utf-8"?>
-<p:sld xmlns:a="http://schemas.openxmlformats.org/drawingml/2006/main" xmlns:r="http://schemas.openxmlformats.org/officeDocument/2006/relationships" xmlns:p="http://schemas.openxmlformats.org/presentationml/2006/main">
-  <p:cSld>
-    <p:spTree>
-      <p:nvGrpSpPr>
-        <p:cNvPr id="1" name=""/>
-        <p:cNvGrpSpPr/>
-        <p:nvPr/>
-      </p:nvGrpSpPr>
-      <p:grpSpPr>
-        <a:xfrm>
-          <a:off x="0" y="0"/>
-          <a:ext cx="0" cy="0"/>
-          <a:chOff x="0" y="0"/>
-          <a:chExt cx="0" cy="0"/>
-        </a:xfrm>
-      </p:grpSpPr>
-      <p:sp>
-        <p:nvSpPr>
-          <p:cNvPr id="2" name="Título 1">
-            <a:extLst>
-              <a:ext uri="{FF2B5EF4-FFF2-40B4-BE49-F238E27FC236}">
-                <a16:creationId xmlns:a16="http://schemas.microsoft.com/office/drawing/2014/main" xmlns="" id="{F3C1574D-8292-4410-B1E4-1EBE9DF828D1}"/>
-              </a:ext>
-            </a:extLst>
-          </p:cNvPr>
-          <p:cNvSpPr>
-            <a:spLocks noGrp="1"/>
-          </p:cNvSpPr>
-          <p:nvPr>
-            <p:ph type="title"/>
-          </p:nvPr>
-        </p:nvSpPr>
-        <p:spPr>
-          <a:xfrm>
-            <a:off x="4893972" y="0"/>
-            <a:ext cx="7298029" cy="1325563"/>
-          </a:xfrm>
-        </p:spPr>
-        <p:txBody>
-          <a:bodyPr/>
-          <a:lstStyle/>
-          <a:p>
-            <a:pPr algn="r"/>
-            <a:r>
-              <a:rPr lang="es-MX" b="1" dirty="0">
-                <a:solidFill>
-                  <a:schemeClr val="bg1"/>
-                </a:solidFill>
-              </a:rPr>
-              <a:t>Conclusiones</a:t>
-            </a:r>
-            <a:r>
-              <a:rPr lang="es-MX" dirty="0">
-                <a:solidFill>
-                  <a:schemeClr val="bg1"/>
-                </a:solidFill>
-              </a:rPr>
-              <a:t> </a:t>
-            </a:r>
-          </a:p>
-        </p:txBody>
-      </p:sp>
-      <p:sp>
-        <p:nvSpPr>
-          <p:cNvPr id="4" name="Marcador de contenido 2">
-            <a:extLst>
-              <a:ext uri="{FF2B5EF4-FFF2-40B4-BE49-F238E27FC236}">
-                <a16:creationId xmlns:a16="http://schemas.microsoft.com/office/drawing/2014/main" xmlns="" id="{E0439019-967A-48CB-99F3-103D64E7D9BA}"/>
-              </a:ext>
-            </a:extLst>
-          </p:cNvPr>
-          <p:cNvSpPr>
-            <a:spLocks noGrp="1"/>
-          </p:cNvSpPr>
-          <p:nvPr>
-            <p:ph idx="1"/>
-          </p:nvPr>
-        </p:nvSpPr>
-        <p:spPr>
-          <a:xfrm>
-            <a:off x="723900" y="1325563"/>
-            <a:ext cx="10934700" cy="4732337"/>
-          </a:xfrm>
-        </p:spPr>
-        <p:txBody>
-          <a:bodyPr>
-            <a:noAutofit/>
-          </a:bodyPr>
-          <a:lstStyle/>
-          <a:p>
-            <a:pPr algn="just">
-              <a:lnSpc>
-                <a:spcPct val="100000"/>
-              </a:lnSpc>
-              <a:spcBef>
-                <a:spcPts val="0"/>
-              </a:spcBef>
-            </a:pPr>
-            <a:r>
-              <a:rPr lang="es-CO" sz="4000" dirty="0" smtClean="0"/>
-              <a:t>El objetivo general se alcanzó con los siguientes productos desarrollados.</a:t>
-            </a:r>
-          </a:p>
-          <a:p>
-            <a:pPr algn="just">
-              <a:lnSpc>
-                <a:spcPct val="100000"/>
-              </a:lnSpc>
-              <a:spcBef>
-                <a:spcPts val="0"/>
-              </a:spcBef>
-            </a:pPr>
-            <a:r>
-              <a:rPr lang="es-CO" sz="4000" dirty="0" smtClean="0"/>
-              <a:t>Se desarrolló una base de datos MySQL.</a:t>
-            </a:r>
-          </a:p>
-          <a:p>
-            <a:pPr algn="just">
-              <a:lnSpc>
-                <a:spcPct val="100000"/>
-              </a:lnSpc>
-              <a:spcBef>
-                <a:spcPts val="0"/>
-              </a:spcBef>
-            </a:pPr>
-            <a:r>
-              <a:rPr lang="es-CO" sz="4000" dirty="0" smtClean="0"/>
-              <a:t>Se desarrolló una aplicación JSE para los administradores.</a:t>
-            </a:r>
-          </a:p>
-          <a:p>
-            <a:pPr algn="just">
-              <a:lnSpc>
-                <a:spcPct val="100000"/>
-              </a:lnSpc>
-              <a:spcBef>
-                <a:spcPts val="0"/>
-              </a:spcBef>
-            </a:pPr>
-            <a:r>
-              <a:rPr lang="es-CO" sz="4000" dirty="0" smtClean="0"/>
-              <a:t>Se desarrolló una aplicación JEE para los estudiantes.</a:t>
-            </a:r>
-          </a:p>
-        </p:txBody>
-      </p:sp>
-    </p:spTree>
-    <p:extLst>
-      <p:ext uri="{BB962C8B-B14F-4D97-AF65-F5344CB8AC3E}">
-        <p14:creationId xmlns:p14="http://schemas.microsoft.com/office/powerpoint/2010/main" val="2862120921"/>
       </p:ext>
     </p:extLst>
   </p:cSld>
@@ -10043,7 +10050,165 @@
           <p:cNvPr id="2" name="Título 1">
             <a:extLst>
               <a:ext uri="{FF2B5EF4-FFF2-40B4-BE49-F238E27FC236}">
-                <a16:creationId xmlns:a16="http://schemas.microsoft.com/office/drawing/2014/main" xmlns="" id="{F3C1574D-8292-4410-B1E4-1EBE9DF828D1}"/>
+                <a16:creationId xmlns="" xmlns:a16="http://schemas.microsoft.com/office/drawing/2014/main" id="{F3C1574D-8292-4410-B1E4-1EBE9DF828D1}"/>
+              </a:ext>
+            </a:extLst>
+          </p:cNvPr>
+          <p:cNvSpPr>
+            <a:spLocks noGrp="1"/>
+          </p:cNvSpPr>
+          <p:nvPr>
+            <p:ph type="title"/>
+          </p:nvPr>
+        </p:nvSpPr>
+        <p:spPr>
+          <a:xfrm>
+            <a:off x="4893972" y="0"/>
+            <a:ext cx="7298029" cy="1325563"/>
+          </a:xfrm>
+        </p:spPr>
+        <p:txBody>
+          <a:bodyPr/>
+          <a:lstStyle/>
+          <a:p>
+            <a:pPr algn="r"/>
+            <a:r>
+              <a:rPr lang="es-MX" b="1" dirty="0">
+                <a:solidFill>
+                  <a:schemeClr val="bg1"/>
+                </a:solidFill>
+              </a:rPr>
+              <a:t>Conclusiones</a:t>
+            </a:r>
+            <a:r>
+              <a:rPr lang="es-MX" dirty="0">
+                <a:solidFill>
+                  <a:schemeClr val="bg1"/>
+                </a:solidFill>
+              </a:rPr>
+              <a:t> </a:t>
+            </a:r>
+          </a:p>
+        </p:txBody>
+      </p:sp>
+      <p:sp>
+        <p:nvSpPr>
+          <p:cNvPr id="4" name="Marcador de contenido 2">
+            <a:extLst>
+              <a:ext uri="{FF2B5EF4-FFF2-40B4-BE49-F238E27FC236}">
+                <a16:creationId xmlns="" xmlns:a16="http://schemas.microsoft.com/office/drawing/2014/main" id="{E0439019-967A-48CB-99F3-103D64E7D9BA}"/>
+              </a:ext>
+            </a:extLst>
+          </p:cNvPr>
+          <p:cNvSpPr>
+            <a:spLocks noGrp="1"/>
+          </p:cNvSpPr>
+          <p:nvPr>
+            <p:ph idx="1"/>
+          </p:nvPr>
+        </p:nvSpPr>
+        <p:spPr>
+          <a:xfrm>
+            <a:off x="723900" y="1325563"/>
+            <a:ext cx="10934700" cy="4732337"/>
+          </a:xfrm>
+        </p:spPr>
+        <p:txBody>
+          <a:bodyPr>
+            <a:noAutofit/>
+          </a:bodyPr>
+          <a:lstStyle/>
+          <a:p>
+            <a:pPr algn="just">
+              <a:lnSpc>
+                <a:spcPct val="100000"/>
+              </a:lnSpc>
+              <a:spcBef>
+                <a:spcPts val="0"/>
+              </a:spcBef>
+            </a:pPr>
+            <a:r>
+              <a:rPr lang="es-CO" sz="4000" dirty="0" smtClean="0"/>
+              <a:t>Se </a:t>
+            </a:r>
+            <a:r>
+              <a:rPr lang="es-CO" sz="4000" dirty="0" smtClean="0"/>
+              <a:t>desarrolló una base de datos MySQL.</a:t>
+            </a:r>
+          </a:p>
+          <a:p>
+            <a:pPr algn="just">
+              <a:lnSpc>
+                <a:spcPct val="100000"/>
+              </a:lnSpc>
+              <a:spcBef>
+                <a:spcPts val="0"/>
+              </a:spcBef>
+            </a:pPr>
+            <a:r>
+              <a:rPr lang="es-CO" sz="4000" dirty="0" smtClean="0"/>
+              <a:t>Se desarrolló una aplicación JSE para los administradores.</a:t>
+            </a:r>
+          </a:p>
+          <a:p>
+            <a:pPr algn="just">
+              <a:lnSpc>
+                <a:spcPct val="100000"/>
+              </a:lnSpc>
+              <a:spcBef>
+                <a:spcPts val="0"/>
+              </a:spcBef>
+            </a:pPr>
+            <a:r>
+              <a:rPr lang="es-CO" sz="4000" dirty="0" smtClean="0"/>
+              <a:t>Se desarrolló una aplicación JEE para los estudiantes.</a:t>
+            </a:r>
+          </a:p>
+        </p:txBody>
+      </p:sp>
+    </p:spTree>
+    <p:extLst>
+      <p:ext uri="{BB962C8B-B14F-4D97-AF65-F5344CB8AC3E}">
+        <p14:creationId xmlns:p14="http://schemas.microsoft.com/office/powerpoint/2010/main" val="2862120921"/>
+      </p:ext>
+    </p:extLst>
+  </p:cSld>
+  <p:clrMapOvr>
+    <a:masterClrMapping/>
+  </p:clrMapOvr>
+  <p:timing>
+    <p:tnLst>
+      <p:par>
+        <p:cTn id="1" dur="indefinite" restart="never" nodeType="tmRoot"/>
+      </p:par>
+    </p:tnLst>
+  </p:timing>
+</p:sld>
+</file>
+
+<file path=ppt/slides/slide27.xml><?xml version="1.0" encoding="utf-8"?>
+<p:sld xmlns:a="http://schemas.openxmlformats.org/drawingml/2006/main" xmlns:r="http://schemas.openxmlformats.org/officeDocument/2006/relationships" xmlns:p="http://schemas.openxmlformats.org/presentationml/2006/main">
+  <p:cSld>
+    <p:spTree>
+      <p:nvGrpSpPr>
+        <p:cNvPr id="1" name=""/>
+        <p:cNvGrpSpPr/>
+        <p:nvPr/>
+      </p:nvGrpSpPr>
+      <p:grpSpPr>
+        <a:xfrm>
+          <a:off x="0" y="0"/>
+          <a:ext cx="0" cy="0"/>
+          <a:chOff x="0" y="0"/>
+          <a:chExt cx="0" cy="0"/>
+        </a:xfrm>
+      </p:grpSpPr>
+      <p:sp>
+        <p:nvSpPr>
+          <p:cNvPr id="2" name="Título 1">
+            <a:extLst>
+              <a:ext uri="{FF2B5EF4-FFF2-40B4-BE49-F238E27FC236}">
+                <a16:creationId xmlns="" xmlns:a16="http://schemas.microsoft.com/office/drawing/2014/main" id="{F3C1574D-8292-4410-B1E4-1EBE9DF828D1}"/>
               </a:ext>
             </a:extLst>
           </p:cNvPr>
@@ -10109,14 +10274,14 @@
                 <a:gridCol w="2192055">
                   <a:extLst>
                     <a:ext uri="{9D8B030D-6E8A-4147-A177-3AD203B41FA5}">
-                      <a16:colId xmlns:a16="http://schemas.microsoft.com/office/drawing/2014/main" xmlns="" val="20000"/>
+                      <a16:colId xmlns="" xmlns:a16="http://schemas.microsoft.com/office/drawing/2014/main" val="20000"/>
                     </a:ext>
                   </a:extLst>
                 </a:gridCol>
                 <a:gridCol w="9657567">
                   <a:extLst>
                     <a:ext uri="{9D8B030D-6E8A-4147-A177-3AD203B41FA5}">
-                      <a16:colId xmlns:a16="http://schemas.microsoft.com/office/drawing/2014/main" xmlns="" val="20001"/>
+                      <a16:colId xmlns="" xmlns:a16="http://schemas.microsoft.com/office/drawing/2014/main" val="20001"/>
                     </a:ext>
                   </a:extLst>
                 </a:gridCol>
@@ -10170,7 +10335,7 @@
                 </a:tc>
                 <a:extLst>
                   <a:ext uri="{0D108BD9-81ED-4DB2-BD59-A6C34878D82A}">
-                    <a16:rowId xmlns:a16="http://schemas.microsoft.com/office/drawing/2014/main" xmlns="" val="10000"/>
+                    <a16:rowId xmlns="" xmlns:a16="http://schemas.microsoft.com/office/drawing/2014/main" val="10000"/>
                   </a:ext>
                 </a:extLst>
               </a:tr>
@@ -10224,7 +10389,7 @@
                 </a:tc>
                 <a:extLst>
                   <a:ext uri="{0D108BD9-81ED-4DB2-BD59-A6C34878D82A}">
-                    <a16:rowId xmlns:a16="http://schemas.microsoft.com/office/drawing/2014/main" xmlns="" val="10001"/>
+                    <a16:rowId xmlns="" xmlns:a16="http://schemas.microsoft.com/office/drawing/2014/main" val="10001"/>
                   </a:ext>
                 </a:extLst>
               </a:tr>
@@ -10278,7 +10443,7 @@
                 </a:tc>
                 <a:extLst>
                   <a:ext uri="{0D108BD9-81ED-4DB2-BD59-A6C34878D82A}">
-                    <a16:rowId xmlns:a16="http://schemas.microsoft.com/office/drawing/2014/main" xmlns="" val="10002"/>
+                    <a16:rowId xmlns="" xmlns:a16="http://schemas.microsoft.com/office/drawing/2014/main" val="10002"/>
                   </a:ext>
                 </a:extLst>
               </a:tr>
@@ -10332,7 +10497,7 @@
                 </a:tc>
                 <a:extLst>
                   <a:ext uri="{0D108BD9-81ED-4DB2-BD59-A6C34878D82A}">
-                    <a16:rowId xmlns:a16="http://schemas.microsoft.com/office/drawing/2014/main" xmlns="" val="10003"/>
+                    <a16:rowId xmlns="" xmlns:a16="http://schemas.microsoft.com/office/drawing/2014/main" val="10003"/>
                   </a:ext>
                 </a:extLst>
               </a:tr>
@@ -10386,7 +10551,7 @@
                 </a:tc>
                 <a:extLst>
                   <a:ext uri="{0D108BD9-81ED-4DB2-BD59-A6C34878D82A}">
-                    <a16:rowId xmlns:a16="http://schemas.microsoft.com/office/drawing/2014/main" xmlns="" val="10004"/>
+                    <a16:rowId xmlns="" xmlns:a16="http://schemas.microsoft.com/office/drawing/2014/main" val="10004"/>
                   </a:ext>
                 </a:extLst>
               </a:tr>
@@ -10440,7 +10605,7 @@
                 </a:tc>
                 <a:extLst>
                   <a:ext uri="{0D108BD9-81ED-4DB2-BD59-A6C34878D82A}">
-                    <a16:rowId xmlns:a16="http://schemas.microsoft.com/office/drawing/2014/main" xmlns="" val="10005"/>
+                    <a16:rowId xmlns="" xmlns:a16="http://schemas.microsoft.com/office/drawing/2014/main" val="10005"/>
                   </a:ext>
                 </a:extLst>
               </a:tr>
@@ -10494,7 +10659,7 @@
                 </a:tc>
                 <a:extLst>
                   <a:ext uri="{0D108BD9-81ED-4DB2-BD59-A6C34878D82A}">
-                    <a16:rowId xmlns:a16="http://schemas.microsoft.com/office/drawing/2014/main" xmlns="" val="10006"/>
+                    <a16:rowId xmlns="" xmlns:a16="http://schemas.microsoft.com/office/drawing/2014/main" val="10006"/>
                   </a:ext>
                 </a:extLst>
               </a:tr>
@@ -10548,7 +10713,7 @@
                 </a:tc>
                 <a:extLst>
                   <a:ext uri="{0D108BD9-81ED-4DB2-BD59-A6C34878D82A}">
-                    <a16:rowId xmlns:a16="http://schemas.microsoft.com/office/drawing/2014/main" xmlns="" val="10007"/>
+                    <a16:rowId xmlns="" xmlns:a16="http://schemas.microsoft.com/office/drawing/2014/main" val="10007"/>
                   </a:ext>
                 </a:extLst>
               </a:tr>
@@ -10602,7 +10767,7 @@
                 </a:tc>
                 <a:extLst>
                   <a:ext uri="{0D108BD9-81ED-4DB2-BD59-A6C34878D82A}">
-                    <a16:rowId xmlns:a16="http://schemas.microsoft.com/office/drawing/2014/main" xmlns="" val="10008"/>
+                    <a16:rowId xmlns="" xmlns:a16="http://schemas.microsoft.com/office/drawing/2014/main" val="10008"/>
                   </a:ext>
                 </a:extLst>
               </a:tr>
@@ -10656,7 +10821,7 @@
                 </a:tc>
                 <a:extLst>
                   <a:ext uri="{0D108BD9-81ED-4DB2-BD59-A6C34878D82A}">
-                    <a16:rowId xmlns:a16="http://schemas.microsoft.com/office/drawing/2014/main" xmlns="" val="10009"/>
+                    <a16:rowId xmlns="" xmlns:a16="http://schemas.microsoft.com/office/drawing/2014/main" val="10009"/>
                   </a:ext>
                 </a:extLst>
               </a:tr>
@@ -10710,7 +10875,7 @@
                 </a:tc>
                 <a:extLst>
                   <a:ext uri="{0D108BD9-81ED-4DB2-BD59-A6C34878D82A}">
-                    <a16:rowId xmlns:a16="http://schemas.microsoft.com/office/drawing/2014/main" xmlns="" val="10010"/>
+                    <a16:rowId xmlns="" xmlns:a16="http://schemas.microsoft.com/office/drawing/2014/main" val="10010"/>
                   </a:ext>
                 </a:extLst>
               </a:tr>
@@ -10764,7 +10929,7 @@
                 </a:tc>
                 <a:extLst>
                   <a:ext uri="{0D108BD9-81ED-4DB2-BD59-A6C34878D82A}">
-                    <a16:rowId xmlns:a16="http://schemas.microsoft.com/office/drawing/2014/main" xmlns="" val="10011"/>
+                    <a16:rowId xmlns="" xmlns:a16="http://schemas.microsoft.com/office/drawing/2014/main" val="10011"/>
                   </a:ext>
                 </a:extLst>
               </a:tr>
@@ -10874,7 +11039,7 @@
           <p:cNvPr id="5" name="Título 1">
             <a:extLst>
               <a:ext uri="{FF2B5EF4-FFF2-40B4-BE49-F238E27FC236}">
-                <a16:creationId xmlns:a16="http://schemas.microsoft.com/office/drawing/2014/main" xmlns="" id="{F194AB6A-55E1-4B44-A983-8BC6AA65E29D}"/>
+                <a16:creationId xmlns="" xmlns:a16="http://schemas.microsoft.com/office/drawing/2014/main" id="{F194AB6A-55E1-4B44-A983-8BC6AA65E29D}"/>
               </a:ext>
             </a:extLst>
           </p:cNvPr>
@@ -11107,7 +11272,7 @@
           <p:cNvPr id="3" name="Marcador de contenido 2">
             <a:extLst>
               <a:ext uri="{FF2B5EF4-FFF2-40B4-BE49-F238E27FC236}">
-                <a16:creationId xmlns:a16="http://schemas.microsoft.com/office/drawing/2014/main" xmlns="" id="{F27ED2C7-5D3D-48D6-995C-A170B4F5C4EE}"/>
+                <a16:creationId xmlns="" xmlns:a16="http://schemas.microsoft.com/office/drawing/2014/main" id="{F27ED2C7-5D3D-48D6-995C-A170B4F5C4EE}"/>
               </a:ext>
             </a:extLst>
           </p:cNvPr>
@@ -11286,7 +11451,7 @@
           <p:cNvPr id="3" name="Marcador de contenido 2">
             <a:extLst>
               <a:ext uri="{FF2B5EF4-FFF2-40B4-BE49-F238E27FC236}">
-                <a16:creationId xmlns:a16="http://schemas.microsoft.com/office/drawing/2014/main" xmlns="" id="{F27ED2C7-5D3D-48D6-995C-A170B4F5C4EE}"/>
+                <a16:creationId xmlns="" xmlns:a16="http://schemas.microsoft.com/office/drawing/2014/main" id="{F27ED2C7-5D3D-48D6-995C-A170B4F5C4EE}"/>
               </a:ext>
             </a:extLst>
           </p:cNvPr>
@@ -11427,7 +11592,7 @@
           <p:cNvPr id="2" name="Título 1">
             <a:extLst>
               <a:ext uri="{FF2B5EF4-FFF2-40B4-BE49-F238E27FC236}">
-                <a16:creationId xmlns:a16="http://schemas.microsoft.com/office/drawing/2014/main" xmlns="" id="{F194AB6A-55E1-4B44-A983-8BC6AA65E29D}"/>
+                <a16:creationId xmlns="" xmlns:a16="http://schemas.microsoft.com/office/drawing/2014/main" id="{F194AB6A-55E1-4B44-A983-8BC6AA65E29D}"/>
               </a:ext>
             </a:extLst>
           </p:cNvPr>
@@ -11470,7 +11635,7 @@
           <p:cNvPr id="3" name="Marcador de contenido 2">
             <a:extLst>
               <a:ext uri="{FF2B5EF4-FFF2-40B4-BE49-F238E27FC236}">
-                <a16:creationId xmlns:a16="http://schemas.microsoft.com/office/drawing/2014/main" xmlns="" id="{B24358F4-4131-4E84-B740-F17730F29968}"/>
+                <a16:creationId xmlns="" xmlns:a16="http://schemas.microsoft.com/office/drawing/2014/main" id="{B24358F4-4131-4E84-B740-F17730F29968}"/>
               </a:ext>
             </a:extLst>
           </p:cNvPr>
@@ -11561,7 +11726,7 @@
           <p:cNvPr id="3" name="Marcador de contenido 2">
             <a:extLst>
               <a:ext uri="{FF2B5EF4-FFF2-40B4-BE49-F238E27FC236}">
-                <a16:creationId xmlns:a16="http://schemas.microsoft.com/office/drawing/2014/main" xmlns="" id="{E0439019-967A-48CB-99F3-103D64E7D9BA}"/>
+                <a16:creationId xmlns="" xmlns:a16="http://schemas.microsoft.com/office/drawing/2014/main" id="{E0439019-967A-48CB-99F3-103D64E7D9BA}"/>
               </a:ext>
             </a:extLst>
           </p:cNvPr>
@@ -11721,7 +11886,7 @@
           <p:cNvPr id="5" name="Título 1">
             <a:extLst>
               <a:ext uri="{FF2B5EF4-FFF2-40B4-BE49-F238E27FC236}">
-                <a16:creationId xmlns:a16="http://schemas.microsoft.com/office/drawing/2014/main" xmlns="" id="{F194AB6A-55E1-4B44-A983-8BC6AA65E29D}"/>
+                <a16:creationId xmlns="" xmlns:a16="http://schemas.microsoft.com/office/drawing/2014/main" id="{F194AB6A-55E1-4B44-A983-8BC6AA65E29D}"/>
               </a:ext>
             </a:extLst>
           </p:cNvPr>
@@ -11801,7 +11966,7 @@
           <p:cNvPr id="2" name="Título 1">
             <a:extLst>
               <a:ext uri="{FF2B5EF4-FFF2-40B4-BE49-F238E27FC236}">
-                <a16:creationId xmlns:a16="http://schemas.microsoft.com/office/drawing/2014/main" xmlns="" id="{07AE7516-1AE4-45BE-98BE-4B95F4DA1742}"/>
+                <a16:creationId xmlns="" xmlns:a16="http://schemas.microsoft.com/office/drawing/2014/main" id="{07AE7516-1AE4-45BE-98BE-4B95F4DA1742}"/>
               </a:ext>
             </a:extLst>
           </p:cNvPr>
@@ -11846,7 +12011,7 @@
           <p:cNvPr id="3" name="Marcador de contenido 2">
             <a:extLst>
               <a:ext uri="{FF2B5EF4-FFF2-40B4-BE49-F238E27FC236}">
-                <a16:creationId xmlns:a16="http://schemas.microsoft.com/office/drawing/2014/main" xmlns="" id="{607AE930-5E81-4976-884A-E79FEB8EAB31}"/>
+                <a16:creationId xmlns="" xmlns:a16="http://schemas.microsoft.com/office/drawing/2014/main" id="{607AE930-5E81-4976-884A-E79FEB8EAB31}"/>
               </a:ext>
             </a:extLst>
           </p:cNvPr>

--- a/expo/expo.pptx
+++ b/expo/expo.pptx
@@ -3462,7 +3462,7 @@
           </a:bodyPr>
           <a:lstStyle/>
           <a:p>
-            <a:pPr marL="0" indent="0" algn="ctr">
+            <a:pPr marL="0" indent="0">
               <a:lnSpc>
                 <a:spcPct val="100000"/>
               </a:lnSpc>
@@ -3743,8 +3743,8 @@
         </p:nvSpPr>
         <p:spPr>
           <a:xfrm>
-            <a:off x="6576320" y="5255898"/>
-            <a:ext cx="5445333" cy="1077218"/>
+            <a:off x="6636231" y="5255898"/>
+            <a:ext cx="5385422" cy="1077218"/>
           </a:xfrm>
           <a:prstGeom prst="rect">
             <a:avLst/>
@@ -3756,7 +3756,6 @@
           </a:bodyPr>
           <a:lstStyle/>
           <a:p>
-            <a:pPr algn="ctr"/>
             <a:r>
               <a:rPr lang="es-MX" sz="3200" b="1" dirty="0" smtClean="0"/>
               <a:t>Movimiento del </a:t>
@@ -3781,8 +3780,8 @@
         </p:nvSpPr>
         <p:spPr>
           <a:xfrm>
-            <a:off x="6445730" y="1763267"/>
-            <a:ext cx="5543070" cy="1077218"/>
+            <a:off x="6493694" y="1763267"/>
+            <a:ext cx="5495105" cy="1077218"/>
           </a:xfrm>
           <a:prstGeom prst="rect">
             <a:avLst/>
@@ -3794,7 +3793,6 @@
           </a:bodyPr>
           <a:lstStyle/>
           <a:p>
-            <a:pPr algn="ctr"/>
             <a:r>
               <a:rPr lang="es-MX" sz="3200" b="1" dirty="0" smtClean="0"/>
               <a:t>Metodología de la Investigación VI Edición</a:t>
@@ -4038,7 +4036,7 @@
             </a:lvl9pPr>
           </a:lstStyle>
           <a:p>
-            <a:pPr marL="0" indent="0" algn="ctr">
+            <a:pPr marL="0" indent="0">
               <a:lnSpc>
                 <a:spcPct val="100000"/>
               </a:lnSpc>
@@ -4417,8 +4415,8 @@
         </p:nvSpPr>
         <p:spPr>
           <a:xfrm>
-            <a:off x="6632774" y="3743799"/>
-            <a:ext cx="5555769" cy="644308"/>
+            <a:off x="6636231" y="3311896"/>
+            <a:ext cx="5555769" cy="1547409"/>
           </a:xfrm>
           <a:prstGeom prst="roundRect">
             <a:avLst/>
@@ -4460,8 +4458,8 @@
         </p:nvSpPr>
         <p:spPr>
           <a:xfrm>
-            <a:off x="45429" y="3541811"/>
-            <a:ext cx="4128456" cy="1055700"/>
+            <a:off x="45429" y="3269293"/>
+            <a:ext cx="4412822" cy="1626175"/>
           </a:xfrm>
           <a:prstGeom prst="roundRect">
             <a:avLst/>
@@ -4511,8 +4509,8 @@
         </p:nvSpPr>
         <p:spPr>
           <a:xfrm>
-            <a:off x="45429" y="3560778"/>
-            <a:ext cx="4128456" cy="1036733"/>
+            <a:off x="45428" y="3324422"/>
+            <a:ext cx="4370161" cy="1473506"/>
           </a:xfrm>
           <a:prstGeom prst="rect">
             <a:avLst/>
@@ -4687,7 +4685,7 @@
             </a:lvl9pPr>
           </a:lstStyle>
           <a:p>
-            <a:pPr marL="0" indent="0" algn="ctr">
+            <a:pPr marL="0" indent="0">
               <a:lnSpc>
                 <a:spcPct val="100000"/>
               </a:lnSpc>
@@ -4699,7 +4697,7 @@
             </a:pPr>
             <a:r>
               <a:rPr lang="es-MX" sz="3200" b="1" dirty="0" smtClean="0"/>
-              <a:t>Ministerio de Educación Nacional</a:t>
+              <a:t>Ministerio de Educación Nacional &amp; Universidad de los Andes</a:t>
             </a:r>
           </a:p>
         </p:txBody>
@@ -4712,7 +4710,7 @@
         </p:nvSpPr>
         <p:spPr>
           <a:xfrm>
-            <a:off x="4684831" y="3775939"/>
+            <a:off x="4996557" y="3787195"/>
             <a:ext cx="1387061" cy="595912"/>
           </a:xfrm>
           <a:prstGeom prst="ellipse">
@@ -4965,8 +4963,8 @@
         </p:nvSpPr>
         <p:spPr>
           <a:xfrm>
-            <a:off x="6582670" y="3803332"/>
-            <a:ext cx="5566670" cy="584775"/>
+            <a:off x="6695346" y="3352396"/>
+            <a:ext cx="5453994" cy="1569660"/>
           </a:xfrm>
           <a:prstGeom prst="rect">
             <a:avLst/>
@@ -4978,14 +4976,9 @@
           </a:bodyPr>
           <a:lstStyle/>
           <a:p>
-            <a:pPr algn="ctr"/>
             <a:r>
               <a:rPr lang="es-MX" sz="3200" b="1" dirty="0" smtClean="0"/>
-              <a:t>SPADIES</a:t>
-            </a:r>
-            <a:r>
-              <a:rPr lang="es-MX" sz="3200" b="1" dirty="0" smtClean="0"/>
-              <a:t>, deserción.</a:t>
+              <a:t>Deserción en las instituciones de educación superior en Colombia</a:t>
             </a:r>
             <a:endParaRPr lang="es-MX" sz="2400" b="1" dirty="0"/>
           </a:p>
@@ -5002,8 +4995,8 @@
         </p:nvCxnSpPr>
         <p:spPr>
           <a:xfrm>
-            <a:off x="4173885" y="4069661"/>
-            <a:ext cx="510946" cy="4234"/>
+            <a:off x="4458251" y="4082381"/>
+            <a:ext cx="538306" cy="2770"/>
           </a:xfrm>
           <a:prstGeom prst="straightConnector1">
             <a:avLst/>
@@ -5037,9 +5030,9 @@
           <p:nvPr/>
         </p:nvCxnSpPr>
         <p:spPr>
-          <a:xfrm flipV="1">
-            <a:off x="6071892" y="4065953"/>
-            <a:ext cx="560882" cy="7942"/>
+          <a:xfrm>
+            <a:off x="6383618" y="4085151"/>
+            <a:ext cx="252613" cy="450"/>
           </a:xfrm>
           <a:prstGeom prst="straightConnector1">
             <a:avLst/>
@@ -9677,9 +9670,127 @@
           <a:chExt cx="0" cy="0"/>
         </a:xfrm>
       </p:grpSpPr>
+      <p:sp>
+        <p:nvSpPr>
+          <p:cNvPr id="11" name="Título 1">
+            <a:extLst>
+              <a:ext uri="{FF2B5EF4-FFF2-40B4-BE49-F238E27FC236}">
+                <a16:creationId xmlns="" xmlns:a16="http://schemas.microsoft.com/office/drawing/2014/main" id="{66349900-D031-47AB-BEDC-4E081B677983}"/>
+              </a:ext>
+            </a:extLst>
+          </p:cNvPr>
+          <p:cNvSpPr>
+            <a:spLocks noGrp="1"/>
+          </p:cNvSpPr>
+          <p:nvPr>
+            <p:ph type="title"/>
+          </p:nvPr>
+        </p:nvSpPr>
+        <p:spPr>
+          <a:xfrm>
+            <a:off x="4107542" y="303892"/>
+            <a:ext cx="8084457" cy="726621"/>
+          </a:xfrm>
+        </p:spPr>
+        <p:txBody>
+          <a:bodyPr>
+            <a:normAutofit/>
+          </a:bodyPr>
+          <a:lstStyle/>
+          <a:p>
+            <a:pPr algn="r"/>
+            <a:r>
+              <a:rPr lang="es-MX" b="1" dirty="0" smtClean="0">
+                <a:solidFill>
+                  <a:schemeClr val="bg1"/>
+                </a:solidFill>
+              </a:rPr>
+              <a:t>Etapa </a:t>
+            </a:r>
+            <a:r>
+              <a:rPr lang="es-MX" b="1" dirty="0">
+                <a:solidFill>
+                  <a:schemeClr val="bg1"/>
+                </a:solidFill>
+              </a:rPr>
+              <a:t>4</a:t>
+            </a:r>
+            <a:r>
+              <a:rPr lang="es-MX" b="1" dirty="0" smtClean="0">
+                <a:solidFill>
+                  <a:schemeClr val="bg1"/>
+                </a:solidFill>
+              </a:rPr>
+              <a:t> - Pruebas - Estudiantes</a:t>
+            </a:r>
+            <a:endParaRPr lang="es-MX" b="1" dirty="0">
+              <a:solidFill>
+                <a:schemeClr val="bg1"/>
+              </a:solidFill>
+            </a:endParaRPr>
+          </a:p>
+        </p:txBody>
+      </p:sp>
+      <p:sp>
+        <p:nvSpPr>
+          <p:cNvPr id="5" name="CuadroTexto 4">
+            <a:extLst>
+              <a:ext uri="{FF2B5EF4-FFF2-40B4-BE49-F238E27FC236}">
+                <a16:creationId xmlns="" xmlns:a16="http://schemas.microsoft.com/office/drawing/2014/main" id="{89E46AF4-218E-4E1B-B422-59B657A05EE8}"/>
+              </a:ext>
+            </a:extLst>
+          </p:cNvPr>
+          <p:cNvSpPr txBox="1"/>
+          <p:nvPr/>
+        </p:nvSpPr>
+        <p:spPr>
+          <a:xfrm>
+            <a:off x="10122156" y="1371600"/>
+            <a:ext cx="2132474" cy="461665"/>
+          </a:xfrm>
+          <a:prstGeom prst="rect">
+            <a:avLst/>
+          </a:prstGeom>
+          <a:noFill/>
+        </p:spPr>
+        <p:txBody>
+          <a:bodyPr wrap="square" rtlCol="0">
+            <a:spAutoFit/>
+          </a:bodyPr>
+          <a:lstStyle/>
+          <a:p>
+            <a:pPr algn="just"/>
+            <a:r>
+              <a:rPr lang="es-MX" sz="2400" b="1" i="1" dirty="0" smtClean="0">
+                <a:latin typeface="Times New Roman" panose="02020603050405020304" pitchFamily="18" charset="0"/>
+                <a:cs typeface="Times New Roman" panose="02020603050405020304" pitchFamily="18" charset="0"/>
+              </a:rPr>
+              <a:t>Fuente</a:t>
+            </a:r>
+            <a:r>
+              <a:rPr lang="es-MX" sz="2400" b="1" i="1" dirty="0">
+                <a:latin typeface="Times New Roman" panose="02020603050405020304" pitchFamily="18" charset="0"/>
+                <a:cs typeface="Times New Roman" panose="02020603050405020304" pitchFamily="18" charset="0"/>
+              </a:rPr>
+              <a:t>:</a:t>
+            </a:r>
+            <a:r>
+              <a:rPr lang="es-MX" sz="2400" b="1" i="1" dirty="0" smtClean="0">
+                <a:latin typeface="Times New Roman" panose="02020603050405020304" pitchFamily="18" charset="0"/>
+                <a:cs typeface="Times New Roman" panose="02020603050405020304" pitchFamily="18" charset="0"/>
+              </a:rPr>
+              <a:t> propia</a:t>
+            </a:r>
+            <a:endParaRPr lang="es-MX" sz="2400" i="1" dirty="0">
+              <a:latin typeface="Times New Roman" panose="02020603050405020304" pitchFamily="18" charset="0"/>
+              <a:cs typeface="Times New Roman" panose="02020603050405020304" pitchFamily="18" charset="0"/>
+            </a:endParaRPr>
+          </a:p>
+        </p:txBody>
+      </p:sp>
       <p:pic>
         <p:nvPicPr>
-          <p:cNvPr id="8" name="Imagen 7"/>
+          <p:cNvPr id="3" name="Imagen 2"/>
           <p:cNvPicPr>
             <a:picLocks noChangeAspect="1"/>
           </p:cNvPicPr>
@@ -9693,137 +9804,19 @@
               </a:ext>
             </a:extLst>
           </a:blip>
-          <a:srcRect r="235" b="3996"/>
+          <a:srcRect b="4798"/>
           <a:stretch/>
         </p:blipFill>
         <p:spPr>
           <a:xfrm>
-            <a:off x="0" y="1283918"/>
-            <a:ext cx="10059526" cy="5442559"/>
+            <a:off x="-1" y="1303755"/>
+            <a:ext cx="10224845" cy="5472825"/>
           </a:xfrm>
           <a:prstGeom prst="rect">
             <a:avLst/>
           </a:prstGeom>
         </p:spPr>
       </p:pic>
-      <p:sp>
-        <p:nvSpPr>
-          <p:cNvPr id="11" name="Título 1">
-            <a:extLst>
-              <a:ext uri="{FF2B5EF4-FFF2-40B4-BE49-F238E27FC236}">
-                <a16:creationId xmlns="" xmlns:a16="http://schemas.microsoft.com/office/drawing/2014/main" id="{66349900-D031-47AB-BEDC-4E081B677983}"/>
-              </a:ext>
-            </a:extLst>
-          </p:cNvPr>
-          <p:cNvSpPr>
-            <a:spLocks noGrp="1"/>
-          </p:cNvSpPr>
-          <p:nvPr>
-            <p:ph type="title"/>
-          </p:nvPr>
-        </p:nvSpPr>
-        <p:spPr>
-          <a:xfrm>
-            <a:off x="4107542" y="303892"/>
-            <a:ext cx="8084457" cy="726621"/>
-          </a:xfrm>
-        </p:spPr>
-        <p:txBody>
-          <a:bodyPr>
-            <a:normAutofit/>
-          </a:bodyPr>
-          <a:lstStyle/>
-          <a:p>
-            <a:pPr algn="r"/>
-            <a:r>
-              <a:rPr lang="es-MX" b="1" dirty="0" smtClean="0">
-                <a:solidFill>
-                  <a:schemeClr val="bg1"/>
-                </a:solidFill>
-              </a:rPr>
-              <a:t>Etapa </a:t>
-            </a:r>
-            <a:r>
-              <a:rPr lang="es-MX" b="1" dirty="0">
-                <a:solidFill>
-                  <a:schemeClr val="bg1"/>
-                </a:solidFill>
-              </a:rPr>
-              <a:t>4</a:t>
-            </a:r>
-            <a:r>
-              <a:rPr lang="es-MX" b="1" dirty="0" smtClean="0">
-                <a:solidFill>
-                  <a:schemeClr val="bg1"/>
-                </a:solidFill>
-              </a:rPr>
-              <a:t> - Pruebas - Estudiantes</a:t>
-            </a:r>
-            <a:endParaRPr lang="es-MX" b="1" dirty="0">
-              <a:solidFill>
-                <a:schemeClr val="bg1"/>
-              </a:solidFill>
-            </a:endParaRPr>
-          </a:p>
-        </p:txBody>
-      </p:sp>
-      <p:sp>
-        <p:nvSpPr>
-          <p:cNvPr id="5" name="CuadroTexto 4">
-            <a:extLst>
-              <a:ext uri="{FF2B5EF4-FFF2-40B4-BE49-F238E27FC236}">
-                <a16:creationId xmlns="" xmlns:a16="http://schemas.microsoft.com/office/drawing/2014/main" id="{89E46AF4-218E-4E1B-B422-59B657A05EE8}"/>
-              </a:ext>
-            </a:extLst>
-          </p:cNvPr>
-          <p:cNvSpPr txBox="1"/>
-          <p:nvPr/>
-        </p:nvSpPr>
-        <p:spPr>
-          <a:xfrm>
-            <a:off x="10059526" y="1371600"/>
-            <a:ext cx="2132474" cy="461665"/>
-          </a:xfrm>
-          <a:prstGeom prst="rect">
-            <a:avLst/>
-          </a:prstGeom>
-          <a:noFill/>
-        </p:spPr>
-        <p:txBody>
-          <a:bodyPr wrap="square" rtlCol="0">
-            <a:spAutoFit/>
-          </a:bodyPr>
-          <a:lstStyle/>
-          <a:p>
-            <a:pPr algn="just"/>
-            <a:r>
-              <a:rPr lang="es-MX" sz="2400" b="1" i="1" dirty="0" smtClean="0">
-                <a:latin typeface="Times New Roman" panose="02020603050405020304" pitchFamily="18" charset="0"/>
-                <a:cs typeface="Times New Roman" panose="02020603050405020304" pitchFamily="18" charset="0"/>
-              </a:rPr>
-              <a:t>Fuente</a:t>
-            </a:r>
-            <a:r>
-              <a:rPr lang="es-MX" sz="2400" b="1" i="1" dirty="0">
-                <a:latin typeface="Times New Roman" panose="02020603050405020304" pitchFamily="18" charset="0"/>
-                <a:cs typeface="Times New Roman" panose="02020603050405020304" pitchFamily="18" charset="0"/>
-              </a:rPr>
-              <a:t>:</a:t>
-            </a:r>
-            <a:r>
-              <a:rPr lang="es-MX" sz="2400" b="1" i="1" dirty="0" smtClean="0">
-                <a:latin typeface="Times New Roman" panose="02020603050405020304" pitchFamily="18" charset="0"/>
-                <a:cs typeface="Times New Roman" panose="02020603050405020304" pitchFamily="18" charset="0"/>
-              </a:rPr>
-              <a:t> propia</a:t>
-            </a:r>
-            <a:endParaRPr lang="es-MX" sz="2400" i="1" dirty="0">
-              <a:latin typeface="Times New Roman" panose="02020603050405020304" pitchFamily="18" charset="0"/>
-              <a:cs typeface="Times New Roman" panose="02020603050405020304" pitchFamily="18" charset="0"/>
-            </a:endParaRPr>
-          </a:p>
-        </p:txBody>
-      </p:sp>
     </p:spTree>
     <p:extLst>
       <p:ext uri="{BB962C8B-B14F-4D97-AF65-F5344CB8AC3E}">
@@ -10109,8 +10102,8 @@
         </p:nvSpPr>
         <p:spPr>
           <a:xfrm>
-            <a:off x="723900" y="1325563"/>
-            <a:ext cx="10934700" cy="4732337"/>
+            <a:off x="698848" y="1325563"/>
+            <a:ext cx="10111114" cy="4732337"/>
           </a:xfrm>
         </p:spPr>
         <p:txBody>
@@ -10129,11 +10122,7 @@
             </a:pPr>
             <a:r>
               <a:rPr lang="es-CO" sz="4000" dirty="0" smtClean="0"/>
-              <a:t>Se </a:t>
-            </a:r>
-            <a:r>
-              <a:rPr lang="es-CO" sz="4000" dirty="0" smtClean="0"/>
-              <a:t>desarrolló una base de datos MySQL.</a:t>
+              <a:t>Se desarrolló una base de datos MySQL.</a:t>
             </a:r>
           </a:p>
           <a:p>
@@ -10984,8 +10973,8 @@
         </p:nvSpPr>
         <p:spPr>
           <a:xfrm>
-            <a:off x="1002653" y="1343818"/>
-            <a:ext cx="10245719" cy="1812547"/>
+            <a:off x="638827" y="1343818"/>
+            <a:ext cx="10609545" cy="1812547"/>
           </a:xfrm>
           <a:prstGeom prst="rect">
             <a:avLst/>
@@ -11464,8 +11453,8 @@
         </p:nvSpPr>
         <p:spPr>
           <a:xfrm>
-            <a:off x="891975" y="1325563"/>
-            <a:ext cx="10441451" cy="3576812"/>
+            <a:off x="601249" y="1325563"/>
+            <a:ext cx="10732177" cy="3576812"/>
           </a:xfrm>
         </p:spPr>
         <p:txBody>
@@ -11648,8 +11637,8 @@
         </p:nvSpPr>
         <p:spPr>
           <a:xfrm>
-            <a:off x="1001531" y="1343818"/>
-            <a:ext cx="10296945" cy="2426516"/>
+            <a:off x="663879" y="1343818"/>
+            <a:ext cx="10634597" cy="2426516"/>
           </a:xfrm>
         </p:spPr>
         <p:txBody>
@@ -11739,7 +11728,7 @@
         </p:nvSpPr>
         <p:spPr>
           <a:xfrm>
-            <a:off x="613775" y="1662945"/>
+            <a:off x="613775" y="1362321"/>
             <a:ext cx="11386159" cy="4650172"/>
           </a:xfrm>
         </p:spPr>
@@ -12024,7 +12013,7 @@
         </p:nvSpPr>
         <p:spPr>
           <a:xfrm>
-            <a:off x="501041" y="1376431"/>
+            <a:off x="601249" y="1376431"/>
             <a:ext cx="11523945" cy="5224785"/>
           </a:xfrm>
         </p:spPr>
